--- a/DW/Telecommunications and Utilities.pptx
+++ b/DW/Telecommunications and Utilities.pptx
@@ -2,46 +2,52 @@
 <file path=ppt/presentation.xml><?xml version="1.0" encoding="utf-8"?>
 <p:presentation xmlns:a="http://schemas.openxmlformats.org/drawingml/2006/main" xmlns:r="http://schemas.openxmlformats.org/officeDocument/2006/relationships" xmlns:p="http://schemas.openxmlformats.org/presentationml/2006/main" saveSubsetFonts="1">
   <p:sldMasterIdLst>
-    <p:sldMasterId id="2147484332" r:id="rId1"/>
+    <p:sldMasterId id="2147484548" r:id="rId1"/>
   </p:sldMasterIdLst>
+  <p:notesMasterIdLst>
+    <p:notesMasterId r:id="rId42"/>
+  </p:notesMasterIdLst>
   <p:sldIdLst>
     <p:sldId id="256" r:id="rId2"/>
-    <p:sldId id="257" r:id="rId3"/>
-    <p:sldId id="258" r:id="rId4"/>
-    <p:sldId id="262" r:id="rId5"/>
-    <p:sldId id="263" r:id="rId6"/>
-    <p:sldId id="259" r:id="rId7"/>
-    <p:sldId id="260" r:id="rId8"/>
-    <p:sldId id="261" r:id="rId9"/>
-    <p:sldId id="264" r:id="rId10"/>
-    <p:sldId id="265" r:id="rId11"/>
-    <p:sldId id="266" r:id="rId12"/>
-    <p:sldId id="267" r:id="rId13"/>
-    <p:sldId id="268" r:id="rId14"/>
-    <p:sldId id="269" r:id="rId15"/>
-    <p:sldId id="270" r:id="rId16"/>
-    <p:sldId id="271" r:id="rId17"/>
-    <p:sldId id="272" r:id="rId18"/>
-    <p:sldId id="273" r:id="rId19"/>
-    <p:sldId id="274" r:id="rId20"/>
-    <p:sldId id="276" r:id="rId21"/>
-    <p:sldId id="275" r:id="rId22"/>
-    <p:sldId id="277" r:id="rId23"/>
-    <p:sldId id="278" r:id="rId24"/>
-    <p:sldId id="279" r:id="rId25"/>
-    <p:sldId id="280" r:id="rId26"/>
-    <p:sldId id="281" r:id="rId27"/>
-    <p:sldId id="282" r:id="rId28"/>
-    <p:sldId id="283" r:id="rId29"/>
-    <p:sldId id="284" r:id="rId30"/>
-    <p:sldId id="285" r:id="rId31"/>
-    <p:sldId id="286" r:id="rId32"/>
-    <p:sldId id="287" r:id="rId33"/>
-    <p:sldId id="288" r:id="rId34"/>
-    <p:sldId id="290" r:id="rId35"/>
-    <p:sldId id="291" r:id="rId36"/>
-    <p:sldId id="292" r:id="rId37"/>
-    <p:sldId id="289" r:id="rId38"/>
+    <p:sldId id="293" r:id="rId3"/>
+    <p:sldId id="257" r:id="rId4"/>
+    <p:sldId id="294" r:id="rId5"/>
+    <p:sldId id="261" r:id="rId6"/>
+    <p:sldId id="295" r:id="rId7"/>
+    <p:sldId id="264" r:id="rId8"/>
+    <p:sldId id="265" r:id="rId9"/>
+    <p:sldId id="266" r:id="rId10"/>
+    <p:sldId id="267" r:id="rId11"/>
+    <p:sldId id="268" r:id="rId12"/>
+    <p:sldId id="269" r:id="rId13"/>
+    <p:sldId id="270" r:id="rId14"/>
+    <p:sldId id="271" r:id="rId15"/>
+    <p:sldId id="272" r:id="rId16"/>
+    <p:sldId id="273" r:id="rId17"/>
+    <p:sldId id="296" r:id="rId18"/>
+    <p:sldId id="297" r:id="rId19"/>
+    <p:sldId id="298" r:id="rId20"/>
+    <p:sldId id="299" r:id="rId21"/>
+    <p:sldId id="259" r:id="rId22"/>
+    <p:sldId id="281" r:id="rId23"/>
+    <p:sldId id="282" r:id="rId24"/>
+    <p:sldId id="283" r:id="rId25"/>
+    <p:sldId id="284" r:id="rId26"/>
+    <p:sldId id="285" r:id="rId27"/>
+    <p:sldId id="286" r:id="rId28"/>
+    <p:sldId id="287" r:id="rId29"/>
+    <p:sldId id="288" r:id="rId30"/>
+    <p:sldId id="290" r:id="rId31"/>
+    <p:sldId id="291" r:id="rId32"/>
+    <p:sldId id="292" r:id="rId33"/>
+    <p:sldId id="300" r:id="rId34"/>
+    <p:sldId id="301" r:id="rId35"/>
+    <p:sldId id="302" r:id="rId36"/>
+    <p:sldId id="303" r:id="rId37"/>
+    <p:sldId id="304" r:id="rId38"/>
+    <p:sldId id="305" r:id="rId39"/>
+    <p:sldId id="306" r:id="rId40"/>
+    <p:sldId id="289" r:id="rId41"/>
   </p:sldIdLst>
   <p:sldSz cx="9144000" cy="6858000" type="screen4x3"/>
   <p:notesSz cx="6858000" cy="9144000"/>
@@ -146,13 +152,11 @@
         <p14:section name="Default Section" id="{FCEB255D-8313-4232-96B0-0A34EB3F6CAF}">
           <p14:sldIdLst>
             <p14:sldId id="256"/>
+            <p14:sldId id="293"/>
             <p14:sldId id="257"/>
-            <p14:sldId id="258"/>
-            <p14:sldId id="262"/>
-            <p14:sldId id="263"/>
-            <p14:sldId id="259"/>
-            <p14:sldId id="260"/>
+            <p14:sldId id="294"/>
             <p14:sldId id="261"/>
+            <p14:sldId id="295"/>
             <p14:sldId id="264"/>
             <p14:sldId id="265"/>
             <p14:sldId id="266"/>
@@ -163,13 +167,11 @@
             <p14:sldId id="271"/>
             <p14:sldId id="272"/>
             <p14:sldId id="273"/>
-            <p14:sldId id="274"/>
-            <p14:sldId id="276"/>
-            <p14:sldId id="275"/>
-            <p14:sldId id="277"/>
-            <p14:sldId id="278"/>
-            <p14:sldId id="279"/>
-            <p14:sldId id="280"/>
+            <p14:sldId id="296"/>
+            <p14:sldId id="297"/>
+            <p14:sldId id="298"/>
+            <p14:sldId id="299"/>
+            <p14:sldId id="259"/>
             <p14:sldId id="281"/>
             <p14:sldId id="282"/>
             <p14:sldId id="283"/>
@@ -181,6 +183,13 @@
             <p14:sldId id="290"/>
             <p14:sldId id="291"/>
             <p14:sldId id="292"/>
+            <p14:sldId id="300"/>
+            <p14:sldId id="301"/>
+            <p14:sldId id="302"/>
+            <p14:sldId id="303"/>
+            <p14:sldId id="304"/>
+            <p14:sldId id="305"/>
+            <p14:sldId id="306"/>
             <p14:sldId id="289"/>
           </p14:sldIdLst>
         </p14:section>
@@ -188,6 +197,1545 @@
     </p:ext>
   </p:extLst>
 </p:presentation>
+</file>
+
+<file path=ppt/notesMasters/notesMaster1.xml><?xml version="1.0" encoding="utf-8"?>
+<p:notesMaster xmlns:a="http://schemas.openxmlformats.org/drawingml/2006/main" xmlns:r="http://schemas.openxmlformats.org/officeDocument/2006/relationships" xmlns:p="http://schemas.openxmlformats.org/presentationml/2006/main">
+  <p:cSld>
+    <p:bg>
+      <p:bgRef idx="1001">
+        <a:schemeClr val="bg1"/>
+      </p:bgRef>
+    </p:bg>
+    <p:spTree>
+      <p:nvGrpSpPr>
+        <p:cNvPr id="1" name=""/>
+        <p:cNvGrpSpPr/>
+        <p:nvPr/>
+      </p:nvGrpSpPr>
+      <p:grpSpPr>
+        <a:xfrm>
+          <a:off x="0" y="0"/>
+          <a:ext cx="0" cy="0"/>
+          <a:chOff x="0" y="0"/>
+          <a:chExt cx="0" cy="0"/>
+        </a:xfrm>
+      </p:grpSpPr>
+      <p:sp>
+        <p:nvSpPr>
+          <p:cNvPr id="2" name="Header Placeholder 1"/>
+          <p:cNvSpPr>
+            <a:spLocks noGrp="1"/>
+          </p:cNvSpPr>
+          <p:nvPr>
+            <p:ph type="hdr" sz="quarter"/>
+          </p:nvPr>
+        </p:nvSpPr>
+        <p:spPr>
+          <a:xfrm>
+            <a:off x="0" y="0"/>
+            <a:ext cx="2971800" cy="457200"/>
+          </a:xfrm>
+          <a:prstGeom prst="rect">
+            <a:avLst/>
+          </a:prstGeom>
+        </p:spPr>
+        <p:txBody>
+          <a:bodyPr vert="horz" lIns="91440" tIns="45720" rIns="91440" bIns="45720" rtlCol="0"/>
+          <a:lstStyle>
+            <a:lvl1pPr algn="l">
+              <a:defRPr sz="1200"/>
+            </a:lvl1pPr>
+          </a:lstStyle>
+          <a:p>
+            <a:endParaRPr lang="en-US"/>
+          </a:p>
+        </p:txBody>
+      </p:sp>
+      <p:sp>
+        <p:nvSpPr>
+          <p:cNvPr id="3" name="Date Placeholder 2"/>
+          <p:cNvSpPr>
+            <a:spLocks noGrp="1"/>
+          </p:cNvSpPr>
+          <p:nvPr>
+            <p:ph type="dt" idx="1"/>
+          </p:nvPr>
+        </p:nvSpPr>
+        <p:spPr>
+          <a:xfrm>
+            <a:off x="3884613" y="0"/>
+            <a:ext cx="2971800" cy="457200"/>
+          </a:xfrm>
+          <a:prstGeom prst="rect">
+            <a:avLst/>
+          </a:prstGeom>
+        </p:spPr>
+        <p:txBody>
+          <a:bodyPr vert="horz" lIns="91440" tIns="45720" rIns="91440" bIns="45720" rtlCol="0"/>
+          <a:lstStyle>
+            <a:lvl1pPr algn="r">
+              <a:defRPr sz="1200"/>
+            </a:lvl1pPr>
+          </a:lstStyle>
+          <a:p>
+            <a:fld id="{492A30F4-F73E-48D4-818A-EA375B669B4F}" type="datetimeFigureOut">
+              <a:rPr lang="en-US" smtClean="0"/>
+              <a:t>8/21/2010</a:t>
+            </a:fld>
+            <a:endParaRPr lang="en-US"/>
+          </a:p>
+        </p:txBody>
+      </p:sp>
+      <p:sp>
+        <p:nvSpPr>
+          <p:cNvPr id="4" name="Slide Image Placeholder 3"/>
+          <p:cNvSpPr>
+            <a:spLocks noGrp="1" noRot="1" noChangeAspect="1"/>
+          </p:cNvSpPr>
+          <p:nvPr>
+            <p:ph type="sldImg" idx="2"/>
+          </p:nvPr>
+        </p:nvSpPr>
+        <p:spPr>
+          <a:xfrm>
+            <a:off x="1143000" y="685800"/>
+            <a:ext cx="4572000" cy="3429000"/>
+          </a:xfrm>
+          <a:prstGeom prst="rect">
+            <a:avLst/>
+          </a:prstGeom>
+          <a:noFill/>
+          <a:ln w="12700">
+            <a:solidFill>
+              <a:prstClr val="black"/>
+            </a:solidFill>
+          </a:ln>
+        </p:spPr>
+        <p:txBody>
+          <a:bodyPr vert="horz" lIns="91440" tIns="45720" rIns="91440" bIns="45720" rtlCol="0" anchor="ctr"/>
+          <a:lstStyle/>
+          <a:p>
+            <a:endParaRPr lang="en-US"/>
+          </a:p>
+        </p:txBody>
+      </p:sp>
+      <p:sp>
+        <p:nvSpPr>
+          <p:cNvPr id="5" name="Notes Placeholder 4"/>
+          <p:cNvSpPr>
+            <a:spLocks noGrp="1"/>
+          </p:cNvSpPr>
+          <p:nvPr>
+            <p:ph type="body" sz="quarter" idx="3"/>
+          </p:nvPr>
+        </p:nvSpPr>
+        <p:spPr>
+          <a:xfrm>
+            <a:off x="685800" y="4343400"/>
+            <a:ext cx="5486400" cy="4114800"/>
+          </a:xfrm>
+          <a:prstGeom prst="rect">
+            <a:avLst/>
+          </a:prstGeom>
+        </p:spPr>
+        <p:txBody>
+          <a:bodyPr vert="horz" lIns="91440" tIns="45720" rIns="91440" bIns="45720" rtlCol="0"/>
+          <a:lstStyle/>
+          <a:p>
+            <a:pPr lvl="0"/>
+            <a:r>
+              <a:rPr lang="en-US" smtClean="0"/>
+              <a:t>Click to edit Master text styles</a:t>
+            </a:r>
+          </a:p>
+          <a:p>
+            <a:pPr lvl="1"/>
+            <a:r>
+              <a:rPr lang="en-US" smtClean="0"/>
+              <a:t>Second level</a:t>
+            </a:r>
+          </a:p>
+          <a:p>
+            <a:pPr lvl="2"/>
+            <a:r>
+              <a:rPr lang="en-US" smtClean="0"/>
+              <a:t>Third level</a:t>
+            </a:r>
+          </a:p>
+          <a:p>
+            <a:pPr lvl="3"/>
+            <a:r>
+              <a:rPr lang="en-US" smtClean="0"/>
+              <a:t>Fourth level</a:t>
+            </a:r>
+          </a:p>
+          <a:p>
+            <a:pPr lvl="4"/>
+            <a:r>
+              <a:rPr lang="en-US" smtClean="0"/>
+              <a:t>Fifth level</a:t>
+            </a:r>
+            <a:endParaRPr lang="en-US"/>
+          </a:p>
+        </p:txBody>
+      </p:sp>
+      <p:sp>
+        <p:nvSpPr>
+          <p:cNvPr id="6" name="Footer Placeholder 5"/>
+          <p:cNvSpPr>
+            <a:spLocks noGrp="1"/>
+          </p:cNvSpPr>
+          <p:nvPr>
+            <p:ph type="ftr" sz="quarter" idx="4"/>
+          </p:nvPr>
+        </p:nvSpPr>
+        <p:spPr>
+          <a:xfrm>
+            <a:off x="0" y="8685213"/>
+            <a:ext cx="2971800" cy="457200"/>
+          </a:xfrm>
+          <a:prstGeom prst="rect">
+            <a:avLst/>
+          </a:prstGeom>
+        </p:spPr>
+        <p:txBody>
+          <a:bodyPr vert="horz" lIns="91440" tIns="45720" rIns="91440" bIns="45720" rtlCol="0" anchor="b"/>
+          <a:lstStyle>
+            <a:lvl1pPr algn="l">
+              <a:defRPr sz="1200"/>
+            </a:lvl1pPr>
+          </a:lstStyle>
+          <a:p>
+            <a:endParaRPr lang="en-US"/>
+          </a:p>
+        </p:txBody>
+      </p:sp>
+      <p:sp>
+        <p:nvSpPr>
+          <p:cNvPr id="7" name="Slide Number Placeholder 6"/>
+          <p:cNvSpPr>
+            <a:spLocks noGrp="1"/>
+          </p:cNvSpPr>
+          <p:nvPr>
+            <p:ph type="sldNum" sz="quarter" idx="5"/>
+          </p:nvPr>
+        </p:nvSpPr>
+        <p:spPr>
+          <a:xfrm>
+            <a:off x="3884613" y="8685213"/>
+            <a:ext cx="2971800" cy="457200"/>
+          </a:xfrm>
+          <a:prstGeom prst="rect">
+            <a:avLst/>
+          </a:prstGeom>
+        </p:spPr>
+        <p:txBody>
+          <a:bodyPr vert="horz" lIns="91440" tIns="45720" rIns="91440" bIns="45720" rtlCol="0" anchor="b"/>
+          <a:lstStyle>
+            <a:lvl1pPr algn="r">
+              <a:defRPr sz="1200"/>
+            </a:lvl1pPr>
+          </a:lstStyle>
+          <a:p>
+            <a:fld id="{DF9DE737-B4DC-4460-BBCA-76C7F2308527}" type="slidenum">
+              <a:rPr lang="en-US" smtClean="0"/>
+              <a:t>‹#›</a:t>
+            </a:fld>
+            <a:endParaRPr lang="en-US"/>
+          </a:p>
+        </p:txBody>
+      </p:sp>
+    </p:spTree>
+    <p:extLst>
+      <p:ext uri="{BB962C8B-B14F-4D97-AF65-F5344CB8AC3E}">
+        <p14:creationId xmlns:p14="http://schemas.microsoft.com/office/powerpoint/2010/main" val="1047249578"/>
+      </p:ext>
+    </p:extLst>
+  </p:cSld>
+  <p:clrMap bg1="lt1" tx1="dk1" bg2="lt2" tx2="dk2" accent1="accent1" accent2="accent2" accent3="accent3" accent4="accent4" accent5="accent5" accent6="accent6" hlink="hlink" folHlink="folHlink"/>
+  <p:notesStyle>
+    <a:lvl1pPr marL="0" algn="l" defTabSz="914400" rtl="0" eaLnBrk="1" latinLnBrk="0" hangingPunct="1">
+      <a:defRPr sz="1200" kern="1200">
+        <a:solidFill>
+          <a:schemeClr val="tx1"/>
+        </a:solidFill>
+        <a:latin typeface="+mn-lt"/>
+        <a:ea typeface="+mn-ea"/>
+        <a:cs typeface="+mn-cs"/>
+      </a:defRPr>
+    </a:lvl1pPr>
+    <a:lvl2pPr marL="457200" algn="l" defTabSz="914400" rtl="0" eaLnBrk="1" latinLnBrk="0" hangingPunct="1">
+      <a:defRPr sz="1200" kern="1200">
+        <a:solidFill>
+          <a:schemeClr val="tx1"/>
+        </a:solidFill>
+        <a:latin typeface="+mn-lt"/>
+        <a:ea typeface="+mn-ea"/>
+        <a:cs typeface="+mn-cs"/>
+      </a:defRPr>
+    </a:lvl2pPr>
+    <a:lvl3pPr marL="914400" algn="l" defTabSz="914400" rtl="0" eaLnBrk="1" latinLnBrk="0" hangingPunct="1">
+      <a:defRPr sz="1200" kern="1200">
+        <a:solidFill>
+          <a:schemeClr val="tx1"/>
+        </a:solidFill>
+        <a:latin typeface="+mn-lt"/>
+        <a:ea typeface="+mn-ea"/>
+        <a:cs typeface="+mn-cs"/>
+      </a:defRPr>
+    </a:lvl3pPr>
+    <a:lvl4pPr marL="1371600" algn="l" defTabSz="914400" rtl="0" eaLnBrk="1" latinLnBrk="0" hangingPunct="1">
+      <a:defRPr sz="1200" kern="1200">
+        <a:solidFill>
+          <a:schemeClr val="tx1"/>
+        </a:solidFill>
+        <a:latin typeface="+mn-lt"/>
+        <a:ea typeface="+mn-ea"/>
+        <a:cs typeface="+mn-cs"/>
+      </a:defRPr>
+    </a:lvl4pPr>
+    <a:lvl5pPr marL="1828800" algn="l" defTabSz="914400" rtl="0" eaLnBrk="1" latinLnBrk="0" hangingPunct="1">
+      <a:defRPr sz="1200" kern="1200">
+        <a:solidFill>
+          <a:schemeClr val="tx1"/>
+        </a:solidFill>
+        <a:latin typeface="+mn-lt"/>
+        <a:ea typeface="+mn-ea"/>
+        <a:cs typeface="+mn-cs"/>
+      </a:defRPr>
+    </a:lvl5pPr>
+    <a:lvl6pPr marL="2286000" algn="l" defTabSz="914400" rtl="0" eaLnBrk="1" latinLnBrk="0" hangingPunct="1">
+      <a:defRPr sz="1200" kern="1200">
+        <a:solidFill>
+          <a:schemeClr val="tx1"/>
+        </a:solidFill>
+        <a:latin typeface="+mn-lt"/>
+        <a:ea typeface="+mn-ea"/>
+        <a:cs typeface="+mn-cs"/>
+      </a:defRPr>
+    </a:lvl6pPr>
+    <a:lvl7pPr marL="2743200" algn="l" defTabSz="914400" rtl="0" eaLnBrk="1" latinLnBrk="0" hangingPunct="1">
+      <a:defRPr sz="1200" kern="1200">
+        <a:solidFill>
+          <a:schemeClr val="tx1"/>
+        </a:solidFill>
+        <a:latin typeface="+mn-lt"/>
+        <a:ea typeface="+mn-ea"/>
+        <a:cs typeface="+mn-cs"/>
+      </a:defRPr>
+    </a:lvl7pPr>
+    <a:lvl8pPr marL="3200400" algn="l" defTabSz="914400" rtl="0" eaLnBrk="1" latinLnBrk="0" hangingPunct="1">
+      <a:defRPr sz="1200" kern="1200">
+        <a:solidFill>
+          <a:schemeClr val="tx1"/>
+        </a:solidFill>
+        <a:latin typeface="+mn-lt"/>
+        <a:ea typeface="+mn-ea"/>
+        <a:cs typeface="+mn-cs"/>
+      </a:defRPr>
+    </a:lvl8pPr>
+    <a:lvl9pPr marL="3657600" algn="l" defTabSz="914400" rtl="0" eaLnBrk="1" latinLnBrk="0" hangingPunct="1">
+      <a:defRPr sz="1200" kern="1200">
+        <a:solidFill>
+          <a:schemeClr val="tx1"/>
+        </a:solidFill>
+        <a:latin typeface="+mn-lt"/>
+        <a:ea typeface="+mn-ea"/>
+        <a:cs typeface="+mn-cs"/>
+      </a:defRPr>
+    </a:lvl9pPr>
+  </p:notesStyle>
+</p:notesMaster>
+</file>
+
+<file path=ppt/notesSlides/notesSlide1.xml><?xml version="1.0" encoding="utf-8"?>
+<p:notes xmlns:a="http://schemas.openxmlformats.org/drawingml/2006/main" xmlns:r="http://schemas.openxmlformats.org/officeDocument/2006/relationships" xmlns:p="http://schemas.openxmlformats.org/presentationml/2006/main">
+  <p:cSld>
+    <p:spTree>
+      <p:nvGrpSpPr>
+        <p:cNvPr id="1" name=""/>
+        <p:cNvGrpSpPr/>
+        <p:nvPr/>
+      </p:nvGrpSpPr>
+      <p:grpSpPr>
+        <a:xfrm>
+          <a:off x="0" y="0"/>
+          <a:ext cx="0" cy="0"/>
+          <a:chOff x="0" y="0"/>
+          <a:chExt cx="0" cy="0"/>
+        </a:xfrm>
+      </p:grpSpPr>
+      <p:sp>
+        <p:nvSpPr>
+          <p:cNvPr id="2" name="Slide Image Placeholder 1"/>
+          <p:cNvSpPr>
+            <a:spLocks noGrp="1" noRot="1" noChangeAspect="1"/>
+          </p:cNvSpPr>
+          <p:nvPr>
+            <p:ph type="sldImg"/>
+          </p:nvPr>
+        </p:nvSpPr>
+        <p:spPr/>
+      </p:sp>
+      <p:sp>
+        <p:nvSpPr>
+          <p:cNvPr id="3" name="Notes Placeholder 2"/>
+          <p:cNvSpPr>
+            <a:spLocks noGrp="1"/>
+          </p:cNvSpPr>
+          <p:nvPr>
+            <p:ph type="body" idx="1"/>
+          </p:nvPr>
+        </p:nvSpPr>
+        <p:spPr/>
+        <p:txBody>
+          <a:bodyPr/>
+          <a:lstStyle/>
+          <a:p>
+            <a:r>
+              <a:rPr lang="th-TH" b="1" dirty="0" smtClean="0"/>
+              <a:t>ระบบสนับสนุนการตัดสินใจ (</a:t>
+            </a:r>
+            <a:r>
+              <a:rPr lang="en-US" b="1" dirty="0" smtClean="0"/>
+              <a:t>Decision support system)</a:t>
+            </a:r>
+            <a:r>
+              <a:rPr lang="en-US" dirty="0" smtClean="0"/>
+              <a:t> </a:t>
+            </a:r>
+            <a:r>
+              <a:rPr lang="th-TH" dirty="0" smtClean="0"/>
+              <a:t>หมายถึง ซอฟท์แวร์ที่ช่วยในการตัดสินใจเกี่ยวกับการจัดการ การรวบรวมข้อมูล การวิเคราะห์ข้อมูล และการสร้างตัวแบบที่ซับซ้อน ภายใต้ซอฟท์แวร์เดียวกัน </a:t>
+            </a:r>
+            <a:endParaRPr lang="en-US" dirty="0"/>
+          </a:p>
+        </p:txBody>
+      </p:sp>
+      <p:sp>
+        <p:nvSpPr>
+          <p:cNvPr id="4" name="Slide Number Placeholder 3"/>
+          <p:cNvSpPr>
+            <a:spLocks noGrp="1"/>
+          </p:cNvSpPr>
+          <p:nvPr>
+            <p:ph type="sldNum" sz="quarter" idx="10"/>
+          </p:nvPr>
+        </p:nvSpPr>
+        <p:spPr/>
+        <p:txBody>
+          <a:bodyPr/>
+          <a:lstStyle/>
+          <a:p>
+            <a:fld id="{DF9DE737-B4DC-4460-BBCA-76C7F2308527}" type="slidenum">
+              <a:rPr lang="en-US" smtClean="0"/>
+              <a:t>2</a:t>
+            </a:fld>
+            <a:endParaRPr lang="en-US"/>
+          </a:p>
+        </p:txBody>
+      </p:sp>
+    </p:spTree>
+    <p:extLst>
+      <p:ext uri="{BB962C8B-B14F-4D97-AF65-F5344CB8AC3E}">
+        <p14:creationId xmlns:p14="http://schemas.microsoft.com/office/powerpoint/2010/main" val="907731330"/>
+      </p:ext>
+    </p:extLst>
+  </p:cSld>
+  <p:clrMapOvr>
+    <a:masterClrMapping/>
+  </p:clrMapOvr>
+</p:notes>
+</file>
+
+<file path=ppt/notesSlides/notesSlide10.xml><?xml version="1.0" encoding="utf-8"?>
+<p:notes xmlns:a="http://schemas.openxmlformats.org/drawingml/2006/main" xmlns:r="http://schemas.openxmlformats.org/officeDocument/2006/relationships" xmlns:p="http://schemas.openxmlformats.org/presentationml/2006/main">
+  <p:cSld>
+    <p:spTree>
+      <p:nvGrpSpPr>
+        <p:cNvPr id="1" name=""/>
+        <p:cNvGrpSpPr/>
+        <p:nvPr/>
+      </p:nvGrpSpPr>
+      <p:grpSpPr>
+        <a:xfrm>
+          <a:off x="0" y="0"/>
+          <a:ext cx="0" cy="0"/>
+          <a:chOff x="0" y="0"/>
+          <a:chExt cx="0" cy="0"/>
+        </a:xfrm>
+      </p:grpSpPr>
+      <p:sp>
+        <p:nvSpPr>
+          <p:cNvPr id="2" name="Slide Image Placeholder 1"/>
+          <p:cNvSpPr>
+            <a:spLocks noGrp="1" noRot="1" noChangeAspect="1"/>
+          </p:cNvSpPr>
+          <p:nvPr>
+            <p:ph type="sldImg"/>
+          </p:nvPr>
+        </p:nvSpPr>
+        <p:spPr/>
+      </p:sp>
+      <p:sp>
+        <p:nvSpPr>
+          <p:cNvPr id="3" name="Notes Placeholder 2"/>
+          <p:cNvSpPr>
+            <a:spLocks noGrp="1"/>
+          </p:cNvSpPr>
+          <p:nvPr>
+            <p:ph type="body" idx="1"/>
+          </p:nvPr>
+        </p:nvSpPr>
+        <p:spPr/>
+        <p:txBody>
+          <a:bodyPr>
+            <a:normAutofit/>
+          </a:bodyPr>
+          <a:lstStyle/>
+          <a:p>
+            <a:endParaRPr lang="en-US"/>
+          </a:p>
+        </p:txBody>
+      </p:sp>
+      <p:sp>
+        <p:nvSpPr>
+          <p:cNvPr id="4" name="Slide Number Placeholder 3"/>
+          <p:cNvSpPr>
+            <a:spLocks noGrp="1"/>
+          </p:cNvSpPr>
+          <p:nvPr>
+            <p:ph type="sldNum" sz="quarter" idx="10"/>
+          </p:nvPr>
+        </p:nvSpPr>
+        <p:spPr/>
+        <p:txBody>
+          <a:bodyPr/>
+          <a:lstStyle/>
+          <a:p>
+            <a:fld id="{EE46199D-95DD-4183-B108-ED69B197BA71}" type="slidenum">
+              <a:rPr lang="th-TH" smtClean="0"/>
+              <a:pPr/>
+              <a:t>37</a:t>
+            </a:fld>
+            <a:endParaRPr lang="th-TH"/>
+          </a:p>
+        </p:txBody>
+      </p:sp>
+    </p:spTree>
+  </p:cSld>
+  <p:clrMapOvr>
+    <a:masterClrMapping/>
+  </p:clrMapOvr>
+</p:notes>
+</file>
+
+<file path=ppt/notesSlides/notesSlide11.xml><?xml version="1.0" encoding="utf-8"?>
+<p:notes xmlns:a="http://schemas.openxmlformats.org/drawingml/2006/main" xmlns:r="http://schemas.openxmlformats.org/officeDocument/2006/relationships" xmlns:p="http://schemas.openxmlformats.org/presentationml/2006/main">
+  <p:cSld>
+    <p:spTree>
+      <p:nvGrpSpPr>
+        <p:cNvPr id="1" name=""/>
+        <p:cNvGrpSpPr/>
+        <p:nvPr/>
+      </p:nvGrpSpPr>
+      <p:grpSpPr>
+        <a:xfrm>
+          <a:off x="0" y="0"/>
+          <a:ext cx="0" cy="0"/>
+          <a:chOff x="0" y="0"/>
+          <a:chExt cx="0" cy="0"/>
+        </a:xfrm>
+      </p:grpSpPr>
+      <p:sp>
+        <p:nvSpPr>
+          <p:cNvPr id="2" name="Slide Image Placeholder 1"/>
+          <p:cNvSpPr>
+            <a:spLocks noGrp="1" noRot="1" noChangeAspect="1"/>
+          </p:cNvSpPr>
+          <p:nvPr>
+            <p:ph type="sldImg"/>
+          </p:nvPr>
+        </p:nvSpPr>
+        <p:spPr/>
+      </p:sp>
+      <p:sp>
+        <p:nvSpPr>
+          <p:cNvPr id="3" name="Notes Placeholder 2"/>
+          <p:cNvSpPr>
+            <a:spLocks noGrp="1"/>
+          </p:cNvSpPr>
+          <p:nvPr>
+            <p:ph type="body" idx="1"/>
+          </p:nvPr>
+        </p:nvSpPr>
+        <p:spPr/>
+        <p:txBody>
+          <a:bodyPr>
+            <a:normAutofit/>
+          </a:bodyPr>
+          <a:lstStyle/>
+          <a:p>
+            <a:endParaRPr lang="en-US"/>
+          </a:p>
+        </p:txBody>
+      </p:sp>
+      <p:sp>
+        <p:nvSpPr>
+          <p:cNvPr id="4" name="Slide Number Placeholder 3"/>
+          <p:cNvSpPr>
+            <a:spLocks noGrp="1"/>
+          </p:cNvSpPr>
+          <p:nvPr>
+            <p:ph type="sldNum" sz="quarter" idx="10"/>
+          </p:nvPr>
+        </p:nvSpPr>
+        <p:spPr/>
+        <p:txBody>
+          <a:bodyPr/>
+          <a:lstStyle/>
+          <a:p>
+            <a:fld id="{EE46199D-95DD-4183-B108-ED69B197BA71}" type="slidenum">
+              <a:rPr lang="th-TH" smtClean="0"/>
+              <a:pPr/>
+              <a:t>38</a:t>
+            </a:fld>
+            <a:endParaRPr lang="th-TH"/>
+          </a:p>
+        </p:txBody>
+      </p:sp>
+    </p:spTree>
+  </p:cSld>
+  <p:clrMapOvr>
+    <a:masterClrMapping/>
+  </p:clrMapOvr>
+</p:notes>
+</file>
+
+<file path=ppt/notesSlides/notesSlide12.xml><?xml version="1.0" encoding="utf-8"?>
+<p:notes xmlns:a="http://schemas.openxmlformats.org/drawingml/2006/main" xmlns:r="http://schemas.openxmlformats.org/officeDocument/2006/relationships" xmlns:p="http://schemas.openxmlformats.org/presentationml/2006/main">
+  <p:cSld>
+    <p:spTree>
+      <p:nvGrpSpPr>
+        <p:cNvPr id="1" name=""/>
+        <p:cNvGrpSpPr/>
+        <p:nvPr/>
+      </p:nvGrpSpPr>
+      <p:grpSpPr>
+        <a:xfrm>
+          <a:off x="0" y="0"/>
+          <a:ext cx="0" cy="0"/>
+          <a:chOff x="0" y="0"/>
+          <a:chExt cx="0" cy="0"/>
+        </a:xfrm>
+      </p:grpSpPr>
+      <p:sp>
+        <p:nvSpPr>
+          <p:cNvPr id="2" name="Slide Image Placeholder 1"/>
+          <p:cNvSpPr>
+            <a:spLocks noGrp="1" noRot="1" noChangeAspect="1"/>
+          </p:cNvSpPr>
+          <p:nvPr>
+            <p:ph type="sldImg"/>
+          </p:nvPr>
+        </p:nvSpPr>
+        <p:spPr/>
+      </p:sp>
+      <p:sp>
+        <p:nvSpPr>
+          <p:cNvPr id="3" name="Notes Placeholder 2"/>
+          <p:cNvSpPr>
+            <a:spLocks noGrp="1"/>
+          </p:cNvSpPr>
+          <p:nvPr>
+            <p:ph type="body" idx="1"/>
+          </p:nvPr>
+        </p:nvSpPr>
+        <p:spPr/>
+        <p:txBody>
+          <a:bodyPr>
+            <a:normAutofit/>
+          </a:bodyPr>
+          <a:lstStyle/>
+          <a:p>
+            <a:endParaRPr lang="en-US"/>
+          </a:p>
+        </p:txBody>
+      </p:sp>
+      <p:sp>
+        <p:nvSpPr>
+          <p:cNvPr id="4" name="Slide Number Placeholder 3"/>
+          <p:cNvSpPr>
+            <a:spLocks noGrp="1"/>
+          </p:cNvSpPr>
+          <p:nvPr>
+            <p:ph type="sldNum" sz="quarter" idx="10"/>
+          </p:nvPr>
+        </p:nvSpPr>
+        <p:spPr/>
+        <p:txBody>
+          <a:bodyPr/>
+          <a:lstStyle/>
+          <a:p>
+            <a:fld id="{EE46199D-95DD-4183-B108-ED69B197BA71}" type="slidenum">
+              <a:rPr lang="th-TH" smtClean="0"/>
+              <a:pPr/>
+              <a:t>39</a:t>
+            </a:fld>
+            <a:endParaRPr lang="th-TH"/>
+          </a:p>
+        </p:txBody>
+      </p:sp>
+    </p:spTree>
+  </p:cSld>
+  <p:clrMapOvr>
+    <a:masterClrMapping/>
+  </p:clrMapOvr>
+</p:notes>
+</file>
+
+<file path=ppt/notesSlides/notesSlide13.xml><?xml version="1.0" encoding="utf-8"?>
+<p:notes xmlns:a="http://schemas.openxmlformats.org/drawingml/2006/main" xmlns:r="http://schemas.openxmlformats.org/officeDocument/2006/relationships" xmlns:p="http://schemas.openxmlformats.org/presentationml/2006/main">
+  <p:cSld>
+    <p:spTree>
+      <p:nvGrpSpPr>
+        <p:cNvPr id="1" name=""/>
+        <p:cNvGrpSpPr/>
+        <p:nvPr/>
+      </p:nvGrpSpPr>
+      <p:grpSpPr>
+        <a:xfrm>
+          <a:off x="0" y="0"/>
+          <a:ext cx="0" cy="0"/>
+          <a:chOff x="0" y="0"/>
+          <a:chExt cx="0" cy="0"/>
+        </a:xfrm>
+      </p:grpSpPr>
+      <p:sp>
+        <p:nvSpPr>
+          <p:cNvPr id="2" name="Slide Image Placeholder 1"/>
+          <p:cNvSpPr>
+            <a:spLocks noGrp="1" noRot="1" noChangeAspect="1"/>
+          </p:cNvSpPr>
+          <p:nvPr>
+            <p:ph type="sldImg"/>
+          </p:nvPr>
+        </p:nvSpPr>
+        <p:spPr/>
+      </p:sp>
+      <p:sp>
+        <p:nvSpPr>
+          <p:cNvPr id="3" name="Notes Placeholder 2"/>
+          <p:cNvSpPr>
+            <a:spLocks noGrp="1"/>
+          </p:cNvSpPr>
+          <p:nvPr>
+            <p:ph type="body" idx="1"/>
+          </p:nvPr>
+        </p:nvSpPr>
+        <p:spPr/>
+        <p:txBody>
+          <a:bodyPr/>
+          <a:lstStyle/>
+          <a:p>
+            <a:endParaRPr lang="en-US" dirty="0"/>
+          </a:p>
+        </p:txBody>
+      </p:sp>
+      <p:sp>
+        <p:nvSpPr>
+          <p:cNvPr id="4" name="Slide Number Placeholder 3"/>
+          <p:cNvSpPr>
+            <a:spLocks noGrp="1"/>
+          </p:cNvSpPr>
+          <p:nvPr>
+            <p:ph type="sldNum" sz="quarter" idx="10"/>
+          </p:nvPr>
+        </p:nvSpPr>
+        <p:spPr/>
+        <p:txBody>
+          <a:bodyPr/>
+          <a:lstStyle/>
+          <a:p>
+            <a:fld id="{DF9DE737-B4DC-4460-BBCA-76C7F2308527}" type="slidenum">
+              <a:rPr lang="en-US" smtClean="0"/>
+              <a:t>40</a:t>
+            </a:fld>
+            <a:endParaRPr lang="en-US"/>
+          </a:p>
+        </p:txBody>
+      </p:sp>
+    </p:spTree>
+    <p:extLst>
+      <p:ext uri="{BB962C8B-B14F-4D97-AF65-F5344CB8AC3E}">
+        <p14:creationId xmlns:p14="http://schemas.microsoft.com/office/powerpoint/2010/main" val="736845699"/>
+      </p:ext>
+    </p:extLst>
+  </p:cSld>
+  <p:clrMapOvr>
+    <a:masterClrMapping/>
+  </p:clrMapOvr>
+</p:notes>
+</file>
+
+<file path=ppt/notesSlides/notesSlide2.xml><?xml version="1.0" encoding="utf-8"?>
+<p:notes xmlns:a="http://schemas.openxmlformats.org/drawingml/2006/main" xmlns:r="http://schemas.openxmlformats.org/officeDocument/2006/relationships" xmlns:p="http://schemas.openxmlformats.org/presentationml/2006/main">
+  <p:cSld>
+    <p:spTree>
+      <p:nvGrpSpPr>
+        <p:cNvPr id="1" name=""/>
+        <p:cNvGrpSpPr/>
+        <p:nvPr/>
+      </p:nvGrpSpPr>
+      <p:grpSpPr>
+        <a:xfrm>
+          <a:off x="0" y="0"/>
+          <a:ext cx="0" cy="0"/>
+          <a:chOff x="0" y="0"/>
+          <a:chExt cx="0" cy="0"/>
+        </a:xfrm>
+      </p:grpSpPr>
+      <p:sp>
+        <p:nvSpPr>
+          <p:cNvPr id="2" name="Slide Image Placeholder 1"/>
+          <p:cNvSpPr>
+            <a:spLocks noGrp="1" noRot="1" noChangeAspect="1"/>
+          </p:cNvSpPr>
+          <p:nvPr>
+            <p:ph type="sldImg"/>
+          </p:nvPr>
+        </p:nvSpPr>
+        <p:spPr/>
+      </p:sp>
+      <p:sp>
+        <p:nvSpPr>
+          <p:cNvPr id="3" name="Notes Placeholder 2"/>
+          <p:cNvSpPr>
+            <a:spLocks noGrp="1"/>
+          </p:cNvSpPr>
+          <p:nvPr>
+            <p:ph type="body" idx="1"/>
+          </p:nvPr>
+        </p:nvSpPr>
+        <p:spPr/>
+        <p:txBody>
+          <a:bodyPr/>
+          <a:lstStyle/>
+          <a:p>
+            <a:r>
+              <a:rPr lang="th-TH" dirty="0" smtClean="0"/>
+              <a:t>ทางซ้ายเป็นแบบที่มีความละเอียดมาก</a:t>
+            </a:r>
+          </a:p>
+          <a:p>
+            <a:r>
+              <a:rPr lang="th-TH" dirty="0" smtClean="0"/>
+              <a:t>ทางขวาเป็นแบบที่เหมาะสมกับ</a:t>
+            </a:r>
+            <a:r>
+              <a:rPr lang="th-TH" baseline="0" dirty="0" smtClean="0"/>
+              <a:t> </a:t>
+            </a:r>
+            <a:r>
+              <a:rPr lang="en-US" baseline="0" dirty="0" smtClean="0"/>
+              <a:t>telecommunication and  </a:t>
+            </a:r>
+            <a:r>
+              <a:rPr lang="en-US" baseline="0" dirty="0" err="1" smtClean="0"/>
+              <a:t>Uilities</a:t>
+            </a:r>
+            <a:r>
+              <a:rPr lang="en-US" baseline="0" dirty="0" smtClean="0"/>
+              <a:t> </a:t>
+            </a:r>
+          </a:p>
+          <a:p>
+            <a:r>
+              <a:rPr lang="th-TH" baseline="0" dirty="0" smtClean="0"/>
+              <a:t>เพราะ เวลาเก็บ </a:t>
+            </a:r>
+            <a:r>
+              <a:rPr lang="en-US" baseline="0" dirty="0" smtClean="0"/>
+              <a:t>bill </a:t>
+            </a:r>
+            <a:r>
+              <a:rPr lang="th-TH" baseline="0" dirty="0" smtClean="0"/>
+              <a:t>เราไม่ดูการเก็บเป็นรายวัน หรือรายสัปดาห์</a:t>
+            </a:r>
+            <a:endParaRPr lang="en-US" baseline="0" dirty="0" smtClean="0"/>
+          </a:p>
+          <a:p>
+            <a:endParaRPr lang="en-US" dirty="0"/>
+          </a:p>
+        </p:txBody>
+      </p:sp>
+      <p:sp>
+        <p:nvSpPr>
+          <p:cNvPr id="4" name="Slide Number Placeholder 3"/>
+          <p:cNvSpPr>
+            <a:spLocks noGrp="1"/>
+          </p:cNvSpPr>
+          <p:nvPr>
+            <p:ph type="sldNum" sz="quarter" idx="10"/>
+          </p:nvPr>
+        </p:nvSpPr>
+        <p:spPr/>
+        <p:txBody>
+          <a:bodyPr/>
+          <a:lstStyle/>
+          <a:p>
+            <a:fld id="{DF9DE737-B4DC-4460-BBCA-76C7F2308527}" type="slidenum">
+              <a:rPr lang="en-US" smtClean="0"/>
+              <a:t>6</a:t>
+            </a:fld>
+            <a:endParaRPr lang="en-US"/>
+          </a:p>
+        </p:txBody>
+      </p:sp>
+    </p:spTree>
+    <p:extLst>
+      <p:ext uri="{BB962C8B-B14F-4D97-AF65-F5344CB8AC3E}">
+        <p14:creationId xmlns:p14="http://schemas.microsoft.com/office/powerpoint/2010/main" val="2464362948"/>
+      </p:ext>
+    </p:extLst>
+  </p:cSld>
+  <p:clrMapOvr>
+    <a:masterClrMapping/>
+  </p:clrMapOvr>
+</p:notes>
+</file>
+
+<file path=ppt/notesSlides/notesSlide3.xml><?xml version="1.0" encoding="utf-8"?>
+<p:notes xmlns:a="http://schemas.openxmlformats.org/drawingml/2006/main" xmlns:r="http://schemas.openxmlformats.org/officeDocument/2006/relationships" xmlns:p="http://schemas.openxmlformats.org/presentationml/2006/main">
+  <p:cSld>
+    <p:spTree>
+      <p:nvGrpSpPr>
+        <p:cNvPr id="1" name=""/>
+        <p:cNvGrpSpPr/>
+        <p:nvPr/>
+      </p:nvGrpSpPr>
+      <p:grpSpPr>
+        <a:xfrm>
+          <a:off x="0" y="0"/>
+          <a:ext cx="0" cy="0"/>
+          <a:chOff x="0" y="0"/>
+          <a:chExt cx="0" cy="0"/>
+        </a:xfrm>
+      </p:grpSpPr>
+      <p:sp>
+        <p:nvSpPr>
+          <p:cNvPr id="2" name="Slide Image Placeholder 1"/>
+          <p:cNvSpPr>
+            <a:spLocks noGrp="1" noRot="1" noChangeAspect="1"/>
+          </p:cNvSpPr>
+          <p:nvPr>
+            <p:ph type="sldImg"/>
+          </p:nvPr>
+        </p:nvSpPr>
+        <p:spPr/>
+      </p:sp>
+      <p:sp>
+        <p:nvSpPr>
+          <p:cNvPr id="3" name="Notes Placeholder 2"/>
+          <p:cNvSpPr>
+            <a:spLocks noGrp="1"/>
+          </p:cNvSpPr>
+          <p:nvPr>
+            <p:ph type="body" idx="1"/>
+          </p:nvPr>
+        </p:nvSpPr>
+        <p:spPr/>
+        <p:txBody>
+          <a:bodyPr/>
+          <a:lstStyle/>
+          <a:p>
+            <a:endParaRPr lang="en-US" dirty="0"/>
+          </a:p>
+        </p:txBody>
+      </p:sp>
+      <p:sp>
+        <p:nvSpPr>
+          <p:cNvPr id="4" name="Slide Number Placeholder 3"/>
+          <p:cNvSpPr>
+            <a:spLocks noGrp="1"/>
+          </p:cNvSpPr>
+          <p:nvPr>
+            <p:ph type="sldNum" sz="quarter" idx="10"/>
+          </p:nvPr>
+        </p:nvSpPr>
+        <p:spPr/>
+        <p:txBody>
+          <a:bodyPr/>
+          <a:lstStyle/>
+          <a:p>
+            <a:fld id="{DF9DE737-B4DC-4460-BBCA-76C7F2308527}" type="slidenum">
+              <a:rPr lang="en-US" smtClean="0"/>
+              <a:t>7</a:t>
+            </a:fld>
+            <a:endParaRPr lang="en-US"/>
+          </a:p>
+        </p:txBody>
+      </p:sp>
+    </p:spTree>
+    <p:extLst>
+      <p:ext uri="{BB962C8B-B14F-4D97-AF65-F5344CB8AC3E}">
+        <p14:creationId xmlns:p14="http://schemas.microsoft.com/office/powerpoint/2010/main" val="3202760306"/>
+      </p:ext>
+    </p:extLst>
+  </p:cSld>
+  <p:clrMapOvr>
+    <a:masterClrMapping/>
+  </p:clrMapOvr>
+</p:notes>
+</file>
+
+<file path=ppt/notesSlides/notesSlide4.xml><?xml version="1.0" encoding="utf-8"?>
+<p:notes xmlns:a="http://schemas.openxmlformats.org/drawingml/2006/main" xmlns:r="http://schemas.openxmlformats.org/officeDocument/2006/relationships" xmlns:p="http://schemas.openxmlformats.org/presentationml/2006/main">
+  <p:cSld>
+    <p:spTree>
+      <p:nvGrpSpPr>
+        <p:cNvPr id="1" name=""/>
+        <p:cNvGrpSpPr/>
+        <p:nvPr/>
+      </p:nvGrpSpPr>
+      <p:grpSpPr>
+        <a:xfrm>
+          <a:off x="0" y="0"/>
+          <a:ext cx="0" cy="0"/>
+          <a:chOff x="0" y="0"/>
+          <a:chExt cx="0" cy="0"/>
+        </a:xfrm>
+      </p:grpSpPr>
+      <p:sp>
+        <p:nvSpPr>
+          <p:cNvPr id="2" name="Slide Image Placeholder 1"/>
+          <p:cNvSpPr>
+            <a:spLocks noGrp="1" noRot="1" noChangeAspect="1"/>
+          </p:cNvSpPr>
+          <p:nvPr>
+            <p:ph type="sldImg"/>
+          </p:nvPr>
+        </p:nvSpPr>
+        <p:spPr/>
+      </p:sp>
+      <p:sp>
+        <p:nvSpPr>
+          <p:cNvPr id="3" name="Notes Placeholder 2"/>
+          <p:cNvSpPr>
+            <a:spLocks noGrp="1"/>
+          </p:cNvSpPr>
+          <p:nvPr>
+            <p:ph type="body" idx="1"/>
+          </p:nvPr>
+        </p:nvSpPr>
+        <p:spPr/>
+        <p:txBody>
+          <a:bodyPr/>
+          <a:lstStyle/>
+          <a:p>
+            <a:endParaRPr lang="en-US" dirty="0"/>
+          </a:p>
+        </p:txBody>
+      </p:sp>
+      <p:sp>
+        <p:nvSpPr>
+          <p:cNvPr id="4" name="Slide Number Placeholder 3"/>
+          <p:cNvSpPr>
+            <a:spLocks noGrp="1"/>
+          </p:cNvSpPr>
+          <p:nvPr>
+            <p:ph type="sldNum" sz="quarter" idx="10"/>
+          </p:nvPr>
+        </p:nvSpPr>
+        <p:spPr/>
+        <p:txBody>
+          <a:bodyPr/>
+          <a:lstStyle/>
+          <a:p>
+            <a:fld id="{DF9DE737-B4DC-4460-BBCA-76C7F2308527}" type="slidenum">
+              <a:rPr lang="en-US" smtClean="0"/>
+              <a:t>11</a:t>
+            </a:fld>
+            <a:endParaRPr lang="en-US"/>
+          </a:p>
+        </p:txBody>
+      </p:sp>
+    </p:spTree>
+    <p:extLst>
+      <p:ext uri="{BB962C8B-B14F-4D97-AF65-F5344CB8AC3E}">
+        <p14:creationId xmlns:p14="http://schemas.microsoft.com/office/powerpoint/2010/main" val="278986375"/>
+      </p:ext>
+    </p:extLst>
+  </p:cSld>
+  <p:clrMapOvr>
+    <a:masterClrMapping/>
+  </p:clrMapOvr>
+</p:notes>
+</file>
+
+<file path=ppt/notesSlides/notesSlide5.xml><?xml version="1.0" encoding="utf-8"?>
+<p:notes xmlns:a="http://schemas.openxmlformats.org/drawingml/2006/main" xmlns:r="http://schemas.openxmlformats.org/officeDocument/2006/relationships" xmlns:p="http://schemas.openxmlformats.org/presentationml/2006/main">
+  <p:cSld>
+    <p:spTree>
+      <p:nvGrpSpPr>
+        <p:cNvPr id="1" name=""/>
+        <p:cNvGrpSpPr/>
+        <p:nvPr/>
+      </p:nvGrpSpPr>
+      <p:grpSpPr>
+        <a:xfrm>
+          <a:off x="0" y="0"/>
+          <a:ext cx="0" cy="0"/>
+          <a:chOff x="0" y="0"/>
+          <a:chExt cx="0" cy="0"/>
+        </a:xfrm>
+      </p:grpSpPr>
+      <p:sp>
+        <p:nvSpPr>
+          <p:cNvPr id="2" name="Slide Image Placeholder 1"/>
+          <p:cNvSpPr>
+            <a:spLocks noGrp="1" noRot="1" noChangeAspect="1"/>
+          </p:cNvSpPr>
+          <p:nvPr>
+            <p:ph type="sldImg"/>
+          </p:nvPr>
+        </p:nvSpPr>
+        <p:spPr/>
+      </p:sp>
+      <p:sp>
+        <p:nvSpPr>
+          <p:cNvPr id="3" name="Notes Placeholder 2"/>
+          <p:cNvSpPr>
+            <a:spLocks noGrp="1"/>
+          </p:cNvSpPr>
+          <p:nvPr>
+            <p:ph type="body" idx="1"/>
+          </p:nvPr>
+        </p:nvSpPr>
+        <p:spPr/>
+        <p:txBody>
+          <a:bodyPr/>
+          <a:lstStyle/>
+          <a:p>
+            <a:pPr marL="0" marR="0" indent="0" algn="l" defTabSz="914400" rtl="0" eaLnBrk="1" fontAlgn="auto" latinLnBrk="0" hangingPunct="1">
+              <a:lnSpc>
+                <a:spcPct val="100000"/>
+              </a:lnSpc>
+              <a:spcBef>
+                <a:spcPts val="0"/>
+              </a:spcBef>
+              <a:spcAft>
+                <a:spcPts val="0"/>
+              </a:spcAft>
+              <a:buClrTx/>
+              <a:buSzTx/>
+              <a:buFontTx/>
+              <a:buNone/>
+              <a:tabLst/>
+              <a:defRPr/>
+            </a:pPr>
+            <a:r>
+              <a:rPr lang="en-US" dirty="0" smtClean="0"/>
+              <a:t>Grain </a:t>
+            </a:r>
+            <a:r>
+              <a:rPr lang="th-TH" dirty="0" smtClean="0"/>
+              <a:t> </a:t>
+            </a:r>
+            <a:r>
+              <a:rPr lang="en-US" dirty="0" smtClean="0"/>
+              <a:t>=  1 row </a:t>
+            </a:r>
+            <a:r>
+              <a:rPr lang="th-TH" dirty="0" smtClean="0"/>
+              <a:t>แสดงถึง </a:t>
+            </a:r>
+            <a:r>
+              <a:rPr lang="en-US" dirty="0" smtClean="0"/>
+              <a:t>1</a:t>
+            </a:r>
+            <a:r>
+              <a:rPr lang="th-TH" dirty="0" smtClean="0"/>
+              <a:t> </a:t>
+            </a:r>
+            <a:r>
+              <a:rPr lang="en-US" dirty="0" smtClean="0"/>
+              <a:t>Bill </a:t>
+            </a:r>
+            <a:r>
+              <a:rPr lang="th-TH" dirty="0" smtClean="0"/>
+              <a:t>ในแต่ละเดือน</a:t>
+            </a:r>
+            <a:endParaRPr lang="en-US" dirty="0" smtClean="0"/>
+          </a:p>
+          <a:p>
+            <a:endParaRPr lang="en-US" dirty="0"/>
+          </a:p>
+        </p:txBody>
+      </p:sp>
+      <p:sp>
+        <p:nvSpPr>
+          <p:cNvPr id="4" name="Slide Number Placeholder 3"/>
+          <p:cNvSpPr>
+            <a:spLocks noGrp="1"/>
+          </p:cNvSpPr>
+          <p:nvPr>
+            <p:ph type="sldNum" sz="quarter" idx="10"/>
+          </p:nvPr>
+        </p:nvSpPr>
+        <p:spPr/>
+        <p:txBody>
+          <a:bodyPr/>
+          <a:lstStyle/>
+          <a:p>
+            <a:fld id="{DF9DE737-B4DC-4460-BBCA-76C7F2308527}" type="slidenum">
+              <a:rPr lang="en-US" smtClean="0"/>
+              <a:t>21</a:t>
+            </a:fld>
+            <a:endParaRPr lang="en-US"/>
+          </a:p>
+        </p:txBody>
+      </p:sp>
+    </p:spTree>
+    <p:extLst>
+      <p:ext uri="{BB962C8B-B14F-4D97-AF65-F5344CB8AC3E}">
+        <p14:creationId xmlns:p14="http://schemas.microsoft.com/office/powerpoint/2010/main" val="2484290801"/>
+      </p:ext>
+    </p:extLst>
+  </p:cSld>
+  <p:clrMapOvr>
+    <a:masterClrMapping/>
+  </p:clrMapOvr>
+</p:notes>
+</file>
+
+<file path=ppt/notesSlides/notesSlide6.xml><?xml version="1.0" encoding="utf-8"?>
+<p:notes xmlns:a="http://schemas.openxmlformats.org/drawingml/2006/main" xmlns:r="http://schemas.openxmlformats.org/officeDocument/2006/relationships" xmlns:p="http://schemas.openxmlformats.org/presentationml/2006/main">
+  <p:cSld>
+    <p:spTree>
+      <p:nvGrpSpPr>
+        <p:cNvPr id="1" name=""/>
+        <p:cNvGrpSpPr/>
+        <p:nvPr/>
+      </p:nvGrpSpPr>
+      <p:grpSpPr>
+        <a:xfrm>
+          <a:off x="0" y="0"/>
+          <a:ext cx="0" cy="0"/>
+          <a:chOff x="0" y="0"/>
+          <a:chExt cx="0" cy="0"/>
+        </a:xfrm>
+      </p:grpSpPr>
+      <p:sp>
+        <p:nvSpPr>
+          <p:cNvPr id="2" name="Slide Image Placeholder 1"/>
+          <p:cNvSpPr>
+            <a:spLocks noGrp="1" noRot="1" noChangeAspect="1"/>
+          </p:cNvSpPr>
+          <p:nvPr>
+            <p:ph type="sldImg"/>
+          </p:nvPr>
+        </p:nvSpPr>
+        <p:spPr/>
+      </p:sp>
+      <p:sp>
+        <p:nvSpPr>
+          <p:cNvPr id="3" name="Notes Placeholder 2"/>
+          <p:cNvSpPr>
+            <a:spLocks noGrp="1"/>
+          </p:cNvSpPr>
+          <p:nvPr>
+            <p:ph type="body" idx="1"/>
+          </p:nvPr>
+        </p:nvSpPr>
+        <p:spPr/>
+        <p:txBody>
+          <a:bodyPr>
+            <a:normAutofit/>
+          </a:bodyPr>
+          <a:lstStyle/>
+          <a:p>
+            <a:endParaRPr lang="en-US"/>
+          </a:p>
+        </p:txBody>
+      </p:sp>
+      <p:sp>
+        <p:nvSpPr>
+          <p:cNvPr id="4" name="Slide Number Placeholder 3"/>
+          <p:cNvSpPr>
+            <a:spLocks noGrp="1"/>
+          </p:cNvSpPr>
+          <p:nvPr>
+            <p:ph type="sldNum" sz="quarter" idx="10"/>
+          </p:nvPr>
+        </p:nvSpPr>
+        <p:spPr/>
+        <p:txBody>
+          <a:bodyPr/>
+          <a:lstStyle/>
+          <a:p>
+            <a:fld id="{EE46199D-95DD-4183-B108-ED69B197BA71}" type="slidenum">
+              <a:rPr lang="th-TH" smtClean="0"/>
+              <a:pPr/>
+              <a:t>33</a:t>
+            </a:fld>
+            <a:endParaRPr lang="th-TH"/>
+          </a:p>
+        </p:txBody>
+      </p:sp>
+    </p:spTree>
+  </p:cSld>
+  <p:clrMapOvr>
+    <a:masterClrMapping/>
+  </p:clrMapOvr>
+</p:notes>
+</file>
+
+<file path=ppt/notesSlides/notesSlide7.xml><?xml version="1.0" encoding="utf-8"?>
+<p:notes xmlns:a="http://schemas.openxmlformats.org/drawingml/2006/main" xmlns:r="http://schemas.openxmlformats.org/officeDocument/2006/relationships" xmlns:p="http://schemas.openxmlformats.org/presentationml/2006/main">
+  <p:cSld>
+    <p:spTree>
+      <p:nvGrpSpPr>
+        <p:cNvPr id="1" name=""/>
+        <p:cNvGrpSpPr/>
+        <p:nvPr/>
+      </p:nvGrpSpPr>
+      <p:grpSpPr>
+        <a:xfrm>
+          <a:off x="0" y="0"/>
+          <a:ext cx="0" cy="0"/>
+          <a:chOff x="0" y="0"/>
+          <a:chExt cx="0" cy="0"/>
+        </a:xfrm>
+      </p:grpSpPr>
+      <p:sp>
+        <p:nvSpPr>
+          <p:cNvPr id="2" name="Slide Image Placeholder 1"/>
+          <p:cNvSpPr>
+            <a:spLocks noGrp="1" noRot="1" noChangeAspect="1"/>
+          </p:cNvSpPr>
+          <p:nvPr>
+            <p:ph type="sldImg"/>
+          </p:nvPr>
+        </p:nvSpPr>
+        <p:spPr/>
+      </p:sp>
+      <p:sp>
+        <p:nvSpPr>
+          <p:cNvPr id="3" name="Notes Placeholder 2"/>
+          <p:cNvSpPr>
+            <a:spLocks noGrp="1"/>
+          </p:cNvSpPr>
+          <p:nvPr>
+            <p:ph type="body" idx="1"/>
+          </p:nvPr>
+        </p:nvSpPr>
+        <p:spPr/>
+        <p:txBody>
+          <a:bodyPr>
+            <a:normAutofit/>
+          </a:bodyPr>
+          <a:lstStyle/>
+          <a:p>
+            <a:endParaRPr lang="en-US"/>
+          </a:p>
+        </p:txBody>
+      </p:sp>
+      <p:sp>
+        <p:nvSpPr>
+          <p:cNvPr id="4" name="Slide Number Placeholder 3"/>
+          <p:cNvSpPr>
+            <a:spLocks noGrp="1"/>
+          </p:cNvSpPr>
+          <p:nvPr>
+            <p:ph type="sldNum" sz="quarter" idx="10"/>
+          </p:nvPr>
+        </p:nvSpPr>
+        <p:spPr/>
+        <p:txBody>
+          <a:bodyPr/>
+          <a:lstStyle/>
+          <a:p>
+            <a:fld id="{EE46199D-95DD-4183-B108-ED69B197BA71}" type="slidenum">
+              <a:rPr lang="th-TH" smtClean="0"/>
+              <a:pPr/>
+              <a:t>34</a:t>
+            </a:fld>
+            <a:endParaRPr lang="th-TH"/>
+          </a:p>
+        </p:txBody>
+      </p:sp>
+    </p:spTree>
+  </p:cSld>
+  <p:clrMapOvr>
+    <a:masterClrMapping/>
+  </p:clrMapOvr>
+</p:notes>
+</file>
+
+<file path=ppt/notesSlides/notesSlide8.xml><?xml version="1.0" encoding="utf-8"?>
+<p:notes xmlns:a="http://schemas.openxmlformats.org/drawingml/2006/main" xmlns:r="http://schemas.openxmlformats.org/officeDocument/2006/relationships" xmlns:p="http://schemas.openxmlformats.org/presentationml/2006/main">
+  <p:cSld>
+    <p:spTree>
+      <p:nvGrpSpPr>
+        <p:cNvPr id="1" name=""/>
+        <p:cNvGrpSpPr/>
+        <p:nvPr/>
+      </p:nvGrpSpPr>
+      <p:grpSpPr>
+        <a:xfrm>
+          <a:off x="0" y="0"/>
+          <a:ext cx="0" cy="0"/>
+          <a:chOff x="0" y="0"/>
+          <a:chExt cx="0" cy="0"/>
+        </a:xfrm>
+      </p:grpSpPr>
+      <p:sp>
+        <p:nvSpPr>
+          <p:cNvPr id="2" name="Slide Image Placeholder 1"/>
+          <p:cNvSpPr>
+            <a:spLocks noGrp="1" noRot="1" noChangeAspect="1"/>
+          </p:cNvSpPr>
+          <p:nvPr>
+            <p:ph type="sldImg"/>
+          </p:nvPr>
+        </p:nvSpPr>
+        <p:spPr/>
+      </p:sp>
+      <p:sp>
+        <p:nvSpPr>
+          <p:cNvPr id="3" name="Notes Placeholder 2"/>
+          <p:cNvSpPr>
+            <a:spLocks noGrp="1"/>
+          </p:cNvSpPr>
+          <p:nvPr>
+            <p:ph type="body" idx="1"/>
+          </p:nvPr>
+        </p:nvSpPr>
+        <p:spPr/>
+        <p:txBody>
+          <a:bodyPr>
+            <a:normAutofit/>
+          </a:bodyPr>
+          <a:lstStyle/>
+          <a:p>
+            <a:endParaRPr lang="en-US"/>
+          </a:p>
+        </p:txBody>
+      </p:sp>
+      <p:sp>
+        <p:nvSpPr>
+          <p:cNvPr id="4" name="Slide Number Placeholder 3"/>
+          <p:cNvSpPr>
+            <a:spLocks noGrp="1"/>
+          </p:cNvSpPr>
+          <p:nvPr>
+            <p:ph type="sldNum" sz="quarter" idx="10"/>
+          </p:nvPr>
+        </p:nvSpPr>
+        <p:spPr/>
+        <p:txBody>
+          <a:bodyPr/>
+          <a:lstStyle/>
+          <a:p>
+            <a:fld id="{EE46199D-95DD-4183-B108-ED69B197BA71}" type="slidenum">
+              <a:rPr lang="th-TH" smtClean="0"/>
+              <a:pPr/>
+              <a:t>35</a:t>
+            </a:fld>
+            <a:endParaRPr lang="th-TH"/>
+          </a:p>
+        </p:txBody>
+      </p:sp>
+    </p:spTree>
+  </p:cSld>
+  <p:clrMapOvr>
+    <a:masterClrMapping/>
+  </p:clrMapOvr>
+</p:notes>
+</file>
+
+<file path=ppt/notesSlides/notesSlide9.xml><?xml version="1.0" encoding="utf-8"?>
+<p:notes xmlns:a="http://schemas.openxmlformats.org/drawingml/2006/main" xmlns:r="http://schemas.openxmlformats.org/officeDocument/2006/relationships" xmlns:p="http://schemas.openxmlformats.org/presentationml/2006/main">
+  <p:cSld>
+    <p:spTree>
+      <p:nvGrpSpPr>
+        <p:cNvPr id="1" name=""/>
+        <p:cNvGrpSpPr/>
+        <p:nvPr/>
+      </p:nvGrpSpPr>
+      <p:grpSpPr>
+        <a:xfrm>
+          <a:off x="0" y="0"/>
+          <a:ext cx="0" cy="0"/>
+          <a:chOff x="0" y="0"/>
+          <a:chExt cx="0" cy="0"/>
+        </a:xfrm>
+      </p:grpSpPr>
+      <p:sp>
+        <p:nvSpPr>
+          <p:cNvPr id="2" name="Slide Image Placeholder 1"/>
+          <p:cNvSpPr>
+            <a:spLocks noGrp="1" noRot="1" noChangeAspect="1"/>
+          </p:cNvSpPr>
+          <p:nvPr>
+            <p:ph type="sldImg"/>
+          </p:nvPr>
+        </p:nvSpPr>
+        <p:spPr/>
+      </p:sp>
+      <p:sp>
+        <p:nvSpPr>
+          <p:cNvPr id="3" name="Notes Placeholder 2"/>
+          <p:cNvSpPr>
+            <a:spLocks noGrp="1"/>
+          </p:cNvSpPr>
+          <p:nvPr>
+            <p:ph type="body" idx="1"/>
+          </p:nvPr>
+        </p:nvSpPr>
+        <p:spPr/>
+        <p:txBody>
+          <a:bodyPr>
+            <a:normAutofit/>
+          </a:bodyPr>
+          <a:lstStyle/>
+          <a:p>
+            <a:endParaRPr lang="en-US"/>
+          </a:p>
+        </p:txBody>
+      </p:sp>
+      <p:sp>
+        <p:nvSpPr>
+          <p:cNvPr id="4" name="Slide Number Placeholder 3"/>
+          <p:cNvSpPr>
+            <a:spLocks noGrp="1"/>
+          </p:cNvSpPr>
+          <p:nvPr>
+            <p:ph type="sldNum" sz="quarter" idx="10"/>
+          </p:nvPr>
+        </p:nvSpPr>
+        <p:spPr/>
+        <p:txBody>
+          <a:bodyPr/>
+          <a:lstStyle/>
+          <a:p>
+            <a:fld id="{EE46199D-95DD-4183-B108-ED69B197BA71}" type="slidenum">
+              <a:rPr lang="th-TH" smtClean="0"/>
+              <a:pPr/>
+              <a:t>36</a:t>
+            </a:fld>
+            <a:endParaRPr lang="th-TH"/>
+          </a:p>
+        </p:txBody>
+      </p:sp>
+    </p:spTree>
+  </p:cSld>
+  <p:clrMapOvr>
+    <a:masterClrMapping/>
+  </p:clrMapOvr>
+</p:notes>
 </file>
 
 <file path=ppt/slideLayouts/slideLayout1.xml><?xml version="1.0" encoding="utf-8"?>
@@ -219,28 +1767,19 @@
         </p:nvSpPr>
         <p:spPr>
           <a:xfrm>
-            <a:off x="685800" y="609601"/>
-            <a:ext cx="7772400" cy="4267200"/>
+            <a:off x="685800" y="2130425"/>
+            <a:ext cx="7772400" cy="1470025"/>
           </a:xfrm>
         </p:spPr>
         <p:txBody>
-          <a:bodyPr anchor="b">
-            <a:noAutofit/>
-          </a:bodyPr>
-          <a:lstStyle>
-            <a:lvl1pPr>
-              <a:lnSpc>
-                <a:spcPct val="100000"/>
-              </a:lnSpc>
-              <a:defRPr sz="8000"/>
-            </a:lvl1pPr>
-          </a:lstStyle>
+          <a:bodyPr/>
+          <a:lstStyle/>
           <a:p>
             <a:r>
               <a:rPr lang="en-US" smtClean="0"/>
               <a:t>Click to edit Master title style</a:t>
             </a:r>
-            <a:endParaRPr lang="en-US" dirty="0"/>
+            <a:endParaRPr lang="en-US"/>
           </a:p>
         </p:txBody>
       </p:sp>
@@ -256,18 +1795,16 @@
         </p:nvSpPr>
         <p:spPr>
           <a:xfrm>
-            <a:off x="1371600" y="4953000"/>
-            <a:ext cx="6400800" cy="1219200"/>
+            <a:off x="1371600" y="3886200"/>
+            <a:ext cx="6400800" cy="1752600"/>
           </a:xfrm>
         </p:spPr>
         <p:txBody>
-          <a:bodyPr>
-            <a:normAutofit/>
-          </a:bodyPr>
+          <a:bodyPr/>
           <a:lstStyle>
             <a:lvl1pPr marL="0" indent="0" algn="ctr">
               <a:buNone/>
-              <a:defRPr sz="2400">
+              <a:defRPr>
                 <a:solidFill>
                   <a:schemeClr val="tx1">
                     <a:tint val="75000"/>
@@ -361,13 +1898,13 @@
               <a:rPr lang="en-US" smtClean="0"/>
               <a:t>Click to edit Master subtitle style</a:t>
             </a:r>
-            <a:endParaRPr lang="en-US" dirty="0"/>
-          </a:p>
-        </p:txBody>
-      </p:sp>
-      <p:sp>
-        <p:nvSpPr>
-          <p:cNvPr id="7" name="Date Placeholder 6"/>
+            <a:endParaRPr lang="en-US"/>
+          </a:p>
+        </p:txBody>
+      </p:sp>
+      <p:sp>
+        <p:nvSpPr>
+          <p:cNvPr id="4" name="Date Placeholder 3"/>
           <p:cNvSpPr>
             <a:spLocks noGrp="1"/>
           </p:cNvSpPr>
@@ -382,7 +1919,7 @@
           <a:p>
             <a:fld id="{54AB02A5-4FE5-49D9-9E24-09F23B90C450}" type="datetimeFigureOut">
               <a:rPr lang="en-US" smtClean="0"/>
-              <a:t>8/20/2010</a:t>
+              <a:t>8/21/2010</a:t>
             </a:fld>
             <a:endParaRPr lang="en-US"/>
           </a:p>
@@ -390,12 +1927,31 @@
       </p:sp>
       <p:sp>
         <p:nvSpPr>
-          <p:cNvPr id="8" name="Slide Number Placeholder 7"/>
-          <p:cNvSpPr>
-            <a:spLocks noGrp="1"/>
-          </p:cNvSpPr>
-          <p:nvPr>
-            <p:ph type="sldNum" sz="quarter" idx="11"/>
+          <p:cNvPr id="5" name="Footer Placeholder 4"/>
+          <p:cNvSpPr>
+            <a:spLocks noGrp="1"/>
+          </p:cNvSpPr>
+          <p:nvPr>
+            <p:ph type="ftr" sz="quarter" idx="11"/>
+          </p:nvPr>
+        </p:nvSpPr>
+        <p:spPr/>
+        <p:txBody>
+          <a:bodyPr/>
+          <a:lstStyle/>
+          <a:p>
+            <a:endParaRPr kumimoji="0" lang="en-US"/>
+          </a:p>
+        </p:txBody>
+      </p:sp>
+      <p:sp>
+        <p:nvSpPr>
+          <p:cNvPr id="6" name="Slide Number Placeholder 5"/>
+          <p:cNvSpPr>
+            <a:spLocks noGrp="1"/>
+          </p:cNvSpPr>
+          <p:nvPr>
+            <p:ph type="sldNum" sz="quarter" idx="12"/>
           </p:nvPr>
         </p:nvSpPr>
         <p:spPr/>
@@ -411,26 +1967,12 @@
           </a:p>
         </p:txBody>
       </p:sp>
-      <p:sp>
-        <p:nvSpPr>
-          <p:cNvPr id="9" name="Footer Placeholder 8"/>
-          <p:cNvSpPr>
-            <a:spLocks noGrp="1"/>
-          </p:cNvSpPr>
-          <p:nvPr>
-            <p:ph type="ftr" sz="quarter" idx="12"/>
-          </p:nvPr>
-        </p:nvSpPr>
-        <p:spPr/>
-        <p:txBody>
-          <a:bodyPr/>
-          <a:lstStyle/>
-          <a:p>
-            <a:endParaRPr kumimoji="0" lang="en-US"/>
-          </a:p>
-        </p:txBody>
-      </p:sp>
     </p:spTree>
+    <p:extLst>
+      <p:ext uri="{BB962C8B-B14F-4D97-AF65-F5344CB8AC3E}">
+        <p14:creationId xmlns:p14="http://schemas.microsoft.com/office/powerpoint/2010/main" val="1382608729"/>
+      </p:ext>
+    </p:extLst>
   </p:cSld>
   <p:clrMapOvr>
     <a:masterClrMapping/>
@@ -474,7 +2016,7 @@
               <a:rPr lang="en-US" smtClean="0"/>
               <a:t>Click to edit Master title style</a:t>
             </a:r>
-            <a:endParaRPr lang="en-US" dirty="0"/>
+            <a:endParaRPr lang="en-US"/>
           </a:p>
         </p:txBody>
       </p:sp>
@@ -547,7 +2089,7 @@
           <a:p>
             <a:fld id="{54AB02A5-4FE5-49D9-9E24-09F23B90C450}" type="datetimeFigureOut">
               <a:rPr lang="en-US" smtClean="0"/>
-              <a:t>8/20/2010</a:t>
+              <a:t>8/21/2010</a:t>
             </a:fld>
             <a:endParaRPr lang="en-US"/>
           </a:p>
@@ -596,6 +2138,11 @@
         </p:txBody>
       </p:sp>
     </p:spTree>
+    <p:extLst>
+      <p:ext uri="{BB962C8B-B14F-4D97-AF65-F5344CB8AC3E}">
+        <p14:creationId xmlns:p14="http://schemas.microsoft.com/office/powerpoint/2010/main" val="3830292774"/>
+      </p:ext>
+    </p:extLst>
   </p:cSld>
   <p:clrMapOvr>
     <a:masterClrMapping/>
@@ -644,7 +2191,7 @@
               <a:rPr lang="en-US" smtClean="0"/>
               <a:t>Click to edit Master title style</a:t>
             </a:r>
-            <a:endParaRPr lang="en-US" dirty="0"/>
+            <a:endParaRPr lang="en-US"/>
           </a:p>
         </p:txBody>
       </p:sp>
@@ -722,7 +2269,7 @@
           <a:p>
             <a:fld id="{54AB02A5-4FE5-49D9-9E24-09F23B90C450}" type="datetimeFigureOut">
               <a:rPr lang="en-US" smtClean="0"/>
-              <a:t>8/20/2010</a:t>
+              <a:t>8/21/2010</a:t>
             </a:fld>
             <a:endParaRPr lang="en-US"/>
           </a:p>
@@ -771,6 +2318,11 @@
         </p:txBody>
       </p:sp>
     </p:spTree>
+    <p:extLst>
+      <p:ext uri="{BB962C8B-B14F-4D97-AF65-F5344CB8AC3E}">
+        <p14:creationId xmlns:p14="http://schemas.microsoft.com/office/powerpoint/2010/main" val="2500189931"/>
+      </p:ext>
+    </p:extLst>
   </p:cSld>
   <p:clrMapOvr>
     <a:masterClrMapping/>
@@ -814,7 +2366,7 @@
               <a:rPr lang="en-US" smtClean="0"/>
               <a:t>Click to edit Master title style</a:t>
             </a:r>
-            <a:endParaRPr lang="en-US" dirty="0"/>
+            <a:endParaRPr lang="en-US"/>
           </a:p>
         </p:txBody>
       </p:sp>
@@ -831,25 +2383,7 @@
         <p:spPr/>
         <p:txBody>
           <a:bodyPr/>
-          <a:lstStyle>
-            <a:lvl5pPr>
-              <a:defRPr/>
-            </a:lvl5pPr>
-            <a:lvl6pPr>
-              <a:defRPr/>
-            </a:lvl6pPr>
-            <a:lvl7pPr>
-              <a:defRPr/>
-            </a:lvl7pPr>
-            <a:lvl8pPr>
-              <a:defRPr/>
-            </a:lvl8pPr>
-            <a:lvl9pPr>
-              <a:buFont typeface="Arial" pitchFamily="34" charset="0"/>
-              <a:buChar char="•"/>
-              <a:defRPr/>
-            </a:lvl9pPr>
-          </a:lstStyle>
+          <a:lstStyle/>
           <a:p>
             <a:pPr lvl="0"/>
             <a:r>
@@ -884,7 +2418,7 @@
               <a:rPr lang="en-US" smtClean="0"/>
               <a:t>Fifth level</a:t>
             </a:r>
-            <a:endParaRPr lang="en-US" dirty="0" smtClean="0"/>
+            <a:endParaRPr lang="en-US"/>
           </a:p>
         </p:txBody>
       </p:sp>
@@ -905,7 +2439,7 @@
           <a:p>
             <a:fld id="{54AB02A5-4FE5-49D9-9E24-09F23B90C450}" type="datetimeFigureOut">
               <a:rPr lang="en-US" smtClean="0"/>
-              <a:t>8/20/2010</a:t>
+              <a:t>8/21/2010</a:t>
             </a:fld>
             <a:endParaRPr lang="en-US"/>
           </a:p>
@@ -954,6 +2488,11 @@
         </p:txBody>
       </p:sp>
     </p:spTree>
+    <p:extLst>
+      <p:ext uri="{BB962C8B-B14F-4D97-AF65-F5344CB8AC3E}">
+        <p14:creationId xmlns:p14="http://schemas.microsoft.com/office/powerpoint/2010/main" val="130795745"/>
+      </p:ext>
+    </p:extLst>
   </p:cSld>
   <p:clrMapOvr>
     <a:masterClrMapping/>
@@ -990,67 +2529,46 @@
         </p:nvSpPr>
         <p:spPr>
           <a:xfrm>
-            <a:off x="722313" y="1371600"/>
-            <a:ext cx="7772400" cy="2505075"/>
+            <a:off x="722313" y="4406900"/>
+            <a:ext cx="7772400" cy="1362075"/>
           </a:xfrm>
         </p:spPr>
         <p:txBody>
+          <a:bodyPr anchor="t"/>
+          <a:lstStyle>
+            <a:lvl1pPr algn="l">
+              <a:defRPr sz="4000" b="1" cap="all"/>
+            </a:lvl1pPr>
+          </a:lstStyle>
+          <a:p>
+            <a:r>
+              <a:rPr lang="en-US" smtClean="0"/>
+              <a:t>Click to edit Master title style</a:t>
+            </a:r>
+            <a:endParaRPr lang="en-US"/>
+          </a:p>
+        </p:txBody>
+      </p:sp>
+      <p:sp>
+        <p:nvSpPr>
+          <p:cNvPr id="3" name="Text Placeholder 2"/>
+          <p:cNvSpPr>
+            <a:spLocks noGrp="1"/>
+          </p:cNvSpPr>
+          <p:nvPr>
+            <p:ph type="body" idx="1"/>
+          </p:nvPr>
+        </p:nvSpPr>
+        <p:spPr>
+          <a:xfrm>
+            <a:off x="722313" y="2906713"/>
+            <a:ext cx="7772400" cy="1500187"/>
+          </a:xfrm>
+        </p:spPr>
+        <p:txBody>
           <a:bodyPr anchor="b"/>
           <a:lstStyle>
-            <a:lvl1pPr algn="ctr" defTabSz="914400" rtl="0" eaLnBrk="1" latinLnBrk="0" hangingPunct="1">
-              <a:lnSpc>
-                <a:spcPct val="100000"/>
-              </a:lnSpc>
-              <a:spcBef>
-                <a:spcPct val="0"/>
-              </a:spcBef>
-              <a:buNone/>
-              <a:defRPr lang="en-US" sz="4800" kern="1200" dirty="0" smtClean="0">
-                <a:solidFill>
-                  <a:schemeClr val="tx2"/>
-                </a:solidFill>
-                <a:effectLst>
-                  <a:outerShdw blurRad="63500" dist="38100" dir="5400000" algn="t" rotWithShape="0">
-                    <a:prstClr val="black">
-                      <a:alpha val="25000"/>
-                    </a:prstClr>
-                  </a:outerShdw>
-                </a:effectLst>
-                <a:latin typeface="+mn-lt"/>
-                <a:ea typeface="+mj-ea"/>
-                <a:cs typeface="+mj-cs"/>
-              </a:defRPr>
-            </a:lvl1pPr>
-          </a:lstStyle>
-          <a:p>
-            <a:r>
-              <a:rPr lang="en-US" smtClean="0"/>
-              <a:t>Click to edit Master title style</a:t>
-            </a:r>
-            <a:endParaRPr lang="en-US" dirty="0"/>
-          </a:p>
-        </p:txBody>
-      </p:sp>
-      <p:sp>
-        <p:nvSpPr>
-          <p:cNvPr id="3" name="Text Placeholder 2"/>
-          <p:cNvSpPr>
-            <a:spLocks noGrp="1"/>
-          </p:cNvSpPr>
-          <p:nvPr>
-            <p:ph type="body" idx="1"/>
-          </p:nvPr>
-        </p:nvSpPr>
-        <p:spPr>
-          <a:xfrm>
-            <a:off x="722313" y="4068763"/>
-            <a:ext cx="7772400" cy="1131887"/>
-          </a:xfrm>
-        </p:spPr>
-        <p:txBody>
-          <a:bodyPr anchor="t"/>
-          <a:lstStyle>
-            <a:lvl1pPr marL="0" indent="0" algn="ctr">
+            <a:lvl1pPr marL="0" indent="0">
               <a:buNone/>
               <a:defRPr sz="2000">
                 <a:solidFill>
@@ -1167,7 +2685,7 @@
           <a:p>
             <a:fld id="{54AB02A5-4FE5-49D9-9E24-09F23B90C450}" type="datetimeFigureOut">
               <a:rPr lang="en-US" smtClean="0"/>
-              <a:t>8/20/2010</a:t>
+              <a:t>8/21/2010</a:t>
             </a:fld>
             <a:endParaRPr lang="en-US"/>
           </a:p>
@@ -1215,157 +2733,12 @@
           </a:p>
         </p:txBody>
       </p:sp>
-      <p:sp>
-        <p:nvSpPr>
-          <p:cNvPr id="7" name="Oval 6"/>
-          <p:cNvSpPr/>
-          <p:nvPr/>
-        </p:nvSpPr>
-        <p:spPr>
-          <a:xfrm>
-            <a:off x="4495800" y="3924300"/>
-            <a:ext cx="84772" cy="84772"/>
-          </a:xfrm>
-          <a:prstGeom prst="ellipse">
-            <a:avLst/>
-          </a:prstGeom>
-          <a:solidFill>
-            <a:schemeClr val="tx1">
-              <a:lumMod val="50000"/>
-              <a:lumOff val="50000"/>
-            </a:schemeClr>
-          </a:solidFill>
-          <a:ln w="12700">
-            <a:noFill/>
-          </a:ln>
-          <a:effectLst/>
-        </p:spPr>
-        <p:style>
-          <a:lnRef idx="2">
-            <a:schemeClr val="accent1">
-              <a:shade val="50000"/>
-            </a:schemeClr>
-          </a:lnRef>
-          <a:fillRef idx="1">
-            <a:schemeClr val="accent1"/>
-          </a:fillRef>
-          <a:effectRef idx="0">
-            <a:schemeClr val="accent1"/>
-          </a:effectRef>
-          <a:fontRef idx="minor">
-            <a:schemeClr val="lt1"/>
-          </a:fontRef>
-        </p:style>
-        <p:txBody>
-          <a:bodyPr rtlCol="0" anchor="ctr"/>
-          <a:lstStyle/>
-          <a:p>
-            <a:pPr algn="ctr"/>
-            <a:endParaRPr lang="en-US"/>
-          </a:p>
-        </p:txBody>
-      </p:sp>
-      <p:sp>
-        <p:nvSpPr>
-          <p:cNvPr id="8" name="Oval 7"/>
-          <p:cNvSpPr/>
-          <p:nvPr/>
-        </p:nvSpPr>
-        <p:spPr>
-          <a:xfrm>
-            <a:off x="4695825" y="3924300"/>
-            <a:ext cx="84772" cy="84772"/>
-          </a:xfrm>
-          <a:prstGeom prst="ellipse">
-            <a:avLst/>
-          </a:prstGeom>
-          <a:solidFill>
-            <a:schemeClr val="tx1">
-              <a:lumMod val="50000"/>
-              <a:lumOff val="50000"/>
-            </a:schemeClr>
-          </a:solidFill>
-          <a:ln w="12700">
-            <a:noFill/>
-          </a:ln>
-          <a:effectLst/>
-        </p:spPr>
-        <p:style>
-          <a:lnRef idx="2">
-            <a:schemeClr val="accent1">
-              <a:shade val="50000"/>
-            </a:schemeClr>
-          </a:lnRef>
-          <a:fillRef idx="1">
-            <a:schemeClr val="accent1"/>
-          </a:fillRef>
-          <a:effectRef idx="0">
-            <a:schemeClr val="accent1"/>
-          </a:effectRef>
-          <a:fontRef idx="minor">
-            <a:schemeClr val="lt1"/>
-          </a:fontRef>
-        </p:style>
-        <p:txBody>
-          <a:bodyPr rtlCol="0" anchor="ctr"/>
-          <a:lstStyle/>
-          <a:p>
-            <a:pPr algn="ctr"/>
-            <a:endParaRPr lang="en-US"/>
-          </a:p>
-        </p:txBody>
-      </p:sp>
-      <p:sp>
-        <p:nvSpPr>
-          <p:cNvPr id="9" name="Oval 8"/>
-          <p:cNvSpPr/>
-          <p:nvPr/>
-        </p:nvSpPr>
-        <p:spPr>
-          <a:xfrm>
-            <a:off x="4296728" y="3924300"/>
-            <a:ext cx="84772" cy="84772"/>
-          </a:xfrm>
-          <a:prstGeom prst="ellipse">
-            <a:avLst/>
-          </a:prstGeom>
-          <a:solidFill>
-            <a:schemeClr val="tx1">
-              <a:lumMod val="50000"/>
-              <a:lumOff val="50000"/>
-            </a:schemeClr>
-          </a:solidFill>
-          <a:ln w="12700">
-            <a:noFill/>
-          </a:ln>
-          <a:effectLst/>
-        </p:spPr>
-        <p:style>
-          <a:lnRef idx="2">
-            <a:schemeClr val="accent1">
-              <a:shade val="50000"/>
-            </a:schemeClr>
-          </a:lnRef>
-          <a:fillRef idx="1">
-            <a:schemeClr val="accent1"/>
-          </a:fillRef>
-          <a:effectRef idx="0">
-            <a:schemeClr val="accent1"/>
-          </a:effectRef>
-          <a:fontRef idx="minor">
-            <a:schemeClr val="lt1"/>
-          </a:fontRef>
-        </p:style>
-        <p:txBody>
-          <a:bodyPr rtlCol="0" anchor="ctr"/>
-          <a:lstStyle/>
-          <a:p>
-            <a:pPr algn="ctr"/>
-            <a:endParaRPr lang="en-US"/>
-          </a:p>
-        </p:txBody>
-      </p:sp>
     </p:spTree>
+    <p:extLst>
+      <p:ext uri="{BB962C8B-B14F-4D97-AF65-F5344CB8AC3E}">
+        <p14:creationId xmlns:p14="http://schemas.microsoft.com/office/powerpoint/2010/main" val="1346626907"/>
+      </p:ext>
+    </p:extLst>
   </p:cSld>
   <p:clrMapOvr>
     <a:masterClrMapping/>
@@ -1415,6 +2788,91 @@
       </p:sp>
       <p:sp>
         <p:nvSpPr>
+          <p:cNvPr id="3" name="Content Placeholder 2"/>
+          <p:cNvSpPr>
+            <a:spLocks noGrp="1"/>
+          </p:cNvSpPr>
+          <p:nvPr>
+            <p:ph sz="half" idx="1"/>
+          </p:nvPr>
+        </p:nvSpPr>
+        <p:spPr>
+          <a:xfrm>
+            <a:off x="457200" y="1600200"/>
+            <a:ext cx="4038600" cy="4525963"/>
+          </a:xfrm>
+        </p:spPr>
+        <p:txBody>
+          <a:bodyPr/>
+          <a:lstStyle>
+            <a:lvl1pPr>
+              <a:defRPr sz="2800"/>
+            </a:lvl1pPr>
+            <a:lvl2pPr>
+              <a:defRPr sz="2400"/>
+            </a:lvl2pPr>
+            <a:lvl3pPr>
+              <a:defRPr sz="2000"/>
+            </a:lvl3pPr>
+            <a:lvl4pPr>
+              <a:defRPr sz="1800"/>
+            </a:lvl4pPr>
+            <a:lvl5pPr>
+              <a:defRPr sz="1800"/>
+            </a:lvl5pPr>
+            <a:lvl6pPr>
+              <a:defRPr sz="1800"/>
+            </a:lvl6pPr>
+            <a:lvl7pPr>
+              <a:defRPr sz="1800"/>
+            </a:lvl7pPr>
+            <a:lvl8pPr>
+              <a:defRPr sz="1800"/>
+            </a:lvl8pPr>
+            <a:lvl9pPr>
+              <a:defRPr sz="1800"/>
+            </a:lvl9pPr>
+          </a:lstStyle>
+          <a:p>
+            <a:pPr lvl="0"/>
+            <a:r>
+              <a:rPr lang="en-US" smtClean="0"/>
+              <a:t>Click to edit Master text styles</a:t>
+            </a:r>
+          </a:p>
+          <a:p>
+            <a:pPr lvl="1"/>
+            <a:r>
+              <a:rPr lang="en-US" smtClean="0"/>
+              <a:t>Second level</a:t>
+            </a:r>
+          </a:p>
+          <a:p>
+            <a:pPr lvl="2"/>
+            <a:r>
+              <a:rPr lang="en-US" smtClean="0"/>
+              <a:t>Third level</a:t>
+            </a:r>
+          </a:p>
+          <a:p>
+            <a:pPr lvl="3"/>
+            <a:r>
+              <a:rPr lang="en-US" smtClean="0"/>
+              <a:t>Fourth level</a:t>
+            </a:r>
+          </a:p>
+          <a:p>
+            <a:pPr lvl="4"/>
+            <a:r>
+              <a:rPr lang="en-US" smtClean="0"/>
+              <a:t>Fifth level</a:t>
+            </a:r>
+            <a:endParaRPr lang="en-US"/>
+          </a:p>
+        </p:txBody>
+      </p:sp>
+      <p:sp>
+        <p:nvSpPr>
           <p:cNvPr id="4" name="Content Placeholder 3"/>
           <p:cNvSpPr>
             <a:spLocks noGrp="1"/>
@@ -1433,31 +2891,31 @@
           <a:bodyPr/>
           <a:lstStyle>
             <a:lvl1pPr>
-              <a:defRPr sz="2400"/>
+              <a:defRPr sz="2800"/>
             </a:lvl1pPr>
             <a:lvl2pPr>
-              <a:defRPr sz="1600"/>
+              <a:defRPr sz="2400"/>
             </a:lvl2pPr>
             <a:lvl3pPr>
-              <a:defRPr sz="1600"/>
+              <a:defRPr sz="2000"/>
             </a:lvl3pPr>
             <a:lvl4pPr>
-              <a:defRPr sz="1600"/>
+              <a:defRPr sz="1800"/>
             </a:lvl4pPr>
             <a:lvl5pPr>
-              <a:defRPr sz="1600"/>
+              <a:defRPr sz="1800"/>
             </a:lvl5pPr>
             <a:lvl6pPr>
-              <a:defRPr sz="1600"/>
+              <a:defRPr sz="1800"/>
             </a:lvl6pPr>
             <a:lvl7pPr>
-              <a:defRPr sz="1600"/>
+              <a:defRPr sz="1800"/>
             </a:lvl7pPr>
             <a:lvl8pPr>
-              <a:defRPr sz="1600"/>
+              <a:defRPr sz="1800"/>
             </a:lvl8pPr>
             <a:lvl9pPr>
-              <a:defRPr sz="1600"/>
+              <a:defRPr sz="1800"/>
             </a:lvl9pPr>
           </a:lstStyle>
           <a:p>
@@ -1494,7 +2952,7 @@
               <a:rPr lang="en-US" smtClean="0"/>
               <a:t>Fifth level</a:t>
             </a:r>
-            <a:endParaRPr lang="en-US" dirty="0" smtClean="0"/>
+            <a:endParaRPr lang="en-US"/>
           </a:p>
         </p:txBody>
       </p:sp>
@@ -1515,7 +2973,7 @@
           <a:p>
             <a:fld id="{54AB02A5-4FE5-49D9-9E24-09F23B90C450}" type="datetimeFigureOut">
               <a:rPr lang="en-US" smtClean="0"/>
-              <a:t>8/20/2010</a:t>
+              <a:t>8/21/2010</a:t>
             </a:fld>
             <a:endParaRPr lang="en-US"/>
           </a:p>
@@ -1563,64 +3021,12 @@
           </a:p>
         </p:txBody>
       </p:sp>
-      <p:sp>
-        <p:nvSpPr>
-          <p:cNvPr id="9" name="Content Placeholder 8"/>
-          <p:cNvSpPr>
-            <a:spLocks noGrp="1"/>
-          </p:cNvSpPr>
-          <p:nvPr>
-            <p:ph sz="quarter" idx="13"/>
-          </p:nvPr>
-        </p:nvSpPr>
-        <p:spPr>
-          <a:xfrm>
-            <a:off x="365760" y="1600200"/>
-            <a:ext cx="4041648" cy="4526280"/>
-          </a:xfrm>
-        </p:spPr>
-        <p:txBody>
-          <a:bodyPr/>
-          <a:lstStyle/>
-          <a:p>
-            <a:pPr lvl="0"/>
-            <a:r>
-              <a:rPr lang="en-US" smtClean="0"/>
-              <a:t>Click to edit Master text styles</a:t>
-            </a:r>
-          </a:p>
-          <a:p>
-            <a:pPr lvl="1"/>
-            <a:r>
-              <a:rPr lang="en-US" smtClean="0"/>
-              <a:t>Second level</a:t>
-            </a:r>
-          </a:p>
-          <a:p>
-            <a:pPr lvl="2"/>
-            <a:r>
-              <a:rPr lang="en-US" smtClean="0"/>
-              <a:t>Third level</a:t>
-            </a:r>
-          </a:p>
-          <a:p>
-            <a:pPr lvl="3"/>
-            <a:r>
-              <a:rPr lang="en-US" smtClean="0"/>
-              <a:t>Fourth level</a:t>
-            </a:r>
-          </a:p>
-          <a:p>
-            <a:pPr lvl="4"/>
-            <a:r>
-              <a:rPr lang="en-US" smtClean="0"/>
-              <a:t>Fifth level</a:t>
-            </a:r>
-            <a:endParaRPr lang="en-US"/>
-          </a:p>
-        </p:txBody>
-      </p:sp>
     </p:spTree>
+    <p:extLst>
+      <p:ext uri="{BB962C8B-B14F-4D97-AF65-F5344CB8AC3E}">
+        <p14:creationId xmlns:p14="http://schemas.microsoft.com/office/powerpoint/2010/main" val="1698064796"/>
+      </p:ext>
+    </p:extLst>
   </p:cSld>
   <p:clrMapOvr>
     <a:masterClrMapping/>
@@ -1684,18 +3090,16 @@
         </p:nvSpPr>
         <p:spPr>
           <a:xfrm>
-            <a:off x="457200" y="1600200"/>
-            <a:ext cx="4040188" cy="609600"/>
+            <a:off x="457200" y="1535113"/>
+            <a:ext cx="4040188" cy="639762"/>
           </a:xfrm>
         </p:spPr>
         <p:txBody>
-          <a:bodyPr anchor="b">
-            <a:noAutofit/>
-          </a:bodyPr>
+          <a:bodyPr anchor="b"/>
           <a:lstStyle>
-            <a:lvl1pPr marL="0" indent="0" algn="ctr">
+            <a:lvl1pPr marL="0" indent="0">
               <a:buNone/>
-              <a:defRPr sz="2400" b="0"/>
+              <a:defRPr sz="2400" b="1"/>
             </a:lvl1pPr>
             <a:lvl2pPr marL="457200" indent="0">
               <a:buNone/>
@@ -1741,28 +3145,111 @@
       </p:sp>
       <p:sp>
         <p:nvSpPr>
-          <p:cNvPr id="5" name="Text Placeholder 4"/>
-          <p:cNvSpPr>
-            <a:spLocks noGrp="1"/>
-          </p:cNvSpPr>
-          <p:nvPr>
-            <p:ph type="body" sz="quarter" idx="3"/>
+          <p:cNvPr id="4" name="Content Placeholder 3"/>
+          <p:cNvSpPr>
+            <a:spLocks noGrp="1"/>
+          </p:cNvSpPr>
+          <p:nvPr>
+            <p:ph sz="half" idx="2"/>
           </p:nvPr>
         </p:nvSpPr>
         <p:spPr>
           <a:xfrm>
-            <a:off x="4648200" y="1600200"/>
-            <a:ext cx="4041775" cy="609600"/>
+            <a:off x="457200" y="2174875"/>
+            <a:ext cx="4040188" cy="3951288"/>
           </a:xfrm>
         </p:spPr>
         <p:txBody>
-          <a:bodyPr anchor="b">
-            <a:noAutofit/>
-          </a:bodyPr>
+          <a:bodyPr/>
           <a:lstStyle>
-            <a:lvl1pPr marL="0" indent="0" algn="ctr">
+            <a:lvl1pPr>
+              <a:defRPr sz="2400"/>
+            </a:lvl1pPr>
+            <a:lvl2pPr>
+              <a:defRPr sz="2000"/>
+            </a:lvl2pPr>
+            <a:lvl3pPr>
+              <a:defRPr sz="1800"/>
+            </a:lvl3pPr>
+            <a:lvl4pPr>
+              <a:defRPr sz="1600"/>
+            </a:lvl4pPr>
+            <a:lvl5pPr>
+              <a:defRPr sz="1600"/>
+            </a:lvl5pPr>
+            <a:lvl6pPr>
+              <a:defRPr sz="1600"/>
+            </a:lvl6pPr>
+            <a:lvl7pPr>
+              <a:defRPr sz="1600"/>
+            </a:lvl7pPr>
+            <a:lvl8pPr>
+              <a:defRPr sz="1600"/>
+            </a:lvl8pPr>
+            <a:lvl9pPr>
+              <a:defRPr sz="1600"/>
+            </a:lvl9pPr>
+          </a:lstStyle>
+          <a:p>
+            <a:pPr lvl="0"/>
+            <a:r>
+              <a:rPr lang="en-US" smtClean="0"/>
+              <a:t>Click to edit Master text styles</a:t>
+            </a:r>
+          </a:p>
+          <a:p>
+            <a:pPr lvl="1"/>
+            <a:r>
+              <a:rPr lang="en-US" smtClean="0"/>
+              <a:t>Second level</a:t>
+            </a:r>
+          </a:p>
+          <a:p>
+            <a:pPr lvl="2"/>
+            <a:r>
+              <a:rPr lang="en-US" smtClean="0"/>
+              <a:t>Third level</a:t>
+            </a:r>
+          </a:p>
+          <a:p>
+            <a:pPr lvl="3"/>
+            <a:r>
+              <a:rPr lang="en-US" smtClean="0"/>
+              <a:t>Fourth level</a:t>
+            </a:r>
+          </a:p>
+          <a:p>
+            <a:pPr lvl="4"/>
+            <a:r>
+              <a:rPr lang="en-US" smtClean="0"/>
+              <a:t>Fifth level</a:t>
+            </a:r>
+            <a:endParaRPr lang="en-US"/>
+          </a:p>
+        </p:txBody>
+      </p:sp>
+      <p:sp>
+        <p:nvSpPr>
+          <p:cNvPr id="5" name="Text Placeholder 4"/>
+          <p:cNvSpPr>
+            <a:spLocks noGrp="1"/>
+          </p:cNvSpPr>
+          <p:nvPr>
+            <p:ph type="body" sz="quarter" idx="3"/>
+          </p:nvPr>
+        </p:nvSpPr>
+        <p:spPr>
+          <a:xfrm>
+            <a:off x="4645025" y="1535113"/>
+            <a:ext cx="4041775" cy="639762"/>
+          </a:xfrm>
+        </p:spPr>
+        <p:txBody>
+          <a:bodyPr anchor="b"/>
+          <a:lstStyle>
+            <a:lvl1pPr marL="0" indent="0">
               <a:buNone/>
-              <a:defRPr sz="2400" b="0"/>
+              <a:defRPr sz="2400" b="1"/>
             </a:lvl1pPr>
             <a:lvl2pPr marL="457200" indent="0">
               <a:buNone/>
@@ -1808,6 +3295,91 @@
       </p:sp>
       <p:sp>
         <p:nvSpPr>
+          <p:cNvPr id="6" name="Content Placeholder 5"/>
+          <p:cNvSpPr>
+            <a:spLocks noGrp="1"/>
+          </p:cNvSpPr>
+          <p:nvPr>
+            <p:ph sz="quarter" idx="4"/>
+          </p:nvPr>
+        </p:nvSpPr>
+        <p:spPr>
+          <a:xfrm>
+            <a:off x="4645025" y="2174875"/>
+            <a:ext cx="4041775" cy="3951288"/>
+          </a:xfrm>
+        </p:spPr>
+        <p:txBody>
+          <a:bodyPr/>
+          <a:lstStyle>
+            <a:lvl1pPr>
+              <a:defRPr sz="2400"/>
+            </a:lvl1pPr>
+            <a:lvl2pPr>
+              <a:defRPr sz="2000"/>
+            </a:lvl2pPr>
+            <a:lvl3pPr>
+              <a:defRPr sz="1800"/>
+            </a:lvl3pPr>
+            <a:lvl4pPr>
+              <a:defRPr sz="1600"/>
+            </a:lvl4pPr>
+            <a:lvl5pPr>
+              <a:defRPr sz="1600"/>
+            </a:lvl5pPr>
+            <a:lvl6pPr>
+              <a:defRPr sz="1600"/>
+            </a:lvl6pPr>
+            <a:lvl7pPr>
+              <a:defRPr sz="1600"/>
+            </a:lvl7pPr>
+            <a:lvl8pPr>
+              <a:defRPr sz="1600"/>
+            </a:lvl8pPr>
+            <a:lvl9pPr>
+              <a:defRPr sz="1600"/>
+            </a:lvl9pPr>
+          </a:lstStyle>
+          <a:p>
+            <a:pPr lvl="0"/>
+            <a:r>
+              <a:rPr lang="en-US" smtClean="0"/>
+              <a:t>Click to edit Master text styles</a:t>
+            </a:r>
+          </a:p>
+          <a:p>
+            <a:pPr lvl="1"/>
+            <a:r>
+              <a:rPr lang="en-US" smtClean="0"/>
+              <a:t>Second level</a:t>
+            </a:r>
+          </a:p>
+          <a:p>
+            <a:pPr lvl="2"/>
+            <a:r>
+              <a:rPr lang="en-US" smtClean="0"/>
+              <a:t>Third level</a:t>
+            </a:r>
+          </a:p>
+          <a:p>
+            <a:pPr lvl="3"/>
+            <a:r>
+              <a:rPr lang="en-US" smtClean="0"/>
+              <a:t>Fourth level</a:t>
+            </a:r>
+          </a:p>
+          <a:p>
+            <a:pPr lvl="4"/>
+            <a:r>
+              <a:rPr lang="en-US" smtClean="0"/>
+              <a:t>Fifth level</a:t>
+            </a:r>
+            <a:endParaRPr lang="en-US"/>
+          </a:p>
+        </p:txBody>
+      </p:sp>
+      <p:sp>
+        <p:nvSpPr>
           <p:cNvPr id="7" name="Date Placeholder 6"/>
           <p:cNvSpPr>
             <a:spLocks noGrp="1"/>
@@ -1823,7 +3395,7 @@
           <a:p>
             <a:fld id="{54AB02A5-4FE5-49D9-9E24-09F23B90C450}" type="datetimeFigureOut">
               <a:rPr lang="en-US" smtClean="0"/>
-              <a:t>8/20/2010</a:t>
+              <a:t>8/21/2010</a:t>
             </a:fld>
             <a:endParaRPr lang="en-US"/>
           </a:p>
@@ -1871,121 +3443,12 @@
           </a:p>
         </p:txBody>
       </p:sp>
-      <p:sp>
-        <p:nvSpPr>
-          <p:cNvPr id="11" name="Content Placeholder 10"/>
-          <p:cNvSpPr>
-            <a:spLocks noGrp="1"/>
-          </p:cNvSpPr>
-          <p:nvPr>
-            <p:ph sz="quarter" idx="13"/>
-          </p:nvPr>
-        </p:nvSpPr>
-        <p:spPr>
-          <a:xfrm>
-            <a:off x="457200" y="2212848"/>
-            <a:ext cx="4041648" cy="3913632"/>
-          </a:xfrm>
-        </p:spPr>
-        <p:txBody>
-          <a:bodyPr/>
-          <a:lstStyle/>
-          <a:p>
-            <a:pPr lvl="0"/>
-            <a:r>
-              <a:rPr lang="en-US" smtClean="0"/>
-              <a:t>Click to edit Master text styles</a:t>
-            </a:r>
-          </a:p>
-          <a:p>
-            <a:pPr lvl="1"/>
-            <a:r>
-              <a:rPr lang="en-US" smtClean="0"/>
-              <a:t>Second level</a:t>
-            </a:r>
-          </a:p>
-          <a:p>
-            <a:pPr lvl="2"/>
-            <a:r>
-              <a:rPr lang="en-US" smtClean="0"/>
-              <a:t>Third level</a:t>
-            </a:r>
-          </a:p>
-          <a:p>
-            <a:pPr lvl="3"/>
-            <a:r>
-              <a:rPr lang="en-US" smtClean="0"/>
-              <a:t>Fourth level</a:t>
-            </a:r>
-          </a:p>
-          <a:p>
-            <a:pPr lvl="4"/>
-            <a:r>
-              <a:rPr lang="en-US" smtClean="0"/>
-              <a:t>Fifth level</a:t>
-            </a:r>
-            <a:endParaRPr lang="en-US" dirty="0"/>
-          </a:p>
-        </p:txBody>
-      </p:sp>
-      <p:sp>
-        <p:nvSpPr>
-          <p:cNvPr id="13" name="Content Placeholder 12"/>
-          <p:cNvSpPr>
-            <a:spLocks noGrp="1"/>
-          </p:cNvSpPr>
-          <p:nvPr>
-            <p:ph sz="quarter" idx="14"/>
-          </p:nvPr>
-        </p:nvSpPr>
-        <p:spPr>
-          <a:xfrm>
-            <a:off x="4672584" y="2212848"/>
-            <a:ext cx="4041648" cy="3913187"/>
-          </a:xfrm>
-        </p:spPr>
-        <p:txBody>
-          <a:bodyPr/>
-          <a:lstStyle/>
-          <a:p>
-            <a:pPr lvl="0"/>
-            <a:r>
-              <a:rPr lang="en-US" smtClean="0"/>
-              <a:t>Click to edit Master text styles</a:t>
-            </a:r>
-          </a:p>
-          <a:p>
-            <a:pPr lvl="1"/>
-            <a:r>
-              <a:rPr lang="en-US" smtClean="0"/>
-              <a:t>Second level</a:t>
-            </a:r>
-          </a:p>
-          <a:p>
-            <a:pPr lvl="2"/>
-            <a:r>
-              <a:rPr lang="en-US" smtClean="0"/>
-              <a:t>Third level</a:t>
-            </a:r>
-          </a:p>
-          <a:p>
-            <a:pPr lvl="3"/>
-            <a:r>
-              <a:rPr lang="en-US" smtClean="0"/>
-              <a:t>Fourth level</a:t>
-            </a:r>
-          </a:p>
-          <a:p>
-            <a:pPr lvl="4"/>
-            <a:r>
-              <a:rPr lang="en-US" smtClean="0"/>
-              <a:t>Fifth level</a:t>
-            </a:r>
-            <a:endParaRPr lang="en-US" dirty="0"/>
-          </a:p>
-        </p:txBody>
-      </p:sp>
     </p:spTree>
+    <p:extLst>
+      <p:ext uri="{BB962C8B-B14F-4D97-AF65-F5344CB8AC3E}">
+        <p14:creationId xmlns:p14="http://schemas.microsoft.com/office/powerpoint/2010/main" val="760699154"/>
+      </p:ext>
+    </p:extLst>
   </p:cSld>
   <p:clrMapOvr>
     <a:masterClrMapping/>
@@ -2029,7 +3492,7 @@
               <a:rPr lang="en-US" smtClean="0"/>
               <a:t>Click to edit Master title style</a:t>
             </a:r>
-            <a:endParaRPr lang="en-US" dirty="0"/>
+            <a:endParaRPr lang="en-US"/>
           </a:p>
         </p:txBody>
       </p:sp>
@@ -2050,7 +3513,7 @@
           <a:p>
             <a:fld id="{54AB02A5-4FE5-49D9-9E24-09F23B90C450}" type="datetimeFigureOut">
               <a:rPr lang="en-US" smtClean="0"/>
-              <a:t>8/20/2010</a:t>
+              <a:t>8/21/2010</a:t>
             </a:fld>
             <a:endParaRPr lang="en-US"/>
           </a:p>
@@ -2099,6 +3562,11 @@
         </p:txBody>
       </p:sp>
     </p:spTree>
+    <p:extLst>
+      <p:ext uri="{BB962C8B-B14F-4D97-AF65-F5344CB8AC3E}">
+        <p14:creationId xmlns:p14="http://schemas.microsoft.com/office/powerpoint/2010/main" val="1631870632"/>
+      </p:ext>
+    </p:extLst>
   </p:cSld>
   <p:clrMapOvr>
     <a:masterClrMapping/>
@@ -2140,7 +3608,7 @@
           <a:p>
             <a:fld id="{54AB02A5-4FE5-49D9-9E24-09F23B90C450}" type="datetimeFigureOut">
               <a:rPr lang="en-US" smtClean="0"/>
-              <a:t>8/20/2010</a:t>
+              <a:t>8/21/2010</a:t>
             </a:fld>
             <a:endParaRPr lang="en-US"/>
           </a:p>
@@ -2189,6 +3657,11 @@
         </p:txBody>
       </p:sp>
     </p:spTree>
+    <p:extLst>
+      <p:ext uri="{BB962C8B-B14F-4D97-AF65-F5344CB8AC3E}">
+        <p14:creationId xmlns:p14="http://schemas.microsoft.com/office/powerpoint/2010/main" val="2504124611"/>
+      </p:ext>
+    </p:extLst>
   </p:cSld>
   <p:clrMapOvr>
     <a:masterClrMapping/>
@@ -2225,26 +3698,15 @@
         </p:nvSpPr>
         <p:spPr>
           <a:xfrm>
-            <a:off x="5907087" y="266700"/>
-            <a:ext cx="3008313" cy="2095500"/>
+            <a:off x="457200" y="273050"/>
+            <a:ext cx="3008313" cy="1162050"/>
           </a:xfrm>
         </p:spPr>
         <p:txBody>
           <a:bodyPr anchor="b"/>
           <a:lstStyle>
-            <a:lvl1pPr algn="ctr">
-              <a:lnSpc>
-                <a:spcPct val="100000"/>
-              </a:lnSpc>
-              <a:defRPr sz="2800" b="0">
-                <a:effectLst>
-                  <a:outerShdw blurRad="50800" dist="25400" dir="5400000" algn="t" rotWithShape="0">
-                    <a:prstClr val="black">
-                      <a:alpha val="25000"/>
-                    </a:prstClr>
-                  </a:outerShdw>
-                </a:effectLst>
-              </a:defRPr>
+            <a:lvl1pPr algn="l">
+              <a:defRPr sz="2000" b="1"/>
             </a:lvl1pPr>
           </a:lstStyle>
           <a:p>
@@ -2252,7 +3714,7 @@
               <a:rPr lang="en-US" smtClean="0"/>
               <a:t>Click to edit Master title style</a:t>
             </a:r>
-            <a:endParaRPr lang="en-US" dirty="0"/>
+            <a:endParaRPr lang="en-US"/>
           </a:p>
         </p:txBody>
       </p:sp>
@@ -2268,8 +3730,8 @@
         </p:nvSpPr>
         <p:spPr>
           <a:xfrm>
-            <a:off x="719137" y="273050"/>
-            <a:ext cx="4995863" cy="5853113"/>
+            <a:off x="3575050" y="273050"/>
+            <a:ext cx="5111750" cy="5853113"/>
           </a:xfrm>
         </p:spPr>
         <p:txBody>
@@ -2337,7 +3799,7 @@
               <a:rPr lang="en-US" smtClean="0"/>
               <a:t>Fifth level</a:t>
             </a:r>
-            <a:endParaRPr lang="en-US" dirty="0"/>
+            <a:endParaRPr lang="en-US"/>
           </a:p>
         </p:txBody>
       </p:sp>
@@ -2353,21 +3815,16 @@
         </p:nvSpPr>
         <p:spPr>
           <a:xfrm>
-            <a:off x="5907087" y="2438400"/>
-            <a:ext cx="3008313" cy="3687763"/>
+            <a:off x="457200" y="1435100"/>
+            <a:ext cx="3008313" cy="4691063"/>
           </a:xfrm>
         </p:spPr>
         <p:txBody>
-          <a:bodyPr>
-            <a:normAutofit/>
-          </a:bodyPr>
+          <a:bodyPr/>
           <a:lstStyle>
-            <a:lvl1pPr marL="0" indent="0" algn="ctr">
-              <a:lnSpc>
-                <a:spcPct val="125000"/>
-              </a:lnSpc>
+            <a:lvl1pPr marL="0" indent="0">
               <a:buNone/>
-              <a:defRPr sz="1600"/>
+              <a:defRPr sz="1400"/>
             </a:lvl1pPr>
             <a:lvl2pPr marL="457200" indent="0">
               <a:buNone/>
@@ -2428,7 +3885,7 @@
           <a:p>
             <a:fld id="{54AB02A5-4FE5-49D9-9E24-09F23B90C450}" type="datetimeFigureOut">
               <a:rPr lang="en-US" smtClean="0"/>
-              <a:t>8/20/2010</a:t>
+              <a:t>8/21/2010</a:t>
             </a:fld>
             <a:endParaRPr lang="en-US"/>
           </a:p>
@@ -2477,6 +3934,11 @@
         </p:txBody>
       </p:sp>
     </p:spTree>
+    <p:extLst>
+      <p:ext uri="{BB962C8B-B14F-4D97-AF65-F5344CB8AC3E}">
+        <p14:creationId xmlns:p14="http://schemas.microsoft.com/office/powerpoint/2010/main" val="1578990844"/>
+      </p:ext>
+    </p:extLst>
   </p:cSld>
   <p:clrMapOvr>
     <a:masterClrMapping/>
@@ -2513,18 +3975,15 @@
         </p:nvSpPr>
         <p:spPr>
           <a:xfrm>
-            <a:off x="1679576" y="228600"/>
-            <a:ext cx="5711824" cy="895350"/>
+            <a:off x="1792288" y="4800600"/>
+            <a:ext cx="5486400" cy="566738"/>
           </a:xfrm>
         </p:spPr>
         <p:txBody>
           <a:bodyPr anchor="b"/>
           <a:lstStyle>
-            <a:lvl1pPr algn="ctr">
-              <a:lnSpc>
-                <a:spcPct val="100000"/>
-              </a:lnSpc>
-              <a:defRPr sz="2800" b="0"/>
+            <a:lvl1pPr algn="l">
+              <a:defRPr sz="2000" b="1"/>
             </a:lvl1pPr>
           </a:lstStyle>
           <a:p>
@@ -2532,7 +3991,7 @@
               <a:rPr lang="en-US" smtClean="0"/>
               <a:t>Click to edit Master title style</a:t>
             </a:r>
-            <a:endParaRPr lang="en-US" dirty="0"/>
+            <a:endParaRPr lang="en-US"/>
           </a:p>
         </p:txBody>
       </p:sp>
@@ -2548,26 +4007,14 @@
         </p:nvSpPr>
         <p:spPr>
           <a:xfrm>
-            <a:off x="1508126" y="1143000"/>
-            <a:ext cx="6054724" cy="4541044"/>
+            <a:off x="1792288" y="612775"/>
+            <a:ext cx="5486400" cy="4114800"/>
           </a:xfrm>
-          <a:ln w="76200">
-            <a:solidFill>
-              <a:schemeClr val="bg1"/>
-            </a:solidFill>
-          </a:ln>
-          <a:effectLst>
-            <a:outerShdw blurRad="88900" dist="50800" dir="5400000" algn="ctr" rotWithShape="0">
-              <a:srgbClr val="000000">
-                <a:alpha val="25000"/>
-              </a:srgbClr>
-            </a:outerShdw>
-          </a:effectLst>
         </p:spPr>
         <p:txBody>
-          <a:bodyPr anchor="t"/>
+          <a:bodyPr/>
           <a:lstStyle>
-            <a:lvl1pPr marL="0" indent="0" algn="ctr">
+            <a:lvl1pPr marL="0" indent="0">
               <a:buNone/>
               <a:defRPr sz="3200"/>
             </a:lvl1pPr>
@@ -2605,11 +4052,7 @@
             </a:lvl9pPr>
           </a:lstStyle>
           <a:p>
-            <a:r>
-              <a:rPr lang="en-US" smtClean="0"/>
-              <a:t>Click icon to add picture</a:t>
-            </a:r>
-            <a:endParaRPr lang="en-US" dirty="0"/>
+            <a:endParaRPr lang="en-US"/>
           </a:p>
         </p:txBody>
       </p:sp>
@@ -2625,18 +4068,16 @@
         </p:nvSpPr>
         <p:spPr>
           <a:xfrm>
-            <a:off x="1679576" y="5810250"/>
-            <a:ext cx="5711824" cy="533400"/>
+            <a:off x="1792288" y="5367338"/>
+            <a:ext cx="5486400" cy="804862"/>
           </a:xfrm>
         </p:spPr>
         <p:txBody>
-          <a:bodyPr>
-            <a:normAutofit/>
-          </a:bodyPr>
+          <a:bodyPr/>
           <a:lstStyle>
-            <a:lvl1pPr marL="0" indent="0" algn="ctr">
+            <a:lvl1pPr marL="0" indent="0">
               <a:buNone/>
-              <a:defRPr sz="1600"/>
+              <a:defRPr sz="1400"/>
             </a:lvl1pPr>
             <a:lvl2pPr marL="457200" indent="0">
               <a:buNone/>
@@ -2697,7 +4138,7 @@
           <a:p>
             <a:fld id="{54AB02A5-4FE5-49D9-9E24-09F23B90C450}" type="datetimeFigureOut">
               <a:rPr lang="en-US" smtClean="0"/>
-              <a:t>8/20/2010</a:t>
+              <a:t>8/21/2010</a:t>
             </a:fld>
             <a:endParaRPr lang="en-US"/>
           </a:p>
@@ -2746,6 +4187,11 @@
         </p:txBody>
       </p:sp>
     </p:spTree>
+    <p:extLst>
+      <p:ext uri="{BB962C8B-B14F-4D97-AF65-F5344CB8AC3E}">
+        <p14:creationId xmlns:p14="http://schemas.microsoft.com/office/powerpoint/2010/main" val="3521802312"/>
+      </p:ext>
+    </p:extLst>
   </p:cSld>
   <p:clrMapOvr>
     <a:masterClrMapping/>
@@ -2757,7 +4203,7 @@
 <p:sldMaster xmlns:a="http://schemas.openxmlformats.org/drawingml/2006/main" xmlns:r="http://schemas.openxmlformats.org/officeDocument/2006/relationships" xmlns:p="http://schemas.openxmlformats.org/presentationml/2006/main">
   <p:cSld>
     <p:bg>
-      <p:bgRef idx="1002">
+      <p:bgRef idx="1001">
         <a:schemeClr val="bg1"/>
       </p:bgRef>
     </p:bg>
@@ -2787,16 +4233,16 @@
         </p:nvSpPr>
         <p:spPr>
           <a:xfrm>
-            <a:off x="457200" y="0"/>
-            <a:ext cx="8229600" cy="1600200"/>
+            <a:off x="457200" y="274638"/>
+            <a:ext cx="8229600" cy="1143000"/>
           </a:xfrm>
           <a:prstGeom prst="rect">
             <a:avLst/>
           </a:prstGeom>
         </p:spPr>
         <p:txBody>
-          <a:bodyPr vert="horz" lIns="91440" tIns="45720" rIns="91440" bIns="45720" rtlCol="0" anchor="b">
-            <a:noAutofit/>
+          <a:bodyPr vert="horz" lIns="91440" tIns="45720" rIns="91440" bIns="45720" rtlCol="0" anchor="ctr">
+            <a:normAutofit/>
           </a:bodyPr>
           <a:lstStyle/>
           <a:p>
@@ -2804,7 +4250,7 @@
               <a:rPr lang="en-US" smtClean="0"/>
               <a:t>Click to edit Master title style</a:t>
             </a:r>
-            <a:endParaRPr lang="en-US" dirty="0"/>
+            <a:endParaRPr lang="en-US"/>
           </a:p>
         </p:txBody>
       </p:sp>
@@ -2866,7 +4312,7 @@
               <a:rPr lang="en-US" smtClean="0"/>
               <a:t>Fifth level</a:t>
             </a:r>
-            <a:endParaRPr lang="en-US" dirty="0" smtClean="0"/>
+            <a:endParaRPr lang="en-US"/>
           </a:p>
         </p:txBody>
       </p:sp>
@@ -2882,25 +4328,23 @@
         </p:nvSpPr>
         <p:spPr>
           <a:xfrm>
-            <a:off x="6363347" y="6356350"/>
-            <a:ext cx="2085975" cy="365125"/>
+            <a:off x="457200" y="6356350"/>
+            <a:ext cx="2133600" cy="365125"/>
           </a:xfrm>
           <a:prstGeom prst="rect">
             <a:avLst/>
           </a:prstGeom>
         </p:spPr>
         <p:txBody>
-          <a:bodyPr vert="horz" lIns="91440" tIns="45720" rIns="45720" bIns="45720" rtlCol="0" anchor="ctr"/>
+          <a:bodyPr vert="horz" lIns="91440" tIns="45720" rIns="91440" bIns="45720" rtlCol="0" anchor="ctr"/>
           <a:lstStyle>
-            <a:lvl1pPr algn="r">
+            <a:lvl1pPr algn="l">
               <a:defRPr sz="1200">
                 <a:solidFill>
                   <a:schemeClr val="tx1">
-                    <a:lumMod val="65000"/>
-                    <a:lumOff val="35000"/>
+                    <a:tint val="75000"/>
                   </a:schemeClr>
                 </a:solidFill>
-                <a:latin typeface="Century Gothic" pitchFamily="34" charset="0"/>
               </a:defRPr>
             </a:lvl1pPr>
           </a:lstStyle>
@@ -2908,7 +4352,7 @@
             <a:pPr algn="r" eaLnBrk="1" latinLnBrk="0" hangingPunct="1"/>
             <a:fld id="{54AB02A5-4FE5-49D9-9E24-09F23B90C450}" type="datetimeFigureOut">
               <a:rPr lang="en-US" smtClean="0"/>
-              <a:t>8/20/2010</a:t>
+              <a:t>8/21/2010</a:t>
             </a:fld>
             <a:endParaRPr lang="en-US" sz="1200">
               <a:solidFill>
@@ -2932,25 +4376,23 @@
         </p:nvSpPr>
         <p:spPr>
           <a:xfrm>
-            <a:off x="659165" y="6356350"/>
-            <a:ext cx="2847975" cy="365125"/>
+            <a:off x="3124200" y="6356350"/>
+            <a:ext cx="2895600" cy="365125"/>
           </a:xfrm>
           <a:prstGeom prst="rect">
             <a:avLst/>
           </a:prstGeom>
         </p:spPr>
         <p:txBody>
-          <a:bodyPr vert="horz" lIns="45720" tIns="45720" rIns="91440" bIns="45720" rtlCol="0" anchor="ctr"/>
+          <a:bodyPr vert="horz" lIns="91440" tIns="45720" rIns="91440" bIns="45720" rtlCol="0" anchor="ctr"/>
           <a:lstStyle>
-            <a:lvl1pPr algn="l">
+            <a:lvl1pPr algn="ctr">
               <a:defRPr sz="1200">
                 <a:solidFill>
                   <a:schemeClr val="tx1">
-                    <a:lumMod val="65000"/>
-                    <a:lumOff val="35000"/>
+                    <a:tint val="75000"/>
                   </a:schemeClr>
                 </a:solidFill>
-                <a:latin typeface="Century Gothic" pitchFamily="34" charset="0"/>
               </a:defRPr>
             </a:lvl1pPr>
           </a:lstStyle>
@@ -2978,25 +4420,23 @@
         </p:nvSpPr>
         <p:spPr>
           <a:xfrm>
-            <a:off x="8543278" y="6356350"/>
-            <a:ext cx="561975" cy="365125"/>
+            <a:off x="6553200" y="6356350"/>
+            <a:ext cx="2133600" cy="365125"/>
           </a:xfrm>
           <a:prstGeom prst="rect">
             <a:avLst/>
           </a:prstGeom>
         </p:spPr>
         <p:txBody>
-          <a:bodyPr vert="horz" lIns="27432" tIns="45720" rIns="45720" bIns="45720" rtlCol="0" anchor="ctr"/>
+          <a:bodyPr vert="horz" lIns="91440" tIns="45720" rIns="91440" bIns="45720" rtlCol="0" anchor="ctr"/>
           <a:lstStyle>
-            <a:lvl1pPr algn="l">
+            <a:lvl1pPr algn="r">
               <a:defRPr sz="1200">
                 <a:solidFill>
                   <a:schemeClr val="tx1">
-                    <a:lumMod val="65000"/>
-                    <a:lumOff val="35000"/>
+                    <a:tint val="75000"/>
                   </a:schemeClr>
                 </a:solidFill>
-                <a:latin typeface="Century Gothic" pitchFamily="34" charset="0"/>
               </a:defRPr>
             </a:lvl1pPr>
           </a:lstStyle>
@@ -3017,151 +4457,39 @@
           </a:p>
         </p:txBody>
       </p:sp>
-      <p:sp>
-        <p:nvSpPr>
-          <p:cNvPr id="7" name="Oval 6"/>
-          <p:cNvSpPr/>
-          <p:nvPr/>
-        </p:nvSpPr>
-        <p:spPr>
-          <a:xfrm>
-            <a:off x="8457760" y="6499384"/>
-            <a:ext cx="84772" cy="84772"/>
-          </a:xfrm>
-          <a:prstGeom prst="ellipse">
-            <a:avLst/>
-          </a:prstGeom>
-          <a:solidFill>
-            <a:schemeClr val="tx1">
-              <a:lumMod val="50000"/>
-              <a:lumOff val="50000"/>
-            </a:schemeClr>
-          </a:solidFill>
-          <a:ln w="12700">
-            <a:noFill/>
-          </a:ln>
-          <a:effectLst/>
-        </p:spPr>
-        <p:style>
-          <a:lnRef idx="2">
-            <a:schemeClr val="accent1">
-              <a:shade val="50000"/>
-            </a:schemeClr>
-          </a:lnRef>
-          <a:fillRef idx="1">
-            <a:schemeClr val="accent1"/>
-          </a:fillRef>
-          <a:effectRef idx="0">
-            <a:schemeClr val="accent1"/>
-          </a:effectRef>
-          <a:fontRef idx="minor">
-            <a:schemeClr val="lt1"/>
-          </a:fontRef>
-        </p:style>
-        <p:txBody>
-          <a:bodyPr rtlCol="0" anchor="ctr"/>
-          <a:lstStyle/>
-          <a:p>
-            <a:pPr marL="0" algn="ctr" defTabSz="914400" rtl="0" eaLnBrk="1" latinLnBrk="0" hangingPunct="1"/>
-            <a:endParaRPr lang="en-US" sz="1800" kern="1200">
-              <a:solidFill>
-                <a:schemeClr val="lt1"/>
-              </a:solidFill>
-              <a:latin typeface="+mn-lt"/>
-              <a:ea typeface="+mn-ea"/>
-              <a:cs typeface="+mn-cs"/>
-            </a:endParaRPr>
-          </a:p>
-        </p:txBody>
-      </p:sp>
-      <p:sp>
-        <p:nvSpPr>
-          <p:cNvPr id="8" name="Oval 7"/>
-          <p:cNvSpPr/>
-          <p:nvPr/>
-        </p:nvSpPr>
-        <p:spPr>
-          <a:xfrm>
-            <a:off x="569119" y="6499384"/>
-            <a:ext cx="84772" cy="84772"/>
-          </a:xfrm>
-          <a:prstGeom prst="ellipse">
-            <a:avLst/>
-          </a:prstGeom>
-          <a:solidFill>
-            <a:schemeClr val="tx1">
-              <a:lumMod val="50000"/>
-              <a:lumOff val="50000"/>
-            </a:schemeClr>
-          </a:solidFill>
-          <a:ln w="12700">
-            <a:noFill/>
-          </a:ln>
-          <a:effectLst/>
-        </p:spPr>
-        <p:style>
-          <a:lnRef idx="2">
-            <a:schemeClr val="accent1">
-              <a:shade val="50000"/>
-            </a:schemeClr>
-          </a:lnRef>
-          <a:fillRef idx="1">
-            <a:schemeClr val="accent1"/>
-          </a:fillRef>
-          <a:effectRef idx="0">
-            <a:schemeClr val="accent1"/>
-          </a:effectRef>
-          <a:fontRef idx="minor">
-            <a:schemeClr val="lt1"/>
-          </a:fontRef>
-        </p:style>
-        <p:txBody>
-          <a:bodyPr rtlCol="0" anchor="ctr"/>
-          <a:lstStyle/>
-          <a:p>
-            <a:pPr algn="ctr"/>
-            <a:endParaRPr lang="en-US"/>
-          </a:p>
-        </p:txBody>
-      </p:sp>
     </p:spTree>
+    <p:extLst>
+      <p:ext uri="{BB962C8B-B14F-4D97-AF65-F5344CB8AC3E}">
+        <p14:creationId xmlns:p14="http://schemas.microsoft.com/office/powerpoint/2010/main" val="2596601737"/>
+      </p:ext>
+    </p:extLst>
   </p:cSld>
   <p:clrMap bg1="lt1" tx1="dk1" bg2="lt2" tx2="dk2" accent1="accent1" accent2="accent2" accent3="accent3" accent4="accent4" accent5="accent5" accent6="accent6" hlink="hlink" folHlink="folHlink"/>
   <p:sldLayoutIdLst>
-    <p:sldLayoutId id="2147484333" r:id="rId1"/>
-    <p:sldLayoutId id="2147484334" r:id="rId2"/>
-    <p:sldLayoutId id="2147484335" r:id="rId3"/>
-    <p:sldLayoutId id="2147484336" r:id="rId4"/>
-    <p:sldLayoutId id="2147484337" r:id="rId5"/>
-    <p:sldLayoutId id="2147484338" r:id="rId6"/>
-    <p:sldLayoutId id="2147484339" r:id="rId7"/>
-    <p:sldLayoutId id="2147484340" r:id="rId8"/>
-    <p:sldLayoutId id="2147484341" r:id="rId9"/>
-    <p:sldLayoutId id="2147484342" r:id="rId10"/>
-    <p:sldLayoutId id="2147484343" r:id="rId11"/>
+    <p:sldLayoutId id="2147484549" r:id="rId1"/>
+    <p:sldLayoutId id="2147484550" r:id="rId2"/>
+    <p:sldLayoutId id="2147484551" r:id="rId3"/>
+    <p:sldLayoutId id="2147484552" r:id="rId4"/>
+    <p:sldLayoutId id="2147484553" r:id="rId5"/>
+    <p:sldLayoutId id="2147484554" r:id="rId6"/>
+    <p:sldLayoutId id="2147484555" r:id="rId7"/>
+    <p:sldLayoutId id="2147484556" r:id="rId8"/>
+    <p:sldLayoutId id="2147484557" r:id="rId9"/>
+    <p:sldLayoutId id="2147484558" r:id="rId10"/>
+    <p:sldLayoutId id="2147484559" r:id="rId11"/>
   </p:sldLayoutIdLst>
   <p:txStyles>
     <p:titleStyle>
       <a:lvl1pPr algn="ctr" defTabSz="914400" rtl="0" eaLnBrk="1" latinLnBrk="0" hangingPunct="1">
-        <a:lnSpc>
-          <a:spcPts val="5800"/>
-        </a:lnSpc>
         <a:spcBef>
           <a:spcPct val="0"/>
         </a:spcBef>
         <a:buNone/>
-        <a:defRPr sz="5400" kern="1200">
+        <a:defRPr sz="4400" kern="1200">
           <a:solidFill>
-            <a:schemeClr val="tx2"/>
+            <a:schemeClr val="tx1"/>
           </a:solidFill>
-          <a:effectLst>
-            <a:outerShdw blurRad="63500" dist="38100" dir="5400000" algn="t" rotWithShape="0">
-              <a:prstClr val="black">
-                <a:alpha val="25000"/>
-              </a:prstClr>
-            </a:outerShdw>
-          </a:effectLst>
-          <a:latin typeface="+mn-lt"/>
+          <a:latin typeface="+mj-lt"/>
           <a:ea typeface="+mj-ea"/>
           <a:cs typeface="+mj-cs"/>
         </a:defRPr>
@@ -3174,14 +4502,11 @@
         </a:spcBef>
         <a:buFont typeface="Arial" pitchFamily="34" charset="0"/>
         <a:buChar char="•"/>
-        <a:defRPr sz="2400" kern="1200">
+        <a:defRPr sz="3200" kern="1200">
           <a:solidFill>
-            <a:schemeClr val="tx1">
-              <a:lumMod val="50000"/>
-              <a:lumOff val="50000"/>
-            </a:schemeClr>
+            <a:schemeClr val="tx1"/>
           </a:solidFill>
-          <a:latin typeface="+mj-lt"/>
+          <a:latin typeface="+mn-lt"/>
           <a:ea typeface="+mn-ea"/>
           <a:cs typeface="+mn-cs"/>
         </a:defRPr>
@@ -3190,16 +4515,13 @@
         <a:spcBef>
           <a:spcPct val="20000"/>
         </a:spcBef>
-        <a:buFont typeface="Courier New" pitchFamily="49" charset="0"/>
-        <a:buChar char="o"/>
-        <a:defRPr sz="1600" kern="1200">
+        <a:buFont typeface="Arial" pitchFamily="34" charset="0"/>
+        <a:buChar char="–"/>
+        <a:defRPr sz="2800" kern="1200">
           <a:solidFill>
-            <a:schemeClr val="tx1">
-              <a:lumMod val="50000"/>
-              <a:lumOff val="50000"/>
-            </a:schemeClr>
+            <a:schemeClr val="tx1"/>
           </a:solidFill>
-          <a:latin typeface="+mj-lt"/>
+          <a:latin typeface="+mn-lt"/>
           <a:ea typeface="+mn-ea"/>
           <a:cs typeface="+mn-cs"/>
         </a:defRPr>
@@ -3210,14 +4532,11 @@
         </a:spcBef>
         <a:buFont typeface="Arial" pitchFamily="34" charset="0"/>
         <a:buChar char="•"/>
-        <a:defRPr sz="1600" kern="1200">
+        <a:defRPr sz="2400" kern="1200">
           <a:solidFill>
-            <a:schemeClr val="tx1">
-              <a:lumMod val="50000"/>
-              <a:lumOff val="50000"/>
-            </a:schemeClr>
+            <a:schemeClr val="tx1"/>
           </a:solidFill>
-          <a:latin typeface="+mj-lt"/>
+          <a:latin typeface="+mn-lt"/>
           <a:ea typeface="+mn-ea"/>
           <a:cs typeface="+mn-cs"/>
         </a:defRPr>
@@ -3226,16 +4545,13 @@
         <a:spcBef>
           <a:spcPct val="20000"/>
         </a:spcBef>
-        <a:buFont typeface="Courier New" pitchFamily="49" charset="0"/>
-        <a:buChar char="o"/>
-        <a:defRPr sz="1600" kern="1200">
+        <a:buFont typeface="Arial" pitchFamily="34" charset="0"/>
+        <a:buChar char="–"/>
+        <a:defRPr sz="2000" kern="1200">
           <a:solidFill>
-            <a:schemeClr val="tx1">
-              <a:lumMod val="50000"/>
-              <a:lumOff val="50000"/>
-            </a:schemeClr>
+            <a:schemeClr val="tx1"/>
           </a:solidFill>
-          <a:latin typeface="+mj-lt"/>
+          <a:latin typeface="+mn-lt"/>
           <a:ea typeface="+mn-ea"/>
           <a:cs typeface="+mn-cs"/>
         </a:defRPr>
@@ -3245,15 +4561,12 @@
           <a:spcPct val="20000"/>
         </a:spcBef>
         <a:buFont typeface="Arial" pitchFamily="34" charset="0"/>
-        <a:buChar char="•"/>
-        <a:defRPr sz="1600" kern="1200">
+        <a:buChar char="»"/>
+        <a:defRPr sz="2000" kern="1200">
           <a:solidFill>
-            <a:schemeClr val="tx1">
-              <a:lumMod val="50000"/>
-              <a:lumOff val="50000"/>
-            </a:schemeClr>
+            <a:schemeClr val="tx1"/>
           </a:solidFill>
-          <a:latin typeface="+mj-lt"/>
+          <a:latin typeface="+mn-lt"/>
           <a:ea typeface="+mn-ea"/>
           <a:cs typeface="+mn-cs"/>
         </a:defRPr>
@@ -3262,16 +4575,13 @@
         <a:spcBef>
           <a:spcPct val="20000"/>
         </a:spcBef>
-        <a:buFont typeface="Courier New" pitchFamily="49" charset="0"/>
-        <a:buChar char="o"/>
-        <a:defRPr sz="1600" kern="1200">
+        <a:buFont typeface="Arial" pitchFamily="34" charset="0"/>
+        <a:buChar char="•"/>
+        <a:defRPr sz="2000" kern="1200">
           <a:solidFill>
-            <a:schemeClr val="tx1">
-              <a:lumMod val="50000"/>
-              <a:lumOff val="50000"/>
-            </a:schemeClr>
+            <a:schemeClr val="tx1"/>
           </a:solidFill>
-          <a:latin typeface="+mj-lt"/>
+          <a:latin typeface="+mn-lt"/>
           <a:ea typeface="+mn-ea"/>
           <a:cs typeface="+mn-cs"/>
         </a:defRPr>
@@ -3282,14 +4592,11 @@
         </a:spcBef>
         <a:buFont typeface="Arial" pitchFamily="34" charset="0"/>
         <a:buChar char="•"/>
-        <a:defRPr sz="1600" kern="1200">
+        <a:defRPr sz="2000" kern="1200">
           <a:solidFill>
-            <a:schemeClr val="tx1">
-              <a:lumMod val="50000"/>
-              <a:lumOff val="50000"/>
-            </a:schemeClr>
+            <a:schemeClr val="tx1"/>
           </a:solidFill>
-          <a:latin typeface="+mj-lt"/>
+          <a:latin typeface="+mn-lt"/>
           <a:ea typeface="+mn-ea"/>
           <a:cs typeface="+mn-cs"/>
         </a:defRPr>
@@ -3298,16 +4605,13 @@
         <a:spcBef>
           <a:spcPct val="20000"/>
         </a:spcBef>
-        <a:buFont typeface="Courier New" pitchFamily="49" charset="0"/>
-        <a:buChar char="o"/>
-        <a:defRPr sz="1600" kern="1200">
+        <a:buFont typeface="Arial" pitchFamily="34" charset="0"/>
+        <a:buChar char="•"/>
+        <a:defRPr sz="2000" kern="1200">
           <a:solidFill>
-            <a:schemeClr val="tx1">
-              <a:lumMod val="50000"/>
-              <a:lumOff val="50000"/>
-            </a:schemeClr>
+            <a:schemeClr val="tx1"/>
           </a:solidFill>
-          <a:latin typeface="+mj-lt"/>
+          <a:latin typeface="+mn-lt"/>
           <a:ea typeface="+mn-ea"/>
           <a:cs typeface="+mn-cs"/>
         </a:defRPr>
@@ -3318,14 +4622,11 @@
         </a:spcBef>
         <a:buFont typeface="Arial" pitchFamily="34" charset="0"/>
         <a:buChar char="•"/>
-        <a:defRPr sz="1600" kern="1200">
+        <a:defRPr sz="2000" kern="1200">
           <a:solidFill>
-            <a:schemeClr val="tx1">
-              <a:lumMod val="50000"/>
-              <a:lumOff val="50000"/>
-            </a:schemeClr>
+            <a:schemeClr val="tx1"/>
           </a:solidFill>
-          <a:latin typeface="+mj-lt"/>
+          <a:latin typeface="+mn-lt"/>
           <a:ea typeface="+mn-ea"/>
           <a:cs typeface="+mn-cs"/>
         </a:defRPr>
@@ -3465,19 +4766,15 @@
           <a:lstStyle/>
           <a:p>
             <a:r>
-              <a:rPr lang="en-US" sz="3600" b="1" u="sng" dirty="0"/>
-              <a:t>Telecommunications </a:t>
-            </a:r>
-            <a:r>
               <a:rPr lang="en-US" sz="3600" b="1" u="sng" dirty="0" smtClean="0"/>
-              <a:t>and Utilities</a:t>
-            </a:r>
-            <a:r>
-              <a:rPr lang="en-US" sz="3600" dirty="0"/>
+              <a:t>Telecommunications and Utilities</a:t>
+            </a:r>
+            <a:r>
+              <a:rPr lang="en-US" sz="3600" dirty="0" smtClean="0"/>
               <a:t/>
             </a:r>
             <a:br>
-              <a:rPr lang="en-US" sz="3600" dirty="0"/>
+              <a:rPr lang="en-US" sz="3600" dirty="0" smtClean="0"/>
             </a:br>
             <a:endParaRPr lang="en-US" sz="3600" dirty="0"/>
           </a:p>
@@ -3551,40 +4848,42 @@
         </p:nvSpPr>
         <p:spPr/>
         <p:txBody>
-          <a:bodyPr/>
-          <a:lstStyle/>
-          <a:p>
-            <a:r>
-              <a:rPr lang="en-US" u="sng" dirty="0"/>
-              <a:t>Dimension Granularity </a:t>
-            </a:r>
+          <a:bodyPr>
+            <a:normAutofit/>
+          </a:bodyPr>
+          <a:lstStyle/>
+          <a:p>
+            <a:r>
+              <a:rPr lang="en-US" b="1" i="1" dirty="0" smtClean="0"/>
+              <a:t>Fixed Time-Series Bucket</a:t>
+            </a:r>
+            <a:endParaRPr lang="en-US" b="1" dirty="0"/>
+          </a:p>
+        </p:txBody>
+      </p:sp>
+      <p:sp>
+        <p:nvSpPr>
+          <p:cNvPr id="3" name="Content Placeholder 2"/>
+          <p:cNvSpPr>
+            <a:spLocks noGrp="1"/>
+          </p:cNvSpPr>
+          <p:nvPr>
+            <p:ph idx="1"/>
+          </p:nvPr>
+        </p:nvSpPr>
+        <p:spPr/>
+        <p:txBody>
+          <a:bodyPr/>
+          <a:lstStyle/>
+          <a:p>
             <a:endParaRPr lang="en-US" dirty="0"/>
-          </a:p>
-        </p:txBody>
-      </p:sp>
-      <p:sp>
-        <p:nvSpPr>
-          <p:cNvPr id="3" name="Content Placeholder 2"/>
-          <p:cNvSpPr>
-            <a:spLocks noGrp="1"/>
-          </p:cNvSpPr>
-          <p:nvPr>
-            <p:ph idx="1"/>
-          </p:nvPr>
-        </p:nvSpPr>
-        <p:spPr/>
-        <p:txBody>
-          <a:bodyPr/>
-          <a:lstStyle/>
-          <a:p>
-            <a:endParaRPr lang="en-US"/>
           </a:p>
         </p:txBody>
       </p:sp>
     </p:spTree>
     <p:extLst>
       <p:ext uri="{BB962C8B-B14F-4D97-AF65-F5344CB8AC3E}">
-        <p14:creationId xmlns:p14="http://schemas.microsoft.com/office/powerpoint/2010/main" val="2395660201"/>
+        <p14:creationId xmlns:p14="http://schemas.microsoft.com/office/powerpoint/2010/main" val="2964920249"/>
       </p:ext>
     </p:extLst>
   </p:cSld>
@@ -3634,10 +4933,9 @@
           <a:lstStyle/>
           <a:p>
             <a:r>
-              <a:rPr lang="en-US" u="sng" dirty="0"/>
-              <a:t>Date Dimension</a:t>
-            </a:r>
-            <a:endParaRPr lang="en-US" dirty="0"/>
+              <a:rPr lang="en-US" b="1" dirty="0"/>
+              <a:t>Degenerate Dimension</a:t>
+            </a:r>
           </a:p>
         </p:txBody>
       </p:sp>
@@ -3655,6 +4953,61 @@
         <p:txBody>
           <a:bodyPr/>
           <a:lstStyle/>
+          <a:p>
+            <a:r>
+              <a:rPr lang="en-US" dirty="0" smtClean="0"/>
+              <a:t>Dimension</a:t>
+            </a:r>
+            <a:r>
+              <a:rPr lang="th-TH" dirty="0" smtClean="0"/>
+              <a:t> </a:t>
+            </a:r>
+            <a:r>
+              <a:rPr lang="th-TH" dirty="0" smtClean="0"/>
+              <a:t>ที่ไม่มี </a:t>
+            </a:r>
+            <a:r>
+              <a:rPr lang="en-US" dirty="0" smtClean="0"/>
+              <a:t>Dimension table</a:t>
+            </a:r>
+            <a:r>
+              <a:rPr lang="th-TH" dirty="0" smtClean="0"/>
+              <a:t> ของมันเอง</a:t>
+            </a:r>
+          </a:p>
+          <a:p>
+            <a:r>
+              <a:rPr lang="th-TH" dirty="0" smtClean="0"/>
+              <a:t>ดูค่าอื่นๆที่ไม่ได้เกี่ยวข้องโดยตรง แต่อาจจะเพื่อความสะดวกในการอ้างอิง</a:t>
+            </a:r>
+            <a:endParaRPr lang="en-US" dirty="0" smtClean="0"/>
+          </a:p>
+          <a:p>
+            <a:pPr lvl="1"/>
+            <a:r>
+              <a:rPr lang="th-TH" dirty="0" smtClean="0"/>
+              <a:t>การเก็บ</a:t>
+            </a:r>
+            <a:r>
+              <a:rPr lang="en-US" dirty="0" smtClean="0"/>
+              <a:t>Transaction </a:t>
+            </a:r>
+            <a:r>
+              <a:rPr lang="th-TH" dirty="0" smtClean="0"/>
+              <a:t>ข้อมูลการชำระเงิน</a:t>
+            </a:r>
+          </a:p>
+          <a:p>
+            <a:pPr lvl="2"/>
+            <a:r>
+              <a:rPr lang="th-TH" dirty="0" smtClean="0"/>
+              <a:t>หมายเลขการชำระไว้</a:t>
+            </a:r>
+            <a:endParaRPr lang="en-US" dirty="0" smtClean="0"/>
+          </a:p>
+          <a:p>
+            <a:endParaRPr lang="en-US" dirty="0" smtClean="0"/>
+          </a:p>
           <a:p>
             <a:endParaRPr lang="en-US" dirty="0"/>
           </a:p>
@@ -3663,7 +5016,7 @@
     </p:spTree>
     <p:extLst>
       <p:ext uri="{BB962C8B-B14F-4D97-AF65-F5344CB8AC3E}">
-        <p14:creationId xmlns:p14="http://schemas.microsoft.com/office/powerpoint/2010/main" val="1507583212"/>
+        <p14:creationId xmlns:p14="http://schemas.microsoft.com/office/powerpoint/2010/main" val="1442219239"/>
       </p:ext>
     </p:extLst>
   </p:cSld>
@@ -3712,7 +5065,23 @@
           <a:bodyPr/>
           <a:lstStyle/>
           <a:p>
-            <a:endParaRPr lang="en-US"/>
+            <a:r>
+              <a:rPr lang="en-US" b="1" dirty="0" smtClean="0"/>
+              <a:t>Degenerate Dimension</a:t>
+            </a:r>
+            <a:r>
+              <a:rPr lang="th-TH" b="1" dirty="0" smtClean="0"/>
+              <a:t>(</a:t>
+            </a:r>
+            <a:r>
+              <a:rPr lang="en-US" b="1" dirty="0" smtClean="0"/>
+              <a:t>Cont.</a:t>
+            </a:r>
+            <a:r>
+              <a:rPr lang="th-TH" b="1" dirty="0" smtClean="0"/>
+              <a:t>)</a:t>
+            </a:r>
+            <a:endParaRPr lang="en-US" b="1" dirty="0"/>
           </a:p>
         </p:txBody>
       </p:sp>
@@ -3732,20 +5101,50 @@
           <a:lstStyle/>
           <a:p>
             <a:r>
-              <a:rPr lang="en-US" i="1" u="sng" dirty="0"/>
-              <a:t>Fixed Time-Series Bucket </a:t>
-            </a:r>
-            <a:r>
-              <a:rPr lang="th-TH" i="1" u="sng" dirty="0"/>
-              <a:t>แทน</a:t>
-            </a:r>
-            <a:br>
-              <a:rPr lang="th-TH" i="1" u="sng" dirty="0"/>
-            </a:br>
-            <a:r>
-              <a:rPr lang="en-US" i="1" u="sng" dirty="0"/>
-              <a:t>Date Dimension </a:t>
-            </a:r>
+              <a:rPr lang="en-US" dirty="0" smtClean="0"/>
+              <a:t>Dimension</a:t>
+            </a:r>
+            <a:r>
+              <a:rPr lang="th-TH" dirty="0" smtClean="0"/>
+              <a:t> ที่มี </a:t>
+            </a:r>
+            <a:r>
+              <a:rPr lang="en-US" dirty="0" smtClean="0"/>
+              <a:t>row </a:t>
+            </a:r>
+            <a:r>
+              <a:rPr lang="th-TH" dirty="0" smtClean="0"/>
+              <a:t> ใกล้เคียงกับ </a:t>
+            </a:r>
+            <a:r>
+              <a:rPr lang="en-US" dirty="0" smtClean="0"/>
+              <a:t>row Fact</a:t>
+            </a:r>
+            <a:r>
+              <a:rPr lang="th-TH" dirty="0" smtClean="0"/>
+              <a:t> </a:t>
+            </a:r>
+            <a:r>
+              <a:rPr lang="en-US" dirty="0" smtClean="0"/>
+              <a:t>table</a:t>
+            </a:r>
+            <a:endParaRPr lang="th-TH" dirty="0" smtClean="0"/>
+          </a:p>
+          <a:p>
+            <a:r>
+              <a:rPr lang="th-TH" dirty="0" smtClean="0"/>
+              <a:t>มี </a:t>
+            </a:r>
+            <a:r>
+              <a:rPr lang="en-US" dirty="0" smtClean="0"/>
+              <a:t>Degenerate Dimension</a:t>
+            </a:r>
+            <a:r>
+              <a:rPr lang="th-TH" dirty="0" smtClean="0"/>
+              <a:t> ซ่อนอยู่</a:t>
+            </a:r>
+          </a:p>
+          <a:p>
             <a:endParaRPr lang="en-US" dirty="0"/>
           </a:p>
         </p:txBody>
@@ -3753,7 +5152,7 @@
     </p:spTree>
     <p:extLst>
       <p:ext uri="{BB962C8B-B14F-4D97-AF65-F5344CB8AC3E}">
-        <p14:creationId xmlns:p14="http://schemas.microsoft.com/office/powerpoint/2010/main" val="2964920249"/>
+        <p14:creationId xmlns:p14="http://schemas.microsoft.com/office/powerpoint/2010/main" val="4147472133"/>
       </p:ext>
     </p:extLst>
   </p:cSld>
@@ -3799,40 +5198,70 @@
         </p:nvSpPr>
         <p:spPr/>
         <p:txBody>
-          <a:bodyPr/>
-          <a:lstStyle/>
-          <a:p>
-            <a:r>
-              <a:rPr lang="en-US" u="sng" dirty="0"/>
-              <a:t>Degenerate Dimension</a:t>
-            </a:r>
+          <a:bodyPr>
+            <a:normAutofit fontScale="90000"/>
+          </a:bodyPr>
+          <a:lstStyle/>
+          <a:p>
+            <a:r>
+              <a:rPr lang="en-US" b="1" dirty="0"/>
+              <a:t>Dimension Decodes</a:t>
+            </a:r>
+            <a:r>
+              <a:rPr lang="th-TH" b="1" dirty="0"/>
+              <a:t> </a:t>
+            </a:r>
+            <a:r>
+              <a:rPr lang="en-US" b="1" dirty="0"/>
+              <a:t>and Descriptions</a:t>
+            </a:r>
+          </a:p>
+        </p:txBody>
+      </p:sp>
+      <p:sp>
+        <p:nvSpPr>
+          <p:cNvPr id="3" name="Content Placeholder 2"/>
+          <p:cNvSpPr>
+            <a:spLocks noGrp="1"/>
+          </p:cNvSpPr>
+          <p:nvPr>
+            <p:ph idx="1"/>
+          </p:nvPr>
+        </p:nvSpPr>
+        <p:spPr/>
+        <p:txBody>
+          <a:bodyPr/>
+          <a:lstStyle/>
+          <a:p>
+            <a:r>
+              <a:rPr lang="th-TH" dirty="0" smtClean="0"/>
+              <a:t>การระบุตัวตนและการใช้รหัสใน </a:t>
+            </a:r>
+            <a:r>
+              <a:rPr lang="en-US" dirty="0" smtClean="0"/>
+              <a:t>Dimension Table </a:t>
+            </a:r>
+            <a:r>
+              <a:rPr lang="th-TH" dirty="0" smtClean="0"/>
+              <a:t>ควรจะสอดคล้องกันเพื่อให้ง่ายต่อการถอดรหัส</a:t>
+            </a:r>
+            <a:br>
+              <a:rPr lang="th-TH" dirty="0" smtClean="0"/>
+            </a:br>
+            <a:r>
+              <a:rPr lang="th-TH" dirty="0" smtClean="0"/>
+              <a:t>เพื่อไม่ให้เกิดการเข้าใจผิด</a:t>
+            </a:r>
+          </a:p>
+          <a:p>
             <a:endParaRPr lang="en-US" dirty="0"/>
-          </a:p>
-        </p:txBody>
-      </p:sp>
-      <p:sp>
-        <p:nvSpPr>
-          <p:cNvPr id="3" name="Content Placeholder 2"/>
-          <p:cNvSpPr>
-            <a:spLocks noGrp="1"/>
-          </p:cNvSpPr>
-          <p:nvPr>
-            <p:ph idx="1"/>
-          </p:nvPr>
-        </p:nvSpPr>
-        <p:spPr/>
-        <p:txBody>
-          <a:bodyPr/>
-          <a:lstStyle/>
-          <a:p>
-            <a:endParaRPr lang="en-US"/>
           </a:p>
         </p:txBody>
       </p:sp>
     </p:spTree>
     <p:extLst>
       <p:ext uri="{BB962C8B-B14F-4D97-AF65-F5344CB8AC3E}">
-        <p14:creationId xmlns:p14="http://schemas.microsoft.com/office/powerpoint/2010/main" val="1442219239"/>
+        <p14:creationId xmlns:p14="http://schemas.microsoft.com/office/powerpoint/2010/main" val="4163685735"/>
       </p:ext>
     </p:extLst>
   </p:cSld>
@@ -3881,7 +5310,10 @@
           <a:bodyPr/>
           <a:lstStyle/>
           <a:p>
-            <a:endParaRPr lang="en-US"/>
+            <a:r>
+              <a:rPr lang="en-US" b="1" dirty="0"/>
+              <a:t>Surrogate Keys</a:t>
+            </a:r>
           </a:p>
         </p:txBody>
       </p:sp>
@@ -3900,14 +5332,58 @@
           <a:bodyPr/>
           <a:lstStyle/>
           <a:p>
-            <a:endParaRPr lang="en-US"/>
+            <a:r>
+              <a:rPr lang="th-TH" dirty="0" smtClean="0"/>
+              <a:t>สร้าง </a:t>
+            </a:r>
+            <a:r>
+              <a:rPr lang="en-US" dirty="0" smtClean="0"/>
+              <a:t>Surrogate Keys</a:t>
+            </a:r>
+            <a:r>
+              <a:rPr lang="th-TH" dirty="0" smtClean="0"/>
+              <a:t> </a:t>
+            </a:r>
+            <a:r>
+              <a:rPr lang="th-TH" dirty="0" smtClean="0"/>
+              <a:t>ไว้ใน </a:t>
+            </a:r>
+            <a:r>
+              <a:rPr lang="en-US" dirty="0" smtClean="0"/>
+              <a:t>Dimension </a:t>
+            </a:r>
+          </a:p>
+          <a:p>
+            <a:r>
+              <a:rPr lang="th-TH" dirty="0" smtClean="0"/>
+              <a:t>แทน </a:t>
+            </a:r>
+            <a:r>
+              <a:rPr lang="en-US" dirty="0" smtClean="0"/>
+              <a:t>Business Key</a:t>
+            </a:r>
+          </a:p>
+          <a:p>
+            <a:r>
+              <a:rPr lang="th-TH" dirty="0" smtClean="0"/>
+              <a:t>ช่วยลดความซ้ำซ้อน ของ </a:t>
+            </a:r>
+            <a:r>
+              <a:rPr lang="en-US" dirty="0" smtClean="0"/>
+              <a:t>Database </a:t>
+            </a:r>
+            <a:r>
+              <a:rPr lang="th-TH" dirty="0" smtClean="0"/>
+              <a:t>ได้ดี</a:t>
+            </a:r>
+            <a:endParaRPr lang="en-US" dirty="0"/>
           </a:p>
         </p:txBody>
       </p:sp>
     </p:spTree>
     <p:extLst>
       <p:ext uri="{BB962C8B-B14F-4D97-AF65-F5344CB8AC3E}">
-        <p14:creationId xmlns:p14="http://schemas.microsoft.com/office/powerpoint/2010/main" val="4147472133"/>
+        <p14:creationId xmlns:p14="http://schemas.microsoft.com/office/powerpoint/2010/main" val="1558296164"/>
       </p:ext>
     </p:extLst>
   </p:cSld>
@@ -3953,22 +5429,16 @@
         </p:nvSpPr>
         <p:spPr/>
         <p:txBody>
-          <a:bodyPr/>
-          <a:lstStyle/>
-          <a:p>
-            <a:r>
-              <a:rPr lang="en-US" u="sng" dirty="0"/>
-              <a:t>Dimension Decodes</a:t>
-            </a:r>
-            <a:r>
-              <a:rPr lang="th-TH" u="sng" dirty="0"/>
-              <a:t> </a:t>
-            </a:r>
-            <a:r>
-              <a:rPr lang="en-US" u="sng" dirty="0"/>
-              <a:t>and Descriptions</a:t>
-            </a:r>
-            <a:endParaRPr lang="en-US" dirty="0"/>
+          <a:bodyPr>
+            <a:noAutofit/>
+          </a:bodyPr>
+          <a:lstStyle/>
+          <a:p>
+            <a:r>
+              <a:rPr lang="en-US" sz="4000" b="1" dirty="0" smtClean="0"/>
+              <a:t>Too Many  (Too Low)Dimension</a:t>
+            </a:r>
+            <a:endParaRPr lang="en-US" sz="4000" b="1" dirty="0"/>
           </a:p>
         </p:txBody>
       </p:sp>
@@ -3987,14 +5457,98 @@
           <a:bodyPr/>
           <a:lstStyle/>
           <a:p>
-            <a:endParaRPr lang="en-US"/>
+            <a:r>
+              <a:rPr lang="en-US" dirty="0"/>
+              <a:t>5 </a:t>
+            </a:r>
+            <a:r>
+              <a:rPr lang="th-TH" dirty="0"/>
+              <a:t>ถึง </a:t>
+            </a:r>
+            <a:r>
+              <a:rPr lang="en-US" dirty="0"/>
+              <a:t>15 </a:t>
+            </a:r>
+            <a:r>
+              <a:rPr lang="en-US" dirty="0" smtClean="0"/>
+              <a:t>Dimension</a:t>
+            </a:r>
+            <a:endParaRPr lang="th-TH" dirty="0" smtClean="0"/>
+          </a:p>
+          <a:p>
+            <a:r>
+              <a:rPr lang="th-TH" dirty="0" smtClean="0"/>
+              <a:t>น้อยไป </a:t>
+            </a:r>
+            <a:r>
+              <a:rPr lang="th-TH" dirty="0" smtClean="0">
+                <a:solidFill>
+                  <a:srgbClr val="FF0000"/>
+                </a:solidFill>
+              </a:rPr>
+              <a:t>– บท 9</a:t>
+            </a:r>
+          </a:p>
+          <a:p>
+            <a:r>
+              <a:rPr lang="th-TH" dirty="0" smtClean="0"/>
+              <a:t>มากไป </a:t>
+            </a:r>
+          </a:p>
+          <a:p>
+            <a:pPr lvl="1"/>
+            <a:r>
+              <a:rPr lang="th-TH" dirty="0" smtClean="0"/>
+              <a:t>ลดจำนวนลง</a:t>
+            </a:r>
+            <a:endParaRPr lang="th-TH" dirty="0"/>
+          </a:p>
+          <a:p>
+            <a:pPr lvl="1"/>
+            <a:r>
+              <a:rPr lang="th-TH" dirty="0" smtClean="0">
+                <a:solidFill>
+                  <a:srgbClr val="FF0000"/>
+                </a:solidFill>
+              </a:rPr>
+              <a:t>บทที่ </a:t>
+            </a:r>
+            <a:r>
+              <a:rPr lang="en-US" dirty="0" smtClean="0">
+                <a:solidFill>
+                  <a:srgbClr val="FF0000"/>
+                </a:solidFill>
+              </a:rPr>
+              <a:t>2 </a:t>
+            </a:r>
+            <a:r>
+              <a:rPr lang="th-TH" dirty="0" smtClean="0">
+                <a:solidFill>
+                  <a:srgbClr val="FF0000"/>
+                </a:solidFill>
+              </a:rPr>
+              <a:t>และ </a:t>
+            </a:r>
+            <a:r>
+              <a:rPr lang="en-US" dirty="0" smtClean="0">
+                <a:solidFill>
+                  <a:srgbClr val="FF0000"/>
+                </a:solidFill>
+              </a:rPr>
+              <a:t>5</a:t>
+            </a:r>
+            <a:endParaRPr lang="th-TH" dirty="0" smtClean="0">
+              <a:solidFill>
+                <a:srgbClr val="FF0000"/>
+              </a:solidFill>
+            </a:endParaRPr>
           </a:p>
         </p:txBody>
       </p:sp>
     </p:spTree>
     <p:extLst>
       <p:ext uri="{BB962C8B-B14F-4D97-AF65-F5344CB8AC3E}">
-        <p14:creationId xmlns:p14="http://schemas.microsoft.com/office/powerpoint/2010/main" val="4163685735"/>
+        <p14:creationId xmlns:p14="http://schemas.microsoft.com/office/powerpoint/2010/main" val="1507953952"/>
       </p:ext>
     </p:extLst>
   </p:cSld>
@@ -4040,14 +5594,15 @@
         </p:nvSpPr>
         <p:spPr/>
         <p:txBody>
-          <a:bodyPr/>
-          <a:lstStyle/>
-          <a:p>
-            <a:r>
-              <a:rPr lang="en-US" u="sng" dirty="0"/>
-              <a:t>Surrogate Keys</a:t>
-            </a:r>
-            <a:endParaRPr lang="en-US" dirty="0"/>
+          <a:bodyPr>
+            <a:normAutofit/>
+          </a:bodyPr>
+          <a:lstStyle/>
+          <a:p>
+            <a:r>
+              <a:rPr lang="en-US" b="1" dirty="0"/>
+              <a:t>Draft Design Exercise Discussion</a:t>
+            </a:r>
           </a:p>
         </p:txBody>
       </p:sp>
@@ -4066,14 +5621,41 @@
           <a:bodyPr/>
           <a:lstStyle/>
           <a:p>
-            <a:endParaRPr lang="en-US"/>
+            <a:r>
+              <a:rPr lang="en-US" b="1" dirty="0" smtClean="0"/>
+              <a:t>Business Process</a:t>
+            </a:r>
+            <a:endParaRPr lang="th-TH" b="1" dirty="0" smtClean="0"/>
+          </a:p>
+          <a:p>
+            <a:r>
+              <a:rPr lang="en-US" b="1" dirty="0" smtClean="0"/>
+              <a:t>Granularity</a:t>
+            </a:r>
+            <a:endParaRPr lang="th-TH" b="1" dirty="0" smtClean="0"/>
+          </a:p>
+          <a:p>
+            <a:r>
+              <a:rPr lang="en-US" b="1" dirty="0" smtClean="0"/>
+              <a:t>Dimensions</a:t>
+            </a:r>
+            <a:endParaRPr lang="th-TH" b="1" dirty="0" smtClean="0"/>
+          </a:p>
+          <a:p>
+            <a:r>
+              <a:rPr lang="en-US" b="1" dirty="0" smtClean="0"/>
+              <a:t>Measure </a:t>
+            </a:r>
+          </a:p>
+          <a:p>
+            <a:endParaRPr lang="en-US" b="1" dirty="0"/>
           </a:p>
         </p:txBody>
       </p:sp>
     </p:spTree>
     <p:extLst>
       <p:ext uri="{BB962C8B-B14F-4D97-AF65-F5344CB8AC3E}">
-        <p14:creationId xmlns:p14="http://schemas.microsoft.com/office/powerpoint/2010/main" val="1558296164"/>
+        <p14:creationId xmlns:p14="http://schemas.microsoft.com/office/powerpoint/2010/main" val="381690348"/>
       </p:ext>
     </p:extLst>
   </p:cSld>
@@ -4123,43 +5705,85 @@
           <a:lstStyle/>
           <a:p>
             <a:r>
-              <a:rPr lang="en-US" u="sng" dirty="0" smtClean="0"/>
-              <a:t>Too Many</a:t>
+              <a:rPr lang="en-US" b="1" dirty="0"/>
+              <a:t>Business Process</a:t>
+            </a:r>
+          </a:p>
+        </p:txBody>
+      </p:sp>
+      <p:sp>
+        <p:nvSpPr>
+          <p:cNvPr id="3" name="Content Placeholder 2"/>
+          <p:cNvSpPr>
+            <a:spLocks noGrp="1"/>
+          </p:cNvSpPr>
+          <p:nvPr>
+            <p:ph idx="1"/>
+          </p:nvPr>
+        </p:nvSpPr>
+        <p:spPr/>
+        <p:txBody>
+          <a:bodyPr/>
+          <a:lstStyle/>
+          <a:p>
+            <a:pPr lvl="1">
+              <a:buFont typeface="Wingdings" pitchFamily="2" charset="2"/>
+              <a:buChar char="§"/>
+            </a:pPr>
+            <a:r>
+              <a:rPr lang="en-US" sz="3200" dirty="0" smtClean="0"/>
+              <a:t>Revenue from customers</a:t>
+            </a:r>
+            <a:endParaRPr lang="th-TH" sz="3200" dirty="0" smtClean="0"/>
+          </a:p>
+          <a:p>
+            <a:pPr lvl="1">
+              <a:buFont typeface="Wingdings" pitchFamily="2" charset="2"/>
+              <a:buChar char="§"/>
+            </a:pPr>
+            <a:r>
+              <a:rPr lang="en-US" sz="3200" dirty="0" smtClean="0"/>
+              <a:t>Revenue from agent</a:t>
+            </a:r>
+          </a:p>
+          <a:p>
+            <a:pPr lvl="1">
+              <a:buFont typeface="Wingdings" pitchFamily="2" charset="2"/>
+              <a:buChar char="§"/>
+            </a:pPr>
+            <a:r>
+              <a:rPr lang="en-US" sz="3200" dirty="0" smtClean="0"/>
+              <a:t>Number of Calls</a:t>
+            </a:r>
+          </a:p>
+          <a:p>
+            <a:pPr lvl="1">
+              <a:buFont typeface="Wingdings" pitchFamily="2" charset="2"/>
+              <a:buChar char="§"/>
+            </a:pPr>
+            <a:r>
+              <a:rPr lang="en-US" sz="3200" dirty="0" smtClean="0"/>
+              <a:t>Used  </a:t>
+            </a:r>
+            <a:r>
+              <a:rPr lang="en-US" sz="3200" dirty="0" smtClean="0"/>
+              <a:t>Time</a:t>
+            </a:r>
+            <a:r>
+              <a:rPr lang="th-TH" sz="3200" dirty="0" smtClean="0"/>
+              <a:t/>
             </a:r>
             <a:br>
-              <a:rPr lang="en-US" u="sng" dirty="0" smtClean="0"/>
+              <a:rPr lang="th-TH" sz="3200" dirty="0" smtClean="0"/>
             </a:br>
-            <a:r>
-              <a:rPr lang="en-US" u="sng" dirty="0" smtClean="0"/>
-              <a:t> (Too Low)Dimension</a:t>
-            </a:r>
-            <a:endParaRPr lang="en-US" dirty="0"/>
-          </a:p>
-        </p:txBody>
-      </p:sp>
-      <p:sp>
-        <p:nvSpPr>
-          <p:cNvPr id="3" name="Content Placeholder 2"/>
-          <p:cNvSpPr>
-            <a:spLocks noGrp="1"/>
-          </p:cNvSpPr>
-          <p:nvPr>
-            <p:ph idx="1"/>
-          </p:nvPr>
-        </p:nvSpPr>
-        <p:spPr/>
-        <p:txBody>
-          <a:bodyPr/>
-          <a:lstStyle/>
-          <a:p>
-            <a:endParaRPr lang="en-US" dirty="0"/>
+            <a:endParaRPr lang="th-TH" sz="3200" dirty="0" smtClean="0"/>
           </a:p>
         </p:txBody>
       </p:sp>
     </p:spTree>
     <p:extLst>
       <p:ext uri="{BB962C8B-B14F-4D97-AF65-F5344CB8AC3E}">
-        <p14:creationId xmlns:p14="http://schemas.microsoft.com/office/powerpoint/2010/main" val="1507953952"/>
+        <p14:creationId xmlns:p14="http://schemas.microsoft.com/office/powerpoint/2010/main" val="2936414497"/>
       </p:ext>
     </p:extLst>
   </p:cSld>
@@ -4205,12 +5829,14 @@
         </p:nvSpPr>
         <p:spPr/>
         <p:txBody>
-          <a:bodyPr/>
-          <a:lstStyle/>
-          <a:p>
-            <a:r>
-              <a:rPr lang="en-US" u="sng" dirty="0"/>
-              <a:t>Draft Design Exercise Discussion</a:t>
+          <a:bodyPr>
+            <a:normAutofit/>
+          </a:bodyPr>
+          <a:lstStyle/>
+          <a:p>
+            <a:r>
+              <a:rPr lang="en-US" b="1" dirty="0" smtClean="0"/>
+              <a:t>Granularity</a:t>
             </a:r>
             <a:endParaRPr lang="en-US" dirty="0"/>
           </a:p>
@@ -4231,14 +5857,77 @@
           <a:bodyPr/>
           <a:lstStyle/>
           <a:p>
-            <a:endParaRPr lang="en-US"/>
+            <a:pPr lvl="1">
+              <a:buFont typeface="Arial" pitchFamily="34" charset="0"/>
+              <a:buChar char="•"/>
+            </a:pPr>
+            <a:r>
+              <a:rPr lang="th-TH" dirty="0"/>
+              <a:t>หน่วยที่เล็กที่สุดควรจะเป็นข้อมูลของ </a:t>
+            </a:r>
+            <a:r>
+              <a:rPr lang="en-US" dirty="0"/>
+              <a:t>Service Line</a:t>
+            </a:r>
+            <a:r>
+              <a:rPr lang="th-TH" dirty="0"/>
+              <a:t> ในแต่ละ </a:t>
+            </a:r>
+            <a:r>
+              <a:rPr lang="en-US" dirty="0"/>
+              <a:t>Bill </a:t>
+            </a:r>
+          </a:p>
+          <a:p>
+            <a:pPr lvl="1">
+              <a:buFont typeface="Arial" pitchFamily="34" charset="0"/>
+              <a:buChar char="•"/>
+            </a:pPr>
+            <a:r>
+              <a:rPr lang="en-US" dirty="0" smtClean="0"/>
+              <a:t>Bill </a:t>
+            </a:r>
+            <a:r>
+              <a:rPr lang="en-US" dirty="0"/>
+              <a:t>Dimension </a:t>
+            </a:r>
+            <a:r>
+              <a:rPr lang="th-TH" dirty="0" smtClean="0"/>
+              <a:t>+  </a:t>
+            </a:r>
+            <a:r>
+              <a:rPr lang="en-US" dirty="0" smtClean="0"/>
+              <a:t>Service Line</a:t>
+            </a:r>
+            <a:r>
+              <a:rPr lang="th-TH" dirty="0" smtClean="0"/>
+              <a:t> </a:t>
+            </a:r>
+          </a:p>
+          <a:p>
+            <a:pPr lvl="2"/>
+            <a:r>
+              <a:rPr lang="th-TH" dirty="0" smtClean="0"/>
+              <a:t>เชื่อมกันโดย </a:t>
+            </a:r>
+            <a:r>
+              <a:rPr lang="en-US" dirty="0" smtClean="0"/>
+              <a:t>Service </a:t>
+            </a:r>
+            <a:r>
+              <a:rPr lang="en-US" dirty="0"/>
+              <a:t>Line Number</a:t>
+            </a:r>
+          </a:p>
+          <a:p>
+            <a:endParaRPr lang="en-US" dirty="0"/>
           </a:p>
         </p:txBody>
       </p:sp>
     </p:spTree>
     <p:extLst>
       <p:ext uri="{BB962C8B-B14F-4D97-AF65-F5344CB8AC3E}">
-        <p14:creationId xmlns:p14="http://schemas.microsoft.com/office/powerpoint/2010/main" val="381690348"/>
+        <p14:creationId xmlns:p14="http://schemas.microsoft.com/office/powerpoint/2010/main" val="1084101094"/>
       </p:ext>
     </p:extLst>
   </p:cSld>
@@ -4287,7 +5976,11 @@
           <a:bodyPr/>
           <a:lstStyle/>
           <a:p>
-            <a:endParaRPr lang="en-US"/>
+            <a:r>
+              <a:rPr lang="en-US" b="1" dirty="0" smtClean="0"/>
+              <a:t>Dimensions</a:t>
+            </a:r>
+            <a:endParaRPr lang="en-US" b="1" dirty="0"/>
           </a:p>
         </p:txBody>
       </p:sp>
@@ -4306,46 +5999,50 @@
           <a:bodyPr/>
           <a:lstStyle/>
           <a:p>
-            <a:endParaRPr lang="en-US"/>
-          </a:p>
-        </p:txBody>
-      </p:sp>
-      <p:pic>
-        <p:nvPicPr>
-          <p:cNvPr id="4" name="Content Placeholder 3" descr="C:\Documents and Settings\CHONG\Desktop\Untitled-2.jpg"/>
-          <p:cNvPicPr>
-            <a:picLocks/>
-          </p:cNvPicPr>
-          <p:nvPr/>
-        </p:nvPicPr>
-        <p:blipFill>
-          <a:blip r:embed="rId2"/>
-          <a:srcRect/>
-          <a:stretch>
-            <a:fillRect/>
-          </a:stretch>
-        </p:blipFill>
-        <p:spPr bwMode="auto">
-          <a:xfrm>
-            <a:off x="21770" y="1905000"/>
-            <a:ext cx="9122229" cy="3848120"/>
-          </a:xfrm>
-          <a:prstGeom prst="rect">
-            <a:avLst/>
-          </a:prstGeom>
-          <a:noFill/>
-          <a:ln w="9525">
-            <a:noFill/>
-            <a:miter lim="800000"/>
-            <a:headEnd/>
-            <a:tailEnd/>
-          </a:ln>
-        </p:spPr>
-      </p:pic>
+            <a:r>
+              <a:rPr lang="en-US" dirty="0" smtClean="0"/>
+              <a:t>Customer Dimension</a:t>
+            </a:r>
+          </a:p>
+          <a:p>
+            <a:r>
+              <a:rPr lang="en-US" dirty="0" smtClean="0"/>
+              <a:t>Sales Rep Dimension</a:t>
+            </a:r>
+          </a:p>
+          <a:p>
+            <a:r>
+              <a:rPr lang="en-US" dirty="0" smtClean="0"/>
+              <a:t>Sales Org Dimension</a:t>
+            </a:r>
+          </a:p>
+          <a:p>
+            <a:r>
+              <a:rPr lang="en-US" dirty="0" smtClean="0"/>
+              <a:t>Bill Dimension</a:t>
+            </a:r>
+          </a:p>
+          <a:p>
+            <a:r>
+              <a:rPr lang="en-US" dirty="0" smtClean="0"/>
+              <a:t>Rate Plan Dimension</a:t>
+            </a:r>
+          </a:p>
+          <a:p>
+            <a:r>
+              <a:rPr lang="en-US" dirty="0" smtClean="0"/>
+              <a:t>Service Line Dimension </a:t>
+            </a:r>
+          </a:p>
+          <a:p>
+            <a:endParaRPr lang="en-US" dirty="0"/>
+          </a:p>
+        </p:txBody>
+      </p:sp>
     </p:spTree>
     <p:extLst>
       <p:ext uri="{BB962C8B-B14F-4D97-AF65-F5344CB8AC3E}">
-        <p14:creationId xmlns:p14="http://schemas.microsoft.com/office/powerpoint/2010/main" val="885463186"/>
+        <p14:creationId xmlns:p14="http://schemas.microsoft.com/office/powerpoint/2010/main" val="2333338369"/>
       </p:ext>
     </p:extLst>
   </p:cSld>
@@ -4391,34 +6088,978 @@
         </p:nvSpPr>
         <p:spPr/>
         <p:txBody>
+          <a:bodyPr/>
+          <a:lstStyle/>
+          <a:p>
+            <a:r>
+              <a:rPr lang="en-US" b="1" i="1" dirty="0"/>
+              <a:t>Decision </a:t>
+            </a:r>
+            <a:r>
+              <a:rPr lang="en-US" b="1" i="1" dirty="0" smtClean="0"/>
+              <a:t>support</a:t>
+            </a:r>
+            <a:r>
+              <a:rPr lang="en-US" b="1" dirty="0" smtClean="0"/>
+              <a:t> systems</a:t>
+            </a:r>
+            <a:endParaRPr lang="en-US" b="1" dirty="0"/>
+          </a:p>
+        </p:txBody>
+      </p:sp>
+      <p:sp>
+        <p:nvSpPr>
+          <p:cNvPr id="3" name="Content Placeholder 2"/>
+          <p:cNvSpPr>
+            <a:spLocks noGrp="1"/>
+          </p:cNvSpPr>
+          <p:nvPr>
+            <p:ph idx="1"/>
+          </p:nvPr>
+        </p:nvSpPr>
+        <p:spPr>
+          <a:xfrm>
+            <a:off x="457200" y="1600200"/>
+            <a:ext cx="8382000" cy="4525963"/>
+          </a:xfrm>
+        </p:spPr>
+        <p:txBody>
           <a:bodyPr>
             <a:normAutofit/>
           </a:bodyPr>
           <a:lstStyle/>
           <a:p>
-            <a:r>
-              <a:rPr lang="en-US" sz="4800" dirty="0"/>
+            <a:pPr lvl="1">
+              <a:buFont typeface="Wingdings" pitchFamily="2" charset="2"/>
+              <a:buChar char="§"/>
+            </a:pPr>
+            <a:r>
+              <a:rPr lang="en-US" sz="2200" i="1" dirty="0" smtClean="0"/>
+              <a:t>What were the sales volumes by region and product category for the last year?</a:t>
+            </a:r>
+            <a:endParaRPr lang="th-TH" sz="2200" i="1" dirty="0" smtClean="0"/>
+          </a:p>
+          <a:p>
+            <a:pPr lvl="1">
+              <a:buFont typeface="Wingdings" pitchFamily="2" charset="2"/>
+              <a:buChar char="§"/>
+            </a:pPr>
+            <a:r>
+              <a:rPr lang="en-US" sz="2200" i="1" dirty="0" smtClean="0"/>
+              <a:t>How did the share price of computer manufacturers correlate with quarterly profits over the past 10 years?</a:t>
+            </a:r>
+          </a:p>
+          <a:p>
+            <a:pPr lvl="1">
+              <a:buFont typeface="Wingdings" pitchFamily="2" charset="2"/>
+              <a:buChar char="§"/>
+            </a:pPr>
+            <a:r>
+              <a:rPr lang="en-US" sz="2200" i="1" dirty="0" smtClean="0"/>
+              <a:t>Which orders should we fill to maximize revenues?</a:t>
+            </a:r>
+          </a:p>
+          <a:p>
+            <a:pPr lvl="1">
+              <a:buFont typeface="Wingdings" pitchFamily="2" charset="2"/>
+              <a:buChar char="§"/>
+            </a:pPr>
+            <a:r>
+              <a:rPr lang="en-US" sz="2200" i="1" dirty="0" smtClean="0"/>
+              <a:t>Will a 10% discount increase sales volume sufficiently?</a:t>
+            </a:r>
+          </a:p>
+          <a:p>
+            <a:pPr lvl="1">
+              <a:buFont typeface="Wingdings" pitchFamily="2" charset="2"/>
+              <a:buChar char="§"/>
+            </a:pPr>
+            <a:endParaRPr lang="en-US" sz="2200" i="1" dirty="0" smtClean="0"/>
+          </a:p>
+          <a:p>
+            <a:pPr marL="457200" lvl="1" indent="0">
+              <a:buNone/>
+            </a:pPr>
+            <a:endParaRPr lang="en-US" sz="2200" i="1" dirty="0">
+              <a:solidFill>
+                <a:schemeClr val="tx1">
+                  <a:lumMod val="95000"/>
+                  <a:lumOff val="5000"/>
+                </a:schemeClr>
+              </a:solidFill>
+            </a:endParaRPr>
+          </a:p>
+        </p:txBody>
+      </p:sp>
+    </p:spTree>
+    <p:extLst>
+      <p:ext uri="{BB962C8B-B14F-4D97-AF65-F5344CB8AC3E}">
+        <p14:creationId xmlns:p14="http://schemas.microsoft.com/office/powerpoint/2010/main" val="4261617586"/>
+      </p:ext>
+    </p:extLst>
+  </p:cSld>
+  <p:clrMapOvr>
+    <a:masterClrMapping/>
+  </p:clrMapOvr>
+  <p:timing>
+    <p:tnLst>
+      <p:par>
+        <p:cTn id="1" dur="indefinite" restart="never" nodeType="tmRoot"/>
+      </p:par>
+    </p:tnLst>
+  </p:timing>
+</p:sld>
+</file>
+
+<file path=ppt/slides/slide20.xml><?xml version="1.0" encoding="utf-8"?>
+<p:sld xmlns:a="http://schemas.openxmlformats.org/drawingml/2006/main" xmlns:r="http://schemas.openxmlformats.org/officeDocument/2006/relationships" xmlns:p="http://schemas.openxmlformats.org/presentationml/2006/main">
+  <p:cSld>
+    <p:spTree>
+      <p:nvGrpSpPr>
+        <p:cNvPr id="1" name=""/>
+        <p:cNvGrpSpPr/>
+        <p:nvPr/>
+      </p:nvGrpSpPr>
+      <p:grpSpPr>
+        <a:xfrm>
+          <a:off x="0" y="0"/>
+          <a:ext cx="0" cy="0"/>
+          <a:chOff x="0" y="0"/>
+          <a:chExt cx="0" cy="0"/>
+        </a:xfrm>
+      </p:grpSpPr>
+      <p:sp>
+        <p:nvSpPr>
+          <p:cNvPr id="2" name="Title 1"/>
+          <p:cNvSpPr>
+            <a:spLocks noGrp="1"/>
+          </p:cNvSpPr>
+          <p:nvPr>
+            <p:ph type="title"/>
+          </p:nvPr>
+        </p:nvSpPr>
+        <p:spPr/>
+        <p:txBody>
+          <a:bodyPr/>
+          <a:lstStyle/>
+          <a:p>
+            <a:r>
+              <a:rPr lang="en-US" b="1" dirty="0" smtClean="0"/>
+              <a:t>Measure </a:t>
+            </a:r>
+            <a:endParaRPr lang="en-US" b="1" dirty="0" smtClean="0"/>
+          </a:p>
+        </p:txBody>
+      </p:sp>
+      <p:sp>
+        <p:nvSpPr>
+          <p:cNvPr id="3" name="Content Placeholder 2"/>
+          <p:cNvSpPr>
+            <a:spLocks noGrp="1"/>
+          </p:cNvSpPr>
+          <p:nvPr>
+            <p:ph idx="1"/>
+          </p:nvPr>
+        </p:nvSpPr>
+        <p:spPr/>
+        <p:txBody>
+          <a:bodyPr>
+            <a:normAutofit fontScale="92500" lnSpcReduction="20000"/>
+          </a:bodyPr>
+          <a:lstStyle/>
+          <a:p>
+            <a:r>
+              <a:rPr lang="en-US" dirty="0" smtClean="0"/>
+              <a:t>Number of Calls</a:t>
+            </a:r>
+          </a:p>
+          <a:p>
+            <a:r>
+              <a:rPr lang="en-US" dirty="0" smtClean="0"/>
+              <a:t>Number of Total Minutes</a:t>
+            </a:r>
+          </a:p>
+          <a:p>
+            <a:r>
+              <a:rPr lang="en-US" dirty="0" smtClean="0"/>
+              <a:t>Number of Roam Minutes</a:t>
+            </a:r>
+          </a:p>
+          <a:p>
+            <a:r>
+              <a:rPr lang="en-US" dirty="0" smtClean="0"/>
+              <a:t>Number of long-Distance Minutes</a:t>
+            </a:r>
+          </a:p>
+          <a:p>
+            <a:r>
+              <a:rPr lang="en-US" dirty="0" smtClean="0"/>
+              <a:t>Monthly Service Charge</a:t>
+            </a:r>
+          </a:p>
+          <a:p>
+            <a:r>
+              <a:rPr lang="en-US" dirty="0" smtClean="0"/>
+              <a:t>Roaming Charge</a:t>
+            </a:r>
+          </a:p>
+          <a:p>
+            <a:r>
+              <a:rPr lang="en-US" dirty="0" smtClean="0"/>
+              <a:t>Long-Distance Change</a:t>
+            </a:r>
+          </a:p>
+          <a:p>
+            <a:r>
+              <a:rPr lang="en-US" dirty="0" smtClean="0"/>
+              <a:t>Taxes</a:t>
+            </a:r>
+          </a:p>
+          <a:p>
+            <a:r>
+              <a:rPr lang="en-US" dirty="0" smtClean="0"/>
+              <a:t> Regulatory Change</a:t>
+            </a:r>
+            <a:endParaRPr lang="en-US" dirty="0"/>
+          </a:p>
+        </p:txBody>
+      </p:sp>
+    </p:spTree>
+    <p:extLst>
+      <p:ext uri="{BB962C8B-B14F-4D97-AF65-F5344CB8AC3E}">
+        <p14:creationId xmlns:p14="http://schemas.microsoft.com/office/powerpoint/2010/main" val="2615880332"/>
+      </p:ext>
+    </p:extLst>
+  </p:cSld>
+  <p:clrMapOvr>
+    <a:masterClrMapping/>
+  </p:clrMapOvr>
+  <p:timing>
+    <p:tnLst>
+      <p:par>
+        <p:cTn id="1" dur="indefinite" restart="never" nodeType="tmRoot"/>
+      </p:par>
+    </p:tnLst>
+  </p:timing>
+</p:sld>
+</file>
+
+<file path=ppt/slides/slide21.xml><?xml version="1.0" encoding="utf-8"?>
+<p:sld xmlns:a="http://schemas.openxmlformats.org/drawingml/2006/main" xmlns:r="http://schemas.openxmlformats.org/officeDocument/2006/relationships" xmlns:p="http://schemas.openxmlformats.org/presentationml/2006/main">
+  <p:cSld>
+    <p:spTree>
+      <p:nvGrpSpPr>
+        <p:cNvPr id="1" name=""/>
+        <p:cNvGrpSpPr/>
+        <p:nvPr/>
+      </p:nvGrpSpPr>
+      <p:grpSpPr>
+        <a:xfrm>
+          <a:off x="0" y="0"/>
+          <a:ext cx="0" cy="0"/>
+          <a:chOff x="0" y="0"/>
+          <a:chExt cx="0" cy="0"/>
+        </a:xfrm>
+      </p:grpSpPr>
+      <p:sp>
+        <p:nvSpPr>
+          <p:cNvPr id="2" name="Title 1"/>
+          <p:cNvSpPr>
+            <a:spLocks noGrp="1"/>
+          </p:cNvSpPr>
+          <p:nvPr>
+            <p:ph type="title"/>
+          </p:nvPr>
+        </p:nvSpPr>
+        <p:spPr/>
+        <p:txBody>
+          <a:bodyPr/>
+          <a:lstStyle/>
+          <a:p>
+            <a:r>
+              <a:rPr lang="en-US" b="1" dirty="0"/>
+              <a:t>Fact table</a:t>
+            </a:r>
+          </a:p>
+        </p:txBody>
+      </p:sp>
+    </p:spTree>
+    <p:extLst>
+      <p:ext uri="{BB962C8B-B14F-4D97-AF65-F5344CB8AC3E}">
+        <p14:creationId xmlns:p14="http://schemas.microsoft.com/office/powerpoint/2010/main" val="644670998"/>
+      </p:ext>
+    </p:extLst>
+  </p:cSld>
+  <p:clrMapOvr>
+    <a:masterClrMapping/>
+  </p:clrMapOvr>
+  <p:timing>
+    <p:tnLst>
+      <p:par>
+        <p:cTn id="1" dur="indefinite" restart="never" nodeType="tmRoot"/>
+      </p:par>
+    </p:tnLst>
+  </p:timing>
+</p:sld>
+</file>
+
+<file path=ppt/slides/slide22.xml><?xml version="1.0" encoding="utf-8"?>
+<p:sld xmlns:a="http://schemas.openxmlformats.org/drawingml/2006/main" xmlns:r="http://schemas.openxmlformats.org/officeDocument/2006/relationships" xmlns:p="http://schemas.openxmlformats.org/presentationml/2006/main">
+  <p:cSld>
+    <p:spTree>
+      <p:nvGrpSpPr>
+        <p:cNvPr id="1" name=""/>
+        <p:cNvGrpSpPr/>
+        <p:nvPr/>
+      </p:nvGrpSpPr>
+      <p:grpSpPr>
+        <a:xfrm>
+          <a:off x="0" y="0"/>
+          <a:ext cx="0" cy="0"/>
+          <a:chOff x="0" y="0"/>
+          <a:chExt cx="0" cy="0"/>
+        </a:xfrm>
+      </p:grpSpPr>
+      <p:sp>
+        <p:nvSpPr>
+          <p:cNvPr id="2" name="Title 1"/>
+          <p:cNvSpPr>
+            <a:spLocks noGrp="1"/>
+          </p:cNvSpPr>
+          <p:nvPr>
+            <p:ph type="title"/>
+          </p:nvPr>
+        </p:nvSpPr>
+        <p:spPr/>
+        <p:txBody>
+          <a:bodyPr>
+            <a:normAutofit/>
+          </a:bodyPr>
+          <a:lstStyle/>
+          <a:p>
+            <a:r>
+              <a:rPr lang="en-US" b="1" dirty="0"/>
+              <a:t>Geographic Location Dimension</a:t>
+            </a:r>
+          </a:p>
+        </p:txBody>
+      </p:sp>
+      <p:sp>
+        <p:nvSpPr>
+          <p:cNvPr id="3" name="Content Placeholder 2"/>
+          <p:cNvSpPr>
+            <a:spLocks noGrp="1"/>
+          </p:cNvSpPr>
+          <p:nvPr>
+            <p:ph idx="1"/>
+          </p:nvPr>
+        </p:nvSpPr>
+        <p:spPr/>
+        <p:txBody>
+          <a:bodyPr/>
+          <a:lstStyle/>
+          <a:p>
+            <a:endParaRPr lang="en-US" dirty="0"/>
+          </a:p>
+        </p:txBody>
+      </p:sp>
+    </p:spTree>
+    <p:extLst>
+      <p:ext uri="{BB962C8B-B14F-4D97-AF65-F5344CB8AC3E}">
+        <p14:creationId xmlns:p14="http://schemas.microsoft.com/office/powerpoint/2010/main" val="3302472505"/>
+      </p:ext>
+    </p:extLst>
+  </p:cSld>
+  <p:clrMapOvr>
+    <a:masterClrMapping/>
+  </p:clrMapOvr>
+  <p:timing>
+    <p:tnLst>
+      <p:par>
+        <p:cTn id="1" dur="indefinite" restart="never" nodeType="tmRoot"/>
+      </p:par>
+    </p:tnLst>
+  </p:timing>
+</p:sld>
+</file>
+
+<file path=ppt/slides/slide23.xml><?xml version="1.0" encoding="utf-8"?>
+<p:sld xmlns:a="http://schemas.openxmlformats.org/drawingml/2006/main" xmlns:r="http://schemas.openxmlformats.org/officeDocument/2006/relationships" xmlns:p="http://schemas.openxmlformats.org/presentationml/2006/main">
+  <p:cSld>
+    <p:spTree>
+      <p:nvGrpSpPr>
+        <p:cNvPr id="1" name=""/>
+        <p:cNvGrpSpPr/>
+        <p:nvPr/>
+      </p:nvGrpSpPr>
+      <p:grpSpPr>
+        <a:xfrm>
+          <a:off x="0" y="0"/>
+          <a:ext cx="0" cy="0"/>
+          <a:chOff x="0" y="0"/>
+          <a:chExt cx="0" cy="0"/>
+        </a:xfrm>
+      </p:grpSpPr>
+      <p:sp>
+        <p:nvSpPr>
+          <p:cNvPr id="2" name="Title 1"/>
+          <p:cNvSpPr>
+            <a:spLocks noGrp="1"/>
+          </p:cNvSpPr>
+          <p:nvPr>
+            <p:ph type="title"/>
+          </p:nvPr>
+        </p:nvSpPr>
+        <p:spPr/>
+        <p:txBody>
+          <a:bodyPr/>
+          <a:lstStyle/>
+          <a:p>
+            <a:endParaRPr lang="en-US"/>
+          </a:p>
+        </p:txBody>
+      </p:sp>
+      <p:sp>
+        <p:nvSpPr>
+          <p:cNvPr id="3" name="Content Placeholder 2"/>
+          <p:cNvSpPr>
+            <a:spLocks noGrp="1"/>
+          </p:cNvSpPr>
+          <p:nvPr>
+            <p:ph idx="1"/>
+          </p:nvPr>
+        </p:nvSpPr>
+        <p:spPr/>
+        <p:txBody>
+          <a:bodyPr/>
+          <a:lstStyle/>
+          <a:p>
+            <a:endParaRPr lang="en-US"/>
+          </a:p>
+        </p:txBody>
+      </p:sp>
+    </p:spTree>
+    <p:extLst>
+      <p:ext uri="{BB962C8B-B14F-4D97-AF65-F5344CB8AC3E}">
+        <p14:creationId xmlns:p14="http://schemas.microsoft.com/office/powerpoint/2010/main" val="2788217058"/>
+      </p:ext>
+    </p:extLst>
+  </p:cSld>
+  <p:clrMapOvr>
+    <a:masterClrMapping/>
+  </p:clrMapOvr>
+  <p:timing>
+    <p:tnLst>
+      <p:par>
+        <p:cTn id="1" dur="indefinite" restart="never" nodeType="tmRoot"/>
+      </p:par>
+    </p:tnLst>
+  </p:timing>
+</p:sld>
+</file>
+
+<file path=ppt/slides/slide24.xml><?xml version="1.0" encoding="utf-8"?>
+<p:sld xmlns:a="http://schemas.openxmlformats.org/drawingml/2006/main" xmlns:r="http://schemas.openxmlformats.org/officeDocument/2006/relationships" xmlns:p="http://schemas.openxmlformats.org/presentationml/2006/main">
+  <p:cSld>
+    <p:spTree>
+      <p:nvGrpSpPr>
+        <p:cNvPr id="1" name=""/>
+        <p:cNvGrpSpPr/>
+        <p:nvPr/>
+      </p:nvGrpSpPr>
+      <p:grpSpPr>
+        <a:xfrm>
+          <a:off x="0" y="0"/>
+          <a:ext cx="0" cy="0"/>
+          <a:chOff x="0" y="0"/>
+          <a:chExt cx="0" cy="0"/>
+        </a:xfrm>
+      </p:grpSpPr>
+      <p:sp>
+        <p:nvSpPr>
+          <p:cNvPr id="2" name="Title 1"/>
+          <p:cNvSpPr>
+            <a:spLocks noGrp="1"/>
+          </p:cNvSpPr>
+          <p:nvPr>
+            <p:ph type="title"/>
+          </p:nvPr>
+        </p:nvSpPr>
+        <p:spPr/>
+        <p:txBody>
+          <a:bodyPr/>
+          <a:lstStyle/>
+          <a:p>
+            <a:r>
+              <a:rPr lang="en-US" b="1" dirty="0"/>
+              <a:t>Location Outrigger</a:t>
+            </a:r>
+          </a:p>
+        </p:txBody>
+      </p:sp>
+      <p:sp>
+        <p:nvSpPr>
+          <p:cNvPr id="3" name="Content Placeholder 2"/>
+          <p:cNvSpPr>
+            <a:spLocks noGrp="1"/>
+          </p:cNvSpPr>
+          <p:nvPr>
+            <p:ph idx="1"/>
+          </p:nvPr>
+        </p:nvSpPr>
+        <p:spPr/>
+        <p:txBody>
+          <a:bodyPr/>
+          <a:lstStyle/>
+          <a:p>
+            <a:endParaRPr lang="en-US"/>
+          </a:p>
+        </p:txBody>
+      </p:sp>
+    </p:spTree>
+    <p:extLst>
+      <p:ext uri="{BB962C8B-B14F-4D97-AF65-F5344CB8AC3E}">
+        <p14:creationId xmlns:p14="http://schemas.microsoft.com/office/powerpoint/2010/main" val="3418599091"/>
+      </p:ext>
+    </p:extLst>
+  </p:cSld>
+  <p:clrMapOvr>
+    <a:masterClrMapping/>
+  </p:clrMapOvr>
+  <p:timing>
+    <p:tnLst>
+      <p:par>
+        <p:cTn id="1" dur="indefinite" restart="never" nodeType="tmRoot"/>
+      </p:par>
+    </p:tnLst>
+  </p:timing>
+</p:sld>
+</file>
+
+<file path=ppt/slides/slide25.xml><?xml version="1.0" encoding="utf-8"?>
+<p:sld xmlns:a="http://schemas.openxmlformats.org/drawingml/2006/main" xmlns:r="http://schemas.openxmlformats.org/officeDocument/2006/relationships" xmlns:p="http://schemas.openxmlformats.org/presentationml/2006/main">
+  <p:cSld>
+    <p:spTree>
+      <p:nvGrpSpPr>
+        <p:cNvPr id="1" name=""/>
+        <p:cNvGrpSpPr/>
+        <p:nvPr/>
+      </p:nvGrpSpPr>
+      <p:grpSpPr>
+        <a:xfrm>
+          <a:off x="0" y="0"/>
+          <a:ext cx="0" cy="0"/>
+          <a:chOff x="0" y="0"/>
+          <a:chExt cx="0" cy="0"/>
+        </a:xfrm>
+      </p:grpSpPr>
+      <p:sp>
+        <p:nvSpPr>
+          <p:cNvPr id="2" name="Title 1"/>
+          <p:cNvSpPr>
+            <a:spLocks noGrp="1"/>
+          </p:cNvSpPr>
+          <p:nvPr>
+            <p:ph type="title"/>
+          </p:nvPr>
+        </p:nvSpPr>
+        <p:spPr/>
+        <p:txBody>
+          <a:bodyPr/>
+          <a:lstStyle/>
+          <a:p>
+            <a:endParaRPr lang="en-US"/>
+          </a:p>
+        </p:txBody>
+      </p:sp>
+      <p:sp>
+        <p:nvSpPr>
+          <p:cNvPr id="3" name="Content Placeholder 2"/>
+          <p:cNvSpPr>
+            <a:spLocks noGrp="1"/>
+          </p:cNvSpPr>
+          <p:nvPr>
+            <p:ph idx="1"/>
+          </p:nvPr>
+        </p:nvSpPr>
+        <p:spPr/>
+        <p:txBody>
+          <a:bodyPr/>
+          <a:lstStyle/>
+          <a:p>
+            <a:endParaRPr lang="en-US"/>
+          </a:p>
+        </p:txBody>
+      </p:sp>
+    </p:spTree>
+    <p:extLst>
+      <p:ext uri="{BB962C8B-B14F-4D97-AF65-F5344CB8AC3E}">
+        <p14:creationId xmlns:p14="http://schemas.microsoft.com/office/powerpoint/2010/main" val="3023188447"/>
+      </p:ext>
+    </p:extLst>
+  </p:cSld>
+  <p:clrMapOvr>
+    <a:masterClrMapping/>
+  </p:clrMapOvr>
+  <p:timing>
+    <p:tnLst>
+      <p:par>
+        <p:cTn id="1" dur="indefinite" restart="never" nodeType="tmRoot"/>
+      </p:par>
+    </p:tnLst>
+  </p:timing>
+</p:sld>
+</file>
+
+<file path=ppt/slides/slide26.xml><?xml version="1.0" encoding="utf-8"?>
+<p:sld xmlns:a="http://schemas.openxmlformats.org/drawingml/2006/main" xmlns:r="http://schemas.openxmlformats.org/officeDocument/2006/relationships" xmlns:p="http://schemas.openxmlformats.org/presentationml/2006/main">
+  <p:cSld>
+    <p:spTree>
+      <p:nvGrpSpPr>
+        <p:cNvPr id="1" name=""/>
+        <p:cNvGrpSpPr/>
+        <p:nvPr/>
+      </p:nvGrpSpPr>
+      <p:grpSpPr>
+        <a:xfrm>
+          <a:off x="0" y="0"/>
+          <a:ext cx="0" cy="0"/>
+          <a:chOff x="0" y="0"/>
+          <a:chExt cx="0" cy="0"/>
+        </a:xfrm>
+      </p:grpSpPr>
+      <p:sp>
+        <p:nvSpPr>
+          <p:cNvPr id="2" name="Title 1"/>
+          <p:cNvSpPr>
+            <a:spLocks noGrp="1"/>
+          </p:cNvSpPr>
+          <p:nvPr>
+            <p:ph type="title"/>
+          </p:nvPr>
+        </p:nvSpPr>
+        <p:spPr/>
+        <p:txBody>
+          <a:bodyPr>
+            <a:noAutofit/>
+          </a:bodyPr>
+          <a:lstStyle/>
+          <a:p>
+            <a:r>
+              <a:rPr lang="en-US" sz="3200" b="1" dirty="0"/>
+              <a:t>Leveraging Geographic Information System</a:t>
+            </a:r>
+          </a:p>
+        </p:txBody>
+      </p:sp>
+      <p:sp>
+        <p:nvSpPr>
+          <p:cNvPr id="3" name="Content Placeholder 2"/>
+          <p:cNvSpPr>
+            <a:spLocks noGrp="1"/>
+          </p:cNvSpPr>
+          <p:nvPr>
+            <p:ph idx="1"/>
+          </p:nvPr>
+        </p:nvSpPr>
+        <p:spPr/>
+        <p:txBody>
+          <a:bodyPr/>
+          <a:lstStyle/>
+          <a:p>
+            <a:endParaRPr lang="en-US"/>
+          </a:p>
+        </p:txBody>
+      </p:sp>
+    </p:spTree>
+    <p:extLst>
+      <p:ext uri="{BB962C8B-B14F-4D97-AF65-F5344CB8AC3E}">
+        <p14:creationId xmlns:p14="http://schemas.microsoft.com/office/powerpoint/2010/main" val="1384572238"/>
+      </p:ext>
+    </p:extLst>
+  </p:cSld>
+  <p:clrMapOvr>
+    <a:masterClrMapping/>
+  </p:clrMapOvr>
+  <p:timing>
+    <p:tnLst>
+      <p:par>
+        <p:cTn id="1" dur="indefinite" restart="never" nodeType="tmRoot"/>
+      </p:par>
+    </p:tnLst>
+  </p:timing>
+</p:sld>
+</file>
+
+<file path=ppt/slides/slide27.xml><?xml version="1.0" encoding="utf-8"?>
+<p:sld xmlns:a="http://schemas.openxmlformats.org/drawingml/2006/main" xmlns:r="http://schemas.openxmlformats.org/officeDocument/2006/relationships" xmlns:p="http://schemas.openxmlformats.org/presentationml/2006/main">
+  <p:cSld>
+    <p:spTree>
+      <p:nvGrpSpPr>
+        <p:cNvPr id="1" name=""/>
+        <p:cNvGrpSpPr/>
+        <p:nvPr/>
+      </p:nvGrpSpPr>
+      <p:grpSpPr>
+        <a:xfrm>
+          <a:off x="0" y="0"/>
+          <a:ext cx="0" cy="0"/>
+          <a:chOff x="0" y="0"/>
+          <a:chExt cx="0" cy="0"/>
+        </a:xfrm>
+      </p:grpSpPr>
+      <p:sp>
+        <p:nvSpPr>
+          <p:cNvPr id="2" name="Title 1"/>
+          <p:cNvSpPr>
+            <a:spLocks noGrp="1"/>
+          </p:cNvSpPr>
+          <p:nvPr>
+            <p:ph type="title"/>
+          </p:nvPr>
+        </p:nvSpPr>
+        <p:spPr/>
+        <p:txBody>
+          <a:bodyPr/>
+          <a:lstStyle/>
+          <a:p>
+            <a:endParaRPr lang="en-US"/>
+          </a:p>
+        </p:txBody>
+      </p:sp>
+      <p:sp>
+        <p:nvSpPr>
+          <p:cNvPr id="3" name="Content Placeholder 2"/>
+          <p:cNvSpPr>
+            <a:spLocks noGrp="1"/>
+          </p:cNvSpPr>
+          <p:nvPr>
+            <p:ph idx="1"/>
+          </p:nvPr>
+        </p:nvSpPr>
+        <p:spPr/>
+        <p:txBody>
+          <a:bodyPr/>
+          <a:lstStyle/>
+          <a:p>
+            <a:endParaRPr lang="en-US"/>
+          </a:p>
+        </p:txBody>
+      </p:sp>
+    </p:spTree>
+    <p:extLst>
+      <p:ext uri="{BB962C8B-B14F-4D97-AF65-F5344CB8AC3E}">
+        <p14:creationId xmlns:p14="http://schemas.microsoft.com/office/powerpoint/2010/main" val="2523399155"/>
+      </p:ext>
+    </p:extLst>
+  </p:cSld>
+  <p:clrMapOvr>
+    <a:masterClrMapping/>
+  </p:clrMapOvr>
+  <p:timing>
+    <p:tnLst>
+      <p:par>
+        <p:cTn id="1" dur="indefinite" restart="never" nodeType="tmRoot"/>
+      </p:par>
+    </p:tnLst>
+  </p:timing>
+</p:sld>
+</file>
+
+<file path=ppt/slides/slide28.xml><?xml version="1.0" encoding="utf-8"?>
+<p:sld xmlns:a="http://schemas.openxmlformats.org/drawingml/2006/main" xmlns:r="http://schemas.openxmlformats.org/officeDocument/2006/relationships" xmlns:p="http://schemas.openxmlformats.org/presentationml/2006/main">
+  <p:cSld>
+    <p:spTree>
+      <p:nvGrpSpPr>
+        <p:cNvPr id="1" name=""/>
+        <p:cNvGrpSpPr/>
+        <p:nvPr/>
+      </p:nvGrpSpPr>
+      <p:grpSpPr>
+        <a:xfrm>
+          <a:off x="0" y="0"/>
+          <a:ext cx="0" cy="0"/>
+          <a:chOff x="0" y="0"/>
+          <a:chExt cx="0" cy="0"/>
+        </a:xfrm>
+      </p:grpSpPr>
+      <p:sp>
+        <p:nvSpPr>
+          <p:cNvPr id="2" name="Title 1"/>
+          <p:cNvSpPr>
+            <a:spLocks noGrp="1"/>
+          </p:cNvSpPr>
+          <p:nvPr>
+            <p:ph type="title"/>
+          </p:nvPr>
+        </p:nvSpPr>
+        <p:spPr/>
+        <p:txBody>
+          <a:bodyPr/>
+          <a:lstStyle/>
+          <a:p>
+            <a:endParaRPr lang="en-US"/>
+          </a:p>
+        </p:txBody>
+      </p:sp>
+      <p:sp>
+        <p:nvSpPr>
+          <p:cNvPr id="3" name="Content Placeholder 2"/>
+          <p:cNvSpPr>
+            <a:spLocks noGrp="1"/>
+          </p:cNvSpPr>
+          <p:nvPr>
+            <p:ph idx="1"/>
+          </p:nvPr>
+        </p:nvSpPr>
+        <p:spPr/>
+        <p:txBody>
+          <a:bodyPr/>
+          <a:lstStyle/>
+          <a:p>
+            <a:endParaRPr lang="en-US"/>
+          </a:p>
+        </p:txBody>
+      </p:sp>
+    </p:spTree>
+    <p:extLst>
+      <p:ext uri="{BB962C8B-B14F-4D97-AF65-F5344CB8AC3E}">
+        <p14:creationId xmlns:p14="http://schemas.microsoft.com/office/powerpoint/2010/main" val="411052298"/>
+      </p:ext>
+    </p:extLst>
+  </p:cSld>
+  <p:clrMapOvr>
+    <a:masterClrMapping/>
+  </p:clrMapOvr>
+  <p:timing>
+    <p:tnLst>
+      <p:par>
+        <p:cTn id="1" dur="indefinite" restart="never" nodeType="tmRoot"/>
+      </p:par>
+    </p:tnLst>
+  </p:timing>
+</p:sld>
+</file>
+
+<file path=ppt/slides/slide29.xml><?xml version="1.0" encoding="utf-8"?>
+<p:sld xmlns:a="http://schemas.openxmlformats.org/drawingml/2006/main" xmlns:r="http://schemas.openxmlformats.org/officeDocument/2006/relationships" xmlns:p="http://schemas.openxmlformats.org/presentationml/2006/main">
+  <p:cSld>
+    <p:spTree>
+      <p:nvGrpSpPr>
+        <p:cNvPr id="1" name=""/>
+        <p:cNvGrpSpPr/>
+        <p:nvPr/>
+      </p:nvGrpSpPr>
+      <p:grpSpPr>
+        <a:xfrm>
+          <a:off x="0" y="0"/>
+          <a:ext cx="0" cy="0"/>
+          <a:chOff x="0" y="0"/>
+          <a:chExt cx="0" cy="0"/>
+        </a:xfrm>
+      </p:grpSpPr>
+      <p:sp>
+        <p:nvSpPr>
+          <p:cNvPr id="2" name="Title 1"/>
+          <p:cNvSpPr>
+            <a:spLocks noGrp="1"/>
+          </p:cNvSpPr>
+          <p:nvPr>
+            <p:ph type="title"/>
+          </p:nvPr>
+        </p:nvSpPr>
+        <p:spPr/>
+        <p:txBody>
+          <a:bodyPr/>
+          <a:lstStyle/>
+          <a:p>
+            <a:endParaRPr lang="en-US" dirty="0"/>
+          </a:p>
+        </p:txBody>
+      </p:sp>
+      <p:sp>
+        <p:nvSpPr>
+          <p:cNvPr id="3" name="Content Placeholder 2"/>
+          <p:cNvSpPr>
+            <a:spLocks noGrp="1"/>
+          </p:cNvSpPr>
+          <p:nvPr>
+            <p:ph idx="1"/>
+          </p:nvPr>
+        </p:nvSpPr>
+        <p:spPr/>
+        <p:txBody>
+          <a:bodyPr>
+            <a:normAutofit/>
+          </a:bodyPr>
+          <a:lstStyle/>
+          <a:p>
+            <a:r>
+              <a:rPr lang="th-TH" sz="3600" dirty="0" smtClean="0"/>
+              <a:t>ส่วนที่หามาเพิ่ม</a:t>
+            </a:r>
+            <a:endParaRPr lang="en-US" sz="3600" dirty="0"/>
+          </a:p>
+        </p:txBody>
+      </p:sp>
+    </p:spTree>
+    <p:extLst>
+      <p:ext uri="{BB962C8B-B14F-4D97-AF65-F5344CB8AC3E}">
+        <p14:creationId xmlns:p14="http://schemas.microsoft.com/office/powerpoint/2010/main" val="1343042691"/>
+      </p:ext>
+    </p:extLst>
+  </p:cSld>
+  <p:clrMapOvr>
+    <a:masterClrMapping/>
+  </p:clrMapOvr>
+  <p:timing>
+    <p:tnLst>
+      <p:par>
+        <p:cTn id="1" dur="indefinite" restart="never" nodeType="tmRoot"/>
+      </p:par>
+    </p:tnLst>
+  </p:timing>
+</p:sld>
+</file>
+
+<file path=ppt/slides/slide3.xml><?xml version="1.0" encoding="utf-8"?>
+<p:sld xmlns:a="http://schemas.openxmlformats.org/drawingml/2006/main" xmlns:r="http://schemas.openxmlformats.org/officeDocument/2006/relationships" xmlns:p="http://schemas.openxmlformats.org/presentationml/2006/main">
+  <p:cSld>
+    <p:spTree>
+      <p:nvGrpSpPr>
+        <p:cNvPr id="1" name=""/>
+        <p:cNvGrpSpPr/>
+        <p:nvPr/>
+      </p:nvGrpSpPr>
+      <p:grpSpPr>
+        <a:xfrm>
+          <a:off x="0" y="0"/>
+          <a:ext cx="0" cy="0"/>
+          <a:chOff x="0" y="0"/>
+          <a:chExt cx="0" cy="0"/>
+        </a:xfrm>
+      </p:grpSpPr>
+      <p:sp>
+        <p:nvSpPr>
+          <p:cNvPr id="2" name="Title 1"/>
+          <p:cNvSpPr>
+            <a:spLocks noGrp="1"/>
+          </p:cNvSpPr>
+          <p:nvPr>
+            <p:ph type="title"/>
+          </p:nvPr>
+        </p:nvSpPr>
+        <p:spPr/>
+        <p:txBody>
+          <a:bodyPr>
+            <a:normAutofit/>
+          </a:bodyPr>
+          <a:lstStyle/>
+          <a:p>
+            <a:r>
+              <a:rPr lang="en-US" sz="4800" b="1" dirty="0"/>
               <a:t>Data Warehouse Bus Matrix </a:t>
             </a:r>
-          </a:p>
-        </p:txBody>
-      </p:sp>
-      <p:sp>
-        <p:nvSpPr>
-          <p:cNvPr id="3" name="Content Placeholder 2"/>
-          <p:cNvSpPr>
-            <a:spLocks noGrp="1"/>
-          </p:cNvSpPr>
-          <p:nvPr>
-            <p:ph idx="1"/>
-          </p:nvPr>
-        </p:nvSpPr>
-        <p:spPr/>
-        <p:txBody>
-          <a:bodyPr/>
-          <a:lstStyle/>
-          <a:p>
-            <a:endParaRPr lang="en-US" dirty="0"/>
           </a:p>
         </p:txBody>
       </p:sp>
@@ -4439,7 +7080,7 @@
         </p:blipFill>
         <p:spPr bwMode="auto">
           <a:xfrm>
-            <a:off x="533400" y="1828800"/>
+            <a:off x="764628" y="1828800"/>
             <a:ext cx="8037537" cy="3590956"/>
           </a:xfrm>
           <a:prstGeom prst="rect">
@@ -4483,970 +7124,6 @@
 </p:sld>
 </file>
 
-<file path=ppt/slides/slide20.xml><?xml version="1.0" encoding="utf-8"?>
-<p:sld xmlns:a="http://schemas.openxmlformats.org/drawingml/2006/main" xmlns:r="http://schemas.openxmlformats.org/officeDocument/2006/relationships" xmlns:p="http://schemas.openxmlformats.org/presentationml/2006/main">
-  <p:cSld>
-    <p:spTree>
-      <p:nvGrpSpPr>
-        <p:cNvPr id="1" name=""/>
-        <p:cNvGrpSpPr/>
-        <p:nvPr/>
-      </p:nvGrpSpPr>
-      <p:grpSpPr>
-        <a:xfrm>
-          <a:off x="0" y="0"/>
-          <a:ext cx="0" cy="0"/>
-          <a:chOff x="0" y="0"/>
-          <a:chExt cx="0" cy="0"/>
-        </a:xfrm>
-      </p:grpSpPr>
-      <p:sp>
-        <p:nvSpPr>
-          <p:cNvPr id="2" name="Title 1"/>
-          <p:cNvSpPr>
-            <a:spLocks noGrp="1"/>
-          </p:cNvSpPr>
-          <p:nvPr>
-            <p:ph type="title"/>
-          </p:nvPr>
-        </p:nvSpPr>
-        <p:spPr/>
-        <p:txBody>
-          <a:bodyPr/>
-          <a:lstStyle/>
-          <a:p>
-            <a:endParaRPr lang="en-US"/>
-          </a:p>
-        </p:txBody>
-      </p:sp>
-      <p:sp>
-        <p:nvSpPr>
-          <p:cNvPr id="3" name="Content Placeholder 2"/>
-          <p:cNvSpPr>
-            <a:spLocks noGrp="1"/>
-          </p:cNvSpPr>
-          <p:nvPr>
-            <p:ph idx="1"/>
-          </p:nvPr>
-        </p:nvSpPr>
-        <p:spPr/>
-        <p:txBody>
-          <a:bodyPr/>
-          <a:lstStyle/>
-          <a:p>
-            <a:endParaRPr lang="en-US"/>
-          </a:p>
-        </p:txBody>
-      </p:sp>
-      <p:pic>
-        <p:nvPicPr>
-          <p:cNvPr id="4" name="Content Placeholder 3" descr="C:\Documents and Settings\CHONG\Desktop\Untitled-1.jpg"/>
-          <p:cNvPicPr>
-            <a:picLocks/>
-          </p:cNvPicPr>
-          <p:nvPr/>
-        </p:nvPicPr>
-        <p:blipFill>
-          <a:blip r:embed="rId2"/>
-          <a:srcRect/>
-          <a:stretch>
-            <a:fillRect/>
-          </a:stretch>
-        </p:blipFill>
-        <p:spPr bwMode="auto">
-          <a:xfrm>
-            <a:off x="0" y="1500150"/>
-            <a:ext cx="9144000" cy="5357850"/>
-          </a:xfrm>
-          <a:prstGeom prst="rect">
-            <a:avLst/>
-          </a:prstGeom>
-          <a:noFill/>
-          <a:ln w="9525">
-            <a:noFill/>
-            <a:miter lim="800000"/>
-            <a:headEnd/>
-            <a:tailEnd/>
-          </a:ln>
-        </p:spPr>
-      </p:pic>
-    </p:spTree>
-    <p:extLst>
-      <p:ext uri="{BB962C8B-B14F-4D97-AF65-F5344CB8AC3E}">
-        <p14:creationId xmlns:p14="http://schemas.microsoft.com/office/powerpoint/2010/main" val="2225277558"/>
-      </p:ext>
-    </p:extLst>
-  </p:cSld>
-  <p:clrMapOvr>
-    <a:masterClrMapping/>
-  </p:clrMapOvr>
-  <p:timing>
-    <p:tnLst>
-      <p:par>
-        <p:cTn id="1" dur="indefinite" restart="never" nodeType="tmRoot"/>
-      </p:par>
-    </p:tnLst>
-  </p:timing>
-</p:sld>
-</file>
-
-<file path=ppt/slides/slide21.xml><?xml version="1.0" encoding="utf-8"?>
-<p:sld xmlns:a="http://schemas.openxmlformats.org/drawingml/2006/main" xmlns:r="http://schemas.openxmlformats.org/officeDocument/2006/relationships" xmlns:p="http://schemas.openxmlformats.org/presentationml/2006/main">
-  <p:cSld>
-    <p:spTree>
-      <p:nvGrpSpPr>
-        <p:cNvPr id="1" name=""/>
-        <p:cNvGrpSpPr/>
-        <p:nvPr/>
-      </p:nvGrpSpPr>
-      <p:grpSpPr>
-        <a:xfrm>
-          <a:off x="0" y="0"/>
-          <a:ext cx="0" cy="0"/>
-          <a:chOff x="0" y="0"/>
-          <a:chExt cx="0" cy="0"/>
-        </a:xfrm>
-      </p:grpSpPr>
-      <p:sp>
-        <p:nvSpPr>
-          <p:cNvPr id="2" name="Title 1"/>
-          <p:cNvSpPr>
-            <a:spLocks noGrp="1"/>
-          </p:cNvSpPr>
-          <p:nvPr>
-            <p:ph type="title"/>
-          </p:nvPr>
-        </p:nvSpPr>
-        <p:spPr/>
-        <p:txBody>
-          <a:bodyPr/>
-          <a:lstStyle/>
-          <a:p>
-            <a:endParaRPr lang="en-US"/>
-          </a:p>
-        </p:txBody>
-      </p:sp>
-      <p:sp>
-        <p:nvSpPr>
-          <p:cNvPr id="3" name="Content Placeholder 2"/>
-          <p:cNvSpPr>
-            <a:spLocks noGrp="1"/>
-          </p:cNvSpPr>
-          <p:nvPr>
-            <p:ph idx="1"/>
-          </p:nvPr>
-        </p:nvSpPr>
-        <p:spPr/>
-        <p:txBody>
-          <a:bodyPr/>
-          <a:lstStyle/>
-          <a:p>
-            <a:endParaRPr lang="en-US"/>
-          </a:p>
-        </p:txBody>
-      </p:sp>
-      <p:pic>
-        <p:nvPicPr>
-          <p:cNvPr id="6" name="Content Placeholder 3" descr="C:\Documents and Settings\CHONG\Desktop\Untitled-2.jpg"/>
-          <p:cNvPicPr>
-            <a:picLocks/>
-          </p:cNvPicPr>
-          <p:nvPr/>
-        </p:nvPicPr>
-        <p:blipFill>
-          <a:blip r:embed="rId2"/>
-          <a:srcRect/>
-          <a:stretch>
-            <a:fillRect/>
-          </a:stretch>
-        </p:blipFill>
-        <p:spPr bwMode="auto">
-          <a:xfrm>
-            <a:off x="228600" y="990600"/>
-            <a:ext cx="8701118" cy="4762520"/>
-          </a:xfrm>
-          <a:prstGeom prst="rect">
-            <a:avLst/>
-          </a:prstGeom>
-          <a:noFill/>
-          <a:ln w="9525">
-            <a:noFill/>
-            <a:miter lim="800000"/>
-            <a:headEnd/>
-            <a:tailEnd/>
-          </a:ln>
-        </p:spPr>
-      </p:pic>
-    </p:spTree>
-    <p:extLst>
-      <p:ext uri="{BB962C8B-B14F-4D97-AF65-F5344CB8AC3E}">
-        <p14:creationId xmlns:p14="http://schemas.microsoft.com/office/powerpoint/2010/main" val="3500264993"/>
-      </p:ext>
-    </p:extLst>
-  </p:cSld>
-  <p:clrMapOvr>
-    <a:masterClrMapping/>
-  </p:clrMapOvr>
-  <p:timing>
-    <p:tnLst>
-      <p:par>
-        <p:cTn id="1" dur="indefinite" restart="never" nodeType="tmRoot"/>
-      </p:par>
-    </p:tnLst>
-  </p:timing>
-</p:sld>
-</file>
-
-<file path=ppt/slides/slide22.xml><?xml version="1.0" encoding="utf-8"?>
-<p:sld xmlns:a="http://schemas.openxmlformats.org/drawingml/2006/main" xmlns:r="http://schemas.openxmlformats.org/officeDocument/2006/relationships" xmlns:p="http://schemas.openxmlformats.org/presentationml/2006/main">
-  <p:cSld>
-    <p:spTree>
-      <p:nvGrpSpPr>
-        <p:cNvPr id="1" name=""/>
-        <p:cNvGrpSpPr/>
-        <p:nvPr/>
-      </p:nvGrpSpPr>
-      <p:grpSpPr>
-        <a:xfrm>
-          <a:off x="0" y="0"/>
-          <a:ext cx="0" cy="0"/>
-          <a:chOff x="0" y="0"/>
-          <a:chExt cx="0" cy="0"/>
-        </a:xfrm>
-      </p:grpSpPr>
-      <p:sp>
-        <p:nvSpPr>
-          <p:cNvPr id="2" name="Title 1"/>
-          <p:cNvSpPr>
-            <a:spLocks noGrp="1"/>
-          </p:cNvSpPr>
-          <p:nvPr>
-            <p:ph type="title"/>
-          </p:nvPr>
-        </p:nvSpPr>
-        <p:spPr/>
-        <p:txBody>
-          <a:bodyPr/>
-          <a:lstStyle/>
-          <a:p>
-            <a:endParaRPr lang="en-US"/>
-          </a:p>
-        </p:txBody>
-      </p:sp>
-      <p:sp>
-        <p:nvSpPr>
-          <p:cNvPr id="3" name="Content Placeholder 2"/>
-          <p:cNvSpPr>
-            <a:spLocks noGrp="1"/>
-          </p:cNvSpPr>
-          <p:nvPr>
-            <p:ph idx="1"/>
-          </p:nvPr>
-        </p:nvSpPr>
-        <p:spPr/>
-        <p:txBody>
-          <a:bodyPr/>
-          <a:lstStyle/>
-          <a:p>
-            <a:endParaRPr lang="en-US"/>
-          </a:p>
-        </p:txBody>
-      </p:sp>
-      <p:pic>
-        <p:nvPicPr>
-          <p:cNvPr id="4" name="Content Placeholder 3" descr="C:\Documents and Settings\CHONG\Desktop\Untitled-1.jpg"/>
-          <p:cNvPicPr>
-            <a:picLocks/>
-          </p:cNvPicPr>
-          <p:nvPr/>
-        </p:nvPicPr>
-        <p:blipFill>
-          <a:blip r:embed="rId2"/>
-          <a:srcRect/>
-          <a:stretch>
-            <a:fillRect/>
-          </a:stretch>
-        </p:blipFill>
-        <p:spPr bwMode="auto">
-          <a:xfrm>
-            <a:off x="304800" y="1371600"/>
-            <a:ext cx="8610600" cy="4800600"/>
-          </a:xfrm>
-          <a:prstGeom prst="rect">
-            <a:avLst/>
-          </a:prstGeom>
-          <a:noFill/>
-          <a:ln w="9525">
-            <a:noFill/>
-            <a:miter lim="800000"/>
-            <a:headEnd/>
-            <a:tailEnd/>
-          </a:ln>
-        </p:spPr>
-      </p:pic>
-    </p:spTree>
-    <p:extLst>
-      <p:ext uri="{BB962C8B-B14F-4D97-AF65-F5344CB8AC3E}">
-        <p14:creationId xmlns:p14="http://schemas.microsoft.com/office/powerpoint/2010/main" val="2106452327"/>
-      </p:ext>
-    </p:extLst>
-  </p:cSld>
-  <p:clrMapOvr>
-    <a:masterClrMapping/>
-  </p:clrMapOvr>
-  <p:timing>
-    <p:tnLst>
-      <p:par>
-        <p:cTn id="1" dur="indefinite" restart="never" nodeType="tmRoot"/>
-      </p:par>
-    </p:tnLst>
-  </p:timing>
-</p:sld>
-</file>
-
-<file path=ppt/slides/slide23.xml><?xml version="1.0" encoding="utf-8"?>
-<p:sld xmlns:a="http://schemas.openxmlformats.org/drawingml/2006/main" xmlns:r="http://schemas.openxmlformats.org/officeDocument/2006/relationships" xmlns:p="http://schemas.openxmlformats.org/presentationml/2006/main">
-  <p:cSld>
-    <p:spTree>
-      <p:nvGrpSpPr>
-        <p:cNvPr id="1" name=""/>
-        <p:cNvGrpSpPr/>
-        <p:nvPr/>
-      </p:nvGrpSpPr>
-      <p:grpSpPr>
-        <a:xfrm>
-          <a:off x="0" y="0"/>
-          <a:ext cx="0" cy="0"/>
-          <a:chOff x="0" y="0"/>
-          <a:chExt cx="0" cy="0"/>
-        </a:xfrm>
-      </p:grpSpPr>
-      <p:sp>
-        <p:nvSpPr>
-          <p:cNvPr id="2" name="Title 1"/>
-          <p:cNvSpPr>
-            <a:spLocks noGrp="1"/>
-          </p:cNvSpPr>
-          <p:nvPr>
-            <p:ph type="title"/>
-          </p:nvPr>
-        </p:nvSpPr>
-        <p:spPr/>
-        <p:txBody>
-          <a:bodyPr/>
-          <a:lstStyle/>
-          <a:p>
-            <a:endParaRPr lang="en-US"/>
-          </a:p>
-        </p:txBody>
-      </p:sp>
-      <p:sp>
-        <p:nvSpPr>
-          <p:cNvPr id="3" name="Content Placeholder 2"/>
-          <p:cNvSpPr>
-            <a:spLocks noGrp="1"/>
-          </p:cNvSpPr>
-          <p:nvPr>
-            <p:ph idx="1"/>
-          </p:nvPr>
-        </p:nvSpPr>
-        <p:spPr/>
-        <p:txBody>
-          <a:bodyPr/>
-          <a:lstStyle/>
-          <a:p>
-            <a:endParaRPr lang="en-US"/>
-          </a:p>
-        </p:txBody>
-      </p:sp>
-    </p:spTree>
-    <p:extLst>
-      <p:ext uri="{BB962C8B-B14F-4D97-AF65-F5344CB8AC3E}">
-        <p14:creationId xmlns:p14="http://schemas.microsoft.com/office/powerpoint/2010/main" val="1619446184"/>
-      </p:ext>
-    </p:extLst>
-  </p:cSld>
-  <p:clrMapOvr>
-    <a:masterClrMapping/>
-  </p:clrMapOvr>
-  <p:timing>
-    <p:tnLst>
-      <p:par>
-        <p:cTn id="1" dur="indefinite" restart="never" nodeType="tmRoot"/>
-      </p:par>
-    </p:tnLst>
-  </p:timing>
-</p:sld>
-</file>
-
-<file path=ppt/slides/slide24.xml><?xml version="1.0" encoding="utf-8"?>
-<p:sld xmlns:a="http://schemas.openxmlformats.org/drawingml/2006/main" xmlns:r="http://schemas.openxmlformats.org/officeDocument/2006/relationships" xmlns:p="http://schemas.openxmlformats.org/presentationml/2006/main">
-  <p:cSld>
-    <p:spTree>
-      <p:nvGrpSpPr>
-        <p:cNvPr id="1" name=""/>
-        <p:cNvGrpSpPr/>
-        <p:nvPr/>
-      </p:nvGrpSpPr>
-      <p:grpSpPr>
-        <a:xfrm>
-          <a:off x="0" y="0"/>
-          <a:ext cx="0" cy="0"/>
-          <a:chOff x="0" y="0"/>
-          <a:chExt cx="0" cy="0"/>
-        </a:xfrm>
-      </p:grpSpPr>
-      <p:sp>
-        <p:nvSpPr>
-          <p:cNvPr id="2" name="Title 1"/>
-          <p:cNvSpPr>
-            <a:spLocks noGrp="1"/>
-          </p:cNvSpPr>
-          <p:nvPr>
-            <p:ph type="title"/>
-          </p:nvPr>
-        </p:nvSpPr>
-        <p:spPr/>
-        <p:txBody>
-          <a:bodyPr/>
-          <a:lstStyle/>
-          <a:p>
-            <a:endParaRPr lang="en-US"/>
-          </a:p>
-        </p:txBody>
-      </p:sp>
-      <p:sp>
-        <p:nvSpPr>
-          <p:cNvPr id="3" name="Content Placeholder 2"/>
-          <p:cNvSpPr>
-            <a:spLocks noGrp="1"/>
-          </p:cNvSpPr>
-          <p:nvPr>
-            <p:ph idx="1"/>
-          </p:nvPr>
-        </p:nvSpPr>
-        <p:spPr/>
-        <p:txBody>
-          <a:bodyPr/>
-          <a:lstStyle/>
-          <a:p>
-            <a:endParaRPr lang="en-US"/>
-          </a:p>
-        </p:txBody>
-      </p:sp>
-      <p:pic>
-        <p:nvPicPr>
-          <p:cNvPr id="4" name="Content Placeholder 3" descr="C:\Documents and Settings\CHONG\Desktop\Untitled-1.jpg"/>
-          <p:cNvPicPr>
-            <a:picLocks/>
-          </p:cNvPicPr>
-          <p:nvPr/>
-        </p:nvPicPr>
-        <p:blipFill>
-          <a:blip r:embed="rId2"/>
-          <a:srcRect/>
-          <a:stretch>
-            <a:fillRect/>
-          </a:stretch>
-        </p:blipFill>
-        <p:spPr bwMode="auto">
-          <a:xfrm>
-            <a:off x="0" y="1500150"/>
-            <a:ext cx="9144000" cy="5357850"/>
-          </a:xfrm>
-          <a:prstGeom prst="rect">
-            <a:avLst/>
-          </a:prstGeom>
-          <a:noFill/>
-          <a:ln w="9525">
-            <a:noFill/>
-            <a:miter lim="800000"/>
-            <a:headEnd/>
-            <a:tailEnd/>
-          </a:ln>
-        </p:spPr>
-      </p:pic>
-    </p:spTree>
-    <p:extLst>
-      <p:ext uri="{BB962C8B-B14F-4D97-AF65-F5344CB8AC3E}">
-        <p14:creationId xmlns:p14="http://schemas.microsoft.com/office/powerpoint/2010/main" val="839214932"/>
-      </p:ext>
-    </p:extLst>
-  </p:cSld>
-  <p:clrMapOvr>
-    <a:masterClrMapping/>
-  </p:clrMapOvr>
-  <p:timing>
-    <p:tnLst>
-      <p:par>
-        <p:cTn id="1" dur="indefinite" restart="never" nodeType="tmRoot"/>
-      </p:par>
-    </p:tnLst>
-  </p:timing>
-</p:sld>
-</file>
-
-<file path=ppt/slides/slide25.xml><?xml version="1.0" encoding="utf-8"?>
-<p:sld xmlns:a="http://schemas.openxmlformats.org/drawingml/2006/main" xmlns:r="http://schemas.openxmlformats.org/officeDocument/2006/relationships" xmlns:p="http://schemas.openxmlformats.org/presentationml/2006/main">
-  <p:cSld>
-    <p:spTree>
-      <p:nvGrpSpPr>
-        <p:cNvPr id="1" name=""/>
-        <p:cNvGrpSpPr/>
-        <p:nvPr/>
-      </p:nvGrpSpPr>
-      <p:grpSpPr>
-        <a:xfrm>
-          <a:off x="0" y="0"/>
-          <a:ext cx="0" cy="0"/>
-          <a:chOff x="0" y="0"/>
-          <a:chExt cx="0" cy="0"/>
-        </a:xfrm>
-      </p:grpSpPr>
-      <p:sp>
-        <p:nvSpPr>
-          <p:cNvPr id="2" name="Title 1"/>
-          <p:cNvSpPr>
-            <a:spLocks noGrp="1"/>
-          </p:cNvSpPr>
-          <p:nvPr>
-            <p:ph type="title"/>
-          </p:nvPr>
-        </p:nvSpPr>
-        <p:spPr/>
-        <p:txBody>
-          <a:bodyPr/>
-          <a:lstStyle/>
-          <a:p>
-            <a:endParaRPr lang="en-US"/>
-          </a:p>
-        </p:txBody>
-      </p:sp>
-      <p:sp>
-        <p:nvSpPr>
-          <p:cNvPr id="3" name="Content Placeholder 2"/>
-          <p:cNvSpPr>
-            <a:spLocks noGrp="1"/>
-          </p:cNvSpPr>
-          <p:nvPr>
-            <p:ph idx="1"/>
-          </p:nvPr>
-        </p:nvSpPr>
-        <p:spPr/>
-        <p:txBody>
-          <a:bodyPr/>
-          <a:lstStyle/>
-          <a:p>
-            <a:endParaRPr lang="en-US"/>
-          </a:p>
-        </p:txBody>
-      </p:sp>
-    </p:spTree>
-    <p:extLst>
-      <p:ext uri="{BB962C8B-B14F-4D97-AF65-F5344CB8AC3E}">
-        <p14:creationId xmlns:p14="http://schemas.microsoft.com/office/powerpoint/2010/main" val="3398249968"/>
-      </p:ext>
-    </p:extLst>
-  </p:cSld>
-  <p:clrMapOvr>
-    <a:masterClrMapping/>
-  </p:clrMapOvr>
-  <p:timing>
-    <p:tnLst>
-      <p:par>
-        <p:cTn id="1" dur="indefinite" restart="never" nodeType="tmRoot"/>
-      </p:par>
-    </p:tnLst>
-  </p:timing>
-</p:sld>
-</file>
-
-<file path=ppt/slides/slide26.xml><?xml version="1.0" encoding="utf-8"?>
-<p:sld xmlns:a="http://schemas.openxmlformats.org/drawingml/2006/main" xmlns:r="http://schemas.openxmlformats.org/officeDocument/2006/relationships" xmlns:p="http://schemas.openxmlformats.org/presentationml/2006/main">
-  <p:cSld>
-    <p:spTree>
-      <p:nvGrpSpPr>
-        <p:cNvPr id="1" name=""/>
-        <p:cNvGrpSpPr/>
-        <p:nvPr/>
-      </p:nvGrpSpPr>
-      <p:grpSpPr>
-        <a:xfrm>
-          <a:off x="0" y="0"/>
-          <a:ext cx="0" cy="0"/>
-          <a:chOff x="0" y="0"/>
-          <a:chExt cx="0" cy="0"/>
-        </a:xfrm>
-      </p:grpSpPr>
-      <p:sp>
-        <p:nvSpPr>
-          <p:cNvPr id="2" name="Title 1"/>
-          <p:cNvSpPr>
-            <a:spLocks noGrp="1"/>
-          </p:cNvSpPr>
-          <p:nvPr>
-            <p:ph type="title"/>
-          </p:nvPr>
-        </p:nvSpPr>
-        <p:spPr/>
-        <p:txBody>
-          <a:bodyPr/>
-          <a:lstStyle/>
-          <a:p>
-            <a:r>
-              <a:rPr lang="en-US" u="sng" dirty="0"/>
-              <a:t>Geographic Location Dimension</a:t>
-            </a:r>
-            <a:endParaRPr lang="en-US" dirty="0"/>
-          </a:p>
-        </p:txBody>
-      </p:sp>
-      <p:sp>
-        <p:nvSpPr>
-          <p:cNvPr id="3" name="Content Placeholder 2"/>
-          <p:cNvSpPr>
-            <a:spLocks noGrp="1"/>
-          </p:cNvSpPr>
-          <p:nvPr>
-            <p:ph idx="1"/>
-          </p:nvPr>
-        </p:nvSpPr>
-        <p:spPr/>
-        <p:txBody>
-          <a:bodyPr/>
-          <a:lstStyle/>
-          <a:p>
-            <a:endParaRPr lang="en-US"/>
-          </a:p>
-        </p:txBody>
-      </p:sp>
-    </p:spTree>
-    <p:extLst>
-      <p:ext uri="{BB962C8B-B14F-4D97-AF65-F5344CB8AC3E}">
-        <p14:creationId xmlns:p14="http://schemas.microsoft.com/office/powerpoint/2010/main" val="3302472505"/>
-      </p:ext>
-    </p:extLst>
-  </p:cSld>
-  <p:clrMapOvr>
-    <a:masterClrMapping/>
-  </p:clrMapOvr>
-  <p:timing>
-    <p:tnLst>
-      <p:par>
-        <p:cTn id="1" dur="indefinite" restart="never" nodeType="tmRoot"/>
-      </p:par>
-    </p:tnLst>
-  </p:timing>
-</p:sld>
-</file>
-
-<file path=ppt/slides/slide27.xml><?xml version="1.0" encoding="utf-8"?>
-<p:sld xmlns:a="http://schemas.openxmlformats.org/drawingml/2006/main" xmlns:r="http://schemas.openxmlformats.org/officeDocument/2006/relationships" xmlns:p="http://schemas.openxmlformats.org/presentationml/2006/main">
-  <p:cSld>
-    <p:spTree>
-      <p:nvGrpSpPr>
-        <p:cNvPr id="1" name=""/>
-        <p:cNvGrpSpPr/>
-        <p:nvPr/>
-      </p:nvGrpSpPr>
-      <p:grpSpPr>
-        <a:xfrm>
-          <a:off x="0" y="0"/>
-          <a:ext cx="0" cy="0"/>
-          <a:chOff x="0" y="0"/>
-          <a:chExt cx="0" cy="0"/>
-        </a:xfrm>
-      </p:grpSpPr>
-      <p:sp>
-        <p:nvSpPr>
-          <p:cNvPr id="2" name="Title 1"/>
-          <p:cNvSpPr>
-            <a:spLocks noGrp="1"/>
-          </p:cNvSpPr>
-          <p:nvPr>
-            <p:ph type="title"/>
-          </p:nvPr>
-        </p:nvSpPr>
-        <p:spPr/>
-        <p:txBody>
-          <a:bodyPr/>
-          <a:lstStyle/>
-          <a:p>
-            <a:endParaRPr lang="en-US"/>
-          </a:p>
-        </p:txBody>
-      </p:sp>
-      <p:sp>
-        <p:nvSpPr>
-          <p:cNvPr id="3" name="Content Placeholder 2"/>
-          <p:cNvSpPr>
-            <a:spLocks noGrp="1"/>
-          </p:cNvSpPr>
-          <p:nvPr>
-            <p:ph idx="1"/>
-          </p:nvPr>
-        </p:nvSpPr>
-        <p:spPr/>
-        <p:txBody>
-          <a:bodyPr/>
-          <a:lstStyle/>
-          <a:p>
-            <a:endParaRPr lang="en-US"/>
-          </a:p>
-        </p:txBody>
-      </p:sp>
-    </p:spTree>
-    <p:extLst>
-      <p:ext uri="{BB962C8B-B14F-4D97-AF65-F5344CB8AC3E}">
-        <p14:creationId xmlns:p14="http://schemas.microsoft.com/office/powerpoint/2010/main" val="2788217058"/>
-      </p:ext>
-    </p:extLst>
-  </p:cSld>
-  <p:clrMapOvr>
-    <a:masterClrMapping/>
-  </p:clrMapOvr>
-  <p:timing>
-    <p:tnLst>
-      <p:par>
-        <p:cTn id="1" dur="indefinite" restart="never" nodeType="tmRoot"/>
-      </p:par>
-    </p:tnLst>
-  </p:timing>
-</p:sld>
-</file>
-
-<file path=ppt/slides/slide28.xml><?xml version="1.0" encoding="utf-8"?>
-<p:sld xmlns:a="http://schemas.openxmlformats.org/drawingml/2006/main" xmlns:r="http://schemas.openxmlformats.org/officeDocument/2006/relationships" xmlns:p="http://schemas.openxmlformats.org/presentationml/2006/main">
-  <p:cSld>
-    <p:spTree>
-      <p:nvGrpSpPr>
-        <p:cNvPr id="1" name=""/>
-        <p:cNvGrpSpPr/>
-        <p:nvPr/>
-      </p:nvGrpSpPr>
-      <p:grpSpPr>
-        <a:xfrm>
-          <a:off x="0" y="0"/>
-          <a:ext cx="0" cy="0"/>
-          <a:chOff x="0" y="0"/>
-          <a:chExt cx="0" cy="0"/>
-        </a:xfrm>
-      </p:grpSpPr>
-      <p:sp>
-        <p:nvSpPr>
-          <p:cNvPr id="2" name="Title 1"/>
-          <p:cNvSpPr>
-            <a:spLocks noGrp="1"/>
-          </p:cNvSpPr>
-          <p:nvPr>
-            <p:ph type="title"/>
-          </p:nvPr>
-        </p:nvSpPr>
-        <p:spPr/>
-        <p:txBody>
-          <a:bodyPr/>
-          <a:lstStyle/>
-          <a:p>
-            <a:r>
-              <a:rPr lang="en-US" u="sng" dirty="0"/>
-              <a:t>Location Outrigger</a:t>
-            </a:r>
-            <a:endParaRPr lang="en-US" dirty="0"/>
-          </a:p>
-        </p:txBody>
-      </p:sp>
-      <p:sp>
-        <p:nvSpPr>
-          <p:cNvPr id="3" name="Content Placeholder 2"/>
-          <p:cNvSpPr>
-            <a:spLocks noGrp="1"/>
-          </p:cNvSpPr>
-          <p:nvPr>
-            <p:ph idx="1"/>
-          </p:nvPr>
-        </p:nvSpPr>
-        <p:spPr/>
-        <p:txBody>
-          <a:bodyPr/>
-          <a:lstStyle/>
-          <a:p>
-            <a:endParaRPr lang="en-US"/>
-          </a:p>
-        </p:txBody>
-      </p:sp>
-    </p:spTree>
-    <p:extLst>
-      <p:ext uri="{BB962C8B-B14F-4D97-AF65-F5344CB8AC3E}">
-        <p14:creationId xmlns:p14="http://schemas.microsoft.com/office/powerpoint/2010/main" val="3418599091"/>
-      </p:ext>
-    </p:extLst>
-  </p:cSld>
-  <p:clrMapOvr>
-    <a:masterClrMapping/>
-  </p:clrMapOvr>
-  <p:timing>
-    <p:tnLst>
-      <p:par>
-        <p:cTn id="1" dur="indefinite" restart="never" nodeType="tmRoot"/>
-      </p:par>
-    </p:tnLst>
-  </p:timing>
-</p:sld>
-</file>
-
-<file path=ppt/slides/slide29.xml><?xml version="1.0" encoding="utf-8"?>
-<p:sld xmlns:a="http://schemas.openxmlformats.org/drawingml/2006/main" xmlns:r="http://schemas.openxmlformats.org/officeDocument/2006/relationships" xmlns:p="http://schemas.openxmlformats.org/presentationml/2006/main">
-  <p:cSld>
-    <p:spTree>
-      <p:nvGrpSpPr>
-        <p:cNvPr id="1" name=""/>
-        <p:cNvGrpSpPr/>
-        <p:nvPr/>
-      </p:nvGrpSpPr>
-      <p:grpSpPr>
-        <a:xfrm>
-          <a:off x="0" y="0"/>
-          <a:ext cx="0" cy="0"/>
-          <a:chOff x="0" y="0"/>
-          <a:chExt cx="0" cy="0"/>
-        </a:xfrm>
-      </p:grpSpPr>
-      <p:sp>
-        <p:nvSpPr>
-          <p:cNvPr id="2" name="Title 1"/>
-          <p:cNvSpPr>
-            <a:spLocks noGrp="1"/>
-          </p:cNvSpPr>
-          <p:nvPr>
-            <p:ph type="title"/>
-          </p:nvPr>
-        </p:nvSpPr>
-        <p:spPr/>
-        <p:txBody>
-          <a:bodyPr/>
-          <a:lstStyle/>
-          <a:p>
-            <a:endParaRPr lang="en-US"/>
-          </a:p>
-        </p:txBody>
-      </p:sp>
-      <p:sp>
-        <p:nvSpPr>
-          <p:cNvPr id="3" name="Content Placeholder 2"/>
-          <p:cNvSpPr>
-            <a:spLocks noGrp="1"/>
-          </p:cNvSpPr>
-          <p:nvPr>
-            <p:ph idx="1"/>
-          </p:nvPr>
-        </p:nvSpPr>
-        <p:spPr/>
-        <p:txBody>
-          <a:bodyPr/>
-          <a:lstStyle/>
-          <a:p>
-            <a:endParaRPr lang="en-US"/>
-          </a:p>
-        </p:txBody>
-      </p:sp>
-    </p:spTree>
-    <p:extLst>
-      <p:ext uri="{BB962C8B-B14F-4D97-AF65-F5344CB8AC3E}">
-        <p14:creationId xmlns:p14="http://schemas.microsoft.com/office/powerpoint/2010/main" val="3023188447"/>
-      </p:ext>
-    </p:extLst>
-  </p:cSld>
-  <p:clrMapOvr>
-    <a:masterClrMapping/>
-  </p:clrMapOvr>
-  <p:timing>
-    <p:tnLst>
-      <p:par>
-        <p:cTn id="1" dur="indefinite" restart="never" nodeType="tmRoot"/>
-      </p:par>
-    </p:tnLst>
-  </p:timing>
-</p:sld>
-</file>
-
-<file path=ppt/slides/slide3.xml><?xml version="1.0" encoding="utf-8"?>
-<p:sld xmlns:a="http://schemas.openxmlformats.org/drawingml/2006/main" xmlns:r="http://schemas.openxmlformats.org/officeDocument/2006/relationships" xmlns:p="http://schemas.openxmlformats.org/presentationml/2006/main">
-  <p:cSld>
-    <p:spTree>
-      <p:nvGrpSpPr>
-        <p:cNvPr id="1" name=""/>
-        <p:cNvGrpSpPr/>
-        <p:nvPr/>
-      </p:nvGrpSpPr>
-      <p:grpSpPr>
-        <a:xfrm>
-          <a:off x="0" y="0"/>
-          <a:ext cx="0" cy="0"/>
-          <a:chOff x="0" y="0"/>
-          <a:chExt cx="0" cy="0"/>
-        </a:xfrm>
-      </p:grpSpPr>
-      <p:sp>
-        <p:nvSpPr>
-          <p:cNvPr id="2" name="Title 1"/>
-          <p:cNvSpPr>
-            <a:spLocks noGrp="1"/>
-          </p:cNvSpPr>
-          <p:nvPr>
-            <p:ph type="title"/>
-          </p:nvPr>
-        </p:nvSpPr>
-        <p:spPr/>
-        <p:txBody>
-          <a:bodyPr/>
-          <a:lstStyle/>
-          <a:p>
-            <a:r>
-              <a:rPr lang="en-US" dirty="0"/>
-              <a:t>Business Process</a:t>
-            </a:r>
-          </a:p>
-        </p:txBody>
-      </p:sp>
-      <p:sp>
-        <p:nvSpPr>
-          <p:cNvPr id="3" name="Content Placeholder 2"/>
-          <p:cNvSpPr>
-            <a:spLocks noGrp="1"/>
-          </p:cNvSpPr>
-          <p:nvPr>
-            <p:ph idx="1"/>
-          </p:nvPr>
-        </p:nvSpPr>
-        <p:spPr/>
-        <p:txBody>
-          <a:bodyPr/>
-          <a:lstStyle/>
-          <a:p>
-            <a:endParaRPr lang="en-US" dirty="0"/>
-          </a:p>
-        </p:txBody>
-      </p:sp>
-    </p:spTree>
-    <p:extLst>
-      <p:ext uri="{BB962C8B-B14F-4D97-AF65-F5344CB8AC3E}">
-        <p14:creationId xmlns:p14="http://schemas.microsoft.com/office/powerpoint/2010/main" val="1714716610"/>
-      </p:ext>
-    </p:extLst>
-  </p:cSld>
-  <p:clrMapOvr>
-    <a:masterClrMapping/>
-  </p:clrMapOvr>
-  <p:timing>
-    <p:tnLst>
-      <p:par>
-        <p:cTn id="1" dur="indefinite" restart="never" nodeType="tmRoot"/>
-      </p:par>
-    </p:tnLst>
-  </p:timing>
-</p:sld>
-</file>
-
 <file path=ppt/slides/slide30.xml><?xml version="1.0" encoding="utf-8"?>
 <p:sld xmlns:a="http://schemas.openxmlformats.org/drawingml/2006/main" xmlns:r="http://schemas.openxmlformats.org/officeDocument/2006/relationships" xmlns:p="http://schemas.openxmlformats.org/presentationml/2006/main">
   <p:cSld>
@@ -5479,10 +7156,6 @@
           <a:bodyPr/>
           <a:lstStyle/>
           <a:p>
-            <a:r>
-              <a:rPr lang="en-US" u="sng" dirty="0"/>
-              <a:t>Leveraging Geographic Information System</a:t>
-            </a:r>
             <a:endParaRPr lang="en-US" dirty="0"/>
           </a:p>
         </p:txBody>
@@ -5502,14 +7175,17 @@
           <a:bodyPr/>
           <a:lstStyle/>
           <a:p>
-            <a:endParaRPr lang="en-US"/>
+            <a:r>
+              <a:rPr lang="en-US" dirty="0"/>
+              <a:t>http://www-01.ibm.com/support/docview.wss?uid=swg24022618</a:t>
+            </a:r>
           </a:p>
         </p:txBody>
       </p:sp>
     </p:spTree>
     <p:extLst>
       <p:ext uri="{BB962C8B-B14F-4D97-AF65-F5344CB8AC3E}">
-        <p14:creationId xmlns:p14="http://schemas.microsoft.com/office/powerpoint/2010/main" val="1384572238"/>
+        <p14:creationId xmlns:p14="http://schemas.microsoft.com/office/powerpoint/2010/main" val="2480830112"/>
       </p:ext>
     </p:extLst>
   </p:cSld>
@@ -5577,14 +7253,17 @@
           <a:bodyPr/>
           <a:lstStyle/>
           <a:p>
-            <a:endParaRPr lang="en-US"/>
+            <a:r>
+              <a:rPr lang="en-US" dirty="0"/>
+              <a:t>http://www.informatica.com/solutions/telecommunications/Pages/index.aspx</a:t>
+            </a:r>
           </a:p>
         </p:txBody>
       </p:sp>
     </p:spTree>
     <p:extLst>
       <p:ext uri="{BB962C8B-B14F-4D97-AF65-F5344CB8AC3E}">
-        <p14:creationId xmlns:p14="http://schemas.microsoft.com/office/powerpoint/2010/main" val="2523399155"/>
+        <p14:creationId xmlns:p14="http://schemas.microsoft.com/office/powerpoint/2010/main" val="763301390"/>
       </p:ext>
     </p:extLst>
   </p:cSld>
@@ -5652,14 +7331,17 @@
           <a:bodyPr/>
           <a:lstStyle/>
           <a:p>
-            <a:endParaRPr lang="en-US"/>
+            <a:r>
+              <a:rPr lang="en-US" dirty="0"/>
+              <a:t>http://www.infobright.com/Products/MySQL-Integration/</a:t>
+            </a:r>
           </a:p>
         </p:txBody>
       </p:sp>
     </p:spTree>
     <p:extLst>
       <p:ext uri="{BB962C8B-B14F-4D97-AF65-F5344CB8AC3E}">
-        <p14:creationId xmlns:p14="http://schemas.microsoft.com/office/powerpoint/2010/main" val="411052298"/>
+        <p14:creationId xmlns:p14="http://schemas.microsoft.com/office/powerpoint/2010/main" val="2421711501"/>
       </p:ext>
     </p:extLst>
   </p:cSld>
@@ -5695,52 +7377,237 @@
       </p:grpSpPr>
       <p:sp>
         <p:nvSpPr>
-          <p:cNvPr id="2" name="Title 1"/>
-          <p:cNvSpPr>
-            <a:spLocks noGrp="1"/>
-          </p:cNvSpPr>
-          <p:nvPr>
-            <p:ph type="title"/>
-          </p:nvPr>
-        </p:nvSpPr>
-        <p:spPr/>
-        <p:txBody>
-          <a:bodyPr/>
-          <a:lstStyle/>
-          <a:p>
-            <a:endParaRPr lang="en-US" dirty="0"/>
-          </a:p>
-        </p:txBody>
-      </p:sp>
-      <p:sp>
-        <p:nvSpPr>
-          <p:cNvPr id="3" name="Content Placeholder 2"/>
-          <p:cNvSpPr>
-            <a:spLocks noGrp="1"/>
-          </p:cNvSpPr>
-          <p:nvPr>
-            <p:ph idx="1"/>
-          </p:nvPr>
-        </p:nvSpPr>
-        <p:spPr/>
-        <p:txBody>
-          <a:bodyPr>
-            <a:normAutofit/>
+          <p:cNvPr id="4" name="Title 1"/>
+          <p:cNvSpPr txBox="1">
+            <a:spLocks/>
+          </p:cNvSpPr>
+          <p:nvPr/>
+        </p:nvSpPr>
+        <p:spPr>
+          <a:xfrm>
+            <a:off x="457200" y="533400"/>
+            <a:ext cx="8229600" cy="1143000"/>
+          </a:xfrm>
+          <a:prstGeom prst="rect">
+            <a:avLst/>
+          </a:prstGeom>
+        </p:spPr>
+        <p:txBody>
+          <a:bodyPr vert="horz" rtlCol="0" anchor="ctr">
+            <a:normAutofit fontScale="67500" lnSpcReduction="20000"/>
+            <a:scene3d>
+              <a:camera prst="orthographicFront"/>
+              <a:lightRig rig="soft" dir="t"/>
+            </a:scene3d>
+            <a:sp3d prstMaterial="softEdge">
+              <a:bevelT w="25400" h="25400"/>
+            </a:sp3d>
           </a:bodyPr>
           <a:lstStyle/>
           <a:p>
-            <a:r>
-              <a:rPr lang="th-TH" sz="3600" dirty="0" smtClean="0"/>
-              <a:t>ส่วนที่หามาเพิ่ม</a:t>
-            </a:r>
-            <a:endParaRPr lang="en-US" sz="3600" dirty="0"/>
+            <a:pPr marL="0" marR="0" lvl="0" indent="0" algn="l" defTabSz="914400" rtl="0" eaLnBrk="1" fontAlgn="auto" latinLnBrk="0" hangingPunct="1">
+              <a:lnSpc>
+                <a:spcPct val="100000"/>
+              </a:lnSpc>
+              <a:spcBef>
+                <a:spcPct val="0"/>
+              </a:spcBef>
+              <a:spcAft>
+                <a:spcPts val="0"/>
+              </a:spcAft>
+              <a:buClrTx/>
+              <a:buSzTx/>
+              <a:buFontTx/>
+              <a:buNone/>
+              <a:tabLst/>
+              <a:defRPr/>
+            </a:pPr>
+            <a:r>
+              <a:rPr kumimoji="0" lang="en-US" sz="4100" b="1" i="0" u="none" strike="noStrike" kern="1200" cap="none" spc="0" normalizeH="0" baseline="0" noProof="0" dirty="0" smtClean="0">
+                <a:ln>
+                  <a:noFill/>
+                </a:ln>
+                <a:solidFill>
+                  <a:schemeClr val="tx2"/>
+                </a:solidFill>
+                <a:effectLst>
+                  <a:outerShdw blurRad="31750" dist="25400" dir="5400000" algn="tl" rotWithShape="0">
+                    <a:srgbClr val="000000">
+                      <a:alpha val="25000"/>
+                    </a:srgbClr>
+                  </a:outerShdw>
+                </a:effectLst>
+                <a:uLnTx/>
+                <a:uFillTx/>
+                <a:latin typeface="+mj-lt"/>
+                <a:ea typeface="+mj-ea"/>
+                <a:cs typeface="+mj-cs"/>
+              </a:rPr>
+              <a:t>What is the IBM Telecommunications Data Warehouse?</a:t>
+            </a:r>
+            <a:br>
+              <a:rPr kumimoji="0" lang="en-US" sz="4100" b="1" i="0" u="none" strike="noStrike" kern="1200" cap="none" spc="0" normalizeH="0" baseline="0" noProof="0" dirty="0" smtClean="0">
+                <a:ln>
+                  <a:noFill/>
+                </a:ln>
+                <a:solidFill>
+                  <a:schemeClr val="tx2"/>
+                </a:solidFill>
+                <a:effectLst>
+                  <a:outerShdw blurRad="31750" dist="25400" dir="5400000" algn="tl" rotWithShape="0">
+                    <a:srgbClr val="000000">
+                      <a:alpha val="25000"/>
+                    </a:srgbClr>
+                  </a:outerShdw>
+                </a:effectLst>
+                <a:uLnTx/>
+                <a:uFillTx/>
+                <a:latin typeface="+mj-lt"/>
+                <a:ea typeface="+mj-ea"/>
+                <a:cs typeface="+mj-cs"/>
+              </a:rPr>
+            </a:br>
+            <a:endParaRPr kumimoji="0" lang="en-US" sz="4100" b="1" i="0" u="none" strike="noStrike" kern="1200" cap="none" spc="0" normalizeH="0" baseline="0" noProof="0" dirty="0">
+              <a:ln>
+                <a:noFill/>
+              </a:ln>
+              <a:solidFill>
+                <a:schemeClr val="tx2"/>
+              </a:solidFill>
+              <a:effectLst>
+                <a:outerShdw blurRad="31750" dist="25400" dir="5400000" algn="tl" rotWithShape="0">
+                  <a:srgbClr val="000000">
+                    <a:alpha val="25000"/>
+                  </a:srgbClr>
+                </a:outerShdw>
+              </a:effectLst>
+              <a:uLnTx/>
+              <a:uFillTx/>
+              <a:latin typeface="+mj-lt"/>
+              <a:ea typeface="+mj-ea"/>
+              <a:cs typeface="+mj-cs"/>
+            </a:endParaRPr>
+          </a:p>
+        </p:txBody>
+      </p:sp>
+      <p:sp>
+        <p:nvSpPr>
+          <p:cNvPr id="5" name="Content Placeholder 2"/>
+          <p:cNvSpPr txBox="1">
+            <a:spLocks/>
+          </p:cNvSpPr>
+          <p:nvPr/>
+        </p:nvSpPr>
+        <p:spPr>
+          <a:xfrm>
+            <a:off x="457200" y="1600200"/>
+            <a:ext cx="8229600" cy="4525963"/>
+          </a:xfrm>
+          <a:prstGeom prst="rect">
+            <a:avLst/>
+          </a:prstGeom>
+        </p:spPr>
+        <p:txBody>
+          <a:bodyPr vert="horz">
+            <a:normAutofit fontScale="92500" lnSpcReduction="20000"/>
+          </a:bodyPr>
+          <a:lstStyle/>
+          <a:p>
+            <a:pPr marL="365760" marR="0" lvl="0" indent="-256032" algn="l" defTabSz="914400" rtl="0" eaLnBrk="1" fontAlgn="auto" latinLnBrk="0" hangingPunct="1">
+              <a:lnSpc>
+                <a:spcPct val="100000"/>
+              </a:lnSpc>
+              <a:spcBef>
+                <a:spcPts val="400"/>
+              </a:spcBef>
+              <a:spcAft>
+                <a:spcPts val="0"/>
+              </a:spcAft>
+              <a:buClr>
+                <a:schemeClr val="accent1"/>
+              </a:buClr>
+              <a:buSzPct val="68000"/>
+              <a:buFont typeface="Wingdings 3"/>
+              <a:buNone/>
+              <a:tabLst/>
+              <a:defRPr/>
+            </a:pPr>
+            <a:r>
+              <a:rPr kumimoji="0" lang="en-US" sz="2700" b="0" i="0" u="none" strike="noStrike" kern="1200" cap="none" spc="0" normalizeH="0" baseline="0" noProof="0" smtClean="0">
+                <a:ln>
+                  <a:noFill/>
+                </a:ln>
+                <a:solidFill>
+                  <a:schemeClr val="tx1"/>
+                </a:solidFill>
+                <a:effectLst/>
+                <a:uLnTx/>
+                <a:uFillTx/>
+                <a:latin typeface="+mn-lt"/>
+                <a:ea typeface="+mn-ea"/>
+                <a:cs typeface="+mn-cs"/>
+              </a:rPr>
+              <a:t>IBM’s Telecommunications Data Warehouse (TDW) enables Operators to build data warehouse solutions to suit their specific needs. TDW includes all of the key components required for the core of a data warehousing solution.</a:t>
+            </a:r>
+          </a:p>
+          <a:p>
+            <a:pPr marL="365760" marR="0" lvl="0" indent="-256032" algn="l" defTabSz="914400" rtl="0" eaLnBrk="1" fontAlgn="auto" latinLnBrk="0" hangingPunct="1">
+              <a:lnSpc>
+                <a:spcPct val="100000"/>
+              </a:lnSpc>
+              <a:spcBef>
+                <a:spcPts val="400"/>
+              </a:spcBef>
+              <a:spcAft>
+                <a:spcPts val="0"/>
+              </a:spcAft>
+              <a:buClr>
+                <a:schemeClr val="accent1"/>
+              </a:buClr>
+              <a:buSzPct val="68000"/>
+              <a:buFont typeface="Wingdings 3"/>
+              <a:buNone/>
+              <a:tabLst/>
+              <a:defRPr/>
+            </a:pPr>
+            <a:r>
+              <a:rPr kumimoji="0" lang="en-US" sz="2700" b="0" i="0" u="none" strike="noStrike" kern="1200" cap="none" spc="0" normalizeH="0" baseline="0" noProof="0" smtClean="0">
+                <a:ln>
+                  <a:noFill/>
+                </a:ln>
+                <a:solidFill>
+                  <a:schemeClr val="tx1"/>
+                </a:solidFill>
+                <a:effectLst/>
+                <a:uLnTx/>
+                <a:uFillTx/>
+                <a:latin typeface="+mn-lt"/>
+                <a:ea typeface="+mn-ea"/>
+                <a:cs typeface="+mn-cs"/>
+              </a:rPr>
+              <a:t>The TDW comprises a flexible and scalable data warehouse infrastructure, enabling Operators to build a comprehensive data warehouse solution through phased development. This solution enables the rapid delivery of high business value by initially focusing on the business areas offering the greatest returns and feasibility, while building within a proven technical warehousing architecture.</a:t>
+            </a:r>
+            <a:endParaRPr kumimoji="0" lang="en-US" sz="2700" b="0" i="0" u="none" strike="noStrike" kern="1200" cap="none" spc="0" normalizeH="0" baseline="0" noProof="0" dirty="0">
+              <a:ln>
+                <a:noFill/>
+              </a:ln>
+              <a:solidFill>
+                <a:schemeClr val="tx1"/>
+              </a:solidFill>
+              <a:effectLst/>
+              <a:uLnTx/>
+              <a:uFillTx/>
+              <a:latin typeface="+mn-lt"/>
+              <a:ea typeface="+mn-ea"/>
+              <a:cs typeface="+mn-cs"/>
+            </a:endParaRPr>
           </a:p>
         </p:txBody>
       </p:sp>
     </p:spTree>
     <p:extLst>
       <p:ext uri="{BB962C8B-B14F-4D97-AF65-F5344CB8AC3E}">
-        <p14:creationId xmlns:p14="http://schemas.microsoft.com/office/powerpoint/2010/main" val="1343042691"/>
+        <p14:creationId xmlns:p14="http://schemas.microsoft.com/office/powerpoint/2010/main" val="1103738237"/>
       </p:ext>
     </p:extLst>
   </p:cSld>
@@ -5774,64 +7641,49 @@
           <a:chExt cx="0" cy="0"/>
         </a:xfrm>
       </p:grpSpPr>
-      <p:sp>
-        <p:nvSpPr>
-          <p:cNvPr id="2" name="Title 1"/>
-          <p:cNvSpPr>
-            <a:spLocks noGrp="1"/>
-          </p:cNvSpPr>
-          <p:nvPr>
-            <p:ph type="title"/>
-          </p:nvPr>
-        </p:nvSpPr>
-        <p:spPr/>
-        <p:txBody>
-          <a:bodyPr/>
-          <a:lstStyle/>
-          <a:p>
-            <a:endParaRPr lang="en-US" dirty="0"/>
-          </a:p>
-        </p:txBody>
-      </p:sp>
-      <p:sp>
-        <p:nvSpPr>
-          <p:cNvPr id="3" name="Content Placeholder 2"/>
-          <p:cNvSpPr>
-            <a:spLocks noGrp="1"/>
-          </p:cNvSpPr>
-          <p:nvPr>
-            <p:ph idx="1"/>
-          </p:nvPr>
-        </p:nvSpPr>
-        <p:spPr/>
-        <p:txBody>
-          <a:bodyPr/>
-          <a:lstStyle/>
-          <a:p>
-            <a:r>
-              <a:rPr lang="en-US" dirty="0"/>
-              <a:t>http://www-01.ibm.com/support/docview.wss?uid=swg24022618</a:t>
-            </a:r>
-          </a:p>
-        </p:txBody>
-      </p:sp>
+      <p:pic>
+        <p:nvPicPr>
+          <p:cNvPr id="4" name="Picture 6"/>
+          <p:cNvPicPr>
+            <a:picLocks noChangeAspect="1" noChangeArrowheads="1"/>
+          </p:cNvPicPr>
+          <p:nvPr/>
+        </p:nvPicPr>
+        <p:blipFill>
+          <a:blip r:embed="rId3"/>
+          <a:srcRect l="14375" t="11000" r="15000"/>
+          <a:stretch>
+            <a:fillRect/>
+          </a:stretch>
+        </p:blipFill>
+        <p:spPr bwMode="auto">
+          <a:xfrm>
+            <a:off x="-32" y="0"/>
+            <a:ext cx="8715436" cy="6864370"/>
+          </a:xfrm>
+          <a:prstGeom prst="rect">
+            <a:avLst/>
+          </a:prstGeom>
+          <a:noFill/>
+          <a:ln w="9525">
+            <a:noFill/>
+            <a:miter lim="800000"/>
+            <a:headEnd/>
+            <a:tailEnd/>
+          </a:ln>
+          <a:effectLst/>
+        </p:spPr>
+      </p:pic>
     </p:spTree>
     <p:extLst>
       <p:ext uri="{BB962C8B-B14F-4D97-AF65-F5344CB8AC3E}">
-        <p14:creationId xmlns:p14="http://schemas.microsoft.com/office/powerpoint/2010/main" val="2480830112"/>
+        <p14:creationId xmlns:p14="http://schemas.microsoft.com/office/powerpoint/2010/main" val="1160716067"/>
       </p:ext>
     </p:extLst>
   </p:cSld>
   <p:clrMapOvr>
     <a:masterClrMapping/>
   </p:clrMapOvr>
-  <p:timing>
-    <p:tnLst>
-      <p:par>
-        <p:cTn id="1" dur="indefinite" restart="never" nodeType="tmRoot"/>
-      </p:par>
-    </p:tnLst>
-  </p:timing>
 </p:sld>
 </file>
 
@@ -5852,64 +7704,49 @@
           <a:chExt cx="0" cy="0"/>
         </a:xfrm>
       </p:grpSpPr>
-      <p:sp>
-        <p:nvSpPr>
-          <p:cNvPr id="2" name="Title 1"/>
-          <p:cNvSpPr>
-            <a:spLocks noGrp="1"/>
-          </p:cNvSpPr>
-          <p:nvPr>
-            <p:ph type="title"/>
-          </p:nvPr>
-        </p:nvSpPr>
-        <p:spPr/>
-        <p:txBody>
-          <a:bodyPr/>
-          <a:lstStyle/>
-          <a:p>
-            <a:endParaRPr lang="en-US"/>
-          </a:p>
-        </p:txBody>
-      </p:sp>
-      <p:sp>
-        <p:nvSpPr>
-          <p:cNvPr id="3" name="Content Placeholder 2"/>
-          <p:cNvSpPr>
-            <a:spLocks noGrp="1"/>
-          </p:cNvSpPr>
-          <p:nvPr>
-            <p:ph idx="1"/>
-          </p:nvPr>
-        </p:nvSpPr>
-        <p:spPr/>
-        <p:txBody>
-          <a:bodyPr/>
-          <a:lstStyle/>
-          <a:p>
-            <a:r>
-              <a:rPr lang="en-US" dirty="0"/>
-              <a:t>http://www.informatica.com/solutions/telecommunications/Pages/index.aspx</a:t>
-            </a:r>
-          </a:p>
-        </p:txBody>
-      </p:sp>
+      <p:pic>
+        <p:nvPicPr>
+          <p:cNvPr id="4" name="Picture 2"/>
+          <p:cNvPicPr>
+            <a:picLocks noChangeAspect="1" noChangeArrowheads="1"/>
+          </p:cNvPicPr>
+          <p:nvPr/>
+        </p:nvPicPr>
+        <p:blipFill>
+          <a:blip r:embed="rId3"/>
+          <a:srcRect l="24375" t="10000" r="18750" b="7000"/>
+          <a:stretch>
+            <a:fillRect/>
+          </a:stretch>
+        </p:blipFill>
+        <p:spPr bwMode="auto">
+          <a:xfrm>
+            <a:off x="839175" y="-24"/>
+            <a:ext cx="7519039" cy="6858024"/>
+          </a:xfrm>
+          <a:prstGeom prst="rect">
+            <a:avLst/>
+          </a:prstGeom>
+          <a:noFill/>
+          <a:ln w="9525">
+            <a:noFill/>
+            <a:miter lim="800000"/>
+            <a:headEnd/>
+            <a:tailEnd/>
+          </a:ln>
+          <a:effectLst/>
+        </p:spPr>
+      </p:pic>
     </p:spTree>
     <p:extLst>
       <p:ext uri="{BB962C8B-B14F-4D97-AF65-F5344CB8AC3E}">
-        <p14:creationId xmlns:p14="http://schemas.microsoft.com/office/powerpoint/2010/main" val="763301390"/>
+        <p14:creationId xmlns:p14="http://schemas.microsoft.com/office/powerpoint/2010/main" val="3285242553"/>
       </p:ext>
     </p:extLst>
   </p:cSld>
   <p:clrMapOvr>
     <a:masterClrMapping/>
   </p:clrMapOvr>
-  <p:timing>
-    <p:tnLst>
-      <p:par>
-        <p:cTn id="1" dur="indefinite" restart="never" nodeType="tmRoot"/>
-      </p:par>
-    </p:tnLst>
-  </p:timing>
 </p:sld>
 </file>
 
@@ -5932,7 +7769,29 @@
       </p:grpSpPr>
       <p:sp>
         <p:nvSpPr>
-          <p:cNvPr id="2" name="Title 1"/>
+          <p:cNvPr id="2" name="Content Placeholder 1"/>
+          <p:cNvSpPr>
+            <a:spLocks noGrp="1"/>
+          </p:cNvSpPr>
+          <p:nvPr>
+            <p:ph idx="1"/>
+          </p:nvPr>
+        </p:nvSpPr>
+        <p:spPr/>
+        <p:txBody>
+          <a:bodyPr/>
+          <a:lstStyle/>
+          <a:p>
+            <a:r>
+              <a:rPr lang="en-US" dirty="0" smtClean="0"/>
+              <a:t>The Telecommunications Data Warehouse Model (TDWM) provides Operators with both the content and the infrastructure to support the provision of clean, rationalized and easily accessible data from a central information repository. It allows Operators to exploit the potential of information previously locked in legacy systems and summarized in distributed data marts in accessible to most business users.</a:t>
+            </a:r>
+          </a:p>
+        </p:txBody>
+      </p:sp>
+      <p:sp>
+        <p:nvSpPr>
+          <p:cNvPr id="3" name="Title 2"/>
           <p:cNvSpPr>
             <a:spLocks noGrp="1"/>
           </p:cNvSpPr>
@@ -5942,52 +7801,29 @@
         </p:nvSpPr>
         <p:spPr/>
         <p:txBody>
-          <a:bodyPr/>
-          <a:lstStyle/>
-          <a:p>
-            <a:endParaRPr lang="en-US"/>
-          </a:p>
-        </p:txBody>
-      </p:sp>
-      <p:sp>
-        <p:nvSpPr>
-          <p:cNvPr id="3" name="Content Placeholder 2"/>
-          <p:cNvSpPr>
-            <a:spLocks noGrp="1"/>
-          </p:cNvSpPr>
-          <p:nvPr>
-            <p:ph idx="1"/>
-          </p:nvPr>
-        </p:nvSpPr>
-        <p:spPr/>
-        <p:txBody>
-          <a:bodyPr/>
-          <a:lstStyle/>
-          <a:p>
-            <a:r>
-              <a:rPr lang="en-US" dirty="0"/>
-              <a:t>http://www.infobright.com/Products/MySQL-Integration/</a:t>
-            </a:r>
+          <a:bodyPr>
+            <a:normAutofit fontScale="90000"/>
+          </a:bodyPr>
+          <a:lstStyle/>
+          <a:p>
+            <a:r>
+              <a:rPr lang="en-US" dirty="0" smtClean="0"/>
+              <a:t>What is the Telecommunications Data Warehouse Model?</a:t>
+            </a:r>
+            <a:endParaRPr lang="en-US" dirty="0"/>
           </a:p>
         </p:txBody>
       </p:sp>
     </p:spTree>
     <p:extLst>
       <p:ext uri="{BB962C8B-B14F-4D97-AF65-F5344CB8AC3E}">
-        <p14:creationId xmlns:p14="http://schemas.microsoft.com/office/powerpoint/2010/main" val="2421711501"/>
+        <p14:creationId xmlns:p14="http://schemas.microsoft.com/office/powerpoint/2010/main" val="3724462367"/>
       </p:ext>
     </p:extLst>
   </p:cSld>
   <p:clrMapOvr>
     <a:masterClrMapping/>
   </p:clrMapOvr>
-  <p:timing>
-    <p:tnLst>
-      <p:par>
-        <p:cTn id="1" dur="indefinite" restart="never" nodeType="tmRoot"/>
-      </p:par>
-    </p:tnLst>
-  </p:timing>
 </p:sld>
 </file>
 
@@ -6008,171 +7844,399 @@
           <a:chExt cx="0" cy="0"/>
         </a:xfrm>
       </p:grpSpPr>
-      <p:sp>
-        <p:nvSpPr>
-          <p:cNvPr id="2" name="Title 1"/>
-          <p:cNvSpPr>
-            <a:spLocks noGrp="1"/>
-          </p:cNvSpPr>
-          <p:nvPr>
-            <p:ph type="title"/>
-          </p:nvPr>
-        </p:nvSpPr>
-        <p:spPr/>
-        <p:txBody>
-          <a:bodyPr/>
-          <a:lstStyle/>
-          <a:p>
-            <a:endParaRPr lang="en-US"/>
-          </a:p>
-        </p:txBody>
-      </p:sp>
-      <p:sp>
-        <p:nvSpPr>
-          <p:cNvPr id="3" name="Content Placeholder 2"/>
-          <p:cNvSpPr>
-            <a:spLocks noGrp="1"/>
-          </p:cNvSpPr>
-          <p:nvPr>
-            <p:ph idx="1"/>
-          </p:nvPr>
-        </p:nvSpPr>
-        <p:spPr/>
-        <p:txBody>
-          <a:bodyPr>
-            <a:normAutofit fontScale="92500" lnSpcReduction="20000"/>
-          </a:bodyPr>
-          <a:lstStyle/>
-          <a:p>
-            <a:r>
-              <a:rPr lang="en-US" dirty="0">
-                <a:hlinkClick r:id="rId2"/>
-              </a:rPr>
-              <a:t>http://</a:t>
-            </a:r>
-            <a:r>
-              <a:rPr lang="en-US" dirty="0" smtClean="0">
-                <a:hlinkClick r:id="rId2"/>
-              </a:rPr>
-              <a:t>www.stragechom.com/industries/telecommunication_and_utilities.html</a:t>
-            </a:r>
-            <a:endParaRPr lang="th-TH" dirty="0" smtClean="0"/>
-          </a:p>
-          <a:p>
-            <a:r>
-              <a:rPr lang="en-US" dirty="0">
-                <a:hlinkClick r:id="rId3"/>
-              </a:rPr>
-              <a:t>http://</a:t>
-            </a:r>
-            <a:r>
-              <a:rPr lang="en-US" dirty="0" smtClean="0">
-                <a:hlinkClick r:id="rId3"/>
-              </a:rPr>
-              <a:t>www.co.escambia.fl.us/Bureaus/PublicWorks/Telecommunications.html</a:t>
-            </a:r>
-            <a:endParaRPr lang="th-TH" dirty="0" smtClean="0"/>
-          </a:p>
-          <a:p>
-            <a:r>
-              <a:rPr lang="en-US" dirty="0">
-                <a:hlinkClick r:id="rId4"/>
-              </a:rPr>
-              <a:t>http://</a:t>
-            </a:r>
-            <a:r>
-              <a:rPr lang="en-US" dirty="0" smtClean="0">
-                <a:hlinkClick r:id="rId4"/>
-              </a:rPr>
-              <a:t>www.martindawessystems.com/pdfs/businessmoney.pdf</a:t>
-            </a:r>
-            <a:endParaRPr lang="th-TH" dirty="0" smtClean="0"/>
-          </a:p>
-          <a:p>
-            <a:r>
-              <a:rPr lang="en-US" dirty="0">
-                <a:hlinkClick r:id="rId5"/>
-              </a:rPr>
-              <a:t>http://</a:t>
-            </a:r>
-            <a:r>
-              <a:rPr lang="en-US" dirty="0" smtClean="0">
-                <a:hlinkClick r:id="rId5"/>
-              </a:rPr>
-              <a:t>www.realmarket.com/required/hp11.pdf</a:t>
-            </a:r>
-            <a:endParaRPr lang="th-TH" dirty="0" smtClean="0"/>
-          </a:p>
-          <a:p>
-            <a:r>
-              <a:rPr lang="en-US" dirty="0">
-                <a:hlinkClick r:id="rId6"/>
-              </a:rPr>
-              <a:t>http://</a:t>
-            </a:r>
-            <a:r>
-              <a:rPr lang="en-US" dirty="0" smtClean="0">
-                <a:hlinkClick r:id="rId6"/>
-              </a:rPr>
-              <a:t>www-01.ibm.com/support/docview.wss?uid=swg24022618</a:t>
-            </a:r>
-            <a:endParaRPr lang="th-TH" dirty="0" smtClean="0"/>
-          </a:p>
-          <a:p>
-            <a:r>
-              <a:rPr lang="en-US" dirty="0">
-                <a:hlinkClick r:id="rId7"/>
-              </a:rPr>
-              <a:t>http://</a:t>
-            </a:r>
-            <a:r>
-              <a:rPr lang="en-US" dirty="0" smtClean="0">
-                <a:hlinkClick r:id="rId7"/>
-              </a:rPr>
-              <a:t>www.informatica.com/solutions/telecommunications/Pages/index.aspx</a:t>
-            </a:r>
-            <a:endParaRPr lang="th-TH" dirty="0" smtClean="0"/>
-          </a:p>
-          <a:p>
-            <a:r>
-              <a:rPr lang="en-US" dirty="0">
-                <a:hlinkClick r:id="rId8"/>
-              </a:rPr>
-              <a:t>http://</a:t>
-            </a:r>
-            <a:r>
-              <a:rPr lang="en-US" dirty="0" smtClean="0">
-                <a:hlinkClick r:id="rId8"/>
-              </a:rPr>
-              <a:t>itc.scix.net/data/works/att/w78-1999-2395.content.pdf</a:t>
-            </a:r>
-            <a:endParaRPr lang="th-TH" dirty="0" smtClean="0"/>
-          </a:p>
-          <a:p>
-            <a:r>
-              <a:rPr lang="en-US" dirty="0"/>
-              <a:t>http://www.infobright.com/Products/MySQL-Integration/</a:t>
-            </a:r>
-          </a:p>
-        </p:txBody>
-      </p:sp>
+      <p:pic>
+        <p:nvPicPr>
+          <p:cNvPr id="4" name="Picture 2"/>
+          <p:cNvPicPr>
+            <a:picLocks noChangeAspect="1" noChangeArrowheads="1"/>
+          </p:cNvPicPr>
+          <p:nvPr/>
+        </p:nvPicPr>
+        <p:blipFill>
+          <a:blip r:embed="rId3"/>
+          <a:srcRect l="11875" t="45000" r="27500" b="17000"/>
+          <a:stretch>
+            <a:fillRect/>
+          </a:stretch>
+        </p:blipFill>
+        <p:spPr bwMode="auto">
+          <a:xfrm>
+            <a:off x="762000" y="1371600"/>
+            <a:ext cx="7391400" cy="2895600"/>
+          </a:xfrm>
+          <a:prstGeom prst="rect">
+            <a:avLst/>
+          </a:prstGeom>
+          <a:noFill/>
+          <a:ln w="9525">
+            <a:noFill/>
+            <a:miter lim="800000"/>
+            <a:headEnd/>
+            <a:tailEnd/>
+          </a:ln>
+          <a:effectLst/>
+        </p:spPr>
+      </p:pic>
     </p:spTree>
     <p:extLst>
       <p:ext uri="{BB962C8B-B14F-4D97-AF65-F5344CB8AC3E}">
-        <p14:creationId xmlns:p14="http://schemas.microsoft.com/office/powerpoint/2010/main" val="91178122"/>
+        <p14:creationId xmlns:p14="http://schemas.microsoft.com/office/powerpoint/2010/main" val="294947683"/>
       </p:ext>
     </p:extLst>
   </p:cSld>
   <p:clrMapOvr>
     <a:masterClrMapping/>
   </p:clrMapOvr>
-  <p:timing>
-    <p:tnLst>
-      <p:par>
-        <p:cTn id="1" dur="indefinite" restart="never" nodeType="tmRoot"/>
-      </p:par>
-    </p:tnLst>
-  </p:timing>
+</p:sld>
+</file>
+
+<file path=ppt/slides/slide38.xml><?xml version="1.0" encoding="utf-8"?>
+<p:sld xmlns:a="http://schemas.openxmlformats.org/drawingml/2006/main" xmlns:r="http://schemas.openxmlformats.org/officeDocument/2006/relationships" xmlns:p="http://schemas.openxmlformats.org/presentationml/2006/main">
+  <p:cSld>
+    <p:spTree>
+      <p:nvGrpSpPr>
+        <p:cNvPr id="1" name=""/>
+        <p:cNvGrpSpPr/>
+        <p:nvPr/>
+      </p:nvGrpSpPr>
+      <p:grpSpPr>
+        <a:xfrm>
+          <a:off x="0" y="0"/>
+          <a:ext cx="0" cy="0"/>
+          <a:chOff x="0" y="0"/>
+          <a:chExt cx="0" cy="0"/>
+        </a:xfrm>
+      </p:grpSpPr>
+      <p:pic>
+        <p:nvPicPr>
+          <p:cNvPr id="4" name="Picture 2"/>
+          <p:cNvPicPr>
+            <a:picLocks noChangeAspect="1" noChangeArrowheads="1"/>
+          </p:cNvPicPr>
+          <p:nvPr/>
+        </p:nvPicPr>
+        <p:blipFill>
+          <a:blip r:embed="rId3"/>
+          <a:srcRect l="21250" t="14000" r="18125"/>
+          <a:stretch>
+            <a:fillRect/>
+          </a:stretch>
+        </p:blipFill>
+        <p:spPr bwMode="auto">
+          <a:xfrm>
+            <a:off x="818707" y="0"/>
+            <a:ext cx="7735186" cy="6858000"/>
+          </a:xfrm>
+          <a:prstGeom prst="rect">
+            <a:avLst/>
+          </a:prstGeom>
+          <a:noFill/>
+          <a:ln w="9525">
+            <a:noFill/>
+            <a:miter lim="800000"/>
+            <a:headEnd/>
+            <a:tailEnd/>
+          </a:ln>
+          <a:effectLst/>
+        </p:spPr>
+      </p:pic>
+    </p:spTree>
+    <p:extLst>
+      <p:ext uri="{BB962C8B-B14F-4D97-AF65-F5344CB8AC3E}">
+        <p14:creationId xmlns:p14="http://schemas.microsoft.com/office/powerpoint/2010/main" val="117893554"/>
+      </p:ext>
+    </p:extLst>
+  </p:cSld>
+  <p:clrMapOvr>
+    <a:masterClrMapping/>
+  </p:clrMapOvr>
+</p:sld>
+</file>
+
+<file path=ppt/slides/slide39.xml><?xml version="1.0" encoding="utf-8"?>
+<p:sld xmlns:a="http://schemas.openxmlformats.org/drawingml/2006/main" xmlns:r="http://schemas.openxmlformats.org/officeDocument/2006/relationships" xmlns:p="http://schemas.openxmlformats.org/presentationml/2006/main">
+  <p:cSld>
+    <p:spTree>
+      <p:nvGrpSpPr>
+        <p:cNvPr id="1" name=""/>
+        <p:cNvGrpSpPr/>
+        <p:nvPr/>
+      </p:nvGrpSpPr>
+      <p:grpSpPr>
+        <a:xfrm>
+          <a:off x="0" y="0"/>
+          <a:ext cx="0" cy="0"/>
+          <a:chOff x="0" y="0"/>
+          <a:chExt cx="0" cy="0"/>
+        </a:xfrm>
+      </p:grpSpPr>
+      <p:sp>
+        <p:nvSpPr>
+          <p:cNvPr id="4" name="Title 1"/>
+          <p:cNvSpPr txBox="1">
+            <a:spLocks/>
+          </p:cNvSpPr>
+          <p:nvPr/>
+        </p:nvSpPr>
+        <p:spPr>
+          <a:xfrm>
+            <a:off x="342928" y="0"/>
+            <a:ext cx="8229600" cy="2571744"/>
+          </a:xfrm>
+          <a:prstGeom prst="rect">
+            <a:avLst/>
+          </a:prstGeom>
+        </p:spPr>
+        <p:txBody>
+          <a:bodyPr vert="horz" rtlCol="0" anchor="ctr">
+            <a:noAutofit/>
+            <a:scene3d>
+              <a:camera prst="orthographicFront"/>
+              <a:lightRig rig="soft" dir="t"/>
+            </a:scene3d>
+            <a:sp3d prstMaterial="softEdge">
+              <a:bevelT w="25400" h="25400"/>
+            </a:sp3d>
+          </a:bodyPr>
+          <a:lstStyle/>
+          <a:p>
+            <a:pPr marL="0" marR="0" lvl="0" indent="0" algn="ctr" defTabSz="914400" rtl="0" eaLnBrk="1" fontAlgn="auto" latinLnBrk="0" hangingPunct="1">
+              <a:lnSpc>
+                <a:spcPct val="100000"/>
+              </a:lnSpc>
+              <a:spcBef>
+                <a:spcPct val="0"/>
+              </a:spcBef>
+              <a:spcAft>
+                <a:spcPts val="0"/>
+              </a:spcAft>
+              <a:buClrTx/>
+              <a:buSzTx/>
+              <a:buFontTx/>
+              <a:buNone/>
+              <a:tabLst/>
+              <a:defRPr/>
+            </a:pPr>
+            <a:r>
+              <a:rPr kumimoji="0" lang="en-US" sz="3200" b="1" i="0" u="none" strike="noStrike" kern="1200" cap="none" spc="0" normalizeH="0" baseline="0" noProof="0" dirty="0" smtClean="0">
+                <a:ln>
+                  <a:noFill/>
+                </a:ln>
+                <a:solidFill>
+                  <a:schemeClr val="tx2"/>
+                </a:solidFill>
+                <a:effectLst>
+                  <a:outerShdw blurRad="31750" dist="25400" dir="5400000" algn="tl" rotWithShape="0">
+                    <a:srgbClr val="000000">
+                      <a:alpha val="25000"/>
+                    </a:srgbClr>
+                  </a:outerShdw>
+                </a:effectLst>
+                <a:uLnTx/>
+                <a:uFillTx/>
+                <a:latin typeface="+mj-lt"/>
+                <a:ea typeface="+mj-ea"/>
+                <a:cs typeface="+mj-cs"/>
+              </a:rPr>
+              <a:t>The Four Business Areas</a:t>
+            </a:r>
+            <a:br>
+              <a:rPr kumimoji="0" lang="en-US" sz="3200" b="1" i="0" u="none" strike="noStrike" kern="1200" cap="none" spc="0" normalizeH="0" baseline="0" noProof="0" dirty="0" smtClean="0">
+                <a:ln>
+                  <a:noFill/>
+                </a:ln>
+                <a:solidFill>
+                  <a:schemeClr val="tx2"/>
+                </a:solidFill>
+                <a:effectLst>
+                  <a:outerShdw blurRad="31750" dist="25400" dir="5400000" algn="tl" rotWithShape="0">
+                    <a:srgbClr val="000000">
+                      <a:alpha val="25000"/>
+                    </a:srgbClr>
+                  </a:outerShdw>
+                </a:effectLst>
+                <a:uLnTx/>
+                <a:uFillTx/>
+                <a:latin typeface="+mj-lt"/>
+                <a:ea typeface="+mj-ea"/>
+                <a:cs typeface="+mj-cs"/>
+              </a:rPr>
+            </a:br>
+            <a:r>
+              <a:rPr kumimoji="0" lang="en-US" sz="3200" b="1" i="0" u="none" strike="noStrike" kern="1200" cap="none" spc="0" normalizeH="0" baseline="0" noProof="0" dirty="0" smtClean="0">
+                <a:ln>
+                  <a:noFill/>
+                </a:ln>
+                <a:solidFill>
+                  <a:schemeClr val="tx2"/>
+                </a:solidFill>
+                <a:effectLst>
+                  <a:outerShdw blurRad="31750" dist="25400" dir="5400000" algn="tl" rotWithShape="0">
+                    <a:srgbClr val="000000">
+                      <a:alpha val="25000"/>
+                    </a:srgbClr>
+                  </a:outerShdw>
+                </a:effectLst>
+                <a:uLnTx/>
+                <a:uFillTx/>
+                <a:latin typeface="+mj-lt"/>
+                <a:ea typeface="+mj-ea"/>
+                <a:cs typeface="+mj-cs"/>
+              </a:rPr>
+              <a:t/>
+            </a:r>
+            <a:br>
+              <a:rPr kumimoji="0" lang="en-US" sz="3200" b="1" i="0" u="none" strike="noStrike" kern="1200" cap="none" spc="0" normalizeH="0" baseline="0" noProof="0" dirty="0" smtClean="0">
+                <a:ln>
+                  <a:noFill/>
+                </a:ln>
+                <a:solidFill>
+                  <a:schemeClr val="tx2"/>
+                </a:solidFill>
+                <a:effectLst>
+                  <a:outerShdw blurRad="31750" dist="25400" dir="5400000" algn="tl" rotWithShape="0">
+                    <a:srgbClr val="000000">
+                      <a:alpha val="25000"/>
+                    </a:srgbClr>
+                  </a:outerShdw>
+                </a:effectLst>
+                <a:uLnTx/>
+                <a:uFillTx/>
+                <a:latin typeface="+mj-lt"/>
+                <a:ea typeface="+mj-ea"/>
+                <a:cs typeface="+mj-cs"/>
+              </a:rPr>
+            </a:br>
+            <a:r>
+              <a:rPr kumimoji="0" lang="en-US" sz="3200" b="1" i="0" u="none" strike="noStrike" kern="1200" cap="none" spc="0" normalizeH="0" baseline="0" noProof="0" dirty="0" smtClean="0">
+                <a:ln>
+                  <a:noFill/>
+                </a:ln>
+                <a:solidFill>
+                  <a:schemeClr val="tx2"/>
+                </a:solidFill>
+                <a:effectLst>
+                  <a:outerShdw blurRad="31750" dist="25400" dir="5400000" algn="tl" rotWithShape="0">
+                    <a:srgbClr val="000000">
+                      <a:alpha val="25000"/>
+                    </a:srgbClr>
+                  </a:outerShdw>
+                </a:effectLst>
+                <a:uLnTx/>
+                <a:uFillTx/>
+                <a:latin typeface="+mj-lt"/>
+                <a:ea typeface="+mj-ea"/>
+                <a:cs typeface="+mj-cs"/>
+              </a:rPr>
+              <a:t>The TDW Solution contains more than 20BST’s covering four business</a:t>
+            </a:r>
+            <a:r>
+              <a:rPr lang="en-US" sz="3200" b="1" dirty="0" smtClean="0">
+                <a:solidFill>
+                  <a:schemeClr val="tx2"/>
+                </a:solidFill>
+                <a:effectLst>
+                  <a:outerShdw blurRad="31750" dist="25400" dir="5400000" algn="tl" rotWithShape="0">
+                    <a:srgbClr val="000000">
+                      <a:alpha val="25000"/>
+                    </a:srgbClr>
+                  </a:outerShdw>
+                </a:effectLst>
+                <a:latin typeface="+mj-lt"/>
+                <a:ea typeface="+mj-ea"/>
+                <a:cs typeface="+mj-cs"/>
+              </a:rPr>
+              <a:t> </a:t>
+            </a:r>
+            <a:r>
+              <a:rPr kumimoji="0" lang="en-US" sz="3200" b="1" i="0" u="none" strike="noStrike" kern="1200" cap="none" spc="0" normalizeH="0" baseline="0" noProof="0" dirty="0" smtClean="0">
+                <a:ln>
+                  <a:noFill/>
+                </a:ln>
+                <a:solidFill>
+                  <a:schemeClr val="tx2"/>
+                </a:solidFill>
+                <a:effectLst>
+                  <a:outerShdw blurRad="31750" dist="25400" dir="5400000" algn="tl" rotWithShape="0">
+                    <a:srgbClr val="000000">
+                      <a:alpha val="25000"/>
+                    </a:srgbClr>
+                  </a:outerShdw>
+                </a:effectLst>
+                <a:uLnTx/>
+                <a:uFillTx/>
+                <a:latin typeface="+mj-lt"/>
+                <a:ea typeface="+mj-ea"/>
+                <a:cs typeface="+mj-cs"/>
+              </a:rPr>
+              <a:t>areas.</a:t>
+            </a:r>
+            <a:endParaRPr kumimoji="0" lang="en-US" sz="3200" b="1" i="0" u="none" strike="noStrike" kern="1200" cap="none" spc="0" normalizeH="0" baseline="0" noProof="0" dirty="0">
+              <a:ln>
+                <a:noFill/>
+              </a:ln>
+              <a:solidFill>
+                <a:schemeClr val="tx2"/>
+              </a:solidFill>
+              <a:effectLst>
+                <a:outerShdw blurRad="31750" dist="25400" dir="5400000" algn="tl" rotWithShape="0">
+                  <a:srgbClr val="000000">
+                    <a:alpha val="25000"/>
+                  </a:srgbClr>
+                </a:outerShdw>
+              </a:effectLst>
+              <a:uLnTx/>
+              <a:uFillTx/>
+              <a:latin typeface="+mj-lt"/>
+              <a:ea typeface="+mj-ea"/>
+              <a:cs typeface="+mj-cs"/>
+            </a:endParaRPr>
+          </a:p>
+        </p:txBody>
+      </p:sp>
+      <p:pic>
+        <p:nvPicPr>
+          <p:cNvPr id="5" name="Picture 2"/>
+          <p:cNvPicPr>
+            <a:picLocks noChangeAspect="1" noChangeArrowheads="1"/>
+          </p:cNvPicPr>
+          <p:nvPr/>
+        </p:nvPicPr>
+        <p:blipFill>
+          <a:blip r:embed="rId3"/>
+          <a:srcRect l="13750" t="48000" r="9375" b="15000"/>
+          <a:stretch>
+            <a:fillRect/>
+          </a:stretch>
+        </p:blipFill>
+        <p:spPr bwMode="auto">
+          <a:xfrm>
+            <a:off x="381000" y="2743200"/>
+            <a:ext cx="8305800" cy="2498493"/>
+          </a:xfrm>
+          <a:prstGeom prst="rect">
+            <a:avLst/>
+          </a:prstGeom>
+          <a:noFill/>
+          <a:ln w="9525">
+            <a:noFill/>
+            <a:miter lim="800000"/>
+            <a:headEnd/>
+            <a:tailEnd/>
+          </a:ln>
+          <a:effectLst/>
+        </p:spPr>
+      </p:pic>
+    </p:spTree>
+    <p:extLst>
+      <p:ext uri="{BB962C8B-B14F-4D97-AF65-F5344CB8AC3E}">
+        <p14:creationId xmlns:p14="http://schemas.microsoft.com/office/powerpoint/2010/main" val="285792054"/>
+      </p:ext>
+    </p:extLst>
+  </p:cSld>
+  <p:clrMapOvr>
+    <a:masterClrMapping/>
+  </p:clrMapOvr>
 </p:sld>
 </file>
 
@@ -6205,10 +8269,16 @@
         </p:nvSpPr>
         <p:spPr/>
         <p:txBody>
-          <a:bodyPr/>
-          <a:lstStyle/>
-          <a:p>
-            <a:endParaRPr lang="en-US"/>
+          <a:bodyPr>
+            <a:normAutofit/>
+          </a:bodyPr>
+          <a:lstStyle/>
+          <a:p>
+            <a:r>
+              <a:rPr lang="en-US" sz="3600" b="1" dirty="0" smtClean="0"/>
+              <a:t>General Design Review Considerations</a:t>
+            </a:r>
+            <a:endParaRPr lang="en-US" sz="3600" b="1" dirty="0"/>
           </a:p>
         </p:txBody>
       </p:sp>
@@ -6224,17 +8294,253 @@
         </p:nvSpPr>
         <p:spPr/>
         <p:txBody>
-          <a:bodyPr/>
-          <a:lstStyle/>
-          <a:p>
-            <a:endParaRPr lang="en-US"/>
+          <a:bodyPr>
+            <a:normAutofit/>
+          </a:bodyPr>
+          <a:lstStyle/>
+          <a:p>
+            <a:r>
+              <a:rPr lang="en-US" dirty="0" smtClean="0"/>
+              <a:t>Granularity</a:t>
+            </a:r>
+          </a:p>
+          <a:p>
+            <a:r>
+              <a:rPr lang="en-US" dirty="0" smtClean="0"/>
+              <a:t>Fact </a:t>
+            </a:r>
+            <a:r>
+              <a:rPr lang="en-US" dirty="0" smtClean="0"/>
+              <a:t>Granularity</a:t>
+            </a:r>
+          </a:p>
+          <a:p>
+            <a:r>
+              <a:rPr lang="en-US" dirty="0" smtClean="0"/>
+              <a:t>Dimension </a:t>
+            </a:r>
+            <a:r>
+              <a:rPr lang="en-US" dirty="0" smtClean="0"/>
+              <a:t>Granularity</a:t>
+            </a:r>
+          </a:p>
+          <a:p>
+            <a:r>
+              <a:rPr lang="en-US" dirty="0" smtClean="0"/>
+              <a:t>Date Dimension</a:t>
+            </a:r>
+          </a:p>
+          <a:p>
+            <a:r>
+              <a:rPr lang="en-US" dirty="0" smtClean="0"/>
+              <a:t>Degenerate Dimension</a:t>
+            </a:r>
+          </a:p>
+          <a:p>
+            <a:r>
+              <a:rPr lang="en-US" dirty="0" smtClean="0"/>
+              <a:t>Dimension Decodes</a:t>
+            </a:r>
+            <a:r>
+              <a:rPr lang="th-TH" dirty="0" smtClean="0"/>
+              <a:t> </a:t>
+            </a:r>
+            <a:r>
+              <a:rPr lang="en-US" dirty="0" smtClean="0"/>
+              <a:t>and Descriptions</a:t>
+            </a:r>
+          </a:p>
+          <a:p>
+            <a:r>
+              <a:rPr lang="en-US" dirty="0"/>
+              <a:t>Too Many (Too Low)Dimension</a:t>
+            </a:r>
           </a:p>
         </p:txBody>
       </p:sp>
     </p:spTree>
     <p:extLst>
       <p:ext uri="{BB962C8B-B14F-4D97-AF65-F5344CB8AC3E}">
-        <p14:creationId xmlns:p14="http://schemas.microsoft.com/office/powerpoint/2010/main" val="1225404618"/>
+        <p14:creationId xmlns:p14="http://schemas.microsoft.com/office/powerpoint/2010/main" val="3497119065"/>
+      </p:ext>
+    </p:extLst>
+  </p:cSld>
+  <p:clrMapOvr>
+    <a:masterClrMapping/>
+  </p:clrMapOvr>
+  <p:timing>
+    <p:tnLst>
+      <p:par>
+        <p:cTn id="1" dur="indefinite" restart="never" nodeType="tmRoot"/>
+      </p:par>
+    </p:tnLst>
+  </p:timing>
+</p:sld>
+</file>
+
+<file path=ppt/slides/slide40.xml><?xml version="1.0" encoding="utf-8"?>
+<p:sld xmlns:a="http://schemas.openxmlformats.org/drawingml/2006/main" xmlns:r="http://schemas.openxmlformats.org/officeDocument/2006/relationships" xmlns:p="http://schemas.openxmlformats.org/presentationml/2006/main">
+  <p:cSld>
+    <p:spTree>
+      <p:nvGrpSpPr>
+        <p:cNvPr id="1" name=""/>
+        <p:cNvGrpSpPr/>
+        <p:nvPr/>
+      </p:nvGrpSpPr>
+      <p:grpSpPr>
+        <a:xfrm>
+          <a:off x="0" y="0"/>
+          <a:ext cx="0" cy="0"/>
+          <a:chOff x="0" y="0"/>
+          <a:chExt cx="0" cy="0"/>
+        </a:xfrm>
+      </p:grpSpPr>
+      <p:sp>
+        <p:nvSpPr>
+          <p:cNvPr id="2" name="Title 1"/>
+          <p:cNvSpPr>
+            <a:spLocks noGrp="1"/>
+          </p:cNvSpPr>
+          <p:nvPr>
+            <p:ph type="title"/>
+          </p:nvPr>
+        </p:nvSpPr>
+        <p:spPr/>
+        <p:txBody>
+          <a:bodyPr/>
+          <a:lstStyle/>
+          <a:p>
+            <a:r>
+              <a:rPr lang="th-TH" dirty="0"/>
+              <a:t> </a:t>
+            </a:r>
+            <a:r>
+              <a:rPr lang="en-US" dirty="0" smtClean="0"/>
+              <a:t>reference</a:t>
+            </a:r>
+            <a:endParaRPr lang="en-US" dirty="0"/>
+          </a:p>
+        </p:txBody>
+      </p:sp>
+      <p:sp>
+        <p:nvSpPr>
+          <p:cNvPr id="3" name="Content Placeholder 2"/>
+          <p:cNvSpPr>
+            <a:spLocks noGrp="1"/>
+          </p:cNvSpPr>
+          <p:nvPr>
+            <p:ph idx="1"/>
+          </p:nvPr>
+        </p:nvSpPr>
+        <p:spPr/>
+        <p:txBody>
+          <a:bodyPr>
+            <a:normAutofit fontScale="77500" lnSpcReduction="20000"/>
+          </a:bodyPr>
+          <a:lstStyle/>
+          <a:p>
+            <a:r>
+              <a:rPr lang="en-US" dirty="0">
+                <a:hlinkClick r:id="rId3"/>
+              </a:rPr>
+              <a:t>http://</a:t>
+            </a:r>
+            <a:r>
+              <a:rPr lang="en-US" dirty="0" smtClean="0">
+                <a:hlinkClick r:id="rId3"/>
+              </a:rPr>
+              <a:t>www.stragechom.com/industries/telecommunication_and_utilities.html</a:t>
+            </a:r>
+            <a:endParaRPr lang="th-TH" dirty="0" smtClean="0"/>
+          </a:p>
+          <a:p>
+            <a:r>
+              <a:rPr lang="en-US" dirty="0">
+                <a:hlinkClick r:id="rId4"/>
+              </a:rPr>
+              <a:t>http://</a:t>
+            </a:r>
+            <a:r>
+              <a:rPr lang="en-US" dirty="0" smtClean="0">
+                <a:hlinkClick r:id="rId4"/>
+              </a:rPr>
+              <a:t>www.co.escambia.fl.us/Bureaus/PublicWorks/Telecommunications.html</a:t>
+            </a:r>
+            <a:endParaRPr lang="th-TH" dirty="0" smtClean="0"/>
+          </a:p>
+          <a:p>
+            <a:r>
+              <a:rPr lang="en-US" dirty="0">
+                <a:hlinkClick r:id="rId5"/>
+              </a:rPr>
+              <a:t>http://</a:t>
+            </a:r>
+            <a:r>
+              <a:rPr lang="en-US" dirty="0" smtClean="0">
+                <a:hlinkClick r:id="rId5"/>
+              </a:rPr>
+              <a:t>www.martindawessystems.com/pdfs/businessmoney.pdf</a:t>
+            </a:r>
+            <a:endParaRPr lang="th-TH" dirty="0" smtClean="0"/>
+          </a:p>
+          <a:p>
+            <a:r>
+              <a:rPr lang="en-US" dirty="0">
+                <a:hlinkClick r:id="rId6"/>
+              </a:rPr>
+              <a:t>http://</a:t>
+            </a:r>
+            <a:r>
+              <a:rPr lang="en-US" dirty="0" smtClean="0">
+                <a:hlinkClick r:id="rId6"/>
+              </a:rPr>
+              <a:t>www.realmarket.com/required/hp11.pdf</a:t>
+            </a:r>
+            <a:endParaRPr lang="th-TH" dirty="0" smtClean="0"/>
+          </a:p>
+          <a:p>
+            <a:r>
+              <a:rPr lang="en-US" dirty="0">
+                <a:hlinkClick r:id="rId7"/>
+              </a:rPr>
+              <a:t>http://</a:t>
+            </a:r>
+            <a:r>
+              <a:rPr lang="en-US" dirty="0" smtClean="0">
+                <a:hlinkClick r:id="rId7"/>
+              </a:rPr>
+              <a:t>www-01.ibm.com/support/docview.wss?uid=swg24022618</a:t>
+            </a:r>
+            <a:endParaRPr lang="th-TH" dirty="0" smtClean="0"/>
+          </a:p>
+          <a:p>
+            <a:r>
+              <a:rPr lang="en-US" dirty="0">
+                <a:hlinkClick r:id="rId8"/>
+              </a:rPr>
+              <a:t>http://</a:t>
+            </a:r>
+            <a:r>
+              <a:rPr lang="en-US" dirty="0" smtClean="0">
+                <a:hlinkClick r:id="rId8"/>
+              </a:rPr>
+              <a:t>www.informatica.com/solutions/telecommunications/Pages/index.aspx</a:t>
+            </a:r>
+            <a:endParaRPr lang="th-TH" dirty="0" smtClean="0"/>
+          </a:p>
+          <a:p>
+            <a:r>
+              <a:rPr lang="en-US" dirty="0" smtClean="0"/>
+              <a:t>/</a:t>
+            </a:r>
+            <a:endParaRPr lang="en-US" dirty="0"/>
+          </a:p>
+        </p:txBody>
+      </p:sp>
+    </p:spTree>
+    <p:extLst>
+      <p:ext uri="{BB962C8B-B14F-4D97-AF65-F5344CB8AC3E}">
+        <p14:creationId xmlns:p14="http://schemas.microsoft.com/office/powerpoint/2010/main" val="91178122"/>
       </p:ext>
     </p:extLst>
   </p:cSld>
@@ -6283,7 +8589,10 @@
           <a:bodyPr/>
           <a:lstStyle/>
           <a:p>
-            <a:endParaRPr lang="en-US"/>
+            <a:r>
+              <a:rPr lang="en-US" b="1" dirty="0"/>
+              <a:t>Granularity</a:t>
+            </a:r>
           </a:p>
         </p:txBody>
       </p:sp>
@@ -6302,14 +8611,41 @@
           <a:bodyPr/>
           <a:lstStyle/>
           <a:p>
-            <a:endParaRPr lang="en-US"/>
+            <a:r>
+              <a:rPr lang="th-TH" dirty="0" smtClean="0"/>
+              <a:t>ควรจะกำหนด </a:t>
+            </a:r>
+            <a:r>
+              <a:rPr lang="en-US" dirty="0" smtClean="0"/>
+              <a:t>Granularity</a:t>
+            </a:r>
+            <a:r>
+              <a:rPr lang="th-TH" dirty="0" smtClean="0"/>
+              <a:t> ให้มีระดับที่เหมาะสมที่สุด</a:t>
+            </a:r>
+          </a:p>
+          <a:p>
+            <a:r>
+              <a:rPr lang="th-TH" dirty="0" smtClean="0"/>
+              <a:t>ไม่จำเป็นต้องละเอียดที่สุดเสมอไป</a:t>
+            </a:r>
+          </a:p>
+          <a:p>
+            <a:r>
+              <a:rPr lang="th-TH" dirty="0" smtClean="0"/>
+              <a:t>ตรงตามความต้องการของผู้ใช้</a:t>
+            </a:r>
+            <a:endParaRPr lang="th-TH" dirty="0" smtClean="0"/>
+          </a:p>
+          <a:p>
+            <a:endParaRPr lang="en-US" dirty="0"/>
           </a:p>
         </p:txBody>
       </p:sp>
     </p:spTree>
     <p:extLst>
       <p:ext uri="{BB962C8B-B14F-4D97-AF65-F5344CB8AC3E}">
-        <p14:creationId xmlns:p14="http://schemas.microsoft.com/office/powerpoint/2010/main" val="3511778418"/>
+        <p14:creationId xmlns:p14="http://schemas.microsoft.com/office/powerpoint/2010/main" val="700790690"/>
       </p:ext>
     </p:extLst>
   </p:cSld>
@@ -6359,9 +8695,10 @@
           <a:lstStyle/>
           <a:p>
             <a:r>
-              <a:rPr lang="en-US" dirty="0"/>
-              <a:t>Fact table</a:t>
-            </a:r>
+              <a:rPr lang="en-US" b="1" dirty="0" smtClean="0"/>
+              <a:t>Granularity(cont.)</a:t>
+            </a:r>
+            <a:endParaRPr lang="en-US" dirty="0"/>
           </a:p>
         </p:txBody>
       </p:sp>
@@ -6375,93 +8712,270 @@
             <p:ph idx="1"/>
           </p:nvPr>
         </p:nvSpPr>
-        <p:spPr/>
-        <p:txBody>
-          <a:bodyPr/>
-          <a:lstStyle/>
-          <a:p>
-            <a:r>
-              <a:rPr lang="en-US" dirty="0"/>
-              <a:t>Grain </a:t>
-            </a:r>
-            <a:r>
-              <a:rPr lang="th-TH" dirty="0"/>
-              <a:t> </a:t>
-            </a:r>
+        <p:spPr>
+          <a:xfrm>
+            <a:off x="228600" y="1600200"/>
+            <a:ext cx="4191000" cy="4525963"/>
+          </a:xfrm>
+        </p:spPr>
+        <p:txBody>
+          <a:bodyPr/>
+          <a:lstStyle/>
+          <a:p>
             <a:r>
               <a:rPr lang="en-US" dirty="0" smtClean="0"/>
-              <a:t>=  </a:t>
-            </a:r>
-            <a:r>
-              <a:rPr lang="en-US" dirty="0"/>
-              <a:t>1</a:t>
-            </a:r>
+              <a:t>DATE Dimension</a:t>
+            </a:r>
+          </a:p>
+          <a:p>
+            <a:pPr lvl="1"/>
             <a:r>
               <a:rPr lang="en-US" dirty="0" smtClean="0"/>
-              <a:t> row </a:t>
-            </a:r>
-            <a:r>
-              <a:rPr lang="th-TH" dirty="0" smtClean="0"/>
-              <a:t>แสดง</a:t>
-            </a:r>
-            <a:r>
-              <a:rPr lang="th-TH" dirty="0"/>
-              <a:t>ถึง </a:t>
-            </a:r>
+              <a:t>Date</a:t>
+            </a:r>
+          </a:p>
+          <a:p>
+            <a:pPr lvl="1"/>
             <a:r>
               <a:rPr lang="en-US" dirty="0" smtClean="0"/>
-              <a:t>1</a:t>
-            </a:r>
-            <a:r>
-              <a:rPr lang="th-TH" dirty="0" smtClean="0"/>
-              <a:t> </a:t>
-            </a:r>
-            <a:r>
-              <a:rPr lang="en-US" dirty="0"/>
-              <a:t>Bill </a:t>
-            </a:r>
-            <a:r>
-              <a:rPr lang="th-TH" dirty="0"/>
-              <a:t>ในแต่ละเดือน</a:t>
-            </a:r>
+              <a:t>Week</a:t>
+            </a:r>
+          </a:p>
+          <a:p>
+            <a:pPr lvl="1"/>
+            <a:r>
+              <a:rPr lang="en-US" dirty="0" smtClean="0"/>
+              <a:t>Month</a:t>
+            </a:r>
+          </a:p>
+          <a:p>
+            <a:pPr lvl="1"/>
+            <a:r>
+              <a:rPr lang="en-US" dirty="0" smtClean="0"/>
+              <a:t>Quarter </a:t>
+            </a:r>
+          </a:p>
+          <a:p>
+            <a:pPr lvl="1"/>
+            <a:r>
+              <a:rPr lang="en-US" dirty="0" smtClean="0"/>
+              <a:t>Year</a:t>
+            </a:r>
+          </a:p>
+          <a:p>
+            <a:pPr lvl="1"/>
+            <a:r>
+              <a:rPr lang="en-US" dirty="0" err="1" smtClean="0"/>
+              <a:t>Dayofweek</a:t>
+            </a:r>
+            <a:endParaRPr lang="en-US" dirty="0" smtClean="0"/>
+          </a:p>
+          <a:p>
+            <a:pPr lvl="1"/>
+            <a:r>
+              <a:rPr lang="en-US" dirty="0" smtClean="0"/>
+              <a:t>Etc.</a:t>
+            </a:r>
+          </a:p>
+          <a:p>
             <a:endParaRPr lang="en-US" dirty="0"/>
           </a:p>
         </p:txBody>
       </p:sp>
-      <p:pic>
-        <p:nvPicPr>
-          <p:cNvPr id="6" name="Picture 5" descr="C:\Documents and Settings\CHONG\Desktop\Untitled-2.jpg"/>
-          <p:cNvPicPr/>
+      <p:sp>
+        <p:nvSpPr>
+          <p:cNvPr id="4" name="Content Placeholder 2"/>
+          <p:cNvSpPr txBox="1">
+            <a:spLocks/>
+          </p:cNvSpPr>
           <p:nvPr/>
-        </p:nvPicPr>
-        <p:blipFill>
-          <a:blip r:embed="rId2"/>
-          <a:srcRect/>
-          <a:stretch>
-            <a:fillRect/>
-          </a:stretch>
-        </p:blipFill>
-        <p:spPr bwMode="auto">
+        </p:nvSpPr>
+        <p:spPr>
           <a:xfrm>
-            <a:off x="0" y="2000240"/>
-            <a:ext cx="9144000" cy="4857760"/>
+            <a:off x="4648200" y="1600200"/>
+            <a:ext cx="4191000" cy="4525963"/>
           </a:xfrm>
           <a:prstGeom prst="rect">
             <a:avLst/>
           </a:prstGeom>
-          <a:noFill/>
-          <a:ln w="9525">
-            <a:noFill/>
-            <a:miter lim="800000"/>
-            <a:headEnd/>
-            <a:tailEnd/>
-          </a:ln>
         </p:spPr>
-      </p:pic>
+        <p:txBody>
+          <a:bodyPr vert="horz" lIns="91440" tIns="45720" rIns="91440" bIns="45720" rtlCol="0">
+            <a:normAutofit/>
+          </a:bodyPr>
+          <a:lstStyle>
+            <a:lvl1pPr marL="342900" indent="-342900" algn="l" defTabSz="914400" rtl="0" eaLnBrk="1" latinLnBrk="0" hangingPunct="1">
+              <a:spcBef>
+                <a:spcPct val="20000"/>
+              </a:spcBef>
+              <a:buFont typeface="Arial" pitchFamily="34" charset="0"/>
+              <a:buChar char="•"/>
+              <a:defRPr sz="3200" kern="1200">
+                <a:solidFill>
+                  <a:schemeClr val="tx1"/>
+                </a:solidFill>
+                <a:latin typeface="+mn-lt"/>
+                <a:ea typeface="+mn-ea"/>
+                <a:cs typeface="+mn-cs"/>
+              </a:defRPr>
+            </a:lvl1pPr>
+            <a:lvl2pPr marL="742950" indent="-285750" algn="l" defTabSz="914400" rtl="0" eaLnBrk="1" latinLnBrk="0" hangingPunct="1">
+              <a:spcBef>
+                <a:spcPct val="20000"/>
+              </a:spcBef>
+              <a:buFont typeface="Arial" pitchFamily="34" charset="0"/>
+              <a:buChar char="–"/>
+              <a:defRPr sz="2800" kern="1200">
+                <a:solidFill>
+                  <a:schemeClr val="tx1"/>
+                </a:solidFill>
+                <a:latin typeface="+mn-lt"/>
+                <a:ea typeface="+mn-ea"/>
+                <a:cs typeface="+mn-cs"/>
+              </a:defRPr>
+            </a:lvl2pPr>
+            <a:lvl3pPr marL="1143000" indent="-228600" algn="l" defTabSz="914400" rtl="0" eaLnBrk="1" latinLnBrk="0" hangingPunct="1">
+              <a:spcBef>
+                <a:spcPct val="20000"/>
+              </a:spcBef>
+              <a:buFont typeface="Arial" pitchFamily="34" charset="0"/>
+              <a:buChar char="•"/>
+              <a:defRPr sz="2400" kern="1200">
+                <a:solidFill>
+                  <a:schemeClr val="tx1"/>
+                </a:solidFill>
+                <a:latin typeface="+mn-lt"/>
+                <a:ea typeface="+mn-ea"/>
+                <a:cs typeface="+mn-cs"/>
+              </a:defRPr>
+            </a:lvl3pPr>
+            <a:lvl4pPr marL="1600200" indent="-228600" algn="l" defTabSz="914400" rtl="0" eaLnBrk="1" latinLnBrk="0" hangingPunct="1">
+              <a:spcBef>
+                <a:spcPct val="20000"/>
+              </a:spcBef>
+              <a:buFont typeface="Arial" pitchFamily="34" charset="0"/>
+              <a:buChar char="–"/>
+              <a:defRPr sz="2000" kern="1200">
+                <a:solidFill>
+                  <a:schemeClr val="tx1"/>
+                </a:solidFill>
+                <a:latin typeface="+mn-lt"/>
+                <a:ea typeface="+mn-ea"/>
+                <a:cs typeface="+mn-cs"/>
+              </a:defRPr>
+            </a:lvl4pPr>
+            <a:lvl5pPr marL="2057400" indent="-228600" algn="l" defTabSz="914400" rtl="0" eaLnBrk="1" latinLnBrk="0" hangingPunct="1">
+              <a:spcBef>
+                <a:spcPct val="20000"/>
+              </a:spcBef>
+              <a:buFont typeface="Arial" pitchFamily="34" charset="0"/>
+              <a:buChar char="»"/>
+              <a:defRPr sz="2000" kern="1200">
+                <a:solidFill>
+                  <a:schemeClr val="tx1"/>
+                </a:solidFill>
+                <a:latin typeface="+mn-lt"/>
+                <a:ea typeface="+mn-ea"/>
+                <a:cs typeface="+mn-cs"/>
+              </a:defRPr>
+            </a:lvl5pPr>
+            <a:lvl6pPr marL="2514600" indent="-228600" algn="l" defTabSz="914400" rtl="0" eaLnBrk="1" latinLnBrk="0" hangingPunct="1">
+              <a:spcBef>
+                <a:spcPct val="20000"/>
+              </a:spcBef>
+              <a:buFont typeface="Arial" pitchFamily="34" charset="0"/>
+              <a:buChar char="•"/>
+              <a:defRPr sz="2000" kern="1200">
+                <a:solidFill>
+                  <a:schemeClr val="tx1"/>
+                </a:solidFill>
+                <a:latin typeface="+mn-lt"/>
+                <a:ea typeface="+mn-ea"/>
+                <a:cs typeface="+mn-cs"/>
+              </a:defRPr>
+            </a:lvl6pPr>
+            <a:lvl7pPr marL="2971800" indent="-228600" algn="l" defTabSz="914400" rtl="0" eaLnBrk="1" latinLnBrk="0" hangingPunct="1">
+              <a:spcBef>
+                <a:spcPct val="20000"/>
+              </a:spcBef>
+              <a:buFont typeface="Arial" pitchFamily="34" charset="0"/>
+              <a:buChar char="•"/>
+              <a:defRPr sz="2000" kern="1200">
+                <a:solidFill>
+                  <a:schemeClr val="tx1"/>
+                </a:solidFill>
+                <a:latin typeface="+mn-lt"/>
+                <a:ea typeface="+mn-ea"/>
+                <a:cs typeface="+mn-cs"/>
+              </a:defRPr>
+            </a:lvl7pPr>
+            <a:lvl8pPr marL="3429000" indent="-228600" algn="l" defTabSz="914400" rtl="0" eaLnBrk="1" latinLnBrk="0" hangingPunct="1">
+              <a:spcBef>
+                <a:spcPct val="20000"/>
+              </a:spcBef>
+              <a:buFont typeface="Arial" pitchFamily="34" charset="0"/>
+              <a:buChar char="•"/>
+              <a:defRPr sz="2000" kern="1200">
+                <a:solidFill>
+                  <a:schemeClr val="tx1"/>
+                </a:solidFill>
+                <a:latin typeface="+mn-lt"/>
+                <a:ea typeface="+mn-ea"/>
+                <a:cs typeface="+mn-cs"/>
+              </a:defRPr>
+            </a:lvl8pPr>
+            <a:lvl9pPr marL="3886200" indent="-228600" algn="l" defTabSz="914400" rtl="0" eaLnBrk="1" latinLnBrk="0" hangingPunct="1">
+              <a:spcBef>
+                <a:spcPct val="20000"/>
+              </a:spcBef>
+              <a:buFont typeface="Arial" pitchFamily="34" charset="0"/>
+              <a:buChar char="•"/>
+              <a:defRPr sz="2000" kern="1200">
+                <a:solidFill>
+                  <a:schemeClr val="tx1"/>
+                </a:solidFill>
+                <a:latin typeface="+mn-lt"/>
+                <a:ea typeface="+mn-ea"/>
+                <a:cs typeface="+mn-cs"/>
+              </a:defRPr>
+            </a:lvl9pPr>
+          </a:lstStyle>
+          <a:p>
+            <a:r>
+              <a:rPr lang="en-US" dirty="0" smtClean="0"/>
+              <a:t>DATE Dimension</a:t>
+            </a:r>
+          </a:p>
+          <a:p>
+            <a:pPr lvl="1"/>
+            <a:r>
+              <a:rPr lang="en-US" dirty="0" smtClean="0"/>
+              <a:t>Month</a:t>
+            </a:r>
+          </a:p>
+          <a:p>
+            <a:pPr lvl="1"/>
+            <a:r>
+              <a:rPr lang="en-US" dirty="0" smtClean="0"/>
+              <a:t> Quarter</a:t>
+            </a:r>
+          </a:p>
+          <a:p>
+            <a:pPr lvl="1"/>
+            <a:r>
+              <a:rPr lang="en-US" dirty="0" smtClean="0"/>
+              <a:t>Year</a:t>
+            </a:r>
+          </a:p>
+          <a:p>
+            <a:endParaRPr lang="en-US" dirty="0"/>
+          </a:p>
+        </p:txBody>
+      </p:sp>
     </p:spTree>
     <p:extLst>
       <p:ext uri="{BB962C8B-B14F-4D97-AF65-F5344CB8AC3E}">
-        <p14:creationId xmlns:p14="http://schemas.microsoft.com/office/powerpoint/2010/main" val="644670998"/>
+        <p14:creationId xmlns:p14="http://schemas.microsoft.com/office/powerpoint/2010/main" val="660327386"/>
       </p:ext>
     </p:extLst>
   </p:cSld>
@@ -6510,7 +9024,10 @@
           <a:bodyPr/>
           <a:lstStyle/>
           <a:p>
-            <a:endParaRPr lang="en-US"/>
+            <a:r>
+              <a:rPr lang="en-US" b="1" dirty="0"/>
+              <a:t>Fact Granularity</a:t>
+            </a:r>
           </a:p>
         </p:txBody>
       </p:sp>
@@ -6529,14 +9046,92 @@
           <a:bodyPr/>
           <a:lstStyle/>
           <a:p>
-            <a:endParaRPr lang="en-US"/>
+            <a:r>
+              <a:rPr lang="en-US" dirty="0" smtClean="0"/>
+              <a:t>Fact table </a:t>
+            </a:r>
+            <a:r>
+              <a:rPr lang="th-TH" dirty="0" smtClean="0"/>
+              <a:t>เก็บค่าจำพวก </a:t>
+            </a:r>
+            <a:r>
+              <a:rPr lang="en-US" dirty="0" smtClean="0"/>
+              <a:t>total </a:t>
+            </a:r>
+            <a:r>
+              <a:rPr lang="th-TH" dirty="0" smtClean="0"/>
+              <a:t>ต่างๆไว้</a:t>
+            </a:r>
+            <a:endParaRPr lang="th-TH" dirty="0"/>
+          </a:p>
+          <a:p>
+            <a:r>
+              <a:rPr lang="th-TH" dirty="0" smtClean="0"/>
+              <a:t>การเพิ่มประสิทธิภาพและลดปัญหาซับซ้อนของข้อมูล</a:t>
+            </a:r>
+          </a:p>
+          <a:p>
+            <a:r>
+              <a:rPr lang="th-TH" dirty="0" smtClean="0"/>
+              <a:t>ข้อมูลขาดคุณสมบัติ </a:t>
+            </a:r>
+            <a:r>
+              <a:rPr lang="en-US" dirty="0" smtClean="0"/>
+              <a:t>additive</a:t>
+            </a:r>
+            <a:endParaRPr lang="th-TH" dirty="0" smtClean="0"/>
+          </a:p>
+          <a:p>
+            <a:pPr lvl="1"/>
+            <a:r>
+              <a:rPr lang="th-TH" dirty="0" smtClean="0"/>
+              <a:t>วัน /เดือน /ปี</a:t>
+            </a:r>
+          </a:p>
+          <a:p>
+            <a:r>
+              <a:rPr lang="en-US" dirty="0" smtClean="0"/>
+              <a:t>Example</a:t>
+            </a:r>
+          </a:p>
+          <a:p>
+            <a:pPr lvl="1"/>
+            <a:r>
+              <a:rPr lang="th-TH" dirty="0" smtClean="0"/>
+              <a:t>ถ้ามี </a:t>
+            </a:r>
+            <a:r>
+              <a:rPr lang="en-US" dirty="0" smtClean="0"/>
+              <a:t>bill </a:t>
+            </a:r>
+            <a:r>
+              <a:rPr lang="th-TH" dirty="0" smtClean="0"/>
+              <a:t>มากกว่า 1 </a:t>
+            </a:r>
+            <a:r>
+              <a:rPr lang="en-US" dirty="0" smtClean="0"/>
+              <a:t>bill </a:t>
+            </a:r>
+            <a:r>
+              <a:rPr lang="th-TH" dirty="0" smtClean="0"/>
+              <a:t>เกิดปัญหา นับ </a:t>
+            </a:r>
+            <a:r>
+              <a:rPr lang="en-US" dirty="0" smtClean="0"/>
+              <a:t>column “year-to-date” </a:t>
+            </a:r>
+            <a:r>
+              <a:rPr lang="th-TH" dirty="0" smtClean="0"/>
+              <a:t>ไม่สือความหมายได้</a:t>
+            </a:r>
+            <a:endParaRPr lang="en-US" dirty="0"/>
           </a:p>
         </p:txBody>
       </p:sp>
     </p:spTree>
     <p:extLst>
       <p:ext uri="{BB962C8B-B14F-4D97-AF65-F5344CB8AC3E}">
-        <p14:creationId xmlns:p14="http://schemas.microsoft.com/office/powerpoint/2010/main" val="2576605919"/>
+        <p14:creationId xmlns:p14="http://schemas.microsoft.com/office/powerpoint/2010/main" val="1871362424"/>
       </p:ext>
     </p:extLst>
   </p:cSld>
@@ -6546,7 +9141,336 @@
   <p:timing>
     <p:tnLst>
       <p:par>
-        <p:cTn id="1" dur="indefinite" restart="never" nodeType="tmRoot"/>
+        <p:cTn id="1" dur="indefinite" restart="never" nodeType="tmRoot">
+          <p:childTnLst>
+            <p:seq concurrent="1" nextAc="seek">
+              <p:cTn id="2" dur="indefinite" nodeType="mainSeq">
+                <p:childTnLst>
+                  <p:par>
+                    <p:cTn id="3" fill="hold">
+                      <p:stCondLst>
+                        <p:cond delay="indefinite"/>
+                      </p:stCondLst>
+                      <p:childTnLst>
+                        <p:par>
+                          <p:cTn id="4" fill="hold">
+                            <p:stCondLst>
+                              <p:cond delay="0"/>
+                            </p:stCondLst>
+                            <p:childTnLst>
+                              <p:par>
+                                <p:cTn id="5" presetID="1" presetClass="entr" presetSubtype="0" fill="hold" nodeType="clickEffect">
+                                  <p:stCondLst>
+                                    <p:cond delay="0"/>
+                                  </p:stCondLst>
+                                  <p:childTnLst>
+                                    <p:set>
+                                      <p:cBhvr>
+                                        <p:cTn id="6" dur="1" fill="hold">
+                                          <p:stCondLst>
+                                            <p:cond delay="0"/>
+                                          </p:stCondLst>
+                                        </p:cTn>
+                                        <p:tgtEl>
+                                          <p:spTgt spid="3">
+                                            <p:txEl>
+                                              <p:pRg st="0" end="0"/>
+                                            </p:txEl>
+                                          </p:spTgt>
+                                        </p:tgtEl>
+                                        <p:attrNameLst>
+                                          <p:attrName>style.visibility</p:attrName>
+                                        </p:attrNameLst>
+                                      </p:cBhvr>
+                                      <p:to>
+                                        <p:strVal val="visible"/>
+                                      </p:to>
+                                    </p:set>
+                                  </p:childTnLst>
+                                </p:cTn>
+                              </p:par>
+                            </p:childTnLst>
+                          </p:cTn>
+                        </p:par>
+                      </p:childTnLst>
+                    </p:cTn>
+                  </p:par>
+                  <p:par>
+                    <p:cTn id="7" fill="hold">
+                      <p:stCondLst>
+                        <p:cond delay="indefinite"/>
+                      </p:stCondLst>
+                      <p:childTnLst>
+                        <p:par>
+                          <p:cTn id="8" fill="hold">
+                            <p:stCondLst>
+                              <p:cond delay="0"/>
+                            </p:stCondLst>
+                            <p:childTnLst>
+                              <p:par>
+                                <p:cTn id="9" presetID="1" presetClass="entr" presetSubtype="0" fill="hold" nodeType="clickEffect">
+                                  <p:stCondLst>
+                                    <p:cond delay="0"/>
+                                  </p:stCondLst>
+                                  <p:childTnLst>
+                                    <p:set>
+                                      <p:cBhvr>
+                                        <p:cTn id="10" dur="1" fill="hold">
+                                          <p:stCondLst>
+                                            <p:cond delay="0"/>
+                                          </p:stCondLst>
+                                        </p:cTn>
+                                        <p:tgtEl>
+                                          <p:spTgt spid="3">
+                                            <p:txEl>
+                                              <p:pRg st="1" end="1"/>
+                                            </p:txEl>
+                                          </p:spTgt>
+                                        </p:tgtEl>
+                                        <p:attrNameLst>
+                                          <p:attrName>style.visibility</p:attrName>
+                                        </p:attrNameLst>
+                                      </p:cBhvr>
+                                      <p:to>
+                                        <p:strVal val="visible"/>
+                                      </p:to>
+                                    </p:set>
+                                  </p:childTnLst>
+                                </p:cTn>
+                              </p:par>
+                            </p:childTnLst>
+                          </p:cTn>
+                        </p:par>
+                      </p:childTnLst>
+                    </p:cTn>
+                  </p:par>
+                  <p:par>
+                    <p:cTn id="11" fill="hold">
+                      <p:stCondLst>
+                        <p:cond delay="indefinite"/>
+                      </p:stCondLst>
+                      <p:childTnLst>
+                        <p:par>
+                          <p:cTn id="12" fill="hold">
+                            <p:stCondLst>
+                              <p:cond delay="0"/>
+                            </p:stCondLst>
+                            <p:childTnLst>
+                              <p:par>
+                                <p:cTn id="13" presetID="1" presetClass="entr" presetSubtype="0" fill="hold" nodeType="clickEffect">
+                                  <p:stCondLst>
+                                    <p:cond delay="0"/>
+                                  </p:stCondLst>
+                                  <p:childTnLst>
+                                    <p:set>
+                                      <p:cBhvr>
+                                        <p:cTn id="14" dur="1" fill="hold">
+                                          <p:stCondLst>
+                                            <p:cond delay="0"/>
+                                          </p:stCondLst>
+                                        </p:cTn>
+                                        <p:tgtEl>
+                                          <p:spTgt spid="3">
+                                            <p:txEl>
+                                              <p:pRg st="2" end="2"/>
+                                            </p:txEl>
+                                          </p:spTgt>
+                                        </p:tgtEl>
+                                        <p:attrNameLst>
+                                          <p:attrName>style.visibility</p:attrName>
+                                        </p:attrNameLst>
+                                      </p:cBhvr>
+                                      <p:to>
+                                        <p:strVal val="visible"/>
+                                      </p:to>
+                                    </p:set>
+                                  </p:childTnLst>
+                                </p:cTn>
+                              </p:par>
+                            </p:childTnLst>
+                          </p:cTn>
+                        </p:par>
+                      </p:childTnLst>
+                    </p:cTn>
+                  </p:par>
+                  <p:par>
+                    <p:cTn id="15" fill="hold">
+                      <p:stCondLst>
+                        <p:cond delay="indefinite"/>
+                      </p:stCondLst>
+                      <p:childTnLst>
+                        <p:par>
+                          <p:cTn id="16" fill="hold">
+                            <p:stCondLst>
+                              <p:cond delay="0"/>
+                            </p:stCondLst>
+                            <p:childTnLst>
+                              <p:par>
+                                <p:cTn id="17" presetID="1" presetClass="entr" presetSubtype="0" fill="hold" nodeType="clickEffect">
+                                  <p:stCondLst>
+                                    <p:cond delay="0"/>
+                                  </p:stCondLst>
+                                  <p:childTnLst>
+                                    <p:set>
+                                      <p:cBhvr>
+                                        <p:cTn id="18" dur="1" fill="hold">
+                                          <p:stCondLst>
+                                            <p:cond delay="0"/>
+                                          </p:stCondLst>
+                                        </p:cTn>
+                                        <p:tgtEl>
+                                          <p:spTgt spid="3">
+                                            <p:txEl>
+                                              <p:pRg st="3" end="3"/>
+                                            </p:txEl>
+                                          </p:spTgt>
+                                        </p:tgtEl>
+                                        <p:attrNameLst>
+                                          <p:attrName>style.visibility</p:attrName>
+                                        </p:attrNameLst>
+                                      </p:cBhvr>
+                                      <p:to>
+                                        <p:strVal val="visible"/>
+                                      </p:to>
+                                    </p:set>
+                                  </p:childTnLst>
+                                </p:cTn>
+                              </p:par>
+                            </p:childTnLst>
+                          </p:cTn>
+                        </p:par>
+                      </p:childTnLst>
+                    </p:cTn>
+                  </p:par>
+                  <p:par>
+                    <p:cTn id="19" fill="hold">
+                      <p:stCondLst>
+                        <p:cond delay="indefinite"/>
+                      </p:stCondLst>
+                      <p:childTnLst>
+                        <p:par>
+                          <p:cTn id="20" fill="hold">
+                            <p:stCondLst>
+                              <p:cond delay="0"/>
+                            </p:stCondLst>
+                            <p:childTnLst>
+                              <p:par>
+                                <p:cTn id="21" presetID="1" presetClass="entr" presetSubtype="0" fill="hold" nodeType="clickEffect">
+                                  <p:stCondLst>
+                                    <p:cond delay="0"/>
+                                  </p:stCondLst>
+                                  <p:childTnLst>
+                                    <p:set>
+                                      <p:cBhvr>
+                                        <p:cTn id="22" dur="1" fill="hold">
+                                          <p:stCondLst>
+                                            <p:cond delay="0"/>
+                                          </p:stCondLst>
+                                        </p:cTn>
+                                        <p:tgtEl>
+                                          <p:spTgt spid="3">
+                                            <p:txEl>
+                                              <p:pRg st="4" end="4"/>
+                                            </p:txEl>
+                                          </p:spTgt>
+                                        </p:tgtEl>
+                                        <p:attrNameLst>
+                                          <p:attrName>style.visibility</p:attrName>
+                                        </p:attrNameLst>
+                                      </p:cBhvr>
+                                      <p:to>
+                                        <p:strVal val="visible"/>
+                                      </p:to>
+                                    </p:set>
+                                  </p:childTnLst>
+                                </p:cTn>
+                              </p:par>
+                            </p:childTnLst>
+                          </p:cTn>
+                        </p:par>
+                      </p:childTnLst>
+                    </p:cTn>
+                  </p:par>
+                  <p:par>
+                    <p:cTn id="23" fill="hold">
+                      <p:stCondLst>
+                        <p:cond delay="indefinite"/>
+                      </p:stCondLst>
+                      <p:childTnLst>
+                        <p:par>
+                          <p:cTn id="24" fill="hold">
+                            <p:stCondLst>
+                              <p:cond delay="0"/>
+                            </p:stCondLst>
+                            <p:childTnLst>
+                              <p:par>
+                                <p:cTn id="25" presetID="22" presetClass="entr" presetSubtype="4" fill="hold" nodeType="clickEffect">
+                                  <p:stCondLst>
+                                    <p:cond delay="0"/>
+                                  </p:stCondLst>
+                                  <p:childTnLst>
+                                    <p:set>
+                                      <p:cBhvr>
+                                        <p:cTn id="26" dur="1" fill="hold">
+                                          <p:stCondLst>
+                                            <p:cond delay="0"/>
+                                          </p:stCondLst>
+                                        </p:cTn>
+                                        <p:tgtEl>
+                                          <p:spTgt spid="3">
+                                            <p:txEl>
+                                              <p:pRg st="5" end="5"/>
+                                            </p:txEl>
+                                          </p:spTgt>
+                                        </p:tgtEl>
+                                        <p:attrNameLst>
+                                          <p:attrName>style.visibility</p:attrName>
+                                        </p:attrNameLst>
+                                      </p:cBhvr>
+                                      <p:to>
+                                        <p:strVal val="visible"/>
+                                      </p:to>
+                                    </p:set>
+                                    <p:animEffect transition="in" filter="wipe(down)">
+                                      <p:cBhvr>
+                                        <p:cTn id="27" dur="500"/>
+                                        <p:tgtEl>
+                                          <p:spTgt spid="3">
+                                            <p:txEl>
+                                              <p:pRg st="5" end="5"/>
+                                            </p:txEl>
+                                          </p:spTgt>
+                                        </p:tgtEl>
+                                      </p:cBhvr>
+                                    </p:animEffect>
+                                  </p:childTnLst>
+                                </p:cTn>
+                              </p:par>
+                            </p:childTnLst>
+                          </p:cTn>
+                        </p:par>
+                      </p:childTnLst>
+                    </p:cTn>
+                  </p:par>
+                </p:childTnLst>
+              </p:cTn>
+              <p:prevCondLst>
+                <p:cond evt="onPrev" delay="0">
+                  <p:tgtEl>
+                    <p:sldTgt/>
+                  </p:tgtEl>
+                </p:cond>
+              </p:prevCondLst>
+              <p:nextCondLst>
+                <p:cond evt="onNext" delay="0">
+                  <p:tgtEl>
+                    <p:sldTgt/>
+                  </p:tgtEl>
+                </p:cond>
+              </p:nextCondLst>
+            </p:seq>
+          </p:childTnLst>
+        </p:cTn>
       </p:par>
     </p:tnLst>
   </p:timing>
@@ -6586,10 +9510,9 @@
           <a:lstStyle/>
           <a:p>
             <a:r>
-              <a:rPr lang="en-US" u="sng" dirty="0"/>
-              <a:t>Granularity</a:t>
-            </a:r>
-            <a:endParaRPr lang="en-US" dirty="0"/>
+              <a:rPr lang="en-US" b="1" dirty="0"/>
+              <a:t>Dimension Granularity </a:t>
+            </a:r>
           </a:p>
         </p:txBody>
       </p:sp>
@@ -6608,14 +9531,18 @@
           <a:bodyPr/>
           <a:lstStyle/>
           <a:p>
-            <a:endParaRPr lang="en-US"/>
+            <a:endParaRPr lang="en-US" dirty="0" smtClean="0"/>
+          </a:p>
+          <a:p>
+            <a:pPr lvl="1"/>
+            <a:endParaRPr lang="en-US" dirty="0" smtClean="0"/>
           </a:p>
         </p:txBody>
       </p:sp>
     </p:spTree>
     <p:extLst>
       <p:ext uri="{BB962C8B-B14F-4D97-AF65-F5344CB8AC3E}">
-        <p14:creationId xmlns:p14="http://schemas.microsoft.com/office/powerpoint/2010/main" val="700790690"/>
+        <p14:creationId xmlns:p14="http://schemas.microsoft.com/office/powerpoint/2010/main" val="2395660201"/>
       </p:ext>
     </p:extLst>
   </p:cSld>
@@ -6665,36 +9592,116 @@
           <a:lstStyle/>
           <a:p>
             <a:r>
-              <a:rPr lang="en-US" u="sng" dirty="0"/>
-              <a:t>Fact Granularity</a:t>
-            </a:r>
+              <a:rPr lang="en-US" b="1" dirty="0"/>
+              <a:t>Date Dimension</a:t>
+            </a:r>
+          </a:p>
+        </p:txBody>
+      </p:sp>
+      <p:sp>
+        <p:nvSpPr>
+          <p:cNvPr id="3" name="Content Placeholder 2"/>
+          <p:cNvSpPr>
+            <a:spLocks noGrp="1"/>
+          </p:cNvSpPr>
+          <p:nvPr>
+            <p:ph idx="1"/>
+          </p:nvPr>
+        </p:nvSpPr>
+        <p:spPr/>
+        <p:txBody>
+          <a:bodyPr/>
+          <a:lstStyle/>
+          <a:p>
+            <a:r>
+              <a:rPr lang="th-TH" dirty="0" smtClean="0"/>
+              <a:t>นำ</a:t>
+            </a:r>
+            <a:r>
+              <a:rPr lang="th-TH" dirty="0" smtClean="0"/>
+              <a:t>ข้อมูล</a:t>
+            </a:r>
+            <a:r>
+              <a:rPr lang="th-TH" dirty="0"/>
+              <a:t>เวลาและวันที่แยกลงไปใน </a:t>
+            </a:r>
+            <a:r>
+              <a:rPr lang="th-TH" dirty="0" smtClean="0"/>
+              <a:t> </a:t>
+            </a:r>
+            <a:r>
+              <a:rPr lang="en-US" dirty="0" smtClean="0"/>
+              <a:t>Fact Table </a:t>
+            </a:r>
+          </a:p>
+          <a:p>
+            <a:pPr lvl="1"/>
+            <a:r>
+              <a:rPr lang="th-TH" dirty="0" smtClean="0"/>
+              <a:t>ไม่เหมาะสม</a:t>
+            </a:r>
+          </a:p>
+          <a:p>
+            <a:pPr lvl="1"/>
+            <a:r>
+              <a:rPr lang="th-TH" dirty="0" smtClean="0"/>
+              <a:t>ยากที่จะรู้ว่าเป็นวันที่ของอะไร</a:t>
+            </a:r>
+          </a:p>
+          <a:p>
+            <a:r>
+              <a:rPr lang="th-TH" dirty="0" smtClean="0"/>
+              <a:t>แก้โดย</a:t>
+            </a:r>
+          </a:p>
+          <a:p>
+            <a:pPr lvl="1"/>
+            <a:r>
+              <a:rPr lang="en-US" dirty="0" smtClean="0"/>
+              <a:t>1 </a:t>
+            </a:r>
+            <a:r>
+              <a:rPr lang="en-US" dirty="0" smtClean="0"/>
+              <a:t>Date Dimension</a:t>
+            </a:r>
+          </a:p>
+          <a:p>
+            <a:pPr lvl="1"/>
+            <a:r>
+              <a:rPr lang="th-TH" dirty="0" smtClean="0"/>
+              <a:t>เลือกเฉพาะ </a:t>
+            </a:r>
+            <a:r>
+              <a:rPr lang="en-US" dirty="0" smtClean="0"/>
+              <a:t>Date</a:t>
+            </a:r>
+            <a:r>
+              <a:rPr lang="th-TH" dirty="0" smtClean="0"/>
+              <a:t> ที่ใช้มาใส่ใน </a:t>
+            </a:r>
+            <a:r>
+              <a:rPr lang="en-US" dirty="0" smtClean="0"/>
+              <a:t>Date</a:t>
+            </a:r>
+            <a:r>
+              <a:rPr lang="th-TH" dirty="0" smtClean="0"/>
+              <a:t> </a:t>
+            </a:r>
+            <a:r>
+              <a:rPr lang="en-US" dirty="0" smtClean="0"/>
+              <a:t>Dimension</a:t>
+            </a:r>
+            <a:endParaRPr lang="th-TH" dirty="0" smtClean="0"/>
+          </a:p>
+          <a:p>
             <a:endParaRPr lang="en-US" dirty="0"/>
-          </a:p>
-        </p:txBody>
-      </p:sp>
-      <p:sp>
-        <p:nvSpPr>
-          <p:cNvPr id="3" name="Content Placeholder 2"/>
-          <p:cNvSpPr>
-            <a:spLocks noGrp="1"/>
-          </p:cNvSpPr>
-          <p:nvPr>
-            <p:ph idx="1"/>
-          </p:nvPr>
-        </p:nvSpPr>
-        <p:spPr/>
-        <p:txBody>
-          <a:bodyPr/>
-          <a:lstStyle/>
-          <a:p>
-            <a:endParaRPr lang="en-US"/>
           </a:p>
         </p:txBody>
       </p:sp>
     </p:spTree>
     <p:extLst>
       <p:ext uri="{BB962C8B-B14F-4D97-AF65-F5344CB8AC3E}">
-        <p14:creationId xmlns:p14="http://schemas.microsoft.com/office/powerpoint/2010/main" val="1871362424"/>
+        <p14:creationId xmlns:p14="http://schemas.microsoft.com/office/powerpoint/2010/main" val="1507583212"/>
       </p:ext>
     </p:extLst>
   </p:cSld>
@@ -6704,7 +9711,378 @@
   <p:timing>
     <p:tnLst>
       <p:par>
-        <p:cTn id="1" dur="indefinite" restart="never" nodeType="tmRoot"/>
+        <p:cTn id="1" dur="indefinite" restart="never" nodeType="tmRoot">
+          <p:childTnLst>
+            <p:seq concurrent="1" nextAc="seek">
+              <p:cTn id="2" dur="indefinite" nodeType="mainSeq">
+                <p:childTnLst>
+                  <p:par>
+                    <p:cTn id="3" fill="hold">
+                      <p:stCondLst>
+                        <p:cond delay="indefinite"/>
+                      </p:stCondLst>
+                      <p:childTnLst>
+                        <p:par>
+                          <p:cTn id="4" fill="hold">
+                            <p:stCondLst>
+                              <p:cond delay="0"/>
+                            </p:stCondLst>
+                            <p:childTnLst>
+                              <p:par>
+                                <p:cTn id="5" presetID="1" presetClass="entr" presetSubtype="0" fill="hold" nodeType="clickEffect">
+                                  <p:stCondLst>
+                                    <p:cond delay="0"/>
+                                  </p:stCondLst>
+                                  <p:childTnLst>
+                                    <p:set>
+                                      <p:cBhvr>
+                                        <p:cTn id="6" dur="1" fill="hold">
+                                          <p:stCondLst>
+                                            <p:cond delay="0"/>
+                                          </p:stCondLst>
+                                        </p:cTn>
+                                        <p:tgtEl>
+                                          <p:spTgt spid="3">
+                                            <p:txEl>
+                                              <p:pRg st="0" end="0"/>
+                                            </p:txEl>
+                                          </p:spTgt>
+                                        </p:tgtEl>
+                                        <p:attrNameLst>
+                                          <p:attrName>style.visibility</p:attrName>
+                                        </p:attrNameLst>
+                                      </p:cBhvr>
+                                      <p:to>
+                                        <p:strVal val="visible"/>
+                                      </p:to>
+                                    </p:set>
+                                  </p:childTnLst>
+                                </p:cTn>
+                              </p:par>
+                            </p:childTnLst>
+                          </p:cTn>
+                        </p:par>
+                      </p:childTnLst>
+                    </p:cTn>
+                  </p:par>
+                  <p:par>
+                    <p:cTn id="7" fill="hold">
+                      <p:stCondLst>
+                        <p:cond delay="indefinite"/>
+                      </p:stCondLst>
+                      <p:childTnLst>
+                        <p:par>
+                          <p:cTn id="8" fill="hold">
+                            <p:stCondLst>
+                              <p:cond delay="0"/>
+                            </p:stCondLst>
+                            <p:childTnLst>
+                              <p:par>
+                                <p:cTn id="9" presetID="1" presetClass="entr" presetSubtype="0" fill="hold" nodeType="clickEffect">
+                                  <p:stCondLst>
+                                    <p:cond delay="0"/>
+                                  </p:stCondLst>
+                                  <p:childTnLst>
+                                    <p:set>
+                                      <p:cBhvr>
+                                        <p:cTn id="10" dur="1" fill="hold">
+                                          <p:stCondLst>
+                                            <p:cond delay="0"/>
+                                          </p:stCondLst>
+                                        </p:cTn>
+                                        <p:tgtEl>
+                                          <p:spTgt spid="3">
+                                            <p:txEl>
+                                              <p:pRg st="1" end="1"/>
+                                            </p:txEl>
+                                          </p:spTgt>
+                                        </p:tgtEl>
+                                        <p:attrNameLst>
+                                          <p:attrName>style.visibility</p:attrName>
+                                        </p:attrNameLst>
+                                      </p:cBhvr>
+                                      <p:to>
+                                        <p:strVal val="visible"/>
+                                      </p:to>
+                                    </p:set>
+                                  </p:childTnLst>
+                                </p:cTn>
+                              </p:par>
+                            </p:childTnLst>
+                          </p:cTn>
+                        </p:par>
+                      </p:childTnLst>
+                    </p:cTn>
+                  </p:par>
+                  <p:par>
+                    <p:cTn id="11" fill="hold">
+                      <p:stCondLst>
+                        <p:cond delay="indefinite"/>
+                      </p:stCondLst>
+                      <p:childTnLst>
+                        <p:par>
+                          <p:cTn id="12" fill="hold">
+                            <p:stCondLst>
+                              <p:cond delay="0"/>
+                            </p:stCondLst>
+                            <p:childTnLst>
+                              <p:par>
+                                <p:cTn id="13" presetID="1" presetClass="entr" presetSubtype="0" fill="hold" nodeType="clickEffect">
+                                  <p:stCondLst>
+                                    <p:cond delay="0"/>
+                                  </p:stCondLst>
+                                  <p:childTnLst>
+                                    <p:set>
+                                      <p:cBhvr>
+                                        <p:cTn id="14" dur="1" fill="hold">
+                                          <p:stCondLst>
+                                            <p:cond delay="0"/>
+                                          </p:stCondLst>
+                                        </p:cTn>
+                                        <p:tgtEl>
+                                          <p:spTgt spid="3">
+                                            <p:txEl>
+                                              <p:pRg st="2" end="2"/>
+                                            </p:txEl>
+                                          </p:spTgt>
+                                        </p:tgtEl>
+                                        <p:attrNameLst>
+                                          <p:attrName>style.visibility</p:attrName>
+                                        </p:attrNameLst>
+                                      </p:cBhvr>
+                                      <p:to>
+                                        <p:strVal val="visible"/>
+                                      </p:to>
+                                    </p:set>
+                                  </p:childTnLst>
+                                </p:cTn>
+                              </p:par>
+                            </p:childTnLst>
+                          </p:cTn>
+                        </p:par>
+                      </p:childTnLst>
+                    </p:cTn>
+                  </p:par>
+                  <p:par>
+                    <p:cTn id="15" fill="hold">
+                      <p:stCondLst>
+                        <p:cond delay="indefinite"/>
+                      </p:stCondLst>
+                      <p:childTnLst>
+                        <p:par>
+                          <p:cTn id="16" fill="hold">
+                            <p:stCondLst>
+                              <p:cond delay="0"/>
+                            </p:stCondLst>
+                            <p:childTnLst>
+                              <p:par>
+                                <p:cTn id="17" presetID="2" presetClass="entr" presetSubtype="4" fill="hold" nodeType="clickEffect">
+                                  <p:stCondLst>
+                                    <p:cond delay="0"/>
+                                  </p:stCondLst>
+                                  <p:childTnLst>
+                                    <p:set>
+                                      <p:cBhvr>
+                                        <p:cTn id="18" dur="1" fill="hold">
+                                          <p:stCondLst>
+                                            <p:cond delay="0"/>
+                                          </p:stCondLst>
+                                        </p:cTn>
+                                        <p:tgtEl>
+                                          <p:spTgt spid="3">
+                                            <p:txEl>
+                                              <p:pRg st="3" end="3"/>
+                                            </p:txEl>
+                                          </p:spTgt>
+                                        </p:tgtEl>
+                                        <p:attrNameLst>
+                                          <p:attrName>style.visibility</p:attrName>
+                                        </p:attrNameLst>
+                                      </p:cBhvr>
+                                      <p:to>
+                                        <p:strVal val="visible"/>
+                                      </p:to>
+                                    </p:set>
+                                    <p:anim calcmode="lin" valueType="num">
+                                      <p:cBhvr additive="base">
+                                        <p:cTn id="19" dur="500" fill="hold"/>
+                                        <p:tgtEl>
+                                          <p:spTgt spid="3">
+                                            <p:txEl>
+                                              <p:pRg st="3" end="3"/>
+                                            </p:txEl>
+                                          </p:spTgt>
+                                        </p:tgtEl>
+                                        <p:attrNameLst>
+                                          <p:attrName>ppt_x</p:attrName>
+                                        </p:attrNameLst>
+                                      </p:cBhvr>
+                                      <p:tavLst>
+                                        <p:tav tm="0">
+                                          <p:val>
+                                            <p:strVal val="#ppt_x"/>
+                                          </p:val>
+                                        </p:tav>
+                                        <p:tav tm="100000">
+                                          <p:val>
+                                            <p:strVal val="#ppt_x"/>
+                                          </p:val>
+                                        </p:tav>
+                                      </p:tavLst>
+                                    </p:anim>
+                                    <p:anim calcmode="lin" valueType="num">
+                                      <p:cBhvr additive="base">
+                                        <p:cTn id="20" dur="500" fill="hold"/>
+                                        <p:tgtEl>
+                                          <p:spTgt spid="3">
+                                            <p:txEl>
+                                              <p:pRg st="3" end="3"/>
+                                            </p:txEl>
+                                          </p:spTgt>
+                                        </p:tgtEl>
+                                        <p:attrNameLst>
+                                          <p:attrName>ppt_y</p:attrName>
+                                        </p:attrNameLst>
+                                      </p:cBhvr>
+                                      <p:tavLst>
+                                        <p:tav tm="0">
+                                          <p:val>
+                                            <p:strVal val="1+#ppt_h/2"/>
+                                          </p:val>
+                                        </p:tav>
+                                        <p:tav tm="100000">
+                                          <p:val>
+                                            <p:strVal val="#ppt_y"/>
+                                          </p:val>
+                                        </p:tav>
+                                      </p:tavLst>
+                                    </p:anim>
+                                  </p:childTnLst>
+                                </p:cTn>
+                              </p:par>
+                            </p:childTnLst>
+                          </p:cTn>
+                        </p:par>
+                      </p:childTnLst>
+                    </p:cTn>
+                  </p:par>
+                  <p:par>
+                    <p:cTn id="21" fill="hold">
+                      <p:stCondLst>
+                        <p:cond delay="indefinite"/>
+                      </p:stCondLst>
+                      <p:childTnLst>
+                        <p:par>
+                          <p:cTn id="22" fill="hold">
+                            <p:stCondLst>
+                              <p:cond delay="0"/>
+                            </p:stCondLst>
+                            <p:childTnLst>
+                              <p:par>
+                                <p:cTn id="23" presetID="1" presetClass="entr" presetSubtype="0" fill="hold" nodeType="clickEffect">
+                                  <p:stCondLst>
+                                    <p:cond delay="0"/>
+                                  </p:stCondLst>
+                                  <p:childTnLst>
+                                    <p:set>
+                                      <p:cBhvr>
+                                        <p:cTn id="24" dur="1" fill="hold">
+                                          <p:stCondLst>
+                                            <p:cond delay="0"/>
+                                          </p:stCondLst>
+                                        </p:cTn>
+                                        <p:tgtEl>
+                                          <p:spTgt spid="3">
+                                            <p:txEl>
+                                              <p:pRg st="4" end="4"/>
+                                            </p:txEl>
+                                          </p:spTgt>
+                                        </p:tgtEl>
+                                        <p:attrNameLst>
+                                          <p:attrName>style.visibility</p:attrName>
+                                        </p:attrNameLst>
+                                      </p:cBhvr>
+                                      <p:to>
+                                        <p:strVal val="visible"/>
+                                      </p:to>
+                                    </p:set>
+                                  </p:childTnLst>
+                                </p:cTn>
+                              </p:par>
+                            </p:childTnLst>
+                          </p:cTn>
+                        </p:par>
+                      </p:childTnLst>
+                    </p:cTn>
+                  </p:par>
+                  <p:par>
+                    <p:cTn id="25" fill="hold">
+                      <p:stCondLst>
+                        <p:cond delay="indefinite"/>
+                      </p:stCondLst>
+                      <p:childTnLst>
+                        <p:par>
+                          <p:cTn id="26" fill="hold">
+                            <p:stCondLst>
+                              <p:cond delay="0"/>
+                            </p:stCondLst>
+                            <p:childTnLst>
+                              <p:par>
+                                <p:cTn id="27" presetID="1" presetClass="entr" presetSubtype="0" fill="hold" nodeType="clickEffect">
+                                  <p:stCondLst>
+                                    <p:cond delay="0"/>
+                                  </p:stCondLst>
+                                  <p:childTnLst>
+                                    <p:set>
+                                      <p:cBhvr>
+                                        <p:cTn id="28" dur="1" fill="hold">
+                                          <p:stCondLst>
+                                            <p:cond delay="0"/>
+                                          </p:stCondLst>
+                                        </p:cTn>
+                                        <p:tgtEl>
+                                          <p:spTgt spid="3">
+                                            <p:txEl>
+                                              <p:pRg st="5" end="5"/>
+                                            </p:txEl>
+                                          </p:spTgt>
+                                        </p:tgtEl>
+                                        <p:attrNameLst>
+                                          <p:attrName>style.visibility</p:attrName>
+                                        </p:attrNameLst>
+                                      </p:cBhvr>
+                                      <p:to>
+                                        <p:strVal val="visible"/>
+                                      </p:to>
+                                    </p:set>
+                                  </p:childTnLst>
+                                </p:cTn>
+                              </p:par>
+                            </p:childTnLst>
+                          </p:cTn>
+                        </p:par>
+                      </p:childTnLst>
+                    </p:cTn>
+                  </p:par>
+                </p:childTnLst>
+              </p:cTn>
+              <p:prevCondLst>
+                <p:cond evt="onPrev" delay="0">
+                  <p:tgtEl>
+                    <p:sldTgt/>
+                  </p:tgtEl>
+                </p:cond>
+              </p:prevCondLst>
+              <p:nextCondLst>
+                <p:cond evt="onNext" delay="0">
+                  <p:tgtEl>
+                    <p:sldTgt/>
+                  </p:tgtEl>
+                </p:cond>
+              </p:nextCondLst>
+            </p:seq>
+          </p:childTnLst>
+        </p:cTn>
       </p:par>
     </p:tnLst>
   </p:timing>
@@ -6712,9 +10090,9 @@
 </file>
 
 <file path=ppt/theme/theme1.xml><?xml version="1.0" encoding="utf-8"?>
-<a:theme xmlns:a="http://schemas.openxmlformats.org/drawingml/2006/main" name="Executive">
+<a:theme xmlns:a="http://schemas.openxmlformats.org/drawingml/2006/main" name="Office Theme">
   <a:themeElements>
-    <a:clrScheme name="Elemental">
+    <a:clrScheme name="Office">
       <a:dk1>
         <a:sysClr val="windowText" lastClr="000000"/>
       </a:dk1>
@@ -6722,83 +10100,48 @@
         <a:sysClr val="window" lastClr="FFFFFF"/>
       </a:lt1>
       <a:dk2>
-        <a:srgbClr val="242852"/>
+        <a:srgbClr val="1F497D"/>
       </a:dk2>
       <a:lt2>
-        <a:srgbClr val="ACCBF9"/>
+        <a:srgbClr val="EEECE1"/>
       </a:lt2>
       <a:accent1>
-        <a:srgbClr val="629DD1"/>
+        <a:srgbClr val="4F81BD"/>
       </a:accent1>
       <a:accent2>
-        <a:srgbClr val="297FD5"/>
+        <a:srgbClr val="C0504D"/>
       </a:accent2>
       <a:accent3>
-        <a:srgbClr val="7F8FA9"/>
+        <a:srgbClr val="9BBB59"/>
       </a:accent3>
       <a:accent4>
-        <a:srgbClr val="4A66AC"/>
+        <a:srgbClr val="8064A2"/>
       </a:accent4>
       <a:accent5>
-        <a:srgbClr val="5AA2AE"/>
+        <a:srgbClr val="4BACC6"/>
       </a:accent5>
       <a:accent6>
-        <a:srgbClr val="9D90A0"/>
+        <a:srgbClr val="F79646"/>
       </a:accent6>
       <a:hlink>
-        <a:srgbClr val="9454C3"/>
+        <a:srgbClr val="0000FF"/>
       </a:hlink>
       <a:folHlink>
-        <a:srgbClr val="3EBBF0"/>
+        <a:srgbClr val="800080"/>
       </a:folHlink>
     </a:clrScheme>
-    <a:fontScheme name="Executive">
+    <a:fontScheme name="Office">
       <a:majorFont>
-        <a:latin typeface="Century Gothic"/>
+        <a:latin typeface="Calibri"/>
         <a:ea typeface=""/>
         <a:cs typeface=""/>
-        <a:font script="Jpan" typeface="HGｺﾞｼｯｸM"/>
-        <a:font script="Hang" typeface="HY중고딕"/>
-        <a:font script="Hans" typeface="幼圆"/>
-        <a:font script="Hant" typeface="微軟正黑體"/>
-        <a:font script="Arab" typeface="Tahoma"/>
-        <a:font script="Hebr" typeface="Gisha"/>
-        <a:font script="Thai" typeface="DilleniaUPC"/>
-        <a:font script="Ethi" typeface="Nyala"/>
-        <a:font script="Beng" typeface="Vrinda"/>
-        <a:font script="Gujr" typeface="Shruti"/>
-        <a:font script="Khmr" typeface="DaunPenh"/>
-        <a:font script="Knda" typeface="Tunga"/>
-        <a:font script="Guru" typeface="Raavi"/>
-        <a:font script="Cans" typeface="Euphemia"/>
-        <a:font script="Cher" typeface="Plantagenet Cherokee"/>
-        <a:font script="Yiii" typeface="Microsoft Yi Baiti"/>
-        <a:font script="Tibt" typeface="Microsoft Himalaya"/>
-        <a:font script="Thaa" typeface="MV Boli"/>
-        <a:font script="Deva" typeface="Mangal"/>
-        <a:font script="Telu" typeface="Gautami"/>
-        <a:font script="Taml" typeface="Latha"/>
-        <a:font script="Syrc" typeface="Estrangelo Edessa"/>
-        <a:font script="Orya" typeface="Kalinga"/>
-        <a:font script="Mlym" typeface="Kartika"/>
-        <a:font script="Laoo" typeface="DokChampa"/>
-        <a:font script="Sinh" typeface="Iskoola Pota"/>
-        <a:font script="Mong" typeface="Mongolian Baiti"/>
-        <a:font script="Viet" typeface="Tahoma"/>
-        <a:font script="Uigh" typeface="Microsoft Uighur"/>
-        <a:font script="Geor" typeface="Sylfaen"/>
-      </a:majorFont>
-      <a:minorFont>
-        <a:latin typeface="Palatino Linotype"/>
-        <a:ea typeface=""/>
-        <a:cs typeface=""/>
-        <a:font script="Jpan" typeface="HGS明朝E"/>
+        <a:font script="Jpan" typeface="ＭＳ Ｐゴシック"/>
         <a:font script="Hang" typeface="맑은 고딕"/>
         <a:font script="Hans" typeface="宋体"/>
         <a:font script="Hant" typeface="新細明體"/>
         <a:font script="Arab" typeface="Times New Roman"/>
         <a:font script="Hebr" typeface="Times New Roman"/>
-        <a:font script="Thai" typeface="Browallia New"/>
+        <a:font script="Thai" typeface="Angsana New"/>
         <a:font script="Ethi" typeface="Nyala"/>
         <a:font script="Beng" typeface="Vrinda"/>
         <a:font script="Gujr" typeface="Shruti"/>
@@ -6822,9 +10165,44 @@
         <a:font script="Viet" typeface="Times New Roman"/>
         <a:font script="Uigh" typeface="Microsoft Uighur"/>
         <a:font script="Geor" typeface="Sylfaen"/>
+      </a:majorFont>
+      <a:minorFont>
+        <a:latin typeface="Calibri"/>
+        <a:ea typeface=""/>
+        <a:cs typeface=""/>
+        <a:font script="Jpan" typeface="ＭＳ Ｐゴシック"/>
+        <a:font script="Hang" typeface="맑은 고딕"/>
+        <a:font script="Hans" typeface="宋体"/>
+        <a:font script="Hant" typeface="新細明體"/>
+        <a:font script="Arab" typeface="Arial"/>
+        <a:font script="Hebr" typeface="Arial"/>
+        <a:font script="Thai" typeface="Cordia New"/>
+        <a:font script="Ethi" typeface="Nyala"/>
+        <a:font script="Beng" typeface="Vrinda"/>
+        <a:font script="Gujr" typeface="Shruti"/>
+        <a:font script="Khmr" typeface="DaunPenh"/>
+        <a:font script="Knda" typeface="Tunga"/>
+        <a:font script="Guru" typeface="Raavi"/>
+        <a:font script="Cans" typeface="Euphemia"/>
+        <a:font script="Cher" typeface="Plantagenet Cherokee"/>
+        <a:font script="Yiii" typeface="Microsoft Yi Baiti"/>
+        <a:font script="Tibt" typeface="Microsoft Himalaya"/>
+        <a:font script="Thaa" typeface="MV Boli"/>
+        <a:font script="Deva" typeface="Mangal"/>
+        <a:font script="Telu" typeface="Gautami"/>
+        <a:font script="Taml" typeface="Latha"/>
+        <a:font script="Syrc" typeface="Estrangelo Edessa"/>
+        <a:font script="Orya" typeface="Kalinga"/>
+        <a:font script="Mlym" typeface="Kartika"/>
+        <a:font script="Laoo" typeface="DokChampa"/>
+        <a:font script="Sinh" typeface="Iskoola Pota"/>
+        <a:font script="Mong" typeface="Mongolian Baiti"/>
+        <a:font script="Viet" typeface="Arial"/>
+        <a:font script="Uigh" typeface="Microsoft Uighur"/>
+        <a:font script="Geor" typeface="Sylfaen"/>
       </a:minorFont>
     </a:fontScheme>
-    <a:fmtScheme name="Executive">
+    <a:fmtScheme name="Office">
       <a:fillStyleLst>
         <a:solidFill>
           <a:schemeClr val="phClr"/>
@@ -6886,13 +10264,13 @@
           </a:solidFill>
           <a:prstDash val="solid"/>
         </a:ln>
-        <a:ln w="28575" cap="flat" cmpd="sng" algn="ctr">
+        <a:ln w="25400" cap="flat" cmpd="sng" algn="ctr">
           <a:solidFill>
             <a:schemeClr val="phClr"/>
           </a:solidFill>
           <a:prstDash val="solid"/>
         </a:ln>
-        <a:ln w="50800" cap="flat" cmpd="sng" algn="ctr">
+        <a:ln w="38100" cap="flat" cmpd="sng" algn="ctr">
           <a:solidFill>
             <a:schemeClr val="phClr"/>
           </a:solidFill>
@@ -6945,24 +10323,42 @@
         </a:solidFill>
         <a:gradFill rotWithShape="1">
           <a:gsLst>
-            <a:gs pos="50000">
+            <a:gs pos="0">
+              <a:schemeClr val="phClr">
+                <a:tint val="40000"/>
+                <a:satMod val="350000"/>
+              </a:schemeClr>
+            </a:gs>
+            <a:gs pos="40000">
+              <a:schemeClr val="phClr">
+                <a:tint val="45000"/>
+                <a:shade val="99000"/>
+                <a:satMod val="350000"/>
+              </a:schemeClr>
+            </a:gs>
+            <a:gs pos="100000">
+              <a:schemeClr val="phClr">
+                <a:shade val="20000"/>
+                <a:satMod val="255000"/>
+              </a:schemeClr>
+            </a:gs>
+          </a:gsLst>
+          <a:path path="circle">
+            <a:fillToRect l="50000" t="-80000" r="50000" b="180000"/>
+          </a:path>
+        </a:gradFill>
+        <a:gradFill rotWithShape="1">
+          <a:gsLst>
+            <a:gs pos="0">
               <a:schemeClr val="phClr">
                 <a:tint val="80000"/>
-                <a:satMod val="250000"/>
+                <a:satMod val="300000"/>
               </a:schemeClr>
             </a:gs>
-            <a:gs pos="76000">
+            <a:gs pos="100000">
               <a:schemeClr val="phClr">
-                <a:tint val="90000"/>
-                <a:shade val="90000"/>
+                <a:shade val="30000"/>
                 <a:satMod val="200000"/>
-              </a:schemeClr>
-            </a:gs>
-            <a:gs pos="92000">
-              <a:schemeClr val="phClr">
-                <a:tint val="90000"/>
-                <a:shade val="70000"/>
-                <a:satMod val="250000"/>
               </a:schemeClr>
             </a:gs>
           </a:gsLst>
@@ -6970,19 +10366,291 @@
             <a:fillToRect l="50000" t="50000" r="50000" b="50000"/>
           </a:path>
         </a:gradFill>
-        <a:blipFill>
-          <a:blip xmlns:r="http://schemas.openxmlformats.org/officeDocument/2006/relationships" r:embed="rId1">
-            <a:duotone>
+      </a:bgFillStyleLst>
+    </a:fmtScheme>
+  </a:themeElements>
+  <a:objectDefaults/>
+  <a:extraClrSchemeLst/>
+</a:theme>
+</file>
+
+<file path=ppt/theme/theme2.xml><?xml version="1.0" encoding="utf-8"?>
+<a:theme xmlns:a="http://schemas.openxmlformats.org/drawingml/2006/main" name="Office Theme">
+  <a:themeElements>
+    <a:clrScheme name="Office">
+      <a:dk1>
+        <a:sysClr val="windowText" lastClr="000000"/>
+      </a:dk1>
+      <a:lt1>
+        <a:sysClr val="window" lastClr="FFFFFF"/>
+      </a:lt1>
+      <a:dk2>
+        <a:srgbClr val="1F497D"/>
+      </a:dk2>
+      <a:lt2>
+        <a:srgbClr val="EEECE1"/>
+      </a:lt2>
+      <a:accent1>
+        <a:srgbClr val="4F81BD"/>
+      </a:accent1>
+      <a:accent2>
+        <a:srgbClr val="C0504D"/>
+      </a:accent2>
+      <a:accent3>
+        <a:srgbClr val="9BBB59"/>
+      </a:accent3>
+      <a:accent4>
+        <a:srgbClr val="8064A2"/>
+      </a:accent4>
+      <a:accent5>
+        <a:srgbClr val="4BACC6"/>
+      </a:accent5>
+      <a:accent6>
+        <a:srgbClr val="F79646"/>
+      </a:accent6>
+      <a:hlink>
+        <a:srgbClr val="0000FF"/>
+      </a:hlink>
+      <a:folHlink>
+        <a:srgbClr val="800080"/>
+      </a:folHlink>
+    </a:clrScheme>
+    <a:fontScheme name="Office">
+      <a:majorFont>
+        <a:latin typeface="Calibri"/>
+        <a:ea typeface=""/>
+        <a:cs typeface=""/>
+        <a:font script="Jpan" typeface="ＭＳ Ｐゴシック"/>
+        <a:font script="Hang" typeface="맑은 고딕"/>
+        <a:font script="Hans" typeface="宋体"/>
+        <a:font script="Hant" typeface="新細明體"/>
+        <a:font script="Arab" typeface="Times New Roman"/>
+        <a:font script="Hebr" typeface="Times New Roman"/>
+        <a:font script="Thai" typeface="Angsana New"/>
+        <a:font script="Ethi" typeface="Nyala"/>
+        <a:font script="Beng" typeface="Vrinda"/>
+        <a:font script="Gujr" typeface="Shruti"/>
+        <a:font script="Khmr" typeface="MoolBoran"/>
+        <a:font script="Knda" typeface="Tunga"/>
+        <a:font script="Guru" typeface="Raavi"/>
+        <a:font script="Cans" typeface="Euphemia"/>
+        <a:font script="Cher" typeface="Plantagenet Cherokee"/>
+        <a:font script="Yiii" typeface="Microsoft Yi Baiti"/>
+        <a:font script="Tibt" typeface="Microsoft Himalaya"/>
+        <a:font script="Thaa" typeface="MV Boli"/>
+        <a:font script="Deva" typeface="Mangal"/>
+        <a:font script="Telu" typeface="Gautami"/>
+        <a:font script="Taml" typeface="Latha"/>
+        <a:font script="Syrc" typeface="Estrangelo Edessa"/>
+        <a:font script="Orya" typeface="Kalinga"/>
+        <a:font script="Mlym" typeface="Kartika"/>
+        <a:font script="Laoo" typeface="DokChampa"/>
+        <a:font script="Sinh" typeface="Iskoola Pota"/>
+        <a:font script="Mong" typeface="Mongolian Baiti"/>
+        <a:font script="Viet" typeface="Times New Roman"/>
+        <a:font script="Uigh" typeface="Microsoft Uighur"/>
+        <a:font script="Geor" typeface="Sylfaen"/>
+      </a:majorFont>
+      <a:minorFont>
+        <a:latin typeface="Calibri"/>
+        <a:ea typeface=""/>
+        <a:cs typeface=""/>
+        <a:font script="Jpan" typeface="ＭＳ Ｐゴシック"/>
+        <a:font script="Hang" typeface="맑은 고딕"/>
+        <a:font script="Hans" typeface="宋体"/>
+        <a:font script="Hant" typeface="新細明體"/>
+        <a:font script="Arab" typeface="Arial"/>
+        <a:font script="Hebr" typeface="Arial"/>
+        <a:font script="Thai" typeface="Cordia New"/>
+        <a:font script="Ethi" typeface="Nyala"/>
+        <a:font script="Beng" typeface="Vrinda"/>
+        <a:font script="Gujr" typeface="Shruti"/>
+        <a:font script="Khmr" typeface="DaunPenh"/>
+        <a:font script="Knda" typeface="Tunga"/>
+        <a:font script="Guru" typeface="Raavi"/>
+        <a:font script="Cans" typeface="Euphemia"/>
+        <a:font script="Cher" typeface="Plantagenet Cherokee"/>
+        <a:font script="Yiii" typeface="Microsoft Yi Baiti"/>
+        <a:font script="Tibt" typeface="Microsoft Himalaya"/>
+        <a:font script="Thaa" typeface="MV Boli"/>
+        <a:font script="Deva" typeface="Mangal"/>
+        <a:font script="Telu" typeface="Gautami"/>
+        <a:font script="Taml" typeface="Latha"/>
+        <a:font script="Syrc" typeface="Estrangelo Edessa"/>
+        <a:font script="Orya" typeface="Kalinga"/>
+        <a:font script="Mlym" typeface="Kartika"/>
+        <a:font script="Laoo" typeface="DokChampa"/>
+        <a:font script="Sinh" typeface="Iskoola Pota"/>
+        <a:font script="Mong" typeface="Mongolian Baiti"/>
+        <a:font script="Viet" typeface="Arial"/>
+        <a:font script="Uigh" typeface="Microsoft Uighur"/>
+        <a:font script="Geor" typeface="Sylfaen"/>
+      </a:minorFont>
+    </a:fontScheme>
+    <a:fmtScheme name="Office">
+      <a:fillStyleLst>
+        <a:solidFill>
+          <a:schemeClr val="phClr"/>
+        </a:solidFill>
+        <a:gradFill rotWithShape="1">
+          <a:gsLst>
+            <a:gs pos="0">
               <a:schemeClr val="phClr">
-                <a:tint val="95000"/>
+                <a:tint val="50000"/>
+                <a:satMod val="300000"/>
               </a:schemeClr>
+            </a:gs>
+            <a:gs pos="35000">
               <a:schemeClr val="phClr">
-                <a:shade val="90000"/>
+                <a:tint val="37000"/>
+                <a:satMod val="300000"/>
               </a:schemeClr>
-            </a:duotone>
-          </a:blip>
-          <a:tile tx="0" ty="0" sx="100000" sy="100000" flip="none" algn="tl"/>
-        </a:blipFill>
+            </a:gs>
+            <a:gs pos="100000">
+              <a:schemeClr val="phClr">
+                <a:tint val="15000"/>
+                <a:satMod val="350000"/>
+              </a:schemeClr>
+            </a:gs>
+          </a:gsLst>
+          <a:lin ang="16200000" scaled="1"/>
+        </a:gradFill>
+        <a:gradFill rotWithShape="1">
+          <a:gsLst>
+            <a:gs pos="0">
+              <a:schemeClr val="phClr">
+                <a:shade val="51000"/>
+                <a:satMod val="130000"/>
+              </a:schemeClr>
+            </a:gs>
+            <a:gs pos="80000">
+              <a:schemeClr val="phClr">
+                <a:shade val="93000"/>
+                <a:satMod val="130000"/>
+              </a:schemeClr>
+            </a:gs>
+            <a:gs pos="100000">
+              <a:schemeClr val="phClr">
+                <a:shade val="94000"/>
+                <a:satMod val="135000"/>
+              </a:schemeClr>
+            </a:gs>
+          </a:gsLst>
+          <a:lin ang="16200000" scaled="0"/>
+        </a:gradFill>
+      </a:fillStyleLst>
+      <a:lnStyleLst>
+        <a:ln w="9525" cap="flat" cmpd="sng" algn="ctr">
+          <a:solidFill>
+            <a:schemeClr val="phClr">
+              <a:shade val="95000"/>
+              <a:satMod val="105000"/>
+            </a:schemeClr>
+          </a:solidFill>
+          <a:prstDash val="solid"/>
+        </a:ln>
+        <a:ln w="25400" cap="flat" cmpd="sng" algn="ctr">
+          <a:solidFill>
+            <a:schemeClr val="phClr"/>
+          </a:solidFill>
+          <a:prstDash val="solid"/>
+        </a:ln>
+        <a:ln w="38100" cap="flat" cmpd="sng" algn="ctr">
+          <a:solidFill>
+            <a:schemeClr val="phClr"/>
+          </a:solidFill>
+          <a:prstDash val="solid"/>
+        </a:ln>
+      </a:lnStyleLst>
+      <a:effectStyleLst>
+        <a:effectStyle>
+          <a:effectLst>
+            <a:outerShdw blurRad="40000" dist="20000" dir="5400000" rotWithShape="0">
+              <a:srgbClr val="000000">
+                <a:alpha val="38000"/>
+              </a:srgbClr>
+            </a:outerShdw>
+          </a:effectLst>
+        </a:effectStyle>
+        <a:effectStyle>
+          <a:effectLst>
+            <a:outerShdw blurRad="40000" dist="23000" dir="5400000" rotWithShape="0">
+              <a:srgbClr val="000000">
+                <a:alpha val="35000"/>
+              </a:srgbClr>
+            </a:outerShdw>
+          </a:effectLst>
+        </a:effectStyle>
+        <a:effectStyle>
+          <a:effectLst>
+            <a:outerShdw blurRad="40000" dist="23000" dir="5400000" rotWithShape="0">
+              <a:srgbClr val="000000">
+                <a:alpha val="35000"/>
+              </a:srgbClr>
+            </a:outerShdw>
+          </a:effectLst>
+          <a:scene3d>
+            <a:camera prst="orthographicFront">
+              <a:rot lat="0" lon="0" rev="0"/>
+            </a:camera>
+            <a:lightRig rig="threePt" dir="t">
+              <a:rot lat="0" lon="0" rev="1200000"/>
+            </a:lightRig>
+          </a:scene3d>
+          <a:sp3d>
+            <a:bevelT w="63500" h="25400"/>
+          </a:sp3d>
+        </a:effectStyle>
+      </a:effectStyleLst>
+      <a:bgFillStyleLst>
+        <a:solidFill>
+          <a:schemeClr val="phClr"/>
+        </a:solidFill>
+        <a:gradFill rotWithShape="1">
+          <a:gsLst>
+            <a:gs pos="0">
+              <a:schemeClr val="phClr">
+                <a:tint val="40000"/>
+                <a:satMod val="350000"/>
+              </a:schemeClr>
+            </a:gs>
+            <a:gs pos="40000">
+              <a:schemeClr val="phClr">
+                <a:tint val="45000"/>
+                <a:shade val="99000"/>
+                <a:satMod val="350000"/>
+              </a:schemeClr>
+            </a:gs>
+            <a:gs pos="100000">
+              <a:schemeClr val="phClr">
+                <a:shade val="20000"/>
+                <a:satMod val="255000"/>
+              </a:schemeClr>
+            </a:gs>
+          </a:gsLst>
+          <a:path path="circle">
+            <a:fillToRect l="50000" t="-80000" r="50000" b="180000"/>
+          </a:path>
+        </a:gradFill>
+        <a:gradFill rotWithShape="1">
+          <a:gsLst>
+            <a:gs pos="0">
+              <a:schemeClr val="phClr">
+                <a:tint val="80000"/>
+                <a:satMod val="300000"/>
+              </a:schemeClr>
+            </a:gs>
+            <a:gs pos="100000">
+              <a:schemeClr val="phClr">
+                <a:shade val="30000"/>
+                <a:satMod val="200000"/>
+              </a:schemeClr>
+            </a:gs>
+          </a:gsLst>
+          <a:path path="circle">
+            <a:fillToRect l="50000" t="50000" r="50000" b="50000"/>
+          </a:path>
+        </a:gradFill>
       </a:bgFillStyleLst>
     </a:fmtScheme>
   </a:themeElements>

--- a/DW/Telecommunications and Utilities.pptx
+++ b/DW/Telecommunications and Utilities.pptx
@@ -2,52 +2,54 @@
 <file path=ppt/presentation.xml><?xml version="1.0" encoding="utf-8"?>
 <p:presentation xmlns:a="http://schemas.openxmlformats.org/drawingml/2006/main" xmlns:r="http://schemas.openxmlformats.org/officeDocument/2006/relationships" xmlns:p="http://schemas.openxmlformats.org/presentationml/2006/main" saveSubsetFonts="1">
   <p:sldMasterIdLst>
-    <p:sldMasterId id="2147484548" r:id="rId1"/>
+    <p:sldMasterId id="2147484620" r:id="rId1"/>
   </p:sldMasterIdLst>
   <p:notesMasterIdLst>
-    <p:notesMasterId r:id="rId42"/>
+    <p:notesMasterId r:id="rId44"/>
   </p:notesMasterIdLst>
   <p:sldIdLst>
     <p:sldId id="256" r:id="rId2"/>
-    <p:sldId id="293" r:id="rId3"/>
-    <p:sldId id="257" r:id="rId4"/>
-    <p:sldId id="294" r:id="rId5"/>
-    <p:sldId id="261" r:id="rId6"/>
-    <p:sldId id="295" r:id="rId7"/>
-    <p:sldId id="264" r:id="rId8"/>
-    <p:sldId id="265" r:id="rId9"/>
-    <p:sldId id="266" r:id="rId10"/>
-    <p:sldId id="267" r:id="rId11"/>
-    <p:sldId id="268" r:id="rId12"/>
-    <p:sldId id="269" r:id="rId13"/>
-    <p:sldId id="270" r:id="rId14"/>
-    <p:sldId id="271" r:id="rId15"/>
-    <p:sldId id="272" r:id="rId16"/>
-    <p:sldId id="273" r:id="rId17"/>
-    <p:sldId id="296" r:id="rId18"/>
-    <p:sldId id="297" r:id="rId19"/>
-    <p:sldId id="298" r:id="rId20"/>
-    <p:sldId id="299" r:id="rId21"/>
-    <p:sldId id="259" r:id="rId22"/>
-    <p:sldId id="281" r:id="rId23"/>
-    <p:sldId id="282" r:id="rId24"/>
-    <p:sldId id="283" r:id="rId25"/>
-    <p:sldId id="284" r:id="rId26"/>
-    <p:sldId id="285" r:id="rId27"/>
-    <p:sldId id="286" r:id="rId28"/>
-    <p:sldId id="287" r:id="rId29"/>
-    <p:sldId id="288" r:id="rId30"/>
-    <p:sldId id="290" r:id="rId31"/>
-    <p:sldId id="291" r:id="rId32"/>
-    <p:sldId id="292" r:id="rId33"/>
-    <p:sldId id="300" r:id="rId34"/>
-    <p:sldId id="301" r:id="rId35"/>
-    <p:sldId id="302" r:id="rId36"/>
-    <p:sldId id="303" r:id="rId37"/>
-    <p:sldId id="304" r:id="rId38"/>
-    <p:sldId id="305" r:id="rId39"/>
-    <p:sldId id="306" r:id="rId40"/>
-    <p:sldId id="289" r:id="rId41"/>
+    <p:sldId id="307" r:id="rId3"/>
+    <p:sldId id="293" r:id="rId4"/>
+    <p:sldId id="257" r:id="rId5"/>
+    <p:sldId id="308" r:id="rId6"/>
+    <p:sldId id="294" r:id="rId7"/>
+    <p:sldId id="261" r:id="rId8"/>
+    <p:sldId id="295" r:id="rId9"/>
+    <p:sldId id="264" r:id="rId10"/>
+    <p:sldId id="265" r:id="rId11"/>
+    <p:sldId id="266" r:id="rId12"/>
+    <p:sldId id="267" r:id="rId13"/>
+    <p:sldId id="268" r:id="rId14"/>
+    <p:sldId id="269" r:id="rId15"/>
+    <p:sldId id="270" r:id="rId16"/>
+    <p:sldId id="271" r:id="rId17"/>
+    <p:sldId id="272" r:id="rId18"/>
+    <p:sldId id="273" r:id="rId19"/>
+    <p:sldId id="296" r:id="rId20"/>
+    <p:sldId id="297" r:id="rId21"/>
+    <p:sldId id="298" r:id="rId22"/>
+    <p:sldId id="299" r:id="rId23"/>
+    <p:sldId id="259" r:id="rId24"/>
+    <p:sldId id="281" r:id="rId25"/>
+    <p:sldId id="282" r:id="rId26"/>
+    <p:sldId id="283" r:id="rId27"/>
+    <p:sldId id="284" r:id="rId28"/>
+    <p:sldId id="285" r:id="rId29"/>
+    <p:sldId id="286" r:id="rId30"/>
+    <p:sldId id="287" r:id="rId31"/>
+    <p:sldId id="288" r:id="rId32"/>
+    <p:sldId id="290" r:id="rId33"/>
+    <p:sldId id="291" r:id="rId34"/>
+    <p:sldId id="292" r:id="rId35"/>
+    <p:sldId id="300" r:id="rId36"/>
+    <p:sldId id="301" r:id="rId37"/>
+    <p:sldId id="302" r:id="rId38"/>
+    <p:sldId id="303" r:id="rId39"/>
+    <p:sldId id="304" r:id="rId40"/>
+    <p:sldId id="305" r:id="rId41"/>
+    <p:sldId id="306" r:id="rId42"/>
+    <p:sldId id="289" r:id="rId43"/>
   </p:sldIdLst>
   <p:sldSz cx="9144000" cy="6858000" type="screen4x3"/>
   <p:notesSz cx="6858000" cy="9144000"/>
@@ -152,8 +154,10 @@
         <p14:section name="Default Section" id="{FCEB255D-8313-4232-96B0-0A34EB3F6CAF}">
           <p14:sldIdLst>
             <p14:sldId id="256"/>
+            <p14:sldId id="307"/>
             <p14:sldId id="293"/>
             <p14:sldId id="257"/>
+            <p14:sldId id="308"/>
             <p14:sldId id="294"/>
             <p14:sldId id="261"/>
             <p14:sldId id="295"/>
@@ -630,7 +634,7 @@
           <a:p>
             <a:fld id="{DF9DE737-B4DC-4460-BBCA-76C7F2308527}" type="slidenum">
               <a:rPr lang="en-US" smtClean="0"/>
-              <a:t>2</a:t>
+              <a:t>3</a:t>
             </a:fld>
             <a:endParaRPr lang="en-US"/>
           </a:p>
@@ -717,7 +721,7 @@
             <a:fld id="{EE46199D-95DD-4183-B108-ED69B197BA71}" type="slidenum">
               <a:rPr lang="th-TH" smtClean="0"/>
               <a:pPr/>
-              <a:t>37</a:t>
+              <a:t>39</a:t>
             </a:fld>
             <a:endParaRPr lang="th-TH"/>
           </a:p>
@@ -799,7 +803,7 @@
             <a:fld id="{EE46199D-95DD-4183-B108-ED69B197BA71}" type="slidenum">
               <a:rPr lang="th-TH" smtClean="0"/>
               <a:pPr/>
-              <a:t>38</a:t>
+              <a:t>40</a:t>
             </a:fld>
             <a:endParaRPr lang="th-TH"/>
           </a:p>
@@ -881,7 +885,7 @@
             <a:fld id="{EE46199D-95DD-4183-B108-ED69B197BA71}" type="slidenum">
               <a:rPr lang="th-TH" smtClean="0"/>
               <a:pPr/>
-              <a:t>39</a:t>
+              <a:t>41</a:t>
             </a:fld>
             <a:endParaRPr lang="th-TH"/>
           </a:p>
@@ -960,7 +964,7 @@
           <a:p>
             <a:fld id="{DF9DE737-B4DC-4460-BBCA-76C7F2308527}" type="slidenum">
               <a:rPr lang="en-US" smtClean="0"/>
-              <a:t>40</a:t>
+              <a:t>42</a:t>
             </a:fld>
             <a:endParaRPr lang="en-US"/>
           </a:p>
@@ -1087,7 +1091,7 @@
           <a:p>
             <a:fld id="{DF9DE737-B4DC-4460-BBCA-76C7F2308527}" type="slidenum">
               <a:rPr lang="en-US" smtClean="0"/>
-              <a:t>6</a:t>
+              <a:t>8</a:t>
             </a:fld>
             <a:endParaRPr lang="en-US"/>
           </a:p>
@@ -1171,7 +1175,7 @@
           <a:p>
             <a:fld id="{DF9DE737-B4DC-4460-BBCA-76C7F2308527}" type="slidenum">
               <a:rPr lang="en-US" smtClean="0"/>
-              <a:t>7</a:t>
+              <a:t>9</a:t>
             </a:fld>
             <a:endParaRPr lang="en-US"/>
           </a:p>
@@ -1255,7 +1259,7 @@
           <a:p>
             <a:fld id="{DF9DE737-B4DC-4460-BBCA-76C7F2308527}" type="slidenum">
               <a:rPr lang="en-US" smtClean="0"/>
-              <a:t>11</a:t>
+              <a:t>13</a:t>
             </a:fld>
             <a:endParaRPr lang="en-US"/>
           </a:p>
@@ -1391,7 +1395,7 @@
           <a:p>
             <a:fld id="{DF9DE737-B4DC-4460-BBCA-76C7F2308527}" type="slidenum">
               <a:rPr lang="en-US" smtClean="0"/>
-              <a:t>21</a:t>
+              <a:t>23</a:t>
             </a:fld>
             <a:endParaRPr lang="en-US"/>
           </a:p>
@@ -1478,7 +1482,7 @@
             <a:fld id="{EE46199D-95DD-4183-B108-ED69B197BA71}" type="slidenum">
               <a:rPr lang="th-TH" smtClean="0"/>
               <a:pPr/>
-              <a:t>33</a:t>
+              <a:t>35</a:t>
             </a:fld>
             <a:endParaRPr lang="th-TH"/>
           </a:p>
@@ -1560,7 +1564,7 @@
             <a:fld id="{EE46199D-95DD-4183-B108-ED69B197BA71}" type="slidenum">
               <a:rPr lang="th-TH" smtClean="0"/>
               <a:pPr/>
-              <a:t>34</a:t>
+              <a:t>36</a:t>
             </a:fld>
             <a:endParaRPr lang="th-TH"/>
           </a:p>
@@ -1642,7 +1646,7 @@
             <a:fld id="{EE46199D-95DD-4183-B108-ED69B197BA71}" type="slidenum">
               <a:rPr lang="th-TH" smtClean="0"/>
               <a:pPr/>
-              <a:t>35</a:t>
+              <a:t>37</a:t>
             </a:fld>
             <a:endParaRPr lang="th-TH"/>
           </a:p>
@@ -1724,7 +1728,7 @@
             <a:fld id="{EE46199D-95DD-4183-B108-ED69B197BA71}" type="slidenum">
               <a:rPr lang="th-TH" smtClean="0"/>
               <a:pPr/>
-              <a:t>36</a:t>
+              <a:t>38</a:t>
             </a:fld>
             <a:endParaRPr lang="th-TH"/>
           </a:p>
@@ -1970,7 +1974,7 @@
     </p:spTree>
     <p:extLst>
       <p:ext uri="{BB962C8B-B14F-4D97-AF65-F5344CB8AC3E}">
-        <p14:creationId xmlns:p14="http://schemas.microsoft.com/office/powerpoint/2010/main" val="1382608729"/>
+        <p14:creationId xmlns:p14="http://schemas.microsoft.com/office/powerpoint/2010/main" val="2137119680"/>
       </p:ext>
     </p:extLst>
   </p:cSld>
@@ -2140,7 +2144,7 @@
     </p:spTree>
     <p:extLst>
       <p:ext uri="{BB962C8B-B14F-4D97-AF65-F5344CB8AC3E}">
-        <p14:creationId xmlns:p14="http://schemas.microsoft.com/office/powerpoint/2010/main" val="3830292774"/>
+        <p14:creationId xmlns:p14="http://schemas.microsoft.com/office/powerpoint/2010/main" val="2315017827"/>
       </p:ext>
     </p:extLst>
   </p:cSld>
@@ -2320,7 +2324,7 @@
     </p:spTree>
     <p:extLst>
       <p:ext uri="{BB962C8B-B14F-4D97-AF65-F5344CB8AC3E}">
-        <p14:creationId xmlns:p14="http://schemas.microsoft.com/office/powerpoint/2010/main" val="2500189931"/>
+        <p14:creationId xmlns:p14="http://schemas.microsoft.com/office/powerpoint/2010/main" val="1903960432"/>
       </p:ext>
     </p:extLst>
   </p:cSld>
@@ -2490,7 +2494,7 @@
     </p:spTree>
     <p:extLst>
       <p:ext uri="{BB962C8B-B14F-4D97-AF65-F5344CB8AC3E}">
-        <p14:creationId xmlns:p14="http://schemas.microsoft.com/office/powerpoint/2010/main" val="130795745"/>
+        <p14:creationId xmlns:p14="http://schemas.microsoft.com/office/powerpoint/2010/main" val="67782033"/>
       </p:ext>
     </p:extLst>
   </p:cSld>
@@ -2736,7 +2740,7 @@
     </p:spTree>
     <p:extLst>
       <p:ext uri="{BB962C8B-B14F-4D97-AF65-F5344CB8AC3E}">
-        <p14:creationId xmlns:p14="http://schemas.microsoft.com/office/powerpoint/2010/main" val="1346626907"/>
+        <p14:creationId xmlns:p14="http://schemas.microsoft.com/office/powerpoint/2010/main" val="212459217"/>
       </p:ext>
     </p:extLst>
   </p:cSld>
@@ -3024,7 +3028,7 @@
     </p:spTree>
     <p:extLst>
       <p:ext uri="{BB962C8B-B14F-4D97-AF65-F5344CB8AC3E}">
-        <p14:creationId xmlns:p14="http://schemas.microsoft.com/office/powerpoint/2010/main" val="1698064796"/>
+        <p14:creationId xmlns:p14="http://schemas.microsoft.com/office/powerpoint/2010/main" val="3264984026"/>
       </p:ext>
     </p:extLst>
   </p:cSld>
@@ -3446,7 +3450,7 @@
     </p:spTree>
     <p:extLst>
       <p:ext uri="{BB962C8B-B14F-4D97-AF65-F5344CB8AC3E}">
-        <p14:creationId xmlns:p14="http://schemas.microsoft.com/office/powerpoint/2010/main" val="760699154"/>
+        <p14:creationId xmlns:p14="http://schemas.microsoft.com/office/powerpoint/2010/main" val="3654084995"/>
       </p:ext>
     </p:extLst>
   </p:cSld>
@@ -3564,7 +3568,7 @@
     </p:spTree>
     <p:extLst>
       <p:ext uri="{BB962C8B-B14F-4D97-AF65-F5344CB8AC3E}">
-        <p14:creationId xmlns:p14="http://schemas.microsoft.com/office/powerpoint/2010/main" val="1631870632"/>
+        <p14:creationId xmlns:p14="http://schemas.microsoft.com/office/powerpoint/2010/main" val="3242486442"/>
       </p:ext>
     </p:extLst>
   </p:cSld>
@@ -3659,7 +3663,7 @@
     </p:spTree>
     <p:extLst>
       <p:ext uri="{BB962C8B-B14F-4D97-AF65-F5344CB8AC3E}">
-        <p14:creationId xmlns:p14="http://schemas.microsoft.com/office/powerpoint/2010/main" val="2504124611"/>
+        <p14:creationId xmlns:p14="http://schemas.microsoft.com/office/powerpoint/2010/main" val="3232302457"/>
       </p:ext>
     </p:extLst>
   </p:cSld>
@@ -3936,7 +3940,7 @@
     </p:spTree>
     <p:extLst>
       <p:ext uri="{BB962C8B-B14F-4D97-AF65-F5344CB8AC3E}">
-        <p14:creationId xmlns:p14="http://schemas.microsoft.com/office/powerpoint/2010/main" val="1578990844"/>
+        <p14:creationId xmlns:p14="http://schemas.microsoft.com/office/powerpoint/2010/main" val="1843398795"/>
       </p:ext>
     </p:extLst>
   </p:cSld>
@@ -4189,7 +4193,7 @@
     </p:spTree>
     <p:extLst>
       <p:ext uri="{BB962C8B-B14F-4D97-AF65-F5344CB8AC3E}">
-        <p14:creationId xmlns:p14="http://schemas.microsoft.com/office/powerpoint/2010/main" val="3521802312"/>
+        <p14:creationId xmlns:p14="http://schemas.microsoft.com/office/powerpoint/2010/main" val="1328590157"/>
       </p:ext>
     </p:extLst>
   </p:cSld>
@@ -4460,23 +4464,23 @@
     </p:spTree>
     <p:extLst>
       <p:ext uri="{BB962C8B-B14F-4D97-AF65-F5344CB8AC3E}">
-        <p14:creationId xmlns:p14="http://schemas.microsoft.com/office/powerpoint/2010/main" val="2596601737"/>
+        <p14:creationId xmlns:p14="http://schemas.microsoft.com/office/powerpoint/2010/main" val="1606473527"/>
       </p:ext>
     </p:extLst>
   </p:cSld>
   <p:clrMap bg1="lt1" tx1="dk1" bg2="lt2" tx2="dk2" accent1="accent1" accent2="accent2" accent3="accent3" accent4="accent4" accent5="accent5" accent6="accent6" hlink="hlink" folHlink="folHlink"/>
   <p:sldLayoutIdLst>
-    <p:sldLayoutId id="2147484549" r:id="rId1"/>
-    <p:sldLayoutId id="2147484550" r:id="rId2"/>
-    <p:sldLayoutId id="2147484551" r:id="rId3"/>
-    <p:sldLayoutId id="2147484552" r:id="rId4"/>
-    <p:sldLayoutId id="2147484553" r:id="rId5"/>
-    <p:sldLayoutId id="2147484554" r:id="rId6"/>
-    <p:sldLayoutId id="2147484555" r:id="rId7"/>
-    <p:sldLayoutId id="2147484556" r:id="rId8"/>
-    <p:sldLayoutId id="2147484557" r:id="rId9"/>
-    <p:sldLayoutId id="2147484558" r:id="rId10"/>
-    <p:sldLayoutId id="2147484559" r:id="rId11"/>
+    <p:sldLayoutId id="2147484621" r:id="rId1"/>
+    <p:sldLayoutId id="2147484622" r:id="rId2"/>
+    <p:sldLayoutId id="2147484623" r:id="rId3"/>
+    <p:sldLayoutId id="2147484624" r:id="rId4"/>
+    <p:sldLayoutId id="2147484625" r:id="rId5"/>
+    <p:sldLayoutId id="2147484626" r:id="rId6"/>
+    <p:sldLayoutId id="2147484627" r:id="rId7"/>
+    <p:sldLayoutId id="2147484628" r:id="rId8"/>
+    <p:sldLayoutId id="2147484629" r:id="rId9"/>
+    <p:sldLayoutId id="2147484630" r:id="rId10"/>
+    <p:sldLayoutId id="2147484631" r:id="rId11"/>
   </p:sldLayoutIdLst>
   <p:txStyles>
     <p:titleStyle>
@@ -4848,16 +4852,13 @@
         </p:nvSpPr>
         <p:spPr/>
         <p:txBody>
-          <a:bodyPr>
-            <a:normAutofit/>
-          </a:bodyPr>
-          <a:lstStyle/>
-          <a:p>
-            <a:r>
-              <a:rPr lang="en-US" b="1" i="1" dirty="0" smtClean="0"/>
-              <a:t>Fixed Time-Series Bucket</a:t>
-            </a:r>
-            <a:endParaRPr lang="en-US" b="1" dirty="0"/>
+          <a:bodyPr/>
+          <a:lstStyle/>
+          <a:p>
+            <a:r>
+              <a:rPr lang="en-US" b="1" dirty="0"/>
+              <a:t>Dimension Granularity </a:t>
+            </a:r>
           </a:p>
         </p:txBody>
       </p:sp>
@@ -4876,14 +4877,18 @@
           <a:bodyPr/>
           <a:lstStyle/>
           <a:p>
-            <a:endParaRPr lang="en-US" dirty="0"/>
+            <a:endParaRPr lang="en-US" dirty="0" smtClean="0"/>
+          </a:p>
+          <a:p>
+            <a:pPr lvl="1"/>
+            <a:endParaRPr lang="en-US" dirty="0" smtClean="0"/>
           </a:p>
         </p:txBody>
       </p:sp>
     </p:spTree>
     <p:extLst>
       <p:ext uri="{BB962C8B-B14F-4D97-AF65-F5344CB8AC3E}">
-        <p14:creationId xmlns:p14="http://schemas.microsoft.com/office/powerpoint/2010/main" val="2964920249"/>
+        <p14:creationId xmlns:p14="http://schemas.microsoft.com/office/powerpoint/2010/main" val="2395660201"/>
       </p:ext>
     </p:extLst>
   </p:cSld>
@@ -4934,7 +4939,7 @@
           <a:p>
             <a:r>
               <a:rPr lang="en-US" b="1" dirty="0"/>
-              <a:t>Degenerate Dimension</a:t>
+              <a:t>Date Dimension</a:t>
             </a:r>
           </a:p>
         </p:txBody>
@@ -4955,4681 +4960,18 @@
           <a:lstStyle/>
           <a:p>
             <a:r>
-              <a:rPr lang="en-US" dirty="0" smtClean="0"/>
-              <a:t>Dimension</a:t>
+              <a:rPr lang="th-TH" dirty="0" smtClean="0"/>
+              <a:t>นำข้อมูล</a:t>
+            </a:r>
+            <a:r>
+              <a:rPr lang="th-TH" dirty="0"/>
+              <a:t>เวลาและวันที่แยกลงไปใน </a:t>
             </a:r>
             <a:r>
               <a:rPr lang="th-TH" dirty="0" smtClean="0"/>
               <a:t> </a:t>
             </a:r>
             <a:r>
-              <a:rPr lang="th-TH" dirty="0" smtClean="0"/>
-              <a:t>ที่ไม่มี </a:t>
-            </a:r>
-            <a:r>
-              <a:rPr lang="en-US" dirty="0" smtClean="0"/>
-              <a:t>Dimension table</a:t>
-            </a:r>
-            <a:r>
-              <a:rPr lang="th-TH" dirty="0" smtClean="0"/>
-              <a:t> ของมันเอง</a:t>
-            </a:r>
-          </a:p>
-          <a:p>
-            <a:r>
-              <a:rPr lang="th-TH" dirty="0" smtClean="0"/>
-              <a:t>ดูค่าอื่นๆที่ไม่ได้เกี่ยวข้องโดยตรง แต่อาจจะเพื่อความสะดวกในการอ้างอิง</a:t>
-            </a:r>
-            <a:endParaRPr lang="en-US" dirty="0" smtClean="0"/>
-          </a:p>
-          <a:p>
-            <a:pPr lvl="1"/>
-            <a:r>
-              <a:rPr lang="th-TH" dirty="0" smtClean="0"/>
-              <a:t>การเก็บ</a:t>
-            </a:r>
-            <a:r>
-              <a:rPr lang="en-US" dirty="0" smtClean="0"/>
-              <a:t>Transaction </a:t>
-            </a:r>
-            <a:r>
-              <a:rPr lang="th-TH" dirty="0" smtClean="0"/>
-              <a:t>ข้อมูลการชำระเงิน</a:t>
-            </a:r>
-          </a:p>
-          <a:p>
-            <a:pPr lvl="2"/>
-            <a:r>
-              <a:rPr lang="th-TH" dirty="0" smtClean="0"/>
-              <a:t>หมายเลขการชำระไว้</a:t>
-            </a:r>
-            <a:endParaRPr lang="en-US" dirty="0" smtClean="0"/>
-          </a:p>
-          <a:p>
-            <a:endParaRPr lang="en-US" dirty="0" smtClean="0"/>
-          </a:p>
-          <a:p>
-            <a:endParaRPr lang="en-US" dirty="0"/>
-          </a:p>
-        </p:txBody>
-      </p:sp>
-    </p:spTree>
-    <p:extLst>
-      <p:ext uri="{BB962C8B-B14F-4D97-AF65-F5344CB8AC3E}">
-        <p14:creationId xmlns:p14="http://schemas.microsoft.com/office/powerpoint/2010/main" val="1442219239"/>
-      </p:ext>
-    </p:extLst>
-  </p:cSld>
-  <p:clrMapOvr>
-    <a:masterClrMapping/>
-  </p:clrMapOvr>
-  <p:timing>
-    <p:tnLst>
-      <p:par>
-        <p:cTn id="1" dur="indefinite" restart="never" nodeType="tmRoot"/>
-      </p:par>
-    </p:tnLst>
-  </p:timing>
-</p:sld>
-</file>
-
-<file path=ppt/slides/slide12.xml><?xml version="1.0" encoding="utf-8"?>
-<p:sld xmlns:a="http://schemas.openxmlformats.org/drawingml/2006/main" xmlns:r="http://schemas.openxmlformats.org/officeDocument/2006/relationships" xmlns:p="http://schemas.openxmlformats.org/presentationml/2006/main">
-  <p:cSld>
-    <p:spTree>
-      <p:nvGrpSpPr>
-        <p:cNvPr id="1" name=""/>
-        <p:cNvGrpSpPr/>
-        <p:nvPr/>
-      </p:nvGrpSpPr>
-      <p:grpSpPr>
-        <a:xfrm>
-          <a:off x="0" y="0"/>
-          <a:ext cx="0" cy="0"/>
-          <a:chOff x="0" y="0"/>
-          <a:chExt cx="0" cy="0"/>
-        </a:xfrm>
-      </p:grpSpPr>
-      <p:sp>
-        <p:nvSpPr>
-          <p:cNvPr id="2" name="Title 1"/>
-          <p:cNvSpPr>
-            <a:spLocks noGrp="1"/>
-          </p:cNvSpPr>
-          <p:nvPr>
-            <p:ph type="title"/>
-          </p:nvPr>
-        </p:nvSpPr>
-        <p:spPr/>
-        <p:txBody>
-          <a:bodyPr/>
-          <a:lstStyle/>
-          <a:p>
-            <a:r>
-              <a:rPr lang="en-US" b="1" dirty="0" smtClean="0"/>
-              <a:t>Degenerate Dimension</a:t>
-            </a:r>
-            <a:r>
-              <a:rPr lang="th-TH" b="1" dirty="0" smtClean="0"/>
-              <a:t>(</a:t>
-            </a:r>
-            <a:r>
-              <a:rPr lang="en-US" b="1" dirty="0" smtClean="0"/>
-              <a:t>Cont.</a:t>
-            </a:r>
-            <a:r>
-              <a:rPr lang="th-TH" b="1" dirty="0" smtClean="0"/>
-              <a:t>)</a:t>
-            </a:r>
-            <a:endParaRPr lang="en-US" b="1" dirty="0"/>
-          </a:p>
-        </p:txBody>
-      </p:sp>
-      <p:sp>
-        <p:nvSpPr>
-          <p:cNvPr id="3" name="Content Placeholder 2"/>
-          <p:cNvSpPr>
-            <a:spLocks noGrp="1"/>
-          </p:cNvSpPr>
-          <p:nvPr>
-            <p:ph idx="1"/>
-          </p:nvPr>
-        </p:nvSpPr>
-        <p:spPr/>
-        <p:txBody>
-          <a:bodyPr/>
-          <a:lstStyle/>
-          <a:p>
-            <a:r>
-              <a:rPr lang="en-US" dirty="0" smtClean="0"/>
-              <a:t>Dimension</a:t>
-            </a:r>
-            <a:r>
-              <a:rPr lang="th-TH" dirty="0" smtClean="0"/>
-              <a:t> ที่มี </a:t>
-            </a:r>
-            <a:r>
-              <a:rPr lang="en-US" dirty="0" smtClean="0"/>
-              <a:t>row </a:t>
-            </a:r>
-            <a:r>
-              <a:rPr lang="th-TH" dirty="0" smtClean="0"/>
-              <a:t> ใกล้เคียงกับ </a:t>
-            </a:r>
-            <a:r>
-              <a:rPr lang="en-US" dirty="0" smtClean="0"/>
-              <a:t>row Fact</a:t>
-            </a:r>
-            <a:r>
-              <a:rPr lang="th-TH" dirty="0" smtClean="0"/>
-              <a:t> </a:t>
-            </a:r>
-            <a:r>
-              <a:rPr lang="en-US" dirty="0" smtClean="0"/>
-              <a:t>table</a:t>
-            </a:r>
-            <a:endParaRPr lang="th-TH" dirty="0" smtClean="0"/>
-          </a:p>
-          <a:p>
-            <a:r>
-              <a:rPr lang="th-TH" dirty="0" smtClean="0"/>
-              <a:t>มี </a:t>
-            </a:r>
-            <a:r>
-              <a:rPr lang="en-US" dirty="0" smtClean="0"/>
-              <a:t>Degenerate Dimension</a:t>
-            </a:r>
-            <a:r>
-              <a:rPr lang="th-TH" dirty="0" smtClean="0"/>
-              <a:t> ซ่อนอยู่</a:t>
-            </a:r>
-          </a:p>
-          <a:p>
-            <a:endParaRPr lang="en-US" dirty="0"/>
-          </a:p>
-        </p:txBody>
-      </p:sp>
-    </p:spTree>
-    <p:extLst>
-      <p:ext uri="{BB962C8B-B14F-4D97-AF65-F5344CB8AC3E}">
-        <p14:creationId xmlns:p14="http://schemas.microsoft.com/office/powerpoint/2010/main" val="4147472133"/>
-      </p:ext>
-    </p:extLst>
-  </p:cSld>
-  <p:clrMapOvr>
-    <a:masterClrMapping/>
-  </p:clrMapOvr>
-  <p:timing>
-    <p:tnLst>
-      <p:par>
-        <p:cTn id="1" dur="indefinite" restart="never" nodeType="tmRoot"/>
-      </p:par>
-    </p:tnLst>
-  </p:timing>
-</p:sld>
-</file>
-
-<file path=ppt/slides/slide13.xml><?xml version="1.0" encoding="utf-8"?>
-<p:sld xmlns:a="http://schemas.openxmlformats.org/drawingml/2006/main" xmlns:r="http://schemas.openxmlformats.org/officeDocument/2006/relationships" xmlns:p="http://schemas.openxmlformats.org/presentationml/2006/main">
-  <p:cSld>
-    <p:spTree>
-      <p:nvGrpSpPr>
-        <p:cNvPr id="1" name=""/>
-        <p:cNvGrpSpPr/>
-        <p:nvPr/>
-      </p:nvGrpSpPr>
-      <p:grpSpPr>
-        <a:xfrm>
-          <a:off x="0" y="0"/>
-          <a:ext cx="0" cy="0"/>
-          <a:chOff x="0" y="0"/>
-          <a:chExt cx="0" cy="0"/>
-        </a:xfrm>
-      </p:grpSpPr>
-      <p:sp>
-        <p:nvSpPr>
-          <p:cNvPr id="2" name="Title 1"/>
-          <p:cNvSpPr>
-            <a:spLocks noGrp="1"/>
-          </p:cNvSpPr>
-          <p:nvPr>
-            <p:ph type="title"/>
-          </p:nvPr>
-        </p:nvSpPr>
-        <p:spPr/>
-        <p:txBody>
-          <a:bodyPr>
-            <a:normAutofit fontScale="90000"/>
-          </a:bodyPr>
-          <a:lstStyle/>
-          <a:p>
-            <a:r>
-              <a:rPr lang="en-US" b="1" dirty="0"/>
-              <a:t>Dimension Decodes</a:t>
-            </a:r>
-            <a:r>
-              <a:rPr lang="th-TH" b="1" dirty="0"/>
-              <a:t> </a:t>
-            </a:r>
-            <a:r>
-              <a:rPr lang="en-US" b="1" dirty="0"/>
-              <a:t>and Descriptions</a:t>
-            </a:r>
-          </a:p>
-        </p:txBody>
-      </p:sp>
-      <p:sp>
-        <p:nvSpPr>
-          <p:cNvPr id="3" name="Content Placeholder 2"/>
-          <p:cNvSpPr>
-            <a:spLocks noGrp="1"/>
-          </p:cNvSpPr>
-          <p:nvPr>
-            <p:ph idx="1"/>
-          </p:nvPr>
-        </p:nvSpPr>
-        <p:spPr/>
-        <p:txBody>
-          <a:bodyPr/>
-          <a:lstStyle/>
-          <a:p>
-            <a:r>
-              <a:rPr lang="th-TH" dirty="0" smtClean="0"/>
-              <a:t>การระบุตัวตนและการใช้รหัสใน </a:t>
-            </a:r>
-            <a:r>
-              <a:rPr lang="en-US" dirty="0" smtClean="0"/>
-              <a:t>Dimension Table </a:t>
-            </a:r>
-            <a:r>
-              <a:rPr lang="th-TH" dirty="0" smtClean="0"/>
-              <a:t>ควรจะสอดคล้องกันเพื่อให้ง่ายต่อการถอดรหัส</a:t>
-            </a:r>
-            <a:br>
-              <a:rPr lang="th-TH" dirty="0" smtClean="0"/>
-            </a:br>
-            <a:r>
-              <a:rPr lang="th-TH" dirty="0" smtClean="0"/>
-              <a:t>เพื่อไม่ให้เกิดการเข้าใจผิด</a:t>
-            </a:r>
-          </a:p>
-          <a:p>
-            <a:endParaRPr lang="en-US" dirty="0"/>
-          </a:p>
-        </p:txBody>
-      </p:sp>
-    </p:spTree>
-    <p:extLst>
-      <p:ext uri="{BB962C8B-B14F-4D97-AF65-F5344CB8AC3E}">
-        <p14:creationId xmlns:p14="http://schemas.microsoft.com/office/powerpoint/2010/main" val="4163685735"/>
-      </p:ext>
-    </p:extLst>
-  </p:cSld>
-  <p:clrMapOvr>
-    <a:masterClrMapping/>
-  </p:clrMapOvr>
-  <p:timing>
-    <p:tnLst>
-      <p:par>
-        <p:cTn id="1" dur="indefinite" restart="never" nodeType="tmRoot"/>
-      </p:par>
-    </p:tnLst>
-  </p:timing>
-</p:sld>
-</file>
-
-<file path=ppt/slides/slide14.xml><?xml version="1.0" encoding="utf-8"?>
-<p:sld xmlns:a="http://schemas.openxmlformats.org/drawingml/2006/main" xmlns:r="http://schemas.openxmlformats.org/officeDocument/2006/relationships" xmlns:p="http://schemas.openxmlformats.org/presentationml/2006/main">
-  <p:cSld>
-    <p:spTree>
-      <p:nvGrpSpPr>
-        <p:cNvPr id="1" name=""/>
-        <p:cNvGrpSpPr/>
-        <p:nvPr/>
-      </p:nvGrpSpPr>
-      <p:grpSpPr>
-        <a:xfrm>
-          <a:off x="0" y="0"/>
-          <a:ext cx="0" cy="0"/>
-          <a:chOff x="0" y="0"/>
-          <a:chExt cx="0" cy="0"/>
-        </a:xfrm>
-      </p:grpSpPr>
-      <p:sp>
-        <p:nvSpPr>
-          <p:cNvPr id="2" name="Title 1"/>
-          <p:cNvSpPr>
-            <a:spLocks noGrp="1"/>
-          </p:cNvSpPr>
-          <p:nvPr>
-            <p:ph type="title"/>
-          </p:nvPr>
-        </p:nvSpPr>
-        <p:spPr/>
-        <p:txBody>
-          <a:bodyPr/>
-          <a:lstStyle/>
-          <a:p>
-            <a:r>
-              <a:rPr lang="en-US" b="1" dirty="0"/>
-              <a:t>Surrogate Keys</a:t>
-            </a:r>
-          </a:p>
-        </p:txBody>
-      </p:sp>
-      <p:sp>
-        <p:nvSpPr>
-          <p:cNvPr id="3" name="Content Placeholder 2"/>
-          <p:cNvSpPr>
-            <a:spLocks noGrp="1"/>
-          </p:cNvSpPr>
-          <p:nvPr>
-            <p:ph idx="1"/>
-          </p:nvPr>
-        </p:nvSpPr>
-        <p:spPr/>
-        <p:txBody>
-          <a:bodyPr/>
-          <a:lstStyle/>
-          <a:p>
-            <a:r>
-              <a:rPr lang="th-TH" dirty="0" smtClean="0"/>
-              <a:t>สร้าง </a:t>
-            </a:r>
-            <a:r>
-              <a:rPr lang="en-US" dirty="0" smtClean="0"/>
-              <a:t>Surrogate Keys</a:t>
-            </a:r>
-            <a:r>
-              <a:rPr lang="th-TH" dirty="0" smtClean="0"/>
-              <a:t> </a:t>
-            </a:r>
-            <a:r>
-              <a:rPr lang="th-TH" dirty="0" smtClean="0"/>
-              <a:t>ไว้ใน </a:t>
-            </a:r>
-            <a:r>
-              <a:rPr lang="en-US" dirty="0" smtClean="0"/>
-              <a:t>Dimension </a:t>
-            </a:r>
-          </a:p>
-          <a:p>
-            <a:r>
-              <a:rPr lang="th-TH" dirty="0" smtClean="0"/>
-              <a:t>แทน </a:t>
-            </a:r>
-            <a:r>
-              <a:rPr lang="en-US" dirty="0" smtClean="0"/>
-              <a:t>Business Key</a:t>
-            </a:r>
-          </a:p>
-          <a:p>
-            <a:r>
-              <a:rPr lang="th-TH" dirty="0" smtClean="0"/>
-              <a:t>ช่วยลดความซ้ำซ้อน ของ </a:t>
-            </a:r>
-            <a:r>
-              <a:rPr lang="en-US" dirty="0" smtClean="0"/>
-              <a:t>Database </a:t>
-            </a:r>
-            <a:r>
-              <a:rPr lang="th-TH" dirty="0" smtClean="0"/>
-              <a:t>ได้ดี</a:t>
-            </a:r>
-            <a:endParaRPr lang="en-US" dirty="0"/>
-          </a:p>
-        </p:txBody>
-      </p:sp>
-    </p:spTree>
-    <p:extLst>
-      <p:ext uri="{BB962C8B-B14F-4D97-AF65-F5344CB8AC3E}">
-        <p14:creationId xmlns:p14="http://schemas.microsoft.com/office/powerpoint/2010/main" val="1558296164"/>
-      </p:ext>
-    </p:extLst>
-  </p:cSld>
-  <p:clrMapOvr>
-    <a:masterClrMapping/>
-  </p:clrMapOvr>
-  <p:timing>
-    <p:tnLst>
-      <p:par>
-        <p:cTn id="1" dur="indefinite" restart="never" nodeType="tmRoot"/>
-      </p:par>
-    </p:tnLst>
-  </p:timing>
-</p:sld>
-</file>
-
-<file path=ppt/slides/slide15.xml><?xml version="1.0" encoding="utf-8"?>
-<p:sld xmlns:a="http://schemas.openxmlformats.org/drawingml/2006/main" xmlns:r="http://schemas.openxmlformats.org/officeDocument/2006/relationships" xmlns:p="http://schemas.openxmlformats.org/presentationml/2006/main">
-  <p:cSld>
-    <p:spTree>
-      <p:nvGrpSpPr>
-        <p:cNvPr id="1" name=""/>
-        <p:cNvGrpSpPr/>
-        <p:nvPr/>
-      </p:nvGrpSpPr>
-      <p:grpSpPr>
-        <a:xfrm>
-          <a:off x="0" y="0"/>
-          <a:ext cx="0" cy="0"/>
-          <a:chOff x="0" y="0"/>
-          <a:chExt cx="0" cy="0"/>
-        </a:xfrm>
-      </p:grpSpPr>
-      <p:sp>
-        <p:nvSpPr>
-          <p:cNvPr id="2" name="Title 1"/>
-          <p:cNvSpPr>
-            <a:spLocks noGrp="1"/>
-          </p:cNvSpPr>
-          <p:nvPr>
-            <p:ph type="title"/>
-          </p:nvPr>
-        </p:nvSpPr>
-        <p:spPr/>
-        <p:txBody>
-          <a:bodyPr>
-            <a:noAutofit/>
-          </a:bodyPr>
-          <a:lstStyle/>
-          <a:p>
-            <a:r>
-              <a:rPr lang="en-US" sz="4000" b="1" dirty="0" smtClean="0"/>
-              <a:t>Too Many  (Too Low)Dimension</a:t>
-            </a:r>
-            <a:endParaRPr lang="en-US" sz="4000" b="1" dirty="0"/>
-          </a:p>
-        </p:txBody>
-      </p:sp>
-      <p:sp>
-        <p:nvSpPr>
-          <p:cNvPr id="3" name="Content Placeholder 2"/>
-          <p:cNvSpPr>
-            <a:spLocks noGrp="1"/>
-          </p:cNvSpPr>
-          <p:nvPr>
-            <p:ph idx="1"/>
-          </p:nvPr>
-        </p:nvSpPr>
-        <p:spPr/>
-        <p:txBody>
-          <a:bodyPr/>
-          <a:lstStyle/>
-          <a:p>
-            <a:r>
-              <a:rPr lang="en-US" dirty="0"/>
-              <a:t>5 </a:t>
-            </a:r>
-            <a:r>
-              <a:rPr lang="th-TH" dirty="0"/>
-              <a:t>ถึง </a:t>
-            </a:r>
-            <a:r>
-              <a:rPr lang="en-US" dirty="0"/>
-              <a:t>15 </a:t>
-            </a:r>
-            <a:r>
-              <a:rPr lang="en-US" dirty="0" smtClean="0"/>
-              <a:t>Dimension</a:t>
-            </a:r>
-            <a:endParaRPr lang="th-TH" dirty="0" smtClean="0"/>
-          </a:p>
-          <a:p>
-            <a:r>
-              <a:rPr lang="th-TH" dirty="0" smtClean="0"/>
-              <a:t>น้อยไป </a:t>
-            </a:r>
-            <a:r>
-              <a:rPr lang="th-TH" dirty="0" smtClean="0">
-                <a:solidFill>
-                  <a:srgbClr val="FF0000"/>
-                </a:solidFill>
-              </a:rPr>
-              <a:t>– บท 9</a:t>
-            </a:r>
-          </a:p>
-          <a:p>
-            <a:r>
-              <a:rPr lang="th-TH" dirty="0" smtClean="0"/>
-              <a:t>มากไป </a:t>
-            </a:r>
-          </a:p>
-          <a:p>
-            <a:pPr lvl="1"/>
-            <a:r>
-              <a:rPr lang="th-TH" dirty="0" smtClean="0"/>
-              <a:t>ลดจำนวนลง</a:t>
-            </a:r>
-            <a:endParaRPr lang="th-TH" dirty="0"/>
-          </a:p>
-          <a:p>
-            <a:pPr lvl="1"/>
-            <a:r>
-              <a:rPr lang="th-TH" dirty="0" smtClean="0">
-                <a:solidFill>
-                  <a:srgbClr val="FF0000"/>
-                </a:solidFill>
-              </a:rPr>
-              <a:t>บทที่ </a:t>
-            </a:r>
-            <a:r>
-              <a:rPr lang="en-US" dirty="0" smtClean="0">
-                <a:solidFill>
-                  <a:srgbClr val="FF0000"/>
-                </a:solidFill>
-              </a:rPr>
-              <a:t>2 </a:t>
-            </a:r>
-            <a:r>
-              <a:rPr lang="th-TH" dirty="0" smtClean="0">
-                <a:solidFill>
-                  <a:srgbClr val="FF0000"/>
-                </a:solidFill>
-              </a:rPr>
-              <a:t>และ </a:t>
-            </a:r>
-            <a:r>
-              <a:rPr lang="en-US" dirty="0" smtClean="0">
-                <a:solidFill>
-                  <a:srgbClr val="FF0000"/>
-                </a:solidFill>
-              </a:rPr>
-              <a:t>5</a:t>
-            </a:r>
-            <a:endParaRPr lang="th-TH" dirty="0" smtClean="0">
-              <a:solidFill>
-                <a:srgbClr val="FF0000"/>
-              </a:solidFill>
-            </a:endParaRPr>
-          </a:p>
-        </p:txBody>
-      </p:sp>
-    </p:spTree>
-    <p:extLst>
-      <p:ext uri="{BB962C8B-B14F-4D97-AF65-F5344CB8AC3E}">
-        <p14:creationId xmlns:p14="http://schemas.microsoft.com/office/powerpoint/2010/main" val="1507953952"/>
-      </p:ext>
-    </p:extLst>
-  </p:cSld>
-  <p:clrMapOvr>
-    <a:masterClrMapping/>
-  </p:clrMapOvr>
-  <p:timing>
-    <p:tnLst>
-      <p:par>
-        <p:cTn id="1" dur="indefinite" restart="never" nodeType="tmRoot"/>
-      </p:par>
-    </p:tnLst>
-  </p:timing>
-</p:sld>
-</file>
-
-<file path=ppt/slides/slide16.xml><?xml version="1.0" encoding="utf-8"?>
-<p:sld xmlns:a="http://schemas.openxmlformats.org/drawingml/2006/main" xmlns:r="http://schemas.openxmlformats.org/officeDocument/2006/relationships" xmlns:p="http://schemas.openxmlformats.org/presentationml/2006/main">
-  <p:cSld>
-    <p:spTree>
-      <p:nvGrpSpPr>
-        <p:cNvPr id="1" name=""/>
-        <p:cNvGrpSpPr/>
-        <p:nvPr/>
-      </p:nvGrpSpPr>
-      <p:grpSpPr>
-        <a:xfrm>
-          <a:off x="0" y="0"/>
-          <a:ext cx="0" cy="0"/>
-          <a:chOff x="0" y="0"/>
-          <a:chExt cx="0" cy="0"/>
-        </a:xfrm>
-      </p:grpSpPr>
-      <p:sp>
-        <p:nvSpPr>
-          <p:cNvPr id="2" name="Title 1"/>
-          <p:cNvSpPr>
-            <a:spLocks noGrp="1"/>
-          </p:cNvSpPr>
-          <p:nvPr>
-            <p:ph type="title"/>
-          </p:nvPr>
-        </p:nvSpPr>
-        <p:spPr/>
-        <p:txBody>
-          <a:bodyPr>
-            <a:normAutofit/>
-          </a:bodyPr>
-          <a:lstStyle/>
-          <a:p>
-            <a:r>
-              <a:rPr lang="en-US" b="1" dirty="0"/>
-              <a:t>Draft Design Exercise Discussion</a:t>
-            </a:r>
-          </a:p>
-        </p:txBody>
-      </p:sp>
-      <p:sp>
-        <p:nvSpPr>
-          <p:cNvPr id="3" name="Content Placeholder 2"/>
-          <p:cNvSpPr>
-            <a:spLocks noGrp="1"/>
-          </p:cNvSpPr>
-          <p:nvPr>
-            <p:ph idx="1"/>
-          </p:nvPr>
-        </p:nvSpPr>
-        <p:spPr/>
-        <p:txBody>
-          <a:bodyPr/>
-          <a:lstStyle/>
-          <a:p>
-            <a:r>
-              <a:rPr lang="en-US" b="1" dirty="0" smtClean="0"/>
-              <a:t>Business Process</a:t>
-            </a:r>
-            <a:endParaRPr lang="th-TH" b="1" dirty="0" smtClean="0"/>
-          </a:p>
-          <a:p>
-            <a:r>
-              <a:rPr lang="en-US" b="1" dirty="0" smtClean="0"/>
-              <a:t>Granularity</a:t>
-            </a:r>
-            <a:endParaRPr lang="th-TH" b="1" dirty="0" smtClean="0"/>
-          </a:p>
-          <a:p>
-            <a:r>
-              <a:rPr lang="en-US" b="1" dirty="0" smtClean="0"/>
-              <a:t>Dimensions</a:t>
-            </a:r>
-            <a:endParaRPr lang="th-TH" b="1" dirty="0" smtClean="0"/>
-          </a:p>
-          <a:p>
-            <a:r>
-              <a:rPr lang="en-US" b="1" dirty="0" smtClean="0"/>
-              <a:t>Measure </a:t>
-            </a:r>
-          </a:p>
-          <a:p>
-            <a:endParaRPr lang="en-US" b="1" dirty="0"/>
-          </a:p>
-        </p:txBody>
-      </p:sp>
-    </p:spTree>
-    <p:extLst>
-      <p:ext uri="{BB962C8B-B14F-4D97-AF65-F5344CB8AC3E}">
-        <p14:creationId xmlns:p14="http://schemas.microsoft.com/office/powerpoint/2010/main" val="381690348"/>
-      </p:ext>
-    </p:extLst>
-  </p:cSld>
-  <p:clrMapOvr>
-    <a:masterClrMapping/>
-  </p:clrMapOvr>
-  <p:timing>
-    <p:tnLst>
-      <p:par>
-        <p:cTn id="1" dur="indefinite" restart="never" nodeType="tmRoot"/>
-      </p:par>
-    </p:tnLst>
-  </p:timing>
-</p:sld>
-</file>
-
-<file path=ppt/slides/slide17.xml><?xml version="1.0" encoding="utf-8"?>
-<p:sld xmlns:a="http://schemas.openxmlformats.org/drawingml/2006/main" xmlns:r="http://schemas.openxmlformats.org/officeDocument/2006/relationships" xmlns:p="http://schemas.openxmlformats.org/presentationml/2006/main">
-  <p:cSld>
-    <p:spTree>
-      <p:nvGrpSpPr>
-        <p:cNvPr id="1" name=""/>
-        <p:cNvGrpSpPr/>
-        <p:nvPr/>
-      </p:nvGrpSpPr>
-      <p:grpSpPr>
-        <a:xfrm>
-          <a:off x="0" y="0"/>
-          <a:ext cx="0" cy="0"/>
-          <a:chOff x="0" y="0"/>
-          <a:chExt cx="0" cy="0"/>
-        </a:xfrm>
-      </p:grpSpPr>
-      <p:sp>
-        <p:nvSpPr>
-          <p:cNvPr id="2" name="Title 1"/>
-          <p:cNvSpPr>
-            <a:spLocks noGrp="1"/>
-          </p:cNvSpPr>
-          <p:nvPr>
-            <p:ph type="title"/>
-          </p:nvPr>
-        </p:nvSpPr>
-        <p:spPr/>
-        <p:txBody>
-          <a:bodyPr/>
-          <a:lstStyle/>
-          <a:p>
-            <a:r>
-              <a:rPr lang="en-US" b="1" dirty="0"/>
-              <a:t>Business Process</a:t>
-            </a:r>
-          </a:p>
-        </p:txBody>
-      </p:sp>
-      <p:sp>
-        <p:nvSpPr>
-          <p:cNvPr id="3" name="Content Placeholder 2"/>
-          <p:cNvSpPr>
-            <a:spLocks noGrp="1"/>
-          </p:cNvSpPr>
-          <p:nvPr>
-            <p:ph idx="1"/>
-          </p:nvPr>
-        </p:nvSpPr>
-        <p:spPr/>
-        <p:txBody>
-          <a:bodyPr/>
-          <a:lstStyle/>
-          <a:p>
-            <a:pPr lvl="1">
-              <a:buFont typeface="Wingdings" pitchFamily="2" charset="2"/>
-              <a:buChar char="§"/>
-            </a:pPr>
-            <a:r>
-              <a:rPr lang="en-US" sz="3200" dirty="0" smtClean="0"/>
-              <a:t>Revenue from customers</a:t>
-            </a:r>
-            <a:endParaRPr lang="th-TH" sz="3200" dirty="0" smtClean="0"/>
-          </a:p>
-          <a:p>
-            <a:pPr lvl="1">
-              <a:buFont typeface="Wingdings" pitchFamily="2" charset="2"/>
-              <a:buChar char="§"/>
-            </a:pPr>
-            <a:r>
-              <a:rPr lang="en-US" sz="3200" dirty="0" smtClean="0"/>
-              <a:t>Revenue from agent</a:t>
-            </a:r>
-          </a:p>
-          <a:p>
-            <a:pPr lvl="1">
-              <a:buFont typeface="Wingdings" pitchFamily="2" charset="2"/>
-              <a:buChar char="§"/>
-            </a:pPr>
-            <a:r>
-              <a:rPr lang="en-US" sz="3200" dirty="0" smtClean="0"/>
-              <a:t>Number of Calls</a:t>
-            </a:r>
-          </a:p>
-          <a:p>
-            <a:pPr lvl="1">
-              <a:buFont typeface="Wingdings" pitchFamily="2" charset="2"/>
-              <a:buChar char="§"/>
-            </a:pPr>
-            <a:r>
-              <a:rPr lang="en-US" sz="3200" dirty="0" smtClean="0"/>
-              <a:t>Used  </a:t>
-            </a:r>
-            <a:r>
-              <a:rPr lang="en-US" sz="3200" dirty="0" smtClean="0"/>
-              <a:t>Time</a:t>
-            </a:r>
-            <a:r>
-              <a:rPr lang="th-TH" sz="3200" dirty="0" smtClean="0"/>
-              <a:t/>
-            </a:r>
-            <a:br>
-              <a:rPr lang="th-TH" sz="3200" dirty="0" smtClean="0"/>
-            </a:br>
-            <a:endParaRPr lang="th-TH" sz="3200" dirty="0" smtClean="0"/>
-          </a:p>
-        </p:txBody>
-      </p:sp>
-    </p:spTree>
-    <p:extLst>
-      <p:ext uri="{BB962C8B-B14F-4D97-AF65-F5344CB8AC3E}">
-        <p14:creationId xmlns:p14="http://schemas.microsoft.com/office/powerpoint/2010/main" val="2936414497"/>
-      </p:ext>
-    </p:extLst>
-  </p:cSld>
-  <p:clrMapOvr>
-    <a:masterClrMapping/>
-  </p:clrMapOvr>
-  <p:timing>
-    <p:tnLst>
-      <p:par>
-        <p:cTn id="1" dur="indefinite" restart="never" nodeType="tmRoot"/>
-      </p:par>
-    </p:tnLst>
-  </p:timing>
-</p:sld>
-</file>
-
-<file path=ppt/slides/slide18.xml><?xml version="1.0" encoding="utf-8"?>
-<p:sld xmlns:a="http://schemas.openxmlformats.org/drawingml/2006/main" xmlns:r="http://schemas.openxmlformats.org/officeDocument/2006/relationships" xmlns:p="http://schemas.openxmlformats.org/presentationml/2006/main">
-  <p:cSld>
-    <p:spTree>
-      <p:nvGrpSpPr>
-        <p:cNvPr id="1" name=""/>
-        <p:cNvGrpSpPr/>
-        <p:nvPr/>
-      </p:nvGrpSpPr>
-      <p:grpSpPr>
-        <a:xfrm>
-          <a:off x="0" y="0"/>
-          <a:ext cx="0" cy="0"/>
-          <a:chOff x="0" y="0"/>
-          <a:chExt cx="0" cy="0"/>
-        </a:xfrm>
-      </p:grpSpPr>
-      <p:sp>
-        <p:nvSpPr>
-          <p:cNvPr id="2" name="Title 1"/>
-          <p:cNvSpPr>
-            <a:spLocks noGrp="1"/>
-          </p:cNvSpPr>
-          <p:nvPr>
-            <p:ph type="title"/>
-          </p:nvPr>
-        </p:nvSpPr>
-        <p:spPr/>
-        <p:txBody>
-          <a:bodyPr>
-            <a:normAutofit/>
-          </a:bodyPr>
-          <a:lstStyle/>
-          <a:p>
-            <a:r>
-              <a:rPr lang="en-US" b="1" dirty="0" smtClean="0"/>
-              <a:t>Granularity</a:t>
-            </a:r>
-            <a:endParaRPr lang="en-US" dirty="0"/>
-          </a:p>
-        </p:txBody>
-      </p:sp>
-      <p:sp>
-        <p:nvSpPr>
-          <p:cNvPr id="3" name="Content Placeholder 2"/>
-          <p:cNvSpPr>
-            <a:spLocks noGrp="1"/>
-          </p:cNvSpPr>
-          <p:nvPr>
-            <p:ph idx="1"/>
-          </p:nvPr>
-        </p:nvSpPr>
-        <p:spPr/>
-        <p:txBody>
-          <a:bodyPr/>
-          <a:lstStyle/>
-          <a:p>
-            <a:pPr lvl="1">
-              <a:buFont typeface="Arial" pitchFamily="34" charset="0"/>
-              <a:buChar char="•"/>
-            </a:pPr>
-            <a:r>
-              <a:rPr lang="th-TH" dirty="0"/>
-              <a:t>หน่วยที่เล็กที่สุดควรจะเป็นข้อมูลของ </a:t>
-            </a:r>
-            <a:r>
-              <a:rPr lang="en-US" dirty="0"/>
-              <a:t>Service Line</a:t>
-            </a:r>
-            <a:r>
-              <a:rPr lang="th-TH" dirty="0"/>
-              <a:t> ในแต่ละ </a:t>
-            </a:r>
-            <a:r>
-              <a:rPr lang="en-US" dirty="0"/>
-              <a:t>Bill </a:t>
-            </a:r>
-          </a:p>
-          <a:p>
-            <a:pPr lvl="1">
-              <a:buFont typeface="Arial" pitchFamily="34" charset="0"/>
-              <a:buChar char="•"/>
-            </a:pPr>
-            <a:r>
-              <a:rPr lang="en-US" dirty="0" smtClean="0"/>
-              <a:t>Bill </a:t>
-            </a:r>
-            <a:r>
-              <a:rPr lang="en-US" dirty="0"/>
-              <a:t>Dimension </a:t>
-            </a:r>
-            <a:r>
-              <a:rPr lang="th-TH" dirty="0" smtClean="0"/>
-              <a:t>+  </a:t>
-            </a:r>
-            <a:r>
-              <a:rPr lang="en-US" dirty="0" smtClean="0"/>
-              <a:t>Service Line</a:t>
-            </a:r>
-            <a:r>
-              <a:rPr lang="th-TH" dirty="0" smtClean="0"/>
-              <a:t> </a:t>
-            </a:r>
-          </a:p>
-          <a:p>
-            <a:pPr lvl="2"/>
-            <a:r>
-              <a:rPr lang="th-TH" dirty="0" smtClean="0"/>
-              <a:t>เชื่อมกันโดย </a:t>
-            </a:r>
-            <a:r>
-              <a:rPr lang="en-US" dirty="0" smtClean="0"/>
-              <a:t>Service </a:t>
-            </a:r>
-            <a:r>
-              <a:rPr lang="en-US" dirty="0"/>
-              <a:t>Line Number</a:t>
-            </a:r>
-          </a:p>
-          <a:p>
-            <a:endParaRPr lang="en-US" dirty="0"/>
-          </a:p>
-        </p:txBody>
-      </p:sp>
-    </p:spTree>
-    <p:extLst>
-      <p:ext uri="{BB962C8B-B14F-4D97-AF65-F5344CB8AC3E}">
-        <p14:creationId xmlns:p14="http://schemas.microsoft.com/office/powerpoint/2010/main" val="1084101094"/>
-      </p:ext>
-    </p:extLst>
-  </p:cSld>
-  <p:clrMapOvr>
-    <a:masterClrMapping/>
-  </p:clrMapOvr>
-  <p:timing>
-    <p:tnLst>
-      <p:par>
-        <p:cTn id="1" dur="indefinite" restart="never" nodeType="tmRoot"/>
-      </p:par>
-    </p:tnLst>
-  </p:timing>
-</p:sld>
-</file>
-
-<file path=ppt/slides/slide19.xml><?xml version="1.0" encoding="utf-8"?>
-<p:sld xmlns:a="http://schemas.openxmlformats.org/drawingml/2006/main" xmlns:r="http://schemas.openxmlformats.org/officeDocument/2006/relationships" xmlns:p="http://schemas.openxmlformats.org/presentationml/2006/main">
-  <p:cSld>
-    <p:spTree>
-      <p:nvGrpSpPr>
-        <p:cNvPr id="1" name=""/>
-        <p:cNvGrpSpPr/>
-        <p:nvPr/>
-      </p:nvGrpSpPr>
-      <p:grpSpPr>
-        <a:xfrm>
-          <a:off x="0" y="0"/>
-          <a:ext cx="0" cy="0"/>
-          <a:chOff x="0" y="0"/>
-          <a:chExt cx="0" cy="0"/>
-        </a:xfrm>
-      </p:grpSpPr>
-      <p:sp>
-        <p:nvSpPr>
-          <p:cNvPr id="2" name="Title 1"/>
-          <p:cNvSpPr>
-            <a:spLocks noGrp="1"/>
-          </p:cNvSpPr>
-          <p:nvPr>
-            <p:ph type="title"/>
-          </p:nvPr>
-        </p:nvSpPr>
-        <p:spPr/>
-        <p:txBody>
-          <a:bodyPr/>
-          <a:lstStyle/>
-          <a:p>
-            <a:r>
-              <a:rPr lang="en-US" b="1" dirty="0" smtClean="0"/>
-              <a:t>Dimensions</a:t>
-            </a:r>
-            <a:endParaRPr lang="en-US" b="1" dirty="0"/>
-          </a:p>
-        </p:txBody>
-      </p:sp>
-      <p:sp>
-        <p:nvSpPr>
-          <p:cNvPr id="3" name="Content Placeholder 2"/>
-          <p:cNvSpPr>
-            <a:spLocks noGrp="1"/>
-          </p:cNvSpPr>
-          <p:nvPr>
-            <p:ph idx="1"/>
-          </p:nvPr>
-        </p:nvSpPr>
-        <p:spPr/>
-        <p:txBody>
-          <a:bodyPr/>
-          <a:lstStyle/>
-          <a:p>
-            <a:r>
-              <a:rPr lang="en-US" dirty="0" smtClean="0"/>
-              <a:t>Customer Dimension</a:t>
-            </a:r>
-          </a:p>
-          <a:p>
-            <a:r>
-              <a:rPr lang="en-US" dirty="0" smtClean="0"/>
-              <a:t>Sales Rep Dimension</a:t>
-            </a:r>
-          </a:p>
-          <a:p>
-            <a:r>
-              <a:rPr lang="en-US" dirty="0" smtClean="0"/>
-              <a:t>Sales Org Dimension</a:t>
-            </a:r>
-          </a:p>
-          <a:p>
-            <a:r>
-              <a:rPr lang="en-US" dirty="0" smtClean="0"/>
-              <a:t>Bill Dimension</a:t>
-            </a:r>
-          </a:p>
-          <a:p>
-            <a:r>
-              <a:rPr lang="en-US" dirty="0" smtClean="0"/>
-              <a:t>Rate Plan Dimension</a:t>
-            </a:r>
-          </a:p>
-          <a:p>
-            <a:r>
-              <a:rPr lang="en-US" dirty="0" smtClean="0"/>
-              <a:t>Service Line Dimension </a:t>
-            </a:r>
-          </a:p>
-          <a:p>
-            <a:endParaRPr lang="en-US" dirty="0"/>
-          </a:p>
-        </p:txBody>
-      </p:sp>
-    </p:spTree>
-    <p:extLst>
-      <p:ext uri="{BB962C8B-B14F-4D97-AF65-F5344CB8AC3E}">
-        <p14:creationId xmlns:p14="http://schemas.microsoft.com/office/powerpoint/2010/main" val="2333338369"/>
-      </p:ext>
-    </p:extLst>
-  </p:cSld>
-  <p:clrMapOvr>
-    <a:masterClrMapping/>
-  </p:clrMapOvr>
-  <p:timing>
-    <p:tnLst>
-      <p:par>
-        <p:cTn id="1" dur="indefinite" restart="never" nodeType="tmRoot"/>
-      </p:par>
-    </p:tnLst>
-  </p:timing>
-</p:sld>
-</file>
-
-<file path=ppt/slides/slide2.xml><?xml version="1.0" encoding="utf-8"?>
-<p:sld xmlns:a="http://schemas.openxmlformats.org/drawingml/2006/main" xmlns:r="http://schemas.openxmlformats.org/officeDocument/2006/relationships" xmlns:p="http://schemas.openxmlformats.org/presentationml/2006/main">
-  <p:cSld>
-    <p:spTree>
-      <p:nvGrpSpPr>
-        <p:cNvPr id="1" name=""/>
-        <p:cNvGrpSpPr/>
-        <p:nvPr/>
-      </p:nvGrpSpPr>
-      <p:grpSpPr>
-        <a:xfrm>
-          <a:off x="0" y="0"/>
-          <a:ext cx="0" cy="0"/>
-          <a:chOff x="0" y="0"/>
-          <a:chExt cx="0" cy="0"/>
-        </a:xfrm>
-      </p:grpSpPr>
-      <p:sp>
-        <p:nvSpPr>
-          <p:cNvPr id="2" name="Title 1"/>
-          <p:cNvSpPr>
-            <a:spLocks noGrp="1"/>
-          </p:cNvSpPr>
-          <p:nvPr>
-            <p:ph type="title"/>
-          </p:nvPr>
-        </p:nvSpPr>
-        <p:spPr/>
-        <p:txBody>
-          <a:bodyPr/>
-          <a:lstStyle/>
-          <a:p>
-            <a:r>
-              <a:rPr lang="en-US" b="1" i="1" dirty="0"/>
-              <a:t>Decision </a:t>
-            </a:r>
-            <a:r>
-              <a:rPr lang="en-US" b="1" i="1" dirty="0" smtClean="0"/>
-              <a:t>support</a:t>
-            </a:r>
-            <a:r>
-              <a:rPr lang="en-US" b="1" dirty="0" smtClean="0"/>
-              <a:t> systems</a:t>
-            </a:r>
-            <a:endParaRPr lang="en-US" b="1" dirty="0"/>
-          </a:p>
-        </p:txBody>
-      </p:sp>
-      <p:sp>
-        <p:nvSpPr>
-          <p:cNvPr id="3" name="Content Placeholder 2"/>
-          <p:cNvSpPr>
-            <a:spLocks noGrp="1"/>
-          </p:cNvSpPr>
-          <p:nvPr>
-            <p:ph idx="1"/>
-          </p:nvPr>
-        </p:nvSpPr>
-        <p:spPr>
-          <a:xfrm>
-            <a:off x="457200" y="1600200"/>
-            <a:ext cx="8382000" cy="4525963"/>
-          </a:xfrm>
-        </p:spPr>
-        <p:txBody>
-          <a:bodyPr>
-            <a:normAutofit/>
-          </a:bodyPr>
-          <a:lstStyle/>
-          <a:p>
-            <a:pPr lvl="1">
-              <a:buFont typeface="Wingdings" pitchFamily="2" charset="2"/>
-              <a:buChar char="§"/>
-            </a:pPr>
-            <a:r>
-              <a:rPr lang="en-US" sz="2200" i="1" dirty="0" smtClean="0"/>
-              <a:t>What were the sales volumes by region and product category for the last year?</a:t>
-            </a:r>
-            <a:endParaRPr lang="th-TH" sz="2200" i="1" dirty="0" smtClean="0"/>
-          </a:p>
-          <a:p>
-            <a:pPr lvl="1">
-              <a:buFont typeface="Wingdings" pitchFamily="2" charset="2"/>
-              <a:buChar char="§"/>
-            </a:pPr>
-            <a:r>
-              <a:rPr lang="en-US" sz="2200" i="1" dirty="0" smtClean="0"/>
-              <a:t>How did the share price of computer manufacturers correlate with quarterly profits over the past 10 years?</a:t>
-            </a:r>
-          </a:p>
-          <a:p>
-            <a:pPr lvl="1">
-              <a:buFont typeface="Wingdings" pitchFamily="2" charset="2"/>
-              <a:buChar char="§"/>
-            </a:pPr>
-            <a:r>
-              <a:rPr lang="en-US" sz="2200" i="1" dirty="0" smtClean="0"/>
-              <a:t>Which orders should we fill to maximize revenues?</a:t>
-            </a:r>
-          </a:p>
-          <a:p>
-            <a:pPr lvl="1">
-              <a:buFont typeface="Wingdings" pitchFamily="2" charset="2"/>
-              <a:buChar char="§"/>
-            </a:pPr>
-            <a:r>
-              <a:rPr lang="en-US" sz="2200" i="1" dirty="0" smtClean="0"/>
-              <a:t>Will a 10% discount increase sales volume sufficiently?</a:t>
-            </a:r>
-          </a:p>
-          <a:p>
-            <a:pPr lvl="1">
-              <a:buFont typeface="Wingdings" pitchFamily="2" charset="2"/>
-              <a:buChar char="§"/>
-            </a:pPr>
-            <a:endParaRPr lang="en-US" sz="2200" i="1" dirty="0" smtClean="0"/>
-          </a:p>
-          <a:p>
-            <a:pPr marL="457200" lvl="1" indent="0">
-              <a:buNone/>
-            </a:pPr>
-            <a:endParaRPr lang="en-US" sz="2200" i="1" dirty="0">
-              <a:solidFill>
-                <a:schemeClr val="tx1">
-                  <a:lumMod val="95000"/>
-                  <a:lumOff val="5000"/>
-                </a:schemeClr>
-              </a:solidFill>
-            </a:endParaRPr>
-          </a:p>
-        </p:txBody>
-      </p:sp>
-    </p:spTree>
-    <p:extLst>
-      <p:ext uri="{BB962C8B-B14F-4D97-AF65-F5344CB8AC3E}">
-        <p14:creationId xmlns:p14="http://schemas.microsoft.com/office/powerpoint/2010/main" val="4261617586"/>
-      </p:ext>
-    </p:extLst>
-  </p:cSld>
-  <p:clrMapOvr>
-    <a:masterClrMapping/>
-  </p:clrMapOvr>
-  <p:timing>
-    <p:tnLst>
-      <p:par>
-        <p:cTn id="1" dur="indefinite" restart="never" nodeType="tmRoot"/>
-      </p:par>
-    </p:tnLst>
-  </p:timing>
-</p:sld>
-</file>
-
-<file path=ppt/slides/slide20.xml><?xml version="1.0" encoding="utf-8"?>
-<p:sld xmlns:a="http://schemas.openxmlformats.org/drawingml/2006/main" xmlns:r="http://schemas.openxmlformats.org/officeDocument/2006/relationships" xmlns:p="http://schemas.openxmlformats.org/presentationml/2006/main">
-  <p:cSld>
-    <p:spTree>
-      <p:nvGrpSpPr>
-        <p:cNvPr id="1" name=""/>
-        <p:cNvGrpSpPr/>
-        <p:nvPr/>
-      </p:nvGrpSpPr>
-      <p:grpSpPr>
-        <a:xfrm>
-          <a:off x="0" y="0"/>
-          <a:ext cx="0" cy="0"/>
-          <a:chOff x="0" y="0"/>
-          <a:chExt cx="0" cy="0"/>
-        </a:xfrm>
-      </p:grpSpPr>
-      <p:sp>
-        <p:nvSpPr>
-          <p:cNvPr id="2" name="Title 1"/>
-          <p:cNvSpPr>
-            <a:spLocks noGrp="1"/>
-          </p:cNvSpPr>
-          <p:nvPr>
-            <p:ph type="title"/>
-          </p:nvPr>
-        </p:nvSpPr>
-        <p:spPr/>
-        <p:txBody>
-          <a:bodyPr/>
-          <a:lstStyle/>
-          <a:p>
-            <a:r>
-              <a:rPr lang="en-US" b="1" dirty="0" smtClean="0"/>
-              <a:t>Measure </a:t>
-            </a:r>
-            <a:endParaRPr lang="en-US" b="1" dirty="0" smtClean="0"/>
-          </a:p>
-        </p:txBody>
-      </p:sp>
-      <p:sp>
-        <p:nvSpPr>
-          <p:cNvPr id="3" name="Content Placeholder 2"/>
-          <p:cNvSpPr>
-            <a:spLocks noGrp="1"/>
-          </p:cNvSpPr>
-          <p:nvPr>
-            <p:ph idx="1"/>
-          </p:nvPr>
-        </p:nvSpPr>
-        <p:spPr/>
-        <p:txBody>
-          <a:bodyPr>
-            <a:normAutofit fontScale="92500" lnSpcReduction="20000"/>
-          </a:bodyPr>
-          <a:lstStyle/>
-          <a:p>
-            <a:r>
-              <a:rPr lang="en-US" dirty="0" smtClean="0"/>
-              <a:t>Number of Calls</a:t>
-            </a:r>
-          </a:p>
-          <a:p>
-            <a:r>
-              <a:rPr lang="en-US" dirty="0" smtClean="0"/>
-              <a:t>Number of Total Minutes</a:t>
-            </a:r>
-          </a:p>
-          <a:p>
-            <a:r>
-              <a:rPr lang="en-US" dirty="0" smtClean="0"/>
-              <a:t>Number of Roam Minutes</a:t>
-            </a:r>
-          </a:p>
-          <a:p>
-            <a:r>
-              <a:rPr lang="en-US" dirty="0" smtClean="0"/>
-              <a:t>Number of long-Distance Minutes</a:t>
-            </a:r>
-          </a:p>
-          <a:p>
-            <a:r>
-              <a:rPr lang="en-US" dirty="0" smtClean="0"/>
-              <a:t>Monthly Service Charge</a:t>
-            </a:r>
-          </a:p>
-          <a:p>
-            <a:r>
-              <a:rPr lang="en-US" dirty="0" smtClean="0"/>
-              <a:t>Roaming Charge</a:t>
-            </a:r>
-          </a:p>
-          <a:p>
-            <a:r>
-              <a:rPr lang="en-US" dirty="0" smtClean="0"/>
-              <a:t>Long-Distance Change</a:t>
-            </a:r>
-          </a:p>
-          <a:p>
-            <a:r>
-              <a:rPr lang="en-US" dirty="0" smtClean="0"/>
-              <a:t>Taxes</a:t>
-            </a:r>
-          </a:p>
-          <a:p>
-            <a:r>
-              <a:rPr lang="en-US" dirty="0" smtClean="0"/>
-              <a:t> Regulatory Change</a:t>
-            </a:r>
-            <a:endParaRPr lang="en-US" dirty="0"/>
-          </a:p>
-        </p:txBody>
-      </p:sp>
-    </p:spTree>
-    <p:extLst>
-      <p:ext uri="{BB962C8B-B14F-4D97-AF65-F5344CB8AC3E}">
-        <p14:creationId xmlns:p14="http://schemas.microsoft.com/office/powerpoint/2010/main" val="2615880332"/>
-      </p:ext>
-    </p:extLst>
-  </p:cSld>
-  <p:clrMapOvr>
-    <a:masterClrMapping/>
-  </p:clrMapOvr>
-  <p:timing>
-    <p:tnLst>
-      <p:par>
-        <p:cTn id="1" dur="indefinite" restart="never" nodeType="tmRoot"/>
-      </p:par>
-    </p:tnLst>
-  </p:timing>
-</p:sld>
-</file>
-
-<file path=ppt/slides/slide21.xml><?xml version="1.0" encoding="utf-8"?>
-<p:sld xmlns:a="http://schemas.openxmlformats.org/drawingml/2006/main" xmlns:r="http://schemas.openxmlformats.org/officeDocument/2006/relationships" xmlns:p="http://schemas.openxmlformats.org/presentationml/2006/main">
-  <p:cSld>
-    <p:spTree>
-      <p:nvGrpSpPr>
-        <p:cNvPr id="1" name=""/>
-        <p:cNvGrpSpPr/>
-        <p:nvPr/>
-      </p:nvGrpSpPr>
-      <p:grpSpPr>
-        <a:xfrm>
-          <a:off x="0" y="0"/>
-          <a:ext cx="0" cy="0"/>
-          <a:chOff x="0" y="0"/>
-          <a:chExt cx="0" cy="0"/>
-        </a:xfrm>
-      </p:grpSpPr>
-      <p:sp>
-        <p:nvSpPr>
-          <p:cNvPr id="2" name="Title 1"/>
-          <p:cNvSpPr>
-            <a:spLocks noGrp="1"/>
-          </p:cNvSpPr>
-          <p:nvPr>
-            <p:ph type="title"/>
-          </p:nvPr>
-        </p:nvSpPr>
-        <p:spPr/>
-        <p:txBody>
-          <a:bodyPr/>
-          <a:lstStyle/>
-          <a:p>
-            <a:r>
-              <a:rPr lang="en-US" b="1" dirty="0"/>
-              <a:t>Fact table</a:t>
-            </a:r>
-          </a:p>
-        </p:txBody>
-      </p:sp>
-    </p:spTree>
-    <p:extLst>
-      <p:ext uri="{BB962C8B-B14F-4D97-AF65-F5344CB8AC3E}">
-        <p14:creationId xmlns:p14="http://schemas.microsoft.com/office/powerpoint/2010/main" val="644670998"/>
-      </p:ext>
-    </p:extLst>
-  </p:cSld>
-  <p:clrMapOvr>
-    <a:masterClrMapping/>
-  </p:clrMapOvr>
-  <p:timing>
-    <p:tnLst>
-      <p:par>
-        <p:cTn id="1" dur="indefinite" restart="never" nodeType="tmRoot"/>
-      </p:par>
-    </p:tnLst>
-  </p:timing>
-</p:sld>
-</file>
-
-<file path=ppt/slides/slide22.xml><?xml version="1.0" encoding="utf-8"?>
-<p:sld xmlns:a="http://schemas.openxmlformats.org/drawingml/2006/main" xmlns:r="http://schemas.openxmlformats.org/officeDocument/2006/relationships" xmlns:p="http://schemas.openxmlformats.org/presentationml/2006/main">
-  <p:cSld>
-    <p:spTree>
-      <p:nvGrpSpPr>
-        <p:cNvPr id="1" name=""/>
-        <p:cNvGrpSpPr/>
-        <p:nvPr/>
-      </p:nvGrpSpPr>
-      <p:grpSpPr>
-        <a:xfrm>
-          <a:off x="0" y="0"/>
-          <a:ext cx="0" cy="0"/>
-          <a:chOff x="0" y="0"/>
-          <a:chExt cx="0" cy="0"/>
-        </a:xfrm>
-      </p:grpSpPr>
-      <p:sp>
-        <p:nvSpPr>
-          <p:cNvPr id="2" name="Title 1"/>
-          <p:cNvSpPr>
-            <a:spLocks noGrp="1"/>
-          </p:cNvSpPr>
-          <p:nvPr>
-            <p:ph type="title"/>
-          </p:nvPr>
-        </p:nvSpPr>
-        <p:spPr/>
-        <p:txBody>
-          <a:bodyPr>
-            <a:normAutofit/>
-          </a:bodyPr>
-          <a:lstStyle/>
-          <a:p>
-            <a:r>
-              <a:rPr lang="en-US" b="1" dirty="0"/>
-              <a:t>Geographic Location Dimension</a:t>
-            </a:r>
-          </a:p>
-        </p:txBody>
-      </p:sp>
-      <p:sp>
-        <p:nvSpPr>
-          <p:cNvPr id="3" name="Content Placeholder 2"/>
-          <p:cNvSpPr>
-            <a:spLocks noGrp="1"/>
-          </p:cNvSpPr>
-          <p:nvPr>
-            <p:ph idx="1"/>
-          </p:nvPr>
-        </p:nvSpPr>
-        <p:spPr/>
-        <p:txBody>
-          <a:bodyPr/>
-          <a:lstStyle/>
-          <a:p>
-            <a:endParaRPr lang="en-US" dirty="0"/>
-          </a:p>
-        </p:txBody>
-      </p:sp>
-    </p:spTree>
-    <p:extLst>
-      <p:ext uri="{BB962C8B-B14F-4D97-AF65-F5344CB8AC3E}">
-        <p14:creationId xmlns:p14="http://schemas.microsoft.com/office/powerpoint/2010/main" val="3302472505"/>
-      </p:ext>
-    </p:extLst>
-  </p:cSld>
-  <p:clrMapOvr>
-    <a:masterClrMapping/>
-  </p:clrMapOvr>
-  <p:timing>
-    <p:tnLst>
-      <p:par>
-        <p:cTn id="1" dur="indefinite" restart="never" nodeType="tmRoot"/>
-      </p:par>
-    </p:tnLst>
-  </p:timing>
-</p:sld>
-</file>
-
-<file path=ppt/slides/slide23.xml><?xml version="1.0" encoding="utf-8"?>
-<p:sld xmlns:a="http://schemas.openxmlformats.org/drawingml/2006/main" xmlns:r="http://schemas.openxmlformats.org/officeDocument/2006/relationships" xmlns:p="http://schemas.openxmlformats.org/presentationml/2006/main">
-  <p:cSld>
-    <p:spTree>
-      <p:nvGrpSpPr>
-        <p:cNvPr id="1" name=""/>
-        <p:cNvGrpSpPr/>
-        <p:nvPr/>
-      </p:nvGrpSpPr>
-      <p:grpSpPr>
-        <a:xfrm>
-          <a:off x="0" y="0"/>
-          <a:ext cx="0" cy="0"/>
-          <a:chOff x="0" y="0"/>
-          <a:chExt cx="0" cy="0"/>
-        </a:xfrm>
-      </p:grpSpPr>
-      <p:sp>
-        <p:nvSpPr>
-          <p:cNvPr id="2" name="Title 1"/>
-          <p:cNvSpPr>
-            <a:spLocks noGrp="1"/>
-          </p:cNvSpPr>
-          <p:nvPr>
-            <p:ph type="title"/>
-          </p:nvPr>
-        </p:nvSpPr>
-        <p:spPr/>
-        <p:txBody>
-          <a:bodyPr/>
-          <a:lstStyle/>
-          <a:p>
-            <a:endParaRPr lang="en-US"/>
-          </a:p>
-        </p:txBody>
-      </p:sp>
-      <p:sp>
-        <p:nvSpPr>
-          <p:cNvPr id="3" name="Content Placeholder 2"/>
-          <p:cNvSpPr>
-            <a:spLocks noGrp="1"/>
-          </p:cNvSpPr>
-          <p:nvPr>
-            <p:ph idx="1"/>
-          </p:nvPr>
-        </p:nvSpPr>
-        <p:spPr/>
-        <p:txBody>
-          <a:bodyPr/>
-          <a:lstStyle/>
-          <a:p>
-            <a:endParaRPr lang="en-US"/>
-          </a:p>
-        </p:txBody>
-      </p:sp>
-    </p:spTree>
-    <p:extLst>
-      <p:ext uri="{BB962C8B-B14F-4D97-AF65-F5344CB8AC3E}">
-        <p14:creationId xmlns:p14="http://schemas.microsoft.com/office/powerpoint/2010/main" val="2788217058"/>
-      </p:ext>
-    </p:extLst>
-  </p:cSld>
-  <p:clrMapOvr>
-    <a:masterClrMapping/>
-  </p:clrMapOvr>
-  <p:timing>
-    <p:tnLst>
-      <p:par>
-        <p:cTn id="1" dur="indefinite" restart="never" nodeType="tmRoot"/>
-      </p:par>
-    </p:tnLst>
-  </p:timing>
-</p:sld>
-</file>
-
-<file path=ppt/slides/slide24.xml><?xml version="1.0" encoding="utf-8"?>
-<p:sld xmlns:a="http://schemas.openxmlformats.org/drawingml/2006/main" xmlns:r="http://schemas.openxmlformats.org/officeDocument/2006/relationships" xmlns:p="http://schemas.openxmlformats.org/presentationml/2006/main">
-  <p:cSld>
-    <p:spTree>
-      <p:nvGrpSpPr>
-        <p:cNvPr id="1" name=""/>
-        <p:cNvGrpSpPr/>
-        <p:nvPr/>
-      </p:nvGrpSpPr>
-      <p:grpSpPr>
-        <a:xfrm>
-          <a:off x="0" y="0"/>
-          <a:ext cx="0" cy="0"/>
-          <a:chOff x="0" y="0"/>
-          <a:chExt cx="0" cy="0"/>
-        </a:xfrm>
-      </p:grpSpPr>
-      <p:sp>
-        <p:nvSpPr>
-          <p:cNvPr id="2" name="Title 1"/>
-          <p:cNvSpPr>
-            <a:spLocks noGrp="1"/>
-          </p:cNvSpPr>
-          <p:nvPr>
-            <p:ph type="title"/>
-          </p:nvPr>
-        </p:nvSpPr>
-        <p:spPr/>
-        <p:txBody>
-          <a:bodyPr/>
-          <a:lstStyle/>
-          <a:p>
-            <a:r>
-              <a:rPr lang="en-US" b="1" dirty="0"/>
-              <a:t>Location Outrigger</a:t>
-            </a:r>
-          </a:p>
-        </p:txBody>
-      </p:sp>
-      <p:sp>
-        <p:nvSpPr>
-          <p:cNvPr id="3" name="Content Placeholder 2"/>
-          <p:cNvSpPr>
-            <a:spLocks noGrp="1"/>
-          </p:cNvSpPr>
-          <p:nvPr>
-            <p:ph idx="1"/>
-          </p:nvPr>
-        </p:nvSpPr>
-        <p:spPr/>
-        <p:txBody>
-          <a:bodyPr/>
-          <a:lstStyle/>
-          <a:p>
-            <a:endParaRPr lang="en-US"/>
-          </a:p>
-        </p:txBody>
-      </p:sp>
-    </p:spTree>
-    <p:extLst>
-      <p:ext uri="{BB962C8B-B14F-4D97-AF65-F5344CB8AC3E}">
-        <p14:creationId xmlns:p14="http://schemas.microsoft.com/office/powerpoint/2010/main" val="3418599091"/>
-      </p:ext>
-    </p:extLst>
-  </p:cSld>
-  <p:clrMapOvr>
-    <a:masterClrMapping/>
-  </p:clrMapOvr>
-  <p:timing>
-    <p:tnLst>
-      <p:par>
-        <p:cTn id="1" dur="indefinite" restart="never" nodeType="tmRoot"/>
-      </p:par>
-    </p:tnLst>
-  </p:timing>
-</p:sld>
-</file>
-
-<file path=ppt/slides/slide25.xml><?xml version="1.0" encoding="utf-8"?>
-<p:sld xmlns:a="http://schemas.openxmlformats.org/drawingml/2006/main" xmlns:r="http://schemas.openxmlformats.org/officeDocument/2006/relationships" xmlns:p="http://schemas.openxmlformats.org/presentationml/2006/main">
-  <p:cSld>
-    <p:spTree>
-      <p:nvGrpSpPr>
-        <p:cNvPr id="1" name=""/>
-        <p:cNvGrpSpPr/>
-        <p:nvPr/>
-      </p:nvGrpSpPr>
-      <p:grpSpPr>
-        <a:xfrm>
-          <a:off x="0" y="0"/>
-          <a:ext cx="0" cy="0"/>
-          <a:chOff x="0" y="0"/>
-          <a:chExt cx="0" cy="0"/>
-        </a:xfrm>
-      </p:grpSpPr>
-      <p:sp>
-        <p:nvSpPr>
-          <p:cNvPr id="2" name="Title 1"/>
-          <p:cNvSpPr>
-            <a:spLocks noGrp="1"/>
-          </p:cNvSpPr>
-          <p:nvPr>
-            <p:ph type="title"/>
-          </p:nvPr>
-        </p:nvSpPr>
-        <p:spPr/>
-        <p:txBody>
-          <a:bodyPr/>
-          <a:lstStyle/>
-          <a:p>
-            <a:endParaRPr lang="en-US"/>
-          </a:p>
-        </p:txBody>
-      </p:sp>
-      <p:sp>
-        <p:nvSpPr>
-          <p:cNvPr id="3" name="Content Placeholder 2"/>
-          <p:cNvSpPr>
-            <a:spLocks noGrp="1"/>
-          </p:cNvSpPr>
-          <p:nvPr>
-            <p:ph idx="1"/>
-          </p:nvPr>
-        </p:nvSpPr>
-        <p:spPr/>
-        <p:txBody>
-          <a:bodyPr/>
-          <a:lstStyle/>
-          <a:p>
-            <a:endParaRPr lang="en-US"/>
-          </a:p>
-        </p:txBody>
-      </p:sp>
-    </p:spTree>
-    <p:extLst>
-      <p:ext uri="{BB962C8B-B14F-4D97-AF65-F5344CB8AC3E}">
-        <p14:creationId xmlns:p14="http://schemas.microsoft.com/office/powerpoint/2010/main" val="3023188447"/>
-      </p:ext>
-    </p:extLst>
-  </p:cSld>
-  <p:clrMapOvr>
-    <a:masterClrMapping/>
-  </p:clrMapOvr>
-  <p:timing>
-    <p:tnLst>
-      <p:par>
-        <p:cTn id="1" dur="indefinite" restart="never" nodeType="tmRoot"/>
-      </p:par>
-    </p:tnLst>
-  </p:timing>
-</p:sld>
-</file>
-
-<file path=ppt/slides/slide26.xml><?xml version="1.0" encoding="utf-8"?>
-<p:sld xmlns:a="http://schemas.openxmlformats.org/drawingml/2006/main" xmlns:r="http://schemas.openxmlformats.org/officeDocument/2006/relationships" xmlns:p="http://schemas.openxmlformats.org/presentationml/2006/main">
-  <p:cSld>
-    <p:spTree>
-      <p:nvGrpSpPr>
-        <p:cNvPr id="1" name=""/>
-        <p:cNvGrpSpPr/>
-        <p:nvPr/>
-      </p:nvGrpSpPr>
-      <p:grpSpPr>
-        <a:xfrm>
-          <a:off x="0" y="0"/>
-          <a:ext cx="0" cy="0"/>
-          <a:chOff x="0" y="0"/>
-          <a:chExt cx="0" cy="0"/>
-        </a:xfrm>
-      </p:grpSpPr>
-      <p:sp>
-        <p:nvSpPr>
-          <p:cNvPr id="2" name="Title 1"/>
-          <p:cNvSpPr>
-            <a:spLocks noGrp="1"/>
-          </p:cNvSpPr>
-          <p:nvPr>
-            <p:ph type="title"/>
-          </p:nvPr>
-        </p:nvSpPr>
-        <p:spPr/>
-        <p:txBody>
-          <a:bodyPr>
-            <a:noAutofit/>
-          </a:bodyPr>
-          <a:lstStyle/>
-          <a:p>
-            <a:r>
-              <a:rPr lang="en-US" sz="3200" b="1" dirty="0"/>
-              <a:t>Leveraging Geographic Information System</a:t>
-            </a:r>
-          </a:p>
-        </p:txBody>
-      </p:sp>
-      <p:sp>
-        <p:nvSpPr>
-          <p:cNvPr id="3" name="Content Placeholder 2"/>
-          <p:cNvSpPr>
-            <a:spLocks noGrp="1"/>
-          </p:cNvSpPr>
-          <p:nvPr>
-            <p:ph idx="1"/>
-          </p:nvPr>
-        </p:nvSpPr>
-        <p:spPr/>
-        <p:txBody>
-          <a:bodyPr/>
-          <a:lstStyle/>
-          <a:p>
-            <a:endParaRPr lang="en-US"/>
-          </a:p>
-        </p:txBody>
-      </p:sp>
-    </p:spTree>
-    <p:extLst>
-      <p:ext uri="{BB962C8B-B14F-4D97-AF65-F5344CB8AC3E}">
-        <p14:creationId xmlns:p14="http://schemas.microsoft.com/office/powerpoint/2010/main" val="1384572238"/>
-      </p:ext>
-    </p:extLst>
-  </p:cSld>
-  <p:clrMapOvr>
-    <a:masterClrMapping/>
-  </p:clrMapOvr>
-  <p:timing>
-    <p:tnLst>
-      <p:par>
-        <p:cTn id="1" dur="indefinite" restart="never" nodeType="tmRoot"/>
-      </p:par>
-    </p:tnLst>
-  </p:timing>
-</p:sld>
-</file>
-
-<file path=ppt/slides/slide27.xml><?xml version="1.0" encoding="utf-8"?>
-<p:sld xmlns:a="http://schemas.openxmlformats.org/drawingml/2006/main" xmlns:r="http://schemas.openxmlformats.org/officeDocument/2006/relationships" xmlns:p="http://schemas.openxmlformats.org/presentationml/2006/main">
-  <p:cSld>
-    <p:spTree>
-      <p:nvGrpSpPr>
-        <p:cNvPr id="1" name=""/>
-        <p:cNvGrpSpPr/>
-        <p:nvPr/>
-      </p:nvGrpSpPr>
-      <p:grpSpPr>
-        <a:xfrm>
-          <a:off x="0" y="0"/>
-          <a:ext cx="0" cy="0"/>
-          <a:chOff x="0" y="0"/>
-          <a:chExt cx="0" cy="0"/>
-        </a:xfrm>
-      </p:grpSpPr>
-      <p:sp>
-        <p:nvSpPr>
-          <p:cNvPr id="2" name="Title 1"/>
-          <p:cNvSpPr>
-            <a:spLocks noGrp="1"/>
-          </p:cNvSpPr>
-          <p:nvPr>
-            <p:ph type="title"/>
-          </p:nvPr>
-        </p:nvSpPr>
-        <p:spPr/>
-        <p:txBody>
-          <a:bodyPr/>
-          <a:lstStyle/>
-          <a:p>
-            <a:endParaRPr lang="en-US"/>
-          </a:p>
-        </p:txBody>
-      </p:sp>
-      <p:sp>
-        <p:nvSpPr>
-          <p:cNvPr id="3" name="Content Placeholder 2"/>
-          <p:cNvSpPr>
-            <a:spLocks noGrp="1"/>
-          </p:cNvSpPr>
-          <p:nvPr>
-            <p:ph idx="1"/>
-          </p:nvPr>
-        </p:nvSpPr>
-        <p:spPr/>
-        <p:txBody>
-          <a:bodyPr/>
-          <a:lstStyle/>
-          <a:p>
-            <a:endParaRPr lang="en-US"/>
-          </a:p>
-        </p:txBody>
-      </p:sp>
-    </p:spTree>
-    <p:extLst>
-      <p:ext uri="{BB962C8B-B14F-4D97-AF65-F5344CB8AC3E}">
-        <p14:creationId xmlns:p14="http://schemas.microsoft.com/office/powerpoint/2010/main" val="2523399155"/>
-      </p:ext>
-    </p:extLst>
-  </p:cSld>
-  <p:clrMapOvr>
-    <a:masterClrMapping/>
-  </p:clrMapOvr>
-  <p:timing>
-    <p:tnLst>
-      <p:par>
-        <p:cTn id="1" dur="indefinite" restart="never" nodeType="tmRoot"/>
-      </p:par>
-    </p:tnLst>
-  </p:timing>
-</p:sld>
-</file>
-
-<file path=ppt/slides/slide28.xml><?xml version="1.0" encoding="utf-8"?>
-<p:sld xmlns:a="http://schemas.openxmlformats.org/drawingml/2006/main" xmlns:r="http://schemas.openxmlformats.org/officeDocument/2006/relationships" xmlns:p="http://schemas.openxmlformats.org/presentationml/2006/main">
-  <p:cSld>
-    <p:spTree>
-      <p:nvGrpSpPr>
-        <p:cNvPr id="1" name=""/>
-        <p:cNvGrpSpPr/>
-        <p:nvPr/>
-      </p:nvGrpSpPr>
-      <p:grpSpPr>
-        <a:xfrm>
-          <a:off x="0" y="0"/>
-          <a:ext cx="0" cy="0"/>
-          <a:chOff x="0" y="0"/>
-          <a:chExt cx="0" cy="0"/>
-        </a:xfrm>
-      </p:grpSpPr>
-      <p:sp>
-        <p:nvSpPr>
-          <p:cNvPr id="2" name="Title 1"/>
-          <p:cNvSpPr>
-            <a:spLocks noGrp="1"/>
-          </p:cNvSpPr>
-          <p:nvPr>
-            <p:ph type="title"/>
-          </p:nvPr>
-        </p:nvSpPr>
-        <p:spPr/>
-        <p:txBody>
-          <a:bodyPr/>
-          <a:lstStyle/>
-          <a:p>
-            <a:endParaRPr lang="en-US"/>
-          </a:p>
-        </p:txBody>
-      </p:sp>
-      <p:sp>
-        <p:nvSpPr>
-          <p:cNvPr id="3" name="Content Placeholder 2"/>
-          <p:cNvSpPr>
-            <a:spLocks noGrp="1"/>
-          </p:cNvSpPr>
-          <p:nvPr>
-            <p:ph idx="1"/>
-          </p:nvPr>
-        </p:nvSpPr>
-        <p:spPr/>
-        <p:txBody>
-          <a:bodyPr/>
-          <a:lstStyle/>
-          <a:p>
-            <a:endParaRPr lang="en-US"/>
-          </a:p>
-        </p:txBody>
-      </p:sp>
-    </p:spTree>
-    <p:extLst>
-      <p:ext uri="{BB962C8B-B14F-4D97-AF65-F5344CB8AC3E}">
-        <p14:creationId xmlns:p14="http://schemas.microsoft.com/office/powerpoint/2010/main" val="411052298"/>
-      </p:ext>
-    </p:extLst>
-  </p:cSld>
-  <p:clrMapOvr>
-    <a:masterClrMapping/>
-  </p:clrMapOvr>
-  <p:timing>
-    <p:tnLst>
-      <p:par>
-        <p:cTn id="1" dur="indefinite" restart="never" nodeType="tmRoot"/>
-      </p:par>
-    </p:tnLst>
-  </p:timing>
-</p:sld>
-</file>
-
-<file path=ppt/slides/slide29.xml><?xml version="1.0" encoding="utf-8"?>
-<p:sld xmlns:a="http://schemas.openxmlformats.org/drawingml/2006/main" xmlns:r="http://schemas.openxmlformats.org/officeDocument/2006/relationships" xmlns:p="http://schemas.openxmlformats.org/presentationml/2006/main">
-  <p:cSld>
-    <p:spTree>
-      <p:nvGrpSpPr>
-        <p:cNvPr id="1" name=""/>
-        <p:cNvGrpSpPr/>
-        <p:nvPr/>
-      </p:nvGrpSpPr>
-      <p:grpSpPr>
-        <a:xfrm>
-          <a:off x="0" y="0"/>
-          <a:ext cx="0" cy="0"/>
-          <a:chOff x="0" y="0"/>
-          <a:chExt cx="0" cy="0"/>
-        </a:xfrm>
-      </p:grpSpPr>
-      <p:sp>
-        <p:nvSpPr>
-          <p:cNvPr id="2" name="Title 1"/>
-          <p:cNvSpPr>
-            <a:spLocks noGrp="1"/>
-          </p:cNvSpPr>
-          <p:nvPr>
-            <p:ph type="title"/>
-          </p:nvPr>
-        </p:nvSpPr>
-        <p:spPr/>
-        <p:txBody>
-          <a:bodyPr/>
-          <a:lstStyle/>
-          <a:p>
-            <a:endParaRPr lang="en-US" dirty="0"/>
-          </a:p>
-        </p:txBody>
-      </p:sp>
-      <p:sp>
-        <p:nvSpPr>
-          <p:cNvPr id="3" name="Content Placeholder 2"/>
-          <p:cNvSpPr>
-            <a:spLocks noGrp="1"/>
-          </p:cNvSpPr>
-          <p:nvPr>
-            <p:ph idx="1"/>
-          </p:nvPr>
-        </p:nvSpPr>
-        <p:spPr/>
-        <p:txBody>
-          <a:bodyPr>
-            <a:normAutofit/>
-          </a:bodyPr>
-          <a:lstStyle/>
-          <a:p>
-            <a:r>
-              <a:rPr lang="th-TH" sz="3600" dirty="0" smtClean="0"/>
-              <a:t>ส่วนที่หามาเพิ่ม</a:t>
-            </a:r>
-            <a:endParaRPr lang="en-US" sz="3600" dirty="0"/>
-          </a:p>
-        </p:txBody>
-      </p:sp>
-    </p:spTree>
-    <p:extLst>
-      <p:ext uri="{BB962C8B-B14F-4D97-AF65-F5344CB8AC3E}">
-        <p14:creationId xmlns:p14="http://schemas.microsoft.com/office/powerpoint/2010/main" val="1343042691"/>
-      </p:ext>
-    </p:extLst>
-  </p:cSld>
-  <p:clrMapOvr>
-    <a:masterClrMapping/>
-  </p:clrMapOvr>
-  <p:timing>
-    <p:tnLst>
-      <p:par>
-        <p:cTn id="1" dur="indefinite" restart="never" nodeType="tmRoot"/>
-      </p:par>
-    </p:tnLst>
-  </p:timing>
-</p:sld>
-</file>
-
-<file path=ppt/slides/slide3.xml><?xml version="1.0" encoding="utf-8"?>
-<p:sld xmlns:a="http://schemas.openxmlformats.org/drawingml/2006/main" xmlns:r="http://schemas.openxmlformats.org/officeDocument/2006/relationships" xmlns:p="http://schemas.openxmlformats.org/presentationml/2006/main">
-  <p:cSld>
-    <p:spTree>
-      <p:nvGrpSpPr>
-        <p:cNvPr id="1" name=""/>
-        <p:cNvGrpSpPr/>
-        <p:nvPr/>
-      </p:nvGrpSpPr>
-      <p:grpSpPr>
-        <a:xfrm>
-          <a:off x="0" y="0"/>
-          <a:ext cx="0" cy="0"/>
-          <a:chOff x="0" y="0"/>
-          <a:chExt cx="0" cy="0"/>
-        </a:xfrm>
-      </p:grpSpPr>
-      <p:sp>
-        <p:nvSpPr>
-          <p:cNvPr id="2" name="Title 1"/>
-          <p:cNvSpPr>
-            <a:spLocks noGrp="1"/>
-          </p:cNvSpPr>
-          <p:nvPr>
-            <p:ph type="title"/>
-          </p:nvPr>
-        </p:nvSpPr>
-        <p:spPr/>
-        <p:txBody>
-          <a:bodyPr>
-            <a:normAutofit/>
-          </a:bodyPr>
-          <a:lstStyle/>
-          <a:p>
-            <a:r>
-              <a:rPr lang="en-US" sz="4800" b="1" dirty="0"/>
-              <a:t>Data Warehouse Bus Matrix </a:t>
-            </a:r>
-          </a:p>
-        </p:txBody>
-      </p:sp>
-      <p:pic>
-        <p:nvPicPr>
-          <p:cNvPr id="4" name="Content Placeholder 3" descr="C:\Documents and Settings\CHONG\Desktop\Untitled-1.jpg"/>
-          <p:cNvPicPr>
-            <a:picLocks/>
-          </p:cNvPicPr>
-          <p:nvPr/>
-        </p:nvPicPr>
-        <p:blipFill>
-          <a:blip r:embed="rId2"/>
-          <a:srcRect/>
-          <a:stretch>
-            <a:fillRect/>
-          </a:stretch>
-        </p:blipFill>
-        <p:spPr bwMode="auto">
-          <a:xfrm>
-            <a:off x="764628" y="1828800"/>
-            <a:ext cx="8037537" cy="3590956"/>
-          </a:xfrm>
-          <a:prstGeom prst="rect">
-            <a:avLst/>
-          </a:prstGeom>
-          <a:noFill/>
-          <a:ln w="9525">
-            <a:noFill/>
-            <a:miter lim="800000"/>
-            <a:headEnd/>
-            <a:tailEnd/>
-          </a:ln>
-          <a:effectLst>
-            <a:glow rad="139700">
-              <a:schemeClr val="accent3">
-                <a:lumMod val="40000"/>
-                <a:lumOff val="60000"/>
-                <a:alpha val="40000"/>
-              </a:schemeClr>
-            </a:glow>
-          </a:effectLst>
-        </p:spPr>
-      </p:pic>
-    </p:spTree>
-    <p:extLst>
-      <p:ext uri="{BB962C8B-B14F-4D97-AF65-F5344CB8AC3E}">
-        <p14:creationId xmlns:p14="http://schemas.microsoft.com/office/powerpoint/2010/main" val="1374728568"/>
-      </p:ext>
-    </p:extLst>
-  </p:cSld>
-  <p:clrMapOvr>
-    <a:masterClrMapping/>
-  </p:clrMapOvr>
-  <p:timing>
-    <p:tnLst>
-      <p:par>
-        <p:cTn id="1" dur="indefinite" restart="never" nodeType="tmRoot"/>
-      </p:par>
-    </p:tnLst>
-  </p:timing>
-</p:sld>
-</file>
-
-<file path=ppt/slides/slide30.xml><?xml version="1.0" encoding="utf-8"?>
-<p:sld xmlns:a="http://schemas.openxmlformats.org/drawingml/2006/main" xmlns:r="http://schemas.openxmlformats.org/officeDocument/2006/relationships" xmlns:p="http://schemas.openxmlformats.org/presentationml/2006/main">
-  <p:cSld>
-    <p:spTree>
-      <p:nvGrpSpPr>
-        <p:cNvPr id="1" name=""/>
-        <p:cNvGrpSpPr/>
-        <p:nvPr/>
-      </p:nvGrpSpPr>
-      <p:grpSpPr>
-        <a:xfrm>
-          <a:off x="0" y="0"/>
-          <a:ext cx="0" cy="0"/>
-          <a:chOff x="0" y="0"/>
-          <a:chExt cx="0" cy="0"/>
-        </a:xfrm>
-      </p:grpSpPr>
-      <p:sp>
-        <p:nvSpPr>
-          <p:cNvPr id="2" name="Title 1"/>
-          <p:cNvSpPr>
-            <a:spLocks noGrp="1"/>
-          </p:cNvSpPr>
-          <p:nvPr>
-            <p:ph type="title"/>
-          </p:nvPr>
-        </p:nvSpPr>
-        <p:spPr/>
-        <p:txBody>
-          <a:bodyPr/>
-          <a:lstStyle/>
-          <a:p>
-            <a:endParaRPr lang="en-US" dirty="0"/>
-          </a:p>
-        </p:txBody>
-      </p:sp>
-      <p:sp>
-        <p:nvSpPr>
-          <p:cNvPr id="3" name="Content Placeholder 2"/>
-          <p:cNvSpPr>
-            <a:spLocks noGrp="1"/>
-          </p:cNvSpPr>
-          <p:nvPr>
-            <p:ph idx="1"/>
-          </p:nvPr>
-        </p:nvSpPr>
-        <p:spPr/>
-        <p:txBody>
-          <a:bodyPr/>
-          <a:lstStyle/>
-          <a:p>
-            <a:r>
-              <a:rPr lang="en-US" dirty="0"/>
-              <a:t>http://www-01.ibm.com/support/docview.wss?uid=swg24022618</a:t>
-            </a:r>
-          </a:p>
-        </p:txBody>
-      </p:sp>
-    </p:spTree>
-    <p:extLst>
-      <p:ext uri="{BB962C8B-B14F-4D97-AF65-F5344CB8AC3E}">
-        <p14:creationId xmlns:p14="http://schemas.microsoft.com/office/powerpoint/2010/main" val="2480830112"/>
-      </p:ext>
-    </p:extLst>
-  </p:cSld>
-  <p:clrMapOvr>
-    <a:masterClrMapping/>
-  </p:clrMapOvr>
-  <p:timing>
-    <p:tnLst>
-      <p:par>
-        <p:cTn id="1" dur="indefinite" restart="never" nodeType="tmRoot"/>
-      </p:par>
-    </p:tnLst>
-  </p:timing>
-</p:sld>
-</file>
-
-<file path=ppt/slides/slide31.xml><?xml version="1.0" encoding="utf-8"?>
-<p:sld xmlns:a="http://schemas.openxmlformats.org/drawingml/2006/main" xmlns:r="http://schemas.openxmlformats.org/officeDocument/2006/relationships" xmlns:p="http://schemas.openxmlformats.org/presentationml/2006/main">
-  <p:cSld>
-    <p:spTree>
-      <p:nvGrpSpPr>
-        <p:cNvPr id="1" name=""/>
-        <p:cNvGrpSpPr/>
-        <p:nvPr/>
-      </p:nvGrpSpPr>
-      <p:grpSpPr>
-        <a:xfrm>
-          <a:off x="0" y="0"/>
-          <a:ext cx="0" cy="0"/>
-          <a:chOff x="0" y="0"/>
-          <a:chExt cx="0" cy="0"/>
-        </a:xfrm>
-      </p:grpSpPr>
-      <p:sp>
-        <p:nvSpPr>
-          <p:cNvPr id="2" name="Title 1"/>
-          <p:cNvSpPr>
-            <a:spLocks noGrp="1"/>
-          </p:cNvSpPr>
-          <p:nvPr>
-            <p:ph type="title"/>
-          </p:nvPr>
-        </p:nvSpPr>
-        <p:spPr/>
-        <p:txBody>
-          <a:bodyPr/>
-          <a:lstStyle/>
-          <a:p>
-            <a:endParaRPr lang="en-US"/>
-          </a:p>
-        </p:txBody>
-      </p:sp>
-      <p:sp>
-        <p:nvSpPr>
-          <p:cNvPr id="3" name="Content Placeholder 2"/>
-          <p:cNvSpPr>
-            <a:spLocks noGrp="1"/>
-          </p:cNvSpPr>
-          <p:nvPr>
-            <p:ph idx="1"/>
-          </p:nvPr>
-        </p:nvSpPr>
-        <p:spPr/>
-        <p:txBody>
-          <a:bodyPr/>
-          <a:lstStyle/>
-          <a:p>
-            <a:r>
-              <a:rPr lang="en-US" dirty="0"/>
-              <a:t>http://www.informatica.com/solutions/telecommunications/Pages/index.aspx</a:t>
-            </a:r>
-          </a:p>
-        </p:txBody>
-      </p:sp>
-    </p:spTree>
-    <p:extLst>
-      <p:ext uri="{BB962C8B-B14F-4D97-AF65-F5344CB8AC3E}">
-        <p14:creationId xmlns:p14="http://schemas.microsoft.com/office/powerpoint/2010/main" val="763301390"/>
-      </p:ext>
-    </p:extLst>
-  </p:cSld>
-  <p:clrMapOvr>
-    <a:masterClrMapping/>
-  </p:clrMapOvr>
-  <p:timing>
-    <p:tnLst>
-      <p:par>
-        <p:cTn id="1" dur="indefinite" restart="never" nodeType="tmRoot"/>
-      </p:par>
-    </p:tnLst>
-  </p:timing>
-</p:sld>
-</file>
-
-<file path=ppt/slides/slide32.xml><?xml version="1.0" encoding="utf-8"?>
-<p:sld xmlns:a="http://schemas.openxmlformats.org/drawingml/2006/main" xmlns:r="http://schemas.openxmlformats.org/officeDocument/2006/relationships" xmlns:p="http://schemas.openxmlformats.org/presentationml/2006/main">
-  <p:cSld>
-    <p:spTree>
-      <p:nvGrpSpPr>
-        <p:cNvPr id="1" name=""/>
-        <p:cNvGrpSpPr/>
-        <p:nvPr/>
-      </p:nvGrpSpPr>
-      <p:grpSpPr>
-        <a:xfrm>
-          <a:off x="0" y="0"/>
-          <a:ext cx="0" cy="0"/>
-          <a:chOff x="0" y="0"/>
-          <a:chExt cx="0" cy="0"/>
-        </a:xfrm>
-      </p:grpSpPr>
-      <p:sp>
-        <p:nvSpPr>
-          <p:cNvPr id="2" name="Title 1"/>
-          <p:cNvSpPr>
-            <a:spLocks noGrp="1"/>
-          </p:cNvSpPr>
-          <p:nvPr>
-            <p:ph type="title"/>
-          </p:nvPr>
-        </p:nvSpPr>
-        <p:spPr/>
-        <p:txBody>
-          <a:bodyPr/>
-          <a:lstStyle/>
-          <a:p>
-            <a:endParaRPr lang="en-US"/>
-          </a:p>
-        </p:txBody>
-      </p:sp>
-      <p:sp>
-        <p:nvSpPr>
-          <p:cNvPr id="3" name="Content Placeholder 2"/>
-          <p:cNvSpPr>
-            <a:spLocks noGrp="1"/>
-          </p:cNvSpPr>
-          <p:nvPr>
-            <p:ph idx="1"/>
-          </p:nvPr>
-        </p:nvSpPr>
-        <p:spPr/>
-        <p:txBody>
-          <a:bodyPr/>
-          <a:lstStyle/>
-          <a:p>
-            <a:r>
-              <a:rPr lang="en-US" dirty="0"/>
-              <a:t>http://www.infobright.com/Products/MySQL-Integration/</a:t>
-            </a:r>
-          </a:p>
-        </p:txBody>
-      </p:sp>
-    </p:spTree>
-    <p:extLst>
-      <p:ext uri="{BB962C8B-B14F-4D97-AF65-F5344CB8AC3E}">
-        <p14:creationId xmlns:p14="http://schemas.microsoft.com/office/powerpoint/2010/main" val="2421711501"/>
-      </p:ext>
-    </p:extLst>
-  </p:cSld>
-  <p:clrMapOvr>
-    <a:masterClrMapping/>
-  </p:clrMapOvr>
-  <p:timing>
-    <p:tnLst>
-      <p:par>
-        <p:cTn id="1" dur="indefinite" restart="never" nodeType="tmRoot"/>
-      </p:par>
-    </p:tnLst>
-  </p:timing>
-</p:sld>
-</file>
-
-<file path=ppt/slides/slide33.xml><?xml version="1.0" encoding="utf-8"?>
-<p:sld xmlns:a="http://schemas.openxmlformats.org/drawingml/2006/main" xmlns:r="http://schemas.openxmlformats.org/officeDocument/2006/relationships" xmlns:p="http://schemas.openxmlformats.org/presentationml/2006/main">
-  <p:cSld>
-    <p:spTree>
-      <p:nvGrpSpPr>
-        <p:cNvPr id="1" name=""/>
-        <p:cNvGrpSpPr/>
-        <p:nvPr/>
-      </p:nvGrpSpPr>
-      <p:grpSpPr>
-        <a:xfrm>
-          <a:off x="0" y="0"/>
-          <a:ext cx="0" cy="0"/>
-          <a:chOff x="0" y="0"/>
-          <a:chExt cx="0" cy="0"/>
-        </a:xfrm>
-      </p:grpSpPr>
-      <p:sp>
-        <p:nvSpPr>
-          <p:cNvPr id="4" name="Title 1"/>
-          <p:cNvSpPr txBox="1">
-            <a:spLocks/>
-          </p:cNvSpPr>
-          <p:nvPr/>
-        </p:nvSpPr>
-        <p:spPr>
-          <a:xfrm>
-            <a:off x="457200" y="533400"/>
-            <a:ext cx="8229600" cy="1143000"/>
-          </a:xfrm>
-          <a:prstGeom prst="rect">
-            <a:avLst/>
-          </a:prstGeom>
-        </p:spPr>
-        <p:txBody>
-          <a:bodyPr vert="horz" rtlCol="0" anchor="ctr">
-            <a:normAutofit fontScale="67500" lnSpcReduction="20000"/>
-            <a:scene3d>
-              <a:camera prst="orthographicFront"/>
-              <a:lightRig rig="soft" dir="t"/>
-            </a:scene3d>
-            <a:sp3d prstMaterial="softEdge">
-              <a:bevelT w="25400" h="25400"/>
-            </a:sp3d>
-          </a:bodyPr>
-          <a:lstStyle/>
-          <a:p>
-            <a:pPr marL="0" marR="0" lvl="0" indent="0" algn="l" defTabSz="914400" rtl="0" eaLnBrk="1" fontAlgn="auto" latinLnBrk="0" hangingPunct="1">
-              <a:lnSpc>
-                <a:spcPct val="100000"/>
-              </a:lnSpc>
-              <a:spcBef>
-                <a:spcPct val="0"/>
-              </a:spcBef>
-              <a:spcAft>
-                <a:spcPts val="0"/>
-              </a:spcAft>
-              <a:buClrTx/>
-              <a:buSzTx/>
-              <a:buFontTx/>
-              <a:buNone/>
-              <a:tabLst/>
-              <a:defRPr/>
-            </a:pPr>
-            <a:r>
-              <a:rPr kumimoji="0" lang="en-US" sz="4100" b="1" i="0" u="none" strike="noStrike" kern="1200" cap="none" spc="0" normalizeH="0" baseline="0" noProof="0" dirty="0" smtClean="0">
-                <a:ln>
-                  <a:noFill/>
-                </a:ln>
-                <a:solidFill>
-                  <a:schemeClr val="tx2"/>
-                </a:solidFill>
-                <a:effectLst>
-                  <a:outerShdw blurRad="31750" dist="25400" dir="5400000" algn="tl" rotWithShape="0">
-                    <a:srgbClr val="000000">
-                      <a:alpha val="25000"/>
-                    </a:srgbClr>
-                  </a:outerShdw>
-                </a:effectLst>
-                <a:uLnTx/>
-                <a:uFillTx/>
-                <a:latin typeface="+mj-lt"/>
-                <a:ea typeface="+mj-ea"/>
-                <a:cs typeface="+mj-cs"/>
-              </a:rPr>
-              <a:t>What is the IBM Telecommunications Data Warehouse?</a:t>
-            </a:r>
-            <a:br>
-              <a:rPr kumimoji="0" lang="en-US" sz="4100" b="1" i="0" u="none" strike="noStrike" kern="1200" cap="none" spc="0" normalizeH="0" baseline="0" noProof="0" dirty="0" smtClean="0">
-                <a:ln>
-                  <a:noFill/>
-                </a:ln>
-                <a:solidFill>
-                  <a:schemeClr val="tx2"/>
-                </a:solidFill>
-                <a:effectLst>
-                  <a:outerShdw blurRad="31750" dist="25400" dir="5400000" algn="tl" rotWithShape="0">
-                    <a:srgbClr val="000000">
-                      <a:alpha val="25000"/>
-                    </a:srgbClr>
-                  </a:outerShdw>
-                </a:effectLst>
-                <a:uLnTx/>
-                <a:uFillTx/>
-                <a:latin typeface="+mj-lt"/>
-                <a:ea typeface="+mj-ea"/>
-                <a:cs typeface="+mj-cs"/>
-              </a:rPr>
-            </a:br>
-            <a:endParaRPr kumimoji="0" lang="en-US" sz="4100" b="1" i="0" u="none" strike="noStrike" kern="1200" cap="none" spc="0" normalizeH="0" baseline="0" noProof="0" dirty="0">
-              <a:ln>
-                <a:noFill/>
-              </a:ln>
-              <a:solidFill>
-                <a:schemeClr val="tx2"/>
-              </a:solidFill>
-              <a:effectLst>
-                <a:outerShdw blurRad="31750" dist="25400" dir="5400000" algn="tl" rotWithShape="0">
-                  <a:srgbClr val="000000">
-                    <a:alpha val="25000"/>
-                  </a:srgbClr>
-                </a:outerShdw>
-              </a:effectLst>
-              <a:uLnTx/>
-              <a:uFillTx/>
-              <a:latin typeface="+mj-lt"/>
-              <a:ea typeface="+mj-ea"/>
-              <a:cs typeface="+mj-cs"/>
-            </a:endParaRPr>
-          </a:p>
-        </p:txBody>
-      </p:sp>
-      <p:sp>
-        <p:nvSpPr>
-          <p:cNvPr id="5" name="Content Placeholder 2"/>
-          <p:cNvSpPr txBox="1">
-            <a:spLocks/>
-          </p:cNvSpPr>
-          <p:nvPr/>
-        </p:nvSpPr>
-        <p:spPr>
-          <a:xfrm>
-            <a:off x="457200" y="1600200"/>
-            <a:ext cx="8229600" cy="4525963"/>
-          </a:xfrm>
-          <a:prstGeom prst="rect">
-            <a:avLst/>
-          </a:prstGeom>
-        </p:spPr>
-        <p:txBody>
-          <a:bodyPr vert="horz">
-            <a:normAutofit fontScale="92500" lnSpcReduction="20000"/>
-          </a:bodyPr>
-          <a:lstStyle/>
-          <a:p>
-            <a:pPr marL="365760" marR="0" lvl="0" indent="-256032" algn="l" defTabSz="914400" rtl="0" eaLnBrk="1" fontAlgn="auto" latinLnBrk="0" hangingPunct="1">
-              <a:lnSpc>
-                <a:spcPct val="100000"/>
-              </a:lnSpc>
-              <a:spcBef>
-                <a:spcPts val="400"/>
-              </a:spcBef>
-              <a:spcAft>
-                <a:spcPts val="0"/>
-              </a:spcAft>
-              <a:buClr>
-                <a:schemeClr val="accent1"/>
-              </a:buClr>
-              <a:buSzPct val="68000"/>
-              <a:buFont typeface="Wingdings 3"/>
-              <a:buNone/>
-              <a:tabLst/>
-              <a:defRPr/>
-            </a:pPr>
-            <a:r>
-              <a:rPr kumimoji="0" lang="en-US" sz="2700" b="0" i="0" u="none" strike="noStrike" kern="1200" cap="none" spc="0" normalizeH="0" baseline="0" noProof="0" smtClean="0">
-                <a:ln>
-                  <a:noFill/>
-                </a:ln>
-                <a:solidFill>
-                  <a:schemeClr val="tx1"/>
-                </a:solidFill>
-                <a:effectLst/>
-                <a:uLnTx/>
-                <a:uFillTx/>
-                <a:latin typeface="+mn-lt"/>
-                <a:ea typeface="+mn-ea"/>
-                <a:cs typeface="+mn-cs"/>
-              </a:rPr>
-              <a:t>IBM’s Telecommunications Data Warehouse (TDW) enables Operators to build data warehouse solutions to suit their specific needs. TDW includes all of the key components required for the core of a data warehousing solution.</a:t>
-            </a:r>
-          </a:p>
-          <a:p>
-            <a:pPr marL="365760" marR="0" lvl="0" indent="-256032" algn="l" defTabSz="914400" rtl="0" eaLnBrk="1" fontAlgn="auto" latinLnBrk="0" hangingPunct="1">
-              <a:lnSpc>
-                <a:spcPct val="100000"/>
-              </a:lnSpc>
-              <a:spcBef>
-                <a:spcPts val="400"/>
-              </a:spcBef>
-              <a:spcAft>
-                <a:spcPts val="0"/>
-              </a:spcAft>
-              <a:buClr>
-                <a:schemeClr val="accent1"/>
-              </a:buClr>
-              <a:buSzPct val="68000"/>
-              <a:buFont typeface="Wingdings 3"/>
-              <a:buNone/>
-              <a:tabLst/>
-              <a:defRPr/>
-            </a:pPr>
-            <a:r>
-              <a:rPr kumimoji="0" lang="en-US" sz="2700" b="0" i="0" u="none" strike="noStrike" kern="1200" cap="none" spc="0" normalizeH="0" baseline="0" noProof="0" smtClean="0">
-                <a:ln>
-                  <a:noFill/>
-                </a:ln>
-                <a:solidFill>
-                  <a:schemeClr val="tx1"/>
-                </a:solidFill>
-                <a:effectLst/>
-                <a:uLnTx/>
-                <a:uFillTx/>
-                <a:latin typeface="+mn-lt"/>
-                <a:ea typeface="+mn-ea"/>
-                <a:cs typeface="+mn-cs"/>
-              </a:rPr>
-              <a:t>The TDW comprises a flexible and scalable data warehouse infrastructure, enabling Operators to build a comprehensive data warehouse solution through phased development. This solution enables the rapid delivery of high business value by initially focusing on the business areas offering the greatest returns and feasibility, while building within a proven technical warehousing architecture.</a:t>
-            </a:r>
-            <a:endParaRPr kumimoji="0" lang="en-US" sz="2700" b="0" i="0" u="none" strike="noStrike" kern="1200" cap="none" spc="0" normalizeH="0" baseline="0" noProof="0" dirty="0">
-              <a:ln>
-                <a:noFill/>
-              </a:ln>
-              <a:solidFill>
-                <a:schemeClr val="tx1"/>
-              </a:solidFill>
-              <a:effectLst/>
-              <a:uLnTx/>
-              <a:uFillTx/>
-              <a:latin typeface="+mn-lt"/>
-              <a:ea typeface="+mn-ea"/>
-              <a:cs typeface="+mn-cs"/>
-            </a:endParaRPr>
-          </a:p>
-        </p:txBody>
-      </p:sp>
-    </p:spTree>
-    <p:extLst>
-      <p:ext uri="{BB962C8B-B14F-4D97-AF65-F5344CB8AC3E}">
-        <p14:creationId xmlns:p14="http://schemas.microsoft.com/office/powerpoint/2010/main" val="1103738237"/>
-      </p:ext>
-    </p:extLst>
-  </p:cSld>
-  <p:clrMapOvr>
-    <a:masterClrMapping/>
-  </p:clrMapOvr>
-  <p:timing>
-    <p:tnLst>
-      <p:par>
-        <p:cTn id="1" dur="indefinite" restart="never" nodeType="tmRoot"/>
-      </p:par>
-    </p:tnLst>
-  </p:timing>
-</p:sld>
-</file>
-
-<file path=ppt/slides/slide34.xml><?xml version="1.0" encoding="utf-8"?>
-<p:sld xmlns:a="http://schemas.openxmlformats.org/drawingml/2006/main" xmlns:r="http://schemas.openxmlformats.org/officeDocument/2006/relationships" xmlns:p="http://schemas.openxmlformats.org/presentationml/2006/main">
-  <p:cSld>
-    <p:spTree>
-      <p:nvGrpSpPr>
-        <p:cNvPr id="1" name=""/>
-        <p:cNvGrpSpPr/>
-        <p:nvPr/>
-      </p:nvGrpSpPr>
-      <p:grpSpPr>
-        <a:xfrm>
-          <a:off x="0" y="0"/>
-          <a:ext cx="0" cy="0"/>
-          <a:chOff x="0" y="0"/>
-          <a:chExt cx="0" cy="0"/>
-        </a:xfrm>
-      </p:grpSpPr>
-      <p:pic>
-        <p:nvPicPr>
-          <p:cNvPr id="4" name="Picture 6"/>
-          <p:cNvPicPr>
-            <a:picLocks noChangeAspect="1" noChangeArrowheads="1"/>
-          </p:cNvPicPr>
-          <p:nvPr/>
-        </p:nvPicPr>
-        <p:blipFill>
-          <a:blip r:embed="rId3"/>
-          <a:srcRect l="14375" t="11000" r="15000"/>
-          <a:stretch>
-            <a:fillRect/>
-          </a:stretch>
-        </p:blipFill>
-        <p:spPr bwMode="auto">
-          <a:xfrm>
-            <a:off x="-32" y="0"/>
-            <a:ext cx="8715436" cy="6864370"/>
-          </a:xfrm>
-          <a:prstGeom prst="rect">
-            <a:avLst/>
-          </a:prstGeom>
-          <a:noFill/>
-          <a:ln w="9525">
-            <a:noFill/>
-            <a:miter lim="800000"/>
-            <a:headEnd/>
-            <a:tailEnd/>
-          </a:ln>
-          <a:effectLst/>
-        </p:spPr>
-      </p:pic>
-    </p:spTree>
-    <p:extLst>
-      <p:ext uri="{BB962C8B-B14F-4D97-AF65-F5344CB8AC3E}">
-        <p14:creationId xmlns:p14="http://schemas.microsoft.com/office/powerpoint/2010/main" val="1160716067"/>
-      </p:ext>
-    </p:extLst>
-  </p:cSld>
-  <p:clrMapOvr>
-    <a:masterClrMapping/>
-  </p:clrMapOvr>
-</p:sld>
-</file>
-
-<file path=ppt/slides/slide35.xml><?xml version="1.0" encoding="utf-8"?>
-<p:sld xmlns:a="http://schemas.openxmlformats.org/drawingml/2006/main" xmlns:r="http://schemas.openxmlformats.org/officeDocument/2006/relationships" xmlns:p="http://schemas.openxmlformats.org/presentationml/2006/main">
-  <p:cSld>
-    <p:spTree>
-      <p:nvGrpSpPr>
-        <p:cNvPr id="1" name=""/>
-        <p:cNvGrpSpPr/>
-        <p:nvPr/>
-      </p:nvGrpSpPr>
-      <p:grpSpPr>
-        <a:xfrm>
-          <a:off x="0" y="0"/>
-          <a:ext cx="0" cy="0"/>
-          <a:chOff x="0" y="0"/>
-          <a:chExt cx="0" cy="0"/>
-        </a:xfrm>
-      </p:grpSpPr>
-      <p:pic>
-        <p:nvPicPr>
-          <p:cNvPr id="4" name="Picture 2"/>
-          <p:cNvPicPr>
-            <a:picLocks noChangeAspect="1" noChangeArrowheads="1"/>
-          </p:cNvPicPr>
-          <p:nvPr/>
-        </p:nvPicPr>
-        <p:blipFill>
-          <a:blip r:embed="rId3"/>
-          <a:srcRect l="24375" t="10000" r="18750" b="7000"/>
-          <a:stretch>
-            <a:fillRect/>
-          </a:stretch>
-        </p:blipFill>
-        <p:spPr bwMode="auto">
-          <a:xfrm>
-            <a:off x="839175" y="-24"/>
-            <a:ext cx="7519039" cy="6858024"/>
-          </a:xfrm>
-          <a:prstGeom prst="rect">
-            <a:avLst/>
-          </a:prstGeom>
-          <a:noFill/>
-          <a:ln w="9525">
-            <a:noFill/>
-            <a:miter lim="800000"/>
-            <a:headEnd/>
-            <a:tailEnd/>
-          </a:ln>
-          <a:effectLst/>
-        </p:spPr>
-      </p:pic>
-    </p:spTree>
-    <p:extLst>
-      <p:ext uri="{BB962C8B-B14F-4D97-AF65-F5344CB8AC3E}">
-        <p14:creationId xmlns:p14="http://schemas.microsoft.com/office/powerpoint/2010/main" val="3285242553"/>
-      </p:ext>
-    </p:extLst>
-  </p:cSld>
-  <p:clrMapOvr>
-    <a:masterClrMapping/>
-  </p:clrMapOvr>
-</p:sld>
-</file>
-
-<file path=ppt/slides/slide36.xml><?xml version="1.0" encoding="utf-8"?>
-<p:sld xmlns:a="http://schemas.openxmlformats.org/drawingml/2006/main" xmlns:r="http://schemas.openxmlformats.org/officeDocument/2006/relationships" xmlns:p="http://schemas.openxmlformats.org/presentationml/2006/main">
-  <p:cSld>
-    <p:spTree>
-      <p:nvGrpSpPr>
-        <p:cNvPr id="1" name=""/>
-        <p:cNvGrpSpPr/>
-        <p:nvPr/>
-      </p:nvGrpSpPr>
-      <p:grpSpPr>
-        <a:xfrm>
-          <a:off x="0" y="0"/>
-          <a:ext cx="0" cy="0"/>
-          <a:chOff x="0" y="0"/>
-          <a:chExt cx="0" cy="0"/>
-        </a:xfrm>
-      </p:grpSpPr>
-      <p:sp>
-        <p:nvSpPr>
-          <p:cNvPr id="2" name="Content Placeholder 1"/>
-          <p:cNvSpPr>
-            <a:spLocks noGrp="1"/>
-          </p:cNvSpPr>
-          <p:nvPr>
-            <p:ph idx="1"/>
-          </p:nvPr>
-        </p:nvSpPr>
-        <p:spPr/>
-        <p:txBody>
-          <a:bodyPr/>
-          <a:lstStyle/>
-          <a:p>
-            <a:r>
-              <a:rPr lang="en-US" dirty="0" smtClean="0"/>
-              <a:t>The Telecommunications Data Warehouse Model (TDWM) provides Operators with both the content and the infrastructure to support the provision of clean, rationalized and easily accessible data from a central information repository. It allows Operators to exploit the potential of information previously locked in legacy systems and summarized in distributed data marts in accessible to most business users.</a:t>
-            </a:r>
-          </a:p>
-        </p:txBody>
-      </p:sp>
-      <p:sp>
-        <p:nvSpPr>
-          <p:cNvPr id="3" name="Title 2"/>
-          <p:cNvSpPr>
-            <a:spLocks noGrp="1"/>
-          </p:cNvSpPr>
-          <p:nvPr>
-            <p:ph type="title"/>
-          </p:nvPr>
-        </p:nvSpPr>
-        <p:spPr/>
-        <p:txBody>
-          <a:bodyPr>
-            <a:normAutofit fontScale="90000"/>
-          </a:bodyPr>
-          <a:lstStyle/>
-          <a:p>
-            <a:r>
-              <a:rPr lang="en-US" dirty="0" smtClean="0"/>
-              <a:t>What is the Telecommunications Data Warehouse Model?</a:t>
-            </a:r>
-            <a:endParaRPr lang="en-US" dirty="0"/>
-          </a:p>
-        </p:txBody>
-      </p:sp>
-    </p:spTree>
-    <p:extLst>
-      <p:ext uri="{BB962C8B-B14F-4D97-AF65-F5344CB8AC3E}">
-        <p14:creationId xmlns:p14="http://schemas.microsoft.com/office/powerpoint/2010/main" val="3724462367"/>
-      </p:ext>
-    </p:extLst>
-  </p:cSld>
-  <p:clrMapOvr>
-    <a:masterClrMapping/>
-  </p:clrMapOvr>
-</p:sld>
-</file>
-
-<file path=ppt/slides/slide37.xml><?xml version="1.0" encoding="utf-8"?>
-<p:sld xmlns:a="http://schemas.openxmlformats.org/drawingml/2006/main" xmlns:r="http://schemas.openxmlformats.org/officeDocument/2006/relationships" xmlns:p="http://schemas.openxmlformats.org/presentationml/2006/main">
-  <p:cSld>
-    <p:spTree>
-      <p:nvGrpSpPr>
-        <p:cNvPr id="1" name=""/>
-        <p:cNvGrpSpPr/>
-        <p:nvPr/>
-      </p:nvGrpSpPr>
-      <p:grpSpPr>
-        <a:xfrm>
-          <a:off x="0" y="0"/>
-          <a:ext cx="0" cy="0"/>
-          <a:chOff x="0" y="0"/>
-          <a:chExt cx="0" cy="0"/>
-        </a:xfrm>
-      </p:grpSpPr>
-      <p:pic>
-        <p:nvPicPr>
-          <p:cNvPr id="4" name="Picture 2"/>
-          <p:cNvPicPr>
-            <a:picLocks noChangeAspect="1" noChangeArrowheads="1"/>
-          </p:cNvPicPr>
-          <p:nvPr/>
-        </p:nvPicPr>
-        <p:blipFill>
-          <a:blip r:embed="rId3"/>
-          <a:srcRect l="11875" t="45000" r="27500" b="17000"/>
-          <a:stretch>
-            <a:fillRect/>
-          </a:stretch>
-        </p:blipFill>
-        <p:spPr bwMode="auto">
-          <a:xfrm>
-            <a:off x="762000" y="1371600"/>
-            <a:ext cx="7391400" cy="2895600"/>
-          </a:xfrm>
-          <a:prstGeom prst="rect">
-            <a:avLst/>
-          </a:prstGeom>
-          <a:noFill/>
-          <a:ln w="9525">
-            <a:noFill/>
-            <a:miter lim="800000"/>
-            <a:headEnd/>
-            <a:tailEnd/>
-          </a:ln>
-          <a:effectLst/>
-        </p:spPr>
-      </p:pic>
-    </p:spTree>
-    <p:extLst>
-      <p:ext uri="{BB962C8B-B14F-4D97-AF65-F5344CB8AC3E}">
-        <p14:creationId xmlns:p14="http://schemas.microsoft.com/office/powerpoint/2010/main" val="294947683"/>
-      </p:ext>
-    </p:extLst>
-  </p:cSld>
-  <p:clrMapOvr>
-    <a:masterClrMapping/>
-  </p:clrMapOvr>
-</p:sld>
-</file>
-
-<file path=ppt/slides/slide38.xml><?xml version="1.0" encoding="utf-8"?>
-<p:sld xmlns:a="http://schemas.openxmlformats.org/drawingml/2006/main" xmlns:r="http://schemas.openxmlformats.org/officeDocument/2006/relationships" xmlns:p="http://schemas.openxmlformats.org/presentationml/2006/main">
-  <p:cSld>
-    <p:spTree>
-      <p:nvGrpSpPr>
-        <p:cNvPr id="1" name=""/>
-        <p:cNvGrpSpPr/>
-        <p:nvPr/>
-      </p:nvGrpSpPr>
-      <p:grpSpPr>
-        <a:xfrm>
-          <a:off x="0" y="0"/>
-          <a:ext cx="0" cy="0"/>
-          <a:chOff x="0" y="0"/>
-          <a:chExt cx="0" cy="0"/>
-        </a:xfrm>
-      </p:grpSpPr>
-      <p:pic>
-        <p:nvPicPr>
-          <p:cNvPr id="4" name="Picture 2"/>
-          <p:cNvPicPr>
-            <a:picLocks noChangeAspect="1" noChangeArrowheads="1"/>
-          </p:cNvPicPr>
-          <p:nvPr/>
-        </p:nvPicPr>
-        <p:blipFill>
-          <a:blip r:embed="rId3"/>
-          <a:srcRect l="21250" t="14000" r="18125"/>
-          <a:stretch>
-            <a:fillRect/>
-          </a:stretch>
-        </p:blipFill>
-        <p:spPr bwMode="auto">
-          <a:xfrm>
-            <a:off x="818707" y="0"/>
-            <a:ext cx="7735186" cy="6858000"/>
-          </a:xfrm>
-          <a:prstGeom prst="rect">
-            <a:avLst/>
-          </a:prstGeom>
-          <a:noFill/>
-          <a:ln w="9525">
-            <a:noFill/>
-            <a:miter lim="800000"/>
-            <a:headEnd/>
-            <a:tailEnd/>
-          </a:ln>
-          <a:effectLst/>
-        </p:spPr>
-      </p:pic>
-    </p:spTree>
-    <p:extLst>
-      <p:ext uri="{BB962C8B-B14F-4D97-AF65-F5344CB8AC3E}">
-        <p14:creationId xmlns:p14="http://schemas.microsoft.com/office/powerpoint/2010/main" val="117893554"/>
-      </p:ext>
-    </p:extLst>
-  </p:cSld>
-  <p:clrMapOvr>
-    <a:masterClrMapping/>
-  </p:clrMapOvr>
-</p:sld>
-</file>
-
-<file path=ppt/slides/slide39.xml><?xml version="1.0" encoding="utf-8"?>
-<p:sld xmlns:a="http://schemas.openxmlformats.org/drawingml/2006/main" xmlns:r="http://schemas.openxmlformats.org/officeDocument/2006/relationships" xmlns:p="http://schemas.openxmlformats.org/presentationml/2006/main">
-  <p:cSld>
-    <p:spTree>
-      <p:nvGrpSpPr>
-        <p:cNvPr id="1" name=""/>
-        <p:cNvGrpSpPr/>
-        <p:nvPr/>
-      </p:nvGrpSpPr>
-      <p:grpSpPr>
-        <a:xfrm>
-          <a:off x="0" y="0"/>
-          <a:ext cx="0" cy="0"/>
-          <a:chOff x="0" y="0"/>
-          <a:chExt cx="0" cy="0"/>
-        </a:xfrm>
-      </p:grpSpPr>
-      <p:sp>
-        <p:nvSpPr>
-          <p:cNvPr id="4" name="Title 1"/>
-          <p:cNvSpPr txBox="1">
-            <a:spLocks/>
-          </p:cNvSpPr>
-          <p:nvPr/>
-        </p:nvSpPr>
-        <p:spPr>
-          <a:xfrm>
-            <a:off x="342928" y="0"/>
-            <a:ext cx="8229600" cy="2571744"/>
-          </a:xfrm>
-          <a:prstGeom prst="rect">
-            <a:avLst/>
-          </a:prstGeom>
-        </p:spPr>
-        <p:txBody>
-          <a:bodyPr vert="horz" rtlCol="0" anchor="ctr">
-            <a:noAutofit/>
-            <a:scene3d>
-              <a:camera prst="orthographicFront"/>
-              <a:lightRig rig="soft" dir="t"/>
-            </a:scene3d>
-            <a:sp3d prstMaterial="softEdge">
-              <a:bevelT w="25400" h="25400"/>
-            </a:sp3d>
-          </a:bodyPr>
-          <a:lstStyle/>
-          <a:p>
-            <a:pPr marL="0" marR="0" lvl="0" indent="0" algn="ctr" defTabSz="914400" rtl="0" eaLnBrk="1" fontAlgn="auto" latinLnBrk="0" hangingPunct="1">
-              <a:lnSpc>
-                <a:spcPct val="100000"/>
-              </a:lnSpc>
-              <a:spcBef>
-                <a:spcPct val="0"/>
-              </a:spcBef>
-              <a:spcAft>
-                <a:spcPts val="0"/>
-              </a:spcAft>
-              <a:buClrTx/>
-              <a:buSzTx/>
-              <a:buFontTx/>
-              <a:buNone/>
-              <a:tabLst/>
-              <a:defRPr/>
-            </a:pPr>
-            <a:r>
-              <a:rPr kumimoji="0" lang="en-US" sz="3200" b="1" i="0" u="none" strike="noStrike" kern="1200" cap="none" spc="0" normalizeH="0" baseline="0" noProof="0" dirty="0" smtClean="0">
-                <a:ln>
-                  <a:noFill/>
-                </a:ln>
-                <a:solidFill>
-                  <a:schemeClr val="tx2"/>
-                </a:solidFill>
-                <a:effectLst>
-                  <a:outerShdw blurRad="31750" dist="25400" dir="5400000" algn="tl" rotWithShape="0">
-                    <a:srgbClr val="000000">
-                      <a:alpha val="25000"/>
-                    </a:srgbClr>
-                  </a:outerShdw>
-                </a:effectLst>
-                <a:uLnTx/>
-                <a:uFillTx/>
-                <a:latin typeface="+mj-lt"/>
-                <a:ea typeface="+mj-ea"/>
-                <a:cs typeface="+mj-cs"/>
-              </a:rPr>
-              <a:t>The Four Business Areas</a:t>
-            </a:r>
-            <a:br>
-              <a:rPr kumimoji="0" lang="en-US" sz="3200" b="1" i="0" u="none" strike="noStrike" kern="1200" cap="none" spc="0" normalizeH="0" baseline="0" noProof="0" dirty="0" smtClean="0">
-                <a:ln>
-                  <a:noFill/>
-                </a:ln>
-                <a:solidFill>
-                  <a:schemeClr val="tx2"/>
-                </a:solidFill>
-                <a:effectLst>
-                  <a:outerShdw blurRad="31750" dist="25400" dir="5400000" algn="tl" rotWithShape="0">
-                    <a:srgbClr val="000000">
-                      <a:alpha val="25000"/>
-                    </a:srgbClr>
-                  </a:outerShdw>
-                </a:effectLst>
-                <a:uLnTx/>
-                <a:uFillTx/>
-                <a:latin typeface="+mj-lt"/>
-                <a:ea typeface="+mj-ea"/>
-                <a:cs typeface="+mj-cs"/>
-              </a:rPr>
-            </a:br>
-            <a:r>
-              <a:rPr kumimoji="0" lang="en-US" sz="3200" b="1" i="0" u="none" strike="noStrike" kern="1200" cap="none" spc="0" normalizeH="0" baseline="0" noProof="0" dirty="0" smtClean="0">
-                <a:ln>
-                  <a:noFill/>
-                </a:ln>
-                <a:solidFill>
-                  <a:schemeClr val="tx2"/>
-                </a:solidFill>
-                <a:effectLst>
-                  <a:outerShdw blurRad="31750" dist="25400" dir="5400000" algn="tl" rotWithShape="0">
-                    <a:srgbClr val="000000">
-                      <a:alpha val="25000"/>
-                    </a:srgbClr>
-                  </a:outerShdw>
-                </a:effectLst>
-                <a:uLnTx/>
-                <a:uFillTx/>
-                <a:latin typeface="+mj-lt"/>
-                <a:ea typeface="+mj-ea"/>
-                <a:cs typeface="+mj-cs"/>
-              </a:rPr>
-              <a:t/>
-            </a:r>
-            <a:br>
-              <a:rPr kumimoji="0" lang="en-US" sz="3200" b="1" i="0" u="none" strike="noStrike" kern="1200" cap="none" spc="0" normalizeH="0" baseline="0" noProof="0" dirty="0" smtClean="0">
-                <a:ln>
-                  <a:noFill/>
-                </a:ln>
-                <a:solidFill>
-                  <a:schemeClr val="tx2"/>
-                </a:solidFill>
-                <a:effectLst>
-                  <a:outerShdw blurRad="31750" dist="25400" dir="5400000" algn="tl" rotWithShape="0">
-                    <a:srgbClr val="000000">
-                      <a:alpha val="25000"/>
-                    </a:srgbClr>
-                  </a:outerShdw>
-                </a:effectLst>
-                <a:uLnTx/>
-                <a:uFillTx/>
-                <a:latin typeface="+mj-lt"/>
-                <a:ea typeface="+mj-ea"/>
-                <a:cs typeface="+mj-cs"/>
-              </a:rPr>
-            </a:br>
-            <a:r>
-              <a:rPr kumimoji="0" lang="en-US" sz="3200" b="1" i="0" u="none" strike="noStrike" kern="1200" cap="none" spc="0" normalizeH="0" baseline="0" noProof="0" dirty="0" smtClean="0">
-                <a:ln>
-                  <a:noFill/>
-                </a:ln>
-                <a:solidFill>
-                  <a:schemeClr val="tx2"/>
-                </a:solidFill>
-                <a:effectLst>
-                  <a:outerShdw blurRad="31750" dist="25400" dir="5400000" algn="tl" rotWithShape="0">
-                    <a:srgbClr val="000000">
-                      <a:alpha val="25000"/>
-                    </a:srgbClr>
-                  </a:outerShdw>
-                </a:effectLst>
-                <a:uLnTx/>
-                <a:uFillTx/>
-                <a:latin typeface="+mj-lt"/>
-                <a:ea typeface="+mj-ea"/>
-                <a:cs typeface="+mj-cs"/>
-              </a:rPr>
-              <a:t>The TDW Solution contains more than 20BST’s covering four business</a:t>
-            </a:r>
-            <a:r>
-              <a:rPr lang="en-US" sz="3200" b="1" dirty="0" smtClean="0">
-                <a:solidFill>
-                  <a:schemeClr val="tx2"/>
-                </a:solidFill>
-                <a:effectLst>
-                  <a:outerShdw blurRad="31750" dist="25400" dir="5400000" algn="tl" rotWithShape="0">
-                    <a:srgbClr val="000000">
-                      <a:alpha val="25000"/>
-                    </a:srgbClr>
-                  </a:outerShdw>
-                </a:effectLst>
-                <a:latin typeface="+mj-lt"/>
-                <a:ea typeface="+mj-ea"/>
-                <a:cs typeface="+mj-cs"/>
-              </a:rPr>
-              <a:t> </a:t>
-            </a:r>
-            <a:r>
-              <a:rPr kumimoji="0" lang="en-US" sz="3200" b="1" i="0" u="none" strike="noStrike" kern="1200" cap="none" spc="0" normalizeH="0" baseline="0" noProof="0" dirty="0" smtClean="0">
-                <a:ln>
-                  <a:noFill/>
-                </a:ln>
-                <a:solidFill>
-                  <a:schemeClr val="tx2"/>
-                </a:solidFill>
-                <a:effectLst>
-                  <a:outerShdw blurRad="31750" dist="25400" dir="5400000" algn="tl" rotWithShape="0">
-                    <a:srgbClr val="000000">
-                      <a:alpha val="25000"/>
-                    </a:srgbClr>
-                  </a:outerShdw>
-                </a:effectLst>
-                <a:uLnTx/>
-                <a:uFillTx/>
-                <a:latin typeface="+mj-lt"/>
-                <a:ea typeface="+mj-ea"/>
-                <a:cs typeface="+mj-cs"/>
-              </a:rPr>
-              <a:t>areas.</a:t>
-            </a:r>
-            <a:endParaRPr kumimoji="0" lang="en-US" sz="3200" b="1" i="0" u="none" strike="noStrike" kern="1200" cap="none" spc="0" normalizeH="0" baseline="0" noProof="0" dirty="0">
-              <a:ln>
-                <a:noFill/>
-              </a:ln>
-              <a:solidFill>
-                <a:schemeClr val="tx2"/>
-              </a:solidFill>
-              <a:effectLst>
-                <a:outerShdw blurRad="31750" dist="25400" dir="5400000" algn="tl" rotWithShape="0">
-                  <a:srgbClr val="000000">
-                    <a:alpha val="25000"/>
-                  </a:srgbClr>
-                </a:outerShdw>
-              </a:effectLst>
-              <a:uLnTx/>
-              <a:uFillTx/>
-              <a:latin typeface="+mj-lt"/>
-              <a:ea typeface="+mj-ea"/>
-              <a:cs typeface="+mj-cs"/>
-            </a:endParaRPr>
-          </a:p>
-        </p:txBody>
-      </p:sp>
-      <p:pic>
-        <p:nvPicPr>
-          <p:cNvPr id="5" name="Picture 2"/>
-          <p:cNvPicPr>
-            <a:picLocks noChangeAspect="1" noChangeArrowheads="1"/>
-          </p:cNvPicPr>
-          <p:nvPr/>
-        </p:nvPicPr>
-        <p:blipFill>
-          <a:blip r:embed="rId3"/>
-          <a:srcRect l="13750" t="48000" r="9375" b="15000"/>
-          <a:stretch>
-            <a:fillRect/>
-          </a:stretch>
-        </p:blipFill>
-        <p:spPr bwMode="auto">
-          <a:xfrm>
-            <a:off x="381000" y="2743200"/>
-            <a:ext cx="8305800" cy="2498493"/>
-          </a:xfrm>
-          <a:prstGeom prst="rect">
-            <a:avLst/>
-          </a:prstGeom>
-          <a:noFill/>
-          <a:ln w="9525">
-            <a:noFill/>
-            <a:miter lim="800000"/>
-            <a:headEnd/>
-            <a:tailEnd/>
-          </a:ln>
-          <a:effectLst/>
-        </p:spPr>
-      </p:pic>
-    </p:spTree>
-    <p:extLst>
-      <p:ext uri="{BB962C8B-B14F-4D97-AF65-F5344CB8AC3E}">
-        <p14:creationId xmlns:p14="http://schemas.microsoft.com/office/powerpoint/2010/main" val="285792054"/>
-      </p:ext>
-    </p:extLst>
-  </p:cSld>
-  <p:clrMapOvr>
-    <a:masterClrMapping/>
-  </p:clrMapOvr>
-</p:sld>
-</file>
-
-<file path=ppt/slides/slide4.xml><?xml version="1.0" encoding="utf-8"?>
-<p:sld xmlns:a="http://schemas.openxmlformats.org/drawingml/2006/main" xmlns:r="http://schemas.openxmlformats.org/officeDocument/2006/relationships" xmlns:p="http://schemas.openxmlformats.org/presentationml/2006/main">
-  <p:cSld>
-    <p:spTree>
-      <p:nvGrpSpPr>
-        <p:cNvPr id="1" name=""/>
-        <p:cNvGrpSpPr/>
-        <p:nvPr/>
-      </p:nvGrpSpPr>
-      <p:grpSpPr>
-        <a:xfrm>
-          <a:off x="0" y="0"/>
-          <a:ext cx="0" cy="0"/>
-          <a:chOff x="0" y="0"/>
-          <a:chExt cx="0" cy="0"/>
-        </a:xfrm>
-      </p:grpSpPr>
-      <p:sp>
-        <p:nvSpPr>
-          <p:cNvPr id="2" name="Title 1"/>
-          <p:cNvSpPr>
-            <a:spLocks noGrp="1"/>
-          </p:cNvSpPr>
-          <p:nvPr>
-            <p:ph type="title"/>
-          </p:nvPr>
-        </p:nvSpPr>
-        <p:spPr/>
-        <p:txBody>
-          <a:bodyPr>
-            <a:normAutofit/>
-          </a:bodyPr>
-          <a:lstStyle/>
-          <a:p>
-            <a:r>
-              <a:rPr lang="en-US" sz="3600" b="1" dirty="0" smtClean="0"/>
-              <a:t>General Design Review Considerations</a:t>
-            </a:r>
-            <a:endParaRPr lang="en-US" sz="3600" b="1" dirty="0"/>
-          </a:p>
-        </p:txBody>
-      </p:sp>
-      <p:sp>
-        <p:nvSpPr>
-          <p:cNvPr id="3" name="Content Placeholder 2"/>
-          <p:cNvSpPr>
-            <a:spLocks noGrp="1"/>
-          </p:cNvSpPr>
-          <p:nvPr>
-            <p:ph idx="1"/>
-          </p:nvPr>
-        </p:nvSpPr>
-        <p:spPr/>
-        <p:txBody>
-          <a:bodyPr>
-            <a:normAutofit/>
-          </a:bodyPr>
-          <a:lstStyle/>
-          <a:p>
-            <a:r>
-              <a:rPr lang="en-US" dirty="0" smtClean="0"/>
-              <a:t>Granularity</a:t>
-            </a:r>
-          </a:p>
-          <a:p>
-            <a:r>
-              <a:rPr lang="en-US" dirty="0" smtClean="0"/>
-              <a:t>Fact </a:t>
-            </a:r>
-            <a:r>
-              <a:rPr lang="en-US" dirty="0" smtClean="0"/>
-              <a:t>Granularity</a:t>
-            </a:r>
-          </a:p>
-          <a:p>
-            <a:r>
-              <a:rPr lang="en-US" dirty="0" smtClean="0"/>
-              <a:t>Dimension </a:t>
-            </a:r>
-            <a:r>
-              <a:rPr lang="en-US" dirty="0" smtClean="0"/>
-              <a:t>Granularity</a:t>
-            </a:r>
-          </a:p>
-          <a:p>
-            <a:r>
-              <a:rPr lang="en-US" dirty="0" smtClean="0"/>
-              <a:t>Date Dimension</a:t>
-            </a:r>
-          </a:p>
-          <a:p>
-            <a:r>
-              <a:rPr lang="en-US" dirty="0" smtClean="0"/>
-              <a:t>Degenerate Dimension</a:t>
-            </a:r>
-          </a:p>
-          <a:p>
-            <a:r>
-              <a:rPr lang="en-US" dirty="0" smtClean="0"/>
-              <a:t>Dimension Decodes</a:t>
-            </a:r>
-            <a:r>
-              <a:rPr lang="th-TH" dirty="0" smtClean="0"/>
-              <a:t> </a:t>
-            </a:r>
-            <a:r>
-              <a:rPr lang="en-US" dirty="0" smtClean="0"/>
-              <a:t>and Descriptions</a:t>
-            </a:r>
-          </a:p>
-          <a:p>
-            <a:r>
-              <a:rPr lang="en-US" dirty="0"/>
-              <a:t>Too Many (Too Low)Dimension</a:t>
-            </a:r>
-          </a:p>
-        </p:txBody>
-      </p:sp>
-    </p:spTree>
-    <p:extLst>
-      <p:ext uri="{BB962C8B-B14F-4D97-AF65-F5344CB8AC3E}">
-        <p14:creationId xmlns:p14="http://schemas.microsoft.com/office/powerpoint/2010/main" val="3497119065"/>
-      </p:ext>
-    </p:extLst>
-  </p:cSld>
-  <p:clrMapOvr>
-    <a:masterClrMapping/>
-  </p:clrMapOvr>
-  <p:timing>
-    <p:tnLst>
-      <p:par>
-        <p:cTn id="1" dur="indefinite" restart="never" nodeType="tmRoot"/>
-      </p:par>
-    </p:tnLst>
-  </p:timing>
-</p:sld>
-</file>
-
-<file path=ppt/slides/slide40.xml><?xml version="1.0" encoding="utf-8"?>
-<p:sld xmlns:a="http://schemas.openxmlformats.org/drawingml/2006/main" xmlns:r="http://schemas.openxmlformats.org/officeDocument/2006/relationships" xmlns:p="http://schemas.openxmlformats.org/presentationml/2006/main">
-  <p:cSld>
-    <p:spTree>
-      <p:nvGrpSpPr>
-        <p:cNvPr id="1" name=""/>
-        <p:cNvGrpSpPr/>
-        <p:nvPr/>
-      </p:nvGrpSpPr>
-      <p:grpSpPr>
-        <a:xfrm>
-          <a:off x="0" y="0"/>
-          <a:ext cx="0" cy="0"/>
-          <a:chOff x="0" y="0"/>
-          <a:chExt cx="0" cy="0"/>
-        </a:xfrm>
-      </p:grpSpPr>
-      <p:sp>
-        <p:nvSpPr>
-          <p:cNvPr id="2" name="Title 1"/>
-          <p:cNvSpPr>
-            <a:spLocks noGrp="1"/>
-          </p:cNvSpPr>
-          <p:nvPr>
-            <p:ph type="title"/>
-          </p:nvPr>
-        </p:nvSpPr>
-        <p:spPr/>
-        <p:txBody>
-          <a:bodyPr/>
-          <a:lstStyle/>
-          <a:p>
-            <a:r>
-              <a:rPr lang="th-TH" dirty="0"/>
-              <a:t> </a:t>
-            </a:r>
-            <a:r>
-              <a:rPr lang="en-US" dirty="0" smtClean="0"/>
-              <a:t>reference</a:t>
-            </a:r>
-            <a:endParaRPr lang="en-US" dirty="0"/>
-          </a:p>
-        </p:txBody>
-      </p:sp>
-      <p:sp>
-        <p:nvSpPr>
-          <p:cNvPr id="3" name="Content Placeholder 2"/>
-          <p:cNvSpPr>
-            <a:spLocks noGrp="1"/>
-          </p:cNvSpPr>
-          <p:nvPr>
-            <p:ph idx="1"/>
-          </p:nvPr>
-        </p:nvSpPr>
-        <p:spPr/>
-        <p:txBody>
-          <a:bodyPr>
-            <a:normAutofit fontScale="77500" lnSpcReduction="20000"/>
-          </a:bodyPr>
-          <a:lstStyle/>
-          <a:p>
-            <a:r>
-              <a:rPr lang="en-US" dirty="0">
-                <a:hlinkClick r:id="rId3"/>
-              </a:rPr>
-              <a:t>http://</a:t>
-            </a:r>
-            <a:r>
-              <a:rPr lang="en-US" dirty="0" smtClean="0">
-                <a:hlinkClick r:id="rId3"/>
-              </a:rPr>
-              <a:t>www.stragechom.com/industries/telecommunication_and_utilities.html</a:t>
-            </a:r>
-            <a:endParaRPr lang="th-TH" dirty="0" smtClean="0"/>
-          </a:p>
-          <a:p>
-            <a:r>
-              <a:rPr lang="en-US" dirty="0">
-                <a:hlinkClick r:id="rId4"/>
-              </a:rPr>
-              <a:t>http://</a:t>
-            </a:r>
-            <a:r>
-              <a:rPr lang="en-US" dirty="0" smtClean="0">
-                <a:hlinkClick r:id="rId4"/>
-              </a:rPr>
-              <a:t>www.co.escambia.fl.us/Bureaus/PublicWorks/Telecommunications.html</a:t>
-            </a:r>
-            <a:endParaRPr lang="th-TH" dirty="0" smtClean="0"/>
-          </a:p>
-          <a:p>
-            <a:r>
-              <a:rPr lang="en-US" dirty="0">
-                <a:hlinkClick r:id="rId5"/>
-              </a:rPr>
-              <a:t>http://</a:t>
-            </a:r>
-            <a:r>
-              <a:rPr lang="en-US" dirty="0" smtClean="0">
-                <a:hlinkClick r:id="rId5"/>
-              </a:rPr>
-              <a:t>www.martindawessystems.com/pdfs/businessmoney.pdf</a:t>
-            </a:r>
-            <a:endParaRPr lang="th-TH" dirty="0" smtClean="0"/>
-          </a:p>
-          <a:p>
-            <a:r>
-              <a:rPr lang="en-US" dirty="0">
-                <a:hlinkClick r:id="rId6"/>
-              </a:rPr>
-              <a:t>http://</a:t>
-            </a:r>
-            <a:r>
-              <a:rPr lang="en-US" dirty="0" smtClean="0">
-                <a:hlinkClick r:id="rId6"/>
-              </a:rPr>
-              <a:t>www.realmarket.com/required/hp11.pdf</a:t>
-            </a:r>
-            <a:endParaRPr lang="th-TH" dirty="0" smtClean="0"/>
-          </a:p>
-          <a:p>
-            <a:r>
-              <a:rPr lang="en-US" dirty="0">
-                <a:hlinkClick r:id="rId7"/>
-              </a:rPr>
-              <a:t>http://</a:t>
-            </a:r>
-            <a:r>
-              <a:rPr lang="en-US" dirty="0" smtClean="0">
-                <a:hlinkClick r:id="rId7"/>
-              </a:rPr>
-              <a:t>www-01.ibm.com/support/docview.wss?uid=swg24022618</a:t>
-            </a:r>
-            <a:endParaRPr lang="th-TH" dirty="0" smtClean="0"/>
-          </a:p>
-          <a:p>
-            <a:r>
-              <a:rPr lang="en-US" dirty="0">
-                <a:hlinkClick r:id="rId8"/>
-              </a:rPr>
-              <a:t>http://</a:t>
-            </a:r>
-            <a:r>
-              <a:rPr lang="en-US" dirty="0" smtClean="0">
-                <a:hlinkClick r:id="rId8"/>
-              </a:rPr>
-              <a:t>www.informatica.com/solutions/telecommunications/Pages/index.aspx</a:t>
-            </a:r>
-            <a:endParaRPr lang="th-TH" dirty="0" smtClean="0"/>
-          </a:p>
-          <a:p>
-            <a:r>
-              <a:rPr lang="en-US" dirty="0" smtClean="0"/>
-              <a:t>/</a:t>
-            </a:r>
-            <a:endParaRPr lang="en-US" dirty="0"/>
-          </a:p>
-        </p:txBody>
-      </p:sp>
-    </p:spTree>
-    <p:extLst>
-      <p:ext uri="{BB962C8B-B14F-4D97-AF65-F5344CB8AC3E}">
-        <p14:creationId xmlns:p14="http://schemas.microsoft.com/office/powerpoint/2010/main" val="91178122"/>
-      </p:ext>
-    </p:extLst>
-  </p:cSld>
-  <p:clrMapOvr>
-    <a:masterClrMapping/>
-  </p:clrMapOvr>
-  <p:timing>
-    <p:tnLst>
-      <p:par>
-        <p:cTn id="1" dur="indefinite" restart="never" nodeType="tmRoot"/>
-      </p:par>
-    </p:tnLst>
-  </p:timing>
-</p:sld>
-</file>
-
-<file path=ppt/slides/slide5.xml><?xml version="1.0" encoding="utf-8"?>
-<p:sld xmlns:a="http://schemas.openxmlformats.org/drawingml/2006/main" xmlns:r="http://schemas.openxmlformats.org/officeDocument/2006/relationships" xmlns:p="http://schemas.openxmlformats.org/presentationml/2006/main">
-  <p:cSld>
-    <p:spTree>
-      <p:nvGrpSpPr>
-        <p:cNvPr id="1" name=""/>
-        <p:cNvGrpSpPr/>
-        <p:nvPr/>
-      </p:nvGrpSpPr>
-      <p:grpSpPr>
-        <a:xfrm>
-          <a:off x="0" y="0"/>
-          <a:ext cx="0" cy="0"/>
-          <a:chOff x="0" y="0"/>
-          <a:chExt cx="0" cy="0"/>
-        </a:xfrm>
-      </p:grpSpPr>
-      <p:sp>
-        <p:nvSpPr>
-          <p:cNvPr id="2" name="Title 1"/>
-          <p:cNvSpPr>
-            <a:spLocks noGrp="1"/>
-          </p:cNvSpPr>
-          <p:nvPr>
-            <p:ph type="title"/>
-          </p:nvPr>
-        </p:nvSpPr>
-        <p:spPr/>
-        <p:txBody>
-          <a:bodyPr/>
-          <a:lstStyle/>
-          <a:p>
-            <a:r>
-              <a:rPr lang="en-US" b="1" dirty="0"/>
-              <a:t>Granularity</a:t>
-            </a:r>
-          </a:p>
-        </p:txBody>
-      </p:sp>
-      <p:sp>
-        <p:nvSpPr>
-          <p:cNvPr id="3" name="Content Placeholder 2"/>
-          <p:cNvSpPr>
-            <a:spLocks noGrp="1"/>
-          </p:cNvSpPr>
-          <p:nvPr>
-            <p:ph idx="1"/>
-          </p:nvPr>
-        </p:nvSpPr>
-        <p:spPr/>
-        <p:txBody>
-          <a:bodyPr/>
-          <a:lstStyle/>
-          <a:p>
-            <a:r>
-              <a:rPr lang="th-TH" dirty="0" smtClean="0"/>
-              <a:t>ควรจะกำหนด </a:t>
-            </a:r>
-            <a:r>
-              <a:rPr lang="en-US" dirty="0" smtClean="0"/>
-              <a:t>Granularity</a:t>
-            </a:r>
-            <a:r>
-              <a:rPr lang="th-TH" dirty="0" smtClean="0"/>
-              <a:t> ให้มีระดับที่เหมาะสมที่สุด</a:t>
-            </a:r>
-          </a:p>
-          <a:p>
-            <a:r>
-              <a:rPr lang="th-TH" dirty="0" smtClean="0"/>
-              <a:t>ไม่จำเป็นต้องละเอียดที่สุดเสมอไป</a:t>
-            </a:r>
-          </a:p>
-          <a:p>
-            <a:r>
-              <a:rPr lang="th-TH" dirty="0" smtClean="0"/>
-              <a:t>ตรงตามความต้องการของผู้ใช้</a:t>
-            </a:r>
-            <a:endParaRPr lang="th-TH" dirty="0" smtClean="0"/>
-          </a:p>
-          <a:p>
-            <a:endParaRPr lang="en-US" dirty="0"/>
-          </a:p>
-        </p:txBody>
-      </p:sp>
-    </p:spTree>
-    <p:extLst>
-      <p:ext uri="{BB962C8B-B14F-4D97-AF65-F5344CB8AC3E}">
-        <p14:creationId xmlns:p14="http://schemas.microsoft.com/office/powerpoint/2010/main" val="700790690"/>
-      </p:ext>
-    </p:extLst>
-  </p:cSld>
-  <p:clrMapOvr>
-    <a:masterClrMapping/>
-  </p:clrMapOvr>
-  <p:timing>
-    <p:tnLst>
-      <p:par>
-        <p:cTn id="1" dur="indefinite" restart="never" nodeType="tmRoot"/>
-      </p:par>
-    </p:tnLst>
-  </p:timing>
-</p:sld>
-</file>
-
-<file path=ppt/slides/slide6.xml><?xml version="1.0" encoding="utf-8"?>
-<p:sld xmlns:a="http://schemas.openxmlformats.org/drawingml/2006/main" xmlns:r="http://schemas.openxmlformats.org/officeDocument/2006/relationships" xmlns:p="http://schemas.openxmlformats.org/presentationml/2006/main">
-  <p:cSld>
-    <p:spTree>
-      <p:nvGrpSpPr>
-        <p:cNvPr id="1" name=""/>
-        <p:cNvGrpSpPr/>
-        <p:nvPr/>
-      </p:nvGrpSpPr>
-      <p:grpSpPr>
-        <a:xfrm>
-          <a:off x="0" y="0"/>
-          <a:ext cx="0" cy="0"/>
-          <a:chOff x="0" y="0"/>
-          <a:chExt cx="0" cy="0"/>
-        </a:xfrm>
-      </p:grpSpPr>
-      <p:sp>
-        <p:nvSpPr>
-          <p:cNvPr id="2" name="Title 1"/>
-          <p:cNvSpPr>
-            <a:spLocks noGrp="1"/>
-          </p:cNvSpPr>
-          <p:nvPr>
-            <p:ph type="title"/>
-          </p:nvPr>
-        </p:nvSpPr>
-        <p:spPr/>
-        <p:txBody>
-          <a:bodyPr/>
-          <a:lstStyle/>
-          <a:p>
-            <a:r>
-              <a:rPr lang="en-US" b="1" dirty="0" smtClean="0"/>
-              <a:t>Granularity(cont.)</a:t>
-            </a:r>
-            <a:endParaRPr lang="en-US" dirty="0"/>
-          </a:p>
-        </p:txBody>
-      </p:sp>
-      <p:sp>
-        <p:nvSpPr>
-          <p:cNvPr id="3" name="Content Placeholder 2"/>
-          <p:cNvSpPr>
-            <a:spLocks noGrp="1"/>
-          </p:cNvSpPr>
-          <p:nvPr>
-            <p:ph idx="1"/>
-          </p:nvPr>
-        </p:nvSpPr>
-        <p:spPr>
-          <a:xfrm>
-            <a:off x="228600" y="1600200"/>
-            <a:ext cx="4191000" cy="4525963"/>
-          </a:xfrm>
-        </p:spPr>
-        <p:txBody>
-          <a:bodyPr/>
-          <a:lstStyle/>
-          <a:p>
-            <a:r>
-              <a:rPr lang="en-US" dirty="0" smtClean="0"/>
-              <a:t>DATE Dimension</a:t>
-            </a:r>
-          </a:p>
-          <a:p>
-            <a:pPr lvl="1"/>
-            <a:r>
-              <a:rPr lang="en-US" dirty="0" smtClean="0"/>
-              <a:t>Date</a:t>
-            </a:r>
-          </a:p>
-          <a:p>
-            <a:pPr lvl="1"/>
-            <a:r>
-              <a:rPr lang="en-US" dirty="0" smtClean="0"/>
-              <a:t>Week</a:t>
-            </a:r>
-          </a:p>
-          <a:p>
-            <a:pPr lvl="1"/>
-            <a:r>
-              <a:rPr lang="en-US" dirty="0" smtClean="0"/>
-              <a:t>Month</a:t>
-            </a:r>
-          </a:p>
-          <a:p>
-            <a:pPr lvl="1"/>
-            <a:r>
-              <a:rPr lang="en-US" dirty="0" smtClean="0"/>
-              <a:t>Quarter </a:t>
-            </a:r>
-          </a:p>
-          <a:p>
-            <a:pPr lvl="1"/>
-            <a:r>
-              <a:rPr lang="en-US" dirty="0" smtClean="0"/>
-              <a:t>Year</a:t>
-            </a:r>
-          </a:p>
-          <a:p>
-            <a:pPr lvl="1"/>
-            <a:r>
-              <a:rPr lang="en-US" dirty="0" err="1" smtClean="0"/>
-              <a:t>Dayofweek</a:t>
-            </a:r>
-            <a:endParaRPr lang="en-US" dirty="0" smtClean="0"/>
-          </a:p>
-          <a:p>
-            <a:pPr lvl="1"/>
-            <a:r>
-              <a:rPr lang="en-US" dirty="0" smtClean="0"/>
-              <a:t>Etc.</a:t>
-            </a:r>
-          </a:p>
-          <a:p>
-            <a:endParaRPr lang="en-US" dirty="0"/>
-          </a:p>
-        </p:txBody>
-      </p:sp>
-      <p:sp>
-        <p:nvSpPr>
-          <p:cNvPr id="4" name="Content Placeholder 2"/>
-          <p:cNvSpPr txBox="1">
-            <a:spLocks/>
-          </p:cNvSpPr>
-          <p:nvPr/>
-        </p:nvSpPr>
-        <p:spPr>
-          <a:xfrm>
-            <a:off x="4648200" y="1600200"/>
-            <a:ext cx="4191000" cy="4525963"/>
-          </a:xfrm>
-          <a:prstGeom prst="rect">
-            <a:avLst/>
-          </a:prstGeom>
-        </p:spPr>
-        <p:txBody>
-          <a:bodyPr vert="horz" lIns="91440" tIns="45720" rIns="91440" bIns="45720" rtlCol="0">
-            <a:normAutofit/>
-          </a:bodyPr>
-          <a:lstStyle>
-            <a:lvl1pPr marL="342900" indent="-342900" algn="l" defTabSz="914400" rtl="0" eaLnBrk="1" latinLnBrk="0" hangingPunct="1">
-              <a:spcBef>
-                <a:spcPct val="20000"/>
-              </a:spcBef>
-              <a:buFont typeface="Arial" pitchFamily="34" charset="0"/>
-              <a:buChar char="•"/>
-              <a:defRPr sz="3200" kern="1200">
-                <a:solidFill>
-                  <a:schemeClr val="tx1"/>
-                </a:solidFill>
-                <a:latin typeface="+mn-lt"/>
-                <a:ea typeface="+mn-ea"/>
-                <a:cs typeface="+mn-cs"/>
-              </a:defRPr>
-            </a:lvl1pPr>
-            <a:lvl2pPr marL="742950" indent="-285750" algn="l" defTabSz="914400" rtl="0" eaLnBrk="1" latinLnBrk="0" hangingPunct="1">
-              <a:spcBef>
-                <a:spcPct val="20000"/>
-              </a:spcBef>
-              <a:buFont typeface="Arial" pitchFamily="34" charset="0"/>
-              <a:buChar char="–"/>
-              <a:defRPr sz="2800" kern="1200">
-                <a:solidFill>
-                  <a:schemeClr val="tx1"/>
-                </a:solidFill>
-                <a:latin typeface="+mn-lt"/>
-                <a:ea typeface="+mn-ea"/>
-                <a:cs typeface="+mn-cs"/>
-              </a:defRPr>
-            </a:lvl2pPr>
-            <a:lvl3pPr marL="1143000" indent="-228600" algn="l" defTabSz="914400" rtl="0" eaLnBrk="1" latinLnBrk="0" hangingPunct="1">
-              <a:spcBef>
-                <a:spcPct val="20000"/>
-              </a:spcBef>
-              <a:buFont typeface="Arial" pitchFamily="34" charset="0"/>
-              <a:buChar char="•"/>
-              <a:defRPr sz="2400" kern="1200">
-                <a:solidFill>
-                  <a:schemeClr val="tx1"/>
-                </a:solidFill>
-                <a:latin typeface="+mn-lt"/>
-                <a:ea typeface="+mn-ea"/>
-                <a:cs typeface="+mn-cs"/>
-              </a:defRPr>
-            </a:lvl3pPr>
-            <a:lvl4pPr marL="1600200" indent="-228600" algn="l" defTabSz="914400" rtl="0" eaLnBrk="1" latinLnBrk="0" hangingPunct="1">
-              <a:spcBef>
-                <a:spcPct val="20000"/>
-              </a:spcBef>
-              <a:buFont typeface="Arial" pitchFamily="34" charset="0"/>
-              <a:buChar char="–"/>
-              <a:defRPr sz="2000" kern="1200">
-                <a:solidFill>
-                  <a:schemeClr val="tx1"/>
-                </a:solidFill>
-                <a:latin typeface="+mn-lt"/>
-                <a:ea typeface="+mn-ea"/>
-                <a:cs typeface="+mn-cs"/>
-              </a:defRPr>
-            </a:lvl4pPr>
-            <a:lvl5pPr marL="2057400" indent="-228600" algn="l" defTabSz="914400" rtl="0" eaLnBrk="1" latinLnBrk="0" hangingPunct="1">
-              <a:spcBef>
-                <a:spcPct val="20000"/>
-              </a:spcBef>
-              <a:buFont typeface="Arial" pitchFamily="34" charset="0"/>
-              <a:buChar char="»"/>
-              <a:defRPr sz="2000" kern="1200">
-                <a:solidFill>
-                  <a:schemeClr val="tx1"/>
-                </a:solidFill>
-                <a:latin typeface="+mn-lt"/>
-                <a:ea typeface="+mn-ea"/>
-                <a:cs typeface="+mn-cs"/>
-              </a:defRPr>
-            </a:lvl5pPr>
-            <a:lvl6pPr marL="2514600" indent="-228600" algn="l" defTabSz="914400" rtl="0" eaLnBrk="1" latinLnBrk="0" hangingPunct="1">
-              <a:spcBef>
-                <a:spcPct val="20000"/>
-              </a:spcBef>
-              <a:buFont typeface="Arial" pitchFamily="34" charset="0"/>
-              <a:buChar char="•"/>
-              <a:defRPr sz="2000" kern="1200">
-                <a:solidFill>
-                  <a:schemeClr val="tx1"/>
-                </a:solidFill>
-                <a:latin typeface="+mn-lt"/>
-                <a:ea typeface="+mn-ea"/>
-                <a:cs typeface="+mn-cs"/>
-              </a:defRPr>
-            </a:lvl6pPr>
-            <a:lvl7pPr marL="2971800" indent="-228600" algn="l" defTabSz="914400" rtl="0" eaLnBrk="1" latinLnBrk="0" hangingPunct="1">
-              <a:spcBef>
-                <a:spcPct val="20000"/>
-              </a:spcBef>
-              <a:buFont typeface="Arial" pitchFamily="34" charset="0"/>
-              <a:buChar char="•"/>
-              <a:defRPr sz="2000" kern="1200">
-                <a:solidFill>
-                  <a:schemeClr val="tx1"/>
-                </a:solidFill>
-                <a:latin typeface="+mn-lt"/>
-                <a:ea typeface="+mn-ea"/>
-                <a:cs typeface="+mn-cs"/>
-              </a:defRPr>
-            </a:lvl7pPr>
-            <a:lvl8pPr marL="3429000" indent="-228600" algn="l" defTabSz="914400" rtl="0" eaLnBrk="1" latinLnBrk="0" hangingPunct="1">
-              <a:spcBef>
-                <a:spcPct val="20000"/>
-              </a:spcBef>
-              <a:buFont typeface="Arial" pitchFamily="34" charset="0"/>
-              <a:buChar char="•"/>
-              <a:defRPr sz="2000" kern="1200">
-                <a:solidFill>
-                  <a:schemeClr val="tx1"/>
-                </a:solidFill>
-                <a:latin typeface="+mn-lt"/>
-                <a:ea typeface="+mn-ea"/>
-                <a:cs typeface="+mn-cs"/>
-              </a:defRPr>
-            </a:lvl8pPr>
-            <a:lvl9pPr marL="3886200" indent="-228600" algn="l" defTabSz="914400" rtl="0" eaLnBrk="1" latinLnBrk="0" hangingPunct="1">
-              <a:spcBef>
-                <a:spcPct val="20000"/>
-              </a:spcBef>
-              <a:buFont typeface="Arial" pitchFamily="34" charset="0"/>
-              <a:buChar char="•"/>
-              <a:defRPr sz="2000" kern="1200">
-                <a:solidFill>
-                  <a:schemeClr val="tx1"/>
-                </a:solidFill>
-                <a:latin typeface="+mn-lt"/>
-                <a:ea typeface="+mn-ea"/>
-                <a:cs typeface="+mn-cs"/>
-              </a:defRPr>
-            </a:lvl9pPr>
-          </a:lstStyle>
-          <a:p>
-            <a:r>
-              <a:rPr lang="en-US" dirty="0" smtClean="0"/>
-              <a:t>DATE Dimension</a:t>
-            </a:r>
-          </a:p>
-          <a:p>
-            <a:pPr lvl="1"/>
-            <a:r>
-              <a:rPr lang="en-US" dirty="0" smtClean="0"/>
-              <a:t>Month</a:t>
-            </a:r>
-          </a:p>
-          <a:p>
-            <a:pPr lvl="1"/>
-            <a:r>
-              <a:rPr lang="en-US" dirty="0" smtClean="0"/>
-              <a:t> Quarter</a:t>
-            </a:r>
-          </a:p>
-          <a:p>
-            <a:pPr lvl="1"/>
-            <a:r>
-              <a:rPr lang="en-US" dirty="0" smtClean="0"/>
-              <a:t>Year</a:t>
-            </a:r>
-          </a:p>
-          <a:p>
-            <a:endParaRPr lang="en-US" dirty="0"/>
-          </a:p>
-        </p:txBody>
-      </p:sp>
-    </p:spTree>
-    <p:extLst>
-      <p:ext uri="{BB962C8B-B14F-4D97-AF65-F5344CB8AC3E}">
-        <p14:creationId xmlns:p14="http://schemas.microsoft.com/office/powerpoint/2010/main" val="660327386"/>
-      </p:ext>
-    </p:extLst>
-  </p:cSld>
-  <p:clrMapOvr>
-    <a:masterClrMapping/>
-  </p:clrMapOvr>
-  <p:timing>
-    <p:tnLst>
-      <p:par>
-        <p:cTn id="1" dur="indefinite" restart="never" nodeType="tmRoot"/>
-      </p:par>
-    </p:tnLst>
-  </p:timing>
-</p:sld>
-</file>
-
-<file path=ppt/slides/slide7.xml><?xml version="1.0" encoding="utf-8"?>
-<p:sld xmlns:a="http://schemas.openxmlformats.org/drawingml/2006/main" xmlns:r="http://schemas.openxmlformats.org/officeDocument/2006/relationships" xmlns:p="http://schemas.openxmlformats.org/presentationml/2006/main">
-  <p:cSld>
-    <p:spTree>
-      <p:nvGrpSpPr>
-        <p:cNvPr id="1" name=""/>
-        <p:cNvGrpSpPr/>
-        <p:nvPr/>
-      </p:nvGrpSpPr>
-      <p:grpSpPr>
-        <a:xfrm>
-          <a:off x="0" y="0"/>
-          <a:ext cx="0" cy="0"/>
-          <a:chOff x="0" y="0"/>
-          <a:chExt cx="0" cy="0"/>
-        </a:xfrm>
-      </p:grpSpPr>
-      <p:sp>
-        <p:nvSpPr>
-          <p:cNvPr id="2" name="Title 1"/>
-          <p:cNvSpPr>
-            <a:spLocks noGrp="1"/>
-          </p:cNvSpPr>
-          <p:nvPr>
-            <p:ph type="title"/>
-          </p:nvPr>
-        </p:nvSpPr>
-        <p:spPr/>
-        <p:txBody>
-          <a:bodyPr/>
-          <a:lstStyle/>
-          <a:p>
-            <a:r>
-              <a:rPr lang="en-US" b="1" dirty="0"/>
-              <a:t>Fact Granularity</a:t>
-            </a:r>
-          </a:p>
-        </p:txBody>
-      </p:sp>
-      <p:sp>
-        <p:nvSpPr>
-          <p:cNvPr id="3" name="Content Placeholder 2"/>
-          <p:cNvSpPr>
-            <a:spLocks noGrp="1"/>
-          </p:cNvSpPr>
-          <p:nvPr>
-            <p:ph idx="1"/>
-          </p:nvPr>
-        </p:nvSpPr>
-        <p:spPr/>
-        <p:txBody>
-          <a:bodyPr/>
-          <a:lstStyle/>
-          <a:p>
-            <a:r>
-              <a:rPr lang="en-US" dirty="0" smtClean="0"/>
-              <a:t>Fact table </a:t>
-            </a:r>
-            <a:r>
-              <a:rPr lang="th-TH" dirty="0" smtClean="0"/>
-              <a:t>เก็บค่าจำพวก </a:t>
-            </a:r>
-            <a:r>
-              <a:rPr lang="en-US" dirty="0" smtClean="0"/>
-              <a:t>total </a:t>
-            </a:r>
-            <a:r>
-              <a:rPr lang="th-TH" dirty="0" smtClean="0"/>
-              <a:t>ต่างๆไว้</a:t>
-            </a:r>
-            <a:endParaRPr lang="th-TH" dirty="0"/>
-          </a:p>
-          <a:p>
-            <a:r>
-              <a:rPr lang="th-TH" dirty="0" smtClean="0"/>
-              <a:t>การเพิ่มประสิทธิภาพและลดปัญหาซับซ้อนของข้อมูล</a:t>
-            </a:r>
-          </a:p>
-          <a:p>
-            <a:r>
-              <a:rPr lang="th-TH" dirty="0" smtClean="0"/>
-              <a:t>ข้อมูลขาดคุณสมบัติ </a:t>
-            </a:r>
-            <a:r>
-              <a:rPr lang="en-US" dirty="0" smtClean="0"/>
-              <a:t>additive</a:t>
-            </a:r>
-            <a:endParaRPr lang="th-TH" dirty="0" smtClean="0"/>
-          </a:p>
-          <a:p>
-            <a:pPr lvl="1"/>
-            <a:r>
-              <a:rPr lang="th-TH" dirty="0" smtClean="0"/>
-              <a:t>วัน /เดือน /ปี</a:t>
-            </a:r>
-          </a:p>
-          <a:p>
-            <a:r>
-              <a:rPr lang="en-US" dirty="0" smtClean="0"/>
-              <a:t>Example</a:t>
-            </a:r>
-          </a:p>
-          <a:p>
-            <a:pPr lvl="1"/>
-            <a:r>
-              <a:rPr lang="th-TH" dirty="0" smtClean="0"/>
-              <a:t>ถ้ามี </a:t>
-            </a:r>
-            <a:r>
-              <a:rPr lang="en-US" dirty="0" smtClean="0"/>
-              <a:t>bill </a:t>
-            </a:r>
-            <a:r>
-              <a:rPr lang="th-TH" dirty="0" smtClean="0"/>
-              <a:t>มากกว่า 1 </a:t>
-            </a:r>
-            <a:r>
-              <a:rPr lang="en-US" dirty="0" smtClean="0"/>
-              <a:t>bill </a:t>
-            </a:r>
-            <a:r>
-              <a:rPr lang="th-TH" dirty="0" smtClean="0"/>
-              <a:t>เกิดปัญหา นับ </a:t>
-            </a:r>
-            <a:r>
-              <a:rPr lang="en-US" dirty="0" smtClean="0"/>
-              <a:t>column “year-to-date” </a:t>
-            </a:r>
-            <a:r>
-              <a:rPr lang="th-TH" dirty="0" smtClean="0"/>
-              <a:t>ไม่สือความหมายได้</a:t>
-            </a:r>
-            <a:endParaRPr lang="en-US" dirty="0"/>
-          </a:p>
-        </p:txBody>
-      </p:sp>
-    </p:spTree>
-    <p:extLst>
-      <p:ext uri="{BB962C8B-B14F-4D97-AF65-F5344CB8AC3E}">
-        <p14:creationId xmlns:p14="http://schemas.microsoft.com/office/powerpoint/2010/main" val="1871362424"/>
-      </p:ext>
-    </p:extLst>
-  </p:cSld>
-  <p:clrMapOvr>
-    <a:masterClrMapping/>
-  </p:clrMapOvr>
-  <p:timing>
-    <p:tnLst>
-      <p:par>
-        <p:cTn id="1" dur="indefinite" restart="never" nodeType="tmRoot">
-          <p:childTnLst>
-            <p:seq concurrent="1" nextAc="seek">
-              <p:cTn id="2" dur="indefinite" nodeType="mainSeq">
-                <p:childTnLst>
-                  <p:par>
-                    <p:cTn id="3" fill="hold">
-                      <p:stCondLst>
-                        <p:cond delay="indefinite"/>
-                      </p:stCondLst>
-                      <p:childTnLst>
-                        <p:par>
-                          <p:cTn id="4" fill="hold">
-                            <p:stCondLst>
-                              <p:cond delay="0"/>
-                            </p:stCondLst>
-                            <p:childTnLst>
-                              <p:par>
-                                <p:cTn id="5" presetID="1" presetClass="entr" presetSubtype="0" fill="hold" nodeType="clickEffect">
-                                  <p:stCondLst>
-                                    <p:cond delay="0"/>
-                                  </p:stCondLst>
-                                  <p:childTnLst>
-                                    <p:set>
-                                      <p:cBhvr>
-                                        <p:cTn id="6" dur="1" fill="hold">
-                                          <p:stCondLst>
-                                            <p:cond delay="0"/>
-                                          </p:stCondLst>
-                                        </p:cTn>
-                                        <p:tgtEl>
-                                          <p:spTgt spid="3">
-                                            <p:txEl>
-                                              <p:pRg st="0" end="0"/>
-                                            </p:txEl>
-                                          </p:spTgt>
-                                        </p:tgtEl>
-                                        <p:attrNameLst>
-                                          <p:attrName>style.visibility</p:attrName>
-                                        </p:attrNameLst>
-                                      </p:cBhvr>
-                                      <p:to>
-                                        <p:strVal val="visible"/>
-                                      </p:to>
-                                    </p:set>
-                                  </p:childTnLst>
-                                </p:cTn>
-                              </p:par>
-                            </p:childTnLst>
-                          </p:cTn>
-                        </p:par>
-                      </p:childTnLst>
-                    </p:cTn>
-                  </p:par>
-                  <p:par>
-                    <p:cTn id="7" fill="hold">
-                      <p:stCondLst>
-                        <p:cond delay="indefinite"/>
-                      </p:stCondLst>
-                      <p:childTnLst>
-                        <p:par>
-                          <p:cTn id="8" fill="hold">
-                            <p:stCondLst>
-                              <p:cond delay="0"/>
-                            </p:stCondLst>
-                            <p:childTnLst>
-                              <p:par>
-                                <p:cTn id="9" presetID="1" presetClass="entr" presetSubtype="0" fill="hold" nodeType="clickEffect">
-                                  <p:stCondLst>
-                                    <p:cond delay="0"/>
-                                  </p:stCondLst>
-                                  <p:childTnLst>
-                                    <p:set>
-                                      <p:cBhvr>
-                                        <p:cTn id="10" dur="1" fill="hold">
-                                          <p:stCondLst>
-                                            <p:cond delay="0"/>
-                                          </p:stCondLst>
-                                        </p:cTn>
-                                        <p:tgtEl>
-                                          <p:spTgt spid="3">
-                                            <p:txEl>
-                                              <p:pRg st="1" end="1"/>
-                                            </p:txEl>
-                                          </p:spTgt>
-                                        </p:tgtEl>
-                                        <p:attrNameLst>
-                                          <p:attrName>style.visibility</p:attrName>
-                                        </p:attrNameLst>
-                                      </p:cBhvr>
-                                      <p:to>
-                                        <p:strVal val="visible"/>
-                                      </p:to>
-                                    </p:set>
-                                  </p:childTnLst>
-                                </p:cTn>
-                              </p:par>
-                            </p:childTnLst>
-                          </p:cTn>
-                        </p:par>
-                      </p:childTnLst>
-                    </p:cTn>
-                  </p:par>
-                  <p:par>
-                    <p:cTn id="11" fill="hold">
-                      <p:stCondLst>
-                        <p:cond delay="indefinite"/>
-                      </p:stCondLst>
-                      <p:childTnLst>
-                        <p:par>
-                          <p:cTn id="12" fill="hold">
-                            <p:stCondLst>
-                              <p:cond delay="0"/>
-                            </p:stCondLst>
-                            <p:childTnLst>
-                              <p:par>
-                                <p:cTn id="13" presetID="1" presetClass="entr" presetSubtype="0" fill="hold" nodeType="clickEffect">
-                                  <p:stCondLst>
-                                    <p:cond delay="0"/>
-                                  </p:stCondLst>
-                                  <p:childTnLst>
-                                    <p:set>
-                                      <p:cBhvr>
-                                        <p:cTn id="14" dur="1" fill="hold">
-                                          <p:stCondLst>
-                                            <p:cond delay="0"/>
-                                          </p:stCondLst>
-                                        </p:cTn>
-                                        <p:tgtEl>
-                                          <p:spTgt spid="3">
-                                            <p:txEl>
-                                              <p:pRg st="2" end="2"/>
-                                            </p:txEl>
-                                          </p:spTgt>
-                                        </p:tgtEl>
-                                        <p:attrNameLst>
-                                          <p:attrName>style.visibility</p:attrName>
-                                        </p:attrNameLst>
-                                      </p:cBhvr>
-                                      <p:to>
-                                        <p:strVal val="visible"/>
-                                      </p:to>
-                                    </p:set>
-                                  </p:childTnLst>
-                                </p:cTn>
-                              </p:par>
-                            </p:childTnLst>
-                          </p:cTn>
-                        </p:par>
-                      </p:childTnLst>
-                    </p:cTn>
-                  </p:par>
-                  <p:par>
-                    <p:cTn id="15" fill="hold">
-                      <p:stCondLst>
-                        <p:cond delay="indefinite"/>
-                      </p:stCondLst>
-                      <p:childTnLst>
-                        <p:par>
-                          <p:cTn id="16" fill="hold">
-                            <p:stCondLst>
-                              <p:cond delay="0"/>
-                            </p:stCondLst>
-                            <p:childTnLst>
-                              <p:par>
-                                <p:cTn id="17" presetID="1" presetClass="entr" presetSubtype="0" fill="hold" nodeType="clickEffect">
-                                  <p:stCondLst>
-                                    <p:cond delay="0"/>
-                                  </p:stCondLst>
-                                  <p:childTnLst>
-                                    <p:set>
-                                      <p:cBhvr>
-                                        <p:cTn id="18" dur="1" fill="hold">
-                                          <p:stCondLst>
-                                            <p:cond delay="0"/>
-                                          </p:stCondLst>
-                                        </p:cTn>
-                                        <p:tgtEl>
-                                          <p:spTgt spid="3">
-                                            <p:txEl>
-                                              <p:pRg st="3" end="3"/>
-                                            </p:txEl>
-                                          </p:spTgt>
-                                        </p:tgtEl>
-                                        <p:attrNameLst>
-                                          <p:attrName>style.visibility</p:attrName>
-                                        </p:attrNameLst>
-                                      </p:cBhvr>
-                                      <p:to>
-                                        <p:strVal val="visible"/>
-                                      </p:to>
-                                    </p:set>
-                                  </p:childTnLst>
-                                </p:cTn>
-                              </p:par>
-                            </p:childTnLst>
-                          </p:cTn>
-                        </p:par>
-                      </p:childTnLst>
-                    </p:cTn>
-                  </p:par>
-                  <p:par>
-                    <p:cTn id="19" fill="hold">
-                      <p:stCondLst>
-                        <p:cond delay="indefinite"/>
-                      </p:stCondLst>
-                      <p:childTnLst>
-                        <p:par>
-                          <p:cTn id="20" fill="hold">
-                            <p:stCondLst>
-                              <p:cond delay="0"/>
-                            </p:stCondLst>
-                            <p:childTnLst>
-                              <p:par>
-                                <p:cTn id="21" presetID="1" presetClass="entr" presetSubtype="0" fill="hold" nodeType="clickEffect">
-                                  <p:stCondLst>
-                                    <p:cond delay="0"/>
-                                  </p:stCondLst>
-                                  <p:childTnLst>
-                                    <p:set>
-                                      <p:cBhvr>
-                                        <p:cTn id="22" dur="1" fill="hold">
-                                          <p:stCondLst>
-                                            <p:cond delay="0"/>
-                                          </p:stCondLst>
-                                        </p:cTn>
-                                        <p:tgtEl>
-                                          <p:spTgt spid="3">
-                                            <p:txEl>
-                                              <p:pRg st="4" end="4"/>
-                                            </p:txEl>
-                                          </p:spTgt>
-                                        </p:tgtEl>
-                                        <p:attrNameLst>
-                                          <p:attrName>style.visibility</p:attrName>
-                                        </p:attrNameLst>
-                                      </p:cBhvr>
-                                      <p:to>
-                                        <p:strVal val="visible"/>
-                                      </p:to>
-                                    </p:set>
-                                  </p:childTnLst>
-                                </p:cTn>
-                              </p:par>
-                            </p:childTnLst>
-                          </p:cTn>
-                        </p:par>
-                      </p:childTnLst>
-                    </p:cTn>
-                  </p:par>
-                  <p:par>
-                    <p:cTn id="23" fill="hold">
-                      <p:stCondLst>
-                        <p:cond delay="indefinite"/>
-                      </p:stCondLst>
-                      <p:childTnLst>
-                        <p:par>
-                          <p:cTn id="24" fill="hold">
-                            <p:stCondLst>
-                              <p:cond delay="0"/>
-                            </p:stCondLst>
-                            <p:childTnLst>
-                              <p:par>
-                                <p:cTn id="25" presetID="22" presetClass="entr" presetSubtype="4" fill="hold" nodeType="clickEffect">
-                                  <p:stCondLst>
-                                    <p:cond delay="0"/>
-                                  </p:stCondLst>
-                                  <p:childTnLst>
-                                    <p:set>
-                                      <p:cBhvr>
-                                        <p:cTn id="26" dur="1" fill="hold">
-                                          <p:stCondLst>
-                                            <p:cond delay="0"/>
-                                          </p:stCondLst>
-                                        </p:cTn>
-                                        <p:tgtEl>
-                                          <p:spTgt spid="3">
-                                            <p:txEl>
-                                              <p:pRg st="5" end="5"/>
-                                            </p:txEl>
-                                          </p:spTgt>
-                                        </p:tgtEl>
-                                        <p:attrNameLst>
-                                          <p:attrName>style.visibility</p:attrName>
-                                        </p:attrNameLst>
-                                      </p:cBhvr>
-                                      <p:to>
-                                        <p:strVal val="visible"/>
-                                      </p:to>
-                                    </p:set>
-                                    <p:animEffect transition="in" filter="wipe(down)">
-                                      <p:cBhvr>
-                                        <p:cTn id="27" dur="500"/>
-                                        <p:tgtEl>
-                                          <p:spTgt spid="3">
-                                            <p:txEl>
-                                              <p:pRg st="5" end="5"/>
-                                            </p:txEl>
-                                          </p:spTgt>
-                                        </p:tgtEl>
-                                      </p:cBhvr>
-                                    </p:animEffect>
-                                  </p:childTnLst>
-                                </p:cTn>
-                              </p:par>
-                            </p:childTnLst>
-                          </p:cTn>
-                        </p:par>
-                      </p:childTnLst>
-                    </p:cTn>
-                  </p:par>
-                </p:childTnLst>
-              </p:cTn>
-              <p:prevCondLst>
-                <p:cond evt="onPrev" delay="0">
-                  <p:tgtEl>
-                    <p:sldTgt/>
-                  </p:tgtEl>
-                </p:cond>
-              </p:prevCondLst>
-              <p:nextCondLst>
-                <p:cond evt="onNext" delay="0">
-                  <p:tgtEl>
-                    <p:sldTgt/>
-                  </p:tgtEl>
-                </p:cond>
-              </p:nextCondLst>
-            </p:seq>
-          </p:childTnLst>
-        </p:cTn>
-      </p:par>
-    </p:tnLst>
-  </p:timing>
-</p:sld>
-</file>
-
-<file path=ppt/slides/slide8.xml><?xml version="1.0" encoding="utf-8"?>
-<p:sld xmlns:a="http://schemas.openxmlformats.org/drawingml/2006/main" xmlns:r="http://schemas.openxmlformats.org/officeDocument/2006/relationships" xmlns:p="http://schemas.openxmlformats.org/presentationml/2006/main">
-  <p:cSld>
-    <p:spTree>
-      <p:nvGrpSpPr>
-        <p:cNvPr id="1" name=""/>
-        <p:cNvGrpSpPr/>
-        <p:nvPr/>
-      </p:nvGrpSpPr>
-      <p:grpSpPr>
-        <a:xfrm>
-          <a:off x="0" y="0"/>
-          <a:ext cx="0" cy="0"/>
-          <a:chOff x="0" y="0"/>
-          <a:chExt cx="0" cy="0"/>
-        </a:xfrm>
-      </p:grpSpPr>
-      <p:sp>
-        <p:nvSpPr>
-          <p:cNvPr id="2" name="Title 1"/>
-          <p:cNvSpPr>
-            <a:spLocks noGrp="1"/>
-          </p:cNvSpPr>
-          <p:nvPr>
-            <p:ph type="title"/>
-          </p:nvPr>
-        </p:nvSpPr>
-        <p:spPr/>
-        <p:txBody>
-          <a:bodyPr/>
-          <a:lstStyle/>
-          <a:p>
-            <a:r>
-              <a:rPr lang="en-US" b="1" dirty="0"/>
-              <a:t>Dimension Granularity </a:t>
-            </a:r>
-          </a:p>
-        </p:txBody>
-      </p:sp>
-      <p:sp>
-        <p:nvSpPr>
-          <p:cNvPr id="3" name="Content Placeholder 2"/>
-          <p:cNvSpPr>
-            <a:spLocks noGrp="1"/>
-          </p:cNvSpPr>
-          <p:nvPr>
-            <p:ph idx="1"/>
-          </p:nvPr>
-        </p:nvSpPr>
-        <p:spPr/>
-        <p:txBody>
-          <a:bodyPr/>
-          <a:lstStyle/>
-          <a:p>
-            <a:endParaRPr lang="en-US" dirty="0" smtClean="0"/>
-          </a:p>
-          <a:p>
-            <a:pPr lvl="1"/>
-            <a:endParaRPr lang="en-US" dirty="0" smtClean="0"/>
-          </a:p>
-        </p:txBody>
-      </p:sp>
-    </p:spTree>
-    <p:extLst>
-      <p:ext uri="{BB962C8B-B14F-4D97-AF65-F5344CB8AC3E}">
-        <p14:creationId xmlns:p14="http://schemas.microsoft.com/office/powerpoint/2010/main" val="2395660201"/>
-      </p:ext>
-    </p:extLst>
-  </p:cSld>
-  <p:clrMapOvr>
-    <a:masterClrMapping/>
-  </p:clrMapOvr>
-  <p:timing>
-    <p:tnLst>
-      <p:par>
-        <p:cTn id="1" dur="indefinite" restart="never" nodeType="tmRoot"/>
-      </p:par>
-    </p:tnLst>
-  </p:timing>
-</p:sld>
-</file>
-
-<file path=ppt/slides/slide9.xml><?xml version="1.0" encoding="utf-8"?>
-<p:sld xmlns:a="http://schemas.openxmlformats.org/drawingml/2006/main" xmlns:r="http://schemas.openxmlformats.org/officeDocument/2006/relationships" xmlns:p="http://schemas.openxmlformats.org/presentationml/2006/main">
-  <p:cSld>
-    <p:spTree>
-      <p:nvGrpSpPr>
-        <p:cNvPr id="1" name=""/>
-        <p:cNvGrpSpPr/>
-        <p:nvPr/>
-      </p:nvGrpSpPr>
-      <p:grpSpPr>
-        <a:xfrm>
-          <a:off x="0" y="0"/>
-          <a:ext cx="0" cy="0"/>
-          <a:chOff x="0" y="0"/>
-          <a:chExt cx="0" cy="0"/>
-        </a:xfrm>
-      </p:grpSpPr>
-      <p:sp>
-        <p:nvSpPr>
-          <p:cNvPr id="2" name="Title 1"/>
-          <p:cNvSpPr>
-            <a:spLocks noGrp="1"/>
-          </p:cNvSpPr>
-          <p:nvPr>
-            <p:ph type="title"/>
-          </p:nvPr>
-        </p:nvSpPr>
-        <p:spPr/>
-        <p:txBody>
-          <a:bodyPr/>
-          <a:lstStyle/>
-          <a:p>
-            <a:r>
-              <a:rPr lang="en-US" b="1" dirty="0"/>
-              <a:t>Date Dimension</a:t>
-            </a:r>
-          </a:p>
-        </p:txBody>
-      </p:sp>
-      <p:sp>
-        <p:nvSpPr>
-          <p:cNvPr id="3" name="Content Placeholder 2"/>
-          <p:cNvSpPr>
-            <a:spLocks noGrp="1"/>
-          </p:cNvSpPr>
-          <p:nvPr>
-            <p:ph idx="1"/>
-          </p:nvPr>
-        </p:nvSpPr>
-        <p:spPr/>
-        <p:txBody>
-          <a:bodyPr/>
-          <a:lstStyle/>
-          <a:p>
-            <a:r>
-              <a:rPr lang="th-TH" dirty="0" smtClean="0"/>
-              <a:t>นำ</a:t>
-            </a:r>
-            <a:r>
-              <a:rPr lang="th-TH" dirty="0" smtClean="0"/>
-              <a:t>ข้อมูล</a:t>
-            </a:r>
-            <a:r>
-              <a:rPr lang="th-TH" dirty="0"/>
-              <a:t>เวลาและวันที่แยกลงไปใน </a:t>
-            </a:r>
-            <a:r>
-              <a:rPr lang="th-TH" dirty="0" smtClean="0"/>
-              <a:t> </a:t>
-            </a:r>
-            <a:r>
               <a:rPr lang="en-US" dirty="0" smtClean="0"/>
               <a:t>Fact Table </a:t>
             </a:r>
@@ -9658,11 +5000,7 @@
             <a:pPr lvl="1"/>
             <a:r>
               <a:rPr lang="en-US" dirty="0" smtClean="0"/>
-              <a:t>1 </a:t>
-            </a:r>
-            <a:r>
-              <a:rPr lang="en-US" dirty="0" smtClean="0"/>
-              <a:t>Date Dimension</a:t>
+              <a:t>1 Date Dimension</a:t>
             </a:r>
           </a:p>
           <a:p>
@@ -10055,6 +5393,4831 @@
                                         <p:strVal val="visible"/>
                                       </p:to>
                                     </p:set>
+                                  </p:childTnLst>
+                                </p:cTn>
+                              </p:par>
+                            </p:childTnLst>
+                          </p:cTn>
+                        </p:par>
+                      </p:childTnLst>
+                    </p:cTn>
+                  </p:par>
+                </p:childTnLst>
+              </p:cTn>
+              <p:prevCondLst>
+                <p:cond evt="onPrev" delay="0">
+                  <p:tgtEl>
+                    <p:sldTgt/>
+                  </p:tgtEl>
+                </p:cond>
+              </p:prevCondLst>
+              <p:nextCondLst>
+                <p:cond evt="onNext" delay="0">
+                  <p:tgtEl>
+                    <p:sldTgt/>
+                  </p:tgtEl>
+                </p:cond>
+              </p:nextCondLst>
+            </p:seq>
+          </p:childTnLst>
+        </p:cTn>
+      </p:par>
+    </p:tnLst>
+  </p:timing>
+</p:sld>
+</file>
+
+<file path=ppt/slides/slide12.xml><?xml version="1.0" encoding="utf-8"?>
+<p:sld xmlns:a="http://schemas.openxmlformats.org/drawingml/2006/main" xmlns:r="http://schemas.openxmlformats.org/officeDocument/2006/relationships" xmlns:p="http://schemas.openxmlformats.org/presentationml/2006/main">
+  <p:cSld>
+    <p:spTree>
+      <p:nvGrpSpPr>
+        <p:cNvPr id="1" name=""/>
+        <p:cNvGrpSpPr/>
+        <p:nvPr/>
+      </p:nvGrpSpPr>
+      <p:grpSpPr>
+        <a:xfrm>
+          <a:off x="0" y="0"/>
+          <a:ext cx="0" cy="0"/>
+          <a:chOff x="0" y="0"/>
+          <a:chExt cx="0" cy="0"/>
+        </a:xfrm>
+      </p:grpSpPr>
+      <p:sp>
+        <p:nvSpPr>
+          <p:cNvPr id="2" name="Title 1"/>
+          <p:cNvSpPr>
+            <a:spLocks noGrp="1"/>
+          </p:cNvSpPr>
+          <p:nvPr>
+            <p:ph type="title"/>
+          </p:nvPr>
+        </p:nvSpPr>
+        <p:spPr/>
+        <p:txBody>
+          <a:bodyPr>
+            <a:normAutofit/>
+          </a:bodyPr>
+          <a:lstStyle/>
+          <a:p>
+            <a:r>
+              <a:rPr lang="en-US" b="1" i="1" dirty="0" smtClean="0"/>
+              <a:t>Fixed Time-Series Bucket</a:t>
+            </a:r>
+            <a:endParaRPr lang="en-US" b="1" dirty="0"/>
+          </a:p>
+        </p:txBody>
+      </p:sp>
+      <p:sp>
+        <p:nvSpPr>
+          <p:cNvPr id="3" name="Content Placeholder 2"/>
+          <p:cNvSpPr>
+            <a:spLocks noGrp="1"/>
+          </p:cNvSpPr>
+          <p:nvPr>
+            <p:ph idx="1"/>
+          </p:nvPr>
+        </p:nvSpPr>
+        <p:spPr/>
+        <p:txBody>
+          <a:bodyPr/>
+          <a:lstStyle/>
+          <a:p>
+            <a:endParaRPr lang="en-US" dirty="0"/>
+          </a:p>
+        </p:txBody>
+      </p:sp>
+    </p:spTree>
+    <p:extLst>
+      <p:ext uri="{BB962C8B-B14F-4D97-AF65-F5344CB8AC3E}">
+        <p14:creationId xmlns:p14="http://schemas.microsoft.com/office/powerpoint/2010/main" val="2964920249"/>
+      </p:ext>
+    </p:extLst>
+  </p:cSld>
+  <p:clrMapOvr>
+    <a:masterClrMapping/>
+  </p:clrMapOvr>
+  <p:timing>
+    <p:tnLst>
+      <p:par>
+        <p:cTn id="1" dur="indefinite" restart="never" nodeType="tmRoot"/>
+      </p:par>
+    </p:tnLst>
+  </p:timing>
+</p:sld>
+</file>
+
+<file path=ppt/slides/slide13.xml><?xml version="1.0" encoding="utf-8"?>
+<p:sld xmlns:a="http://schemas.openxmlformats.org/drawingml/2006/main" xmlns:r="http://schemas.openxmlformats.org/officeDocument/2006/relationships" xmlns:p="http://schemas.openxmlformats.org/presentationml/2006/main">
+  <p:cSld>
+    <p:spTree>
+      <p:nvGrpSpPr>
+        <p:cNvPr id="1" name=""/>
+        <p:cNvGrpSpPr/>
+        <p:nvPr/>
+      </p:nvGrpSpPr>
+      <p:grpSpPr>
+        <a:xfrm>
+          <a:off x="0" y="0"/>
+          <a:ext cx="0" cy="0"/>
+          <a:chOff x="0" y="0"/>
+          <a:chExt cx="0" cy="0"/>
+        </a:xfrm>
+      </p:grpSpPr>
+      <p:sp>
+        <p:nvSpPr>
+          <p:cNvPr id="2" name="Title 1"/>
+          <p:cNvSpPr>
+            <a:spLocks noGrp="1"/>
+          </p:cNvSpPr>
+          <p:nvPr>
+            <p:ph type="title"/>
+          </p:nvPr>
+        </p:nvSpPr>
+        <p:spPr/>
+        <p:txBody>
+          <a:bodyPr/>
+          <a:lstStyle/>
+          <a:p>
+            <a:r>
+              <a:rPr lang="en-US" b="1" dirty="0"/>
+              <a:t>Degenerate Dimension</a:t>
+            </a:r>
+          </a:p>
+        </p:txBody>
+      </p:sp>
+      <p:sp>
+        <p:nvSpPr>
+          <p:cNvPr id="3" name="Content Placeholder 2"/>
+          <p:cNvSpPr>
+            <a:spLocks noGrp="1"/>
+          </p:cNvSpPr>
+          <p:nvPr>
+            <p:ph idx="1"/>
+          </p:nvPr>
+        </p:nvSpPr>
+        <p:spPr/>
+        <p:txBody>
+          <a:bodyPr/>
+          <a:lstStyle/>
+          <a:p>
+            <a:r>
+              <a:rPr lang="en-US" dirty="0" smtClean="0"/>
+              <a:t>Dimension</a:t>
+            </a:r>
+            <a:r>
+              <a:rPr lang="th-TH" dirty="0" smtClean="0"/>
+              <a:t> ที่ไม่มี </a:t>
+            </a:r>
+            <a:r>
+              <a:rPr lang="en-US" dirty="0" smtClean="0"/>
+              <a:t>Dimension table</a:t>
+            </a:r>
+            <a:r>
+              <a:rPr lang="th-TH" dirty="0" smtClean="0"/>
+              <a:t> ของมันเอง</a:t>
+            </a:r>
+          </a:p>
+          <a:p>
+            <a:r>
+              <a:rPr lang="th-TH" dirty="0" smtClean="0"/>
+              <a:t>ดูค่าอื่นๆที่ไม่ได้เกี่ยวข้องโดยตรง แต่อาจจะเพื่อความสะดวกในการอ้างอิง</a:t>
+            </a:r>
+            <a:endParaRPr lang="en-US" dirty="0" smtClean="0"/>
+          </a:p>
+          <a:p>
+            <a:pPr lvl="1"/>
+            <a:r>
+              <a:rPr lang="th-TH" dirty="0" smtClean="0"/>
+              <a:t>การเก็บ</a:t>
+            </a:r>
+            <a:r>
+              <a:rPr lang="en-US" dirty="0" smtClean="0"/>
+              <a:t>Transaction </a:t>
+            </a:r>
+            <a:r>
+              <a:rPr lang="th-TH" dirty="0" smtClean="0"/>
+              <a:t>ข้อมูลการชำระเงิน</a:t>
+            </a:r>
+          </a:p>
+          <a:p>
+            <a:pPr lvl="2"/>
+            <a:r>
+              <a:rPr lang="th-TH" dirty="0" smtClean="0"/>
+              <a:t>หมายเลขการชำระไว้</a:t>
+            </a:r>
+            <a:endParaRPr lang="en-US" dirty="0" smtClean="0"/>
+          </a:p>
+          <a:p>
+            <a:endParaRPr lang="en-US" dirty="0" smtClean="0"/>
+          </a:p>
+          <a:p>
+            <a:endParaRPr lang="en-US" dirty="0"/>
+          </a:p>
+        </p:txBody>
+      </p:sp>
+    </p:spTree>
+    <p:extLst>
+      <p:ext uri="{BB962C8B-B14F-4D97-AF65-F5344CB8AC3E}">
+        <p14:creationId xmlns:p14="http://schemas.microsoft.com/office/powerpoint/2010/main" val="1442219239"/>
+      </p:ext>
+    </p:extLst>
+  </p:cSld>
+  <p:clrMapOvr>
+    <a:masterClrMapping/>
+  </p:clrMapOvr>
+  <p:timing>
+    <p:tnLst>
+      <p:par>
+        <p:cTn id="1" dur="indefinite" restart="never" nodeType="tmRoot"/>
+      </p:par>
+    </p:tnLst>
+  </p:timing>
+</p:sld>
+</file>
+
+<file path=ppt/slides/slide14.xml><?xml version="1.0" encoding="utf-8"?>
+<p:sld xmlns:a="http://schemas.openxmlformats.org/drawingml/2006/main" xmlns:r="http://schemas.openxmlformats.org/officeDocument/2006/relationships" xmlns:p="http://schemas.openxmlformats.org/presentationml/2006/main">
+  <p:cSld>
+    <p:spTree>
+      <p:nvGrpSpPr>
+        <p:cNvPr id="1" name=""/>
+        <p:cNvGrpSpPr/>
+        <p:nvPr/>
+      </p:nvGrpSpPr>
+      <p:grpSpPr>
+        <a:xfrm>
+          <a:off x="0" y="0"/>
+          <a:ext cx="0" cy="0"/>
+          <a:chOff x="0" y="0"/>
+          <a:chExt cx="0" cy="0"/>
+        </a:xfrm>
+      </p:grpSpPr>
+      <p:sp>
+        <p:nvSpPr>
+          <p:cNvPr id="2" name="Title 1"/>
+          <p:cNvSpPr>
+            <a:spLocks noGrp="1"/>
+          </p:cNvSpPr>
+          <p:nvPr>
+            <p:ph type="title"/>
+          </p:nvPr>
+        </p:nvSpPr>
+        <p:spPr/>
+        <p:txBody>
+          <a:bodyPr/>
+          <a:lstStyle/>
+          <a:p>
+            <a:r>
+              <a:rPr lang="en-US" b="1" dirty="0" smtClean="0"/>
+              <a:t>Degenerate Dimension</a:t>
+            </a:r>
+            <a:r>
+              <a:rPr lang="th-TH" b="1" dirty="0" smtClean="0"/>
+              <a:t>(</a:t>
+            </a:r>
+            <a:r>
+              <a:rPr lang="en-US" b="1" dirty="0" smtClean="0"/>
+              <a:t>Cont.</a:t>
+            </a:r>
+            <a:r>
+              <a:rPr lang="th-TH" b="1" dirty="0" smtClean="0"/>
+              <a:t>)</a:t>
+            </a:r>
+            <a:endParaRPr lang="en-US" b="1" dirty="0"/>
+          </a:p>
+        </p:txBody>
+      </p:sp>
+      <p:sp>
+        <p:nvSpPr>
+          <p:cNvPr id="3" name="Content Placeholder 2"/>
+          <p:cNvSpPr>
+            <a:spLocks noGrp="1"/>
+          </p:cNvSpPr>
+          <p:nvPr>
+            <p:ph idx="1"/>
+          </p:nvPr>
+        </p:nvSpPr>
+        <p:spPr/>
+        <p:txBody>
+          <a:bodyPr/>
+          <a:lstStyle/>
+          <a:p>
+            <a:r>
+              <a:rPr lang="en-US" dirty="0" smtClean="0"/>
+              <a:t>Dimension</a:t>
+            </a:r>
+            <a:r>
+              <a:rPr lang="th-TH" dirty="0" smtClean="0"/>
+              <a:t> ที่มี </a:t>
+            </a:r>
+            <a:r>
+              <a:rPr lang="en-US" dirty="0" smtClean="0"/>
+              <a:t>row </a:t>
+            </a:r>
+            <a:r>
+              <a:rPr lang="th-TH" dirty="0" smtClean="0"/>
+              <a:t> ใกล้เคียงกับ </a:t>
+            </a:r>
+            <a:r>
+              <a:rPr lang="en-US" dirty="0" smtClean="0"/>
+              <a:t>row Fact</a:t>
+            </a:r>
+            <a:r>
+              <a:rPr lang="th-TH" dirty="0" smtClean="0"/>
+              <a:t> </a:t>
+            </a:r>
+            <a:r>
+              <a:rPr lang="en-US" dirty="0" smtClean="0"/>
+              <a:t>table</a:t>
+            </a:r>
+            <a:endParaRPr lang="th-TH" dirty="0" smtClean="0"/>
+          </a:p>
+          <a:p>
+            <a:r>
+              <a:rPr lang="th-TH" dirty="0" smtClean="0"/>
+              <a:t>มี </a:t>
+            </a:r>
+            <a:r>
+              <a:rPr lang="en-US" dirty="0" smtClean="0"/>
+              <a:t>Degenerate Dimension</a:t>
+            </a:r>
+            <a:r>
+              <a:rPr lang="th-TH" dirty="0" smtClean="0"/>
+              <a:t> ซ่อนอยู่</a:t>
+            </a:r>
+          </a:p>
+          <a:p>
+            <a:endParaRPr lang="en-US" dirty="0"/>
+          </a:p>
+        </p:txBody>
+      </p:sp>
+    </p:spTree>
+    <p:extLst>
+      <p:ext uri="{BB962C8B-B14F-4D97-AF65-F5344CB8AC3E}">
+        <p14:creationId xmlns:p14="http://schemas.microsoft.com/office/powerpoint/2010/main" val="4147472133"/>
+      </p:ext>
+    </p:extLst>
+  </p:cSld>
+  <p:clrMapOvr>
+    <a:masterClrMapping/>
+  </p:clrMapOvr>
+  <p:timing>
+    <p:tnLst>
+      <p:par>
+        <p:cTn id="1" dur="indefinite" restart="never" nodeType="tmRoot"/>
+      </p:par>
+    </p:tnLst>
+  </p:timing>
+</p:sld>
+</file>
+
+<file path=ppt/slides/slide15.xml><?xml version="1.0" encoding="utf-8"?>
+<p:sld xmlns:a="http://schemas.openxmlformats.org/drawingml/2006/main" xmlns:r="http://schemas.openxmlformats.org/officeDocument/2006/relationships" xmlns:p="http://schemas.openxmlformats.org/presentationml/2006/main">
+  <p:cSld>
+    <p:spTree>
+      <p:nvGrpSpPr>
+        <p:cNvPr id="1" name=""/>
+        <p:cNvGrpSpPr/>
+        <p:nvPr/>
+      </p:nvGrpSpPr>
+      <p:grpSpPr>
+        <a:xfrm>
+          <a:off x="0" y="0"/>
+          <a:ext cx="0" cy="0"/>
+          <a:chOff x="0" y="0"/>
+          <a:chExt cx="0" cy="0"/>
+        </a:xfrm>
+      </p:grpSpPr>
+      <p:sp>
+        <p:nvSpPr>
+          <p:cNvPr id="2" name="Title 1"/>
+          <p:cNvSpPr>
+            <a:spLocks noGrp="1"/>
+          </p:cNvSpPr>
+          <p:nvPr>
+            <p:ph type="title"/>
+          </p:nvPr>
+        </p:nvSpPr>
+        <p:spPr/>
+        <p:txBody>
+          <a:bodyPr>
+            <a:normAutofit fontScale="90000"/>
+          </a:bodyPr>
+          <a:lstStyle/>
+          <a:p>
+            <a:r>
+              <a:rPr lang="en-US" b="1" dirty="0"/>
+              <a:t>Dimension Decodes</a:t>
+            </a:r>
+            <a:r>
+              <a:rPr lang="th-TH" b="1" dirty="0"/>
+              <a:t> </a:t>
+            </a:r>
+            <a:r>
+              <a:rPr lang="en-US" b="1" dirty="0"/>
+              <a:t>and Descriptions</a:t>
+            </a:r>
+          </a:p>
+        </p:txBody>
+      </p:sp>
+      <p:sp>
+        <p:nvSpPr>
+          <p:cNvPr id="3" name="Content Placeholder 2"/>
+          <p:cNvSpPr>
+            <a:spLocks noGrp="1"/>
+          </p:cNvSpPr>
+          <p:nvPr>
+            <p:ph idx="1"/>
+          </p:nvPr>
+        </p:nvSpPr>
+        <p:spPr/>
+        <p:txBody>
+          <a:bodyPr/>
+          <a:lstStyle/>
+          <a:p>
+            <a:r>
+              <a:rPr lang="th-TH" dirty="0" smtClean="0"/>
+              <a:t>การระบุตัวตนและการใช้รหัสใน </a:t>
+            </a:r>
+            <a:r>
+              <a:rPr lang="en-US" dirty="0" smtClean="0"/>
+              <a:t>Dimension Table </a:t>
+            </a:r>
+            <a:r>
+              <a:rPr lang="th-TH" dirty="0" smtClean="0"/>
+              <a:t>ควรจะสอดคล้องกันเพื่อให้ง่ายต่อการถอดรหัส</a:t>
+            </a:r>
+            <a:br>
+              <a:rPr lang="th-TH" dirty="0" smtClean="0"/>
+            </a:br>
+            <a:r>
+              <a:rPr lang="th-TH" dirty="0" smtClean="0"/>
+              <a:t>เพื่อไม่ให้เกิดการเข้าใจผิด</a:t>
+            </a:r>
+          </a:p>
+          <a:p>
+            <a:endParaRPr lang="en-US" dirty="0"/>
+          </a:p>
+        </p:txBody>
+      </p:sp>
+    </p:spTree>
+    <p:extLst>
+      <p:ext uri="{BB962C8B-B14F-4D97-AF65-F5344CB8AC3E}">
+        <p14:creationId xmlns:p14="http://schemas.microsoft.com/office/powerpoint/2010/main" val="4163685735"/>
+      </p:ext>
+    </p:extLst>
+  </p:cSld>
+  <p:clrMapOvr>
+    <a:masterClrMapping/>
+  </p:clrMapOvr>
+  <p:timing>
+    <p:tnLst>
+      <p:par>
+        <p:cTn id="1" dur="indefinite" restart="never" nodeType="tmRoot"/>
+      </p:par>
+    </p:tnLst>
+  </p:timing>
+</p:sld>
+</file>
+
+<file path=ppt/slides/slide16.xml><?xml version="1.0" encoding="utf-8"?>
+<p:sld xmlns:a="http://schemas.openxmlformats.org/drawingml/2006/main" xmlns:r="http://schemas.openxmlformats.org/officeDocument/2006/relationships" xmlns:p="http://schemas.openxmlformats.org/presentationml/2006/main">
+  <p:cSld>
+    <p:spTree>
+      <p:nvGrpSpPr>
+        <p:cNvPr id="1" name=""/>
+        <p:cNvGrpSpPr/>
+        <p:nvPr/>
+      </p:nvGrpSpPr>
+      <p:grpSpPr>
+        <a:xfrm>
+          <a:off x="0" y="0"/>
+          <a:ext cx="0" cy="0"/>
+          <a:chOff x="0" y="0"/>
+          <a:chExt cx="0" cy="0"/>
+        </a:xfrm>
+      </p:grpSpPr>
+      <p:sp>
+        <p:nvSpPr>
+          <p:cNvPr id="2" name="Title 1"/>
+          <p:cNvSpPr>
+            <a:spLocks noGrp="1"/>
+          </p:cNvSpPr>
+          <p:nvPr>
+            <p:ph type="title"/>
+          </p:nvPr>
+        </p:nvSpPr>
+        <p:spPr/>
+        <p:txBody>
+          <a:bodyPr/>
+          <a:lstStyle/>
+          <a:p>
+            <a:r>
+              <a:rPr lang="en-US" b="1" dirty="0"/>
+              <a:t>Surrogate Keys</a:t>
+            </a:r>
+          </a:p>
+        </p:txBody>
+      </p:sp>
+      <p:sp>
+        <p:nvSpPr>
+          <p:cNvPr id="3" name="Content Placeholder 2"/>
+          <p:cNvSpPr>
+            <a:spLocks noGrp="1"/>
+          </p:cNvSpPr>
+          <p:nvPr>
+            <p:ph idx="1"/>
+          </p:nvPr>
+        </p:nvSpPr>
+        <p:spPr/>
+        <p:txBody>
+          <a:bodyPr/>
+          <a:lstStyle/>
+          <a:p>
+            <a:r>
+              <a:rPr lang="th-TH" dirty="0" smtClean="0"/>
+              <a:t>สร้าง </a:t>
+            </a:r>
+            <a:r>
+              <a:rPr lang="en-US" dirty="0" smtClean="0"/>
+              <a:t>Surrogate Keys</a:t>
+            </a:r>
+            <a:r>
+              <a:rPr lang="th-TH" dirty="0" smtClean="0"/>
+              <a:t> ไว้ใน </a:t>
+            </a:r>
+            <a:r>
+              <a:rPr lang="en-US" dirty="0" smtClean="0"/>
+              <a:t>Dimension </a:t>
+            </a:r>
+          </a:p>
+          <a:p>
+            <a:r>
+              <a:rPr lang="th-TH" dirty="0" smtClean="0"/>
+              <a:t>แทน </a:t>
+            </a:r>
+            <a:r>
+              <a:rPr lang="en-US" dirty="0" smtClean="0"/>
+              <a:t>Business Key</a:t>
+            </a:r>
+          </a:p>
+          <a:p>
+            <a:r>
+              <a:rPr lang="th-TH" dirty="0" smtClean="0"/>
+              <a:t>ช่วยลดความซ้ำซ้อน ของ </a:t>
+            </a:r>
+            <a:r>
+              <a:rPr lang="en-US" dirty="0" smtClean="0"/>
+              <a:t>Database </a:t>
+            </a:r>
+            <a:r>
+              <a:rPr lang="th-TH" dirty="0" smtClean="0"/>
+              <a:t>ได้ดี</a:t>
+            </a:r>
+            <a:endParaRPr lang="en-US" dirty="0"/>
+          </a:p>
+        </p:txBody>
+      </p:sp>
+    </p:spTree>
+    <p:extLst>
+      <p:ext uri="{BB962C8B-B14F-4D97-AF65-F5344CB8AC3E}">
+        <p14:creationId xmlns:p14="http://schemas.microsoft.com/office/powerpoint/2010/main" val="1558296164"/>
+      </p:ext>
+    </p:extLst>
+  </p:cSld>
+  <p:clrMapOvr>
+    <a:masterClrMapping/>
+  </p:clrMapOvr>
+  <p:timing>
+    <p:tnLst>
+      <p:par>
+        <p:cTn id="1" dur="indefinite" restart="never" nodeType="tmRoot"/>
+      </p:par>
+    </p:tnLst>
+  </p:timing>
+</p:sld>
+</file>
+
+<file path=ppt/slides/slide17.xml><?xml version="1.0" encoding="utf-8"?>
+<p:sld xmlns:a="http://schemas.openxmlformats.org/drawingml/2006/main" xmlns:r="http://schemas.openxmlformats.org/officeDocument/2006/relationships" xmlns:p="http://schemas.openxmlformats.org/presentationml/2006/main">
+  <p:cSld>
+    <p:spTree>
+      <p:nvGrpSpPr>
+        <p:cNvPr id="1" name=""/>
+        <p:cNvGrpSpPr/>
+        <p:nvPr/>
+      </p:nvGrpSpPr>
+      <p:grpSpPr>
+        <a:xfrm>
+          <a:off x="0" y="0"/>
+          <a:ext cx="0" cy="0"/>
+          <a:chOff x="0" y="0"/>
+          <a:chExt cx="0" cy="0"/>
+        </a:xfrm>
+      </p:grpSpPr>
+      <p:sp>
+        <p:nvSpPr>
+          <p:cNvPr id="2" name="Title 1"/>
+          <p:cNvSpPr>
+            <a:spLocks noGrp="1"/>
+          </p:cNvSpPr>
+          <p:nvPr>
+            <p:ph type="title"/>
+          </p:nvPr>
+        </p:nvSpPr>
+        <p:spPr/>
+        <p:txBody>
+          <a:bodyPr>
+            <a:noAutofit/>
+          </a:bodyPr>
+          <a:lstStyle/>
+          <a:p>
+            <a:r>
+              <a:rPr lang="en-US" sz="4000" b="1" dirty="0" smtClean="0"/>
+              <a:t>Too Many  (Too Low)Dimension</a:t>
+            </a:r>
+            <a:endParaRPr lang="en-US" sz="4000" b="1" dirty="0"/>
+          </a:p>
+        </p:txBody>
+      </p:sp>
+      <p:sp>
+        <p:nvSpPr>
+          <p:cNvPr id="3" name="Content Placeholder 2"/>
+          <p:cNvSpPr>
+            <a:spLocks noGrp="1"/>
+          </p:cNvSpPr>
+          <p:nvPr>
+            <p:ph idx="1"/>
+          </p:nvPr>
+        </p:nvSpPr>
+        <p:spPr/>
+        <p:txBody>
+          <a:bodyPr/>
+          <a:lstStyle/>
+          <a:p>
+            <a:r>
+              <a:rPr lang="en-US" dirty="0"/>
+              <a:t>5 </a:t>
+            </a:r>
+            <a:r>
+              <a:rPr lang="th-TH" dirty="0"/>
+              <a:t>ถึง </a:t>
+            </a:r>
+            <a:r>
+              <a:rPr lang="en-US" dirty="0"/>
+              <a:t>15 </a:t>
+            </a:r>
+            <a:r>
+              <a:rPr lang="en-US" dirty="0" smtClean="0"/>
+              <a:t>Dimension</a:t>
+            </a:r>
+            <a:endParaRPr lang="th-TH" dirty="0" smtClean="0"/>
+          </a:p>
+          <a:p>
+            <a:r>
+              <a:rPr lang="th-TH" dirty="0" smtClean="0"/>
+              <a:t>น้อยไป </a:t>
+            </a:r>
+            <a:r>
+              <a:rPr lang="th-TH" dirty="0" smtClean="0">
+                <a:solidFill>
+                  <a:srgbClr val="FF0000"/>
+                </a:solidFill>
+              </a:rPr>
+              <a:t>– บท 9</a:t>
+            </a:r>
+          </a:p>
+          <a:p>
+            <a:r>
+              <a:rPr lang="th-TH" dirty="0" smtClean="0"/>
+              <a:t>มากไป </a:t>
+            </a:r>
+          </a:p>
+          <a:p>
+            <a:pPr lvl="1"/>
+            <a:r>
+              <a:rPr lang="th-TH" dirty="0" smtClean="0"/>
+              <a:t>ลดจำนวนลง</a:t>
+            </a:r>
+            <a:endParaRPr lang="th-TH" dirty="0"/>
+          </a:p>
+          <a:p>
+            <a:pPr lvl="1"/>
+            <a:r>
+              <a:rPr lang="th-TH" dirty="0" smtClean="0">
+                <a:solidFill>
+                  <a:srgbClr val="FF0000"/>
+                </a:solidFill>
+              </a:rPr>
+              <a:t>บทที่ </a:t>
+            </a:r>
+            <a:r>
+              <a:rPr lang="en-US" dirty="0" smtClean="0">
+                <a:solidFill>
+                  <a:srgbClr val="FF0000"/>
+                </a:solidFill>
+              </a:rPr>
+              <a:t>2 </a:t>
+            </a:r>
+            <a:r>
+              <a:rPr lang="th-TH" dirty="0" smtClean="0">
+                <a:solidFill>
+                  <a:srgbClr val="FF0000"/>
+                </a:solidFill>
+              </a:rPr>
+              <a:t>และ </a:t>
+            </a:r>
+            <a:r>
+              <a:rPr lang="en-US" dirty="0" smtClean="0">
+                <a:solidFill>
+                  <a:srgbClr val="FF0000"/>
+                </a:solidFill>
+              </a:rPr>
+              <a:t>5</a:t>
+            </a:r>
+            <a:endParaRPr lang="th-TH" dirty="0" smtClean="0">
+              <a:solidFill>
+                <a:srgbClr val="FF0000"/>
+              </a:solidFill>
+            </a:endParaRPr>
+          </a:p>
+        </p:txBody>
+      </p:sp>
+    </p:spTree>
+    <p:extLst>
+      <p:ext uri="{BB962C8B-B14F-4D97-AF65-F5344CB8AC3E}">
+        <p14:creationId xmlns:p14="http://schemas.microsoft.com/office/powerpoint/2010/main" val="1507953952"/>
+      </p:ext>
+    </p:extLst>
+  </p:cSld>
+  <p:clrMapOvr>
+    <a:masterClrMapping/>
+  </p:clrMapOvr>
+  <p:timing>
+    <p:tnLst>
+      <p:par>
+        <p:cTn id="1" dur="indefinite" restart="never" nodeType="tmRoot"/>
+      </p:par>
+    </p:tnLst>
+  </p:timing>
+</p:sld>
+</file>
+
+<file path=ppt/slides/slide18.xml><?xml version="1.0" encoding="utf-8"?>
+<p:sld xmlns:a="http://schemas.openxmlformats.org/drawingml/2006/main" xmlns:r="http://schemas.openxmlformats.org/officeDocument/2006/relationships" xmlns:p="http://schemas.openxmlformats.org/presentationml/2006/main">
+  <p:cSld>
+    <p:spTree>
+      <p:nvGrpSpPr>
+        <p:cNvPr id="1" name=""/>
+        <p:cNvGrpSpPr/>
+        <p:nvPr/>
+      </p:nvGrpSpPr>
+      <p:grpSpPr>
+        <a:xfrm>
+          <a:off x="0" y="0"/>
+          <a:ext cx="0" cy="0"/>
+          <a:chOff x="0" y="0"/>
+          <a:chExt cx="0" cy="0"/>
+        </a:xfrm>
+      </p:grpSpPr>
+      <p:sp>
+        <p:nvSpPr>
+          <p:cNvPr id="2" name="Title 1"/>
+          <p:cNvSpPr>
+            <a:spLocks noGrp="1"/>
+          </p:cNvSpPr>
+          <p:nvPr>
+            <p:ph type="title"/>
+          </p:nvPr>
+        </p:nvSpPr>
+        <p:spPr/>
+        <p:txBody>
+          <a:bodyPr>
+            <a:normAutofit/>
+          </a:bodyPr>
+          <a:lstStyle/>
+          <a:p>
+            <a:r>
+              <a:rPr lang="en-US" b="1" dirty="0"/>
+              <a:t>Draft Design Exercise Discussion</a:t>
+            </a:r>
+          </a:p>
+        </p:txBody>
+      </p:sp>
+      <p:sp>
+        <p:nvSpPr>
+          <p:cNvPr id="3" name="Content Placeholder 2"/>
+          <p:cNvSpPr>
+            <a:spLocks noGrp="1"/>
+          </p:cNvSpPr>
+          <p:nvPr>
+            <p:ph idx="1"/>
+          </p:nvPr>
+        </p:nvSpPr>
+        <p:spPr/>
+        <p:txBody>
+          <a:bodyPr/>
+          <a:lstStyle/>
+          <a:p>
+            <a:r>
+              <a:rPr lang="en-US" b="1" dirty="0" smtClean="0"/>
+              <a:t>Business Process</a:t>
+            </a:r>
+            <a:endParaRPr lang="th-TH" b="1" dirty="0" smtClean="0"/>
+          </a:p>
+          <a:p>
+            <a:r>
+              <a:rPr lang="en-US" b="1" dirty="0" smtClean="0"/>
+              <a:t>Granularity</a:t>
+            </a:r>
+            <a:endParaRPr lang="th-TH" b="1" dirty="0" smtClean="0"/>
+          </a:p>
+          <a:p>
+            <a:r>
+              <a:rPr lang="en-US" b="1" dirty="0" smtClean="0"/>
+              <a:t>Dimensions</a:t>
+            </a:r>
+            <a:endParaRPr lang="th-TH" b="1" dirty="0" smtClean="0"/>
+          </a:p>
+          <a:p>
+            <a:r>
+              <a:rPr lang="en-US" b="1" dirty="0" smtClean="0"/>
+              <a:t>Measure </a:t>
+            </a:r>
+          </a:p>
+          <a:p>
+            <a:endParaRPr lang="en-US" b="1" dirty="0"/>
+          </a:p>
+        </p:txBody>
+      </p:sp>
+    </p:spTree>
+    <p:extLst>
+      <p:ext uri="{BB962C8B-B14F-4D97-AF65-F5344CB8AC3E}">
+        <p14:creationId xmlns:p14="http://schemas.microsoft.com/office/powerpoint/2010/main" val="381690348"/>
+      </p:ext>
+    </p:extLst>
+  </p:cSld>
+  <p:clrMapOvr>
+    <a:masterClrMapping/>
+  </p:clrMapOvr>
+  <p:timing>
+    <p:tnLst>
+      <p:par>
+        <p:cTn id="1" dur="indefinite" restart="never" nodeType="tmRoot"/>
+      </p:par>
+    </p:tnLst>
+  </p:timing>
+</p:sld>
+</file>
+
+<file path=ppt/slides/slide19.xml><?xml version="1.0" encoding="utf-8"?>
+<p:sld xmlns:a="http://schemas.openxmlformats.org/drawingml/2006/main" xmlns:r="http://schemas.openxmlformats.org/officeDocument/2006/relationships" xmlns:p="http://schemas.openxmlformats.org/presentationml/2006/main">
+  <p:cSld>
+    <p:spTree>
+      <p:nvGrpSpPr>
+        <p:cNvPr id="1" name=""/>
+        <p:cNvGrpSpPr/>
+        <p:nvPr/>
+      </p:nvGrpSpPr>
+      <p:grpSpPr>
+        <a:xfrm>
+          <a:off x="0" y="0"/>
+          <a:ext cx="0" cy="0"/>
+          <a:chOff x="0" y="0"/>
+          <a:chExt cx="0" cy="0"/>
+        </a:xfrm>
+      </p:grpSpPr>
+      <p:sp>
+        <p:nvSpPr>
+          <p:cNvPr id="2" name="Title 1"/>
+          <p:cNvSpPr>
+            <a:spLocks noGrp="1"/>
+          </p:cNvSpPr>
+          <p:nvPr>
+            <p:ph type="title"/>
+          </p:nvPr>
+        </p:nvSpPr>
+        <p:spPr/>
+        <p:txBody>
+          <a:bodyPr/>
+          <a:lstStyle/>
+          <a:p>
+            <a:r>
+              <a:rPr lang="en-US" b="1" dirty="0"/>
+              <a:t>Business Process</a:t>
+            </a:r>
+          </a:p>
+        </p:txBody>
+      </p:sp>
+      <p:sp>
+        <p:nvSpPr>
+          <p:cNvPr id="3" name="Content Placeholder 2"/>
+          <p:cNvSpPr>
+            <a:spLocks noGrp="1"/>
+          </p:cNvSpPr>
+          <p:nvPr>
+            <p:ph idx="1"/>
+          </p:nvPr>
+        </p:nvSpPr>
+        <p:spPr/>
+        <p:txBody>
+          <a:bodyPr/>
+          <a:lstStyle/>
+          <a:p>
+            <a:pPr lvl="1">
+              <a:buFont typeface="Wingdings" pitchFamily="2" charset="2"/>
+              <a:buChar char="§"/>
+            </a:pPr>
+            <a:r>
+              <a:rPr lang="en-US" sz="3200" dirty="0" smtClean="0"/>
+              <a:t>Revenue from customers</a:t>
+            </a:r>
+            <a:endParaRPr lang="th-TH" sz="3200" dirty="0" smtClean="0"/>
+          </a:p>
+          <a:p>
+            <a:pPr lvl="1">
+              <a:buFont typeface="Wingdings" pitchFamily="2" charset="2"/>
+              <a:buChar char="§"/>
+            </a:pPr>
+            <a:r>
+              <a:rPr lang="en-US" sz="3200" dirty="0" smtClean="0"/>
+              <a:t>Revenue from agent</a:t>
+            </a:r>
+          </a:p>
+          <a:p>
+            <a:pPr lvl="1">
+              <a:buFont typeface="Wingdings" pitchFamily="2" charset="2"/>
+              <a:buChar char="§"/>
+            </a:pPr>
+            <a:r>
+              <a:rPr lang="en-US" sz="3200" dirty="0" smtClean="0"/>
+              <a:t>Number of Calls</a:t>
+            </a:r>
+          </a:p>
+          <a:p>
+            <a:pPr lvl="1">
+              <a:buFont typeface="Wingdings" pitchFamily="2" charset="2"/>
+              <a:buChar char="§"/>
+            </a:pPr>
+            <a:r>
+              <a:rPr lang="en-US" sz="3200" dirty="0" smtClean="0"/>
+              <a:t>Used  Time</a:t>
+            </a:r>
+            <a:r>
+              <a:rPr lang="th-TH" sz="3200" dirty="0" smtClean="0"/>
+              <a:t/>
+            </a:r>
+            <a:br>
+              <a:rPr lang="th-TH" sz="3200" dirty="0" smtClean="0"/>
+            </a:br>
+            <a:endParaRPr lang="th-TH" sz="3200" dirty="0" smtClean="0"/>
+          </a:p>
+        </p:txBody>
+      </p:sp>
+    </p:spTree>
+    <p:extLst>
+      <p:ext uri="{BB962C8B-B14F-4D97-AF65-F5344CB8AC3E}">
+        <p14:creationId xmlns:p14="http://schemas.microsoft.com/office/powerpoint/2010/main" val="2936414497"/>
+      </p:ext>
+    </p:extLst>
+  </p:cSld>
+  <p:clrMapOvr>
+    <a:masterClrMapping/>
+  </p:clrMapOvr>
+  <p:timing>
+    <p:tnLst>
+      <p:par>
+        <p:cTn id="1" dur="indefinite" restart="never" nodeType="tmRoot"/>
+      </p:par>
+    </p:tnLst>
+  </p:timing>
+</p:sld>
+</file>
+
+<file path=ppt/slides/slide2.xml><?xml version="1.0" encoding="utf-8"?>
+<p:sld xmlns:a="http://schemas.openxmlformats.org/drawingml/2006/main" xmlns:r="http://schemas.openxmlformats.org/officeDocument/2006/relationships" xmlns:p="http://schemas.openxmlformats.org/presentationml/2006/main">
+  <p:cSld>
+    <p:spTree>
+      <p:nvGrpSpPr>
+        <p:cNvPr id="1" name=""/>
+        <p:cNvGrpSpPr/>
+        <p:nvPr/>
+      </p:nvGrpSpPr>
+      <p:grpSpPr>
+        <a:xfrm>
+          <a:off x="0" y="0"/>
+          <a:ext cx="0" cy="0"/>
+          <a:chOff x="0" y="0"/>
+          <a:chExt cx="0" cy="0"/>
+        </a:xfrm>
+      </p:grpSpPr>
+      <p:sp>
+        <p:nvSpPr>
+          <p:cNvPr id="2" name="Title 1"/>
+          <p:cNvSpPr>
+            <a:spLocks noGrp="1"/>
+          </p:cNvSpPr>
+          <p:nvPr>
+            <p:ph type="title"/>
+          </p:nvPr>
+        </p:nvSpPr>
+        <p:spPr/>
+        <p:txBody>
+          <a:bodyPr/>
+          <a:lstStyle/>
+          <a:p>
+            <a:r>
+              <a:rPr lang="en-US" b="1" dirty="0" smtClean="0"/>
+              <a:t>Introduction</a:t>
+            </a:r>
+            <a:endParaRPr lang="en-US" b="1" dirty="0"/>
+          </a:p>
+        </p:txBody>
+      </p:sp>
+      <p:sp>
+        <p:nvSpPr>
+          <p:cNvPr id="3" name="Content Placeholder 2"/>
+          <p:cNvSpPr>
+            <a:spLocks noGrp="1"/>
+          </p:cNvSpPr>
+          <p:nvPr>
+            <p:ph idx="1"/>
+          </p:nvPr>
+        </p:nvSpPr>
+        <p:spPr/>
+        <p:txBody>
+          <a:bodyPr/>
+          <a:lstStyle/>
+          <a:p>
+            <a:endParaRPr lang="en-US"/>
+          </a:p>
+        </p:txBody>
+      </p:sp>
+    </p:spTree>
+    <p:extLst>
+      <p:ext uri="{BB962C8B-B14F-4D97-AF65-F5344CB8AC3E}">
+        <p14:creationId xmlns:p14="http://schemas.microsoft.com/office/powerpoint/2010/main" val="209463816"/>
+      </p:ext>
+    </p:extLst>
+  </p:cSld>
+  <p:clrMapOvr>
+    <a:masterClrMapping/>
+  </p:clrMapOvr>
+</p:sld>
+</file>
+
+<file path=ppt/slides/slide20.xml><?xml version="1.0" encoding="utf-8"?>
+<p:sld xmlns:a="http://schemas.openxmlformats.org/drawingml/2006/main" xmlns:r="http://schemas.openxmlformats.org/officeDocument/2006/relationships" xmlns:p="http://schemas.openxmlformats.org/presentationml/2006/main">
+  <p:cSld>
+    <p:spTree>
+      <p:nvGrpSpPr>
+        <p:cNvPr id="1" name=""/>
+        <p:cNvGrpSpPr/>
+        <p:nvPr/>
+      </p:nvGrpSpPr>
+      <p:grpSpPr>
+        <a:xfrm>
+          <a:off x="0" y="0"/>
+          <a:ext cx="0" cy="0"/>
+          <a:chOff x="0" y="0"/>
+          <a:chExt cx="0" cy="0"/>
+        </a:xfrm>
+      </p:grpSpPr>
+      <p:sp>
+        <p:nvSpPr>
+          <p:cNvPr id="2" name="Title 1"/>
+          <p:cNvSpPr>
+            <a:spLocks noGrp="1"/>
+          </p:cNvSpPr>
+          <p:nvPr>
+            <p:ph type="title"/>
+          </p:nvPr>
+        </p:nvSpPr>
+        <p:spPr/>
+        <p:txBody>
+          <a:bodyPr>
+            <a:normAutofit/>
+          </a:bodyPr>
+          <a:lstStyle/>
+          <a:p>
+            <a:r>
+              <a:rPr lang="en-US" b="1" dirty="0" smtClean="0"/>
+              <a:t>Granularity</a:t>
+            </a:r>
+            <a:endParaRPr lang="en-US" dirty="0"/>
+          </a:p>
+        </p:txBody>
+      </p:sp>
+      <p:sp>
+        <p:nvSpPr>
+          <p:cNvPr id="3" name="Content Placeholder 2"/>
+          <p:cNvSpPr>
+            <a:spLocks noGrp="1"/>
+          </p:cNvSpPr>
+          <p:nvPr>
+            <p:ph idx="1"/>
+          </p:nvPr>
+        </p:nvSpPr>
+        <p:spPr/>
+        <p:txBody>
+          <a:bodyPr/>
+          <a:lstStyle/>
+          <a:p>
+            <a:pPr lvl="1">
+              <a:buFont typeface="Arial" pitchFamily="34" charset="0"/>
+              <a:buChar char="•"/>
+            </a:pPr>
+            <a:r>
+              <a:rPr lang="th-TH" dirty="0"/>
+              <a:t>หน่วยที่เล็กที่สุดควรจะเป็นข้อมูลของ </a:t>
+            </a:r>
+            <a:r>
+              <a:rPr lang="en-US" dirty="0"/>
+              <a:t>Service Line</a:t>
+            </a:r>
+            <a:r>
+              <a:rPr lang="th-TH" dirty="0"/>
+              <a:t> ในแต่ละ </a:t>
+            </a:r>
+            <a:r>
+              <a:rPr lang="en-US" dirty="0"/>
+              <a:t>Bill </a:t>
+            </a:r>
+          </a:p>
+          <a:p>
+            <a:pPr lvl="1">
+              <a:buFont typeface="Arial" pitchFamily="34" charset="0"/>
+              <a:buChar char="•"/>
+            </a:pPr>
+            <a:r>
+              <a:rPr lang="en-US" dirty="0" smtClean="0"/>
+              <a:t>Bill </a:t>
+            </a:r>
+            <a:r>
+              <a:rPr lang="en-US" dirty="0"/>
+              <a:t>Dimension </a:t>
+            </a:r>
+            <a:r>
+              <a:rPr lang="th-TH" dirty="0" smtClean="0"/>
+              <a:t>+  </a:t>
+            </a:r>
+            <a:r>
+              <a:rPr lang="en-US" dirty="0" smtClean="0"/>
+              <a:t>Service Line</a:t>
+            </a:r>
+            <a:r>
+              <a:rPr lang="th-TH" dirty="0" smtClean="0"/>
+              <a:t> </a:t>
+            </a:r>
+          </a:p>
+          <a:p>
+            <a:pPr lvl="2"/>
+            <a:r>
+              <a:rPr lang="th-TH" dirty="0" smtClean="0"/>
+              <a:t>เชื่อมกันโดย </a:t>
+            </a:r>
+            <a:r>
+              <a:rPr lang="en-US" dirty="0" smtClean="0"/>
+              <a:t>Service </a:t>
+            </a:r>
+            <a:r>
+              <a:rPr lang="en-US" dirty="0"/>
+              <a:t>Line Number</a:t>
+            </a:r>
+          </a:p>
+          <a:p>
+            <a:endParaRPr lang="en-US" dirty="0"/>
+          </a:p>
+        </p:txBody>
+      </p:sp>
+    </p:spTree>
+    <p:extLst>
+      <p:ext uri="{BB962C8B-B14F-4D97-AF65-F5344CB8AC3E}">
+        <p14:creationId xmlns:p14="http://schemas.microsoft.com/office/powerpoint/2010/main" val="1084101094"/>
+      </p:ext>
+    </p:extLst>
+  </p:cSld>
+  <p:clrMapOvr>
+    <a:masterClrMapping/>
+  </p:clrMapOvr>
+  <p:timing>
+    <p:tnLst>
+      <p:par>
+        <p:cTn id="1" dur="indefinite" restart="never" nodeType="tmRoot"/>
+      </p:par>
+    </p:tnLst>
+  </p:timing>
+</p:sld>
+</file>
+
+<file path=ppt/slides/slide21.xml><?xml version="1.0" encoding="utf-8"?>
+<p:sld xmlns:a="http://schemas.openxmlformats.org/drawingml/2006/main" xmlns:r="http://schemas.openxmlformats.org/officeDocument/2006/relationships" xmlns:p="http://schemas.openxmlformats.org/presentationml/2006/main">
+  <p:cSld>
+    <p:spTree>
+      <p:nvGrpSpPr>
+        <p:cNvPr id="1" name=""/>
+        <p:cNvGrpSpPr/>
+        <p:nvPr/>
+      </p:nvGrpSpPr>
+      <p:grpSpPr>
+        <a:xfrm>
+          <a:off x="0" y="0"/>
+          <a:ext cx="0" cy="0"/>
+          <a:chOff x="0" y="0"/>
+          <a:chExt cx="0" cy="0"/>
+        </a:xfrm>
+      </p:grpSpPr>
+      <p:sp>
+        <p:nvSpPr>
+          <p:cNvPr id="2" name="Title 1"/>
+          <p:cNvSpPr>
+            <a:spLocks noGrp="1"/>
+          </p:cNvSpPr>
+          <p:nvPr>
+            <p:ph type="title"/>
+          </p:nvPr>
+        </p:nvSpPr>
+        <p:spPr/>
+        <p:txBody>
+          <a:bodyPr/>
+          <a:lstStyle/>
+          <a:p>
+            <a:r>
+              <a:rPr lang="en-US" b="1" dirty="0" smtClean="0"/>
+              <a:t>Dimensions</a:t>
+            </a:r>
+            <a:endParaRPr lang="en-US" b="1" dirty="0"/>
+          </a:p>
+        </p:txBody>
+      </p:sp>
+      <p:sp>
+        <p:nvSpPr>
+          <p:cNvPr id="3" name="Content Placeholder 2"/>
+          <p:cNvSpPr>
+            <a:spLocks noGrp="1"/>
+          </p:cNvSpPr>
+          <p:nvPr>
+            <p:ph idx="1"/>
+          </p:nvPr>
+        </p:nvSpPr>
+        <p:spPr/>
+        <p:txBody>
+          <a:bodyPr/>
+          <a:lstStyle/>
+          <a:p>
+            <a:r>
+              <a:rPr lang="en-US" dirty="0" smtClean="0"/>
+              <a:t>Customer Dimension</a:t>
+            </a:r>
+          </a:p>
+          <a:p>
+            <a:r>
+              <a:rPr lang="en-US" dirty="0" smtClean="0"/>
+              <a:t>Sales Rep Dimension</a:t>
+            </a:r>
+          </a:p>
+          <a:p>
+            <a:r>
+              <a:rPr lang="en-US" dirty="0" smtClean="0"/>
+              <a:t>Sales Org Dimension</a:t>
+            </a:r>
+          </a:p>
+          <a:p>
+            <a:r>
+              <a:rPr lang="en-US" dirty="0" smtClean="0"/>
+              <a:t>Bill Dimension</a:t>
+            </a:r>
+          </a:p>
+          <a:p>
+            <a:r>
+              <a:rPr lang="en-US" dirty="0" smtClean="0"/>
+              <a:t>Rate Plan Dimension</a:t>
+            </a:r>
+          </a:p>
+          <a:p>
+            <a:r>
+              <a:rPr lang="en-US" dirty="0" smtClean="0"/>
+              <a:t>Service Line Dimension </a:t>
+            </a:r>
+          </a:p>
+          <a:p>
+            <a:endParaRPr lang="en-US" dirty="0"/>
+          </a:p>
+        </p:txBody>
+      </p:sp>
+    </p:spTree>
+    <p:extLst>
+      <p:ext uri="{BB962C8B-B14F-4D97-AF65-F5344CB8AC3E}">
+        <p14:creationId xmlns:p14="http://schemas.microsoft.com/office/powerpoint/2010/main" val="2333338369"/>
+      </p:ext>
+    </p:extLst>
+  </p:cSld>
+  <p:clrMapOvr>
+    <a:masterClrMapping/>
+  </p:clrMapOvr>
+  <p:timing>
+    <p:tnLst>
+      <p:par>
+        <p:cTn id="1" dur="indefinite" restart="never" nodeType="tmRoot"/>
+      </p:par>
+    </p:tnLst>
+  </p:timing>
+</p:sld>
+</file>
+
+<file path=ppt/slides/slide22.xml><?xml version="1.0" encoding="utf-8"?>
+<p:sld xmlns:a="http://schemas.openxmlformats.org/drawingml/2006/main" xmlns:r="http://schemas.openxmlformats.org/officeDocument/2006/relationships" xmlns:p="http://schemas.openxmlformats.org/presentationml/2006/main">
+  <p:cSld>
+    <p:spTree>
+      <p:nvGrpSpPr>
+        <p:cNvPr id="1" name=""/>
+        <p:cNvGrpSpPr/>
+        <p:nvPr/>
+      </p:nvGrpSpPr>
+      <p:grpSpPr>
+        <a:xfrm>
+          <a:off x="0" y="0"/>
+          <a:ext cx="0" cy="0"/>
+          <a:chOff x="0" y="0"/>
+          <a:chExt cx="0" cy="0"/>
+        </a:xfrm>
+      </p:grpSpPr>
+      <p:sp>
+        <p:nvSpPr>
+          <p:cNvPr id="2" name="Title 1"/>
+          <p:cNvSpPr>
+            <a:spLocks noGrp="1"/>
+          </p:cNvSpPr>
+          <p:nvPr>
+            <p:ph type="title"/>
+          </p:nvPr>
+        </p:nvSpPr>
+        <p:spPr/>
+        <p:txBody>
+          <a:bodyPr/>
+          <a:lstStyle/>
+          <a:p>
+            <a:r>
+              <a:rPr lang="en-US" b="1" dirty="0" smtClean="0"/>
+              <a:t>Measure </a:t>
+            </a:r>
+          </a:p>
+        </p:txBody>
+      </p:sp>
+      <p:sp>
+        <p:nvSpPr>
+          <p:cNvPr id="3" name="Content Placeholder 2"/>
+          <p:cNvSpPr>
+            <a:spLocks noGrp="1"/>
+          </p:cNvSpPr>
+          <p:nvPr>
+            <p:ph idx="1"/>
+          </p:nvPr>
+        </p:nvSpPr>
+        <p:spPr/>
+        <p:txBody>
+          <a:bodyPr>
+            <a:normAutofit fontScale="92500" lnSpcReduction="20000"/>
+          </a:bodyPr>
+          <a:lstStyle/>
+          <a:p>
+            <a:r>
+              <a:rPr lang="en-US" dirty="0" smtClean="0"/>
+              <a:t>Number of Calls</a:t>
+            </a:r>
+          </a:p>
+          <a:p>
+            <a:r>
+              <a:rPr lang="en-US" dirty="0" smtClean="0"/>
+              <a:t>Number of Total Minutes</a:t>
+            </a:r>
+          </a:p>
+          <a:p>
+            <a:r>
+              <a:rPr lang="en-US" dirty="0" smtClean="0"/>
+              <a:t>Number of Roam Minutes</a:t>
+            </a:r>
+          </a:p>
+          <a:p>
+            <a:r>
+              <a:rPr lang="en-US" dirty="0" smtClean="0"/>
+              <a:t>Number of long-Distance Minutes</a:t>
+            </a:r>
+          </a:p>
+          <a:p>
+            <a:r>
+              <a:rPr lang="en-US" dirty="0" smtClean="0"/>
+              <a:t>Monthly Service Charge</a:t>
+            </a:r>
+          </a:p>
+          <a:p>
+            <a:r>
+              <a:rPr lang="en-US" dirty="0" smtClean="0"/>
+              <a:t>Roaming Charge</a:t>
+            </a:r>
+          </a:p>
+          <a:p>
+            <a:r>
+              <a:rPr lang="en-US" dirty="0" smtClean="0"/>
+              <a:t>Long-Distance Change</a:t>
+            </a:r>
+          </a:p>
+          <a:p>
+            <a:r>
+              <a:rPr lang="en-US" dirty="0" smtClean="0"/>
+              <a:t>Taxes</a:t>
+            </a:r>
+          </a:p>
+          <a:p>
+            <a:r>
+              <a:rPr lang="en-US" dirty="0" smtClean="0"/>
+              <a:t> Regulatory Change</a:t>
+            </a:r>
+            <a:endParaRPr lang="en-US" dirty="0"/>
+          </a:p>
+        </p:txBody>
+      </p:sp>
+    </p:spTree>
+    <p:extLst>
+      <p:ext uri="{BB962C8B-B14F-4D97-AF65-F5344CB8AC3E}">
+        <p14:creationId xmlns:p14="http://schemas.microsoft.com/office/powerpoint/2010/main" val="2615880332"/>
+      </p:ext>
+    </p:extLst>
+  </p:cSld>
+  <p:clrMapOvr>
+    <a:masterClrMapping/>
+  </p:clrMapOvr>
+  <p:timing>
+    <p:tnLst>
+      <p:par>
+        <p:cTn id="1" dur="indefinite" restart="never" nodeType="tmRoot"/>
+      </p:par>
+    </p:tnLst>
+  </p:timing>
+</p:sld>
+</file>
+
+<file path=ppt/slides/slide23.xml><?xml version="1.0" encoding="utf-8"?>
+<p:sld xmlns:a="http://schemas.openxmlformats.org/drawingml/2006/main" xmlns:r="http://schemas.openxmlformats.org/officeDocument/2006/relationships" xmlns:p="http://schemas.openxmlformats.org/presentationml/2006/main">
+  <p:cSld>
+    <p:spTree>
+      <p:nvGrpSpPr>
+        <p:cNvPr id="1" name=""/>
+        <p:cNvGrpSpPr/>
+        <p:nvPr/>
+      </p:nvGrpSpPr>
+      <p:grpSpPr>
+        <a:xfrm>
+          <a:off x="0" y="0"/>
+          <a:ext cx="0" cy="0"/>
+          <a:chOff x="0" y="0"/>
+          <a:chExt cx="0" cy="0"/>
+        </a:xfrm>
+      </p:grpSpPr>
+      <p:sp>
+        <p:nvSpPr>
+          <p:cNvPr id="2" name="Title 1"/>
+          <p:cNvSpPr>
+            <a:spLocks noGrp="1"/>
+          </p:cNvSpPr>
+          <p:nvPr>
+            <p:ph type="title"/>
+          </p:nvPr>
+        </p:nvSpPr>
+        <p:spPr/>
+        <p:txBody>
+          <a:bodyPr/>
+          <a:lstStyle/>
+          <a:p>
+            <a:r>
+              <a:rPr lang="en-US" b="1" dirty="0"/>
+              <a:t>Fact table</a:t>
+            </a:r>
+          </a:p>
+        </p:txBody>
+      </p:sp>
+    </p:spTree>
+    <p:extLst>
+      <p:ext uri="{BB962C8B-B14F-4D97-AF65-F5344CB8AC3E}">
+        <p14:creationId xmlns:p14="http://schemas.microsoft.com/office/powerpoint/2010/main" val="644670998"/>
+      </p:ext>
+    </p:extLst>
+  </p:cSld>
+  <p:clrMapOvr>
+    <a:masterClrMapping/>
+  </p:clrMapOvr>
+  <p:timing>
+    <p:tnLst>
+      <p:par>
+        <p:cTn id="1" dur="indefinite" restart="never" nodeType="tmRoot"/>
+      </p:par>
+    </p:tnLst>
+  </p:timing>
+</p:sld>
+</file>
+
+<file path=ppt/slides/slide24.xml><?xml version="1.0" encoding="utf-8"?>
+<p:sld xmlns:a="http://schemas.openxmlformats.org/drawingml/2006/main" xmlns:r="http://schemas.openxmlformats.org/officeDocument/2006/relationships" xmlns:p="http://schemas.openxmlformats.org/presentationml/2006/main">
+  <p:cSld>
+    <p:spTree>
+      <p:nvGrpSpPr>
+        <p:cNvPr id="1" name=""/>
+        <p:cNvGrpSpPr/>
+        <p:nvPr/>
+      </p:nvGrpSpPr>
+      <p:grpSpPr>
+        <a:xfrm>
+          <a:off x="0" y="0"/>
+          <a:ext cx="0" cy="0"/>
+          <a:chOff x="0" y="0"/>
+          <a:chExt cx="0" cy="0"/>
+        </a:xfrm>
+      </p:grpSpPr>
+      <p:sp>
+        <p:nvSpPr>
+          <p:cNvPr id="2" name="Title 1"/>
+          <p:cNvSpPr>
+            <a:spLocks noGrp="1"/>
+          </p:cNvSpPr>
+          <p:nvPr>
+            <p:ph type="title"/>
+          </p:nvPr>
+        </p:nvSpPr>
+        <p:spPr/>
+        <p:txBody>
+          <a:bodyPr>
+            <a:normAutofit/>
+          </a:bodyPr>
+          <a:lstStyle/>
+          <a:p>
+            <a:r>
+              <a:rPr lang="en-US" b="1" dirty="0"/>
+              <a:t>Geographic Location Dimension</a:t>
+            </a:r>
+          </a:p>
+        </p:txBody>
+      </p:sp>
+      <p:sp>
+        <p:nvSpPr>
+          <p:cNvPr id="3" name="Content Placeholder 2"/>
+          <p:cNvSpPr>
+            <a:spLocks noGrp="1"/>
+          </p:cNvSpPr>
+          <p:nvPr>
+            <p:ph idx="1"/>
+          </p:nvPr>
+        </p:nvSpPr>
+        <p:spPr/>
+        <p:txBody>
+          <a:bodyPr/>
+          <a:lstStyle/>
+          <a:p>
+            <a:endParaRPr lang="en-US" dirty="0"/>
+          </a:p>
+        </p:txBody>
+      </p:sp>
+    </p:spTree>
+    <p:extLst>
+      <p:ext uri="{BB962C8B-B14F-4D97-AF65-F5344CB8AC3E}">
+        <p14:creationId xmlns:p14="http://schemas.microsoft.com/office/powerpoint/2010/main" val="3302472505"/>
+      </p:ext>
+    </p:extLst>
+  </p:cSld>
+  <p:clrMapOvr>
+    <a:masterClrMapping/>
+  </p:clrMapOvr>
+  <p:timing>
+    <p:tnLst>
+      <p:par>
+        <p:cTn id="1" dur="indefinite" restart="never" nodeType="tmRoot"/>
+      </p:par>
+    </p:tnLst>
+  </p:timing>
+</p:sld>
+</file>
+
+<file path=ppt/slides/slide25.xml><?xml version="1.0" encoding="utf-8"?>
+<p:sld xmlns:a="http://schemas.openxmlformats.org/drawingml/2006/main" xmlns:r="http://schemas.openxmlformats.org/officeDocument/2006/relationships" xmlns:p="http://schemas.openxmlformats.org/presentationml/2006/main">
+  <p:cSld>
+    <p:spTree>
+      <p:nvGrpSpPr>
+        <p:cNvPr id="1" name=""/>
+        <p:cNvGrpSpPr/>
+        <p:nvPr/>
+      </p:nvGrpSpPr>
+      <p:grpSpPr>
+        <a:xfrm>
+          <a:off x="0" y="0"/>
+          <a:ext cx="0" cy="0"/>
+          <a:chOff x="0" y="0"/>
+          <a:chExt cx="0" cy="0"/>
+        </a:xfrm>
+      </p:grpSpPr>
+      <p:sp>
+        <p:nvSpPr>
+          <p:cNvPr id="2" name="Title 1"/>
+          <p:cNvSpPr>
+            <a:spLocks noGrp="1"/>
+          </p:cNvSpPr>
+          <p:nvPr>
+            <p:ph type="title"/>
+          </p:nvPr>
+        </p:nvSpPr>
+        <p:spPr/>
+        <p:txBody>
+          <a:bodyPr/>
+          <a:lstStyle/>
+          <a:p>
+            <a:endParaRPr lang="en-US"/>
+          </a:p>
+        </p:txBody>
+      </p:sp>
+      <p:sp>
+        <p:nvSpPr>
+          <p:cNvPr id="3" name="Content Placeholder 2"/>
+          <p:cNvSpPr>
+            <a:spLocks noGrp="1"/>
+          </p:cNvSpPr>
+          <p:nvPr>
+            <p:ph idx="1"/>
+          </p:nvPr>
+        </p:nvSpPr>
+        <p:spPr/>
+        <p:txBody>
+          <a:bodyPr/>
+          <a:lstStyle/>
+          <a:p>
+            <a:endParaRPr lang="en-US"/>
+          </a:p>
+        </p:txBody>
+      </p:sp>
+    </p:spTree>
+    <p:extLst>
+      <p:ext uri="{BB962C8B-B14F-4D97-AF65-F5344CB8AC3E}">
+        <p14:creationId xmlns:p14="http://schemas.microsoft.com/office/powerpoint/2010/main" val="2788217058"/>
+      </p:ext>
+    </p:extLst>
+  </p:cSld>
+  <p:clrMapOvr>
+    <a:masterClrMapping/>
+  </p:clrMapOvr>
+  <p:timing>
+    <p:tnLst>
+      <p:par>
+        <p:cTn id="1" dur="indefinite" restart="never" nodeType="tmRoot"/>
+      </p:par>
+    </p:tnLst>
+  </p:timing>
+</p:sld>
+</file>
+
+<file path=ppt/slides/slide26.xml><?xml version="1.0" encoding="utf-8"?>
+<p:sld xmlns:a="http://schemas.openxmlformats.org/drawingml/2006/main" xmlns:r="http://schemas.openxmlformats.org/officeDocument/2006/relationships" xmlns:p="http://schemas.openxmlformats.org/presentationml/2006/main">
+  <p:cSld>
+    <p:spTree>
+      <p:nvGrpSpPr>
+        <p:cNvPr id="1" name=""/>
+        <p:cNvGrpSpPr/>
+        <p:nvPr/>
+      </p:nvGrpSpPr>
+      <p:grpSpPr>
+        <a:xfrm>
+          <a:off x="0" y="0"/>
+          <a:ext cx="0" cy="0"/>
+          <a:chOff x="0" y="0"/>
+          <a:chExt cx="0" cy="0"/>
+        </a:xfrm>
+      </p:grpSpPr>
+      <p:sp>
+        <p:nvSpPr>
+          <p:cNvPr id="2" name="Title 1"/>
+          <p:cNvSpPr>
+            <a:spLocks noGrp="1"/>
+          </p:cNvSpPr>
+          <p:nvPr>
+            <p:ph type="title"/>
+          </p:nvPr>
+        </p:nvSpPr>
+        <p:spPr/>
+        <p:txBody>
+          <a:bodyPr/>
+          <a:lstStyle/>
+          <a:p>
+            <a:r>
+              <a:rPr lang="en-US" b="1" dirty="0"/>
+              <a:t>Location Outrigger</a:t>
+            </a:r>
+          </a:p>
+        </p:txBody>
+      </p:sp>
+      <p:sp>
+        <p:nvSpPr>
+          <p:cNvPr id="3" name="Content Placeholder 2"/>
+          <p:cNvSpPr>
+            <a:spLocks noGrp="1"/>
+          </p:cNvSpPr>
+          <p:nvPr>
+            <p:ph idx="1"/>
+          </p:nvPr>
+        </p:nvSpPr>
+        <p:spPr/>
+        <p:txBody>
+          <a:bodyPr/>
+          <a:lstStyle/>
+          <a:p>
+            <a:endParaRPr lang="en-US"/>
+          </a:p>
+        </p:txBody>
+      </p:sp>
+    </p:spTree>
+    <p:extLst>
+      <p:ext uri="{BB962C8B-B14F-4D97-AF65-F5344CB8AC3E}">
+        <p14:creationId xmlns:p14="http://schemas.microsoft.com/office/powerpoint/2010/main" val="3418599091"/>
+      </p:ext>
+    </p:extLst>
+  </p:cSld>
+  <p:clrMapOvr>
+    <a:masterClrMapping/>
+  </p:clrMapOvr>
+  <p:timing>
+    <p:tnLst>
+      <p:par>
+        <p:cTn id="1" dur="indefinite" restart="never" nodeType="tmRoot"/>
+      </p:par>
+    </p:tnLst>
+  </p:timing>
+</p:sld>
+</file>
+
+<file path=ppt/slides/slide27.xml><?xml version="1.0" encoding="utf-8"?>
+<p:sld xmlns:a="http://schemas.openxmlformats.org/drawingml/2006/main" xmlns:r="http://schemas.openxmlformats.org/officeDocument/2006/relationships" xmlns:p="http://schemas.openxmlformats.org/presentationml/2006/main">
+  <p:cSld>
+    <p:spTree>
+      <p:nvGrpSpPr>
+        <p:cNvPr id="1" name=""/>
+        <p:cNvGrpSpPr/>
+        <p:nvPr/>
+      </p:nvGrpSpPr>
+      <p:grpSpPr>
+        <a:xfrm>
+          <a:off x="0" y="0"/>
+          <a:ext cx="0" cy="0"/>
+          <a:chOff x="0" y="0"/>
+          <a:chExt cx="0" cy="0"/>
+        </a:xfrm>
+      </p:grpSpPr>
+      <p:sp>
+        <p:nvSpPr>
+          <p:cNvPr id="2" name="Title 1"/>
+          <p:cNvSpPr>
+            <a:spLocks noGrp="1"/>
+          </p:cNvSpPr>
+          <p:nvPr>
+            <p:ph type="title"/>
+          </p:nvPr>
+        </p:nvSpPr>
+        <p:spPr/>
+        <p:txBody>
+          <a:bodyPr/>
+          <a:lstStyle/>
+          <a:p>
+            <a:endParaRPr lang="en-US"/>
+          </a:p>
+        </p:txBody>
+      </p:sp>
+      <p:sp>
+        <p:nvSpPr>
+          <p:cNvPr id="3" name="Content Placeholder 2"/>
+          <p:cNvSpPr>
+            <a:spLocks noGrp="1"/>
+          </p:cNvSpPr>
+          <p:nvPr>
+            <p:ph idx="1"/>
+          </p:nvPr>
+        </p:nvSpPr>
+        <p:spPr/>
+        <p:txBody>
+          <a:bodyPr/>
+          <a:lstStyle/>
+          <a:p>
+            <a:endParaRPr lang="en-US"/>
+          </a:p>
+        </p:txBody>
+      </p:sp>
+    </p:spTree>
+    <p:extLst>
+      <p:ext uri="{BB962C8B-B14F-4D97-AF65-F5344CB8AC3E}">
+        <p14:creationId xmlns:p14="http://schemas.microsoft.com/office/powerpoint/2010/main" val="3023188447"/>
+      </p:ext>
+    </p:extLst>
+  </p:cSld>
+  <p:clrMapOvr>
+    <a:masterClrMapping/>
+  </p:clrMapOvr>
+  <p:timing>
+    <p:tnLst>
+      <p:par>
+        <p:cTn id="1" dur="indefinite" restart="never" nodeType="tmRoot"/>
+      </p:par>
+    </p:tnLst>
+  </p:timing>
+</p:sld>
+</file>
+
+<file path=ppt/slides/slide28.xml><?xml version="1.0" encoding="utf-8"?>
+<p:sld xmlns:a="http://schemas.openxmlformats.org/drawingml/2006/main" xmlns:r="http://schemas.openxmlformats.org/officeDocument/2006/relationships" xmlns:p="http://schemas.openxmlformats.org/presentationml/2006/main">
+  <p:cSld>
+    <p:spTree>
+      <p:nvGrpSpPr>
+        <p:cNvPr id="1" name=""/>
+        <p:cNvGrpSpPr/>
+        <p:nvPr/>
+      </p:nvGrpSpPr>
+      <p:grpSpPr>
+        <a:xfrm>
+          <a:off x="0" y="0"/>
+          <a:ext cx="0" cy="0"/>
+          <a:chOff x="0" y="0"/>
+          <a:chExt cx="0" cy="0"/>
+        </a:xfrm>
+      </p:grpSpPr>
+      <p:sp>
+        <p:nvSpPr>
+          <p:cNvPr id="2" name="Title 1"/>
+          <p:cNvSpPr>
+            <a:spLocks noGrp="1"/>
+          </p:cNvSpPr>
+          <p:nvPr>
+            <p:ph type="title"/>
+          </p:nvPr>
+        </p:nvSpPr>
+        <p:spPr/>
+        <p:txBody>
+          <a:bodyPr>
+            <a:noAutofit/>
+          </a:bodyPr>
+          <a:lstStyle/>
+          <a:p>
+            <a:r>
+              <a:rPr lang="en-US" sz="3200" b="1" dirty="0"/>
+              <a:t>Leveraging Geographic Information System</a:t>
+            </a:r>
+          </a:p>
+        </p:txBody>
+      </p:sp>
+      <p:sp>
+        <p:nvSpPr>
+          <p:cNvPr id="3" name="Content Placeholder 2"/>
+          <p:cNvSpPr>
+            <a:spLocks noGrp="1"/>
+          </p:cNvSpPr>
+          <p:nvPr>
+            <p:ph idx="1"/>
+          </p:nvPr>
+        </p:nvSpPr>
+        <p:spPr/>
+        <p:txBody>
+          <a:bodyPr/>
+          <a:lstStyle/>
+          <a:p>
+            <a:endParaRPr lang="en-US"/>
+          </a:p>
+        </p:txBody>
+      </p:sp>
+    </p:spTree>
+    <p:extLst>
+      <p:ext uri="{BB962C8B-B14F-4D97-AF65-F5344CB8AC3E}">
+        <p14:creationId xmlns:p14="http://schemas.microsoft.com/office/powerpoint/2010/main" val="1384572238"/>
+      </p:ext>
+    </p:extLst>
+  </p:cSld>
+  <p:clrMapOvr>
+    <a:masterClrMapping/>
+  </p:clrMapOvr>
+  <p:timing>
+    <p:tnLst>
+      <p:par>
+        <p:cTn id="1" dur="indefinite" restart="never" nodeType="tmRoot"/>
+      </p:par>
+    </p:tnLst>
+  </p:timing>
+</p:sld>
+</file>
+
+<file path=ppt/slides/slide29.xml><?xml version="1.0" encoding="utf-8"?>
+<p:sld xmlns:a="http://schemas.openxmlformats.org/drawingml/2006/main" xmlns:r="http://schemas.openxmlformats.org/officeDocument/2006/relationships" xmlns:p="http://schemas.openxmlformats.org/presentationml/2006/main">
+  <p:cSld>
+    <p:spTree>
+      <p:nvGrpSpPr>
+        <p:cNvPr id="1" name=""/>
+        <p:cNvGrpSpPr/>
+        <p:nvPr/>
+      </p:nvGrpSpPr>
+      <p:grpSpPr>
+        <a:xfrm>
+          <a:off x="0" y="0"/>
+          <a:ext cx="0" cy="0"/>
+          <a:chOff x="0" y="0"/>
+          <a:chExt cx="0" cy="0"/>
+        </a:xfrm>
+      </p:grpSpPr>
+      <p:sp>
+        <p:nvSpPr>
+          <p:cNvPr id="2" name="Title 1"/>
+          <p:cNvSpPr>
+            <a:spLocks noGrp="1"/>
+          </p:cNvSpPr>
+          <p:nvPr>
+            <p:ph type="title"/>
+          </p:nvPr>
+        </p:nvSpPr>
+        <p:spPr/>
+        <p:txBody>
+          <a:bodyPr/>
+          <a:lstStyle/>
+          <a:p>
+            <a:endParaRPr lang="en-US"/>
+          </a:p>
+        </p:txBody>
+      </p:sp>
+      <p:sp>
+        <p:nvSpPr>
+          <p:cNvPr id="3" name="Content Placeholder 2"/>
+          <p:cNvSpPr>
+            <a:spLocks noGrp="1"/>
+          </p:cNvSpPr>
+          <p:nvPr>
+            <p:ph idx="1"/>
+          </p:nvPr>
+        </p:nvSpPr>
+        <p:spPr/>
+        <p:txBody>
+          <a:bodyPr/>
+          <a:lstStyle/>
+          <a:p>
+            <a:endParaRPr lang="en-US"/>
+          </a:p>
+        </p:txBody>
+      </p:sp>
+    </p:spTree>
+    <p:extLst>
+      <p:ext uri="{BB962C8B-B14F-4D97-AF65-F5344CB8AC3E}">
+        <p14:creationId xmlns:p14="http://schemas.microsoft.com/office/powerpoint/2010/main" val="2523399155"/>
+      </p:ext>
+    </p:extLst>
+  </p:cSld>
+  <p:clrMapOvr>
+    <a:masterClrMapping/>
+  </p:clrMapOvr>
+  <p:timing>
+    <p:tnLst>
+      <p:par>
+        <p:cTn id="1" dur="indefinite" restart="never" nodeType="tmRoot"/>
+      </p:par>
+    </p:tnLst>
+  </p:timing>
+</p:sld>
+</file>
+
+<file path=ppt/slides/slide3.xml><?xml version="1.0" encoding="utf-8"?>
+<p:sld xmlns:a="http://schemas.openxmlformats.org/drawingml/2006/main" xmlns:r="http://schemas.openxmlformats.org/officeDocument/2006/relationships" xmlns:p="http://schemas.openxmlformats.org/presentationml/2006/main">
+  <p:cSld>
+    <p:spTree>
+      <p:nvGrpSpPr>
+        <p:cNvPr id="1" name=""/>
+        <p:cNvGrpSpPr/>
+        <p:nvPr/>
+      </p:nvGrpSpPr>
+      <p:grpSpPr>
+        <a:xfrm>
+          <a:off x="0" y="0"/>
+          <a:ext cx="0" cy="0"/>
+          <a:chOff x="0" y="0"/>
+          <a:chExt cx="0" cy="0"/>
+        </a:xfrm>
+      </p:grpSpPr>
+      <p:sp>
+        <p:nvSpPr>
+          <p:cNvPr id="2" name="Title 1"/>
+          <p:cNvSpPr>
+            <a:spLocks noGrp="1"/>
+          </p:cNvSpPr>
+          <p:nvPr>
+            <p:ph type="title"/>
+          </p:nvPr>
+        </p:nvSpPr>
+        <p:spPr/>
+        <p:txBody>
+          <a:bodyPr/>
+          <a:lstStyle/>
+          <a:p>
+            <a:r>
+              <a:rPr lang="en-US" b="1" i="1" dirty="0"/>
+              <a:t>Decision </a:t>
+            </a:r>
+            <a:r>
+              <a:rPr lang="en-US" b="1" i="1" dirty="0" smtClean="0"/>
+              <a:t>support</a:t>
+            </a:r>
+            <a:r>
+              <a:rPr lang="en-US" b="1" dirty="0" smtClean="0"/>
+              <a:t> systems</a:t>
+            </a:r>
+            <a:endParaRPr lang="en-US" b="1" dirty="0"/>
+          </a:p>
+        </p:txBody>
+      </p:sp>
+      <p:sp>
+        <p:nvSpPr>
+          <p:cNvPr id="3" name="Content Placeholder 2"/>
+          <p:cNvSpPr>
+            <a:spLocks noGrp="1"/>
+          </p:cNvSpPr>
+          <p:nvPr>
+            <p:ph idx="1"/>
+          </p:nvPr>
+        </p:nvSpPr>
+        <p:spPr>
+          <a:xfrm>
+            <a:off x="457200" y="1600200"/>
+            <a:ext cx="8382000" cy="4525963"/>
+          </a:xfrm>
+        </p:spPr>
+        <p:txBody>
+          <a:bodyPr>
+            <a:normAutofit/>
+          </a:bodyPr>
+          <a:lstStyle/>
+          <a:p>
+            <a:pPr lvl="1">
+              <a:buFont typeface="Wingdings" pitchFamily="2" charset="2"/>
+              <a:buChar char="§"/>
+            </a:pPr>
+            <a:r>
+              <a:rPr lang="en-US" sz="2200" i="1" dirty="0" smtClean="0"/>
+              <a:t>What were the sales volumes by region and product category for the last year?</a:t>
+            </a:r>
+            <a:endParaRPr lang="th-TH" sz="2200" i="1" dirty="0" smtClean="0"/>
+          </a:p>
+          <a:p>
+            <a:pPr lvl="1">
+              <a:buFont typeface="Wingdings" pitchFamily="2" charset="2"/>
+              <a:buChar char="§"/>
+            </a:pPr>
+            <a:r>
+              <a:rPr lang="en-US" sz="2200" i="1" dirty="0" smtClean="0"/>
+              <a:t>How did the share price of computer manufacturers correlate with quarterly profits over the past 10 years?</a:t>
+            </a:r>
+          </a:p>
+          <a:p>
+            <a:pPr lvl="1">
+              <a:buFont typeface="Wingdings" pitchFamily="2" charset="2"/>
+              <a:buChar char="§"/>
+            </a:pPr>
+            <a:r>
+              <a:rPr lang="en-US" sz="2200" i="1" dirty="0" smtClean="0"/>
+              <a:t>Which orders should we fill to maximize revenues?</a:t>
+            </a:r>
+          </a:p>
+          <a:p>
+            <a:pPr lvl="1">
+              <a:buFont typeface="Wingdings" pitchFamily="2" charset="2"/>
+              <a:buChar char="§"/>
+            </a:pPr>
+            <a:r>
+              <a:rPr lang="en-US" sz="2200" i="1" dirty="0" smtClean="0"/>
+              <a:t>Will a 10% discount increase sales volume sufficiently?</a:t>
+            </a:r>
+          </a:p>
+          <a:p>
+            <a:pPr lvl="1">
+              <a:buFont typeface="Wingdings" pitchFamily="2" charset="2"/>
+              <a:buChar char="§"/>
+            </a:pPr>
+            <a:endParaRPr lang="en-US" sz="2200" i="1" dirty="0" smtClean="0"/>
+          </a:p>
+          <a:p>
+            <a:pPr marL="457200" lvl="1" indent="0">
+              <a:buNone/>
+            </a:pPr>
+            <a:endParaRPr lang="en-US" sz="2200" i="1" dirty="0">
+              <a:solidFill>
+                <a:schemeClr val="tx1">
+                  <a:lumMod val="95000"/>
+                  <a:lumOff val="5000"/>
+                </a:schemeClr>
+              </a:solidFill>
+            </a:endParaRPr>
+          </a:p>
+        </p:txBody>
+      </p:sp>
+    </p:spTree>
+    <p:extLst>
+      <p:ext uri="{BB962C8B-B14F-4D97-AF65-F5344CB8AC3E}">
+        <p14:creationId xmlns:p14="http://schemas.microsoft.com/office/powerpoint/2010/main" val="4261617586"/>
+      </p:ext>
+    </p:extLst>
+  </p:cSld>
+  <p:clrMapOvr>
+    <a:masterClrMapping/>
+  </p:clrMapOvr>
+  <p:timing>
+    <p:tnLst>
+      <p:par>
+        <p:cTn id="1" dur="indefinite" restart="never" nodeType="tmRoot"/>
+      </p:par>
+    </p:tnLst>
+  </p:timing>
+</p:sld>
+</file>
+
+<file path=ppt/slides/slide30.xml><?xml version="1.0" encoding="utf-8"?>
+<p:sld xmlns:a="http://schemas.openxmlformats.org/drawingml/2006/main" xmlns:r="http://schemas.openxmlformats.org/officeDocument/2006/relationships" xmlns:p="http://schemas.openxmlformats.org/presentationml/2006/main">
+  <p:cSld>
+    <p:spTree>
+      <p:nvGrpSpPr>
+        <p:cNvPr id="1" name=""/>
+        <p:cNvGrpSpPr/>
+        <p:nvPr/>
+      </p:nvGrpSpPr>
+      <p:grpSpPr>
+        <a:xfrm>
+          <a:off x="0" y="0"/>
+          <a:ext cx="0" cy="0"/>
+          <a:chOff x="0" y="0"/>
+          <a:chExt cx="0" cy="0"/>
+        </a:xfrm>
+      </p:grpSpPr>
+      <p:sp>
+        <p:nvSpPr>
+          <p:cNvPr id="2" name="Title 1"/>
+          <p:cNvSpPr>
+            <a:spLocks noGrp="1"/>
+          </p:cNvSpPr>
+          <p:nvPr>
+            <p:ph type="title"/>
+          </p:nvPr>
+        </p:nvSpPr>
+        <p:spPr/>
+        <p:txBody>
+          <a:bodyPr/>
+          <a:lstStyle/>
+          <a:p>
+            <a:endParaRPr lang="en-US"/>
+          </a:p>
+        </p:txBody>
+      </p:sp>
+      <p:sp>
+        <p:nvSpPr>
+          <p:cNvPr id="3" name="Content Placeholder 2"/>
+          <p:cNvSpPr>
+            <a:spLocks noGrp="1"/>
+          </p:cNvSpPr>
+          <p:nvPr>
+            <p:ph idx="1"/>
+          </p:nvPr>
+        </p:nvSpPr>
+        <p:spPr/>
+        <p:txBody>
+          <a:bodyPr/>
+          <a:lstStyle/>
+          <a:p>
+            <a:endParaRPr lang="en-US"/>
+          </a:p>
+        </p:txBody>
+      </p:sp>
+    </p:spTree>
+    <p:extLst>
+      <p:ext uri="{BB962C8B-B14F-4D97-AF65-F5344CB8AC3E}">
+        <p14:creationId xmlns:p14="http://schemas.microsoft.com/office/powerpoint/2010/main" val="411052298"/>
+      </p:ext>
+    </p:extLst>
+  </p:cSld>
+  <p:clrMapOvr>
+    <a:masterClrMapping/>
+  </p:clrMapOvr>
+  <p:timing>
+    <p:tnLst>
+      <p:par>
+        <p:cTn id="1" dur="indefinite" restart="never" nodeType="tmRoot"/>
+      </p:par>
+    </p:tnLst>
+  </p:timing>
+</p:sld>
+</file>
+
+<file path=ppt/slides/slide31.xml><?xml version="1.0" encoding="utf-8"?>
+<p:sld xmlns:a="http://schemas.openxmlformats.org/drawingml/2006/main" xmlns:r="http://schemas.openxmlformats.org/officeDocument/2006/relationships" xmlns:p="http://schemas.openxmlformats.org/presentationml/2006/main">
+  <p:cSld>
+    <p:spTree>
+      <p:nvGrpSpPr>
+        <p:cNvPr id="1" name=""/>
+        <p:cNvGrpSpPr/>
+        <p:nvPr/>
+      </p:nvGrpSpPr>
+      <p:grpSpPr>
+        <a:xfrm>
+          <a:off x="0" y="0"/>
+          <a:ext cx="0" cy="0"/>
+          <a:chOff x="0" y="0"/>
+          <a:chExt cx="0" cy="0"/>
+        </a:xfrm>
+      </p:grpSpPr>
+      <p:sp>
+        <p:nvSpPr>
+          <p:cNvPr id="2" name="Title 1"/>
+          <p:cNvSpPr>
+            <a:spLocks noGrp="1"/>
+          </p:cNvSpPr>
+          <p:nvPr>
+            <p:ph type="title"/>
+          </p:nvPr>
+        </p:nvSpPr>
+        <p:spPr/>
+        <p:txBody>
+          <a:bodyPr/>
+          <a:lstStyle/>
+          <a:p>
+            <a:endParaRPr lang="en-US" dirty="0"/>
+          </a:p>
+        </p:txBody>
+      </p:sp>
+      <p:sp>
+        <p:nvSpPr>
+          <p:cNvPr id="3" name="Content Placeholder 2"/>
+          <p:cNvSpPr>
+            <a:spLocks noGrp="1"/>
+          </p:cNvSpPr>
+          <p:nvPr>
+            <p:ph idx="1"/>
+          </p:nvPr>
+        </p:nvSpPr>
+        <p:spPr/>
+        <p:txBody>
+          <a:bodyPr>
+            <a:normAutofit/>
+          </a:bodyPr>
+          <a:lstStyle/>
+          <a:p>
+            <a:r>
+              <a:rPr lang="th-TH" sz="3600" dirty="0" smtClean="0"/>
+              <a:t>ส่วนที่หามาเพิ่ม</a:t>
+            </a:r>
+            <a:endParaRPr lang="en-US" sz="3600" dirty="0"/>
+          </a:p>
+        </p:txBody>
+      </p:sp>
+    </p:spTree>
+    <p:extLst>
+      <p:ext uri="{BB962C8B-B14F-4D97-AF65-F5344CB8AC3E}">
+        <p14:creationId xmlns:p14="http://schemas.microsoft.com/office/powerpoint/2010/main" val="1343042691"/>
+      </p:ext>
+    </p:extLst>
+  </p:cSld>
+  <p:clrMapOvr>
+    <a:masterClrMapping/>
+  </p:clrMapOvr>
+  <p:timing>
+    <p:tnLst>
+      <p:par>
+        <p:cTn id="1" dur="indefinite" restart="never" nodeType="tmRoot"/>
+      </p:par>
+    </p:tnLst>
+  </p:timing>
+</p:sld>
+</file>
+
+<file path=ppt/slides/slide32.xml><?xml version="1.0" encoding="utf-8"?>
+<p:sld xmlns:a="http://schemas.openxmlformats.org/drawingml/2006/main" xmlns:r="http://schemas.openxmlformats.org/officeDocument/2006/relationships" xmlns:p="http://schemas.openxmlformats.org/presentationml/2006/main">
+  <p:cSld>
+    <p:spTree>
+      <p:nvGrpSpPr>
+        <p:cNvPr id="1" name=""/>
+        <p:cNvGrpSpPr/>
+        <p:nvPr/>
+      </p:nvGrpSpPr>
+      <p:grpSpPr>
+        <a:xfrm>
+          <a:off x="0" y="0"/>
+          <a:ext cx="0" cy="0"/>
+          <a:chOff x="0" y="0"/>
+          <a:chExt cx="0" cy="0"/>
+        </a:xfrm>
+      </p:grpSpPr>
+      <p:sp>
+        <p:nvSpPr>
+          <p:cNvPr id="2" name="Title 1"/>
+          <p:cNvSpPr>
+            <a:spLocks noGrp="1"/>
+          </p:cNvSpPr>
+          <p:nvPr>
+            <p:ph type="title"/>
+          </p:nvPr>
+        </p:nvSpPr>
+        <p:spPr/>
+        <p:txBody>
+          <a:bodyPr/>
+          <a:lstStyle/>
+          <a:p>
+            <a:endParaRPr lang="en-US" dirty="0"/>
+          </a:p>
+        </p:txBody>
+      </p:sp>
+      <p:sp>
+        <p:nvSpPr>
+          <p:cNvPr id="3" name="Content Placeholder 2"/>
+          <p:cNvSpPr>
+            <a:spLocks noGrp="1"/>
+          </p:cNvSpPr>
+          <p:nvPr>
+            <p:ph idx="1"/>
+          </p:nvPr>
+        </p:nvSpPr>
+        <p:spPr/>
+        <p:txBody>
+          <a:bodyPr/>
+          <a:lstStyle/>
+          <a:p>
+            <a:r>
+              <a:rPr lang="en-US" dirty="0"/>
+              <a:t>http://www-01.ibm.com/support/docview.wss?uid=swg24022618</a:t>
+            </a:r>
+          </a:p>
+        </p:txBody>
+      </p:sp>
+    </p:spTree>
+    <p:extLst>
+      <p:ext uri="{BB962C8B-B14F-4D97-AF65-F5344CB8AC3E}">
+        <p14:creationId xmlns:p14="http://schemas.microsoft.com/office/powerpoint/2010/main" val="2480830112"/>
+      </p:ext>
+    </p:extLst>
+  </p:cSld>
+  <p:clrMapOvr>
+    <a:masterClrMapping/>
+  </p:clrMapOvr>
+  <p:timing>
+    <p:tnLst>
+      <p:par>
+        <p:cTn id="1" dur="indefinite" restart="never" nodeType="tmRoot"/>
+      </p:par>
+    </p:tnLst>
+  </p:timing>
+</p:sld>
+</file>
+
+<file path=ppt/slides/slide33.xml><?xml version="1.0" encoding="utf-8"?>
+<p:sld xmlns:a="http://schemas.openxmlformats.org/drawingml/2006/main" xmlns:r="http://schemas.openxmlformats.org/officeDocument/2006/relationships" xmlns:p="http://schemas.openxmlformats.org/presentationml/2006/main">
+  <p:cSld>
+    <p:spTree>
+      <p:nvGrpSpPr>
+        <p:cNvPr id="1" name=""/>
+        <p:cNvGrpSpPr/>
+        <p:nvPr/>
+      </p:nvGrpSpPr>
+      <p:grpSpPr>
+        <a:xfrm>
+          <a:off x="0" y="0"/>
+          <a:ext cx="0" cy="0"/>
+          <a:chOff x="0" y="0"/>
+          <a:chExt cx="0" cy="0"/>
+        </a:xfrm>
+      </p:grpSpPr>
+      <p:sp>
+        <p:nvSpPr>
+          <p:cNvPr id="2" name="Title 1"/>
+          <p:cNvSpPr>
+            <a:spLocks noGrp="1"/>
+          </p:cNvSpPr>
+          <p:nvPr>
+            <p:ph type="title"/>
+          </p:nvPr>
+        </p:nvSpPr>
+        <p:spPr/>
+        <p:txBody>
+          <a:bodyPr/>
+          <a:lstStyle/>
+          <a:p>
+            <a:endParaRPr lang="en-US"/>
+          </a:p>
+        </p:txBody>
+      </p:sp>
+      <p:sp>
+        <p:nvSpPr>
+          <p:cNvPr id="3" name="Content Placeholder 2"/>
+          <p:cNvSpPr>
+            <a:spLocks noGrp="1"/>
+          </p:cNvSpPr>
+          <p:nvPr>
+            <p:ph idx="1"/>
+          </p:nvPr>
+        </p:nvSpPr>
+        <p:spPr/>
+        <p:txBody>
+          <a:bodyPr/>
+          <a:lstStyle/>
+          <a:p>
+            <a:r>
+              <a:rPr lang="en-US" dirty="0"/>
+              <a:t>http://www.informatica.com/solutions/telecommunications/Pages/index.aspx</a:t>
+            </a:r>
+          </a:p>
+        </p:txBody>
+      </p:sp>
+    </p:spTree>
+    <p:extLst>
+      <p:ext uri="{BB962C8B-B14F-4D97-AF65-F5344CB8AC3E}">
+        <p14:creationId xmlns:p14="http://schemas.microsoft.com/office/powerpoint/2010/main" val="763301390"/>
+      </p:ext>
+    </p:extLst>
+  </p:cSld>
+  <p:clrMapOvr>
+    <a:masterClrMapping/>
+  </p:clrMapOvr>
+  <p:timing>
+    <p:tnLst>
+      <p:par>
+        <p:cTn id="1" dur="indefinite" restart="never" nodeType="tmRoot"/>
+      </p:par>
+    </p:tnLst>
+  </p:timing>
+</p:sld>
+</file>
+
+<file path=ppt/slides/slide34.xml><?xml version="1.0" encoding="utf-8"?>
+<p:sld xmlns:a="http://schemas.openxmlformats.org/drawingml/2006/main" xmlns:r="http://schemas.openxmlformats.org/officeDocument/2006/relationships" xmlns:p="http://schemas.openxmlformats.org/presentationml/2006/main">
+  <p:cSld>
+    <p:spTree>
+      <p:nvGrpSpPr>
+        <p:cNvPr id="1" name=""/>
+        <p:cNvGrpSpPr/>
+        <p:nvPr/>
+      </p:nvGrpSpPr>
+      <p:grpSpPr>
+        <a:xfrm>
+          <a:off x="0" y="0"/>
+          <a:ext cx="0" cy="0"/>
+          <a:chOff x="0" y="0"/>
+          <a:chExt cx="0" cy="0"/>
+        </a:xfrm>
+      </p:grpSpPr>
+      <p:sp>
+        <p:nvSpPr>
+          <p:cNvPr id="2" name="Title 1"/>
+          <p:cNvSpPr>
+            <a:spLocks noGrp="1"/>
+          </p:cNvSpPr>
+          <p:nvPr>
+            <p:ph type="title"/>
+          </p:nvPr>
+        </p:nvSpPr>
+        <p:spPr/>
+        <p:txBody>
+          <a:bodyPr/>
+          <a:lstStyle/>
+          <a:p>
+            <a:endParaRPr lang="en-US"/>
+          </a:p>
+        </p:txBody>
+      </p:sp>
+      <p:sp>
+        <p:nvSpPr>
+          <p:cNvPr id="3" name="Content Placeholder 2"/>
+          <p:cNvSpPr>
+            <a:spLocks noGrp="1"/>
+          </p:cNvSpPr>
+          <p:nvPr>
+            <p:ph idx="1"/>
+          </p:nvPr>
+        </p:nvSpPr>
+        <p:spPr/>
+        <p:txBody>
+          <a:bodyPr/>
+          <a:lstStyle/>
+          <a:p>
+            <a:r>
+              <a:rPr lang="en-US" dirty="0"/>
+              <a:t>http://www.infobright.com/Products/MySQL-Integration/</a:t>
+            </a:r>
+          </a:p>
+        </p:txBody>
+      </p:sp>
+    </p:spTree>
+    <p:extLst>
+      <p:ext uri="{BB962C8B-B14F-4D97-AF65-F5344CB8AC3E}">
+        <p14:creationId xmlns:p14="http://schemas.microsoft.com/office/powerpoint/2010/main" val="2421711501"/>
+      </p:ext>
+    </p:extLst>
+  </p:cSld>
+  <p:clrMapOvr>
+    <a:masterClrMapping/>
+  </p:clrMapOvr>
+  <p:timing>
+    <p:tnLst>
+      <p:par>
+        <p:cTn id="1" dur="indefinite" restart="never" nodeType="tmRoot"/>
+      </p:par>
+    </p:tnLst>
+  </p:timing>
+</p:sld>
+</file>
+
+<file path=ppt/slides/slide35.xml><?xml version="1.0" encoding="utf-8"?>
+<p:sld xmlns:a="http://schemas.openxmlformats.org/drawingml/2006/main" xmlns:r="http://schemas.openxmlformats.org/officeDocument/2006/relationships" xmlns:p="http://schemas.openxmlformats.org/presentationml/2006/main">
+  <p:cSld>
+    <p:spTree>
+      <p:nvGrpSpPr>
+        <p:cNvPr id="1" name=""/>
+        <p:cNvGrpSpPr/>
+        <p:nvPr/>
+      </p:nvGrpSpPr>
+      <p:grpSpPr>
+        <a:xfrm>
+          <a:off x="0" y="0"/>
+          <a:ext cx="0" cy="0"/>
+          <a:chOff x="0" y="0"/>
+          <a:chExt cx="0" cy="0"/>
+        </a:xfrm>
+      </p:grpSpPr>
+      <p:sp>
+        <p:nvSpPr>
+          <p:cNvPr id="4" name="Title 1"/>
+          <p:cNvSpPr txBox="1">
+            <a:spLocks/>
+          </p:cNvSpPr>
+          <p:nvPr/>
+        </p:nvSpPr>
+        <p:spPr>
+          <a:xfrm>
+            <a:off x="457200" y="533400"/>
+            <a:ext cx="8229600" cy="1143000"/>
+          </a:xfrm>
+          <a:prstGeom prst="rect">
+            <a:avLst/>
+          </a:prstGeom>
+        </p:spPr>
+        <p:txBody>
+          <a:bodyPr vert="horz" rtlCol="0" anchor="ctr">
+            <a:normAutofit fontScale="67500" lnSpcReduction="20000"/>
+            <a:scene3d>
+              <a:camera prst="orthographicFront"/>
+              <a:lightRig rig="soft" dir="t"/>
+            </a:scene3d>
+            <a:sp3d prstMaterial="softEdge">
+              <a:bevelT w="25400" h="25400"/>
+            </a:sp3d>
+          </a:bodyPr>
+          <a:lstStyle/>
+          <a:p>
+            <a:pPr marL="0" marR="0" lvl="0" indent="0" algn="l" defTabSz="914400" rtl="0" eaLnBrk="1" fontAlgn="auto" latinLnBrk="0" hangingPunct="1">
+              <a:lnSpc>
+                <a:spcPct val="100000"/>
+              </a:lnSpc>
+              <a:spcBef>
+                <a:spcPct val="0"/>
+              </a:spcBef>
+              <a:spcAft>
+                <a:spcPts val="0"/>
+              </a:spcAft>
+              <a:buClrTx/>
+              <a:buSzTx/>
+              <a:buFontTx/>
+              <a:buNone/>
+              <a:tabLst/>
+              <a:defRPr/>
+            </a:pPr>
+            <a:r>
+              <a:rPr kumimoji="0" lang="en-US" sz="4100" b="1" i="0" u="none" strike="noStrike" kern="1200" cap="none" spc="0" normalizeH="0" baseline="0" noProof="0" dirty="0" smtClean="0">
+                <a:ln>
+                  <a:noFill/>
+                </a:ln>
+                <a:solidFill>
+                  <a:schemeClr val="tx2"/>
+                </a:solidFill>
+                <a:effectLst>
+                  <a:outerShdw blurRad="31750" dist="25400" dir="5400000" algn="tl" rotWithShape="0">
+                    <a:srgbClr val="000000">
+                      <a:alpha val="25000"/>
+                    </a:srgbClr>
+                  </a:outerShdw>
+                </a:effectLst>
+                <a:uLnTx/>
+                <a:uFillTx/>
+                <a:latin typeface="+mj-lt"/>
+                <a:ea typeface="+mj-ea"/>
+                <a:cs typeface="+mj-cs"/>
+              </a:rPr>
+              <a:t>What is the IBM Telecommunications Data Warehouse?</a:t>
+            </a:r>
+            <a:br>
+              <a:rPr kumimoji="0" lang="en-US" sz="4100" b="1" i="0" u="none" strike="noStrike" kern="1200" cap="none" spc="0" normalizeH="0" baseline="0" noProof="0" dirty="0" smtClean="0">
+                <a:ln>
+                  <a:noFill/>
+                </a:ln>
+                <a:solidFill>
+                  <a:schemeClr val="tx2"/>
+                </a:solidFill>
+                <a:effectLst>
+                  <a:outerShdw blurRad="31750" dist="25400" dir="5400000" algn="tl" rotWithShape="0">
+                    <a:srgbClr val="000000">
+                      <a:alpha val="25000"/>
+                    </a:srgbClr>
+                  </a:outerShdw>
+                </a:effectLst>
+                <a:uLnTx/>
+                <a:uFillTx/>
+                <a:latin typeface="+mj-lt"/>
+                <a:ea typeface="+mj-ea"/>
+                <a:cs typeface="+mj-cs"/>
+              </a:rPr>
+            </a:br>
+            <a:endParaRPr kumimoji="0" lang="en-US" sz="4100" b="1" i="0" u="none" strike="noStrike" kern="1200" cap="none" spc="0" normalizeH="0" baseline="0" noProof="0" dirty="0">
+              <a:ln>
+                <a:noFill/>
+              </a:ln>
+              <a:solidFill>
+                <a:schemeClr val="tx2"/>
+              </a:solidFill>
+              <a:effectLst>
+                <a:outerShdw blurRad="31750" dist="25400" dir="5400000" algn="tl" rotWithShape="0">
+                  <a:srgbClr val="000000">
+                    <a:alpha val="25000"/>
+                  </a:srgbClr>
+                </a:outerShdw>
+              </a:effectLst>
+              <a:uLnTx/>
+              <a:uFillTx/>
+              <a:latin typeface="+mj-lt"/>
+              <a:ea typeface="+mj-ea"/>
+              <a:cs typeface="+mj-cs"/>
+            </a:endParaRPr>
+          </a:p>
+        </p:txBody>
+      </p:sp>
+      <p:sp>
+        <p:nvSpPr>
+          <p:cNvPr id="5" name="Content Placeholder 2"/>
+          <p:cNvSpPr txBox="1">
+            <a:spLocks/>
+          </p:cNvSpPr>
+          <p:nvPr/>
+        </p:nvSpPr>
+        <p:spPr>
+          <a:xfrm>
+            <a:off x="457200" y="1600200"/>
+            <a:ext cx="8229600" cy="4525963"/>
+          </a:xfrm>
+          <a:prstGeom prst="rect">
+            <a:avLst/>
+          </a:prstGeom>
+        </p:spPr>
+        <p:txBody>
+          <a:bodyPr vert="horz">
+            <a:normAutofit fontScale="92500" lnSpcReduction="10000"/>
+          </a:bodyPr>
+          <a:lstStyle/>
+          <a:p>
+            <a:pPr marL="365760" marR="0" lvl="0" indent="-256032" algn="l" defTabSz="914400" rtl="0" eaLnBrk="1" fontAlgn="auto" latinLnBrk="0" hangingPunct="1">
+              <a:lnSpc>
+                <a:spcPct val="100000"/>
+              </a:lnSpc>
+              <a:spcBef>
+                <a:spcPts val="400"/>
+              </a:spcBef>
+              <a:spcAft>
+                <a:spcPts val="0"/>
+              </a:spcAft>
+              <a:buClr>
+                <a:schemeClr val="accent1"/>
+              </a:buClr>
+              <a:buSzPct val="68000"/>
+              <a:buFont typeface="Wingdings 3"/>
+              <a:buNone/>
+              <a:tabLst/>
+              <a:defRPr/>
+            </a:pPr>
+            <a:r>
+              <a:rPr kumimoji="0" lang="en-US" sz="2700" b="0" i="0" u="none" strike="noStrike" kern="1200" cap="none" spc="0" normalizeH="0" baseline="0" noProof="0" smtClean="0">
+                <a:ln>
+                  <a:noFill/>
+                </a:ln>
+                <a:solidFill>
+                  <a:schemeClr val="tx1"/>
+                </a:solidFill>
+                <a:effectLst/>
+                <a:uLnTx/>
+                <a:uFillTx/>
+                <a:latin typeface="+mn-lt"/>
+                <a:ea typeface="+mn-ea"/>
+                <a:cs typeface="+mn-cs"/>
+              </a:rPr>
+              <a:t>IBM’s Telecommunications Data Warehouse (TDW) enables Operators to build data warehouse solutions to suit their specific needs. TDW includes all of the key components required for the core of a data warehousing solution.</a:t>
+            </a:r>
+          </a:p>
+          <a:p>
+            <a:pPr marL="365760" marR="0" lvl="0" indent="-256032" algn="l" defTabSz="914400" rtl="0" eaLnBrk="1" fontAlgn="auto" latinLnBrk="0" hangingPunct="1">
+              <a:lnSpc>
+                <a:spcPct val="100000"/>
+              </a:lnSpc>
+              <a:spcBef>
+                <a:spcPts val="400"/>
+              </a:spcBef>
+              <a:spcAft>
+                <a:spcPts val="0"/>
+              </a:spcAft>
+              <a:buClr>
+                <a:schemeClr val="accent1"/>
+              </a:buClr>
+              <a:buSzPct val="68000"/>
+              <a:buFont typeface="Wingdings 3"/>
+              <a:buNone/>
+              <a:tabLst/>
+              <a:defRPr/>
+            </a:pPr>
+            <a:r>
+              <a:rPr kumimoji="0" lang="en-US" sz="2700" b="0" i="0" u="none" strike="noStrike" kern="1200" cap="none" spc="0" normalizeH="0" baseline="0" noProof="0" smtClean="0">
+                <a:ln>
+                  <a:noFill/>
+                </a:ln>
+                <a:solidFill>
+                  <a:schemeClr val="tx1"/>
+                </a:solidFill>
+                <a:effectLst/>
+                <a:uLnTx/>
+                <a:uFillTx/>
+                <a:latin typeface="+mn-lt"/>
+                <a:ea typeface="+mn-ea"/>
+                <a:cs typeface="+mn-cs"/>
+              </a:rPr>
+              <a:t>The TDW comprises a flexible and scalable data warehouse infrastructure, enabling Operators to build a comprehensive data warehouse solution through phased development. This solution enables the rapid delivery of high business value by initially focusing on the business areas offering the greatest returns and feasibility, while building within a proven technical warehousing architecture.</a:t>
+            </a:r>
+            <a:endParaRPr kumimoji="0" lang="en-US" sz="2700" b="0" i="0" u="none" strike="noStrike" kern="1200" cap="none" spc="0" normalizeH="0" baseline="0" noProof="0" dirty="0">
+              <a:ln>
+                <a:noFill/>
+              </a:ln>
+              <a:solidFill>
+                <a:schemeClr val="tx1"/>
+              </a:solidFill>
+              <a:effectLst/>
+              <a:uLnTx/>
+              <a:uFillTx/>
+              <a:latin typeface="+mn-lt"/>
+              <a:ea typeface="+mn-ea"/>
+              <a:cs typeface="+mn-cs"/>
+            </a:endParaRPr>
+          </a:p>
+        </p:txBody>
+      </p:sp>
+    </p:spTree>
+    <p:extLst>
+      <p:ext uri="{BB962C8B-B14F-4D97-AF65-F5344CB8AC3E}">
+        <p14:creationId xmlns:p14="http://schemas.microsoft.com/office/powerpoint/2010/main" val="1103738237"/>
+      </p:ext>
+    </p:extLst>
+  </p:cSld>
+  <p:clrMapOvr>
+    <a:masterClrMapping/>
+  </p:clrMapOvr>
+  <p:timing>
+    <p:tnLst>
+      <p:par>
+        <p:cTn id="1" dur="indefinite" restart="never" nodeType="tmRoot"/>
+      </p:par>
+    </p:tnLst>
+  </p:timing>
+</p:sld>
+</file>
+
+<file path=ppt/slides/slide36.xml><?xml version="1.0" encoding="utf-8"?>
+<p:sld xmlns:a="http://schemas.openxmlformats.org/drawingml/2006/main" xmlns:r="http://schemas.openxmlformats.org/officeDocument/2006/relationships" xmlns:p="http://schemas.openxmlformats.org/presentationml/2006/main">
+  <p:cSld>
+    <p:spTree>
+      <p:nvGrpSpPr>
+        <p:cNvPr id="1" name=""/>
+        <p:cNvGrpSpPr/>
+        <p:nvPr/>
+      </p:nvGrpSpPr>
+      <p:grpSpPr>
+        <a:xfrm>
+          <a:off x="0" y="0"/>
+          <a:ext cx="0" cy="0"/>
+          <a:chOff x="0" y="0"/>
+          <a:chExt cx="0" cy="0"/>
+        </a:xfrm>
+      </p:grpSpPr>
+      <p:pic>
+        <p:nvPicPr>
+          <p:cNvPr id="4" name="Picture 6"/>
+          <p:cNvPicPr>
+            <a:picLocks noChangeAspect="1" noChangeArrowheads="1"/>
+          </p:cNvPicPr>
+          <p:nvPr/>
+        </p:nvPicPr>
+        <p:blipFill>
+          <a:blip r:embed="rId3"/>
+          <a:srcRect l="14375" t="11000" r="15000"/>
+          <a:stretch>
+            <a:fillRect/>
+          </a:stretch>
+        </p:blipFill>
+        <p:spPr bwMode="auto">
+          <a:xfrm>
+            <a:off x="-32" y="0"/>
+            <a:ext cx="8715436" cy="6864370"/>
+          </a:xfrm>
+          <a:prstGeom prst="rect">
+            <a:avLst/>
+          </a:prstGeom>
+          <a:noFill/>
+          <a:ln w="9525">
+            <a:noFill/>
+            <a:miter lim="800000"/>
+            <a:headEnd/>
+            <a:tailEnd/>
+          </a:ln>
+          <a:effectLst/>
+        </p:spPr>
+      </p:pic>
+    </p:spTree>
+    <p:extLst>
+      <p:ext uri="{BB962C8B-B14F-4D97-AF65-F5344CB8AC3E}">
+        <p14:creationId xmlns:p14="http://schemas.microsoft.com/office/powerpoint/2010/main" val="1160716067"/>
+      </p:ext>
+    </p:extLst>
+  </p:cSld>
+  <p:clrMapOvr>
+    <a:masterClrMapping/>
+  </p:clrMapOvr>
+</p:sld>
+</file>
+
+<file path=ppt/slides/slide37.xml><?xml version="1.0" encoding="utf-8"?>
+<p:sld xmlns:a="http://schemas.openxmlformats.org/drawingml/2006/main" xmlns:r="http://schemas.openxmlformats.org/officeDocument/2006/relationships" xmlns:p="http://schemas.openxmlformats.org/presentationml/2006/main">
+  <p:cSld>
+    <p:spTree>
+      <p:nvGrpSpPr>
+        <p:cNvPr id="1" name=""/>
+        <p:cNvGrpSpPr/>
+        <p:nvPr/>
+      </p:nvGrpSpPr>
+      <p:grpSpPr>
+        <a:xfrm>
+          <a:off x="0" y="0"/>
+          <a:ext cx="0" cy="0"/>
+          <a:chOff x="0" y="0"/>
+          <a:chExt cx="0" cy="0"/>
+        </a:xfrm>
+      </p:grpSpPr>
+      <p:pic>
+        <p:nvPicPr>
+          <p:cNvPr id="4" name="Picture 2"/>
+          <p:cNvPicPr>
+            <a:picLocks noChangeAspect="1" noChangeArrowheads="1"/>
+          </p:cNvPicPr>
+          <p:nvPr/>
+        </p:nvPicPr>
+        <p:blipFill>
+          <a:blip r:embed="rId3"/>
+          <a:srcRect l="24375" t="10000" r="18750" b="7000"/>
+          <a:stretch>
+            <a:fillRect/>
+          </a:stretch>
+        </p:blipFill>
+        <p:spPr bwMode="auto">
+          <a:xfrm>
+            <a:off x="839175" y="-24"/>
+            <a:ext cx="7519039" cy="6858024"/>
+          </a:xfrm>
+          <a:prstGeom prst="rect">
+            <a:avLst/>
+          </a:prstGeom>
+          <a:noFill/>
+          <a:ln w="9525">
+            <a:noFill/>
+            <a:miter lim="800000"/>
+            <a:headEnd/>
+            <a:tailEnd/>
+          </a:ln>
+          <a:effectLst/>
+        </p:spPr>
+      </p:pic>
+    </p:spTree>
+    <p:extLst>
+      <p:ext uri="{BB962C8B-B14F-4D97-AF65-F5344CB8AC3E}">
+        <p14:creationId xmlns:p14="http://schemas.microsoft.com/office/powerpoint/2010/main" val="3285242553"/>
+      </p:ext>
+    </p:extLst>
+  </p:cSld>
+  <p:clrMapOvr>
+    <a:masterClrMapping/>
+  </p:clrMapOvr>
+</p:sld>
+</file>
+
+<file path=ppt/slides/slide38.xml><?xml version="1.0" encoding="utf-8"?>
+<p:sld xmlns:a="http://schemas.openxmlformats.org/drawingml/2006/main" xmlns:r="http://schemas.openxmlformats.org/officeDocument/2006/relationships" xmlns:p="http://schemas.openxmlformats.org/presentationml/2006/main">
+  <p:cSld>
+    <p:spTree>
+      <p:nvGrpSpPr>
+        <p:cNvPr id="1" name=""/>
+        <p:cNvGrpSpPr/>
+        <p:nvPr/>
+      </p:nvGrpSpPr>
+      <p:grpSpPr>
+        <a:xfrm>
+          <a:off x="0" y="0"/>
+          <a:ext cx="0" cy="0"/>
+          <a:chOff x="0" y="0"/>
+          <a:chExt cx="0" cy="0"/>
+        </a:xfrm>
+      </p:grpSpPr>
+      <p:sp>
+        <p:nvSpPr>
+          <p:cNvPr id="3" name="Title 2"/>
+          <p:cNvSpPr>
+            <a:spLocks noGrp="1"/>
+          </p:cNvSpPr>
+          <p:nvPr>
+            <p:ph type="title"/>
+          </p:nvPr>
+        </p:nvSpPr>
+        <p:spPr/>
+        <p:txBody>
+          <a:bodyPr>
+            <a:normAutofit fontScale="90000"/>
+          </a:bodyPr>
+          <a:lstStyle/>
+          <a:p>
+            <a:r>
+              <a:rPr lang="en-US" dirty="0" smtClean="0"/>
+              <a:t>What is the Telecommunications Data Warehouse Model?</a:t>
+            </a:r>
+            <a:endParaRPr lang="en-US" dirty="0"/>
+          </a:p>
+        </p:txBody>
+      </p:sp>
+      <p:sp>
+        <p:nvSpPr>
+          <p:cNvPr id="2" name="Content Placeholder 1"/>
+          <p:cNvSpPr>
+            <a:spLocks noGrp="1"/>
+          </p:cNvSpPr>
+          <p:nvPr>
+            <p:ph idx="1"/>
+          </p:nvPr>
+        </p:nvSpPr>
+        <p:spPr/>
+        <p:txBody>
+          <a:bodyPr>
+            <a:normAutofit lnSpcReduction="10000"/>
+          </a:bodyPr>
+          <a:lstStyle/>
+          <a:p>
+            <a:r>
+              <a:rPr lang="en-US" dirty="0" smtClean="0"/>
+              <a:t>The Telecommunications Data Warehouse Model (TDWM) provides Operators with both the content and the infrastructure to support the provision of clean, rationalized and easily accessible data from a central information repository. It allows Operators to exploit the potential of information previously locked in legacy systems and summarized in distributed data marts in accessible to most business users.</a:t>
+            </a:r>
+          </a:p>
+        </p:txBody>
+      </p:sp>
+    </p:spTree>
+    <p:extLst>
+      <p:ext uri="{BB962C8B-B14F-4D97-AF65-F5344CB8AC3E}">
+        <p14:creationId xmlns:p14="http://schemas.microsoft.com/office/powerpoint/2010/main" val="3724462367"/>
+      </p:ext>
+    </p:extLst>
+  </p:cSld>
+  <p:clrMapOvr>
+    <a:masterClrMapping/>
+  </p:clrMapOvr>
+</p:sld>
+</file>
+
+<file path=ppt/slides/slide39.xml><?xml version="1.0" encoding="utf-8"?>
+<p:sld xmlns:a="http://schemas.openxmlformats.org/drawingml/2006/main" xmlns:r="http://schemas.openxmlformats.org/officeDocument/2006/relationships" xmlns:p="http://schemas.openxmlformats.org/presentationml/2006/main">
+  <p:cSld>
+    <p:spTree>
+      <p:nvGrpSpPr>
+        <p:cNvPr id="1" name=""/>
+        <p:cNvGrpSpPr/>
+        <p:nvPr/>
+      </p:nvGrpSpPr>
+      <p:grpSpPr>
+        <a:xfrm>
+          <a:off x="0" y="0"/>
+          <a:ext cx="0" cy="0"/>
+          <a:chOff x="0" y="0"/>
+          <a:chExt cx="0" cy="0"/>
+        </a:xfrm>
+      </p:grpSpPr>
+      <p:pic>
+        <p:nvPicPr>
+          <p:cNvPr id="4" name="Picture 2"/>
+          <p:cNvPicPr>
+            <a:picLocks noChangeAspect="1" noChangeArrowheads="1"/>
+          </p:cNvPicPr>
+          <p:nvPr/>
+        </p:nvPicPr>
+        <p:blipFill>
+          <a:blip r:embed="rId3"/>
+          <a:srcRect l="11875" t="45000" r="27500" b="17000"/>
+          <a:stretch>
+            <a:fillRect/>
+          </a:stretch>
+        </p:blipFill>
+        <p:spPr bwMode="auto">
+          <a:xfrm>
+            <a:off x="762000" y="1371600"/>
+            <a:ext cx="7391400" cy="2895600"/>
+          </a:xfrm>
+          <a:prstGeom prst="rect">
+            <a:avLst/>
+          </a:prstGeom>
+          <a:noFill/>
+          <a:ln w="9525">
+            <a:noFill/>
+            <a:miter lim="800000"/>
+            <a:headEnd/>
+            <a:tailEnd/>
+          </a:ln>
+          <a:effectLst/>
+        </p:spPr>
+      </p:pic>
+    </p:spTree>
+    <p:extLst>
+      <p:ext uri="{BB962C8B-B14F-4D97-AF65-F5344CB8AC3E}">
+        <p14:creationId xmlns:p14="http://schemas.microsoft.com/office/powerpoint/2010/main" val="294947683"/>
+      </p:ext>
+    </p:extLst>
+  </p:cSld>
+  <p:clrMapOvr>
+    <a:masterClrMapping/>
+  </p:clrMapOvr>
+</p:sld>
+</file>
+
+<file path=ppt/slides/slide4.xml><?xml version="1.0" encoding="utf-8"?>
+<p:sld xmlns:a="http://schemas.openxmlformats.org/drawingml/2006/main" xmlns:r="http://schemas.openxmlformats.org/officeDocument/2006/relationships" xmlns:p="http://schemas.openxmlformats.org/presentationml/2006/main">
+  <p:cSld>
+    <p:spTree>
+      <p:nvGrpSpPr>
+        <p:cNvPr id="1" name=""/>
+        <p:cNvGrpSpPr/>
+        <p:nvPr/>
+      </p:nvGrpSpPr>
+      <p:grpSpPr>
+        <a:xfrm>
+          <a:off x="0" y="0"/>
+          <a:ext cx="0" cy="0"/>
+          <a:chOff x="0" y="0"/>
+          <a:chExt cx="0" cy="0"/>
+        </a:xfrm>
+      </p:grpSpPr>
+      <p:sp>
+        <p:nvSpPr>
+          <p:cNvPr id="2" name="Title 1"/>
+          <p:cNvSpPr>
+            <a:spLocks noGrp="1"/>
+          </p:cNvSpPr>
+          <p:nvPr>
+            <p:ph type="title"/>
+          </p:nvPr>
+        </p:nvSpPr>
+        <p:spPr/>
+        <p:txBody>
+          <a:bodyPr>
+            <a:normAutofit/>
+          </a:bodyPr>
+          <a:lstStyle/>
+          <a:p>
+            <a:r>
+              <a:rPr lang="en-US" sz="4800" b="1" dirty="0"/>
+              <a:t>Data Warehouse Bus Matrix </a:t>
+            </a:r>
+          </a:p>
+        </p:txBody>
+      </p:sp>
+      <p:pic>
+        <p:nvPicPr>
+          <p:cNvPr id="4" name="Content Placeholder 3" descr="C:\Documents and Settings\CHONG\Desktop\Untitled-1.jpg"/>
+          <p:cNvPicPr>
+            <a:picLocks/>
+          </p:cNvPicPr>
+          <p:nvPr/>
+        </p:nvPicPr>
+        <p:blipFill>
+          <a:blip r:embed="rId2"/>
+          <a:srcRect/>
+          <a:stretch>
+            <a:fillRect/>
+          </a:stretch>
+        </p:blipFill>
+        <p:spPr bwMode="auto">
+          <a:xfrm>
+            <a:off x="764628" y="1828800"/>
+            <a:ext cx="8037537" cy="3590956"/>
+          </a:xfrm>
+          <a:prstGeom prst="rect">
+            <a:avLst/>
+          </a:prstGeom>
+          <a:noFill/>
+          <a:ln w="9525">
+            <a:noFill/>
+            <a:miter lim="800000"/>
+            <a:headEnd/>
+            <a:tailEnd/>
+          </a:ln>
+          <a:effectLst>
+            <a:glow rad="139700">
+              <a:schemeClr val="accent3">
+                <a:lumMod val="40000"/>
+                <a:lumOff val="60000"/>
+                <a:alpha val="40000"/>
+              </a:schemeClr>
+            </a:glow>
+          </a:effectLst>
+        </p:spPr>
+      </p:pic>
+    </p:spTree>
+    <p:extLst>
+      <p:ext uri="{BB962C8B-B14F-4D97-AF65-F5344CB8AC3E}">
+        <p14:creationId xmlns:p14="http://schemas.microsoft.com/office/powerpoint/2010/main" val="1374728568"/>
+      </p:ext>
+    </p:extLst>
+  </p:cSld>
+  <p:clrMapOvr>
+    <a:masterClrMapping/>
+  </p:clrMapOvr>
+  <p:timing>
+    <p:tnLst>
+      <p:par>
+        <p:cTn id="1" dur="indefinite" restart="never" nodeType="tmRoot"/>
+      </p:par>
+    </p:tnLst>
+  </p:timing>
+</p:sld>
+</file>
+
+<file path=ppt/slides/slide40.xml><?xml version="1.0" encoding="utf-8"?>
+<p:sld xmlns:a="http://schemas.openxmlformats.org/drawingml/2006/main" xmlns:r="http://schemas.openxmlformats.org/officeDocument/2006/relationships" xmlns:p="http://schemas.openxmlformats.org/presentationml/2006/main">
+  <p:cSld>
+    <p:spTree>
+      <p:nvGrpSpPr>
+        <p:cNvPr id="1" name=""/>
+        <p:cNvGrpSpPr/>
+        <p:nvPr/>
+      </p:nvGrpSpPr>
+      <p:grpSpPr>
+        <a:xfrm>
+          <a:off x="0" y="0"/>
+          <a:ext cx="0" cy="0"/>
+          <a:chOff x="0" y="0"/>
+          <a:chExt cx="0" cy="0"/>
+        </a:xfrm>
+      </p:grpSpPr>
+      <p:pic>
+        <p:nvPicPr>
+          <p:cNvPr id="4" name="Picture 2"/>
+          <p:cNvPicPr>
+            <a:picLocks noChangeAspect="1" noChangeArrowheads="1"/>
+          </p:cNvPicPr>
+          <p:nvPr/>
+        </p:nvPicPr>
+        <p:blipFill>
+          <a:blip r:embed="rId3"/>
+          <a:srcRect l="21250" t="14000" r="18125"/>
+          <a:stretch>
+            <a:fillRect/>
+          </a:stretch>
+        </p:blipFill>
+        <p:spPr bwMode="auto">
+          <a:xfrm>
+            <a:off x="818707" y="0"/>
+            <a:ext cx="7735186" cy="6858000"/>
+          </a:xfrm>
+          <a:prstGeom prst="rect">
+            <a:avLst/>
+          </a:prstGeom>
+          <a:noFill/>
+          <a:ln w="9525">
+            <a:noFill/>
+            <a:miter lim="800000"/>
+            <a:headEnd/>
+            <a:tailEnd/>
+          </a:ln>
+          <a:effectLst/>
+        </p:spPr>
+      </p:pic>
+    </p:spTree>
+    <p:extLst>
+      <p:ext uri="{BB962C8B-B14F-4D97-AF65-F5344CB8AC3E}">
+        <p14:creationId xmlns:p14="http://schemas.microsoft.com/office/powerpoint/2010/main" val="117893554"/>
+      </p:ext>
+    </p:extLst>
+  </p:cSld>
+  <p:clrMapOvr>
+    <a:masterClrMapping/>
+  </p:clrMapOvr>
+</p:sld>
+</file>
+
+<file path=ppt/slides/slide41.xml><?xml version="1.0" encoding="utf-8"?>
+<p:sld xmlns:a="http://schemas.openxmlformats.org/drawingml/2006/main" xmlns:r="http://schemas.openxmlformats.org/officeDocument/2006/relationships" xmlns:p="http://schemas.openxmlformats.org/presentationml/2006/main">
+  <p:cSld>
+    <p:spTree>
+      <p:nvGrpSpPr>
+        <p:cNvPr id="1" name=""/>
+        <p:cNvGrpSpPr/>
+        <p:nvPr/>
+      </p:nvGrpSpPr>
+      <p:grpSpPr>
+        <a:xfrm>
+          <a:off x="0" y="0"/>
+          <a:ext cx="0" cy="0"/>
+          <a:chOff x="0" y="0"/>
+          <a:chExt cx="0" cy="0"/>
+        </a:xfrm>
+      </p:grpSpPr>
+      <p:sp>
+        <p:nvSpPr>
+          <p:cNvPr id="4" name="Title 1"/>
+          <p:cNvSpPr txBox="1">
+            <a:spLocks/>
+          </p:cNvSpPr>
+          <p:nvPr/>
+        </p:nvSpPr>
+        <p:spPr>
+          <a:xfrm>
+            <a:off x="342928" y="0"/>
+            <a:ext cx="8229600" cy="2571744"/>
+          </a:xfrm>
+          <a:prstGeom prst="rect">
+            <a:avLst/>
+          </a:prstGeom>
+        </p:spPr>
+        <p:txBody>
+          <a:bodyPr vert="horz" rtlCol="0" anchor="ctr">
+            <a:noAutofit/>
+            <a:scene3d>
+              <a:camera prst="orthographicFront"/>
+              <a:lightRig rig="soft" dir="t"/>
+            </a:scene3d>
+            <a:sp3d prstMaterial="softEdge">
+              <a:bevelT w="25400" h="25400"/>
+            </a:sp3d>
+          </a:bodyPr>
+          <a:lstStyle/>
+          <a:p>
+            <a:pPr marL="0" marR="0" lvl="0" indent="0" algn="ctr" defTabSz="914400" rtl="0" eaLnBrk="1" fontAlgn="auto" latinLnBrk="0" hangingPunct="1">
+              <a:lnSpc>
+                <a:spcPct val="100000"/>
+              </a:lnSpc>
+              <a:spcBef>
+                <a:spcPct val="0"/>
+              </a:spcBef>
+              <a:spcAft>
+                <a:spcPts val="0"/>
+              </a:spcAft>
+              <a:buClrTx/>
+              <a:buSzTx/>
+              <a:buFontTx/>
+              <a:buNone/>
+              <a:tabLst/>
+              <a:defRPr/>
+            </a:pPr>
+            <a:r>
+              <a:rPr kumimoji="0" lang="en-US" sz="3200" b="1" i="0" u="none" strike="noStrike" kern="1200" cap="none" spc="0" normalizeH="0" baseline="0" noProof="0" dirty="0" smtClean="0">
+                <a:ln>
+                  <a:noFill/>
+                </a:ln>
+                <a:solidFill>
+                  <a:schemeClr val="tx2"/>
+                </a:solidFill>
+                <a:effectLst>
+                  <a:outerShdw blurRad="31750" dist="25400" dir="5400000" algn="tl" rotWithShape="0">
+                    <a:srgbClr val="000000">
+                      <a:alpha val="25000"/>
+                    </a:srgbClr>
+                  </a:outerShdw>
+                </a:effectLst>
+                <a:uLnTx/>
+                <a:uFillTx/>
+                <a:latin typeface="+mj-lt"/>
+                <a:ea typeface="+mj-ea"/>
+                <a:cs typeface="+mj-cs"/>
+              </a:rPr>
+              <a:t>The Four Business Areas</a:t>
+            </a:r>
+            <a:br>
+              <a:rPr kumimoji="0" lang="en-US" sz="3200" b="1" i="0" u="none" strike="noStrike" kern="1200" cap="none" spc="0" normalizeH="0" baseline="0" noProof="0" dirty="0" smtClean="0">
+                <a:ln>
+                  <a:noFill/>
+                </a:ln>
+                <a:solidFill>
+                  <a:schemeClr val="tx2"/>
+                </a:solidFill>
+                <a:effectLst>
+                  <a:outerShdw blurRad="31750" dist="25400" dir="5400000" algn="tl" rotWithShape="0">
+                    <a:srgbClr val="000000">
+                      <a:alpha val="25000"/>
+                    </a:srgbClr>
+                  </a:outerShdw>
+                </a:effectLst>
+                <a:uLnTx/>
+                <a:uFillTx/>
+                <a:latin typeface="+mj-lt"/>
+                <a:ea typeface="+mj-ea"/>
+                <a:cs typeface="+mj-cs"/>
+              </a:rPr>
+            </a:br>
+            <a:r>
+              <a:rPr kumimoji="0" lang="en-US" sz="3200" b="1" i="0" u="none" strike="noStrike" kern="1200" cap="none" spc="0" normalizeH="0" baseline="0" noProof="0" dirty="0" smtClean="0">
+                <a:ln>
+                  <a:noFill/>
+                </a:ln>
+                <a:solidFill>
+                  <a:schemeClr val="tx2"/>
+                </a:solidFill>
+                <a:effectLst>
+                  <a:outerShdw blurRad="31750" dist="25400" dir="5400000" algn="tl" rotWithShape="0">
+                    <a:srgbClr val="000000">
+                      <a:alpha val="25000"/>
+                    </a:srgbClr>
+                  </a:outerShdw>
+                </a:effectLst>
+                <a:uLnTx/>
+                <a:uFillTx/>
+                <a:latin typeface="+mj-lt"/>
+                <a:ea typeface="+mj-ea"/>
+                <a:cs typeface="+mj-cs"/>
+              </a:rPr>
+              <a:t/>
+            </a:r>
+            <a:br>
+              <a:rPr kumimoji="0" lang="en-US" sz="3200" b="1" i="0" u="none" strike="noStrike" kern="1200" cap="none" spc="0" normalizeH="0" baseline="0" noProof="0" dirty="0" smtClean="0">
+                <a:ln>
+                  <a:noFill/>
+                </a:ln>
+                <a:solidFill>
+                  <a:schemeClr val="tx2"/>
+                </a:solidFill>
+                <a:effectLst>
+                  <a:outerShdw blurRad="31750" dist="25400" dir="5400000" algn="tl" rotWithShape="0">
+                    <a:srgbClr val="000000">
+                      <a:alpha val="25000"/>
+                    </a:srgbClr>
+                  </a:outerShdw>
+                </a:effectLst>
+                <a:uLnTx/>
+                <a:uFillTx/>
+                <a:latin typeface="+mj-lt"/>
+                <a:ea typeface="+mj-ea"/>
+                <a:cs typeface="+mj-cs"/>
+              </a:rPr>
+            </a:br>
+            <a:r>
+              <a:rPr kumimoji="0" lang="en-US" sz="3200" b="1" i="0" u="none" strike="noStrike" kern="1200" cap="none" spc="0" normalizeH="0" baseline="0" noProof="0" dirty="0" smtClean="0">
+                <a:ln>
+                  <a:noFill/>
+                </a:ln>
+                <a:solidFill>
+                  <a:schemeClr val="tx2"/>
+                </a:solidFill>
+                <a:effectLst>
+                  <a:outerShdw blurRad="31750" dist="25400" dir="5400000" algn="tl" rotWithShape="0">
+                    <a:srgbClr val="000000">
+                      <a:alpha val="25000"/>
+                    </a:srgbClr>
+                  </a:outerShdw>
+                </a:effectLst>
+                <a:uLnTx/>
+                <a:uFillTx/>
+                <a:latin typeface="+mj-lt"/>
+                <a:ea typeface="+mj-ea"/>
+                <a:cs typeface="+mj-cs"/>
+              </a:rPr>
+              <a:t>The TDW Solution contains more than 20BST’s covering four business</a:t>
+            </a:r>
+            <a:r>
+              <a:rPr lang="en-US" sz="3200" b="1" dirty="0" smtClean="0">
+                <a:solidFill>
+                  <a:schemeClr val="tx2"/>
+                </a:solidFill>
+                <a:effectLst>
+                  <a:outerShdw blurRad="31750" dist="25400" dir="5400000" algn="tl" rotWithShape="0">
+                    <a:srgbClr val="000000">
+                      <a:alpha val="25000"/>
+                    </a:srgbClr>
+                  </a:outerShdw>
+                </a:effectLst>
+                <a:latin typeface="+mj-lt"/>
+                <a:ea typeface="+mj-ea"/>
+                <a:cs typeface="+mj-cs"/>
+              </a:rPr>
+              <a:t> </a:t>
+            </a:r>
+            <a:r>
+              <a:rPr kumimoji="0" lang="en-US" sz="3200" b="1" i="0" u="none" strike="noStrike" kern="1200" cap="none" spc="0" normalizeH="0" baseline="0" noProof="0" dirty="0" smtClean="0">
+                <a:ln>
+                  <a:noFill/>
+                </a:ln>
+                <a:solidFill>
+                  <a:schemeClr val="tx2"/>
+                </a:solidFill>
+                <a:effectLst>
+                  <a:outerShdw blurRad="31750" dist="25400" dir="5400000" algn="tl" rotWithShape="0">
+                    <a:srgbClr val="000000">
+                      <a:alpha val="25000"/>
+                    </a:srgbClr>
+                  </a:outerShdw>
+                </a:effectLst>
+                <a:uLnTx/>
+                <a:uFillTx/>
+                <a:latin typeface="+mj-lt"/>
+                <a:ea typeface="+mj-ea"/>
+                <a:cs typeface="+mj-cs"/>
+              </a:rPr>
+              <a:t>areas.</a:t>
+            </a:r>
+            <a:endParaRPr kumimoji="0" lang="en-US" sz="3200" b="1" i="0" u="none" strike="noStrike" kern="1200" cap="none" spc="0" normalizeH="0" baseline="0" noProof="0" dirty="0">
+              <a:ln>
+                <a:noFill/>
+              </a:ln>
+              <a:solidFill>
+                <a:schemeClr val="tx2"/>
+              </a:solidFill>
+              <a:effectLst>
+                <a:outerShdw blurRad="31750" dist="25400" dir="5400000" algn="tl" rotWithShape="0">
+                  <a:srgbClr val="000000">
+                    <a:alpha val="25000"/>
+                  </a:srgbClr>
+                </a:outerShdw>
+              </a:effectLst>
+              <a:uLnTx/>
+              <a:uFillTx/>
+              <a:latin typeface="+mj-lt"/>
+              <a:ea typeface="+mj-ea"/>
+              <a:cs typeface="+mj-cs"/>
+            </a:endParaRPr>
+          </a:p>
+        </p:txBody>
+      </p:sp>
+      <p:pic>
+        <p:nvPicPr>
+          <p:cNvPr id="5" name="Picture 2"/>
+          <p:cNvPicPr>
+            <a:picLocks noChangeAspect="1" noChangeArrowheads="1"/>
+          </p:cNvPicPr>
+          <p:nvPr/>
+        </p:nvPicPr>
+        <p:blipFill>
+          <a:blip r:embed="rId3"/>
+          <a:srcRect l="13750" t="48000" r="9375" b="15000"/>
+          <a:stretch>
+            <a:fillRect/>
+          </a:stretch>
+        </p:blipFill>
+        <p:spPr bwMode="auto">
+          <a:xfrm>
+            <a:off x="381000" y="2743200"/>
+            <a:ext cx="8305800" cy="2498493"/>
+          </a:xfrm>
+          <a:prstGeom prst="rect">
+            <a:avLst/>
+          </a:prstGeom>
+          <a:noFill/>
+          <a:ln w="9525">
+            <a:noFill/>
+            <a:miter lim="800000"/>
+            <a:headEnd/>
+            <a:tailEnd/>
+          </a:ln>
+          <a:effectLst/>
+        </p:spPr>
+      </p:pic>
+    </p:spTree>
+    <p:extLst>
+      <p:ext uri="{BB962C8B-B14F-4D97-AF65-F5344CB8AC3E}">
+        <p14:creationId xmlns:p14="http://schemas.microsoft.com/office/powerpoint/2010/main" val="285792054"/>
+      </p:ext>
+    </p:extLst>
+  </p:cSld>
+  <p:clrMapOvr>
+    <a:masterClrMapping/>
+  </p:clrMapOvr>
+</p:sld>
+</file>
+
+<file path=ppt/slides/slide42.xml><?xml version="1.0" encoding="utf-8"?>
+<p:sld xmlns:a="http://schemas.openxmlformats.org/drawingml/2006/main" xmlns:r="http://schemas.openxmlformats.org/officeDocument/2006/relationships" xmlns:p="http://schemas.openxmlformats.org/presentationml/2006/main">
+  <p:cSld>
+    <p:spTree>
+      <p:nvGrpSpPr>
+        <p:cNvPr id="1" name=""/>
+        <p:cNvGrpSpPr/>
+        <p:nvPr/>
+      </p:nvGrpSpPr>
+      <p:grpSpPr>
+        <a:xfrm>
+          <a:off x="0" y="0"/>
+          <a:ext cx="0" cy="0"/>
+          <a:chOff x="0" y="0"/>
+          <a:chExt cx="0" cy="0"/>
+        </a:xfrm>
+      </p:grpSpPr>
+      <p:sp>
+        <p:nvSpPr>
+          <p:cNvPr id="2" name="Title 1"/>
+          <p:cNvSpPr>
+            <a:spLocks noGrp="1"/>
+          </p:cNvSpPr>
+          <p:nvPr>
+            <p:ph type="title"/>
+          </p:nvPr>
+        </p:nvSpPr>
+        <p:spPr/>
+        <p:txBody>
+          <a:bodyPr/>
+          <a:lstStyle/>
+          <a:p>
+            <a:r>
+              <a:rPr lang="th-TH" dirty="0"/>
+              <a:t> </a:t>
+            </a:r>
+            <a:r>
+              <a:rPr lang="en-US" dirty="0" smtClean="0"/>
+              <a:t>reference</a:t>
+            </a:r>
+            <a:endParaRPr lang="en-US" dirty="0"/>
+          </a:p>
+        </p:txBody>
+      </p:sp>
+      <p:sp>
+        <p:nvSpPr>
+          <p:cNvPr id="3" name="Content Placeholder 2"/>
+          <p:cNvSpPr>
+            <a:spLocks noGrp="1"/>
+          </p:cNvSpPr>
+          <p:nvPr>
+            <p:ph idx="1"/>
+          </p:nvPr>
+        </p:nvSpPr>
+        <p:spPr/>
+        <p:txBody>
+          <a:bodyPr>
+            <a:normAutofit fontScale="77500" lnSpcReduction="20000"/>
+          </a:bodyPr>
+          <a:lstStyle/>
+          <a:p>
+            <a:r>
+              <a:rPr lang="en-US" dirty="0">
+                <a:hlinkClick r:id="rId3"/>
+              </a:rPr>
+              <a:t>http://</a:t>
+            </a:r>
+            <a:r>
+              <a:rPr lang="en-US" dirty="0" smtClean="0">
+                <a:hlinkClick r:id="rId3"/>
+              </a:rPr>
+              <a:t>www.stragechom.com/industries/telecommunication_and_utilities.html</a:t>
+            </a:r>
+            <a:endParaRPr lang="th-TH" dirty="0" smtClean="0"/>
+          </a:p>
+          <a:p>
+            <a:r>
+              <a:rPr lang="en-US" dirty="0">
+                <a:hlinkClick r:id="rId4"/>
+              </a:rPr>
+              <a:t>http://</a:t>
+            </a:r>
+            <a:r>
+              <a:rPr lang="en-US" dirty="0" smtClean="0">
+                <a:hlinkClick r:id="rId4"/>
+              </a:rPr>
+              <a:t>www.co.escambia.fl.us/Bureaus/PublicWorks/Telecommunications.html</a:t>
+            </a:r>
+            <a:endParaRPr lang="th-TH" dirty="0" smtClean="0"/>
+          </a:p>
+          <a:p>
+            <a:r>
+              <a:rPr lang="en-US" dirty="0">
+                <a:hlinkClick r:id="rId5"/>
+              </a:rPr>
+              <a:t>http://</a:t>
+            </a:r>
+            <a:r>
+              <a:rPr lang="en-US" dirty="0" smtClean="0">
+                <a:hlinkClick r:id="rId5"/>
+              </a:rPr>
+              <a:t>www.martindawessystems.com/pdfs/businessmoney.pdf</a:t>
+            </a:r>
+            <a:endParaRPr lang="th-TH" dirty="0" smtClean="0"/>
+          </a:p>
+          <a:p>
+            <a:r>
+              <a:rPr lang="en-US" dirty="0">
+                <a:hlinkClick r:id="rId6"/>
+              </a:rPr>
+              <a:t>http://</a:t>
+            </a:r>
+            <a:r>
+              <a:rPr lang="en-US" dirty="0" smtClean="0">
+                <a:hlinkClick r:id="rId6"/>
+              </a:rPr>
+              <a:t>www.realmarket.com/required/hp11.pdf</a:t>
+            </a:r>
+            <a:endParaRPr lang="th-TH" dirty="0" smtClean="0"/>
+          </a:p>
+          <a:p>
+            <a:r>
+              <a:rPr lang="en-US" dirty="0">
+                <a:hlinkClick r:id="rId7"/>
+              </a:rPr>
+              <a:t>http://</a:t>
+            </a:r>
+            <a:r>
+              <a:rPr lang="en-US" dirty="0" smtClean="0">
+                <a:hlinkClick r:id="rId7"/>
+              </a:rPr>
+              <a:t>www-01.ibm.com/support/docview.wss?uid=swg24022618</a:t>
+            </a:r>
+            <a:endParaRPr lang="th-TH" dirty="0" smtClean="0"/>
+          </a:p>
+          <a:p>
+            <a:r>
+              <a:rPr lang="en-US" dirty="0">
+                <a:hlinkClick r:id="rId8"/>
+              </a:rPr>
+              <a:t>http://</a:t>
+            </a:r>
+            <a:r>
+              <a:rPr lang="en-US" dirty="0" smtClean="0">
+                <a:hlinkClick r:id="rId8"/>
+              </a:rPr>
+              <a:t>www.informatica.com/solutions/telecommunications/Pages/index.aspx</a:t>
+            </a:r>
+            <a:endParaRPr lang="th-TH" dirty="0" smtClean="0"/>
+          </a:p>
+          <a:p>
+            <a:r>
+              <a:rPr lang="en-US" dirty="0" smtClean="0"/>
+              <a:t>/</a:t>
+            </a:r>
+            <a:endParaRPr lang="en-US" dirty="0"/>
+          </a:p>
+        </p:txBody>
+      </p:sp>
+    </p:spTree>
+    <p:extLst>
+      <p:ext uri="{BB962C8B-B14F-4D97-AF65-F5344CB8AC3E}">
+        <p14:creationId xmlns:p14="http://schemas.microsoft.com/office/powerpoint/2010/main" val="91178122"/>
+      </p:ext>
+    </p:extLst>
+  </p:cSld>
+  <p:clrMapOvr>
+    <a:masterClrMapping/>
+  </p:clrMapOvr>
+  <p:timing>
+    <p:tnLst>
+      <p:par>
+        <p:cTn id="1" dur="indefinite" restart="never" nodeType="tmRoot"/>
+      </p:par>
+    </p:tnLst>
+  </p:timing>
+</p:sld>
+</file>
+
+<file path=ppt/slides/slide5.xml><?xml version="1.0" encoding="utf-8"?>
+<p:sld xmlns:a="http://schemas.openxmlformats.org/drawingml/2006/main" xmlns:r="http://schemas.openxmlformats.org/officeDocument/2006/relationships" xmlns:p="http://schemas.openxmlformats.org/presentationml/2006/main">
+  <p:cSld>
+    <p:spTree>
+      <p:nvGrpSpPr>
+        <p:cNvPr id="1" name=""/>
+        <p:cNvGrpSpPr/>
+        <p:nvPr/>
+      </p:nvGrpSpPr>
+      <p:grpSpPr>
+        <a:xfrm>
+          <a:off x="0" y="0"/>
+          <a:ext cx="0" cy="0"/>
+          <a:chOff x="0" y="0"/>
+          <a:chExt cx="0" cy="0"/>
+        </a:xfrm>
+      </p:grpSpPr>
+      <p:sp>
+        <p:nvSpPr>
+          <p:cNvPr id="2" name="Title 1"/>
+          <p:cNvSpPr>
+            <a:spLocks noGrp="1"/>
+          </p:cNvSpPr>
+          <p:nvPr>
+            <p:ph type="title"/>
+          </p:nvPr>
+        </p:nvSpPr>
+        <p:spPr/>
+        <p:txBody>
+          <a:bodyPr/>
+          <a:lstStyle/>
+          <a:p>
+            <a:r>
+              <a:rPr lang="en-US" b="1" dirty="0" smtClean="0"/>
+              <a:t>Draft Schema</a:t>
+            </a:r>
+            <a:endParaRPr lang="en-US" b="1" dirty="0"/>
+          </a:p>
+        </p:txBody>
+      </p:sp>
+      <p:pic>
+        <p:nvPicPr>
+          <p:cNvPr id="1026" name="Picture 2"/>
+          <p:cNvPicPr>
+            <a:picLocks noChangeAspect="1" noChangeArrowheads="1"/>
+          </p:cNvPicPr>
+          <p:nvPr/>
+        </p:nvPicPr>
+        <p:blipFill rotWithShape="1">
+          <a:blip r:embed="rId2">
+            <a:extLst>
+              <a:ext uri="{28A0092B-C50C-407E-A947-70E740481C1C}">
+                <a14:useLocalDpi xmlns:a14="http://schemas.microsoft.com/office/drawing/2010/main" val="0"/>
+              </a:ext>
+            </a:extLst>
+          </a:blip>
+          <a:srcRect l="9698" t="21121" r="18211" b="15574"/>
+          <a:stretch/>
+        </p:blipFill>
+        <p:spPr bwMode="auto">
+          <a:xfrm>
+            <a:off x="1066800" y="1371600"/>
+            <a:ext cx="7031421" cy="4630928"/>
+          </a:xfrm>
+          <a:prstGeom prst="rect">
+            <a:avLst/>
+          </a:prstGeom>
+          <a:noFill/>
+          <a:ln>
+            <a:noFill/>
+          </a:ln>
+          <a:effectLst>
+            <a:glow rad="152400">
+              <a:schemeClr val="accent1">
+                <a:alpha val="40000"/>
+              </a:schemeClr>
+            </a:glow>
+            <a:outerShdw dist="35921" dir="2700000" algn="ctr" rotWithShape="0">
+              <a:schemeClr val="bg2"/>
+            </a:outerShdw>
+          </a:effectLst>
+          <a:extLst>
+            <a:ext uri="{909E8E84-426E-40DD-AFC4-6F175D3DCCD1}">
+              <a14:hiddenFill xmlns:a14="http://schemas.microsoft.com/office/drawing/2010/main">
+                <a:solidFill>
+                  <a:schemeClr val="accent1"/>
+                </a:solidFill>
+              </a14:hiddenFill>
+            </a:ext>
+            <a:ext uri="{91240B29-F687-4F45-9708-019B960494DF}">
+              <a14:hiddenLine xmlns:a14="http://schemas.microsoft.com/office/drawing/2010/main" w="9525">
+                <a:solidFill>
+                  <a:schemeClr val="tx1"/>
+                </a:solidFill>
+                <a:miter lim="800000"/>
+                <a:headEnd/>
+                <a:tailEnd/>
+              </a14:hiddenLine>
+            </a:ext>
+          </a:extLst>
+        </p:spPr>
+      </p:pic>
+    </p:spTree>
+    <p:extLst>
+      <p:ext uri="{BB962C8B-B14F-4D97-AF65-F5344CB8AC3E}">
+        <p14:creationId xmlns:p14="http://schemas.microsoft.com/office/powerpoint/2010/main" val="1595124121"/>
+      </p:ext>
+    </p:extLst>
+  </p:cSld>
+  <p:clrMapOvr>
+    <a:masterClrMapping/>
+  </p:clrMapOvr>
+</p:sld>
+</file>
+
+<file path=ppt/slides/slide6.xml><?xml version="1.0" encoding="utf-8"?>
+<p:sld xmlns:a="http://schemas.openxmlformats.org/drawingml/2006/main" xmlns:r="http://schemas.openxmlformats.org/officeDocument/2006/relationships" xmlns:p="http://schemas.openxmlformats.org/presentationml/2006/main">
+  <p:cSld>
+    <p:spTree>
+      <p:nvGrpSpPr>
+        <p:cNvPr id="1" name=""/>
+        <p:cNvGrpSpPr/>
+        <p:nvPr/>
+      </p:nvGrpSpPr>
+      <p:grpSpPr>
+        <a:xfrm>
+          <a:off x="0" y="0"/>
+          <a:ext cx="0" cy="0"/>
+          <a:chOff x="0" y="0"/>
+          <a:chExt cx="0" cy="0"/>
+        </a:xfrm>
+      </p:grpSpPr>
+      <p:sp>
+        <p:nvSpPr>
+          <p:cNvPr id="2" name="Title 1"/>
+          <p:cNvSpPr>
+            <a:spLocks noGrp="1"/>
+          </p:cNvSpPr>
+          <p:nvPr>
+            <p:ph type="title"/>
+          </p:nvPr>
+        </p:nvSpPr>
+        <p:spPr/>
+        <p:txBody>
+          <a:bodyPr>
+            <a:normAutofit/>
+          </a:bodyPr>
+          <a:lstStyle/>
+          <a:p>
+            <a:r>
+              <a:rPr lang="en-US" sz="3600" b="1" dirty="0" smtClean="0"/>
+              <a:t>General Design Review Considerations</a:t>
+            </a:r>
+            <a:endParaRPr lang="en-US" sz="3600" b="1" dirty="0"/>
+          </a:p>
+        </p:txBody>
+      </p:sp>
+      <p:sp>
+        <p:nvSpPr>
+          <p:cNvPr id="3" name="Content Placeholder 2"/>
+          <p:cNvSpPr>
+            <a:spLocks noGrp="1"/>
+          </p:cNvSpPr>
+          <p:nvPr>
+            <p:ph idx="1"/>
+          </p:nvPr>
+        </p:nvSpPr>
+        <p:spPr/>
+        <p:txBody>
+          <a:bodyPr>
+            <a:normAutofit/>
+          </a:bodyPr>
+          <a:lstStyle/>
+          <a:p>
+            <a:r>
+              <a:rPr lang="en-US" dirty="0" smtClean="0"/>
+              <a:t>Granularity</a:t>
+            </a:r>
+          </a:p>
+          <a:p>
+            <a:r>
+              <a:rPr lang="en-US" dirty="0" smtClean="0"/>
+              <a:t>Fact Granularity</a:t>
+            </a:r>
+          </a:p>
+          <a:p>
+            <a:r>
+              <a:rPr lang="en-US" dirty="0" smtClean="0"/>
+              <a:t>Dimension Granularity</a:t>
+            </a:r>
+          </a:p>
+          <a:p>
+            <a:r>
+              <a:rPr lang="en-US" dirty="0" smtClean="0"/>
+              <a:t>Date Dimension</a:t>
+            </a:r>
+          </a:p>
+          <a:p>
+            <a:r>
+              <a:rPr lang="en-US" dirty="0" smtClean="0"/>
+              <a:t>Degenerate Dimension</a:t>
+            </a:r>
+          </a:p>
+          <a:p>
+            <a:r>
+              <a:rPr lang="en-US" dirty="0" smtClean="0"/>
+              <a:t>Dimension Decodes</a:t>
+            </a:r>
+            <a:r>
+              <a:rPr lang="th-TH" dirty="0" smtClean="0"/>
+              <a:t> </a:t>
+            </a:r>
+            <a:r>
+              <a:rPr lang="en-US" dirty="0" smtClean="0"/>
+              <a:t>and Descriptions</a:t>
+            </a:r>
+          </a:p>
+          <a:p>
+            <a:r>
+              <a:rPr lang="en-US" dirty="0"/>
+              <a:t>Too Many (Too Low)Dimension</a:t>
+            </a:r>
+          </a:p>
+        </p:txBody>
+      </p:sp>
+    </p:spTree>
+    <p:extLst>
+      <p:ext uri="{BB962C8B-B14F-4D97-AF65-F5344CB8AC3E}">
+        <p14:creationId xmlns:p14="http://schemas.microsoft.com/office/powerpoint/2010/main" val="3497119065"/>
+      </p:ext>
+    </p:extLst>
+  </p:cSld>
+  <p:clrMapOvr>
+    <a:masterClrMapping/>
+  </p:clrMapOvr>
+  <p:timing>
+    <p:tnLst>
+      <p:par>
+        <p:cTn id="1" dur="indefinite" restart="never" nodeType="tmRoot"/>
+      </p:par>
+    </p:tnLst>
+  </p:timing>
+</p:sld>
+</file>
+
+<file path=ppt/slides/slide7.xml><?xml version="1.0" encoding="utf-8"?>
+<p:sld xmlns:a="http://schemas.openxmlformats.org/drawingml/2006/main" xmlns:r="http://schemas.openxmlformats.org/officeDocument/2006/relationships" xmlns:p="http://schemas.openxmlformats.org/presentationml/2006/main">
+  <p:cSld>
+    <p:spTree>
+      <p:nvGrpSpPr>
+        <p:cNvPr id="1" name=""/>
+        <p:cNvGrpSpPr/>
+        <p:nvPr/>
+      </p:nvGrpSpPr>
+      <p:grpSpPr>
+        <a:xfrm>
+          <a:off x="0" y="0"/>
+          <a:ext cx="0" cy="0"/>
+          <a:chOff x="0" y="0"/>
+          <a:chExt cx="0" cy="0"/>
+        </a:xfrm>
+      </p:grpSpPr>
+      <p:sp>
+        <p:nvSpPr>
+          <p:cNvPr id="2" name="Title 1"/>
+          <p:cNvSpPr>
+            <a:spLocks noGrp="1"/>
+          </p:cNvSpPr>
+          <p:nvPr>
+            <p:ph type="title"/>
+          </p:nvPr>
+        </p:nvSpPr>
+        <p:spPr/>
+        <p:txBody>
+          <a:bodyPr/>
+          <a:lstStyle/>
+          <a:p>
+            <a:r>
+              <a:rPr lang="en-US" b="1" dirty="0"/>
+              <a:t>Granularity</a:t>
+            </a:r>
+          </a:p>
+        </p:txBody>
+      </p:sp>
+      <p:sp>
+        <p:nvSpPr>
+          <p:cNvPr id="3" name="Content Placeholder 2"/>
+          <p:cNvSpPr>
+            <a:spLocks noGrp="1"/>
+          </p:cNvSpPr>
+          <p:nvPr>
+            <p:ph idx="1"/>
+          </p:nvPr>
+        </p:nvSpPr>
+        <p:spPr/>
+        <p:txBody>
+          <a:bodyPr/>
+          <a:lstStyle/>
+          <a:p>
+            <a:r>
+              <a:rPr lang="th-TH" dirty="0" smtClean="0"/>
+              <a:t>ควรจะกำหนด </a:t>
+            </a:r>
+            <a:r>
+              <a:rPr lang="en-US" dirty="0" smtClean="0"/>
+              <a:t>Granularity</a:t>
+            </a:r>
+            <a:r>
+              <a:rPr lang="th-TH" dirty="0" smtClean="0"/>
+              <a:t> ให้มีระดับที่เหมาะสมที่สุด</a:t>
+            </a:r>
+          </a:p>
+          <a:p>
+            <a:r>
+              <a:rPr lang="th-TH" dirty="0" smtClean="0"/>
+              <a:t>ไม่จำเป็นต้องละเอียดที่สุดเสมอไป</a:t>
+            </a:r>
+          </a:p>
+          <a:p>
+            <a:r>
+              <a:rPr lang="th-TH" dirty="0" smtClean="0"/>
+              <a:t>ตรงตามความต้องการของผู้ใช้</a:t>
+            </a:r>
+          </a:p>
+          <a:p>
+            <a:endParaRPr lang="en-US" dirty="0"/>
+          </a:p>
+        </p:txBody>
+      </p:sp>
+    </p:spTree>
+    <p:extLst>
+      <p:ext uri="{BB962C8B-B14F-4D97-AF65-F5344CB8AC3E}">
+        <p14:creationId xmlns:p14="http://schemas.microsoft.com/office/powerpoint/2010/main" val="700790690"/>
+      </p:ext>
+    </p:extLst>
+  </p:cSld>
+  <p:clrMapOvr>
+    <a:masterClrMapping/>
+  </p:clrMapOvr>
+  <p:timing>
+    <p:tnLst>
+      <p:par>
+        <p:cTn id="1" dur="indefinite" restart="never" nodeType="tmRoot"/>
+      </p:par>
+    </p:tnLst>
+  </p:timing>
+</p:sld>
+</file>
+
+<file path=ppt/slides/slide8.xml><?xml version="1.0" encoding="utf-8"?>
+<p:sld xmlns:a="http://schemas.openxmlformats.org/drawingml/2006/main" xmlns:r="http://schemas.openxmlformats.org/officeDocument/2006/relationships" xmlns:p="http://schemas.openxmlformats.org/presentationml/2006/main">
+  <p:cSld>
+    <p:spTree>
+      <p:nvGrpSpPr>
+        <p:cNvPr id="1" name=""/>
+        <p:cNvGrpSpPr/>
+        <p:nvPr/>
+      </p:nvGrpSpPr>
+      <p:grpSpPr>
+        <a:xfrm>
+          <a:off x="0" y="0"/>
+          <a:ext cx="0" cy="0"/>
+          <a:chOff x="0" y="0"/>
+          <a:chExt cx="0" cy="0"/>
+        </a:xfrm>
+      </p:grpSpPr>
+      <p:sp>
+        <p:nvSpPr>
+          <p:cNvPr id="2" name="Title 1"/>
+          <p:cNvSpPr>
+            <a:spLocks noGrp="1"/>
+          </p:cNvSpPr>
+          <p:nvPr>
+            <p:ph type="title"/>
+          </p:nvPr>
+        </p:nvSpPr>
+        <p:spPr/>
+        <p:txBody>
+          <a:bodyPr/>
+          <a:lstStyle/>
+          <a:p>
+            <a:r>
+              <a:rPr lang="en-US" b="1" dirty="0" smtClean="0"/>
+              <a:t>Granularity(cont.)</a:t>
+            </a:r>
+            <a:endParaRPr lang="en-US" dirty="0"/>
+          </a:p>
+        </p:txBody>
+      </p:sp>
+      <p:sp>
+        <p:nvSpPr>
+          <p:cNvPr id="3" name="Content Placeholder 2"/>
+          <p:cNvSpPr>
+            <a:spLocks noGrp="1"/>
+          </p:cNvSpPr>
+          <p:nvPr>
+            <p:ph idx="1"/>
+          </p:nvPr>
+        </p:nvSpPr>
+        <p:spPr>
+          <a:xfrm>
+            <a:off x="228600" y="1600200"/>
+            <a:ext cx="4191000" cy="4525963"/>
+          </a:xfrm>
+        </p:spPr>
+        <p:txBody>
+          <a:bodyPr/>
+          <a:lstStyle/>
+          <a:p>
+            <a:r>
+              <a:rPr lang="en-US" dirty="0" smtClean="0"/>
+              <a:t>DATE Dimension</a:t>
+            </a:r>
+          </a:p>
+          <a:p>
+            <a:pPr lvl="1"/>
+            <a:r>
+              <a:rPr lang="en-US" dirty="0" smtClean="0"/>
+              <a:t>Date</a:t>
+            </a:r>
+          </a:p>
+          <a:p>
+            <a:pPr lvl="1"/>
+            <a:r>
+              <a:rPr lang="en-US" dirty="0" smtClean="0"/>
+              <a:t>Week</a:t>
+            </a:r>
+          </a:p>
+          <a:p>
+            <a:pPr lvl="1"/>
+            <a:r>
+              <a:rPr lang="en-US" dirty="0" smtClean="0"/>
+              <a:t>Month</a:t>
+            </a:r>
+          </a:p>
+          <a:p>
+            <a:pPr lvl="1"/>
+            <a:r>
+              <a:rPr lang="en-US" dirty="0" smtClean="0"/>
+              <a:t>Quarter </a:t>
+            </a:r>
+          </a:p>
+          <a:p>
+            <a:pPr lvl="1"/>
+            <a:r>
+              <a:rPr lang="en-US" dirty="0" smtClean="0"/>
+              <a:t>Year</a:t>
+            </a:r>
+          </a:p>
+          <a:p>
+            <a:pPr lvl="1"/>
+            <a:r>
+              <a:rPr lang="en-US" dirty="0" err="1" smtClean="0"/>
+              <a:t>Dayofweek</a:t>
+            </a:r>
+            <a:endParaRPr lang="en-US" dirty="0" smtClean="0"/>
+          </a:p>
+          <a:p>
+            <a:pPr lvl="1"/>
+            <a:r>
+              <a:rPr lang="en-US" dirty="0" smtClean="0"/>
+              <a:t>Etc.</a:t>
+            </a:r>
+          </a:p>
+          <a:p>
+            <a:endParaRPr lang="en-US" dirty="0"/>
+          </a:p>
+        </p:txBody>
+      </p:sp>
+      <p:sp>
+        <p:nvSpPr>
+          <p:cNvPr id="4" name="Content Placeholder 2"/>
+          <p:cNvSpPr txBox="1">
+            <a:spLocks/>
+          </p:cNvSpPr>
+          <p:nvPr/>
+        </p:nvSpPr>
+        <p:spPr>
+          <a:xfrm>
+            <a:off x="4648200" y="1600200"/>
+            <a:ext cx="4191000" cy="4525963"/>
+          </a:xfrm>
+          <a:prstGeom prst="rect">
+            <a:avLst/>
+          </a:prstGeom>
+        </p:spPr>
+        <p:txBody>
+          <a:bodyPr vert="horz" lIns="91440" tIns="45720" rIns="91440" bIns="45720" rtlCol="0">
+            <a:normAutofit/>
+          </a:bodyPr>
+          <a:lstStyle>
+            <a:lvl1pPr marL="342900" indent="-342900" algn="l" defTabSz="914400" rtl="0" eaLnBrk="1" latinLnBrk="0" hangingPunct="1">
+              <a:spcBef>
+                <a:spcPct val="20000"/>
+              </a:spcBef>
+              <a:buFont typeface="Arial" pitchFamily="34" charset="0"/>
+              <a:buChar char="•"/>
+              <a:defRPr sz="3200" kern="1200">
+                <a:solidFill>
+                  <a:schemeClr val="tx1"/>
+                </a:solidFill>
+                <a:latin typeface="+mn-lt"/>
+                <a:ea typeface="+mn-ea"/>
+                <a:cs typeface="+mn-cs"/>
+              </a:defRPr>
+            </a:lvl1pPr>
+            <a:lvl2pPr marL="742950" indent="-285750" algn="l" defTabSz="914400" rtl="0" eaLnBrk="1" latinLnBrk="0" hangingPunct="1">
+              <a:spcBef>
+                <a:spcPct val="20000"/>
+              </a:spcBef>
+              <a:buFont typeface="Arial" pitchFamily="34" charset="0"/>
+              <a:buChar char="–"/>
+              <a:defRPr sz="2800" kern="1200">
+                <a:solidFill>
+                  <a:schemeClr val="tx1"/>
+                </a:solidFill>
+                <a:latin typeface="+mn-lt"/>
+                <a:ea typeface="+mn-ea"/>
+                <a:cs typeface="+mn-cs"/>
+              </a:defRPr>
+            </a:lvl2pPr>
+            <a:lvl3pPr marL="1143000" indent="-228600" algn="l" defTabSz="914400" rtl="0" eaLnBrk="1" latinLnBrk="0" hangingPunct="1">
+              <a:spcBef>
+                <a:spcPct val="20000"/>
+              </a:spcBef>
+              <a:buFont typeface="Arial" pitchFamily="34" charset="0"/>
+              <a:buChar char="•"/>
+              <a:defRPr sz="2400" kern="1200">
+                <a:solidFill>
+                  <a:schemeClr val="tx1"/>
+                </a:solidFill>
+                <a:latin typeface="+mn-lt"/>
+                <a:ea typeface="+mn-ea"/>
+                <a:cs typeface="+mn-cs"/>
+              </a:defRPr>
+            </a:lvl3pPr>
+            <a:lvl4pPr marL="1600200" indent="-228600" algn="l" defTabSz="914400" rtl="0" eaLnBrk="1" latinLnBrk="0" hangingPunct="1">
+              <a:spcBef>
+                <a:spcPct val="20000"/>
+              </a:spcBef>
+              <a:buFont typeface="Arial" pitchFamily="34" charset="0"/>
+              <a:buChar char="–"/>
+              <a:defRPr sz="2000" kern="1200">
+                <a:solidFill>
+                  <a:schemeClr val="tx1"/>
+                </a:solidFill>
+                <a:latin typeface="+mn-lt"/>
+                <a:ea typeface="+mn-ea"/>
+                <a:cs typeface="+mn-cs"/>
+              </a:defRPr>
+            </a:lvl4pPr>
+            <a:lvl5pPr marL="2057400" indent="-228600" algn="l" defTabSz="914400" rtl="0" eaLnBrk="1" latinLnBrk="0" hangingPunct="1">
+              <a:spcBef>
+                <a:spcPct val="20000"/>
+              </a:spcBef>
+              <a:buFont typeface="Arial" pitchFamily="34" charset="0"/>
+              <a:buChar char="»"/>
+              <a:defRPr sz="2000" kern="1200">
+                <a:solidFill>
+                  <a:schemeClr val="tx1"/>
+                </a:solidFill>
+                <a:latin typeface="+mn-lt"/>
+                <a:ea typeface="+mn-ea"/>
+                <a:cs typeface="+mn-cs"/>
+              </a:defRPr>
+            </a:lvl5pPr>
+            <a:lvl6pPr marL="2514600" indent="-228600" algn="l" defTabSz="914400" rtl="0" eaLnBrk="1" latinLnBrk="0" hangingPunct="1">
+              <a:spcBef>
+                <a:spcPct val="20000"/>
+              </a:spcBef>
+              <a:buFont typeface="Arial" pitchFamily="34" charset="0"/>
+              <a:buChar char="•"/>
+              <a:defRPr sz="2000" kern="1200">
+                <a:solidFill>
+                  <a:schemeClr val="tx1"/>
+                </a:solidFill>
+                <a:latin typeface="+mn-lt"/>
+                <a:ea typeface="+mn-ea"/>
+                <a:cs typeface="+mn-cs"/>
+              </a:defRPr>
+            </a:lvl6pPr>
+            <a:lvl7pPr marL="2971800" indent="-228600" algn="l" defTabSz="914400" rtl="0" eaLnBrk="1" latinLnBrk="0" hangingPunct="1">
+              <a:spcBef>
+                <a:spcPct val="20000"/>
+              </a:spcBef>
+              <a:buFont typeface="Arial" pitchFamily="34" charset="0"/>
+              <a:buChar char="•"/>
+              <a:defRPr sz="2000" kern="1200">
+                <a:solidFill>
+                  <a:schemeClr val="tx1"/>
+                </a:solidFill>
+                <a:latin typeface="+mn-lt"/>
+                <a:ea typeface="+mn-ea"/>
+                <a:cs typeface="+mn-cs"/>
+              </a:defRPr>
+            </a:lvl7pPr>
+            <a:lvl8pPr marL="3429000" indent="-228600" algn="l" defTabSz="914400" rtl="0" eaLnBrk="1" latinLnBrk="0" hangingPunct="1">
+              <a:spcBef>
+                <a:spcPct val="20000"/>
+              </a:spcBef>
+              <a:buFont typeface="Arial" pitchFamily="34" charset="0"/>
+              <a:buChar char="•"/>
+              <a:defRPr sz="2000" kern="1200">
+                <a:solidFill>
+                  <a:schemeClr val="tx1"/>
+                </a:solidFill>
+                <a:latin typeface="+mn-lt"/>
+                <a:ea typeface="+mn-ea"/>
+                <a:cs typeface="+mn-cs"/>
+              </a:defRPr>
+            </a:lvl8pPr>
+            <a:lvl9pPr marL="3886200" indent="-228600" algn="l" defTabSz="914400" rtl="0" eaLnBrk="1" latinLnBrk="0" hangingPunct="1">
+              <a:spcBef>
+                <a:spcPct val="20000"/>
+              </a:spcBef>
+              <a:buFont typeface="Arial" pitchFamily="34" charset="0"/>
+              <a:buChar char="•"/>
+              <a:defRPr sz="2000" kern="1200">
+                <a:solidFill>
+                  <a:schemeClr val="tx1"/>
+                </a:solidFill>
+                <a:latin typeface="+mn-lt"/>
+                <a:ea typeface="+mn-ea"/>
+                <a:cs typeface="+mn-cs"/>
+              </a:defRPr>
+            </a:lvl9pPr>
+          </a:lstStyle>
+          <a:p>
+            <a:r>
+              <a:rPr lang="en-US" dirty="0" smtClean="0"/>
+              <a:t>DATE Dimension</a:t>
+            </a:r>
+          </a:p>
+          <a:p>
+            <a:pPr lvl="1"/>
+            <a:r>
+              <a:rPr lang="en-US" dirty="0" smtClean="0"/>
+              <a:t>Month</a:t>
+            </a:r>
+          </a:p>
+          <a:p>
+            <a:pPr lvl="1"/>
+            <a:r>
+              <a:rPr lang="en-US" dirty="0" smtClean="0"/>
+              <a:t> Quarter</a:t>
+            </a:r>
+          </a:p>
+          <a:p>
+            <a:pPr lvl="1"/>
+            <a:r>
+              <a:rPr lang="en-US" dirty="0" smtClean="0"/>
+              <a:t>Year</a:t>
+            </a:r>
+          </a:p>
+          <a:p>
+            <a:endParaRPr lang="en-US" dirty="0"/>
+          </a:p>
+        </p:txBody>
+      </p:sp>
+    </p:spTree>
+    <p:extLst>
+      <p:ext uri="{BB962C8B-B14F-4D97-AF65-F5344CB8AC3E}">
+        <p14:creationId xmlns:p14="http://schemas.microsoft.com/office/powerpoint/2010/main" val="660327386"/>
+      </p:ext>
+    </p:extLst>
+  </p:cSld>
+  <p:clrMapOvr>
+    <a:masterClrMapping/>
+  </p:clrMapOvr>
+  <p:timing>
+    <p:tnLst>
+      <p:par>
+        <p:cTn id="1" dur="indefinite" restart="never" nodeType="tmRoot"/>
+      </p:par>
+    </p:tnLst>
+  </p:timing>
+</p:sld>
+</file>
+
+<file path=ppt/slides/slide9.xml><?xml version="1.0" encoding="utf-8"?>
+<p:sld xmlns:a="http://schemas.openxmlformats.org/drawingml/2006/main" xmlns:r="http://schemas.openxmlformats.org/officeDocument/2006/relationships" xmlns:p="http://schemas.openxmlformats.org/presentationml/2006/main">
+  <p:cSld>
+    <p:spTree>
+      <p:nvGrpSpPr>
+        <p:cNvPr id="1" name=""/>
+        <p:cNvGrpSpPr/>
+        <p:nvPr/>
+      </p:nvGrpSpPr>
+      <p:grpSpPr>
+        <a:xfrm>
+          <a:off x="0" y="0"/>
+          <a:ext cx="0" cy="0"/>
+          <a:chOff x="0" y="0"/>
+          <a:chExt cx="0" cy="0"/>
+        </a:xfrm>
+      </p:grpSpPr>
+      <p:sp>
+        <p:nvSpPr>
+          <p:cNvPr id="2" name="Title 1"/>
+          <p:cNvSpPr>
+            <a:spLocks noGrp="1"/>
+          </p:cNvSpPr>
+          <p:nvPr>
+            <p:ph type="title"/>
+          </p:nvPr>
+        </p:nvSpPr>
+        <p:spPr/>
+        <p:txBody>
+          <a:bodyPr/>
+          <a:lstStyle/>
+          <a:p>
+            <a:r>
+              <a:rPr lang="en-US" b="1" dirty="0"/>
+              <a:t>Fact Granularity</a:t>
+            </a:r>
+          </a:p>
+        </p:txBody>
+      </p:sp>
+      <p:sp>
+        <p:nvSpPr>
+          <p:cNvPr id="3" name="Content Placeholder 2"/>
+          <p:cNvSpPr>
+            <a:spLocks noGrp="1"/>
+          </p:cNvSpPr>
+          <p:nvPr>
+            <p:ph idx="1"/>
+          </p:nvPr>
+        </p:nvSpPr>
+        <p:spPr/>
+        <p:txBody>
+          <a:bodyPr/>
+          <a:lstStyle/>
+          <a:p>
+            <a:r>
+              <a:rPr lang="en-US" dirty="0" smtClean="0"/>
+              <a:t>Fact table </a:t>
+            </a:r>
+            <a:r>
+              <a:rPr lang="th-TH" dirty="0" smtClean="0"/>
+              <a:t>เก็บค่าจำพวก </a:t>
+            </a:r>
+            <a:r>
+              <a:rPr lang="en-US" dirty="0" smtClean="0"/>
+              <a:t>total </a:t>
+            </a:r>
+            <a:r>
+              <a:rPr lang="th-TH" dirty="0" smtClean="0"/>
+              <a:t>ต่างๆไว้</a:t>
+            </a:r>
+            <a:endParaRPr lang="th-TH" dirty="0"/>
+          </a:p>
+          <a:p>
+            <a:r>
+              <a:rPr lang="th-TH" dirty="0" smtClean="0"/>
+              <a:t>การเพิ่มประสิทธิภาพและลดปัญหาซับซ้อนของข้อมูล</a:t>
+            </a:r>
+          </a:p>
+          <a:p>
+            <a:r>
+              <a:rPr lang="th-TH" dirty="0" smtClean="0"/>
+              <a:t>ข้อมูลขาดคุณสมบัติ </a:t>
+            </a:r>
+            <a:r>
+              <a:rPr lang="en-US" dirty="0" smtClean="0"/>
+              <a:t>additive</a:t>
+            </a:r>
+            <a:endParaRPr lang="th-TH" dirty="0" smtClean="0"/>
+          </a:p>
+          <a:p>
+            <a:pPr lvl="1"/>
+            <a:r>
+              <a:rPr lang="th-TH" dirty="0" smtClean="0"/>
+              <a:t>วัน /เดือน /ปี</a:t>
+            </a:r>
+          </a:p>
+          <a:p>
+            <a:r>
+              <a:rPr lang="en-US" dirty="0" smtClean="0"/>
+              <a:t>Example</a:t>
+            </a:r>
+          </a:p>
+          <a:p>
+            <a:pPr lvl="1"/>
+            <a:r>
+              <a:rPr lang="th-TH" dirty="0" smtClean="0"/>
+              <a:t>ถ้ามี </a:t>
+            </a:r>
+            <a:r>
+              <a:rPr lang="en-US" dirty="0" smtClean="0"/>
+              <a:t>bill </a:t>
+            </a:r>
+            <a:r>
+              <a:rPr lang="th-TH" dirty="0" smtClean="0"/>
+              <a:t>มากกว่า 1 </a:t>
+            </a:r>
+            <a:r>
+              <a:rPr lang="en-US" dirty="0" smtClean="0"/>
+              <a:t>bill </a:t>
+            </a:r>
+            <a:r>
+              <a:rPr lang="th-TH" dirty="0" smtClean="0"/>
+              <a:t>เกิดปัญหา นับ </a:t>
+            </a:r>
+            <a:r>
+              <a:rPr lang="en-US" dirty="0" smtClean="0"/>
+              <a:t>column “year-to-date” </a:t>
+            </a:r>
+            <a:r>
+              <a:rPr lang="th-TH" dirty="0" smtClean="0"/>
+              <a:t>ไม่สือความหมายได้</a:t>
+            </a:r>
+            <a:endParaRPr lang="en-US" dirty="0"/>
+          </a:p>
+        </p:txBody>
+      </p:sp>
+    </p:spTree>
+    <p:extLst>
+      <p:ext uri="{BB962C8B-B14F-4D97-AF65-F5344CB8AC3E}">
+        <p14:creationId xmlns:p14="http://schemas.microsoft.com/office/powerpoint/2010/main" val="1871362424"/>
+      </p:ext>
+    </p:extLst>
+  </p:cSld>
+  <p:clrMapOvr>
+    <a:masterClrMapping/>
+  </p:clrMapOvr>
+  <p:timing>
+    <p:tnLst>
+      <p:par>
+        <p:cTn id="1" dur="indefinite" restart="never" nodeType="tmRoot">
+          <p:childTnLst>
+            <p:seq concurrent="1" nextAc="seek">
+              <p:cTn id="2" dur="indefinite" nodeType="mainSeq">
+                <p:childTnLst>
+                  <p:par>
+                    <p:cTn id="3" fill="hold">
+                      <p:stCondLst>
+                        <p:cond delay="indefinite"/>
+                      </p:stCondLst>
+                      <p:childTnLst>
+                        <p:par>
+                          <p:cTn id="4" fill="hold">
+                            <p:stCondLst>
+                              <p:cond delay="0"/>
+                            </p:stCondLst>
+                            <p:childTnLst>
+                              <p:par>
+                                <p:cTn id="5" presetID="1" presetClass="entr" presetSubtype="0" fill="hold" nodeType="clickEffect">
+                                  <p:stCondLst>
+                                    <p:cond delay="0"/>
+                                  </p:stCondLst>
+                                  <p:childTnLst>
+                                    <p:set>
+                                      <p:cBhvr>
+                                        <p:cTn id="6" dur="1" fill="hold">
+                                          <p:stCondLst>
+                                            <p:cond delay="0"/>
+                                          </p:stCondLst>
+                                        </p:cTn>
+                                        <p:tgtEl>
+                                          <p:spTgt spid="3">
+                                            <p:txEl>
+                                              <p:pRg st="0" end="0"/>
+                                            </p:txEl>
+                                          </p:spTgt>
+                                        </p:tgtEl>
+                                        <p:attrNameLst>
+                                          <p:attrName>style.visibility</p:attrName>
+                                        </p:attrNameLst>
+                                      </p:cBhvr>
+                                      <p:to>
+                                        <p:strVal val="visible"/>
+                                      </p:to>
+                                    </p:set>
+                                  </p:childTnLst>
+                                </p:cTn>
+                              </p:par>
+                            </p:childTnLst>
+                          </p:cTn>
+                        </p:par>
+                      </p:childTnLst>
+                    </p:cTn>
+                  </p:par>
+                  <p:par>
+                    <p:cTn id="7" fill="hold">
+                      <p:stCondLst>
+                        <p:cond delay="indefinite"/>
+                      </p:stCondLst>
+                      <p:childTnLst>
+                        <p:par>
+                          <p:cTn id="8" fill="hold">
+                            <p:stCondLst>
+                              <p:cond delay="0"/>
+                            </p:stCondLst>
+                            <p:childTnLst>
+                              <p:par>
+                                <p:cTn id="9" presetID="1" presetClass="entr" presetSubtype="0" fill="hold" nodeType="clickEffect">
+                                  <p:stCondLst>
+                                    <p:cond delay="0"/>
+                                  </p:stCondLst>
+                                  <p:childTnLst>
+                                    <p:set>
+                                      <p:cBhvr>
+                                        <p:cTn id="10" dur="1" fill="hold">
+                                          <p:stCondLst>
+                                            <p:cond delay="0"/>
+                                          </p:stCondLst>
+                                        </p:cTn>
+                                        <p:tgtEl>
+                                          <p:spTgt spid="3">
+                                            <p:txEl>
+                                              <p:pRg st="1" end="1"/>
+                                            </p:txEl>
+                                          </p:spTgt>
+                                        </p:tgtEl>
+                                        <p:attrNameLst>
+                                          <p:attrName>style.visibility</p:attrName>
+                                        </p:attrNameLst>
+                                      </p:cBhvr>
+                                      <p:to>
+                                        <p:strVal val="visible"/>
+                                      </p:to>
+                                    </p:set>
+                                  </p:childTnLst>
+                                </p:cTn>
+                              </p:par>
+                            </p:childTnLst>
+                          </p:cTn>
+                        </p:par>
+                      </p:childTnLst>
+                    </p:cTn>
+                  </p:par>
+                  <p:par>
+                    <p:cTn id="11" fill="hold">
+                      <p:stCondLst>
+                        <p:cond delay="indefinite"/>
+                      </p:stCondLst>
+                      <p:childTnLst>
+                        <p:par>
+                          <p:cTn id="12" fill="hold">
+                            <p:stCondLst>
+                              <p:cond delay="0"/>
+                            </p:stCondLst>
+                            <p:childTnLst>
+                              <p:par>
+                                <p:cTn id="13" presetID="1" presetClass="entr" presetSubtype="0" fill="hold" nodeType="clickEffect">
+                                  <p:stCondLst>
+                                    <p:cond delay="0"/>
+                                  </p:stCondLst>
+                                  <p:childTnLst>
+                                    <p:set>
+                                      <p:cBhvr>
+                                        <p:cTn id="14" dur="1" fill="hold">
+                                          <p:stCondLst>
+                                            <p:cond delay="0"/>
+                                          </p:stCondLst>
+                                        </p:cTn>
+                                        <p:tgtEl>
+                                          <p:spTgt spid="3">
+                                            <p:txEl>
+                                              <p:pRg st="2" end="2"/>
+                                            </p:txEl>
+                                          </p:spTgt>
+                                        </p:tgtEl>
+                                        <p:attrNameLst>
+                                          <p:attrName>style.visibility</p:attrName>
+                                        </p:attrNameLst>
+                                      </p:cBhvr>
+                                      <p:to>
+                                        <p:strVal val="visible"/>
+                                      </p:to>
+                                    </p:set>
+                                  </p:childTnLst>
+                                </p:cTn>
+                              </p:par>
+                            </p:childTnLst>
+                          </p:cTn>
+                        </p:par>
+                      </p:childTnLst>
+                    </p:cTn>
+                  </p:par>
+                  <p:par>
+                    <p:cTn id="15" fill="hold">
+                      <p:stCondLst>
+                        <p:cond delay="indefinite"/>
+                      </p:stCondLst>
+                      <p:childTnLst>
+                        <p:par>
+                          <p:cTn id="16" fill="hold">
+                            <p:stCondLst>
+                              <p:cond delay="0"/>
+                            </p:stCondLst>
+                            <p:childTnLst>
+                              <p:par>
+                                <p:cTn id="17" presetID="1" presetClass="entr" presetSubtype="0" fill="hold" nodeType="clickEffect">
+                                  <p:stCondLst>
+                                    <p:cond delay="0"/>
+                                  </p:stCondLst>
+                                  <p:childTnLst>
+                                    <p:set>
+                                      <p:cBhvr>
+                                        <p:cTn id="18" dur="1" fill="hold">
+                                          <p:stCondLst>
+                                            <p:cond delay="0"/>
+                                          </p:stCondLst>
+                                        </p:cTn>
+                                        <p:tgtEl>
+                                          <p:spTgt spid="3">
+                                            <p:txEl>
+                                              <p:pRg st="3" end="3"/>
+                                            </p:txEl>
+                                          </p:spTgt>
+                                        </p:tgtEl>
+                                        <p:attrNameLst>
+                                          <p:attrName>style.visibility</p:attrName>
+                                        </p:attrNameLst>
+                                      </p:cBhvr>
+                                      <p:to>
+                                        <p:strVal val="visible"/>
+                                      </p:to>
+                                    </p:set>
+                                  </p:childTnLst>
+                                </p:cTn>
+                              </p:par>
+                            </p:childTnLst>
+                          </p:cTn>
+                        </p:par>
+                      </p:childTnLst>
+                    </p:cTn>
+                  </p:par>
+                  <p:par>
+                    <p:cTn id="19" fill="hold">
+                      <p:stCondLst>
+                        <p:cond delay="indefinite"/>
+                      </p:stCondLst>
+                      <p:childTnLst>
+                        <p:par>
+                          <p:cTn id="20" fill="hold">
+                            <p:stCondLst>
+                              <p:cond delay="0"/>
+                            </p:stCondLst>
+                            <p:childTnLst>
+                              <p:par>
+                                <p:cTn id="21" presetID="1" presetClass="entr" presetSubtype="0" fill="hold" nodeType="clickEffect">
+                                  <p:stCondLst>
+                                    <p:cond delay="0"/>
+                                  </p:stCondLst>
+                                  <p:childTnLst>
+                                    <p:set>
+                                      <p:cBhvr>
+                                        <p:cTn id="22" dur="1" fill="hold">
+                                          <p:stCondLst>
+                                            <p:cond delay="0"/>
+                                          </p:stCondLst>
+                                        </p:cTn>
+                                        <p:tgtEl>
+                                          <p:spTgt spid="3">
+                                            <p:txEl>
+                                              <p:pRg st="4" end="4"/>
+                                            </p:txEl>
+                                          </p:spTgt>
+                                        </p:tgtEl>
+                                        <p:attrNameLst>
+                                          <p:attrName>style.visibility</p:attrName>
+                                        </p:attrNameLst>
+                                      </p:cBhvr>
+                                      <p:to>
+                                        <p:strVal val="visible"/>
+                                      </p:to>
+                                    </p:set>
+                                  </p:childTnLst>
+                                </p:cTn>
+                              </p:par>
+                            </p:childTnLst>
+                          </p:cTn>
+                        </p:par>
+                      </p:childTnLst>
+                    </p:cTn>
+                  </p:par>
+                  <p:par>
+                    <p:cTn id="23" fill="hold">
+                      <p:stCondLst>
+                        <p:cond delay="indefinite"/>
+                      </p:stCondLst>
+                      <p:childTnLst>
+                        <p:par>
+                          <p:cTn id="24" fill="hold">
+                            <p:stCondLst>
+                              <p:cond delay="0"/>
+                            </p:stCondLst>
+                            <p:childTnLst>
+                              <p:par>
+                                <p:cTn id="25" presetID="22" presetClass="entr" presetSubtype="4" fill="hold" nodeType="clickEffect">
+                                  <p:stCondLst>
+                                    <p:cond delay="0"/>
+                                  </p:stCondLst>
+                                  <p:childTnLst>
+                                    <p:set>
+                                      <p:cBhvr>
+                                        <p:cTn id="26" dur="1" fill="hold">
+                                          <p:stCondLst>
+                                            <p:cond delay="0"/>
+                                          </p:stCondLst>
+                                        </p:cTn>
+                                        <p:tgtEl>
+                                          <p:spTgt spid="3">
+                                            <p:txEl>
+                                              <p:pRg st="5" end="5"/>
+                                            </p:txEl>
+                                          </p:spTgt>
+                                        </p:tgtEl>
+                                        <p:attrNameLst>
+                                          <p:attrName>style.visibility</p:attrName>
+                                        </p:attrNameLst>
+                                      </p:cBhvr>
+                                      <p:to>
+                                        <p:strVal val="visible"/>
+                                      </p:to>
+                                    </p:set>
+                                    <p:animEffect transition="in" filter="wipe(down)">
+                                      <p:cBhvr>
+                                        <p:cTn id="27" dur="500"/>
+                                        <p:tgtEl>
+                                          <p:spTgt spid="3">
+                                            <p:txEl>
+                                              <p:pRg st="5" end="5"/>
+                                            </p:txEl>
+                                          </p:spTgt>
+                                        </p:tgtEl>
+                                      </p:cBhvr>
+                                    </p:animEffect>
                                   </p:childTnLst>
                                 </p:cTn>
                               </p:par>

--- a/DW/Telecommunications and Utilities.pptx
+++ b/DW/Telecommunications and Utilities.pptx
@@ -5,7 +5,7 @@
     <p:sldMasterId id="2147484620" r:id="rId1"/>
   </p:sldMasterIdLst>
   <p:notesMasterIdLst>
-    <p:notesMasterId r:id="rId44"/>
+    <p:notesMasterId r:id="rId48"/>
   </p:notesMasterIdLst>
   <p:sldIdLst>
     <p:sldId id="256" r:id="rId2"/>
@@ -30,26 +30,30 @@
     <p:sldId id="297" r:id="rId21"/>
     <p:sldId id="298" r:id="rId22"/>
     <p:sldId id="299" r:id="rId23"/>
-    <p:sldId id="259" r:id="rId24"/>
-    <p:sldId id="281" r:id="rId25"/>
-    <p:sldId id="282" r:id="rId26"/>
-    <p:sldId id="283" r:id="rId27"/>
-    <p:sldId id="284" r:id="rId28"/>
-    <p:sldId id="285" r:id="rId29"/>
-    <p:sldId id="286" r:id="rId30"/>
-    <p:sldId id="287" r:id="rId31"/>
-    <p:sldId id="288" r:id="rId32"/>
-    <p:sldId id="290" r:id="rId33"/>
-    <p:sldId id="291" r:id="rId34"/>
-    <p:sldId id="292" r:id="rId35"/>
-    <p:sldId id="300" r:id="rId36"/>
-    <p:sldId id="301" r:id="rId37"/>
-    <p:sldId id="302" r:id="rId38"/>
-    <p:sldId id="303" r:id="rId39"/>
-    <p:sldId id="304" r:id="rId40"/>
-    <p:sldId id="305" r:id="rId41"/>
-    <p:sldId id="306" r:id="rId42"/>
-    <p:sldId id="289" r:id="rId43"/>
+    <p:sldId id="309" r:id="rId24"/>
+    <p:sldId id="259" r:id="rId25"/>
+    <p:sldId id="311" r:id="rId26"/>
+    <p:sldId id="313" r:id="rId27"/>
+    <p:sldId id="312" r:id="rId28"/>
+    <p:sldId id="281" r:id="rId29"/>
+    <p:sldId id="282" r:id="rId30"/>
+    <p:sldId id="283" r:id="rId31"/>
+    <p:sldId id="284" r:id="rId32"/>
+    <p:sldId id="285" r:id="rId33"/>
+    <p:sldId id="286" r:id="rId34"/>
+    <p:sldId id="287" r:id="rId35"/>
+    <p:sldId id="288" r:id="rId36"/>
+    <p:sldId id="290" r:id="rId37"/>
+    <p:sldId id="291" r:id="rId38"/>
+    <p:sldId id="292" r:id="rId39"/>
+    <p:sldId id="300" r:id="rId40"/>
+    <p:sldId id="301" r:id="rId41"/>
+    <p:sldId id="302" r:id="rId42"/>
+    <p:sldId id="303" r:id="rId43"/>
+    <p:sldId id="304" r:id="rId44"/>
+    <p:sldId id="305" r:id="rId45"/>
+    <p:sldId id="306" r:id="rId46"/>
+    <p:sldId id="289" r:id="rId47"/>
   </p:sldIdLst>
   <p:sldSz cx="9144000" cy="6858000" type="screen4x3"/>
   <p:notesSz cx="6858000" cy="9144000"/>
@@ -175,7 +179,11 @@
             <p14:sldId id="297"/>
             <p14:sldId id="298"/>
             <p14:sldId id="299"/>
+            <p14:sldId id="309"/>
             <p14:sldId id="259"/>
+            <p14:sldId id="311"/>
+            <p14:sldId id="313"/>
+            <p14:sldId id="312"/>
             <p14:sldId id="281"/>
             <p14:sldId id="282"/>
             <p14:sldId id="283"/>
@@ -694,40 +702,67 @@
         </p:nvSpPr>
         <p:spPr/>
         <p:txBody>
-          <a:bodyPr>
-            <a:normAutofit/>
-          </a:bodyPr>
-          <a:lstStyle/>
-          <a:p>
+          <a:bodyPr/>
+          <a:lstStyle/>
+          <a:p>
+            <a:r>
+              <a:rPr lang="en-US" dirty="0" smtClean="0"/>
+              <a:t>Schema </a:t>
+            </a:r>
+            <a:r>
+              <a:rPr lang="th-TH" dirty="0" smtClean="0"/>
+              <a:t>ที่ออกแบบไว้ในตอนแรก</a:t>
+            </a:r>
+            <a:r>
+              <a:rPr lang="th-TH" baseline="0" dirty="0" smtClean="0"/>
+              <a:t> </a:t>
+            </a:r>
+          </a:p>
+          <a:p>
+            <a:r>
+              <a:rPr lang="en-US" baseline="0" dirty="0" smtClean="0"/>
+              <a:t>-</a:t>
+            </a:r>
+            <a:r>
+              <a:rPr lang="th-TH" baseline="0" dirty="0" smtClean="0"/>
+              <a:t> สังเกตว่ามันผิดปกติยังไงบ้าง</a:t>
+            </a:r>
+            <a:br>
+              <a:rPr lang="th-TH" baseline="0" dirty="0" smtClean="0"/>
+            </a:br>
+            <a:endParaRPr lang="en-US" dirty="0"/>
+          </a:p>
+        </p:txBody>
+      </p:sp>
+      <p:sp>
+        <p:nvSpPr>
+          <p:cNvPr id="4" name="Slide Number Placeholder 3"/>
+          <p:cNvSpPr>
+            <a:spLocks noGrp="1"/>
+          </p:cNvSpPr>
+          <p:nvPr>
+            <p:ph type="sldNum" sz="quarter" idx="10"/>
+          </p:nvPr>
+        </p:nvSpPr>
+        <p:spPr/>
+        <p:txBody>
+          <a:bodyPr/>
+          <a:lstStyle/>
+          <a:p>
+            <a:fld id="{DF9DE737-B4DC-4460-BBCA-76C7F2308527}" type="slidenum">
+              <a:rPr lang="en-US" smtClean="0"/>
+              <a:t>27</a:t>
+            </a:fld>
             <a:endParaRPr lang="en-US"/>
           </a:p>
         </p:txBody>
       </p:sp>
-      <p:sp>
-        <p:nvSpPr>
-          <p:cNvPr id="4" name="Slide Number Placeholder 3"/>
-          <p:cNvSpPr>
-            <a:spLocks noGrp="1"/>
-          </p:cNvSpPr>
-          <p:nvPr>
-            <p:ph type="sldNum" sz="quarter" idx="10"/>
-          </p:nvPr>
-        </p:nvSpPr>
-        <p:spPr/>
-        <p:txBody>
-          <a:bodyPr/>
-          <a:lstStyle/>
-          <a:p>
-            <a:fld id="{EE46199D-95DD-4183-B108-ED69B197BA71}" type="slidenum">
-              <a:rPr lang="th-TH" smtClean="0"/>
-              <a:pPr/>
-              <a:t>39</a:t>
-            </a:fld>
-            <a:endParaRPr lang="th-TH"/>
-          </a:p>
-        </p:txBody>
-      </p:sp>
     </p:spTree>
+    <p:extLst>
+      <p:ext uri="{BB962C8B-B14F-4D97-AF65-F5344CB8AC3E}">
+        <p14:creationId xmlns:p14="http://schemas.microsoft.com/office/powerpoint/2010/main" val="2542345991"/>
+      </p:ext>
+    </p:extLst>
   </p:cSld>
   <p:clrMapOvr>
     <a:masterClrMapping/>
@@ -803,7 +838,7 @@
             <a:fld id="{EE46199D-95DD-4183-B108-ED69B197BA71}" type="slidenum">
               <a:rPr lang="th-TH" smtClean="0"/>
               <a:pPr/>
-              <a:t>40</a:t>
+              <a:t>39</a:t>
             </a:fld>
             <a:endParaRPr lang="th-TH"/>
           </a:p>
@@ -885,7 +920,7 @@
             <a:fld id="{EE46199D-95DD-4183-B108-ED69B197BA71}" type="slidenum">
               <a:rPr lang="th-TH" smtClean="0"/>
               <a:pPr/>
-              <a:t>41</a:t>
+              <a:t>40</a:t>
             </a:fld>
             <a:endParaRPr lang="th-TH"/>
           </a:p>
@@ -940,6 +975,416 @@
         </p:nvSpPr>
         <p:spPr/>
         <p:txBody>
+          <a:bodyPr>
+            <a:normAutofit/>
+          </a:bodyPr>
+          <a:lstStyle/>
+          <a:p>
+            <a:endParaRPr lang="en-US"/>
+          </a:p>
+        </p:txBody>
+      </p:sp>
+      <p:sp>
+        <p:nvSpPr>
+          <p:cNvPr id="4" name="Slide Number Placeholder 3"/>
+          <p:cNvSpPr>
+            <a:spLocks noGrp="1"/>
+          </p:cNvSpPr>
+          <p:nvPr>
+            <p:ph type="sldNum" sz="quarter" idx="10"/>
+          </p:nvPr>
+        </p:nvSpPr>
+        <p:spPr/>
+        <p:txBody>
+          <a:bodyPr/>
+          <a:lstStyle/>
+          <a:p>
+            <a:fld id="{EE46199D-95DD-4183-B108-ED69B197BA71}" type="slidenum">
+              <a:rPr lang="th-TH" smtClean="0"/>
+              <a:pPr/>
+              <a:t>41</a:t>
+            </a:fld>
+            <a:endParaRPr lang="th-TH"/>
+          </a:p>
+        </p:txBody>
+      </p:sp>
+    </p:spTree>
+  </p:cSld>
+  <p:clrMapOvr>
+    <a:masterClrMapping/>
+  </p:clrMapOvr>
+</p:notes>
+</file>
+
+<file path=ppt/notesSlides/notesSlide14.xml><?xml version="1.0" encoding="utf-8"?>
+<p:notes xmlns:a="http://schemas.openxmlformats.org/drawingml/2006/main" xmlns:r="http://schemas.openxmlformats.org/officeDocument/2006/relationships" xmlns:p="http://schemas.openxmlformats.org/presentationml/2006/main">
+  <p:cSld>
+    <p:spTree>
+      <p:nvGrpSpPr>
+        <p:cNvPr id="1" name=""/>
+        <p:cNvGrpSpPr/>
+        <p:nvPr/>
+      </p:nvGrpSpPr>
+      <p:grpSpPr>
+        <a:xfrm>
+          <a:off x="0" y="0"/>
+          <a:ext cx="0" cy="0"/>
+          <a:chOff x="0" y="0"/>
+          <a:chExt cx="0" cy="0"/>
+        </a:xfrm>
+      </p:grpSpPr>
+      <p:sp>
+        <p:nvSpPr>
+          <p:cNvPr id="2" name="Slide Image Placeholder 1"/>
+          <p:cNvSpPr>
+            <a:spLocks noGrp="1" noRot="1" noChangeAspect="1"/>
+          </p:cNvSpPr>
+          <p:nvPr>
+            <p:ph type="sldImg"/>
+          </p:nvPr>
+        </p:nvSpPr>
+        <p:spPr/>
+      </p:sp>
+      <p:sp>
+        <p:nvSpPr>
+          <p:cNvPr id="3" name="Notes Placeholder 2"/>
+          <p:cNvSpPr>
+            <a:spLocks noGrp="1"/>
+          </p:cNvSpPr>
+          <p:nvPr>
+            <p:ph type="body" idx="1"/>
+          </p:nvPr>
+        </p:nvSpPr>
+        <p:spPr/>
+        <p:txBody>
+          <a:bodyPr>
+            <a:normAutofit/>
+          </a:bodyPr>
+          <a:lstStyle/>
+          <a:p>
+            <a:endParaRPr lang="en-US"/>
+          </a:p>
+        </p:txBody>
+      </p:sp>
+      <p:sp>
+        <p:nvSpPr>
+          <p:cNvPr id="4" name="Slide Number Placeholder 3"/>
+          <p:cNvSpPr>
+            <a:spLocks noGrp="1"/>
+          </p:cNvSpPr>
+          <p:nvPr>
+            <p:ph type="sldNum" sz="quarter" idx="10"/>
+          </p:nvPr>
+        </p:nvSpPr>
+        <p:spPr/>
+        <p:txBody>
+          <a:bodyPr/>
+          <a:lstStyle/>
+          <a:p>
+            <a:fld id="{EE46199D-95DD-4183-B108-ED69B197BA71}" type="slidenum">
+              <a:rPr lang="th-TH" smtClean="0"/>
+              <a:pPr/>
+              <a:t>42</a:t>
+            </a:fld>
+            <a:endParaRPr lang="th-TH"/>
+          </a:p>
+        </p:txBody>
+      </p:sp>
+    </p:spTree>
+  </p:cSld>
+  <p:clrMapOvr>
+    <a:masterClrMapping/>
+  </p:clrMapOvr>
+</p:notes>
+</file>
+
+<file path=ppt/notesSlides/notesSlide15.xml><?xml version="1.0" encoding="utf-8"?>
+<p:notes xmlns:a="http://schemas.openxmlformats.org/drawingml/2006/main" xmlns:r="http://schemas.openxmlformats.org/officeDocument/2006/relationships" xmlns:p="http://schemas.openxmlformats.org/presentationml/2006/main">
+  <p:cSld>
+    <p:spTree>
+      <p:nvGrpSpPr>
+        <p:cNvPr id="1" name=""/>
+        <p:cNvGrpSpPr/>
+        <p:nvPr/>
+      </p:nvGrpSpPr>
+      <p:grpSpPr>
+        <a:xfrm>
+          <a:off x="0" y="0"/>
+          <a:ext cx="0" cy="0"/>
+          <a:chOff x="0" y="0"/>
+          <a:chExt cx="0" cy="0"/>
+        </a:xfrm>
+      </p:grpSpPr>
+      <p:sp>
+        <p:nvSpPr>
+          <p:cNvPr id="2" name="Slide Image Placeholder 1"/>
+          <p:cNvSpPr>
+            <a:spLocks noGrp="1" noRot="1" noChangeAspect="1"/>
+          </p:cNvSpPr>
+          <p:nvPr>
+            <p:ph type="sldImg"/>
+          </p:nvPr>
+        </p:nvSpPr>
+        <p:spPr/>
+      </p:sp>
+      <p:sp>
+        <p:nvSpPr>
+          <p:cNvPr id="3" name="Notes Placeholder 2"/>
+          <p:cNvSpPr>
+            <a:spLocks noGrp="1"/>
+          </p:cNvSpPr>
+          <p:nvPr>
+            <p:ph type="body" idx="1"/>
+          </p:nvPr>
+        </p:nvSpPr>
+        <p:spPr/>
+        <p:txBody>
+          <a:bodyPr>
+            <a:normAutofit/>
+          </a:bodyPr>
+          <a:lstStyle/>
+          <a:p>
+            <a:endParaRPr lang="en-US"/>
+          </a:p>
+        </p:txBody>
+      </p:sp>
+      <p:sp>
+        <p:nvSpPr>
+          <p:cNvPr id="4" name="Slide Number Placeholder 3"/>
+          <p:cNvSpPr>
+            <a:spLocks noGrp="1"/>
+          </p:cNvSpPr>
+          <p:nvPr>
+            <p:ph type="sldNum" sz="quarter" idx="10"/>
+          </p:nvPr>
+        </p:nvSpPr>
+        <p:spPr/>
+        <p:txBody>
+          <a:bodyPr/>
+          <a:lstStyle/>
+          <a:p>
+            <a:fld id="{EE46199D-95DD-4183-B108-ED69B197BA71}" type="slidenum">
+              <a:rPr lang="th-TH" smtClean="0"/>
+              <a:pPr/>
+              <a:t>43</a:t>
+            </a:fld>
+            <a:endParaRPr lang="th-TH"/>
+          </a:p>
+        </p:txBody>
+      </p:sp>
+    </p:spTree>
+  </p:cSld>
+  <p:clrMapOvr>
+    <a:masterClrMapping/>
+  </p:clrMapOvr>
+</p:notes>
+</file>
+
+<file path=ppt/notesSlides/notesSlide16.xml><?xml version="1.0" encoding="utf-8"?>
+<p:notes xmlns:a="http://schemas.openxmlformats.org/drawingml/2006/main" xmlns:r="http://schemas.openxmlformats.org/officeDocument/2006/relationships" xmlns:p="http://schemas.openxmlformats.org/presentationml/2006/main">
+  <p:cSld>
+    <p:spTree>
+      <p:nvGrpSpPr>
+        <p:cNvPr id="1" name=""/>
+        <p:cNvGrpSpPr/>
+        <p:nvPr/>
+      </p:nvGrpSpPr>
+      <p:grpSpPr>
+        <a:xfrm>
+          <a:off x="0" y="0"/>
+          <a:ext cx="0" cy="0"/>
+          <a:chOff x="0" y="0"/>
+          <a:chExt cx="0" cy="0"/>
+        </a:xfrm>
+      </p:grpSpPr>
+      <p:sp>
+        <p:nvSpPr>
+          <p:cNvPr id="2" name="Slide Image Placeholder 1"/>
+          <p:cNvSpPr>
+            <a:spLocks noGrp="1" noRot="1" noChangeAspect="1"/>
+          </p:cNvSpPr>
+          <p:nvPr>
+            <p:ph type="sldImg"/>
+          </p:nvPr>
+        </p:nvSpPr>
+        <p:spPr/>
+      </p:sp>
+      <p:sp>
+        <p:nvSpPr>
+          <p:cNvPr id="3" name="Notes Placeholder 2"/>
+          <p:cNvSpPr>
+            <a:spLocks noGrp="1"/>
+          </p:cNvSpPr>
+          <p:nvPr>
+            <p:ph type="body" idx="1"/>
+          </p:nvPr>
+        </p:nvSpPr>
+        <p:spPr/>
+        <p:txBody>
+          <a:bodyPr>
+            <a:normAutofit/>
+          </a:bodyPr>
+          <a:lstStyle/>
+          <a:p>
+            <a:endParaRPr lang="en-US"/>
+          </a:p>
+        </p:txBody>
+      </p:sp>
+      <p:sp>
+        <p:nvSpPr>
+          <p:cNvPr id="4" name="Slide Number Placeholder 3"/>
+          <p:cNvSpPr>
+            <a:spLocks noGrp="1"/>
+          </p:cNvSpPr>
+          <p:nvPr>
+            <p:ph type="sldNum" sz="quarter" idx="10"/>
+          </p:nvPr>
+        </p:nvSpPr>
+        <p:spPr/>
+        <p:txBody>
+          <a:bodyPr/>
+          <a:lstStyle/>
+          <a:p>
+            <a:fld id="{EE46199D-95DD-4183-B108-ED69B197BA71}" type="slidenum">
+              <a:rPr lang="th-TH" smtClean="0"/>
+              <a:pPr/>
+              <a:t>44</a:t>
+            </a:fld>
+            <a:endParaRPr lang="th-TH"/>
+          </a:p>
+        </p:txBody>
+      </p:sp>
+    </p:spTree>
+  </p:cSld>
+  <p:clrMapOvr>
+    <a:masterClrMapping/>
+  </p:clrMapOvr>
+</p:notes>
+</file>
+
+<file path=ppt/notesSlides/notesSlide17.xml><?xml version="1.0" encoding="utf-8"?>
+<p:notes xmlns:a="http://schemas.openxmlformats.org/drawingml/2006/main" xmlns:r="http://schemas.openxmlformats.org/officeDocument/2006/relationships" xmlns:p="http://schemas.openxmlformats.org/presentationml/2006/main">
+  <p:cSld>
+    <p:spTree>
+      <p:nvGrpSpPr>
+        <p:cNvPr id="1" name=""/>
+        <p:cNvGrpSpPr/>
+        <p:nvPr/>
+      </p:nvGrpSpPr>
+      <p:grpSpPr>
+        <a:xfrm>
+          <a:off x="0" y="0"/>
+          <a:ext cx="0" cy="0"/>
+          <a:chOff x="0" y="0"/>
+          <a:chExt cx="0" cy="0"/>
+        </a:xfrm>
+      </p:grpSpPr>
+      <p:sp>
+        <p:nvSpPr>
+          <p:cNvPr id="2" name="Slide Image Placeholder 1"/>
+          <p:cNvSpPr>
+            <a:spLocks noGrp="1" noRot="1" noChangeAspect="1"/>
+          </p:cNvSpPr>
+          <p:nvPr>
+            <p:ph type="sldImg"/>
+          </p:nvPr>
+        </p:nvSpPr>
+        <p:spPr/>
+      </p:sp>
+      <p:sp>
+        <p:nvSpPr>
+          <p:cNvPr id="3" name="Notes Placeholder 2"/>
+          <p:cNvSpPr>
+            <a:spLocks noGrp="1"/>
+          </p:cNvSpPr>
+          <p:nvPr>
+            <p:ph type="body" idx="1"/>
+          </p:nvPr>
+        </p:nvSpPr>
+        <p:spPr/>
+        <p:txBody>
+          <a:bodyPr>
+            <a:normAutofit/>
+          </a:bodyPr>
+          <a:lstStyle/>
+          <a:p>
+            <a:endParaRPr lang="en-US"/>
+          </a:p>
+        </p:txBody>
+      </p:sp>
+      <p:sp>
+        <p:nvSpPr>
+          <p:cNvPr id="4" name="Slide Number Placeholder 3"/>
+          <p:cNvSpPr>
+            <a:spLocks noGrp="1"/>
+          </p:cNvSpPr>
+          <p:nvPr>
+            <p:ph type="sldNum" sz="quarter" idx="10"/>
+          </p:nvPr>
+        </p:nvSpPr>
+        <p:spPr/>
+        <p:txBody>
+          <a:bodyPr/>
+          <a:lstStyle/>
+          <a:p>
+            <a:fld id="{EE46199D-95DD-4183-B108-ED69B197BA71}" type="slidenum">
+              <a:rPr lang="th-TH" smtClean="0"/>
+              <a:pPr/>
+              <a:t>45</a:t>
+            </a:fld>
+            <a:endParaRPr lang="th-TH"/>
+          </a:p>
+        </p:txBody>
+      </p:sp>
+    </p:spTree>
+  </p:cSld>
+  <p:clrMapOvr>
+    <a:masterClrMapping/>
+  </p:clrMapOvr>
+</p:notes>
+</file>
+
+<file path=ppt/notesSlides/notesSlide18.xml><?xml version="1.0" encoding="utf-8"?>
+<p:notes xmlns:a="http://schemas.openxmlformats.org/drawingml/2006/main" xmlns:r="http://schemas.openxmlformats.org/officeDocument/2006/relationships" xmlns:p="http://schemas.openxmlformats.org/presentationml/2006/main">
+  <p:cSld>
+    <p:spTree>
+      <p:nvGrpSpPr>
+        <p:cNvPr id="1" name=""/>
+        <p:cNvGrpSpPr/>
+        <p:nvPr/>
+      </p:nvGrpSpPr>
+      <p:grpSpPr>
+        <a:xfrm>
+          <a:off x="0" y="0"/>
+          <a:ext cx="0" cy="0"/>
+          <a:chOff x="0" y="0"/>
+          <a:chExt cx="0" cy="0"/>
+        </a:xfrm>
+      </p:grpSpPr>
+      <p:sp>
+        <p:nvSpPr>
+          <p:cNvPr id="2" name="Slide Image Placeholder 1"/>
+          <p:cNvSpPr>
+            <a:spLocks noGrp="1" noRot="1" noChangeAspect="1"/>
+          </p:cNvSpPr>
+          <p:nvPr>
+            <p:ph type="sldImg"/>
+          </p:nvPr>
+        </p:nvSpPr>
+        <p:spPr/>
+      </p:sp>
+      <p:sp>
+        <p:nvSpPr>
+          <p:cNvPr id="3" name="Notes Placeholder 2"/>
+          <p:cNvSpPr>
+            <a:spLocks noGrp="1"/>
+          </p:cNvSpPr>
+          <p:nvPr>
+            <p:ph type="body" idx="1"/>
+          </p:nvPr>
+        </p:nvSpPr>
+        <p:spPr/>
+        <p:txBody>
           <a:bodyPr/>
           <a:lstStyle/>
           <a:p>
@@ -964,7 +1409,7 @@
           <a:p>
             <a:fld id="{DF9DE737-B4DC-4460-BBCA-76C7F2308527}" type="slidenum">
               <a:rPr lang="en-US" smtClean="0"/>
-              <a:t>42</a:t>
+              <a:t>46</a:t>
             </a:fld>
             <a:endParaRPr lang="en-US"/>
           </a:p>
@@ -1028,48 +1473,30 @@
           <a:lstStyle/>
           <a:p>
             <a:r>
+              <a:rPr lang="en-US" dirty="0" smtClean="0"/>
+              <a:t>Schema </a:t>
+            </a:r>
+            <a:r>
               <a:rPr lang="th-TH" dirty="0" smtClean="0"/>
-              <a:t>ทางซ้ายเป็นแบบที่มีความละเอียดมาก</a:t>
-            </a:r>
-          </a:p>
-          <a:p>
-            <a:r>
-              <a:rPr lang="th-TH" dirty="0" smtClean="0"/>
-              <a:t>ทางขวาเป็นแบบที่เหมาะสมกับ</a:t>
+              <a:t>ที่ออกแบบไว้ในตอนแรก</a:t>
             </a:r>
             <a:r>
               <a:rPr lang="th-TH" baseline="0" dirty="0" smtClean="0"/>
               <a:t> </a:t>
             </a:r>
+          </a:p>
+          <a:p>
             <a:r>
               <a:rPr lang="en-US" baseline="0" dirty="0" smtClean="0"/>
-              <a:t>telecommunication and  </a:t>
-            </a:r>
-            <a:r>
-              <a:rPr lang="en-US" baseline="0" dirty="0" err="1" smtClean="0"/>
-              <a:t>Uilities</a:t>
-            </a:r>
-            <a:r>
-              <a:rPr lang="en-US" baseline="0" dirty="0" smtClean="0"/>
-              <a:t> </a:t>
-            </a:r>
-          </a:p>
-          <a:p>
+              <a:t>-</a:t>
+            </a:r>
             <a:r>
               <a:rPr lang="th-TH" baseline="0" dirty="0" smtClean="0"/>
-              <a:t>เพราะ เวลาเก็บ </a:t>
-            </a:r>
-            <a:r>
-              <a:rPr lang="en-US" baseline="0" dirty="0" smtClean="0"/>
-              <a:t>bill </a:t>
-            </a:r>
-            <a:r>
+              <a:t> สังเกตว่ามันผิดปกติยังไงบ้าง</a:t>
+            </a:r>
+            <a:br>
               <a:rPr lang="th-TH" baseline="0" dirty="0" smtClean="0"/>
-              <a:t>เราไม่ดูการเก็บเป็นรายวัน หรือรายสัปดาห์</a:t>
-            </a:r>
-            <a:endParaRPr lang="en-US" baseline="0" dirty="0" smtClean="0"/>
-          </a:p>
-          <a:p>
+            </a:br>
             <a:endParaRPr lang="en-US" dirty="0"/>
           </a:p>
         </p:txBody>
@@ -1091,7 +1518,7 @@
           <a:p>
             <a:fld id="{DF9DE737-B4DC-4460-BBCA-76C7F2308527}" type="slidenum">
               <a:rPr lang="en-US" smtClean="0"/>
-              <a:t>8</a:t>
+              <a:t>5</a:t>
             </a:fld>
             <a:endParaRPr lang="en-US"/>
           </a:p>
@@ -1100,7 +1527,7 @@
     </p:spTree>
     <p:extLst>
       <p:ext uri="{BB962C8B-B14F-4D97-AF65-F5344CB8AC3E}">
-        <p14:creationId xmlns:p14="http://schemas.microsoft.com/office/powerpoint/2010/main" val="2464362948"/>
+        <p14:creationId xmlns:p14="http://schemas.microsoft.com/office/powerpoint/2010/main" val="2542345991"/>
       </p:ext>
     </p:extLst>
   </p:cSld>
@@ -1154,6 +1581,49 @@
           <a:bodyPr/>
           <a:lstStyle/>
           <a:p>
+            <a:r>
+              <a:rPr lang="th-TH" dirty="0" smtClean="0"/>
+              <a:t>ทางซ้ายเป็นแบบที่มีความละเอียดมาก</a:t>
+            </a:r>
+          </a:p>
+          <a:p>
+            <a:r>
+              <a:rPr lang="th-TH" dirty="0" smtClean="0"/>
+              <a:t>ทางขวาเป็นแบบที่เหมาะสมกับ</a:t>
+            </a:r>
+            <a:r>
+              <a:rPr lang="th-TH" baseline="0" dirty="0" smtClean="0"/>
+              <a:t> </a:t>
+            </a:r>
+            <a:r>
+              <a:rPr lang="en-US" baseline="0" dirty="0" smtClean="0"/>
+              <a:t>telecommunication and  </a:t>
+            </a:r>
+            <a:r>
+              <a:rPr lang="en-US" baseline="0" dirty="0" err="1" smtClean="0"/>
+              <a:t>Uilities</a:t>
+            </a:r>
+            <a:r>
+              <a:rPr lang="en-US" baseline="0" dirty="0" smtClean="0"/>
+              <a:t> </a:t>
+            </a:r>
+          </a:p>
+          <a:p>
+            <a:r>
+              <a:rPr lang="th-TH" baseline="0" dirty="0" smtClean="0"/>
+              <a:t>เพราะ เวลาเก็บ </a:t>
+            </a:r>
+            <a:r>
+              <a:rPr lang="en-US" baseline="0" dirty="0" smtClean="0"/>
+              <a:t>bill </a:t>
+            </a:r>
+            <a:r>
+              <a:rPr lang="th-TH" baseline="0" dirty="0" smtClean="0"/>
+              <a:t>เราไม่ดูการเก็บเป็นรายวัน หรือรายสัปดาห์</a:t>
+            </a:r>
+            <a:endParaRPr lang="en-US" baseline="0" dirty="0" smtClean="0"/>
+          </a:p>
+          <a:p>
             <a:endParaRPr lang="en-US" dirty="0"/>
           </a:p>
         </p:txBody>
@@ -1175,7 +1645,7 @@
           <a:p>
             <a:fld id="{DF9DE737-B4DC-4460-BBCA-76C7F2308527}" type="slidenum">
               <a:rPr lang="en-US" smtClean="0"/>
-              <a:t>9</a:t>
+              <a:t>8</a:t>
             </a:fld>
             <a:endParaRPr lang="en-US"/>
           </a:p>
@@ -1184,7 +1654,7 @@
     </p:spTree>
     <p:extLst>
       <p:ext uri="{BB962C8B-B14F-4D97-AF65-F5344CB8AC3E}">
-        <p14:creationId xmlns:p14="http://schemas.microsoft.com/office/powerpoint/2010/main" val="3202760306"/>
+        <p14:creationId xmlns:p14="http://schemas.microsoft.com/office/powerpoint/2010/main" val="2464362948"/>
       </p:ext>
     </p:extLst>
   </p:cSld>
@@ -1259,7 +1729,7 @@
           <a:p>
             <a:fld id="{DF9DE737-B4DC-4460-BBCA-76C7F2308527}" type="slidenum">
               <a:rPr lang="en-US" smtClean="0"/>
-              <a:t>13</a:t>
+              <a:t>9</a:t>
             </a:fld>
             <a:endParaRPr lang="en-US"/>
           </a:p>
@@ -1268,7 +1738,7 @@
     </p:spTree>
     <p:extLst>
       <p:ext uri="{BB962C8B-B14F-4D97-AF65-F5344CB8AC3E}">
-        <p14:creationId xmlns:p14="http://schemas.microsoft.com/office/powerpoint/2010/main" val="278986375"/>
+        <p14:creationId xmlns:p14="http://schemas.microsoft.com/office/powerpoint/2010/main" val="3202760306"/>
       </p:ext>
     </p:extLst>
   </p:cSld>
@@ -1322,58 +1792,6 @@
           <a:bodyPr/>
           <a:lstStyle/>
           <a:p>
-            <a:pPr marL="0" marR="0" indent="0" algn="l" defTabSz="914400" rtl="0" eaLnBrk="1" fontAlgn="auto" latinLnBrk="0" hangingPunct="1">
-              <a:lnSpc>
-                <a:spcPct val="100000"/>
-              </a:lnSpc>
-              <a:spcBef>
-                <a:spcPts val="0"/>
-              </a:spcBef>
-              <a:spcAft>
-                <a:spcPts val="0"/>
-              </a:spcAft>
-              <a:buClrTx/>
-              <a:buSzTx/>
-              <a:buFontTx/>
-              <a:buNone/>
-              <a:tabLst/>
-              <a:defRPr/>
-            </a:pPr>
-            <a:r>
-              <a:rPr lang="en-US" dirty="0" smtClean="0"/>
-              <a:t>Grain </a:t>
-            </a:r>
-            <a:r>
-              <a:rPr lang="th-TH" dirty="0" smtClean="0"/>
-              <a:t> </a:t>
-            </a:r>
-            <a:r>
-              <a:rPr lang="en-US" dirty="0" smtClean="0"/>
-              <a:t>=  1 row </a:t>
-            </a:r>
-            <a:r>
-              <a:rPr lang="th-TH" dirty="0" smtClean="0"/>
-              <a:t>แสดงถึง </a:t>
-            </a:r>
-            <a:r>
-              <a:rPr lang="en-US" dirty="0" smtClean="0"/>
-              <a:t>1</a:t>
-            </a:r>
-            <a:r>
-              <a:rPr lang="th-TH" dirty="0" smtClean="0"/>
-              <a:t> </a:t>
-            </a:r>
-            <a:r>
-              <a:rPr lang="en-US" dirty="0" smtClean="0"/>
-              <a:t>Bill </a:t>
-            </a:r>
-            <a:r>
-              <a:rPr lang="th-TH" dirty="0" smtClean="0"/>
-              <a:t>ในแต่ละเดือน</a:t>
-            </a:r>
-            <a:endParaRPr lang="en-US" dirty="0" smtClean="0"/>
-          </a:p>
-          <a:p>
             <a:endParaRPr lang="en-US" dirty="0"/>
           </a:p>
         </p:txBody>
@@ -1395,7 +1813,7 @@
           <a:p>
             <a:fld id="{DF9DE737-B4DC-4460-BBCA-76C7F2308527}" type="slidenum">
               <a:rPr lang="en-US" smtClean="0"/>
-              <a:t>23</a:t>
+              <a:t>13</a:t>
             </a:fld>
             <a:endParaRPr lang="en-US"/>
           </a:p>
@@ -1404,7 +1822,7 @@
     </p:spTree>
     <p:extLst>
       <p:ext uri="{BB962C8B-B14F-4D97-AF65-F5344CB8AC3E}">
-        <p14:creationId xmlns:p14="http://schemas.microsoft.com/office/powerpoint/2010/main" val="2484290801"/>
+        <p14:creationId xmlns:p14="http://schemas.microsoft.com/office/powerpoint/2010/main" val="278986375"/>
       </p:ext>
     </p:extLst>
   </p:cSld>
@@ -1455,40 +1873,67 @@
         </p:nvSpPr>
         <p:spPr/>
         <p:txBody>
-          <a:bodyPr>
-            <a:normAutofit/>
-          </a:bodyPr>
-          <a:lstStyle/>
-          <a:p>
+          <a:bodyPr/>
+          <a:lstStyle/>
+          <a:p>
+            <a:r>
+              <a:rPr lang="en-US" dirty="0" smtClean="0"/>
+              <a:t>Schema </a:t>
+            </a:r>
+            <a:r>
+              <a:rPr lang="th-TH" dirty="0" smtClean="0"/>
+              <a:t>ที่ออกแบบไว้ในตอนแรก</a:t>
+            </a:r>
+            <a:r>
+              <a:rPr lang="th-TH" baseline="0" dirty="0" smtClean="0"/>
+              <a:t> </a:t>
+            </a:r>
+          </a:p>
+          <a:p>
+            <a:r>
+              <a:rPr lang="en-US" baseline="0" dirty="0" smtClean="0"/>
+              <a:t>-</a:t>
+            </a:r>
+            <a:r>
+              <a:rPr lang="th-TH" baseline="0" dirty="0" smtClean="0"/>
+              <a:t> สังเกตว่ามันผิดปกติยังไงบ้าง</a:t>
+            </a:r>
+            <a:br>
+              <a:rPr lang="th-TH" baseline="0" dirty="0" smtClean="0"/>
+            </a:br>
+            <a:endParaRPr lang="en-US" dirty="0"/>
+          </a:p>
+        </p:txBody>
+      </p:sp>
+      <p:sp>
+        <p:nvSpPr>
+          <p:cNvPr id="4" name="Slide Number Placeholder 3"/>
+          <p:cNvSpPr>
+            <a:spLocks noGrp="1"/>
+          </p:cNvSpPr>
+          <p:nvPr>
+            <p:ph type="sldNum" sz="quarter" idx="10"/>
+          </p:nvPr>
+        </p:nvSpPr>
+        <p:spPr/>
+        <p:txBody>
+          <a:bodyPr/>
+          <a:lstStyle/>
+          <a:p>
+            <a:fld id="{DF9DE737-B4DC-4460-BBCA-76C7F2308527}" type="slidenum">
+              <a:rPr lang="en-US" smtClean="0"/>
+              <a:t>23</a:t>
+            </a:fld>
             <a:endParaRPr lang="en-US"/>
           </a:p>
         </p:txBody>
       </p:sp>
-      <p:sp>
-        <p:nvSpPr>
-          <p:cNvPr id="4" name="Slide Number Placeholder 3"/>
-          <p:cNvSpPr>
-            <a:spLocks noGrp="1"/>
-          </p:cNvSpPr>
-          <p:nvPr>
-            <p:ph type="sldNum" sz="quarter" idx="10"/>
-          </p:nvPr>
-        </p:nvSpPr>
-        <p:spPr/>
-        <p:txBody>
-          <a:bodyPr/>
-          <a:lstStyle/>
-          <a:p>
-            <a:fld id="{EE46199D-95DD-4183-B108-ED69B197BA71}" type="slidenum">
-              <a:rPr lang="th-TH" smtClean="0"/>
-              <a:pPr/>
-              <a:t>35</a:t>
-            </a:fld>
-            <a:endParaRPr lang="th-TH"/>
-          </a:p>
-        </p:txBody>
-      </p:sp>
     </p:spTree>
+    <p:extLst>
+      <p:ext uri="{BB962C8B-B14F-4D97-AF65-F5344CB8AC3E}">
+        <p14:creationId xmlns:p14="http://schemas.microsoft.com/office/powerpoint/2010/main" val="2542345991"/>
+      </p:ext>
+    </p:extLst>
   </p:cSld>
   <p:clrMapOvr>
     <a:masterClrMapping/>
@@ -1537,40 +1982,66 @@
         </p:nvSpPr>
         <p:spPr/>
         <p:txBody>
-          <a:bodyPr>
-            <a:normAutofit/>
-          </a:bodyPr>
-          <a:lstStyle/>
-          <a:p>
+          <a:bodyPr/>
+          <a:lstStyle/>
+          <a:p>
+            <a:pPr marL="0" marR="0" indent="0" algn="l" defTabSz="914400" rtl="0" eaLnBrk="1" fontAlgn="auto" latinLnBrk="0" hangingPunct="1">
+              <a:lnSpc>
+                <a:spcPct val="100000"/>
+              </a:lnSpc>
+              <a:spcBef>
+                <a:spcPts val="0"/>
+              </a:spcBef>
+              <a:spcAft>
+                <a:spcPts val="0"/>
+              </a:spcAft>
+              <a:buClrTx/>
+              <a:buSzTx/>
+              <a:buFontTx/>
+              <a:buNone/>
+              <a:tabLst/>
+              <a:defRPr/>
+            </a:pPr>
+            <a:r>
+              <a:rPr lang="th-TH" dirty="0" smtClean="0"/>
+              <a:t>อันนี้ผ่านกระบวนการออกแบบตามที่กล่าวมาก่อนหน้าแล้ว</a:t>
+            </a:r>
+            <a:endParaRPr lang="en-US" dirty="0" smtClean="0"/>
+          </a:p>
+          <a:p>
+            <a:endParaRPr lang="en-US" dirty="0"/>
+          </a:p>
+        </p:txBody>
+      </p:sp>
+      <p:sp>
+        <p:nvSpPr>
+          <p:cNvPr id="4" name="Slide Number Placeholder 3"/>
+          <p:cNvSpPr>
+            <a:spLocks noGrp="1"/>
+          </p:cNvSpPr>
+          <p:nvPr>
+            <p:ph type="sldNum" sz="quarter" idx="10"/>
+          </p:nvPr>
+        </p:nvSpPr>
+        <p:spPr/>
+        <p:txBody>
+          <a:bodyPr/>
+          <a:lstStyle/>
+          <a:p>
+            <a:fld id="{DF9DE737-B4DC-4460-BBCA-76C7F2308527}" type="slidenum">
+              <a:rPr lang="en-US" smtClean="0"/>
+              <a:t>24</a:t>
+            </a:fld>
             <a:endParaRPr lang="en-US"/>
           </a:p>
         </p:txBody>
       </p:sp>
-      <p:sp>
-        <p:nvSpPr>
-          <p:cNvPr id="4" name="Slide Number Placeholder 3"/>
-          <p:cNvSpPr>
-            <a:spLocks noGrp="1"/>
-          </p:cNvSpPr>
-          <p:nvPr>
-            <p:ph type="sldNum" sz="quarter" idx="10"/>
-          </p:nvPr>
-        </p:nvSpPr>
-        <p:spPr/>
-        <p:txBody>
-          <a:bodyPr/>
-          <a:lstStyle/>
-          <a:p>
-            <a:fld id="{EE46199D-95DD-4183-B108-ED69B197BA71}" type="slidenum">
-              <a:rPr lang="th-TH" smtClean="0"/>
-              <a:pPr/>
-              <a:t>36</a:t>
-            </a:fld>
-            <a:endParaRPr lang="th-TH"/>
-          </a:p>
-        </p:txBody>
-      </p:sp>
     </p:spTree>
+    <p:extLst>
+      <p:ext uri="{BB962C8B-B14F-4D97-AF65-F5344CB8AC3E}">
+        <p14:creationId xmlns:p14="http://schemas.microsoft.com/office/powerpoint/2010/main" val="2484290801"/>
+      </p:ext>
+    </p:extLst>
   </p:cSld>
   <p:clrMapOvr>
     <a:masterClrMapping/>
@@ -1619,40 +2090,67 @@
         </p:nvSpPr>
         <p:spPr/>
         <p:txBody>
-          <a:bodyPr>
-            <a:normAutofit/>
-          </a:bodyPr>
-          <a:lstStyle/>
-          <a:p>
+          <a:bodyPr/>
+          <a:lstStyle/>
+          <a:p>
+            <a:r>
+              <a:rPr lang="en-US" dirty="0" smtClean="0"/>
+              <a:t>Schema </a:t>
+            </a:r>
+            <a:r>
+              <a:rPr lang="th-TH" dirty="0" smtClean="0"/>
+              <a:t>ที่ออกแบบไว้ในตอนแรก</a:t>
+            </a:r>
+            <a:r>
+              <a:rPr lang="th-TH" baseline="0" dirty="0" smtClean="0"/>
+              <a:t> </a:t>
+            </a:r>
+          </a:p>
+          <a:p>
+            <a:r>
+              <a:rPr lang="en-US" baseline="0" dirty="0" smtClean="0"/>
+              <a:t>-</a:t>
+            </a:r>
+            <a:r>
+              <a:rPr lang="th-TH" baseline="0" dirty="0" smtClean="0"/>
+              <a:t> สังเกตว่ามันผิดปกติยังไงบ้าง</a:t>
+            </a:r>
+            <a:br>
+              <a:rPr lang="th-TH" baseline="0" dirty="0" smtClean="0"/>
+            </a:br>
+            <a:endParaRPr lang="en-US" dirty="0"/>
+          </a:p>
+        </p:txBody>
+      </p:sp>
+      <p:sp>
+        <p:nvSpPr>
+          <p:cNvPr id="4" name="Slide Number Placeholder 3"/>
+          <p:cNvSpPr>
+            <a:spLocks noGrp="1"/>
+          </p:cNvSpPr>
+          <p:nvPr>
+            <p:ph type="sldNum" sz="quarter" idx="10"/>
+          </p:nvPr>
+        </p:nvSpPr>
+        <p:spPr/>
+        <p:txBody>
+          <a:bodyPr/>
+          <a:lstStyle/>
+          <a:p>
+            <a:fld id="{DF9DE737-B4DC-4460-BBCA-76C7F2308527}" type="slidenum">
+              <a:rPr lang="en-US" smtClean="0"/>
+              <a:t>25</a:t>
+            </a:fld>
             <a:endParaRPr lang="en-US"/>
           </a:p>
         </p:txBody>
       </p:sp>
-      <p:sp>
-        <p:nvSpPr>
-          <p:cNvPr id="4" name="Slide Number Placeholder 3"/>
-          <p:cNvSpPr>
-            <a:spLocks noGrp="1"/>
-          </p:cNvSpPr>
-          <p:nvPr>
-            <p:ph type="sldNum" sz="quarter" idx="10"/>
-          </p:nvPr>
-        </p:nvSpPr>
-        <p:spPr/>
-        <p:txBody>
-          <a:bodyPr/>
-          <a:lstStyle/>
-          <a:p>
-            <a:fld id="{EE46199D-95DD-4183-B108-ED69B197BA71}" type="slidenum">
-              <a:rPr lang="th-TH" smtClean="0"/>
-              <a:pPr/>
-              <a:t>37</a:t>
-            </a:fld>
-            <a:endParaRPr lang="th-TH"/>
-          </a:p>
-        </p:txBody>
-      </p:sp>
     </p:spTree>
+    <p:extLst>
+      <p:ext uri="{BB962C8B-B14F-4D97-AF65-F5344CB8AC3E}">
+        <p14:creationId xmlns:p14="http://schemas.microsoft.com/office/powerpoint/2010/main" val="2542345991"/>
+      </p:ext>
+    </p:extLst>
   </p:cSld>
   <p:clrMapOvr>
     <a:masterClrMapping/>
@@ -1701,40 +2199,66 @@
         </p:nvSpPr>
         <p:spPr/>
         <p:txBody>
-          <a:bodyPr>
-            <a:normAutofit/>
-          </a:bodyPr>
-          <a:lstStyle/>
-          <a:p>
+          <a:bodyPr/>
+          <a:lstStyle/>
+          <a:p>
+            <a:pPr marL="0" marR="0" indent="0" algn="l" defTabSz="914400" rtl="0" eaLnBrk="1" fontAlgn="auto" latinLnBrk="0" hangingPunct="1">
+              <a:lnSpc>
+                <a:spcPct val="100000"/>
+              </a:lnSpc>
+              <a:spcBef>
+                <a:spcPts val="0"/>
+              </a:spcBef>
+              <a:spcAft>
+                <a:spcPts val="0"/>
+              </a:spcAft>
+              <a:buClrTx/>
+              <a:buSzTx/>
+              <a:buFontTx/>
+              <a:buNone/>
+              <a:tabLst/>
+              <a:defRPr/>
+            </a:pPr>
+            <a:r>
+              <a:rPr lang="th-TH" dirty="0" smtClean="0"/>
+              <a:t>อันนี้ผ่านกระบวนการออกแบบตามที่กล่าวมาก่อนหน้าแล้ว</a:t>
+            </a:r>
+            <a:endParaRPr lang="en-US" dirty="0" smtClean="0"/>
+          </a:p>
+          <a:p>
+            <a:endParaRPr lang="en-US" dirty="0"/>
+          </a:p>
+        </p:txBody>
+      </p:sp>
+      <p:sp>
+        <p:nvSpPr>
+          <p:cNvPr id="4" name="Slide Number Placeholder 3"/>
+          <p:cNvSpPr>
+            <a:spLocks noGrp="1"/>
+          </p:cNvSpPr>
+          <p:nvPr>
+            <p:ph type="sldNum" sz="quarter" idx="10"/>
+          </p:nvPr>
+        </p:nvSpPr>
+        <p:spPr/>
+        <p:txBody>
+          <a:bodyPr/>
+          <a:lstStyle/>
+          <a:p>
+            <a:fld id="{DF9DE737-B4DC-4460-BBCA-76C7F2308527}" type="slidenum">
+              <a:rPr lang="en-US" smtClean="0"/>
+              <a:t>26</a:t>
+            </a:fld>
             <a:endParaRPr lang="en-US"/>
           </a:p>
         </p:txBody>
       </p:sp>
-      <p:sp>
-        <p:nvSpPr>
-          <p:cNvPr id="4" name="Slide Number Placeholder 3"/>
-          <p:cNvSpPr>
-            <a:spLocks noGrp="1"/>
-          </p:cNvSpPr>
-          <p:nvPr>
-            <p:ph type="sldNum" sz="quarter" idx="10"/>
-          </p:nvPr>
-        </p:nvSpPr>
-        <p:spPr/>
-        <p:txBody>
-          <a:bodyPr/>
-          <a:lstStyle/>
-          <a:p>
-            <a:fld id="{EE46199D-95DD-4183-B108-ED69B197BA71}" type="slidenum">
-              <a:rPr lang="th-TH" smtClean="0"/>
-              <a:pPr/>
-              <a:t>38</a:t>
-            </a:fld>
-            <a:endParaRPr lang="th-TH"/>
-          </a:p>
-        </p:txBody>
-      </p:sp>
     </p:spTree>
+    <p:extLst>
+      <p:ext uri="{BB962C8B-B14F-4D97-AF65-F5344CB8AC3E}">
+        <p14:creationId xmlns:p14="http://schemas.microsoft.com/office/powerpoint/2010/main" val="2484290801"/>
+      </p:ext>
+    </p:extLst>
   </p:cSld>
   <p:clrMapOvr>
     <a:masterClrMapping/>
@@ -6892,16 +7416,81 @@
           <a:lstStyle/>
           <a:p>
             <a:r>
-              <a:rPr lang="en-US" b="1" dirty="0"/>
-              <a:t>Fact table</a:t>
-            </a:r>
-          </a:p>
-        </p:txBody>
-      </p:sp>
+              <a:rPr lang="en-US" b="1" dirty="0" smtClean="0"/>
+              <a:t>Draft Schema</a:t>
+            </a:r>
+            <a:endParaRPr lang="en-US" b="1" dirty="0"/>
+          </a:p>
+        </p:txBody>
+      </p:sp>
+      <p:pic>
+        <p:nvPicPr>
+          <p:cNvPr id="3" name="Picture 2"/>
+          <p:cNvPicPr>
+            <a:picLocks noChangeAspect="1" noChangeArrowheads="1"/>
+          </p:cNvPicPr>
+          <p:nvPr/>
+        </p:nvPicPr>
+        <p:blipFill>
+          <a:blip r:embed="rId3">
+            <a:extLst>
+              <a:ext uri="{28A0092B-C50C-407E-A947-70E740481C1C}">
+                <a14:useLocalDpi xmlns:a14="http://schemas.microsoft.com/office/drawing/2010/main" val="0"/>
+              </a:ext>
+            </a:extLst>
+          </a:blip>
+          <a:srcRect/>
+          <a:stretch>
+            <a:fillRect/>
+          </a:stretch>
+        </p:blipFill>
+        <p:spPr bwMode="auto">
+          <a:xfrm>
+            <a:off x="0" y="1236662"/>
+            <a:ext cx="9144000" cy="4859338"/>
+          </a:xfrm>
+          <a:prstGeom prst="rect">
+            <a:avLst/>
+          </a:prstGeom>
+          <a:noFill/>
+          <a:ln>
+            <a:noFill/>
+          </a:ln>
+          <a:effectLst/>
+          <a:extLst>
+            <a:ext uri="{909E8E84-426E-40DD-AFC4-6F175D3DCCD1}">
+              <a14:hiddenFill xmlns:a14="http://schemas.microsoft.com/office/drawing/2010/main">
+                <a:solidFill>
+                  <a:schemeClr val="accent1"/>
+                </a:solidFill>
+              </a14:hiddenFill>
+            </a:ext>
+            <a:ext uri="{91240B29-F687-4F45-9708-019B960494DF}">
+              <a14:hiddenLine xmlns:a14="http://schemas.microsoft.com/office/drawing/2010/main" w="9525">
+                <a:solidFill>
+                  <a:schemeClr val="tx1"/>
+                </a:solidFill>
+                <a:miter lim="800000"/>
+                <a:headEnd/>
+                <a:tailEnd/>
+              </a14:hiddenLine>
+            </a:ext>
+            <a:ext uri="{AF507438-7753-43E0-B8FC-AC1667EBCBE1}">
+              <a14:hiddenEffects xmlns:a14="http://schemas.microsoft.com/office/drawing/2010/main">
+                <a:effectLst>
+                  <a:outerShdw dist="35921" dir="2700000" algn="ctr" rotWithShape="0">
+                    <a:schemeClr val="bg2"/>
+                  </a:outerShdw>
+                </a:effectLst>
+              </a14:hiddenEffects>
+            </a:ext>
+          </a:extLst>
+        </p:spPr>
+      </p:pic>
     </p:spTree>
     <p:extLst>
       <p:ext uri="{BB962C8B-B14F-4D97-AF65-F5344CB8AC3E}">
-        <p14:creationId xmlns:p14="http://schemas.microsoft.com/office/powerpoint/2010/main" val="644670998"/>
+        <p14:creationId xmlns:p14="http://schemas.microsoft.com/office/powerpoint/2010/main" val="1641986006"/>
       </p:ext>
     </p:extLst>
   </p:cSld>
@@ -6947,41 +7536,54 @@
         </p:nvSpPr>
         <p:spPr/>
         <p:txBody>
-          <a:bodyPr>
-            <a:normAutofit/>
-          </a:bodyPr>
+          <a:bodyPr/>
           <a:lstStyle/>
           <a:p>
             <a:r>
               <a:rPr lang="en-US" b="1" dirty="0"/>
-              <a:t>Geographic Location Dimension</a:t>
-            </a:r>
-          </a:p>
-        </p:txBody>
-      </p:sp>
-      <p:sp>
-        <p:nvSpPr>
-          <p:cNvPr id="3" name="Content Placeholder 2"/>
-          <p:cNvSpPr>
-            <a:spLocks noGrp="1"/>
-          </p:cNvSpPr>
+              <a:t>Fact table</a:t>
+            </a:r>
+          </a:p>
+        </p:txBody>
+      </p:sp>
+      <p:pic>
+        <p:nvPicPr>
+          <p:cNvPr id="4" name="Content Placeholder 3" descr="C:\Documents and Settings\CHONG\Desktop\Untitled-1.jpg"/>
+          <p:cNvPicPr>
+            <a:picLocks noGrp="1"/>
+          </p:cNvPicPr>
           <p:nvPr>
             <p:ph idx="1"/>
           </p:nvPr>
-        </p:nvSpPr>
-        <p:spPr/>
-        <p:txBody>
-          <a:bodyPr/>
-          <a:lstStyle/>
-          <a:p>
-            <a:endParaRPr lang="en-US" dirty="0"/>
-          </a:p>
-        </p:txBody>
-      </p:sp>
+        </p:nvPicPr>
+        <p:blipFill>
+          <a:blip r:embed="rId3"/>
+          <a:srcRect/>
+          <a:stretch>
+            <a:fillRect/>
+          </a:stretch>
+        </p:blipFill>
+        <p:spPr bwMode="auto">
+          <a:xfrm>
+            <a:off x="0" y="1500150"/>
+            <a:ext cx="9144000" cy="5357850"/>
+          </a:xfrm>
+          <a:prstGeom prst="rect">
+            <a:avLst/>
+          </a:prstGeom>
+          <a:noFill/>
+          <a:ln w="9525">
+            <a:noFill/>
+            <a:miter lim="800000"/>
+            <a:headEnd/>
+            <a:tailEnd/>
+          </a:ln>
+        </p:spPr>
+      </p:pic>
     </p:spTree>
     <p:extLst>
       <p:ext uri="{BB962C8B-B14F-4D97-AF65-F5344CB8AC3E}">
-        <p14:creationId xmlns:p14="http://schemas.microsoft.com/office/powerpoint/2010/main" val="3302472505"/>
+        <p14:creationId xmlns:p14="http://schemas.microsoft.com/office/powerpoint/2010/main" val="644670998"/>
       </p:ext>
     </p:extLst>
   </p:cSld>
@@ -7030,25 +7632,132 @@
           <a:bodyPr/>
           <a:lstStyle/>
           <a:p>
-            <a:endParaRPr lang="en-US"/>
-          </a:p>
-        </p:txBody>
-      </p:sp>
-      <p:sp>
-        <p:nvSpPr>
-          <p:cNvPr id="3" name="Content Placeholder 2"/>
-          <p:cNvSpPr>
-            <a:spLocks noGrp="1"/>
-          </p:cNvSpPr>
-          <p:nvPr>
-            <p:ph idx="1"/>
-          </p:nvPr>
-        </p:nvSpPr>
-        <p:spPr/>
-        <p:txBody>
-          <a:bodyPr/>
-          <a:lstStyle/>
-          <a:p>
+            <a:r>
+              <a:rPr lang="en-US" b="1" dirty="0" smtClean="0"/>
+              <a:t>Draft </a:t>
+            </a:r>
+            <a:r>
+              <a:rPr lang="en-US" b="1" dirty="0" smtClean="0"/>
+              <a:t>Schema</a:t>
+            </a:r>
+            <a:r>
+              <a:rPr lang="th-TH" b="1" dirty="0" smtClean="0"/>
+              <a:t> </a:t>
+            </a:r>
+            <a:r>
+              <a:rPr lang="en-US" b="1" dirty="0" smtClean="0"/>
+              <a:t>#3</a:t>
+            </a:r>
+            <a:endParaRPr lang="en-US" b="1" dirty="0"/>
+          </a:p>
+        </p:txBody>
+      </p:sp>
+      <p:pic>
+        <p:nvPicPr>
+          <p:cNvPr id="3" name="Picture 2"/>
+          <p:cNvPicPr>
+            <a:picLocks noChangeAspect="1" noChangeArrowheads="1"/>
+          </p:cNvPicPr>
+          <p:nvPr/>
+        </p:nvPicPr>
+        <p:blipFill>
+          <a:blip r:embed="rId3">
+            <a:extLst>
+              <a:ext uri="{28A0092B-C50C-407E-A947-70E740481C1C}">
+                <a14:useLocalDpi xmlns:a14="http://schemas.microsoft.com/office/drawing/2010/main" val="0"/>
+              </a:ext>
+            </a:extLst>
+          </a:blip>
+          <a:srcRect/>
+          <a:stretch>
+            <a:fillRect/>
+          </a:stretch>
+        </p:blipFill>
+        <p:spPr bwMode="auto">
+          <a:xfrm>
+            <a:off x="0" y="1236662"/>
+            <a:ext cx="9144000" cy="4859338"/>
+          </a:xfrm>
+          <a:prstGeom prst="rect">
+            <a:avLst/>
+          </a:prstGeom>
+          <a:noFill/>
+          <a:ln>
+            <a:noFill/>
+          </a:ln>
+          <a:effectLst/>
+          <a:extLst>
+            <a:ext uri="{909E8E84-426E-40DD-AFC4-6F175D3DCCD1}">
+              <a14:hiddenFill xmlns:a14="http://schemas.microsoft.com/office/drawing/2010/main">
+                <a:solidFill>
+                  <a:schemeClr val="accent1"/>
+                </a:solidFill>
+              </a14:hiddenFill>
+            </a:ext>
+            <a:ext uri="{91240B29-F687-4F45-9708-019B960494DF}">
+              <a14:hiddenLine xmlns:a14="http://schemas.microsoft.com/office/drawing/2010/main" w="9525">
+                <a:solidFill>
+                  <a:schemeClr val="tx1"/>
+                </a:solidFill>
+                <a:miter lim="800000"/>
+                <a:headEnd/>
+                <a:tailEnd/>
+              </a14:hiddenLine>
+            </a:ext>
+            <a:ext uri="{AF507438-7753-43E0-B8FC-AC1667EBCBE1}">
+              <a14:hiddenEffects xmlns:a14="http://schemas.microsoft.com/office/drawing/2010/main">
+                <a:effectLst>
+                  <a:outerShdw dist="35921" dir="2700000" algn="ctr" rotWithShape="0">
+                    <a:schemeClr val="bg2"/>
+                  </a:outerShdw>
+                </a:effectLst>
+              </a14:hiddenEffects>
+            </a:ext>
+          </a:extLst>
+        </p:spPr>
+      </p:pic>
+      <p:sp>
+        <p:nvSpPr>
+          <p:cNvPr id="5" name="Rounded Rectangle 4"/>
+          <p:cNvSpPr/>
+          <p:nvPr/>
+        </p:nvSpPr>
+        <p:spPr>
+          <a:xfrm>
+            <a:off x="14514" y="3363686"/>
+            <a:ext cx="2971800" cy="2057400"/>
+          </a:xfrm>
+          <a:prstGeom prst="roundRect">
+            <a:avLst/>
+          </a:prstGeom>
+          <a:noFill/>
+          <a:ln w="57150">
+            <a:solidFill>
+              <a:srgbClr val="FF0000"/>
+            </a:solidFill>
+          </a:ln>
+        </p:spPr>
+        <p:style>
+          <a:lnRef idx="2">
+            <a:schemeClr val="accent1">
+              <a:shade val="50000"/>
+            </a:schemeClr>
+          </a:lnRef>
+          <a:fillRef idx="1">
+            <a:schemeClr val="accent1"/>
+          </a:fillRef>
+          <a:effectRef idx="0">
+            <a:schemeClr val="accent1"/>
+          </a:effectRef>
+          <a:fontRef idx="minor">
+            <a:schemeClr val="lt1"/>
+          </a:fontRef>
+        </p:style>
+        <p:txBody>
+          <a:bodyPr rtlCol="0" anchor="ctr"/>
+          <a:lstStyle/>
+          <a:p>
+            <a:pPr algn="ctr"/>
             <a:endParaRPr lang="en-US"/>
           </a:p>
         </p:txBody>
@@ -7056,7 +7765,7 @@
     </p:spTree>
     <p:extLst>
       <p:ext uri="{BB962C8B-B14F-4D97-AF65-F5344CB8AC3E}">
-        <p14:creationId xmlns:p14="http://schemas.microsoft.com/office/powerpoint/2010/main" val="2788217058"/>
+        <p14:creationId xmlns:p14="http://schemas.microsoft.com/office/powerpoint/2010/main" val="3498342132"/>
       </p:ext>
     </p:extLst>
   </p:cSld>
@@ -7107,26 +7816,92 @@
           <a:p>
             <a:r>
               <a:rPr lang="en-US" b="1" dirty="0"/>
-              <a:t>Location Outrigger</a:t>
-            </a:r>
-          </a:p>
-        </p:txBody>
-      </p:sp>
-      <p:sp>
-        <p:nvSpPr>
-          <p:cNvPr id="3" name="Content Placeholder 2"/>
-          <p:cNvSpPr>
-            <a:spLocks noGrp="1"/>
-          </p:cNvSpPr>
+              <a:t>Fact </a:t>
+            </a:r>
+            <a:r>
+              <a:rPr lang="en-US" b="1" dirty="0" smtClean="0"/>
+              <a:t>table#3</a:t>
+            </a:r>
+            <a:endParaRPr lang="en-US" b="1" dirty="0"/>
+          </a:p>
+        </p:txBody>
+      </p:sp>
+      <p:pic>
+        <p:nvPicPr>
+          <p:cNvPr id="4" name="Content Placeholder 3" descr="C:\Documents and Settings\CHONG\Desktop\Untitled-1.jpg"/>
+          <p:cNvPicPr>
+            <a:picLocks noGrp="1"/>
+          </p:cNvPicPr>
           <p:nvPr>
             <p:ph idx="1"/>
           </p:nvPr>
-        </p:nvSpPr>
-        <p:spPr/>
-        <p:txBody>
-          <a:bodyPr/>
-          <a:lstStyle/>
-          <a:p>
+        </p:nvPicPr>
+        <p:blipFill>
+          <a:blip r:embed="rId3"/>
+          <a:srcRect/>
+          <a:stretch>
+            <a:fillRect/>
+          </a:stretch>
+        </p:blipFill>
+        <p:spPr bwMode="auto">
+          <a:xfrm>
+            <a:off x="0" y="1500150"/>
+            <a:ext cx="9144000" cy="5357850"/>
+          </a:xfrm>
+          <a:prstGeom prst="rect">
+            <a:avLst/>
+          </a:prstGeom>
+          <a:noFill/>
+          <a:ln w="9525">
+            <a:noFill/>
+            <a:miter lim="800000"/>
+            <a:headEnd/>
+            <a:tailEnd/>
+          </a:ln>
+        </p:spPr>
+      </p:pic>
+      <p:sp>
+        <p:nvSpPr>
+          <p:cNvPr id="5" name="Rounded Rectangle 4"/>
+          <p:cNvSpPr/>
+          <p:nvPr/>
+        </p:nvSpPr>
+        <p:spPr>
+          <a:xfrm>
+            <a:off x="14514" y="3733800"/>
+            <a:ext cx="2971800" cy="2057400"/>
+          </a:xfrm>
+          <a:prstGeom prst="roundRect">
+            <a:avLst/>
+          </a:prstGeom>
+          <a:noFill/>
+          <a:ln w="57150">
+            <a:solidFill>
+              <a:srgbClr val="FF0000"/>
+            </a:solidFill>
+          </a:ln>
+        </p:spPr>
+        <p:style>
+          <a:lnRef idx="2">
+            <a:schemeClr val="accent1">
+              <a:shade val="50000"/>
+            </a:schemeClr>
+          </a:lnRef>
+          <a:fillRef idx="1">
+            <a:schemeClr val="accent1"/>
+          </a:fillRef>
+          <a:effectRef idx="0">
+            <a:schemeClr val="accent1"/>
+          </a:effectRef>
+          <a:fontRef idx="minor">
+            <a:schemeClr val="lt1"/>
+          </a:fontRef>
+        </p:style>
+        <p:txBody>
+          <a:bodyPr rtlCol="0" anchor="ctr"/>
+          <a:lstStyle/>
+          <a:p>
+            <a:pPr algn="ctr"/>
             <a:endParaRPr lang="en-US"/>
           </a:p>
         </p:txBody>
@@ -7134,7 +7909,7 @@
     </p:spTree>
     <p:extLst>
       <p:ext uri="{BB962C8B-B14F-4D97-AF65-F5344CB8AC3E}">
-        <p14:creationId xmlns:p14="http://schemas.microsoft.com/office/powerpoint/2010/main" val="3418599091"/>
+        <p14:creationId xmlns:p14="http://schemas.microsoft.com/office/powerpoint/2010/main" val="1907064455"/>
       </p:ext>
     </p:extLst>
   </p:cSld>
@@ -7183,33 +7958,82 @@
           <a:bodyPr/>
           <a:lstStyle/>
           <a:p>
-            <a:endParaRPr lang="en-US"/>
-          </a:p>
-        </p:txBody>
-      </p:sp>
-      <p:sp>
-        <p:nvSpPr>
-          <p:cNvPr id="3" name="Content Placeholder 2"/>
-          <p:cNvSpPr>
-            <a:spLocks noGrp="1"/>
-          </p:cNvSpPr>
-          <p:nvPr>
-            <p:ph idx="1"/>
-          </p:nvPr>
-        </p:nvSpPr>
-        <p:spPr/>
-        <p:txBody>
-          <a:bodyPr/>
-          <a:lstStyle/>
-          <a:p>
-            <a:endParaRPr lang="en-US"/>
-          </a:p>
-        </p:txBody>
-      </p:sp>
+            <a:r>
+              <a:rPr lang="en-US" b="1" dirty="0" smtClean="0"/>
+              <a:t>Draft Schema</a:t>
+            </a:r>
+            <a:endParaRPr lang="en-US" b="1" dirty="0"/>
+          </a:p>
+        </p:txBody>
+      </p:sp>
+      <p:pic>
+        <p:nvPicPr>
+          <p:cNvPr id="3" name="Picture 2"/>
+          <p:cNvPicPr>
+            <a:picLocks noChangeAspect="1" noChangeArrowheads="1"/>
+          </p:cNvPicPr>
+          <p:nvPr/>
+        </p:nvPicPr>
+        <p:blipFill>
+          <a:blip r:embed="rId3">
+            <a:extLst>
+              <a:ext uri="{28A0092B-C50C-407E-A947-70E740481C1C}">
+                <a14:useLocalDpi xmlns:a14="http://schemas.microsoft.com/office/drawing/2010/main" val="0"/>
+              </a:ext>
+            </a:extLst>
+          </a:blip>
+          <a:srcRect/>
+          <a:stretch>
+            <a:fillRect/>
+          </a:stretch>
+        </p:blipFill>
+        <p:spPr bwMode="auto">
+          <a:xfrm>
+            <a:off x="0" y="1236662"/>
+            <a:ext cx="9144000" cy="4859338"/>
+          </a:xfrm>
+          <a:prstGeom prst="rect">
+            <a:avLst/>
+          </a:prstGeom>
+          <a:noFill/>
+          <a:ln>
+            <a:noFill/>
+          </a:ln>
+          <a:effectLst/>
+          <a:extLst>
+            <a:ext uri="{909E8E84-426E-40DD-AFC4-6F175D3DCCD1}">
+              <a14:hiddenFill xmlns:a14="http://schemas.microsoft.com/office/drawing/2010/main">
+                <a:solidFill>
+                  <a:schemeClr val="accent1"/>
+                </a:solidFill>
+              </a14:hiddenFill>
+            </a:ext>
+            <a:ext uri="{91240B29-F687-4F45-9708-019B960494DF}">
+              <a14:hiddenLine xmlns:a14="http://schemas.microsoft.com/office/drawing/2010/main" w="9525">
+                <a:solidFill>
+                  <a:schemeClr val="tx1"/>
+                </a:solidFill>
+                <a:miter lim="800000"/>
+                <a:headEnd/>
+                <a:tailEnd/>
+              </a14:hiddenLine>
+            </a:ext>
+            <a:ext uri="{AF507438-7753-43E0-B8FC-AC1667EBCBE1}">
+              <a14:hiddenEffects xmlns:a14="http://schemas.microsoft.com/office/drawing/2010/main">
+                <a:effectLst>
+                  <a:outerShdw dist="35921" dir="2700000" algn="ctr" rotWithShape="0">
+                    <a:schemeClr val="bg2"/>
+                  </a:outerShdw>
+                </a:effectLst>
+              </a14:hiddenEffects>
+            </a:ext>
+          </a:extLst>
+        </p:spPr>
+      </p:pic>
     </p:spTree>
     <p:extLst>
       <p:ext uri="{BB962C8B-B14F-4D97-AF65-F5344CB8AC3E}">
-        <p14:creationId xmlns:p14="http://schemas.microsoft.com/office/powerpoint/2010/main" val="3023188447"/>
+        <p14:creationId xmlns:p14="http://schemas.microsoft.com/office/powerpoint/2010/main" val="704918762"/>
       </p:ext>
     </p:extLst>
   </p:cSld>
@@ -7256,13 +8080,13 @@
         <p:spPr/>
         <p:txBody>
           <a:bodyPr>
-            <a:noAutofit/>
+            <a:normAutofit/>
           </a:bodyPr>
           <a:lstStyle/>
           <a:p>
             <a:r>
-              <a:rPr lang="en-US" sz="3200" b="1" dirty="0"/>
-              <a:t>Leveraging Geographic Information System</a:t>
+              <a:rPr lang="en-US" b="1" dirty="0"/>
+              <a:t>Geographic Location Dimension</a:t>
             </a:r>
           </a:p>
         </p:txBody>
@@ -7282,14 +8106,14 @@
           <a:bodyPr/>
           <a:lstStyle/>
           <a:p>
-            <a:endParaRPr lang="en-US"/>
+            <a:endParaRPr lang="en-US" dirty="0"/>
           </a:p>
         </p:txBody>
       </p:sp>
     </p:spTree>
     <p:extLst>
       <p:ext uri="{BB962C8B-B14F-4D97-AF65-F5344CB8AC3E}">
-        <p14:creationId xmlns:p14="http://schemas.microsoft.com/office/powerpoint/2010/main" val="1384572238"/>
+        <p14:creationId xmlns:p14="http://schemas.microsoft.com/office/powerpoint/2010/main" val="3302472505"/>
       </p:ext>
     </p:extLst>
   </p:cSld>
@@ -7364,7 +8188,7 @@
     </p:spTree>
     <p:extLst>
       <p:ext uri="{BB962C8B-B14F-4D97-AF65-F5344CB8AC3E}">
-        <p14:creationId xmlns:p14="http://schemas.microsoft.com/office/powerpoint/2010/main" val="2523399155"/>
+        <p14:creationId xmlns:p14="http://schemas.microsoft.com/office/powerpoint/2010/main" val="2788217058"/>
       </p:ext>
     </p:extLst>
   </p:cSld>
@@ -7565,7 +8389,10 @@
           <a:bodyPr/>
           <a:lstStyle/>
           <a:p>
-            <a:endParaRPr lang="en-US"/>
+            <a:r>
+              <a:rPr lang="en-US" b="1" dirty="0"/>
+              <a:t>Location Outrigger</a:t>
+            </a:r>
           </a:p>
         </p:txBody>
       </p:sp>
@@ -7591,7 +8418,7 @@
     </p:spTree>
     <p:extLst>
       <p:ext uri="{BB962C8B-B14F-4D97-AF65-F5344CB8AC3E}">
-        <p14:creationId xmlns:p14="http://schemas.microsoft.com/office/powerpoint/2010/main" val="411052298"/>
+        <p14:creationId xmlns:p14="http://schemas.microsoft.com/office/powerpoint/2010/main" val="3418599091"/>
       </p:ext>
     </p:extLst>
   </p:cSld>
@@ -7640,7 +8467,7 @@
           <a:bodyPr/>
           <a:lstStyle/>
           <a:p>
-            <a:endParaRPr lang="en-US" dirty="0"/>
+            <a:endParaRPr lang="en-US"/>
           </a:p>
         </p:txBody>
       </p:sp>
@@ -7656,23 +8483,17 @@
         </p:nvSpPr>
         <p:spPr/>
         <p:txBody>
-          <a:bodyPr>
-            <a:normAutofit/>
-          </a:bodyPr>
-          <a:lstStyle/>
-          <a:p>
-            <a:r>
-              <a:rPr lang="th-TH" sz="3600" dirty="0" smtClean="0"/>
-              <a:t>ส่วนที่หามาเพิ่ม</a:t>
-            </a:r>
-            <a:endParaRPr lang="en-US" sz="3600" dirty="0"/>
+          <a:bodyPr/>
+          <a:lstStyle/>
+          <a:p>
+            <a:endParaRPr lang="en-US"/>
           </a:p>
         </p:txBody>
       </p:sp>
     </p:spTree>
     <p:extLst>
       <p:ext uri="{BB962C8B-B14F-4D97-AF65-F5344CB8AC3E}">
-        <p14:creationId xmlns:p14="http://schemas.microsoft.com/office/powerpoint/2010/main" val="1343042691"/>
+        <p14:creationId xmlns:p14="http://schemas.microsoft.com/office/powerpoint/2010/main" val="3023188447"/>
       </p:ext>
     </p:extLst>
   </p:cSld>
@@ -7718,10 +8539,15 @@
         </p:nvSpPr>
         <p:spPr/>
         <p:txBody>
-          <a:bodyPr/>
-          <a:lstStyle/>
-          <a:p>
-            <a:endParaRPr lang="en-US" dirty="0"/>
+          <a:bodyPr>
+            <a:noAutofit/>
+          </a:bodyPr>
+          <a:lstStyle/>
+          <a:p>
+            <a:r>
+              <a:rPr lang="en-US" sz="3200" b="1" dirty="0"/>
+              <a:t>Leveraging Geographic Information System</a:t>
+            </a:r>
           </a:p>
         </p:txBody>
       </p:sp>
@@ -7740,17 +8566,14 @@
           <a:bodyPr/>
           <a:lstStyle/>
           <a:p>
-            <a:r>
-              <a:rPr lang="en-US" dirty="0"/>
-              <a:t>http://www-01.ibm.com/support/docview.wss?uid=swg24022618</a:t>
-            </a:r>
+            <a:endParaRPr lang="en-US"/>
           </a:p>
         </p:txBody>
       </p:sp>
     </p:spTree>
     <p:extLst>
       <p:ext uri="{BB962C8B-B14F-4D97-AF65-F5344CB8AC3E}">
-        <p14:creationId xmlns:p14="http://schemas.microsoft.com/office/powerpoint/2010/main" val="2480830112"/>
+        <p14:creationId xmlns:p14="http://schemas.microsoft.com/office/powerpoint/2010/main" val="1384572238"/>
       </p:ext>
     </p:extLst>
   </p:cSld>
@@ -7818,17 +8641,14 @@
           <a:bodyPr/>
           <a:lstStyle/>
           <a:p>
-            <a:r>
-              <a:rPr lang="en-US" dirty="0"/>
-              <a:t>http://www.informatica.com/solutions/telecommunications/Pages/index.aspx</a:t>
-            </a:r>
+            <a:endParaRPr lang="en-US"/>
           </a:p>
         </p:txBody>
       </p:sp>
     </p:spTree>
     <p:extLst>
       <p:ext uri="{BB962C8B-B14F-4D97-AF65-F5344CB8AC3E}">
-        <p14:creationId xmlns:p14="http://schemas.microsoft.com/office/powerpoint/2010/main" val="763301390"/>
+        <p14:creationId xmlns:p14="http://schemas.microsoft.com/office/powerpoint/2010/main" val="2523399155"/>
       </p:ext>
     </p:extLst>
   </p:cSld>
@@ -7896,6 +8716,318 @@
           <a:bodyPr/>
           <a:lstStyle/>
           <a:p>
+            <a:endParaRPr lang="en-US"/>
+          </a:p>
+        </p:txBody>
+      </p:sp>
+    </p:spTree>
+    <p:extLst>
+      <p:ext uri="{BB962C8B-B14F-4D97-AF65-F5344CB8AC3E}">
+        <p14:creationId xmlns:p14="http://schemas.microsoft.com/office/powerpoint/2010/main" val="411052298"/>
+      </p:ext>
+    </p:extLst>
+  </p:cSld>
+  <p:clrMapOvr>
+    <a:masterClrMapping/>
+  </p:clrMapOvr>
+  <p:timing>
+    <p:tnLst>
+      <p:par>
+        <p:cTn id="1" dur="indefinite" restart="never" nodeType="tmRoot"/>
+      </p:par>
+    </p:tnLst>
+  </p:timing>
+</p:sld>
+</file>
+
+<file path=ppt/slides/slide35.xml><?xml version="1.0" encoding="utf-8"?>
+<p:sld xmlns:a="http://schemas.openxmlformats.org/drawingml/2006/main" xmlns:r="http://schemas.openxmlformats.org/officeDocument/2006/relationships" xmlns:p="http://schemas.openxmlformats.org/presentationml/2006/main">
+  <p:cSld>
+    <p:spTree>
+      <p:nvGrpSpPr>
+        <p:cNvPr id="1" name=""/>
+        <p:cNvGrpSpPr/>
+        <p:nvPr/>
+      </p:nvGrpSpPr>
+      <p:grpSpPr>
+        <a:xfrm>
+          <a:off x="0" y="0"/>
+          <a:ext cx="0" cy="0"/>
+          <a:chOff x="0" y="0"/>
+          <a:chExt cx="0" cy="0"/>
+        </a:xfrm>
+      </p:grpSpPr>
+      <p:sp>
+        <p:nvSpPr>
+          <p:cNvPr id="2" name="Title 1"/>
+          <p:cNvSpPr>
+            <a:spLocks noGrp="1"/>
+          </p:cNvSpPr>
+          <p:nvPr>
+            <p:ph type="title"/>
+          </p:nvPr>
+        </p:nvSpPr>
+        <p:spPr/>
+        <p:txBody>
+          <a:bodyPr/>
+          <a:lstStyle/>
+          <a:p>
+            <a:endParaRPr lang="en-US" dirty="0"/>
+          </a:p>
+        </p:txBody>
+      </p:sp>
+      <p:sp>
+        <p:nvSpPr>
+          <p:cNvPr id="3" name="Content Placeholder 2"/>
+          <p:cNvSpPr>
+            <a:spLocks noGrp="1"/>
+          </p:cNvSpPr>
+          <p:nvPr>
+            <p:ph idx="1"/>
+          </p:nvPr>
+        </p:nvSpPr>
+        <p:spPr/>
+        <p:txBody>
+          <a:bodyPr>
+            <a:normAutofit/>
+          </a:bodyPr>
+          <a:lstStyle/>
+          <a:p>
+            <a:r>
+              <a:rPr lang="th-TH" sz="3600" dirty="0" smtClean="0"/>
+              <a:t>ส่วนที่หามาเพิ่ม</a:t>
+            </a:r>
+            <a:endParaRPr lang="en-US" sz="3600" dirty="0"/>
+          </a:p>
+        </p:txBody>
+      </p:sp>
+    </p:spTree>
+    <p:extLst>
+      <p:ext uri="{BB962C8B-B14F-4D97-AF65-F5344CB8AC3E}">
+        <p14:creationId xmlns:p14="http://schemas.microsoft.com/office/powerpoint/2010/main" val="1343042691"/>
+      </p:ext>
+    </p:extLst>
+  </p:cSld>
+  <p:clrMapOvr>
+    <a:masterClrMapping/>
+  </p:clrMapOvr>
+  <p:timing>
+    <p:tnLst>
+      <p:par>
+        <p:cTn id="1" dur="indefinite" restart="never" nodeType="tmRoot"/>
+      </p:par>
+    </p:tnLst>
+  </p:timing>
+</p:sld>
+</file>
+
+<file path=ppt/slides/slide36.xml><?xml version="1.0" encoding="utf-8"?>
+<p:sld xmlns:a="http://schemas.openxmlformats.org/drawingml/2006/main" xmlns:r="http://schemas.openxmlformats.org/officeDocument/2006/relationships" xmlns:p="http://schemas.openxmlformats.org/presentationml/2006/main">
+  <p:cSld>
+    <p:spTree>
+      <p:nvGrpSpPr>
+        <p:cNvPr id="1" name=""/>
+        <p:cNvGrpSpPr/>
+        <p:nvPr/>
+      </p:nvGrpSpPr>
+      <p:grpSpPr>
+        <a:xfrm>
+          <a:off x="0" y="0"/>
+          <a:ext cx="0" cy="0"/>
+          <a:chOff x="0" y="0"/>
+          <a:chExt cx="0" cy="0"/>
+        </a:xfrm>
+      </p:grpSpPr>
+      <p:sp>
+        <p:nvSpPr>
+          <p:cNvPr id="2" name="Title 1"/>
+          <p:cNvSpPr>
+            <a:spLocks noGrp="1"/>
+          </p:cNvSpPr>
+          <p:nvPr>
+            <p:ph type="title"/>
+          </p:nvPr>
+        </p:nvSpPr>
+        <p:spPr/>
+        <p:txBody>
+          <a:bodyPr/>
+          <a:lstStyle/>
+          <a:p>
+            <a:endParaRPr lang="en-US" dirty="0"/>
+          </a:p>
+        </p:txBody>
+      </p:sp>
+      <p:sp>
+        <p:nvSpPr>
+          <p:cNvPr id="3" name="Content Placeholder 2"/>
+          <p:cNvSpPr>
+            <a:spLocks noGrp="1"/>
+          </p:cNvSpPr>
+          <p:nvPr>
+            <p:ph idx="1"/>
+          </p:nvPr>
+        </p:nvSpPr>
+        <p:spPr/>
+        <p:txBody>
+          <a:bodyPr/>
+          <a:lstStyle/>
+          <a:p>
+            <a:r>
+              <a:rPr lang="en-US" dirty="0"/>
+              <a:t>http://www-01.ibm.com/support/docview.wss?uid=swg24022618</a:t>
+            </a:r>
+          </a:p>
+        </p:txBody>
+      </p:sp>
+    </p:spTree>
+    <p:extLst>
+      <p:ext uri="{BB962C8B-B14F-4D97-AF65-F5344CB8AC3E}">
+        <p14:creationId xmlns:p14="http://schemas.microsoft.com/office/powerpoint/2010/main" val="2480830112"/>
+      </p:ext>
+    </p:extLst>
+  </p:cSld>
+  <p:clrMapOvr>
+    <a:masterClrMapping/>
+  </p:clrMapOvr>
+  <p:timing>
+    <p:tnLst>
+      <p:par>
+        <p:cTn id="1" dur="indefinite" restart="never" nodeType="tmRoot"/>
+      </p:par>
+    </p:tnLst>
+  </p:timing>
+</p:sld>
+</file>
+
+<file path=ppt/slides/slide37.xml><?xml version="1.0" encoding="utf-8"?>
+<p:sld xmlns:a="http://schemas.openxmlformats.org/drawingml/2006/main" xmlns:r="http://schemas.openxmlformats.org/officeDocument/2006/relationships" xmlns:p="http://schemas.openxmlformats.org/presentationml/2006/main">
+  <p:cSld>
+    <p:spTree>
+      <p:nvGrpSpPr>
+        <p:cNvPr id="1" name=""/>
+        <p:cNvGrpSpPr/>
+        <p:nvPr/>
+      </p:nvGrpSpPr>
+      <p:grpSpPr>
+        <a:xfrm>
+          <a:off x="0" y="0"/>
+          <a:ext cx="0" cy="0"/>
+          <a:chOff x="0" y="0"/>
+          <a:chExt cx="0" cy="0"/>
+        </a:xfrm>
+      </p:grpSpPr>
+      <p:sp>
+        <p:nvSpPr>
+          <p:cNvPr id="2" name="Title 1"/>
+          <p:cNvSpPr>
+            <a:spLocks noGrp="1"/>
+          </p:cNvSpPr>
+          <p:nvPr>
+            <p:ph type="title"/>
+          </p:nvPr>
+        </p:nvSpPr>
+        <p:spPr/>
+        <p:txBody>
+          <a:bodyPr/>
+          <a:lstStyle/>
+          <a:p>
+            <a:endParaRPr lang="en-US"/>
+          </a:p>
+        </p:txBody>
+      </p:sp>
+      <p:sp>
+        <p:nvSpPr>
+          <p:cNvPr id="3" name="Content Placeholder 2"/>
+          <p:cNvSpPr>
+            <a:spLocks noGrp="1"/>
+          </p:cNvSpPr>
+          <p:nvPr>
+            <p:ph idx="1"/>
+          </p:nvPr>
+        </p:nvSpPr>
+        <p:spPr/>
+        <p:txBody>
+          <a:bodyPr/>
+          <a:lstStyle/>
+          <a:p>
+            <a:r>
+              <a:rPr lang="en-US" dirty="0"/>
+              <a:t>http://www.informatica.com/solutions/telecommunications/Pages/index.aspx</a:t>
+            </a:r>
+          </a:p>
+        </p:txBody>
+      </p:sp>
+    </p:spTree>
+    <p:extLst>
+      <p:ext uri="{BB962C8B-B14F-4D97-AF65-F5344CB8AC3E}">
+        <p14:creationId xmlns:p14="http://schemas.microsoft.com/office/powerpoint/2010/main" val="763301390"/>
+      </p:ext>
+    </p:extLst>
+  </p:cSld>
+  <p:clrMapOvr>
+    <a:masterClrMapping/>
+  </p:clrMapOvr>
+  <p:timing>
+    <p:tnLst>
+      <p:par>
+        <p:cTn id="1" dur="indefinite" restart="never" nodeType="tmRoot"/>
+      </p:par>
+    </p:tnLst>
+  </p:timing>
+</p:sld>
+</file>
+
+<file path=ppt/slides/slide38.xml><?xml version="1.0" encoding="utf-8"?>
+<p:sld xmlns:a="http://schemas.openxmlformats.org/drawingml/2006/main" xmlns:r="http://schemas.openxmlformats.org/officeDocument/2006/relationships" xmlns:p="http://schemas.openxmlformats.org/presentationml/2006/main">
+  <p:cSld>
+    <p:spTree>
+      <p:nvGrpSpPr>
+        <p:cNvPr id="1" name=""/>
+        <p:cNvGrpSpPr/>
+        <p:nvPr/>
+      </p:nvGrpSpPr>
+      <p:grpSpPr>
+        <a:xfrm>
+          <a:off x="0" y="0"/>
+          <a:ext cx="0" cy="0"/>
+          <a:chOff x="0" y="0"/>
+          <a:chExt cx="0" cy="0"/>
+        </a:xfrm>
+      </p:grpSpPr>
+      <p:sp>
+        <p:nvSpPr>
+          <p:cNvPr id="2" name="Title 1"/>
+          <p:cNvSpPr>
+            <a:spLocks noGrp="1"/>
+          </p:cNvSpPr>
+          <p:nvPr>
+            <p:ph type="title"/>
+          </p:nvPr>
+        </p:nvSpPr>
+        <p:spPr/>
+        <p:txBody>
+          <a:bodyPr/>
+          <a:lstStyle/>
+          <a:p>
+            <a:endParaRPr lang="en-US"/>
+          </a:p>
+        </p:txBody>
+      </p:sp>
+      <p:sp>
+        <p:nvSpPr>
+          <p:cNvPr id="3" name="Content Placeholder 2"/>
+          <p:cNvSpPr>
+            <a:spLocks noGrp="1"/>
+          </p:cNvSpPr>
+          <p:nvPr>
+            <p:ph idx="1"/>
+          </p:nvPr>
+        </p:nvSpPr>
+        <p:spPr/>
+        <p:txBody>
+          <a:bodyPr/>
+          <a:lstStyle/>
+          <a:p>
             <a:r>
               <a:rPr lang="en-US" dirty="0"/>
               <a:t>http://www.infobright.com/Products/MySQL-Integration/</a:t>
@@ -7923,7 +9055,7 @@
 </p:sld>
 </file>
 
-<file path=ppt/slides/slide35.xml><?xml version="1.0" encoding="utf-8"?>
+<file path=ppt/slides/slide39.xml><?xml version="1.0" encoding="utf-8"?>
 <p:sld xmlns:a="http://schemas.openxmlformats.org/drawingml/2006/main" xmlns:r="http://schemas.openxmlformats.org/officeDocument/2006/relationships" xmlns:p="http://schemas.openxmlformats.org/presentationml/2006/main">
   <p:cSld>
     <p:spTree>
@@ -8186,274 +9318,6 @@
       </p:par>
     </p:tnLst>
   </p:timing>
-</p:sld>
-</file>
-
-<file path=ppt/slides/slide36.xml><?xml version="1.0" encoding="utf-8"?>
-<p:sld xmlns:a="http://schemas.openxmlformats.org/drawingml/2006/main" xmlns:r="http://schemas.openxmlformats.org/officeDocument/2006/relationships" xmlns:p="http://schemas.openxmlformats.org/presentationml/2006/main">
-  <p:cSld>
-    <p:spTree>
-      <p:nvGrpSpPr>
-        <p:cNvPr id="1" name=""/>
-        <p:cNvGrpSpPr/>
-        <p:nvPr/>
-      </p:nvGrpSpPr>
-      <p:grpSpPr>
-        <a:xfrm>
-          <a:off x="0" y="0"/>
-          <a:ext cx="0" cy="0"/>
-          <a:chOff x="0" y="0"/>
-          <a:chExt cx="0" cy="0"/>
-        </a:xfrm>
-      </p:grpSpPr>
-      <p:pic>
-        <p:nvPicPr>
-          <p:cNvPr id="4" name="Picture 6"/>
-          <p:cNvPicPr>
-            <a:picLocks noChangeAspect="1" noChangeArrowheads="1"/>
-          </p:cNvPicPr>
-          <p:nvPr/>
-        </p:nvPicPr>
-        <p:blipFill>
-          <a:blip r:embed="rId3"/>
-          <a:srcRect l="14375" t="11000" r="15000"/>
-          <a:stretch>
-            <a:fillRect/>
-          </a:stretch>
-        </p:blipFill>
-        <p:spPr bwMode="auto">
-          <a:xfrm>
-            <a:off x="-32" y="0"/>
-            <a:ext cx="8715436" cy="6864370"/>
-          </a:xfrm>
-          <a:prstGeom prst="rect">
-            <a:avLst/>
-          </a:prstGeom>
-          <a:noFill/>
-          <a:ln w="9525">
-            <a:noFill/>
-            <a:miter lim="800000"/>
-            <a:headEnd/>
-            <a:tailEnd/>
-          </a:ln>
-          <a:effectLst/>
-        </p:spPr>
-      </p:pic>
-    </p:spTree>
-    <p:extLst>
-      <p:ext uri="{BB962C8B-B14F-4D97-AF65-F5344CB8AC3E}">
-        <p14:creationId xmlns:p14="http://schemas.microsoft.com/office/powerpoint/2010/main" val="1160716067"/>
-      </p:ext>
-    </p:extLst>
-  </p:cSld>
-  <p:clrMapOvr>
-    <a:masterClrMapping/>
-  </p:clrMapOvr>
-</p:sld>
-</file>
-
-<file path=ppt/slides/slide37.xml><?xml version="1.0" encoding="utf-8"?>
-<p:sld xmlns:a="http://schemas.openxmlformats.org/drawingml/2006/main" xmlns:r="http://schemas.openxmlformats.org/officeDocument/2006/relationships" xmlns:p="http://schemas.openxmlformats.org/presentationml/2006/main">
-  <p:cSld>
-    <p:spTree>
-      <p:nvGrpSpPr>
-        <p:cNvPr id="1" name=""/>
-        <p:cNvGrpSpPr/>
-        <p:nvPr/>
-      </p:nvGrpSpPr>
-      <p:grpSpPr>
-        <a:xfrm>
-          <a:off x="0" y="0"/>
-          <a:ext cx="0" cy="0"/>
-          <a:chOff x="0" y="0"/>
-          <a:chExt cx="0" cy="0"/>
-        </a:xfrm>
-      </p:grpSpPr>
-      <p:pic>
-        <p:nvPicPr>
-          <p:cNvPr id="4" name="Picture 2"/>
-          <p:cNvPicPr>
-            <a:picLocks noChangeAspect="1" noChangeArrowheads="1"/>
-          </p:cNvPicPr>
-          <p:nvPr/>
-        </p:nvPicPr>
-        <p:blipFill>
-          <a:blip r:embed="rId3"/>
-          <a:srcRect l="24375" t="10000" r="18750" b="7000"/>
-          <a:stretch>
-            <a:fillRect/>
-          </a:stretch>
-        </p:blipFill>
-        <p:spPr bwMode="auto">
-          <a:xfrm>
-            <a:off x="839175" y="-24"/>
-            <a:ext cx="7519039" cy="6858024"/>
-          </a:xfrm>
-          <a:prstGeom prst="rect">
-            <a:avLst/>
-          </a:prstGeom>
-          <a:noFill/>
-          <a:ln w="9525">
-            <a:noFill/>
-            <a:miter lim="800000"/>
-            <a:headEnd/>
-            <a:tailEnd/>
-          </a:ln>
-          <a:effectLst/>
-        </p:spPr>
-      </p:pic>
-    </p:spTree>
-    <p:extLst>
-      <p:ext uri="{BB962C8B-B14F-4D97-AF65-F5344CB8AC3E}">
-        <p14:creationId xmlns:p14="http://schemas.microsoft.com/office/powerpoint/2010/main" val="3285242553"/>
-      </p:ext>
-    </p:extLst>
-  </p:cSld>
-  <p:clrMapOvr>
-    <a:masterClrMapping/>
-  </p:clrMapOvr>
-</p:sld>
-</file>
-
-<file path=ppt/slides/slide38.xml><?xml version="1.0" encoding="utf-8"?>
-<p:sld xmlns:a="http://schemas.openxmlformats.org/drawingml/2006/main" xmlns:r="http://schemas.openxmlformats.org/officeDocument/2006/relationships" xmlns:p="http://schemas.openxmlformats.org/presentationml/2006/main">
-  <p:cSld>
-    <p:spTree>
-      <p:nvGrpSpPr>
-        <p:cNvPr id="1" name=""/>
-        <p:cNvGrpSpPr/>
-        <p:nvPr/>
-      </p:nvGrpSpPr>
-      <p:grpSpPr>
-        <a:xfrm>
-          <a:off x="0" y="0"/>
-          <a:ext cx="0" cy="0"/>
-          <a:chOff x="0" y="0"/>
-          <a:chExt cx="0" cy="0"/>
-        </a:xfrm>
-      </p:grpSpPr>
-      <p:sp>
-        <p:nvSpPr>
-          <p:cNvPr id="3" name="Title 2"/>
-          <p:cNvSpPr>
-            <a:spLocks noGrp="1"/>
-          </p:cNvSpPr>
-          <p:nvPr>
-            <p:ph type="title"/>
-          </p:nvPr>
-        </p:nvSpPr>
-        <p:spPr/>
-        <p:txBody>
-          <a:bodyPr>
-            <a:normAutofit fontScale="90000"/>
-          </a:bodyPr>
-          <a:lstStyle/>
-          <a:p>
-            <a:r>
-              <a:rPr lang="en-US" dirty="0" smtClean="0"/>
-              <a:t>What is the Telecommunications Data Warehouse Model?</a:t>
-            </a:r>
-            <a:endParaRPr lang="en-US" dirty="0"/>
-          </a:p>
-        </p:txBody>
-      </p:sp>
-      <p:sp>
-        <p:nvSpPr>
-          <p:cNvPr id="2" name="Content Placeholder 1"/>
-          <p:cNvSpPr>
-            <a:spLocks noGrp="1"/>
-          </p:cNvSpPr>
-          <p:nvPr>
-            <p:ph idx="1"/>
-          </p:nvPr>
-        </p:nvSpPr>
-        <p:spPr/>
-        <p:txBody>
-          <a:bodyPr>
-            <a:normAutofit lnSpcReduction="10000"/>
-          </a:bodyPr>
-          <a:lstStyle/>
-          <a:p>
-            <a:r>
-              <a:rPr lang="en-US" dirty="0" smtClean="0"/>
-              <a:t>The Telecommunications Data Warehouse Model (TDWM) provides Operators with both the content and the infrastructure to support the provision of clean, rationalized and easily accessible data from a central information repository. It allows Operators to exploit the potential of information previously locked in legacy systems and summarized in distributed data marts in accessible to most business users.</a:t>
-            </a:r>
-          </a:p>
-        </p:txBody>
-      </p:sp>
-    </p:spTree>
-    <p:extLst>
-      <p:ext uri="{BB962C8B-B14F-4D97-AF65-F5344CB8AC3E}">
-        <p14:creationId xmlns:p14="http://schemas.microsoft.com/office/powerpoint/2010/main" val="3724462367"/>
-      </p:ext>
-    </p:extLst>
-  </p:cSld>
-  <p:clrMapOvr>
-    <a:masterClrMapping/>
-  </p:clrMapOvr>
-</p:sld>
-</file>
-
-<file path=ppt/slides/slide39.xml><?xml version="1.0" encoding="utf-8"?>
-<p:sld xmlns:a="http://schemas.openxmlformats.org/drawingml/2006/main" xmlns:r="http://schemas.openxmlformats.org/officeDocument/2006/relationships" xmlns:p="http://schemas.openxmlformats.org/presentationml/2006/main">
-  <p:cSld>
-    <p:spTree>
-      <p:nvGrpSpPr>
-        <p:cNvPr id="1" name=""/>
-        <p:cNvGrpSpPr/>
-        <p:nvPr/>
-      </p:nvGrpSpPr>
-      <p:grpSpPr>
-        <a:xfrm>
-          <a:off x="0" y="0"/>
-          <a:ext cx="0" cy="0"/>
-          <a:chOff x="0" y="0"/>
-          <a:chExt cx="0" cy="0"/>
-        </a:xfrm>
-      </p:grpSpPr>
-      <p:pic>
-        <p:nvPicPr>
-          <p:cNvPr id="4" name="Picture 2"/>
-          <p:cNvPicPr>
-            <a:picLocks noChangeAspect="1" noChangeArrowheads="1"/>
-          </p:cNvPicPr>
-          <p:nvPr/>
-        </p:nvPicPr>
-        <p:blipFill>
-          <a:blip r:embed="rId3"/>
-          <a:srcRect l="11875" t="45000" r="27500" b="17000"/>
-          <a:stretch>
-            <a:fillRect/>
-          </a:stretch>
-        </p:blipFill>
-        <p:spPr bwMode="auto">
-          <a:xfrm>
-            <a:off x="762000" y="1371600"/>
-            <a:ext cx="7391400" cy="2895600"/>
-          </a:xfrm>
-          <a:prstGeom prst="rect">
-            <a:avLst/>
-          </a:prstGeom>
-          <a:noFill/>
-          <a:ln w="9525">
-            <a:noFill/>
-            <a:miter lim="800000"/>
-            <a:headEnd/>
-            <a:tailEnd/>
-          </a:ln>
-          <a:effectLst/>
-        </p:spPr>
-      </p:pic>
-    </p:spTree>
-    <p:extLst>
-      <p:ext uri="{BB962C8B-B14F-4D97-AF65-F5344CB8AC3E}">
-        <p14:creationId xmlns:p14="http://schemas.microsoft.com/office/powerpoint/2010/main" val="294947683"/>
-      </p:ext>
-    </p:extLst>
-  </p:cSld>
-  <p:clrMapOvr>
-    <a:masterClrMapping/>
-  </p:clrMapOvr>
 </p:sld>
 </file>
 
@@ -8578,6 +9442,274 @@
       </p:grpSpPr>
       <p:pic>
         <p:nvPicPr>
+          <p:cNvPr id="4" name="Picture 6"/>
+          <p:cNvPicPr>
+            <a:picLocks noChangeAspect="1" noChangeArrowheads="1"/>
+          </p:cNvPicPr>
+          <p:nvPr/>
+        </p:nvPicPr>
+        <p:blipFill>
+          <a:blip r:embed="rId3"/>
+          <a:srcRect l="14375" t="11000" r="15000"/>
+          <a:stretch>
+            <a:fillRect/>
+          </a:stretch>
+        </p:blipFill>
+        <p:spPr bwMode="auto">
+          <a:xfrm>
+            <a:off x="-32" y="0"/>
+            <a:ext cx="8715436" cy="6864370"/>
+          </a:xfrm>
+          <a:prstGeom prst="rect">
+            <a:avLst/>
+          </a:prstGeom>
+          <a:noFill/>
+          <a:ln w="9525">
+            <a:noFill/>
+            <a:miter lim="800000"/>
+            <a:headEnd/>
+            <a:tailEnd/>
+          </a:ln>
+          <a:effectLst/>
+        </p:spPr>
+      </p:pic>
+    </p:spTree>
+    <p:extLst>
+      <p:ext uri="{BB962C8B-B14F-4D97-AF65-F5344CB8AC3E}">
+        <p14:creationId xmlns:p14="http://schemas.microsoft.com/office/powerpoint/2010/main" val="1160716067"/>
+      </p:ext>
+    </p:extLst>
+  </p:cSld>
+  <p:clrMapOvr>
+    <a:masterClrMapping/>
+  </p:clrMapOvr>
+</p:sld>
+</file>
+
+<file path=ppt/slides/slide41.xml><?xml version="1.0" encoding="utf-8"?>
+<p:sld xmlns:a="http://schemas.openxmlformats.org/drawingml/2006/main" xmlns:r="http://schemas.openxmlformats.org/officeDocument/2006/relationships" xmlns:p="http://schemas.openxmlformats.org/presentationml/2006/main">
+  <p:cSld>
+    <p:spTree>
+      <p:nvGrpSpPr>
+        <p:cNvPr id="1" name=""/>
+        <p:cNvGrpSpPr/>
+        <p:nvPr/>
+      </p:nvGrpSpPr>
+      <p:grpSpPr>
+        <a:xfrm>
+          <a:off x="0" y="0"/>
+          <a:ext cx="0" cy="0"/>
+          <a:chOff x="0" y="0"/>
+          <a:chExt cx="0" cy="0"/>
+        </a:xfrm>
+      </p:grpSpPr>
+      <p:pic>
+        <p:nvPicPr>
+          <p:cNvPr id="4" name="Picture 2"/>
+          <p:cNvPicPr>
+            <a:picLocks noChangeAspect="1" noChangeArrowheads="1"/>
+          </p:cNvPicPr>
+          <p:nvPr/>
+        </p:nvPicPr>
+        <p:blipFill>
+          <a:blip r:embed="rId3"/>
+          <a:srcRect l="24375" t="10000" r="18750" b="7000"/>
+          <a:stretch>
+            <a:fillRect/>
+          </a:stretch>
+        </p:blipFill>
+        <p:spPr bwMode="auto">
+          <a:xfrm>
+            <a:off x="839175" y="-24"/>
+            <a:ext cx="7519039" cy="6858024"/>
+          </a:xfrm>
+          <a:prstGeom prst="rect">
+            <a:avLst/>
+          </a:prstGeom>
+          <a:noFill/>
+          <a:ln w="9525">
+            <a:noFill/>
+            <a:miter lim="800000"/>
+            <a:headEnd/>
+            <a:tailEnd/>
+          </a:ln>
+          <a:effectLst/>
+        </p:spPr>
+      </p:pic>
+    </p:spTree>
+    <p:extLst>
+      <p:ext uri="{BB962C8B-B14F-4D97-AF65-F5344CB8AC3E}">
+        <p14:creationId xmlns:p14="http://schemas.microsoft.com/office/powerpoint/2010/main" val="3285242553"/>
+      </p:ext>
+    </p:extLst>
+  </p:cSld>
+  <p:clrMapOvr>
+    <a:masterClrMapping/>
+  </p:clrMapOvr>
+</p:sld>
+</file>
+
+<file path=ppt/slides/slide42.xml><?xml version="1.0" encoding="utf-8"?>
+<p:sld xmlns:a="http://schemas.openxmlformats.org/drawingml/2006/main" xmlns:r="http://schemas.openxmlformats.org/officeDocument/2006/relationships" xmlns:p="http://schemas.openxmlformats.org/presentationml/2006/main">
+  <p:cSld>
+    <p:spTree>
+      <p:nvGrpSpPr>
+        <p:cNvPr id="1" name=""/>
+        <p:cNvGrpSpPr/>
+        <p:nvPr/>
+      </p:nvGrpSpPr>
+      <p:grpSpPr>
+        <a:xfrm>
+          <a:off x="0" y="0"/>
+          <a:ext cx="0" cy="0"/>
+          <a:chOff x="0" y="0"/>
+          <a:chExt cx="0" cy="0"/>
+        </a:xfrm>
+      </p:grpSpPr>
+      <p:sp>
+        <p:nvSpPr>
+          <p:cNvPr id="3" name="Title 2"/>
+          <p:cNvSpPr>
+            <a:spLocks noGrp="1"/>
+          </p:cNvSpPr>
+          <p:nvPr>
+            <p:ph type="title"/>
+          </p:nvPr>
+        </p:nvSpPr>
+        <p:spPr/>
+        <p:txBody>
+          <a:bodyPr>
+            <a:normAutofit fontScale="90000"/>
+          </a:bodyPr>
+          <a:lstStyle/>
+          <a:p>
+            <a:r>
+              <a:rPr lang="en-US" dirty="0" smtClean="0"/>
+              <a:t>What is the Telecommunications Data Warehouse Model?</a:t>
+            </a:r>
+            <a:endParaRPr lang="en-US" dirty="0"/>
+          </a:p>
+        </p:txBody>
+      </p:sp>
+      <p:sp>
+        <p:nvSpPr>
+          <p:cNvPr id="2" name="Content Placeholder 1"/>
+          <p:cNvSpPr>
+            <a:spLocks noGrp="1"/>
+          </p:cNvSpPr>
+          <p:nvPr>
+            <p:ph idx="1"/>
+          </p:nvPr>
+        </p:nvSpPr>
+        <p:spPr/>
+        <p:txBody>
+          <a:bodyPr>
+            <a:normAutofit lnSpcReduction="10000"/>
+          </a:bodyPr>
+          <a:lstStyle/>
+          <a:p>
+            <a:r>
+              <a:rPr lang="en-US" dirty="0" smtClean="0"/>
+              <a:t>The Telecommunications Data Warehouse Model (TDWM) provides Operators with both the content and the infrastructure to support the provision of clean, rationalized and easily accessible data from a central information repository. It allows Operators to exploit the potential of information previously locked in legacy systems and summarized in distributed data marts in accessible to most business users.</a:t>
+            </a:r>
+          </a:p>
+        </p:txBody>
+      </p:sp>
+    </p:spTree>
+    <p:extLst>
+      <p:ext uri="{BB962C8B-B14F-4D97-AF65-F5344CB8AC3E}">
+        <p14:creationId xmlns:p14="http://schemas.microsoft.com/office/powerpoint/2010/main" val="3724462367"/>
+      </p:ext>
+    </p:extLst>
+  </p:cSld>
+  <p:clrMapOvr>
+    <a:masterClrMapping/>
+  </p:clrMapOvr>
+</p:sld>
+</file>
+
+<file path=ppt/slides/slide43.xml><?xml version="1.0" encoding="utf-8"?>
+<p:sld xmlns:a="http://schemas.openxmlformats.org/drawingml/2006/main" xmlns:r="http://schemas.openxmlformats.org/officeDocument/2006/relationships" xmlns:p="http://schemas.openxmlformats.org/presentationml/2006/main">
+  <p:cSld>
+    <p:spTree>
+      <p:nvGrpSpPr>
+        <p:cNvPr id="1" name=""/>
+        <p:cNvGrpSpPr/>
+        <p:nvPr/>
+      </p:nvGrpSpPr>
+      <p:grpSpPr>
+        <a:xfrm>
+          <a:off x="0" y="0"/>
+          <a:ext cx="0" cy="0"/>
+          <a:chOff x="0" y="0"/>
+          <a:chExt cx="0" cy="0"/>
+        </a:xfrm>
+      </p:grpSpPr>
+      <p:pic>
+        <p:nvPicPr>
+          <p:cNvPr id="4" name="Picture 2"/>
+          <p:cNvPicPr>
+            <a:picLocks noChangeAspect="1" noChangeArrowheads="1"/>
+          </p:cNvPicPr>
+          <p:nvPr/>
+        </p:nvPicPr>
+        <p:blipFill>
+          <a:blip r:embed="rId3"/>
+          <a:srcRect l="11875" t="45000" r="27500" b="17000"/>
+          <a:stretch>
+            <a:fillRect/>
+          </a:stretch>
+        </p:blipFill>
+        <p:spPr bwMode="auto">
+          <a:xfrm>
+            <a:off x="762000" y="1371600"/>
+            <a:ext cx="7391400" cy="2895600"/>
+          </a:xfrm>
+          <a:prstGeom prst="rect">
+            <a:avLst/>
+          </a:prstGeom>
+          <a:noFill/>
+          <a:ln w="9525">
+            <a:noFill/>
+            <a:miter lim="800000"/>
+            <a:headEnd/>
+            <a:tailEnd/>
+          </a:ln>
+          <a:effectLst/>
+        </p:spPr>
+      </p:pic>
+    </p:spTree>
+    <p:extLst>
+      <p:ext uri="{BB962C8B-B14F-4D97-AF65-F5344CB8AC3E}">
+        <p14:creationId xmlns:p14="http://schemas.microsoft.com/office/powerpoint/2010/main" val="294947683"/>
+      </p:ext>
+    </p:extLst>
+  </p:cSld>
+  <p:clrMapOvr>
+    <a:masterClrMapping/>
+  </p:clrMapOvr>
+</p:sld>
+</file>
+
+<file path=ppt/slides/slide44.xml><?xml version="1.0" encoding="utf-8"?>
+<p:sld xmlns:a="http://schemas.openxmlformats.org/drawingml/2006/main" xmlns:r="http://schemas.openxmlformats.org/officeDocument/2006/relationships" xmlns:p="http://schemas.openxmlformats.org/presentationml/2006/main">
+  <p:cSld>
+    <p:spTree>
+      <p:nvGrpSpPr>
+        <p:cNvPr id="1" name=""/>
+        <p:cNvGrpSpPr/>
+        <p:nvPr/>
+      </p:nvGrpSpPr>
+      <p:grpSpPr>
+        <a:xfrm>
+          <a:off x="0" y="0"/>
+          <a:ext cx="0" cy="0"/>
+          <a:chOff x="0" y="0"/>
+          <a:chExt cx="0" cy="0"/>
+        </a:xfrm>
+      </p:grpSpPr>
+      <p:pic>
+        <p:nvPicPr>
           <p:cNvPr id="4" name="Picture 2"/>
           <p:cNvPicPr>
             <a:picLocks noChangeAspect="1" noChangeArrowheads="1"/>
@@ -8622,7 +9754,7 @@
 </p:sld>
 </file>
 
-<file path=ppt/slides/slide41.xml><?xml version="1.0" encoding="utf-8"?>
+<file path=ppt/slides/slide45.xml><?xml version="1.0" encoding="utf-8"?>
 <p:sld xmlns:a="http://schemas.openxmlformats.org/drawingml/2006/main" xmlns:r="http://schemas.openxmlformats.org/officeDocument/2006/relationships" xmlns:p="http://schemas.openxmlformats.org/presentationml/2006/main">
   <p:cSld>
     <p:spTree>
@@ -8909,7 +10041,7 @@
 </p:sld>
 </file>
 
-<file path=ppt/slides/slide42.xml><?xml version="1.0" encoding="utf-8"?>
+<file path=ppt/slides/slide46.xml><?xml version="1.0" encoding="utf-8"?>
 <p:sld xmlns:a="http://schemas.openxmlformats.org/drawingml/2006/main" xmlns:r="http://schemas.openxmlformats.org/officeDocument/2006/relationships" xmlns:p="http://schemas.openxmlformats.org/presentationml/2006/main">
   <p:cSld>
     <p:spTree>
@@ -9130,27 +10262,29 @@
       </p:sp>
       <p:pic>
         <p:nvPicPr>
-          <p:cNvPr id="1026" name="Picture 2"/>
+          <p:cNvPr id="3" name="Picture 2"/>
           <p:cNvPicPr>
             <a:picLocks noChangeAspect="1" noChangeArrowheads="1"/>
           </p:cNvPicPr>
           <p:nvPr/>
         </p:nvPicPr>
-        <p:blipFill rotWithShape="1">
-          <a:blip r:embed="rId2">
+        <p:blipFill>
+          <a:blip r:embed="rId3">
             <a:extLst>
               <a:ext uri="{28A0092B-C50C-407E-A947-70E740481C1C}">
                 <a14:useLocalDpi xmlns:a14="http://schemas.microsoft.com/office/drawing/2010/main" val="0"/>
               </a:ext>
             </a:extLst>
           </a:blip>
-          <a:srcRect l="9698" t="21121" r="18211" b="15574"/>
-          <a:stretch/>
+          <a:srcRect/>
+          <a:stretch>
+            <a:fillRect/>
+          </a:stretch>
         </p:blipFill>
         <p:spPr bwMode="auto">
           <a:xfrm>
-            <a:off x="1066800" y="1371600"/>
-            <a:ext cx="7031421" cy="4630928"/>
+            <a:off x="0" y="1236662"/>
+            <a:ext cx="9144000" cy="4859338"/>
           </a:xfrm>
           <a:prstGeom prst="rect">
             <a:avLst/>
@@ -9159,16 +10293,7 @@
           <a:ln>
             <a:noFill/>
           </a:ln>
-          <a:effectLst>
-            <a:glow rad="152400">
-              <a:schemeClr val="accent1">
-                <a:alpha val="40000"/>
-              </a:schemeClr>
-            </a:glow>
-            <a:outerShdw dist="35921" dir="2700000" algn="ctr" rotWithShape="0">
-              <a:schemeClr val="bg2"/>
-            </a:outerShdw>
-          </a:effectLst>
+          <a:effectLst/>
           <a:extLst>
             <a:ext uri="{909E8E84-426E-40DD-AFC4-6F175D3DCCD1}">
               <a14:hiddenFill xmlns:a14="http://schemas.microsoft.com/office/drawing/2010/main">
@@ -9187,19 +10312,35 @@
                 <a:tailEnd/>
               </a14:hiddenLine>
             </a:ext>
+            <a:ext uri="{AF507438-7753-43E0-B8FC-AC1667EBCBE1}">
+              <a14:hiddenEffects xmlns:a14="http://schemas.microsoft.com/office/drawing/2010/main">
+                <a:effectLst>
+                  <a:outerShdw dist="35921" dir="2700000" algn="ctr" rotWithShape="0">
+                    <a:schemeClr val="bg2"/>
+                  </a:outerShdw>
+                </a:effectLst>
+              </a14:hiddenEffects>
+            </a:ext>
           </a:extLst>
         </p:spPr>
       </p:pic>
     </p:spTree>
     <p:extLst>
       <p:ext uri="{BB962C8B-B14F-4D97-AF65-F5344CB8AC3E}">
-        <p14:creationId xmlns:p14="http://schemas.microsoft.com/office/powerpoint/2010/main" val="1595124121"/>
+        <p14:creationId xmlns:p14="http://schemas.microsoft.com/office/powerpoint/2010/main" val="3558073700"/>
       </p:ext>
     </p:extLst>
   </p:cSld>
   <p:clrMapOvr>
     <a:masterClrMapping/>
   </p:clrMapOvr>
+  <p:timing>
+    <p:tnLst>
+      <p:par>
+        <p:cTn id="1" dur="indefinite" restart="never" nodeType="tmRoot"/>
+      </p:par>
+    </p:tnLst>
+  </p:timing>
 </p:sld>
 </file>
 
